--- a/Paraview-postprocessor.pptx
+++ b/Paraview-postprocessor.pptx
@@ -1,31 +1,463 @@
 
 <file path=ppt/presentation.xml><?xml version="1.0" encoding="utf-8"?>
-<p:presentation xmlns:a="http://schemas.openxmlformats.org/drawingml/2006/main" xmlns:p="http://schemas.openxmlformats.org/presentationml/2006/main" xmlns:r="http://schemas.openxmlformats.org/officeDocument/2006/relationships" xmlns:p14="http://schemas.microsoft.com/office/powerpoint/2010/main" xmlns:p15="http://schemas.microsoft.com/office/powerpoint/2012/main" xmlns:mc="http://schemas.openxmlformats.org/markup-compatibility/2006">
+<p:presentation xmlns:a="http://schemas.openxmlformats.org/drawingml/2006/main" xmlns:r="http://schemas.openxmlformats.org/officeDocument/2006/relationships" xmlns:p="http://schemas.openxmlformats.org/presentationml/2006/main">
   <p:sldMasterIdLst>
-    <p:sldMasterId id="2147483648" r:id="rId2"/>
-    <p:sldMasterId id="2147483661" r:id="rId3"/>
+    <p:sldMasterId id="2147483648" r:id="rId1"/>
+    <p:sldMasterId id="2147483661" r:id="rId2"/>
   </p:sldMasterIdLst>
   <p:notesMasterIdLst>
-    <p:notesMasterId r:id="rId4"/>
+    <p:notesMasterId r:id="rId12"/>
   </p:notesMasterIdLst>
   <p:sldIdLst>
-    <p:sldId id="256" r:id="rId5"/>
-    <p:sldId id="257" r:id="rId6"/>
-    <p:sldId id="258" r:id="rId7"/>
-    <p:sldId id="259" r:id="rId8"/>
-    <p:sldId id="260" r:id="rId9"/>
-    <p:sldId id="261" r:id="rId10"/>
-    <p:sldId id="262" r:id="rId11"/>
-    <p:sldId id="263" r:id="rId12"/>
-    <p:sldId id="264" r:id="rId13"/>
+    <p:sldId id="256" r:id="rId3"/>
+    <p:sldId id="257" r:id="rId4"/>
+    <p:sldId id="265" r:id="rId5"/>
+    <p:sldId id="258" r:id="rId6"/>
+    <p:sldId id="259" r:id="rId7"/>
+    <p:sldId id="260" r:id="rId8"/>
+    <p:sldId id="261" r:id="rId9"/>
+    <p:sldId id="263" r:id="rId10"/>
+    <p:sldId id="264" r:id="rId11"/>
   </p:sldIdLst>
-  <p:sldSz cx="9144000" cy="6858000"/>
-  <p:notesSz cx="9925050" cy="6665912"/>
+  <p:sldSz cx="9144000" cy="6858000" type="screen4x3"/>
+  <p:notesSz cx="9925050" cy="6665913"/>
+  <p:defaultTextStyle>
+    <a:defPPr>
+      <a:defRPr lang="en-US"/>
+    </a:defPPr>
+    <a:lvl1pPr marL="0" algn="l" defTabSz="914400" rtl="0" eaLnBrk="1" latinLnBrk="0" hangingPunct="1">
+      <a:defRPr sz="1800" kern="1200">
+        <a:solidFill>
+          <a:schemeClr val="tx1"/>
+        </a:solidFill>
+        <a:latin typeface="+mn-lt"/>
+        <a:ea typeface="+mn-ea"/>
+        <a:cs typeface="+mn-cs"/>
+      </a:defRPr>
+    </a:lvl1pPr>
+    <a:lvl2pPr marL="457200" algn="l" defTabSz="914400" rtl="0" eaLnBrk="1" latinLnBrk="0" hangingPunct="1">
+      <a:defRPr sz="1800" kern="1200">
+        <a:solidFill>
+          <a:schemeClr val="tx1"/>
+        </a:solidFill>
+        <a:latin typeface="+mn-lt"/>
+        <a:ea typeface="+mn-ea"/>
+        <a:cs typeface="+mn-cs"/>
+      </a:defRPr>
+    </a:lvl2pPr>
+    <a:lvl3pPr marL="914400" algn="l" defTabSz="914400" rtl="0" eaLnBrk="1" latinLnBrk="0" hangingPunct="1">
+      <a:defRPr sz="1800" kern="1200">
+        <a:solidFill>
+          <a:schemeClr val="tx1"/>
+        </a:solidFill>
+        <a:latin typeface="+mn-lt"/>
+        <a:ea typeface="+mn-ea"/>
+        <a:cs typeface="+mn-cs"/>
+      </a:defRPr>
+    </a:lvl3pPr>
+    <a:lvl4pPr marL="1371600" algn="l" defTabSz="914400" rtl="0" eaLnBrk="1" latinLnBrk="0" hangingPunct="1">
+      <a:defRPr sz="1800" kern="1200">
+        <a:solidFill>
+          <a:schemeClr val="tx1"/>
+        </a:solidFill>
+        <a:latin typeface="+mn-lt"/>
+        <a:ea typeface="+mn-ea"/>
+        <a:cs typeface="+mn-cs"/>
+      </a:defRPr>
+    </a:lvl4pPr>
+    <a:lvl5pPr marL="1828800" algn="l" defTabSz="914400" rtl="0" eaLnBrk="1" latinLnBrk="0" hangingPunct="1">
+      <a:defRPr sz="1800" kern="1200">
+        <a:solidFill>
+          <a:schemeClr val="tx1"/>
+        </a:solidFill>
+        <a:latin typeface="+mn-lt"/>
+        <a:ea typeface="+mn-ea"/>
+        <a:cs typeface="+mn-cs"/>
+      </a:defRPr>
+    </a:lvl5pPr>
+    <a:lvl6pPr marL="2286000" algn="l" defTabSz="914400" rtl="0" eaLnBrk="1" latinLnBrk="0" hangingPunct="1">
+      <a:defRPr sz="1800" kern="1200">
+        <a:solidFill>
+          <a:schemeClr val="tx1"/>
+        </a:solidFill>
+        <a:latin typeface="+mn-lt"/>
+        <a:ea typeface="+mn-ea"/>
+        <a:cs typeface="+mn-cs"/>
+      </a:defRPr>
+    </a:lvl6pPr>
+    <a:lvl7pPr marL="2743200" algn="l" defTabSz="914400" rtl="0" eaLnBrk="1" latinLnBrk="0" hangingPunct="1">
+      <a:defRPr sz="1800" kern="1200">
+        <a:solidFill>
+          <a:schemeClr val="tx1"/>
+        </a:solidFill>
+        <a:latin typeface="+mn-lt"/>
+        <a:ea typeface="+mn-ea"/>
+        <a:cs typeface="+mn-cs"/>
+      </a:defRPr>
+    </a:lvl7pPr>
+    <a:lvl8pPr marL="3200400" algn="l" defTabSz="914400" rtl="0" eaLnBrk="1" latinLnBrk="0" hangingPunct="1">
+      <a:defRPr sz="1800" kern="1200">
+        <a:solidFill>
+          <a:schemeClr val="tx1"/>
+        </a:solidFill>
+        <a:latin typeface="+mn-lt"/>
+        <a:ea typeface="+mn-ea"/>
+        <a:cs typeface="+mn-cs"/>
+      </a:defRPr>
+    </a:lvl8pPr>
+    <a:lvl9pPr marL="3657600" algn="l" defTabSz="914400" rtl="0" eaLnBrk="1" latinLnBrk="0" hangingPunct="1">
+      <a:defRPr sz="1800" kern="1200">
+        <a:solidFill>
+          <a:schemeClr val="tx1"/>
+        </a:solidFill>
+        <a:latin typeface="+mn-lt"/>
+        <a:ea typeface="+mn-ea"/>
+        <a:cs typeface="+mn-cs"/>
+      </a:defRPr>
+    </a:lvl9pPr>
+  </p:defaultTextStyle>
 </p:presentation>
 </file>
 
+<file path=ppt/revisionInfo.xml><?xml version="1.0" encoding="utf-8"?>
+<p1510:revInfo xmlns:a="http://schemas.openxmlformats.org/drawingml/2006/main" xmlns:r="http://schemas.openxmlformats.org/officeDocument/2006/relationships" xmlns:p1510="http://schemas.microsoft.com/office/powerpoint/2015/10/main"/>
+</file>
+
 <file path=ppt/notesMasters/notesMaster1.xml><?xml version="1.0" encoding="utf-8"?>
-<p:notesMaster xmlns:a="http://schemas.openxmlformats.org/drawingml/2006/main" xmlns:p="http://schemas.openxmlformats.org/presentationml/2006/main" xmlns:r="http://schemas.openxmlformats.org/officeDocument/2006/relationships" xmlns:p14="http://schemas.microsoft.com/office/powerpoint/2010/main" xmlns:p15="http://schemas.microsoft.com/office/powerpoint/2012/main" xmlns:mc="http://schemas.openxmlformats.org/markup-compatibility/2006">
+<p:notesMaster xmlns:a="http://schemas.openxmlformats.org/drawingml/2006/main" xmlns:r="http://schemas.openxmlformats.org/officeDocument/2006/relationships" xmlns:p="http://schemas.openxmlformats.org/presentationml/2006/main">
+  <p:cSld>
+    <p:bg>
+      <p:bgRef idx="1001">
+        <a:schemeClr val="bg1"/>
+      </p:bgRef>
+    </p:bg>
+    <p:spTree>
+      <p:nvGrpSpPr>
+        <p:cNvPr id="1" name=""/>
+        <p:cNvGrpSpPr/>
+        <p:nvPr/>
+      </p:nvGrpSpPr>
+      <p:grpSpPr>
+        <a:xfrm>
+          <a:off x="0" y="0"/>
+          <a:ext cx="0" cy="0"/>
+          <a:chOff x="0" y="0"/>
+          <a:chExt cx="0" cy="0"/>
+        </a:xfrm>
+      </p:grpSpPr>
+      <p:sp>
+        <p:nvSpPr>
+          <p:cNvPr id="79" name="PlaceHolder 1"/>
+          <p:cNvSpPr>
+            <a:spLocks noGrp="1"/>
+          </p:cNvSpPr>
+          <p:nvPr>
+            <p:ph type="body"/>
+          </p:nvPr>
+        </p:nvSpPr>
+        <p:spPr>
+          <a:xfrm>
+            <a:off x="756000" y="5078520"/>
+            <a:ext cx="6047640" cy="4811040"/>
+          </a:xfrm>
+          <a:prstGeom prst="rect">
+            <a:avLst/>
+          </a:prstGeom>
+        </p:spPr>
+        <p:txBody>
+          <a:bodyPr lIns="0" tIns="0" rIns="0" bIns="0"/>
+          <a:lstStyle/>
+          <a:p>
+            <a:r>
+              <a:rPr lang="de-DE" sz="2000" b="0" strike="noStrike" spc="-1">
+                <a:solidFill>
+                  <a:srgbClr val="000000"/>
+                </a:solidFill>
+                <a:uFill>
+                  <a:solidFill>
+                    <a:srgbClr val="FFFFFF"/>
+                  </a:solidFill>
+                </a:uFill>
+                <a:latin typeface="Arial"/>
+              </a:rPr>
+              <a:t>Click to edit the notes format</a:t>
+            </a:r>
+          </a:p>
+        </p:txBody>
+      </p:sp>
+      <p:sp>
+        <p:nvSpPr>
+          <p:cNvPr id="80" name="PlaceHolder 2"/>
+          <p:cNvSpPr>
+            <a:spLocks noGrp="1"/>
+          </p:cNvSpPr>
+          <p:nvPr>
+            <p:ph type="hdr"/>
+          </p:nvPr>
+        </p:nvSpPr>
+        <p:spPr>
+          <a:xfrm>
+            <a:off x="0" y="0"/>
+            <a:ext cx="3280680" cy="534240"/>
+          </a:xfrm>
+          <a:prstGeom prst="rect">
+            <a:avLst/>
+          </a:prstGeom>
+        </p:spPr>
+        <p:txBody>
+          <a:bodyPr lIns="0" tIns="0" rIns="0" bIns="0"/>
+          <a:lstStyle/>
+          <a:p>
+            <a:r>
+              <a:rPr lang="de-DE" sz="1400" b="0" strike="noStrike" spc="-1">
+                <a:solidFill>
+                  <a:srgbClr val="000000"/>
+                </a:solidFill>
+                <a:uFill>
+                  <a:solidFill>
+                    <a:srgbClr val="FFFFFF"/>
+                  </a:solidFill>
+                </a:uFill>
+                <a:latin typeface="Times New Roman"/>
+              </a:rPr>
+              <a:t> </a:t>
+            </a:r>
+          </a:p>
+        </p:txBody>
+      </p:sp>
+      <p:sp>
+        <p:nvSpPr>
+          <p:cNvPr id="81" name="PlaceHolder 3"/>
+          <p:cNvSpPr>
+            <a:spLocks noGrp="1"/>
+          </p:cNvSpPr>
+          <p:nvPr>
+            <p:ph type="dt"/>
+          </p:nvPr>
+        </p:nvSpPr>
+        <p:spPr>
+          <a:xfrm>
+            <a:off x="4278960" y="0"/>
+            <a:ext cx="3280680" cy="534240"/>
+          </a:xfrm>
+          <a:prstGeom prst="rect">
+            <a:avLst/>
+          </a:prstGeom>
+        </p:spPr>
+        <p:txBody>
+          <a:bodyPr lIns="0" tIns="0" rIns="0" bIns="0"/>
+          <a:lstStyle/>
+          <a:p>
+            <a:pPr algn="r"/>
+            <a:r>
+              <a:rPr lang="de-DE" sz="1400" b="0" strike="noStrike" spc="-1">
+                <a:solidFill>
+                  <a:srgbClr val="000000"/>
+                </a:solidFill>
+                <a:uFill>
+                  <a:solidFill>
+                    <a:srgbClr val="FFFFFF"/>
+                  </a:solidFill>
+                </a:uFill>
+                <a:latin typeface="Times New Roman"/>
+              </a:rPr>
+              <a:t> </a:t>
+            </a:r>
+          </a:p>
+        </p:txBody>
+      </p:sp>
+      <p:sp>
+        <p:nvSpPr>
+          <p:cNvPr id="82" name="PlaceHolder 4"/>
+          <p:cNvSpPr>
+            <a:spLocks noGrp="1"/>
+          </p:cNvSpPr>
+          <p:nvPr>
+            <p:ph type="ftr"/>
+          </p:nvPr>
+        </p:nvSpPr>
+        <p:spPr>
+          <a:xfrm>
+            <a:off x="0" y="10157400"/>
+            <a:ext cx="3280680" cy="534240"/>
+          </a:xfrm>
+          <a:prstGeom prst="rect">
+            <a:avLst/>
+          </a:prstGeom>
+        </p:spPr>
+        <p:txBody>
+          <a:bodyPr lIns="0" tIns="0" rIns="0" bIns="0" anchor="b"/>
+          <a:lstStyle/>
+          <a:p>
+            <a:r>
+              <a:rPr lang="de-DE" sz="1400" b="0" strike="noStrike" spc="-1">
+                <a:solidFill>
+                  <a:srgbClr val="000000"/>
+                </a:solidFill>
+                <a:uFill>
+                  <a:solidFill>
+                    <a:srgbClr val="FFFFFF"/>
+                  </a:solidFill>
+                </a:uFill>
+                <a:latin typeface="Times New Roman"/>
+              </a:rPr>
+              <a:t> </a:t>
+            </a:r>
+          </a:p>
+        </p:txBody>
+      </p:sp>
+      <p:sp>
+        <p:nvSpPr>
+          <p:cNvPr id="83" name="PlaceHolder 5"/>
+          <p:cNvSpPr>
+            <a:spLocks noGrp="1"/>
+          </p:cNvSpPr>
+          <p:nvPr>
+            <p:ph type="sldNum"/>
+          </p:nvPr>
+        </p:nvSpPr>
+        <p:spPr>
+          <a:xfrm>
+            <a:off x="4278960" y="10157400"/>
+            <a:ext cx="3280680" cy="534240"/>
+          </a:xfrm>
+          <a:prstGeom prst="rect">
+            <a:avLst/>
+          </a:prstGeom>
+        </p:spPr>
+        <p:txBody>
+          <a:bodyPr lIns="0" tIns="0" rIns="0" bIns="0" anchor="b"/>
+          <a:lstStyle/>
+          <a:p>
+            <a:pPr algn="r"/>
+            <a:fld id="{F85566D8-32A1-405C-8759-BE29AE00642C}" type="slidenum">
+              <a:rPr lang="de-DE" sz="1400" b="0" strike="noStrike" spc="-1">
+                <a:solidFill>
+                  <a:srgbClr val="000000"/>
+                </a:solidFill>
+                <a:uFill>
+                  <a:solidFill>
+                    <a:srgbClr val="FFFFFF"/>
+                  </a:solidFill>
+                </a:uFill>
+                <a:latin typeface="Times New Roman"/>
+              </a:rPr>
+              <a:t>‹Nr.›</a:t>
+            </a:fld>
+            <a:endParaRPr lang="de-DE" sz="1400" b="0" strike="noStrike" spc="-1">
+              <a:solidFill>
+                <a:srgbClr val="000000"/>
+              </a:solidFill>
+              <a:uFill>
+                <a:solidFill>
+                  <a:srgbClr val="FFFFFF"/>
+                </a:solidFill>
+              </a:uFill>
+              <a:latin typeface="Times New Roman"/>
+            </a:endParaRPr>
+          </a:p>
+        </p:txBody>
+      </p:sp>
+    </p:spTree>
+  </p:cSld>
+  <p:clrMap bg1="lt1" tx1="dk1" bg2="lt2" tx2="dk2" accent1="accent1" accent2="accent2" accent3="accent3" accent4="accent4" accent5="accent5" accent6="accent6" hlink="hlink" folHlink="folHlink"/>
+  <p:notesStyle>
+    <a:lvl1pPr marL="0" algn="l" defTabSz="914400" rtl="0" eaLnBrk="1" latinLnBrk="0" hangingPunct="1">
+      <a:defRPr sz="1200" kern="1200">
+        <a:solidFill>
+          <a:schemeClr val="tx1"/>
+        </a:solidFill>
+        <a:latin typeface="+mn-lt"/>
+        <a:ea typeface="+mn-ea"/>
+        <a:cs typeface="+mn-cs"/>
+      </a:defRPr>
+    </a:lvl1pPr>
+    <a:lvl2pPr marL="457200" algn="l" defTabSz="914400" rtl="0" eaLnBrk="1" latinLnBrk="0" hangingPunct="1">
+      <a:defRPr sz="1200" kern="1200">
+        <a:solidFill>
+          <a:schemeClr val="tx1"/>
+        </a:solidFill>
+        <a:latin typeface="+mn-lt"/>
+        <a:ea typeface="+mn-ea"/>
+        <a:cs typeface="+mn-cs"/>
+      </a:defRPr>
+    </a:lvl2pPr>
+    <a:lvl3pPr marL="914400" algn="l" defTabSz="914400" rtl="0" eaLnBrk="1" latinLnBrk="0" hangingPunct="1">
+      <a:defRPr sz="1200" kern="1200">
+        <a:solidFill>
+          <a:schemeClr val="tx1"/>
+        </a:solidFill>
+        <a:latin typeface="+mn-lt"/>
+        <a:ea typeface="+mn-ea"/>
+        <a:cs typeface="+mn-cs"/>
+      </a:defRPr>
+    </a:lvl3pPr>
+    <a:lvl4pPr marL="1371600" algn="l" defTabSz="914400" rtl="0" eaLnBrk="1" latinLnBrk="0" hangingPunct="1">
+      <a:defRPr sz="1200" kern="1200">
+        <a:solidFill>
+          <a:schemeClr val="tx1"/>
+        </a:solidFill>
+        <a:latin typeface="+mn-lt"/>
+        <a:ea typeface="+mn-ea"/>
+        <a:cs typeface="+mn-cs"/>
+      </a:defRPr>
+    </a:lvl4pPr>
+    <a:lvl5pPr marL="1828800" algn="l" defTabSz="914400" rtl="0" eaLnBrk="1" latinLnBrk="0" hangingPunct="1">
+      <a:defRPr sz="1200" kern="1200">
+        <a:solidFill>
+          <a:schemeClr val="tx1"/>
+        </a:solidFill>
+        <a:latin typeface="+mn-lt"/>
+        <a:ea typeface="+mn-ea"/>
+        <a:cs typeface="+mn-cs"/>
+      </a:defRPr>
+    </a:lvl5pPr>
+    <a:lvl6pPr marL="2286000" algn="l" defTabSz="914400" rtl="0" eaLnBrk="1" latinLnBrk="0" hangingPunct="1">
+      <a:defRPr sz="1200" kern="1200">
+        <a:solidFill>
+          <a:schemeClr val="tx1"/>
+        </a:solidFill>
+        <a:latin typeface="+mn-lt"/>
+        <a:ea typeface="+mn-ea"/>
+        <a:cs typeface="+mn-cs"/>
+      </a:defRPr>
+    </a:lvl6pPr>
+    <a:lvl7pPr marL="2743200" algn="l" defTabSz="914400" rtl="0" eaLnBrk="1" latinLnBrk="0" hangingPunct="1">
+      <a:defRPr sz="1200" kern="1200">
+        <a:solidFill>
+          <a:schemeClr val="tx1"/>
+        </a:solidFill>
+        <a:latin typeface="+mn-lt"/>
+        <a:ea typeface="+mn-ea"/>
+        <a:cs typeface="+mn-cs"/>
+      </a:defRPr>
+    </a:lvl7pPr>
+    <a:lvl8pPr marL="3200400" algn="l" defTabSz="914400" rtl="0" eaLnBrk="1" latinLnBrk="0" hangingPunct="1">
+      <a:defRPr sz="1200" kern="1200">
+        <a:solidFill>
+          <a:schemeClr val="tx1"/>
+        </a:solidFill>
+        <a:latin typeface="+mn-lt"/>
+        <a:ea typeface="+mn-ea"/>
+        <a:cs typeface="+mn-cs"/>
+      </a:defRPr>
+    </a:lvl8pPr>
+    <a:lvl9pPr marL="3657600" algn="l" defTabSz="914400" rtl="0" eaLnBrk="1" latinLnBrk="0" hangingPunct="1">
+      <a:defRPr sz="1200" kern="1200">
+        <a:solidFill>
+          <a:schemeClr val="tx1"/>
+        </a:solidFill>
+        <a:latin typeface="+mn-lt"/>
+        <a:ea typeface="+mn-ea"/>
+        <a:cs typeface="+mn-cs"/>
+      </a:defRPr>
+    </a:lvl9pPr>
+  </p:notesStyle>
+</p:notesMaster>
+</file>
+
+<file path=ppt/notesSlides/notesSlide1.xml><?xml version="1.0" encoding="utf-8"?>
+<p:notes xmlns:a="http://schemas.openxmlformats.org/drawingml/2006/main" xmlns:r="http://schemas.openxmlformats.org/officeDocument/2006/relationships" xmlns:p="http://schemas.openxmlformats.org/presentationml/2006/main">
   <p:cSld>
     <p:spTree>
       <p:nvGrpSpPr>
@@ -43,281 +475,6 @@
       </p:grpSpPr>
       <p:sp>
         <p:nvSpPr>
-          <p:cNvPr id="79" name="PlaceHolder 1"/>
-          <p:cNvSpPr>
-            <a:spLocks noGrp="1"/>
-          </p:cNvSpPr>
-          <p:nvPr>
-            <p:ph type="body"/>
-          </p:nvPr>
-        </p:nvSpPr>
-        <p:spPr>
-          <a:xfrm>
-            <a:off x="756000" y="5078520"/>
-            <a:ext cx="6047640" cy="4811040"/>
-          </a:xfrm>
-          <a:prstGeom prst="rect">
-            <a:avLst/>
-          </a:prstGeom>
-        </p:spPr>
-        <p:txBody>
-          <a:bodyPr lIns="0" rIns="0" tIns="0" bIns="0"/>
-          <a:p>
-            <a:r>
-              <a:rPr b="0" lang="de-DE" sz="2000" spc="-1" strike="noStrike">
-                <a:solidFill>
-                  <a:srgbClr val="000000"/>
-                </a:solidFill>
-                <a:uFill>
-                  <a:solidFill>
-                    <a:srgbClr val="ffffff"/>
-                  </a:solidFill>
-                </a:uFill>
-                <a:latin typeface="Arial"/>
-              </a:rPr>
-              <a:t>Click to edit the notes format</a:t>
-            </a:r>
-            <a:endParaRPr b="0" lang="de-DE" sz="2000" spc="-1" strike="noStrike">
-              <a:solidFill>
-                <a:srgbClr val="000000"/>
-              </a:solidFill>
-              <a:uFill>
-                <a:solidFill>
-                  <a:srgbClr val="ffffff"/>
-                </a:solidFill>
-              </a:uFill>
-              <a:latin typeface="Arial"/>
-            </a:endParaRPr>
-          </a:p>
-        </p:txBody>
-      </p:sp>
-      <p:sp>
-        <p:nvSpPr>
-          <p:cNvPr id="80" name="PlaceHolder 2"/>
-          <p:cNvSpPr>
-            <a:spLocks noGrp="1"/>
-          </p:cNvSpPr>
-          <p:nvPr>
-            <p:ph type="hdr"/>
-          </p:nvPr>
-        </p:nvSpPr>
-        <p:spPr>
-          <a:xfrm>
-            <a:off x="0" y="0"/>
-            <a:ext cx="3280680" cy="534240"/>
-          </a:xfrm>
-          <a:prstGeom prst="rect">
-            <a:avLst/>
-          </a:prstGeom>
-        </p:spPr>
-        <p:txBody>
-          <a:bodyPr lIns="0" rIns="0" tIns="0" bIns="0"/>
-          <a:p>
-            <a:r>
-              <a:rPr b="0" lang="de-DE" sz="1400" spc="-1" strike="noStrike">
-                <a:solidFill>
-                  <a:srgbClr val="000000"/>
-                </a:solidFill>
-                <a:uFill>
-                  <a:solidFill>
-                    <a:srgbClr val="ffffff"/>
-                  </a:solidFill>
-                </a:uFill>
-                <a:latin typeface="Times New Roman"/>
-              </a:rPr>
-              <a:t> </a:t>
-            </a:r>
-            <a:endParaRPr b="0" lang="de-DE" sz="1400" spc="-1" strike="noStrike">
-              <a:solidFill>
-                <a:srgbClr val="000000"/>
-              </a:solidFill>
-              <a:uFill>
-                <a:solidFill>
-                  <a:srgbClr val="ffffff"/>
-                </a:solidFill>
-              </a:uFill>
-              <a:latin typeface="Times New Roman"/>
-            </a:endParaRPr>
-          </a:p>
-        </p:txBody>
-      </p:sp>
-      <p:sp>
-        <p:nvSpPr>
-          <p:cNvPr id="81" name="PlaceHolder 3"/>
-          <p:cNvSpPr>
-            <a:spLocks noGrp="1"/>
-          </p:cNvSpPr>
-          <p:nvPr>
-            <p:ph type="dt"/>
-          </p:nvPr>
-        </p:nvSpPr>
-        <p:spPr>
-          <a:xfrm>
-            <a:off x="4278960" y="0"/>
-            <a:ext cx="3280680" cy="534240"/>
-          </a:xfrm>
-          <a:prstGeom prst="rect">
-            <a:avLst/>
-          </a:prstGeom>
-        </p:spPr>
-        <p:txBody>
-          <a:bodyPr lIns="0" rIns="0" tIns="0" bIns="0"/>
-          <a:p>
-            <a:pPr algn="r"/>
-            <a:r>
-              <a:rPr b="0" lang="de-DE" sz="1400" spc="-1" strike="noStrike">
-                <a:solidFill>
-                  <a:srgbClr val="000000"/>
-                </a:solidFill>
-                <a:uFill>
-                  <a:solidFill>
-                    <a:srgbClr val="ffffff"/>
-                  </a:solidFill>
-                </a:uFill>
-                <a:latin typeface="Times New Roman"/>
-              </a:rPr>
-              <a:t> </a:t>
-            </a:r>
-            <a:endParaRPr b="0" lang="de-DE" sz="1400" spc="-1" strike="noStrike">
-              <a:solidFill>
-                <a:srgbClr val="000000"/>
-              </a:solidFill>
-              <a:uFill>
-                <a:solidFill>
-                  <a:srgbClr val="ffffff"/>
-                </a:solidFill>
-              </a:uFill>
-              <a:latin typeface="Times New Roman"/>
-            </a:endParaRPr>
-          </a:p>
-        </p:txBody>
-      </p:sp>
-      <p:sp>
-        <p:nvSpPr>
-          <p:cNvPr id="82" name="PlaceHolder 4"/>
-          <p:cNvSpPr>
-            <a:spLocks noGrp="1"/>
-          </p:cNvSpPr>
-          <p:nvPr>
-            <p:ph type="ftr"/>
-          </p:nvPr>
-        </p:nvSpPr>
-        <p:spPr>
-          <a:xfrm>
-            <a:off x="0" y="10157400"/>
-            <a:ext cx="3280680" cy="534240"/>
-          </a:xfrm>
-          <a:prstGeom prst="rect">
-            <a:avLst/>
-          </a:prstGeom>
-        </p:spPr>
-        <p:txBody>
-          <a:bodyPr lIns="0" rIns="0" tIns="0" bIns="0" anchor="b"/>
-          <a:p>
-            <a:r>
-              <a:rPr b="0" lang="de-DE" sz="1400" spc="-1" strike="noStrike">
-                <a:solidFill>
-                  <a:srgbClr val="000000"/>
-                </a:solidFill>
-                <a:uFill>
-                  <a:solidFill>
-                    <a:srgbClr val="ffffff"/>
-                  </a:solidFill>
-                </a:uFill>
-                <a:latin typeface="Times New Roman"/>
-              </a:rPr>
-              <a:t> </a:t>
-            </a:r>
-            <a:endParaRPr b="0" lang="de-DE" sz="1400" spc="-1" strike="noStrike">
-              <a:solidFill>
-                <a:srgbClr val="000000"/>
-              </a:solidFill>
-              <a:uFill>
-                <a:solidFill>
-                  <a:srgbClr val="ffffff"/>
-                </a:solidFill>
-              </a:uFill>
-              <a:latin typeface="Times New Roman"/>
-            </a:endParaRPr>
-          </a:p>
-        </p:txBody>
-      </p:sp>
-      <p:sp>
-        <p:nvSpPr>
-          <p:cNvPr id="83" name="PlaceHolder 5"/>
-          <p:cNvSpPr>
-            <a:spLocks noGrp="1"/>
-          </p:cNvSpPr>
-          <p:nvPr>
-            <p:ph type="sldNum"/>
-          </p:nvPr>
-        </p:nvSpPr>
-        <p:spPr>
-          <a:xfrm>
-            <a:off x="4278960" y="10157400"/>
-            <a:ext cx="3280680" cy="534240"/>
-          </a:xfrm>
-          <a:prstGeom prst="rect">
-            <a:avLst/>
-          </a:prstGeom>
-        </p:spPr>
-        <p:txBody>
-          <a:bodyPr lIns="0" rIns="0" tIns="0" bIns="0" anchor="b"/>
-          <a:p>
-            <a:pPr algn="r"/>
-            <a:fld id="{F85566D8-32A1-405C-8759-BE29AE00642C}" type="slidenum">
-              <a:rPr b="0" lang="de-DE" sz="1400" spc="-1" strike="noStrike">
-                <a:solidFill>
-                  <a:srgbClr val="000000"/>
-                </a:solidFill>
-                <a:uFill>
-                  <a:solidFill>
-                    <a:srgbClr val="ffffff"/>
-                  </a:solidFill>
-                </a:uFill>
-                <a:latin typeface="Times New Roman"/>
-              </a:rPr>
-              <a:t>1</a:t>
-            </a:fld>
-            <a:endParaRPr b="0" lang="de-DE" sz="1400" spc="-1" strike="noStrike">
-              <a:solidFill>
-                <a:srgbClr val="000000"/>
-              </a:solidFill>
-              <a:uFill>
-                <a:solidFill>
-                  <a:srgbClr val="ffffff"/>
-                </a:solidFill>
-              </a:uFill>
-              <a:latin typeface="Times New Roman"/>
-            </a:endParaRPr>
-          </a:p>
-        </p:txBody>
-      </p:sp>
-    </p:spTree>
-  </p:cSld>
-  <p:clrMap bg1="lt1" bg2="lt2" tx1="dk1" tx2="dk2" accent1="accent1" accent2="accent2" accent3="accent3" accent4="accent4" accent5="accent5" accent6="accent6" hlink="hlink" folHlink="folHlink"/>
-</p:notesMaster>
-</file>
-
-<file path=ppt/notesSlides/notesSlide1.xml><?xml version="1.0" encoding="utf-8"?>
-<p:notes xmlns:a="http://schemas.openxmlformats.org/drawingml/2006/main" xmlns:p="http://schemas.openxmlformats.org/presentationml/2006/main" xmlns:r="http://schemas.openxmlformats.org/officeDocument/2006/relationships" xmlns:p14="http://schemas.microsoft.com/office/powerpoint/2010/main" xmlns:p15="http://schemas.microsoft.com/office/powerpoint/2012/main" xmlns:mc="http://schemas.openxmlformats.org/markup-compatibility/2006">
-  <p:cSld>
-    <p:spTree>
-      <p:nvGrpSpPr>
-        <p:cNvPr id="1" name=""/>
-        <p:cNvGrpSpPr/>
-        <p:nvPr/>
-      </p:nvGrpSpPr>
-      <p:grpSpPr>
-        <a:xfrm>
-          <a:off x="0" y="0"/>
-          <a:ext cx="0" cy="0"/>
-          <a:chOff x="0" y="0"/>
-          <a:chExt cx="0" cy="0"/>
-        </a:xfrm>
-      </p:grpSpPr>
-      <p:sp>
-        <p:nvSpPr>
           <p:cNvPr id="121" name="PlaceHolder 1"/>
           <p:cNvSpPr>
             <a:spLocks noGrp="1"/>
@@ -336,15 +493,16 @@
           </a:prstGeom>
         </p:spPr>
         <p:txBody>
-          <a:bodyPr lIns="90720" rIns="90720" tIns="45360" bIns="45360"/>
-          <a:p>
-            <a:endParaRPr b="0" lang="de-DE" sz="2000" spc="-1" strike="noStrike">
-              <a:solidFill>
-                <a:srgbClr val="000000"/>
-              </a:solidFill>
-              <a:uFill>
-                <a:solidFill>
-                  <a:srgbClr val="ffffff"/>
+          <a:bodyPr lIns="90720" tIns="45360" rIns="90720" bIns="45360"/>
+          <a:lstStyle/>
+          <a:p>
+            <a:endParaRPr lang="de-DE" sz="2000" b="0" strike="noStrike" spc="-1">
+              <a:solidFill>
+                <a:srgbClr val="000000"/>
+              </a:solidFill>
+              <a:uFill>
+                <a:solidFill>
+                  <a:srgbClr val="FFFFFF"/>
                 </a:solidFill>
               </a:uFill>
               <a:latin typeface="Arial"/>
@@ -372,7 +530,8 @@
           </a:ln>
         </p:spPr>
         <p:txBody>
-          <a:bodyPr lIns="90720" rIns="90720" tIns="45360" bIns="45360" anchor="b"/>
+          <a:bodyPr lIns="90720" tIns="45360" rIns="90720" bIns="45360" anchor="b"/>
+          <a:lstStyle/>
           <a:p>
             <a:pPr algn="r">
               <a:lnSpc>
@@ -380,13 +539,13 @@
               </a:lnSpc>
             </a:pPr>
             <a:fld id="{BE189812-7B20-4D64-A529-387B0E652548}" type="slidenum">
-              <a:rPr b="0" lang="de-DE" sz="1200" spc="-1" strike="noStrike">
+              <a:rPr lang="de-DE" sz="1200" b="0" strike="noStrike" spc="-1">
                 <a:solidFill>
                   <a:srgbClr val="000000"/>
                 </a:solidFill>
                 <a:uFill>
                   <a:solidFill>
-                    <a:srgbClr val="ffffff"/>
+                    <a:srgbClr val="FFFFFF"/>
                   </a:solidFill>
                 </a:uFill>
                 <a:latin typeface="+mn-lt"/>
@@ -394,13 +553,13 @@
               </a:rPr>
               <a:t>1</a:t>
             </a:fld>
-            <a:endParaRPr b="0" lang="de-DE" sz="1200" spc="-1" strike="noStrike">
-              <a:solidFill>
-                <a:srgbClr val="000000"/>
-              </a:solidFill>
-              <a:uFill>
-                <a:solidFill>
-                  <a:srgbClr val="ffffff"/>
+            <a:endParaRPr lang="de-DE" sz="1200" b="0" strike="noStrike" spc="-1">
+              <a:solidFill>
+                <a:srgbClr val="000000"/>
+              </a:solidFill>
+              <a:uFill>
+                <a:solidFill>
+                  <a:srgbClr val="FFFFFF"/>
                 </a:solidFill>
               </a:uFill>
               <a:latin typeface="Times New Roman"/>
@@ -410,11 +569,14 @@
       </p:sp>
     </p:spTree>
   </p:cSld>
+  <p:clrMapOvr>
+    <a:masterClrMapping/>
+  </p:clrMapOvr>
 </p:notes>
 </file>
 
 <file path=ppt/slideLayouts/slideLayout1.xml><?xml version="1.0" encoding="utf-8"?>
-<p:sldLayout xmlns:a="http://schemas.openxmlformats.org/drawingml/2006/main" xmlns:p="http://schemas.openxmlformats.org/presentationml/2006/main" xmlns:r="http://schemas.openxmlformats.org/officeDocument/2006/relationships" xmlns:p14="http://schemas.microsoft.com/office/powerpoint/2010/main" xmlns:p15="http://schemas.microsoft.com/office/powerpoint/2012/main" xmlns:mc="http://schemas.openxmlformats.org/markup-compatibility/2006" type="blank" preserve="1">
+<p:sldLayout xmlns:a="http://schemas.openxmlformats.org/drawingml/2006/main" xmlns:r="http://schemas.openxmlformats.org/officeDocument/2006/relationships" xmlns:p="http://schemas.openxmlformats.org/presentationml/2006/main" type="blank" preserve="1">
   <p:cSld name="Blank Slide">
     <p:spTree>
       <p:nvGrpSpPr>
@@ -432,11 +594,14 @@
       </p:grpSpPr>
     </p:spTree>
   </p:cSld>
+  <p:clrMapOvr>
+    <a:masterClrMapping/>
+  </p:clrMapOvr>
 </p:sldLayout>
 </file>
 
 <file path=ppt/slideLayouts/slideLayout10.xml><?xml version="1.0" encoding="utf-8"?>
-<p:sldLayout xmlns:a="http://schemas.openxmlformats.org/drawingml/2006/main" xmlns:p="http://schemas.openxmlformats.org/presentationml/2006/main" xmlns:r="http://schemas.openxmlformats.org/officeDocument/2006/relationships" xmlns:p14="http://schemas.microsoft.com/office/powerpoint/2010/main" xmlns:p15="http://schemas.microsoft.com/office/powerpoint/2012/main" xmlns:mc="http://schemas.openxmlformats.org/markup-compatibility/2006" type="objOverTx" preserve="1">
+<p:sldLayout xmlns:a="http://schemas.openxmlformats.org/drawingml/2006/main" xmlns:r="http://schemas.openxmlformats.org/officeDocument/2006/relationships" xmlns:p="http://schemas.openxmlformats.org/presentationml/2006/main" type="objOverTx" preserve="1">
   <p:cSld name="Title, Content over Content">
     <p:spTree>
       <p:nvGrpSpPr>
@@ -472,15 +637,16 @@
           </a:prstGeom>
         </p:spPr>
         <p:txBody>
-          <a:bodyPr lIns="0" rIns="0" tIns="0" bIns="0" anchor="ctr"/>
-          <a:p>
-            <a:endParaRPr b="0" lang="de-DE" sz="2200" spc="-1" strike="noStrike">
-              <a:solidFill>
-                <a:srgbClr val="000000"/>
-              </a:solidFill>
-              <a:uFill>
-                <a:solidFill>
-                  <a:srgbClr val="ffffff"/>
+          <a:bodyPr lIns="0" tIns="0" rIns="0" bIns="0" anchor="ctr"/>
+          <a:lstStyle/>
+          <a:p>
+            <a:endParaRPr lang="de-DE" sz="2200" b="0" strike="noStrike" spc="-1">
+              <a:solidFill>
+                <a:srgbClr val="000000"/>
+              </a:solidFill>
+              <a:uFill>
+                <a:solidFill>
+                  <a:srgbClr val="FFFFFF"/>
                 </a:solidFill>
               </a:uFill>
               <a:latin typeface="Arial"/>
@@ -508,15 +674,16 @@
           </a:prstGeom>
         </p:spPr>
         <p:txBody>
-          <a:bodyPr lIns="0" rIns="0" tIns="0" bIns="0"/>
-          <a:p>
-            <a:endParaRPr b="0" lang="de-DE" sz="1600" spc="-1" strike="noStrike">
-              <a:solidFill>
-                <a:srgbClr val="000000"/>
-              </a:solidFill>
-              <a:uFill>
-                <a:solidFill>
-                  <a:srgbClr val="ffffff"/>
+          <a:bodyPr lIns="0" tIns="0" rIns="0" bIns="0"/>
+          <a:lstStyle/>
+          <a:p>
+            <a:endParaRPr lang="de-DE" sz="1600" b="0" strike="noStrike" spc="-1">
+              <a:solidFill>
+                <a:srgbClr val="000000"/>
+              </a:solidFill>
+              <a:uFill>
+                <a:solidFill>
+                  <a:srgbClr val="FFFFFF"/>
                 </a:solidFill>
               </a:uFill>
               <a:latin typeface="Arial"/>
@@ -544,15 +711,16 @@
           </a:prstGeom>
         </p:spPr>
         <p:txBody>
-          <a:bodyPr lIns="0" rIns="0" tIns="0" bIns="0"/>
-          <a:p>
-            <a:endParaRPr b="0" lang="de-DE" sz="1600" spc="-1" strike="noStrike">
-              <a:solidFill>
-                <a:srgbClr val="000000"/>
-              </a:solidFill>
-              <a:uFill>
-                <a:solidFill>
-                  <a:srgbClr val="ffffff"/>
+          <a:bodyPr lIns="0" tIns="0" rIns="0" bIns="0"/>
+          <a:lstStyle/>
+          <a:p>
+            <a:endParaRPr lang="de-DE" sz="1600" b="0" strike="noStrike" spc="-1">
+              <a:solidFill>
+                <a:srgbClr val="000000"/>
+              </a:solidFill>
+              <a:uFill>
+                <a:solidFill>
+                  <a:srgbClr val="FFFFFF"/>
                 </a:solidFill>
               </a:uFill>
               <a:latin typeface="Arial"/>
@@ -562,11 +730,14 @@
       </p:sp>
     </p:spTree>
   </p:cSld>
+  <p:clrMapOvr>
+    <a:masterClrMapping/>
+  </p:clrMapOvr>
 </p:sldLayout>
 </file>
 
 <file path=ppt/slideLayouts/slideLayout11.xml><?xml version="1.0" encoding="utf-8"?>
-<p:sldLayout xmlns:a="http://schemas.openxmlformats.org/drawingml/2006/main" xmlns:p="http://schemas.openxmlformats.org/presentationml/2006/main" xmlns:r="http://schemas.openxmlformats.org/officeDocument/2006/relationships" xmlns:p14="http://schemas.microsoft.com/office/powerpoint/2010/main" xmlns:p15="http://schemas.microsoft.com/office/powerpoint/2012/main" xmlns:mc="http://schemas.openxmlformats.org/markup-compatibility/2006" type="fourObj" preserve="1">
+<p:sldLayout xmlns:a="http://schemas.openxmlformats.org/drawingml/2006/main" xmlns:r="http://schemas.openxmlformats.org/officeDocument/2006/relationships" xmlns:p="http://schemas.openxmlformats.org/presentationml/2006/main" type="fourObj" preserve="1">
   <p:cSld name="Title, 4 Content">
     <p:spTree>
       <p:nvGrpSpPr>
@@ -602,15 +773,16 @@
           </a:prstGeom>
         </p:spPr>
         <p:txBody>
-          <a:bodyPr lIns="0" rIns="0" tIns="0" bIns="0" anchor="ctr"/>
-          <a:p>
-            <a:endParaRPr b="0" lang="de-DE" sz="2200" spc="-1" strike="noStrike">
-              <a:solidFill>
-                <a:srgbClr val="000000"/>
-              </a:solidFill>
-              <a:uFill>
-                <a:solidFill>
-                  <a:srgbClr val="ffffff"/>
+          <a:bodyPr lIns="0" tIns="0" rIns="0" bIns="0" anchor="ctr"/>
+          <a:lstStyle/>
+          <a:p>
+            <a:endParaRPr lang="de-DE" sz="2200" b="0" strike="noStrike" spc="-1">
+              <a:solidFill>
+                <a:srgbClr val="000000"/>
+              </a:solidFill>
+              <a:uFill>
+                <a:solidFill>
+                  <a:srgbClr val="FFFFFF"/>
                 </a:solidFill>
               </a:uFill>
               <a:latin typeface="Arial"/>
@@ -638,15 +810,16 @@
           </a:prstGeom>
         </p:spPr>
         <p:txBody>
-          <a:bodyPr lIns="0" rIns="0" tIns="0" bIns="0"/>
-          <a:p>
-            <a:endParaRPr b="0" lang="de-DE" sz="1600" spc="-1" strike="noStrike">
-              <a:solidFill>
-                <a:srgbClr val="000000"/>
-              </a:solidFill>
-              <a:uFill>
-                <a:solidFill>
-                  <a:srgbClr val="ffffff"/>
+          <a:bodyPr lIns="0" tIns="0" rIns="0" bIns="0"/>
+          <a:lstStyle/>
+          <a:p>
+            <a:endParaRPr lang="de-DE" sz="1600" b="0" strike="noStrike" spc="-1">
+              <a:solidFill>
+                <a:srgbClr val="000000"/>
+              </a:solidFill>
+              <a:uFill>
+                <a:solidFill>
+                  <a:srgbClr val="FFFFFF"/>
                 </a:solidFill>
               </a:uFill>
               <a:latin typeface="Arial"/>
@@ -674,15 +847,16 @@
           </a:prstGeom>
         </p:spPr>
         <p:txBody>
-          <a:bodyPr lIns="0" rIns="0" tIns="0" bIns="0"/>
-          <a:p>
-            <a:endParaRPr b="0" lang="de-DE" sz="1600" spc="-1" strike="noStrike">
-              <a:solidFill>
-                <a:srgbClr val="000000"/>
-              </a:solidFill>
-              <a:uFill>
-                <a:solidFill>
-                  <a:srgbClr val="ffffff"/>
+          <a:bodyPr lIns="0" tIns="0" rIns="0" bIns="0"/>
+          <a:lstStyle/>
+          <a:p>
+            <a:endParaRPr lang="de-DE" sz="1600" b="0" strike="noStrike" spc="-1">
+              <a:solidFill>
+                <a:srgbClr val="000000"/>
+              </a:solidFill>
+              <a:uFill>
+                <a:solidFill>
+                  <a:srgbClr val="FFFFFF"/>
                 </a:solidFill>
               </a:uFill>
               <a:latin typeface="Arial"/>
@@ -710,15 +884,16 @@
           </a:prstGeom>
         </p:spPr>
         <p:txBody>
-          <a:bodyPr lIns="0" rIns="0" tIns="0" bIns="0"/>
-          <a:p>
-            <a:endParaRPr b="0" lang="de-DE" sz="1600" spc="-1" strike="noStrike">
-              <a:solidFill>
-                <a:srgbClr val="000000"/>
-              </a:solidFill>
-              <a:uFill>
-                <a:solidFill>
-                  <a:srgbClr val="ffffff"/>
+          <a:bodyPr lIns="0" tIns="0" rIns="0" bIns="0"/>
+          <a:lstStyle/>
+          <a:p>
+            <a:endParaRPr lang="de-DE" sz="1600" b="0" strike="noStrike" spc="-1">
+              <a:solidFill>
+                <a:srgbClr val="000000"/>
+              </a:solidFill>
+              <a:uFill>
+                <a:solidFill>
+                  <a:srgbClr val="FFFFFF"/>
                 </a:solidFill>
               </a:uFill>
               <a:latin typeface="Arial"/>
@@ -746,15 +921,16 @@
           </a:prstGeom>
         </p:spPr>
         <p:txBody>
-          <a:bodyPr lIns="0" rIns="0" tIns="0" bIns="0"/>
-          <a:p>
-            <a:endParaRPr b="0" lang="de-DE" sz="1600" spc="-1" strike="noStrike">
-              <a:solidFill>
-                <a:srgbClr val="000000"/>
-              </a:solidFill>
-              <a:uFill>
-                <a:solidFill>
-                  <a:srgbClr val="ffffff"/>
+          <a:bodyPr lIns="0" tIns="0" rIns="0" bIns="0"/>
+          <a:lstStyle/>
+          <a:p>
+            <a:endParaRPr lang="de-DE" sz="1600" b="0" strike="noStrike" spc="-1">
+              <a:solidFill>
+                <a:srgbClr val="000000"/>
+              </a:solidFill>
+              <a:uFill>
+                <a:solidFill>
+                  <a:srgbClr val="FFFFFF"/>
                 </a:solidFill>
               </a:uFill>
               <a:latin typeface="Arial"/>
@@ -764,11 +940,14 @@
       </p:sp>
     </p:spTree>
   </p:cSld>
+  <p:clrMapOvr>
+    <a:masterClrMapping/>
+  </p:clrMapOvr>
 </p:sldLayout>
 </file>
 
 <file path=ppt/slideLayouts/slideLayout12.xml><?xml version="1.0" encoding="utf-8"?>
-<p:sldLayout xmlns:a="http://schemas.openxmlformats.org/drawingml/2006/main" xmlns:p="http://schemas.openxmlformats.org/presentationml/2006/main" xmlns:r="http://schemas.openxmlformats.org/officeDocument/2006/relationships" xmlns:p14="http://schemas.microsoft.com/office/powerpoint/2010/main" xmlns:p15="http://schemas.microsoft.com/office/powerpoint/2012/main" xmlns:mc="http://schemas.openxmlformats.org/markup-compatibility/2006" type="blank" preserve="1">
+<p:sldLayout xmlns:a="http://schemas.openxmlformats.org/drawingml/2006/main" xmlns:r="http://schemas.openxmlformats.org/officeDocument/2006/relationships" xmlns:p="http://schemas.openxmlformats.org/presentationml/2006/main" type="blank" preserve="1">
   <p:cSld name="Title, 6 Content">
     <p:spTree>
       <p:nvGrpSpPr>
@@ -804,15 +983,16 @@
           </a:prstGeom>
         </p:spPr>
         <p:txBody>
-          <a:bodyPr lIns="0" rIns="0" tIns="0" bIns="0" anchor="ctr"/>
-          <a:p>
-            <a:endParaRPr b="0" lang="de-DE" sz="2200" spc="-1" strike="noStrike">
-              <a:solidFill>
-                <a:srgbClr val="000000"/>
-              </a:solidFill>
-              <a:uFill>
-                <a:solidFill>
-                  <a:srgbClr val="ffffff"/>
+          <a:bodyPr lIns="0" tIns="0" rIns="0" bIns="0" anchor="ctr"/>
+          <a:lstStyle/>
+          <a:p>
+            <a:endParaRPr lang="de-DE" sz="2200" b="0" strike="noStrike" spc="-1">
+              <a:solidFill>
+                <a:srgbClr val="000000"/>
+              </a:solidFill>
+              <a:uFill>
+                <a:solidFill>
+                  <a:srgbClr val="FFFFFF"/>
                 </a:solidFill>
               </a:uFill>
               <a:latin typeface="Arial"/>
@@ -840,15 +1020,16 @@
           </a:prstGeom>
         </p:spPr>
         <p:txBody>
-          <a:bodyPr lIns="0" rIns="0" tIns="0" bIns="0"/>
-          <a:p>
-            <a:endParaRPr b="0" lang="de-DE" sz="1600" spc="-1" strike="noStrike">
-              <a:solidFill>
-                <a:srgbClr val="000000"/>
-              </a:solidFill>
-              <a:uFill>
-                <a:solidFill>
-                  <a:srgbClr val="ffffff"/>
+          <a:bodyPr lIns="0" tIns="0" rIns="0" bIns="0"/>
+          <a:lstStyle/>
+          <a:p>
+            <a:endParaRPr lang="de-DE" sz="1600" b="0" strike="noStrike" spc="-1">
+              <a:solidFill>
+                <a:srgbClr val="000000"/>
+              </a:solidFill>
+              <a:uFill>
+                <a:solidFill>
+                  <a:srgbClr val="FFFFFF"/>
                 </a:solidFill>
               </a:uFill>
               <a:latin typeface="Arial"/>
@@ -876,15 +1057,16 @@
           </a:prstGeom>
         </p:spPr>
         <p:txBody>
-          <a:bodyPr lIns="0" rIns="0" tIns="0" bIns="0"/>
-          <a:p>
-            <a:endParaRPr b="0" lang="de-DE" sz="1600" spc="-1" strike="noStrike">
-              <a:solidFill>
-                <a:srgbClr val="000000"/>
-              </a:solidFill>
-              <a:uFill>
-                <a:solidFill>
-                  <a:srgbClr val="ffffff"/>
+          <a:bodyPr lIns="0" tIns="0" rIns="0" bIns="0"/>
+          <a:lstStyle/>
+          <a:p>
+            <a:endParaRPr lang="de-DE" sz="1600" b="0" strike="noStrike" spc="-1">
+              <a:solidFill>
+                <a:srgbClr val="000000"/>
+              </a:solidFill>
+              <a:uFill>
+                <a:solidFill>
+                  <a:srgbClr val="FFFFFF"/>
                 </a:solidFill>
               </a:uFill>
               <a:latin typeface="Arial"/>
@@ -894,7 +1076,7 @@
       </p:sp>
       <p:pic>
         <p:nvPicPr>
-          <p:cNvPr id="38" name="" descr=""/>
+          <p:cNvPr id="38" name="Grafik 37"/>
           <p:cNvPicPr/>
           <p:nvPr/>
         </p:nvPicPr>
@@ -917,12 +1099,12 @@
       </p:pic>
       <p:pic>
         <p:nvPicPr>
-          <p:cNvPr id="39" name="" descr=""/>
+          <p:cNvPr id="39" name="Grafik 38"/>
           <p:cNvPicPr/>
           <p:nvPr/>
         </p:nvPicPr>
         <p:blipFill>
-          <a:blip r:embed="rId3"/>
+          <a:blip r:embed="rId2"/>
           <a:stretch/>
         </p:blipFill>
         <p:spPr>
@@ -940,11 +1122,14 @@
       </p:pic>
     </p:spTree>
   </p:cSld>
+  <p:clrMapOvr>
+    <a:masterClrMapping/>
+  </p:clrMapOvr>
 </p:sldLayout>
 </file>
 
 <file path=ppt/slideLayouts/slideLayout13.xml><?xml version="1.0" encoding="utf-8"?>
-<p:sldLayout xmlns:a="http://schemas.openxmlformats.org/drawingml/2006/main" xmlns:p="http://schemas.openxmlformats.org/presentationml/2006/main" xmlns:r="http://schemas.openxmlformats.org/officeDocument/2006/relationships" xmlns:p14="http://schemas.microsoft.com/office/powerpoint/2010/main" xmlns:p15="http://schemas.microsoft.com/office/powerpoint/2012/main" xmlns:mc="http://schemas.openxmlformats.org/markup-compatibility/2006" type="blank" preserve="1">
+<p:sldLayout xmlns:a="http://schemas.openxmlformats.org/drawingml/2006/main" xmlns:r="http://schemas.openxmlformats.org/officeDocument/2006/relationships" xmlns:p="http://schemas.openxmlformats.org/presentationml/2006/main" type="blank" preserve="1">
   <p:cSld name="Blank Slide">
     <p:spTree>
       <p:nvGrpSpPr>
@@ -962,11 +1147,14 @@
       </p:grpSpPr>
     </p:spTree>
   </p:cSld>
+  <p:clrMapOvr>
+    <a:masterClrMapping/>
+  </p:clrMapOvr>
 </p:sldLayout>
 </file>
 
 <file path=ppt/slideLayouts/slideLayout14.xml><?xml version="1.0" encoding="utf-8"?>
-<p:sldLayout xmlns:a="http://schemas.openxmlformats.org/drawingml/2006/main" xmlns:p="http://schemas.openxmlformats.org/presentationml/2006/main" xmlns:r="http://schemas.openxmlformats.org/officeDocument/2006/relationships" xmlns:p14="http://schemas.microsoft.com/office/powerpoint/2010/main" xmlns:p15="http://schemas.microsoft.com/office/powerpoint/2012/main" xmlns:mc="http://schemas.openxmlformats.org/markup-compatibility/2006" type="tx" preserve="1">
+<p:sldLayout xmlns:a="http://schemas.openxmlformats.org/drawingml/2006/main" xmlns:r="http://schemas.openxmlformats.org/officeDocument/2006/relationships" xmlns:p="http://schemas.openxmlformats.org/presentationml/2006/main" type="tx" preserve="1">
   <p:cSld name="Title Slide">
     <p:spTree>
       <p:nvGrpSpPr>
@@ -1002,15 +1190,16 @@
           </a:prstGeom>
         </p:spPr>
         <p:txBody>
-          <a:bodyPr lIns="0" rIns="0" tIns="0" bIns="0" anchor="ctr"/>
-          <a:p>
-            <a:endParaRPr b="0" lang="de-DE" sz="2200" spc="-1" strike="noStrike">
-              <a:solidFill>
-                <a:srgbClr val="000000"/>
-              </a:solidFill>
-              <a:uFill>
-                <a:solidFill>
-                  <a:srgbClr val="ffffff"/>
+          <a:bodyPr lIns="0" tIns="0" rIns="0" bIns="0" anchor="ctr"/>
+          <a:lstStyle/>
+          <a:p>
+            <a:endParaRPr lang="de-DE" sz="2200" b="0" strike="noStrike" spc="-1">
+              <a:solidFill>
+                <a:srgbClr val="000000"/>
+              </a:solidFill>
+              <a:uFill>
+                <a:solidFill>
+                  <a:srgbClr val="FFFFFF"/>
                 </a:solidFill>
               </a:uFill>
               <a:latin typeface="Arial"/>
@@ -1038,16 +1227,17 @@
           </a:prstGeom>
         </p:spPr>
         <p:txBody>
-          <a:bodyPr lIns="0" rIns="0" tIns="0" bIns="0" anchor="ctr"/>
+          <a:bodyPr lIns="0" tIns="0" rIns="0" bIns="0" anchor="ctr"/>
+          <a:lstStyle/>
           <a:p>
             <a:pPr algn="ctr"/>
-            <a:endParaRPr b="0" lang="de-DE" sz="3200" spc="-1" strike="noStrike">
-              <a:solidFill>
-                <a:srgbClr val="000000"/>
-              </a:solidFill>
-              <a:uFill>
-                <a:solidFill>
-                  <a:srgbClr val="ffffff"/>
+            <a:endParaRPr lang="de-DE" sz="3200" b="0" strike="noStrike" spc="-1">
+              <a:solidFill>
+                <a:srgbClr val="000000"/>
+              </a:solidFill>
+              <a:uFill>
+                <a:solidFill>
+                  <a:srgbClr val="FFFFFF"/>
                 </a:solidFill>
               </a:uFill>
               <a:latin typeface="Arial"/>
@@ -1057,11 +1247,14 @@
       </p:sp>
     </p:spTree>
   </p:cSld>
+  <p:clrMapOvr>
+    <a:masterClrMapping/>
+  </p:clrMapOvr>
 </p:sldLayout>
 </file>
 
 <file path=ppt/slideLayouts/slideLayout15.xml><?xml version="1.0" encoding="utf-8"?>
-<p:sldLayout xmlns:a="http://schemas.openxmlformats.org/drawingml/2006/main" xmlns:p="http://schemas.openxmlformats.org/presentationml/2006/main" xmlns:r="http://schemas.openxmlformats.org/officeDocument/2006/relationships" xmlns:p14="http://schemas.microsoft.com/office/powerpoint/2010/main" xmlns:p15="http://schemas.microsoft.com/office/powerpoint/2012/main" xmlns:mc="http://schemas.openxmlformats.org/markup-compatibility/2006" type="obj" preserve="1">
+<p:sldLayout xmlns:a="http://schemas.openxmlformats.org/drawingml/2006/main" xmlns:r="http://schemas.openxmlformats.org/officeDocument/2006/relationships" xmlns:p="http://schemas.openxmlformats.org/presentationml/2006/main" type="obj" preserve="1">
   <p:cSld name="Title, Content">
     <p:spTree>
       <p:nvGrpSpPr>
@@ -1097,15 +1290,16 @@
           </a:prstGeom>
         </p:spPr>
         <p:txBody>
-          <a:bodyPr lIns="0" rIns="0" tIns="0" bIns="0" anchor="ctr"/>
-          <a:p>
-            <a:endParaRPr b="0" lang="de-DE" sz="2200" spc="-1" strike="noStrike">
-              <a:solidFill>
-                <a:srgbClr val="000000"/>
-              </a:solidFill>
-              <a:uFill>
-                <a:solidFill>
-                  <a:srgbClr val="ffffff"/>
+          <a:bodyPr lIns="0" tIns="0" rIns="0" bIns="0" anchor="ctr"/>
+          <a:lstStyle/>
+          <a:p>
+            <a:endParaRPr lang="de-DE" sz="2200" b="0" strike="noStrike" spc="-1">
+              <a:solidFill>
+                <a:srgbClr val="000000"/>
+              </a:solidFill>
+              <a:uFill>
+                <a:solidFill>
+                  <a:srgbClr val="FFFFFF"/>
                 </a:solidFill>
               </a:uFill>
               <a:latin typeface="Arial"/>
@@ -1133,15 +1327,16 @@
           </a:prstGeom>
         </p:spPr>
         <p:txBody>
-          <a:bodyPr lIns="0" rIns="0" tIns="0" bIns="0"/>
-          <a:p>
-            <a:endParaRPr b="0" lang="de-DE" sz="1600" spc="-1" strike="noStrike">
-              <a:solidFill>
-                <a:srgbClr val="000000"/>
-              </a:solidFill>
-              <a:uFill>
-                <a:solidFill>
-                  <a:srgbClr val="ffffff"/>
+          <a:bodyPr lIns="0" tIns="0" rIns="0" bIns="0"/>
+          <a:lstStyle/>
+          <a:p>
+            <a:endParaRPr lang="de-DE" sz="1600" b="0" strike="noStrike" spc="-1">
+              <a:solidFill>
+                <a:srgbClr val="000000"/>
+              </a:solidFill>
+              <a:uFill>
+                <a:solidFill>
+                  <a:srgbClr val="FFFFFF"/>
                 </a:solidFill>
               </a:uFill>
               <a:latin typeface="Arial"/>
@@ -1151,11 +1346,14 @@
       </p:sp>
     </p:spTree>
   </p:cSld>
+  <p:clrMapOvr>
+    <a:masterClrMapping/>
+  </p:clrMapOvr>
 </p:sldLayout>
 </file>
 
 <file path=ppt/slideLayouts/slideLayout16.xml><?xml version="1.0" encoding="utf-8"?>
-<p:sldLayout xmlns:a="http://schemas.openxmlformats.org/drawingml/2006/main" xmlns:p="http://schemas.openxmlformats.org/presentationml/2006/main" xmlns:r="http://schemas.openxmlformats.org/officeDocument/2006/relationships" xmlns:p14="http://schemas.microsoft.com/office/powerpoint/2010/main" xmlns:p15="http://schemas.microsoft.com/office/powerpoint/2012/main" xmlns:mc="http://schemas.openxmlformats.org/markup-compatibility/2006" type="twoObj" preserve="1">
+<p:sldLayout xmlns:a="http://schemas.openxmlformats.org/drawingml/2006/main" xmlns:r="http://schemas.openxmlformats.org/officeDocument/2006/relationships" xmlns:p="http://schemas.openxmlformats.org/presentationml/2006/main" type="twoObj" preserve="1">
   <p:cSld name="Title, 2 Content">
     <p:spTree>
       <p:nvGrpSpPr>
@@ -1191,15 +1389,16 @@
           </a:prstGeom>
         </p:spPr>
         <p:txBody>
-          <a:bodyPr lIns="0" rIns="0" tIns="0" bIns="0" anchor="ctr"/>
-          <a:p>
-            <a:endParaRPr b="0" lang="de-DE" sz="2200" spc="-1" strike="noStrike">
-              <a:solidFill>
-                <a:srgbClr val="000000"/>
-              </a:solidFill>
-              <a:uFill>
-                <a:solidFill>
-                  <a:srgbClr val="ffffff"/>
+          <a:bodyPr lIns="0" tIns="0" rIns="0" bIns="0" anchor="ctr"/>
+          <a:lstStyle/>
+          <a:p>
+            <a:endParaRPr lang="de-DE" sz="2200" b="0" strike="noStrike" spc="-1">
+              <a:solidFill>
+                <a:srgbClr val="000000"/>
+              </a:solidFill>
+              <a:uFill>
+                <a:solidFill>
+                  <a:srgbClr val="FFFFFF"/>
                 </a:solidFill>
               </a:uFill>
               <a:latin typeface="Arial"/>
@@ -1227,15 +1426,16 @@
           </a:prstGeom>
         </p:spPr>
         <p:txBody>
-          <a:bodyPr lIns="0" rIns="0" tIns="0" bIns="0"/>
-          <a:p>
-            <a:endParaRPr b="0" lang="de-DE" sz="1600" spc="-1" strike="noStrike">
-              <a:solidFill>
-                <a:srgbClr val="000000"/>
-              </a:solidFill>
-              <a:uFill>
-                <a:solidFill>
-                  <a:srgbClr val="ffffff"/>
+          <a:bodyPr lIns="0" tIns="0" rIns="0" bIns="0"/>
+          <a:lstStyle/>
+          <a:p>
+            <a:endParaRPr lang="de-DE" sz="1600" b="0" strike="noStrike" spc="-1">
+              <a:solidFill>
+                <a:srgbClr val="000000"/>
+              </a:solidFill>
+              <a:uFill>
+                <a:solidFill>
+                  <a:srgbClr val="FFFFFF"/>
                 </a:solidFill>
               </a:uFill>
               <a:latin typeface="Arial"/>
@@ -1263,15 +1463,16 @@
           </a:prstGeom>
         </p:spPr>
         <p:txBody>
-          <a:bodyPr lIns="0" rIns="0" tIns="0" bIns="0"/>
-          <a:p>
-            <a:endParaRPr b="0" lang="de-DE" sz="1600" spc="-1" strike="noStrike">
-              <a:solidFill>
-                <a:srgbClr val="000000"/>
-              </a:solidFill>
-              <a:uFill>
-                <a:solidFill>
-                  <a:srgbClr val="ffffff"/>
+          <a:bodyPr lIns="0" tIns="0" rIns="0" bIns="0"/>
+          <a:lstStyle/>
+          <a:p>
+            <a:endParaRPr lang="de-DE" sz="1600" b="0" strike="noStrike" spc="-1">
+              <a:solidFill>
+                <a:srgbClr val="000000"/>
+              </a:solidFill>
+              <a:uFill>
+                <a:solidFill>
+                  <a:srgbClr val="FFFFFF"/>
                 </a:solidFill>
               </a:uFill>
               <a:latin typeface="Arial"/>
@@ -1281,11 +1482,14 @@
       </p:sp>
     </p:spTree>
   </p:cSld>
+  <p:clrMapOvr>
+    <a:masterClrMapping/>
+  </p:clrMapOvr>
 </p:sldLayout>
 </file>
 
 <file path=ppt/slideLayouts/slideLayout17.xml><?xml version="1.0" encoding="utf-8"?>
-<p:sldLayout xmlns:a="http://schemas.openxmlformats.org/drawingml/2006/main" xmlns:p="http://schemas.openxmlformats.org/presentationml/2006/main" xmlns:r="http://schemas.openxmlformats.org/officeDocument/2006/relationships" xmlns:p14="http://schemas.microsoft.com/office/powerpoint/2010/main" xmlns:p15="http://schemas.microsoft.com/office/powerpoint/2012/main" xmlns:mc="http://schemas.openxmlformats.org/markup-compatibility/2006" type="titleOnly" preserve="1">
+<p:sldLayout xmlns:a="http://schemas.openxmlformats.org/drawingml/2006/main" xmlns:r="http://schemas.openxmlformats.org/officeDocument/2006/relationships" xmlns:p="http://schemas.openxmlformats.org/presentationml/2006/main" type="titleOnly" preserve="1">
   <p:cSld name="Title Only">
     <p:spTree>
       <p:nvGrpSpPr>
@@ -1321,15 +1525,16 @@
           </a:prstGeom>
         </p:spPr>
         <p:txBody>
-          <a:bodyPr lIns="0" rIns="0" tIns="0" bIns="0" anchor="ctr"/>
-          <a:p>
-            <a:endParaRPr b="0" lang="de-DE" sz="2200" spc="-1" strike="noStrike">
-              <a:solidFill>
-                <a:srgbClr val="000000"/>
-              </a:solidFill>
-              <a:uFill>
-                <a:solidFill>
-                  <a:srgbClr val="ffffff"/>
+          <a:bodyPr lIns="0" tIns="0" rIns="0" bIns="0" anchor="ctr"/>
+          <a:lstStyle/>
+          <a:p>
+            <a:endParaRPr lang="de-DE" sz="2200" b="0" strike="noStrike" spc="-1">
+              <a:solidFill>
+                <a:srgbClr val="000000"/>
+              </a:solidFill>
+              <a:uFill>
+                <a:solidFill>
+                  <a:srgbClr val="FFFFFF"/>
                 </a:solidFill>
               </a:uFill>
               <a:latin typeface="Arial"/>
@@ -1339,11 +1544,14 @@
       </p:sp>
     </p:spTree>
   </p:cSld>
+  <p:clrMapOvr>
+    <a:masterClrMapping/>
+  </p:clrMapOvr>
 </p:sldLayout>
 </file>
 
 <file path=ppt/slideLayouts/slideLayout18.xml><?xml version="1.0" encoding="utf-8"?>
-<p:sldLayout xmlns:a="http://schemas.openxmlformats.org/drawingml/2006/main" xmlns:p="http://schemas.openxmlformats.org/presentationml/2006/main" xmlns:r="http://schemas.openxmlformats.org/officeDocument/2006/relationships" xmlns:p14="http://schemas.microsoft.com/office/powerpoint/2010/main" xmlns:p15="http://schemas.microsoft.com/office/powerpoint/2012/main" xmlns:mc="http://schemas.openxmlformats.org/markup-compatibility/2006" type="objOnly" preserve="1">
+<p:sldLayout xmlns:a="http://schemas.openxmlformats.org/drawingml/2006/main" xmlns:r="http://schemas.openxmlformats.org/officeDocument/2006/relationships" xmlns:p="http://schemas.openxmlformats.org/presentationml/2006/main" type="objOnly" preserve="1">
   <p:cSld name="Centered Text">
     <p:spTree>
       <p:nvGrpSpPr>
@@ -1379,16 +1587,17 @@
           </a:prstGeom>
         </p:spPr>
         <p:txBody>
-          <a:bodyPr lIns="0" rIns="0" tIns="0" bIns="0" anchor="ctr"/>
+          <a:bodyPr lIns="0" tIns="0" rIns="0" bIns="0" anchor="ctr"/>
+          <a:lstStyle/>
           <a:p>
             <a:pPr algn="ctr"/>
-            <a:endParaRPr b="0" lang="de-DE" sz="3200" spc="-1" strike="noStrike">
-              <a:solidFill>
-                <a:srgbClr val="000000"/>
-              </a:solidFill>
-              <a:uFill>
-                <a:solidFill>
-                  <a:srgbClr val="ffffff"/>
+            <a:endParaRPr lang="de-DE" sz="3200" b="0" strike="noStrike" spc="-1">
+              <a:solidFill>
+                <a:srgbClr val="000000"/>
+              </a:solidFill>
+              <a:uFill>
+                <a:solidFill>
+                  <a:srgbClr val="FFFFFF"/>
                 </a:solidFill>
               </a:uFill>
               <a:latin typeface="Arial"/>
@@ -1398,11 +1607,14 @@
       </p:sp>
     </p:spTree>
   </p:cSld>
+  <p:clrMapOvr>
+    <a:masterClrMapping/>
+  </p:clrMapOvr>
 </p:sldLayout>
 </file>
 
 <file path=ppt/slideLayouts/slideLayout19.xml><?xml version="1.0" encoding="utf-8"?>
-<p:sldLayout xmlns:a="http://schemas.openxmlformats.org/drawingml/2006/main" xmlns:p="http://schemas.openxmlformats.org/presentationml/2006/main" xmlns:r="http://schemas.openxmlformats.org/officeDocument/2006/relationships" xmlns:p14="http://schemas.microsoft.com/office/powerpoint/2010/main" xmlns:p15="http://schemas.microsoft.com/office/powerpoint/2012/main" xmlns:mc="http://schemas.openxmlformats.org/markup-compatibility/2006" type="twoObjAndObj" preserve="1">
+<p:sldLayout xmlns:a="http://schemas.openxmlformats.org/drawingml/2006/main" xmlns:r="http://schemas.openxmlformats.org/officeDocument/2006/relationships" xmlns:p="http://schemas.openxmlformats.org/presentationml/2006/main" type="twoObjAndObj" preserve="1">
   <p:cSld name="Title, 2 Content and Content">
     <p:spTree>
       <p:nvGrpSpPr>
@@ -1438,15 +1650,16 @@
           </a:prstGeom>
         </p:spPr>
         <p:txBody>
-          <a:bodyPr lIns="0" rIns="0" tIns="0" bIns="0" anchor="ctr"/>
-          <a:p>
-            <a:endParaRPr b="0" lang="de-DE" sz="2200" spc="-1" strike="noStrike">
-              <a:solidFill>
-                <a:srgbClr val="000000"/>
-              </a:solidFill>
-              <a:uFill>
-                <a:solidFill>
-                  <a:srgbClr val="ffffff"/>
+          <a:bodyPr lIns="0" tIns="0" rIns="0" bIns="0" anchor="ctr"/>
+          <a:lstStyle/>
+          <a:p>
+            <a:endParaRPr lang="de-DE" sz="2200" b="0" strike="noStrike" spc="-1">
+              <a:solidFill>
+                <a:srgbClr val="000000"/>
+              </a:solidFill>
+              <a:uFill>
+                <a:solidFill>
+                  <a:srgbClr val="FFFFFF"/>
                 </a:solidFill>
               </a:uFill>
               <a:latin typeface="Arial"/>
@@ -1474,15 +1687,16 @@
           </a:prstGeom>
         </p:spPr>
         <p:txBody>
-          <a:bodyPr lIns="0" rIns="0" tIns="0" bIns="0"/>
-          <a:p>
-            <a:endParaRPr b="0" lang="de-DE" sz="1600" spc="-1" strike="noStrike">
-              <a:solidFill>
-                <a:srgbClr val="000000"/>
-              </a:solidFill>
-              <a:uFill>
-                <a:solidFill>
-                  <a:srgbClr val="ffffff"/>
+          <a:bodyPr lIns="0" tIns="0" rIns="0" bIns="0"/>
+          <a:lstStyle/>
+          <a:p>
+            <a:endParaRPr lang="de-DE" sz="1600" b="0" strike="noStrike" spc="-1">
+              <a:solidFill>
+                <a:srgbClr val="000000"/>
+              </a:solidFill>
+              <a:uFill>
+                <a:solidFill>
+                  <a:srgbClr val="FFFFFF"/>
                 </a:solidFill>
               </a:uFill>
               <a:latin typeface="Arial"/>
@@ -1510,15 +1724,16 @@
           </a:prstGeom>
         </p:spPr>
         <p:txBody>
-          <a:bodyPr lIns="0" rIns="0" tIns="0" bIns="0"/>
-          <a:p>
-            <a:endParaRPr b="0" lang="de-DE" sz="1600" spc="-1" strike="noStrike">
-              <a:solidFill>
-                <a:srgbClr val="000000"/>
-              </a:solidFill>
-              <a:uFill>
-                <a:solidFill>
-                  <a:srgbClr val="ffffff"/>
+          <a:bodyPr lIns="0" tIns="0" rIns="0" bIns="0"/>
+          <a:lstStyle/>
+          <a:p>
+            <a:endParaRPr lang="de-DE" sz="1600" b="0" strike="noStrike" spc="-1">
+              <a:solidFill>
+                <a:srgbClr val="000000"/>
+              </a:solidFill>
+              <a:uFill>
+                <a:solidFill>
+                  <a:srgbClr val="FFFFFF"/>
                 </a:solidFill>
               </a:uFill>
               <a:latin typeface="Arial"/>
@@ -1546,15 +1761,16 @@
           </a:prstGeom>
         </p:spPr>
         <p:txBody>
-          <a:bodyPr lIns="0" rIns="0" tIns="0" bIns="0"/>
-          <a:p>
-            <a:endParaRPr b="0" lang="de-DE" sz="1600" spc="-1" strike="noStrike">
-              <a:solidFill>
-                <a:srgbClr val="000000"/>
-              </a:solidFill>
-              <a:uFill>
-                <a:solidFill>
-                  <a:srgbClr val="ffffff"/>
+          <a:bodyPr lIns="0" tIns="0" rIns="0" bIns="0"/>
+          <a:lstStyle/>
+          <a:p>
+            <a:endParaRPr lang="de-DE" sz="1600" b="0" strike="noStrike" spc="-1">
+              <a:solidFill>
+                <a:srgbClr val="000000"/>
+              </a:solidFill>
+              <a:uFill>
+                <a:solidFill>
+                  <a:srgbClr val="FFFFFF"/>
                 </a:solidFill>
               </a:uFill>
               <a:latin typeface="Arial"/>
@@ -1564,11 +1780,14 @@
       </p:sp>
     </p:spTree>
   </p:cSld>
+  <p:clrMapOvr>
+    <a:masterClrMapping/>
+  </p:clrMapOvr>
 </p:sldLayout>
 </file>
 
 <file path=ppt/slideLayouts/slideLayout2.xml><?xml version="1.0" encoding="utf-8"?>
-<p:sldLayout xmlns:a="http://schemas.openxmlformats.org/drawingml/2006/main" xmlns:p="http://schemas.openxmlformats.org/presentationml/2006/main" xmlns:r="http://schemas.openxmlformats.org/officeDocument/2006/relationships" xmlns:p14="http://schemas.microsoft.com/office/powerpoint/2010/main" xmlns:p15="http://schemas.microsoft.com/office/powerpoint/2012/main" xmlns:mc="http://schemas.openxmlformats.org/markup-compatibility/2006" type="tx" preserve="1">
+<p:sldLayout xmlns:a="http://schemas.openxmlformats.org/drawingml/2006/main" xmlns:r="http://schemas.openxmlformats.org/officeDocument/2006/relationships" xmlns:p="http://schemas.openxmlformats.org/presentationml/2006/main" type="tx" preserve="1">
   <p:cSld name="Title Slide">
     <p:spTree>
       <p:nvGrpSpPr>
@@ -1604,15 +1823,16 @@
           </a:prstGeom>
         </p:spPr>
         <p:txBody>
-          <a:bodyPr lIns="0" rIns="0" tIns="0" bIns="0" anchor="ctr"/>
-          <a:p>
-            <a:endParaRPr b="0" lang="de-DE" sz="2200" spc="-1" strike="noStrike">
-              <a:solidFill>
-                <a:srgbClr val="000000"/>
-              </a:solidFill>
-              <a:uFill>
-                <a:solidFill>
-                  <a:srgbClr val="ffffff"/>
+          <a:bodyPr lIns="0" tIns="0" rIns="0" bIns="0" anchor="ctr"/>
+          <a:lstStyle/>
+          <a:p>
+            <a:endParaRPr lang="de-DE" sz="2200" b="0" strike="noStrike" spc="-1">
+              <a:solidFill>
+                <a:srgbClr val="000000"/>
+              </a:solidFill>
+              <a:uFill>
+                <a:solidFill>
+                  <a:srgbClr val="FFFFFF"/>
                 </a:solidFill>
               </a:uFill>
               <a:latin typeface="Arial"/>
@@ -1640,16 +1860,17 @@
           </a:prstGeom>
         </p:spPr>
         <p:txBody>
-          <a:bodyPr lIns="0" rIns="0" tIns="0" bIns="0" anchor="ctr"/>
+          <a:bodyPr lIns="0" tIns="0" rIns="0" bIns="0" anchor="ctr"/>
+          <a:lstStyle/>
           <a:p>
             <a:pPr algn="ctr"/>
-            <a:endParaRPr b="0" lang="de-DE" sz="3200" spc="-1" strike="noStrike">
-              <a:solidFill>
-                <a:srgbClr val="000000"/>
-              </a:solidFill>
-              <a:uFill>
-                <a:solidFill>
-                  <a:srgbClr val="ffffff"/>
+            <a:endParaRPr lang="de-DE" sz="3200" b="0" strike="noStrike" spc="-1">
+              <a:solidFill>
+                <a:srgbClr val="000000"/>
+              </a:solidFill>
+              <a:uFill>
+                <a:solidFill>
+                  <a:srgbClr val="FFFFFF"/>
                 </a:solidFill>
               </a:uFill>
               <a:latin typeface="Arial"/>
@@ -1659,11 +1880,14 @@
       </p:sp>
     </p:spTree>
   </p:cSld>
+  <p:clrMapOvr>
+    <a:masterClrMapping/>
+  </p:clrMapOvr>
 </p:sldLayout>
 </file>
 
 <file path=ppt/slideLayouts/slideLayout20.xml><?xml version="1.0" encoding="utf-8"?>
-<p:sldLayout xmlns:a="http://schemas.openxmlformats.org/drawingml/2006/main" xmlns:p="http://schemas.openxmlformats.org/presentationml/2006/main" xmlns:r="http://schemas.openxmlformats.org/officeDocument/2006/relationships" xmlns:p14="http://schemas.microsoft.com/office/powerpoint/2010/main" xmlns:p15="http://schemas.microsoft.com/office/powerpoint/2012/main" xmlns:mc="http://schemas.openxmlformats.org/markup-compatibility/2006" type="objAndTwoObj" preserve="1">
+<p:sldLayout xmlns:a="http://schemas.openxmlformats.org/drawingml/2006/main" xmlns:r="http://schemas.openxmlformats.org/officeDocument/2006/relationships" xmlns:p="http://schemas.openxmlformats.org/presentationml/2006/main" type="objAndTwoObj" preserve="1">
   <p:cSld name="Title Content and 2 Content">
     <p:spTree>
       <p:nvGrpSpPr>
@@ -1699,15 +1923,16 @@
           </a:prstGeom>
         </p:spPr>
         <p:txBody>
-          <a:bodyPr lIns="0" rIns="0" tIns="0" bIns="0" anchor="ctr"/>
-          <a:p>
-            <a:endParaRPr b="0" lang="de-DE" sz="2200" spc="-1" strike="noStrike">
-              <a:solidFill>
-                <a:srgbClr val="000000"/>
-              </a:solidFill>
-              <a:uFill>
-                <a:solidFill>
-                  <a:srgbClr val="ffffff"/>
+          <a:bodyPr lIns="0" tIns="0" rIns="0" bIns="0" anchor="ctr"/>
+          <a:lstStyle/>
+          <a:p>
+            <a:endParaRPr lang="de-DE" sz="2200" b="0" strike="noStrike" spc="-1">
+              <a:solidFill>
+                <a:srgbClr val="000000"/>
+              </a:solidFill>
+              <a:uFill>
+                <a:solidFill>
+                  <a:srgbClr val="FFFFFF"/>
                 </a:solidFill>
               </a:uFill>
               <a:latin typeface="Arial"/>
@@ -1735,15 +1960,16 @@
           </a:prstGeom>
         </p:spPr>
         <p:txBody>
-          <a:bodyPr lIns="0" rIns="0" tIns="0" bIns="0"/>
-          <a:p>
-            <a:endParaRPr b="0" lang="de-DE" sz="1600" spc="-1" strike="noStrike">
-              <a:solidFill>
-                <a:srgbClr val="000000"/>
-              </a:solidFill>
-              <a:uFill>
-                <a:solidFill>
-                  <a:srgbClr val="ffffff"/>
+          <a:bodyPr lIns="0" tIns="0" rIns="0" bIns="0"/>
+          <a:lstStyle/>
+          <a:p>
+            <a:endParaRPr lang="de-DE" sz="1600" b="0" strike="noStrike" spc="-1">
+              <a:solidFill>
+                <a:srgbClr val="000000"/>
+              </a:solidFill>
+              <a:uFill>
+                <a:solidFill>
+                  <a:srgbClr val="FFFFFF"/>
                 </a:solidFill>
               </a:uFill>
               <a:latin typeface="Arial"/>
@@ -1771,15 +1997,16 @@
           </a:prstGeom>
         </p:spPr>
         <p:txBody>
-          <a:bodyPr lIns="0" rIns="0" tIns="0" bIns="0"/>
-          <a:p>
-            <a:endParaRPr b="0" lang="de-DE" sz="1600" spc="-1" strike="noStrike">
-              <a:solidFill>
-                <a:srgbClr val="000000"/>
-              </a:solidFill>
-              <a:uFill>
-                <a:solidFill>
-                  <a:srgbClr val="ffffff"/>
+          <a:bodyPr lIns="0" tIns="0" rIns="0" bIns="0"/>
+          <a:lstStyle/>
+          <a:p>
+            <a:endParaRPr lang="de-DE" sz="1600" b="0" strike="noStrike" spc="-1">
+              <a:solidFill>
+                <a:srgbClr val="000000"/>
+              </a:solidFill>
+              <a:uFill>
+                <a:solidFill>
+                  <a:srgbClr val="FFFFFF"/>
                 </a:solidFill>
               </a:uFill>
               <a:latin typeface="Arial"/>
@@ -1807,15 +2034,16 @@
           </a:prstGeom>
         </p:spPr>
         <p:txBody>
-          <a:bodyPr lIns="0" rIns="0" tIns="0" bIns="0"/>
-          <a:p>
-            <a:endParaRPr b="0" lang="de-DE" sz="1600" spc="-1" strike="noStrike">
-              <a:solidFill>
-                <a:srgbClr val="000000"/>
-              </a:solidFill>
-              <a:uFill>
-                <a:solidFill>
-                  <a:srgbClr val="ffffff"/>
+          <a:bodyPr lIns="0" tIns="0" rIns="0" bIns="0"/>
+          <a:lstStyle/>
+          <a:p>
+            <a:endParaRPr lang="de-DE" sz="1600" b="0" strike="noStrike" spc="-1">
+              <a:solidFill>
+                <a:srgbClr val="000000"/>
+              </a:solidFill>
+              <a:uFill>
+                <a:solidFill>
+                  <a:srgbClr val="FFFFFF"/>
                 </a:solidFill>
               </a:uFill>
               <a:latin typeface="Arial"/>
@@ -1825,11 +2053,14 @@
       </p:sp>
     </p:spTree>
   </p:cSld>
+  <p:clrMapOvr>
+    <a:masterClrMapping/>
+  </p:clrMapOvr>
 </p:sldLayout>
 </file>
 
 <file path=ppt/slideLayouts/slideLayout21.xml><?xml version="1.0" encoding="utf-8"?>
-<p:sldLayout xmlns:a="http://schemas.openxmlformats.org/drawingml/2006/main" xmlns:p="http://schemas.openxmlformats.org/presentationml/2006/main" xmlns:r="http://schemas.openxmlformats.org/officeDocument/2006/relationships" xmlns:p14="http://schemas.microsoft.com/office/powerpoint/2010/main" xmlns:p15="http://schemas.microsoft.com/office/powerpoint/2012/main" xmlns:mc="http://schemas.openxmlformats.org/markup-compatibility/2006" type="twoObjOverTx" preserve="1">
+<p:sldLayout xmlns:a="http://schemas.openxmlformats.org/drawingml/2006/main" xmlns:r="http://schemas.openxmlformats.org/officeDocument/2006/relationships" xmlns:p="http://schemas.openxmlformats.org/presentationml/2006/main" type="twoObjOverTx" preserve="1">
   <p:cSld name="Title, 2 Content over Content">
     <p:spTree>
       <p:nvGrpSpPr>
@@ -1865,15 +2096,16 @@
           </a:prstGeom>
         </p:spPr>
         <p:txBody>
-          <a:bodyPr lIns="0" rIns="0" tIns="0" bIns="0" anchor="ctr"/>
-          <a:p>
-            <a:endParaRPr b="0" lang="de-DE" sz="2200" spc="-1" strike="noStrike">
-              <a:solidFill>
-                <a:srgbClr val="000000"/>
-              </a:solidFill>
-              <a:uFill>
-                <a:solidFill>
-                  <a:srgbClr val="ffffff"/>
+          <a:bodyPr lIns="0" tIns="0" rIns="0" bIns="0" anchor="ctr"/>
+          <a:lstStyle/>
+          <a:p>
+            <a:endParaRPr lang="de-DE" sz="2200" b="0" strike="noStrike" spc="-1">
+              <a:solidFill>
+                <a:srgbClr val="000000"/>
+              </a:solidFill>
+              <a:uFill>
+                <a:solidFill>
+                  <a:srgbClr val="FFFFFF"/>
                 </a:solidFill>
               </a:uFill>
               <a:latin typeface="Arial"/>
@@ -1901,15 +2133,16 @@
           </a:prstGeom>
         </p:spPr>
         <p:txBody>
-          <a:bodyPr lIns="0" rIns="0" tIns="0" bIns="0"/>
-          <a:p>
-            <a:endParaRPr b="0" lang="de-DE" sz="1600" spc="-1" strike="noStrike">
-              <a:solidFill>
-                <a:srgbClr val="000000"/>
-              </a:solidFill>
-              <a:uFill>
-                <a:solidFill>
-                  <a:srgbClr val="ffffff"/>
+          <a:bodyPr lIns="0" tIns="0" rIns="0" bIns="0"/>
+          <a:lstStyle/>
+          <a:p>
+            <a:endParaRPr lang="de-DE" sz="1600" b="0" strike="noStrike" spc="-1">
+              <a:solidFill>
+                <a:srgbClr val="000000"/>
+              </a:solidFill>
+              <a:uFill>
+                <a:solidFill>
+                  <a:srgbClr val="FFFFFF"/>
                 </a:solidFill>
               </a:uFill>
               <a:latin typeface="Arial"/>
@@ -1937,15 +2170,16 @@
           </a:prstGeom>
         </p:spPr>
         <p:txBody>
-          <a:bodyPr lIns="0" rIns="0" tIns="0" bIns="0"/>
-          <a:p>
-            <a:endParaRPr b="0" lang="de-DE" sz="1600" spc="-1" strike="noStrike">
-              <a:solidFill>
-                <a:srgbClr val="000000"/>
-              </a:solidFill>
-              <a:uFill>
-                <a:solidFill>
-                  <a:srgbClr val="ffffff"/>
+          <a:bodyPr lIns="0" tIns="0" rIns="0" bIns="0"/>
+          <a:lstStyle/>
+          <a:p>
+            <a:endParaRPr lang="de-DE" sz="1600" b="0" strike="noStrike" spc="-1">
+              <a:solidFill>
+                <a:srgbClr val="000000"/>
+              </a:solidFill>
+              <a:uFill>
+                <a:solidFill>
+                  <a:srgbClr val="FFFFFF"/>
                 </a:solidFill>
               </a:uFill>
               <a:latin typeface="Arial"/>
@@ -1973,15 +2207,16 @@
           </a:prstGeom>
         </p:spPr>
         <p:txBody>
-          <a:bodyPr lIns="0" rIns="0" tIns="0" bIns="0"/>
-          <a:p>
-            <a:endParaRPr b="0" lang="de-DE" sz="1600" spc="-1" strike="noStrike">
-              <a:solidFill>
-                <a:srgbClr val="000000"/>
-              </a:solidFill>
-              <a:uFill>
-                <a:solidFill>
-                  <a:srgbClr val="ffffff"/>
+          <a:bodyPr lIns="0" tIns="0" rIns="0" bIns="0"/>
+          <a:lstStyle/>
+          <a:p>
+            <a:endParaRPr lang="de-DE" sz="1600" b="0" strike="noStrike" spc="-1">
+              <a:solidFill>
+                <a:srgbClr val="000000"/>
+              </a:solidFill>
+              <a:uFill>
+                <a:solidFill>
+                  <a:srgbClr val="FFFFFF"/>
                 </a:solidFill>
               </a:uFill>
               <a:latin typeface="Arial"/>
@@ -1991,11 +2226,14 @@
       </p:sp>
     </p:spTree>
   </p:cSld>
+  <p:clrMapOvr>
+    <a:masterClrMapping/>
+  </p:clrMapOvr>
 </p:sldLayout>
 </file>
 
 <file path=ppt/slideLayouts/slideLayout22.xml><?xml version="1.0" encoding="utf-8"?>
-<p:sldLayout xmlns:a="http://schemas.openxmlformats.org/drawingml/2006/main" xmlns:p="http://schemas.openxmlformats.org/presentationml/2006/main" xmlns:r="http://schemas.openxmlformats.org/officeDocument/2006/relationships" xmlns:p14="http://schemas.microsoft.com/office/powerpoint/2010/main" xmlns:p15="http://schemas.microsoft.com/office/powerpoint/2012/main" xmlns:mc="http://schemas.openxmlformats.org/markup-compatibility/2006" type="objOverTx" preserve="1">
+<p:sldLayout xmlns:a="http://schemas.openxmlformats.org/drawingml/2006/main" xmlns:r="http://schemas.openxmlformats.org/officeDocument/2006/relationships" xmlns:p="http://schemas.openxmlformats.org/presentationml/2006/main" type="objOverTx" preserve="1">
   <p:cSld name="Title, Content over Content">
     <p:spTree>
       <p:nvGrpSpPr>
@@ -2031,15 +2269,16 @@
           </a:prstGeom>
         </p:spPr>
         <p:txBody>
-          <a:bodyPr lIns="0" rIns="0" tIns="0" bIns="0" anchor="ctr"/>
-          <a:p>
-            <a:endParaRPr b="0" lang="de-DE" sz="2200" spc="-1" strike="noStrike">
-              <a:solidFill>
-                <a:srgbClr val="000000"/>
-              </a:solidFill>
-              <a:uFill>
-                <a:solidFill>
-                  <a:srgbClr val="ffffff"/>
+          <a:bodyPr lIns="0" tIns="0" rIns="0" bIns="0" anchor="ctr"/>
+          <a:lstStyle/>
+          <a:p>
+            <a:endParaRPr lang="de-DE" sz="2200" b="0" strike="noStrike" spc="-1">
+              <a:solidFill>
+                <a:srgbClr val="000000"/>
+              </a:solidFill>
+              <a:uFill>
+                <a:solidFill>
+                  <a:srgbClr val="FFFFFF"/>
                 </a:solidFill>
               </a:uFill>
               <a:latin typeface="Arial"/>
@@ -2067,15 +2306,16 @@
           </a:prstGeom>
         </p:spPr>
         <p:txBody>
-          <a:bodyPr lIns="0" rIns="0" tIns="0" bIns="0"/>
-          <a:p>
-            <a:endParaRPr b="0" lang="de-DE" sz="1600" spc="-1" strike="noStrike">
-              <a:solidFill>
-                <a:srgbClr val="000000"/>
-              </a:solidFill>
-              <a:uFill>
-                <a:solidFill>
-                  <a:srgbClr val="ffffff"/>
+          <a:bodyPr lIns="0" tIns="0" rIns="0" bIns="0"/>
+          <a:lstStyle/>
+          <a:p>
+            <a:endParaRPr lang="de-DE" sz="1600" b="0" strike="noStrike" spc="-1">
+              <a:solidFill>
+                <a:srgbClr val="000000"/>
+              </a:solidFill>
+              <a:uFill>
+                <a:solidFill>
+                  <a:srgbClr val="FFFFFF"/>
                 </a:solidFill>
               </a:uFill>
               <a:latin typeface="Arial"/>
@@ -2103,15 +2343,16 @@
           </a:prstGeom>
         </p:spPr>
         <p:txBody>
-          <a:bodyPr lIns="0" rIns="0" tIns="0" bIns="0"/>
-          <a:p>
-            <a:endParaRPr b="0" lang="de-DE" sz="1600" spc="-1" strike="noStrike">
-              <a:solidFill>
-                <a:srgbClr val="000000"/>
-              </a:solidFill>
-              <a:uFill>
-                <a:solidFill>
-                  <a:srgbClr val="ffffff"/>
+          <a:bodyPr lIns="0" tIns="0" rIns="0" bIns="0"/>
+          <a:lstStyle/>
+          <a:p>
+            <a:endParaRPr lang="de-DE" sz="1600" b="0" strike="noStrike" spc="-1">
+              <a:solidFill>
+                <a:srgbClr val="000000"/>
+              </a:solidFill>
+              <a:uFill>
+                <a:solidFill>
+                  <a:srgbClr val="FFFFFF"/>
                 </a:solidFill>
               </a:uFill>
               <a:latin typeface="Arial"/>
@@ -2121,11 +2362,14 @@
       </p:sp>
     </p:spTree>
   </p:cSld>
+  <p:clrMapOvr>
+    <a:masterClrMapping/>
+  </p:clrMapOvr>
 </p:sldLayout>
 </file>
 
 <file path=ppt/slideLayouts/slideLayout23.xml><?xml version="1.0" encoding="utf-8"?>
-<p:sldLayout xmlns:a="http://schemas.openxmlformats.org/drawingml/2006/main" xmlns:p="http://schemas.openxmlformats.org/presentationml/2006/main" xmlns:r="http://schemas.openxmlformats.org/officeDocument/2006/relationships" xmlns:p14="http://schemas.microsoft.com/office/powerpoint/2010/main" xmlns:p15="http://schemas.microsoft.com/office/powerpoint/2012/main" xmlns:mc="http://schemas.openxmlformats.org/markup-compatibility/2006" type="fourObj" preserve="1">
+<p:sldLayout xmlns:a="http://schemas.openxmlformats.org/drawingml/2006/main" xmlns:r="http://schemas.openxmlformats.org/officeDocument/2006/relationships" xmlns:p="http://schemas.openxmlformats.org/presentationml/2006/main" type="fourObj" preserve="1">
   <p:cSld name="Title, 4 Content">
     <p:spTree>
       <p:nvGrpSpPr>
@@ -2161,15 +2405,16 @@
           </a:prstGeom>
         </p:spPr>
         <p:txBody>
-          <a:bodyPr lIns="0" rIns="0" tIns="0" bIns="0" anchor="ctr"/>
-          <a:p>
-            <a:endParaRPr b="0" lang="de-DE" sz="2200" spc="-1" strike="noStrike">
-              <a:solidFill>
-                <a:srgbClr val="000000"/>
-              </a:solidFill>
-              <a:uFill>
-                <a:solidFill>
-                  <a:srgbClr val="ffffff"/>
+          <a:bodyPr lIns="0" tIns="0" rIns="0" bIns="0" anchor="ctr"/>
+          <a:lstStyle/>
+          <a:p>
+            <a:endParaRPr lang="de-DE" sz="2200" b="0" strike="noStrike" spc="-1">
+              <a:solidFill>
+                <a:srgbClr val="000000"/>
+              </a:solidFill>
+              <a:uFill>
+                <a:solidFill>
+                  <a:srgbClr val="FFFFFF"/>
                 </a:solidFill>
               </a:uFill>
               <a:latin typeface="Arial"/>
@@ -2197,15 +2442,16 @@
           </a:prstGeom>
         </p:spPr>
         <p:txBody>
-          <a:bodyPr lIns="0" rIns="0" tIns="0" bIns="0"/>
-          <a:p>
-            <a:endParaRPr b="0" lang="de-DE" sz="1600" spc="-1" strike="noStrike">
-              <a:solidFill>
-                <a:srgbClr val="000000"/>
-              </a:solidFill>
-              <a:uFill>
-                <a:solidFill>
-                  <a:srgbClr val="ffffff"/>
+          <a:bodyPr lIns="0" tIns="0" rIns="0" bIns="0"/>
+          <a:lstStyle/>
+          <a:p>
+            <a:endParaRPr lang="de-DE" sz="1600" b="0" strike="noStrike" spc="-1">
+              <a:solidFill>
+                <a:srgbClr val="000000"/>
+              </a:solidFill>
+              <a:uFill>
+                <a:solidFill>
+                  <a:srgbClr val="FFFFFF"/>
                 </a:solidFill>
               </a:uFill>
               <a:latin typeface="Arial"/>
@@ -2233,15 +2479,16 @@
           </a:prstGeom>
         </p:spPr>
         <p:txBody>
-          <a:bodyPr lIns="0" rIns="0" tIns="0" bIns="0"/>
-          <a:p>
-            <a:endParaRPr b="0" lang="de-DE" sz="1600" spc="-1" strike="noStrike">
-              <a:solidFill>
-                <a:srgbClr val="000000"/>
-              </a:solidFill>
-              <a:uFill>
-                <a:solidFill>
-                  <a:srgbClr val="ffffff"/>
+          <a:bodyPr lIns="0" tIns="0" rIns="0" bIns="0"/>
+          <a:lstStyle/>
+          <a:p>
+            <a:endParaRPr lang="de-DE" sz="1600" b="0" strike="noStrike" spc="-1">
+              <a:solidFill>
+                <a:srgbClr val="000000"/>
+              </a:solidFill>
+              <a:uFill>
+                <a:solidFill>
+                  <a:srgbClr val="FFFFFF"/>
                 </a:solidFill>
               </a:uFill>
               <a:latin typeface="Arial"/>
@@ -2269,15 +2516,16 @@
           </a:prstGeom>
         </p:spPr>
         <p:txBody>
-          <a:bodyPr lIns="0" rIns="0" tIns="0" bIns="0"/>
-          <a:p>
-            <a:endParaRPr b="0" lang="de-DE" sz="1600" spc="-1" strike="noStrike">
-              <a:solidFill>
-                <a:srgbClr val="000000"/>
-              </a:solidFill>
-              <a:uFill>
-                <a:solidFill>
-                  <a:srgbClr val="ffffff"/>
+          <a:bodyPr lIns="0" tIns="0" rIns="0" bIns="0"/>
+          <a:lstStyle/>
+          <a:p>
+            <a:endParaRPr lang="de-DE" sz="1600" b="0" strike="noStrike" spc="-1">
+              <a:solidFill>
+                <a:srgbClr val="000000"/>
+              </a:solidFill>
+              <a:uFill>
+                <a:solidFill>
+                  <a:srgbClr val="FFFFFF"/>
                 </a:solidFill>
               </a:uFill>
               <a:latin typeface="Arial"/>
@@ -2305,15 +2553,16 @@
           </a:prstGeom>
         </p:spPr>
         <p:txBody>
-          <a:bodyPr lIns="0" rIns="0" tIns="0" bIns="0"/>
-          <a:p>
-            <a:endParaRPr b="0" lang="de-DE" sz="1600" spc="-1" strike="noStrike">
-              <a:solidFill>
-                <a:srgbClr val="000000"/>
-              </a:solidFill>
-              <a:uFill>
-                <a:solidFill>
-                  <a:srgbClr val="ffffff"/>
+          <a:bodyPr lIns="0" tIns="0" rIns="0" bIns="0"/>
+          <a:lstStyle/>
+          <a:p>
+            <a:endParaRPr lang="de-DE" sz="1600" b="0" strike="noStrike" spc="-1">
+              <a:solidFill>
+                <a:srgbClr val="000000"/>
+              </a:solidFill>
+              <a:uFill>
+                <a:solidFill>
+                  <a:srgbClr val="FFFFFF"/>
                 </a:solidFill>
               </a:uFill>
               <a:latin typeface="Arial"/>
@@ -2323,11 +2572,14 @@
       </p:sp>
     </p:spTree>
   </p:cSld>
+  <p:clrMapOvr>
+    <a:masterClrMapping/>
+  </p:clrMapOvr>
 </p:sldLayout>
 </file>
 
 <file path=ppt/slideLayouts/slideLayout24.xml><?xml version="1.0" encoding="utf-8"?>
-<p:sldLayout xmlns:a="http://schemas.openxmlformats.org/drawingml/2006/main" xmlns:p="http://schemas.openxmlformats.org/presentationml/2006/main" xmlns:r="http://schemas.openxmlformats.org/officeDocument/2006/relationships" xmlns:p14="http://schemas.microsoft.com/office/powerpoint/2010/main" xmlns:p15="http://schemas.microsoft.com/office/powerpoint/2012/main" xmlns:mc="http://schemas.openxmlformats.org/markup-compatibility/2006" type="blank" preserve="1">
+<p:sldLayout xmlns:a="http://schemas.openxmlformats.org/drawingml/2006/main" xmlns:r="http://schemas.openxmlformats.org/officeDocument/2006/relationships" xmlns:p="http://schemas.openxmlformats.org/presentationml/2006/main" type="blank" preserve="1">
   <p:cSld name="Title, 6 Content">
     <p:spTree>
       <p:nvGrpSpPr>
@@ -2363,15 +2615,16 @@
           </a:prstGeom>
         </p:spPr>
         <p:txBody>
-          <a:bodyPr lIns="0" rIns="0" tIns="0" bIns="0" anchor="ctr"/>
-          <a:p>
-            <a:endParaRPr b="0" lang="de-DE" sz="2200" spc="-1" strike="noStrike">
-              <a:solidFill>
-                <a:srgbClr val="000000"/>
-              </a:solidFill>
-              <a:uFill>
-                <a:solidFill>
-                  <a:srgbClr val="ffffff"/>
+          <a:bodyPr lIns="0" tIns="0" rIns="0" bIns="0" anchor="ctr"/>
+          <a:lstStyle/>
+          <a:p>
+            <a:endParaRPr lang="de-DE" sz="2200" b="0" strike="noStrike" spc="-1">
+              <a:solidFill>
+                <a:srgbClr val="000000"/>
+              </a:solidFill>
+              <a:uFill>
+                <a:solidFill>
+                  <a:srgbClr val="FFFFFF"/>
                 </a:solidFill>
               </a:uFill>
               <a:latin typeface="Arial"/>
@@ -2399,15 +2652,16 @@
           </a:prstGeom>
         </p:spPr>
         <p:txBody>
-          <a:bodyPr lIns="0" rIns="0" tIns="0" bIns="0"/>
-          <a:p>
-            <a:endParaRPr b="0" lang="de-DE" sz="1600" spc="-1" strike="noStrike">
-              <a:solidFill>
-                <a:srgbClr val="000000"/>
-              </a:solidFill>
-              <a:uFill>
-                <a:solidFill>
-                  <a:srgbClr val="ffffff"/>
+          <a:bodyPr lIns="0" tIns="0" rIns="0" bIns="0"/>
+          <a:lstStyle/>
+          <a:p>
+            <a:endParaRPr lang="de-DE" sz="1600" b="0" strike="noStrike" spc="-1">
+              <a:solidFill>
+                <a:srgbClr val="000000"/>
+              </a:solidFill>
+              <a:uFill>
+                <a:solidFill>
+                  <a:srgbClr val="FFFFFF"/>
                 </a:solidFill>
               </a:uFill>
               <a:latin typeface="Arial"/>
@@ -2435,15 +2689,16 @@
           </a:prstGeom>
         </p:spPr>
         <p:txBody>
-          <a:bodyPr lIns="0" rIns="0" tIns="0" bIns="0"/>
-          <a:p>
-            <a:endParaRPr b="0" lang="de-DE" sz="1600" spc="-1" strike="noStrike">
-              <a:solidFill>
-                <a:srgbClr val="000000"/>
-              </a:solidFill>
-              <a:uFill>
-                <a:solidFill>
-                  <a:srgbClr val="ffffff"/>
+          <a:bodyPr lIns="0" tIns="0" rIns="0" bIns="0"/>
+          <a:lstStyle/>
+          <a:p>
+            <a:endParaRPr lang="de-DE" sz="1600" b="0" strike="noStrike" spc="-1">
+              <a:solidFill>
+                <a:srgbClr val="000000"/>
+              </a:solidFill>
+              <a:uFill>
+                <a:solidFill>
+                  <a:srgbClr val="FFFFFF"/>
                 </a:solidFill>
               </a:uFill>
               <a:latin typeface="Arial"/>
@@ -2453,7 +2708,7 @@
       </p:sp>
       <p:pic>
         <p:nvPicPr>
-          <p:cNvPr id="77" name="" descr=""/>
+          <p:cNvPr id="77" name="Grafik 76"/>
           <p:cNvPicPr/>
           <p:nvPr/>
         </p:nvPicPr>
@@ -2476,12 +2731,12 @@
       </p:pic>
       <p:pic>
         <p:nvPicPr>
-          <p:cNvPr id="78" name="" descr=""/>
+          <p:cNvPr id="78" name="Grafik 77"/>
           <p:cNvPicPr/>
           <p:nvPr/>
         </p:nvPicPr>
         <p:blipFill>
-          <a:blip r:embed="rId3"/>
+          <a:blip r:embed="rId2"/>
           <a:stretch/>
         </p:blipFill>
         <p:spPr>
@@ -2499,11 +2754,14 @@
       </p:pic>
     </p:spTree>
   </p:cSld>
+  <p:clrMapOvr>
+    <a:masterClrMapping/>
+  </p:clrMapOvr>
 </p:sldLayout>
 </file>
 
 <file path=ppt/slideLayouts/slideLayout3.xml><?xml version="1.0" encoding="utf-8"?>
-<p:sldLayout xmlns:a="http://schemas.openxmlformats.org/drawingml/2006/main" xmlns:p="http://schemas.openxmlformats.org/presentationml/2006/main" xmlns:r="http://schemas.openxmlformats.org/officeDocument/2006/relationships" xmlns:p14="http://schemas.microsoft.com/office/powerpoint/2010/main" xmlns:p15="http://schemas.microsoft.com/office/powerpoint/2012/main" xmlns:mc="http://schemas.openxmlformats.org/markup-compatibility/2006" type="obj" preserve="1">
+<p:sldLayout xmlns:a="http://schemas.openxmlformats.org/drawingml/2006/main" xmlns:r="http://schemas.openxmlformats.org/officeDocument/2006/relationships" xmlns:p="http://schemas.openxmlformats.org/presentationml/2006/main" type="obj" preserve="1">
   <p:cSld name="Title, Content">
     <p:spTree>
       <p:nvGrpSpPr>
@@ -2539,15 +2797,16 @@
           </a:prstGeom>
         </p:spPr>
         <p:txBody>
-          <a:bodyPr lIns="0" rIns="0" tIns="0" bIns="0" anchor="ctr"/>
-          <a:p>
-            <a:endParaRPr b="0" lang="de-DE" sz="2200" spc="-1" strike="noStrike">
-              <a:solidFill>
-                <a:srgbClr val="000000"/>
-              </a:solidFill>
-              <a:uFill>
-                <a:solidFill>
-                  <a:srgbClr val="ffffff"/>
+          <a:bodyPr lIns="0" tIns="0" rIns="0" bIns="0" anchor="ctr"/>
+          <a:lstStyle/>
+          <a:p>
+            <a:endParaRPr lang="de-DE" sz="2200" b="0" strike="noStrike" spc="-1">
+              <a:solidFill>
+                <a:srgbClr val="000000"/>
+              </a:solidFill>
+              <a:uFill>
+                <a:solidFill>
+                  <a:srgbClr val="FFFFFF"/>
                 </a:solidFill>
               </a:uFill>
               <a:latin typeface="Arial"/>
@@ -2575,15 +2834,16 @@
           </a:prstGeom>
         </p:spPr>
         <p:txBody>
-          <a:bodyPr lIns="0" rIns="0" tIns="0" bIns="0"/>
-          <a:p>
-            <a:endParaRPr b="0" lang="de-DE" sz="1600" spc="-1" strike="noStrike">
-              <a:solidFill>
-                <a:srgbClr val="000000"/>
-              </a:solidFill>
-              <a:uFill>
-                <a:solidFill>
-                  <a:srgbClr val="ffffff"/>
+          <a:bodyPr lIns="0" tIns="0" rIns="0" bIns="0"/>
+          <a:lstStyle/>
+          <a:p>
+            <a:endParaRPr lang="de-DE" sz="1600" b="0" strike="noStrike" spc="-1">
+              <a:solidFill>
+                <a:srgbClr val="000000"/>
+              </a:solidFill>
+              <a:uFill>
+                <a:solidFill>
+                  <a:srgbClr val="FFFFFF"/>
                 </a:solidFill>
               </a:uFill>
               <a:latin typeface="Arial"/>
@@ -2593,11 +2853,14 @@
       </p:sp>
     </p:spTree>
   </p:cSld>
+  <p:clrMapOvr>
+    <a:masterClrMapping/>
+  </p:clrMapOvr>
 </p:sldLayout>
 </file>
 
 <file path=ppt/slideLayouts/slideLayout4.xml><?xml version="1.0" encoding="utf-8"?>
-<p:sldLayout xmlns:a="http://schemas.openxmlformats.org/drawingml/2006/main" xmlns:p="http://schemas.openxmlformats.org/presentationml/2006/main" xmlns:r="http://schemas.openxmlformats.org/officeDocument/2006/relationships" xmlns:p14="http://schemas.microsoft.com/office/powerpoint/2010/main" xmlns:p15="http://schemas.microsoft.com/office/powerpoint/2012/main" xmlns:mc="http://schemas.openxmlformats.org/markup-compatibility/2006" type="twoObj" preserve="1">
+<p:sldLayout xmlns:a="http://schemas.openxmlformats.org/drawingml/2006/main" xmlns:r="http://schemas.openxmlformats.org/officeDocument/2006/relationships" xmlns:p="http://schemas.openxmlformats.org/presentationml/2006/main" type="twoObj" preserve="1">
   <p:cSld name="Title, 2 Content">
     <p:spTree>
       <p:nvGrpSpPr>
@@ -2633,15 +2896,16 @@
           </a:prstGeom>
         </p:spPr>
         <p:txBody>
-          <a:bodyPr lIns="0" rIns="0" tIns="0" bIns="0" anchor="ctr"/>
-          <a:p>
-            <a:endParaRPr b="0" lang="de-DE" sz="2200" spc="-1" strike="noStrike">
-              <a:solidFill>
-                <a:srgbClr val="000000"/>
-              </a:solidFill>
-              <a:uFill>
-                <a:solidFill>
-                  <a:srgbClr val="ffffff"/>
+          <a:bodyPr lIns="0" tIns="0" rIns="0" bIns="0" anchor="ctr"/>
+          <a:lstStyle/>
+          <a:p>
+            <a:endParaRPr lang="de-DE" sz="2200" b="0" strike="noStrike" spc="-1">
+              <a:solidFill>
+                <a:srgbClr val="000000"/>
+              </a:solidFill>
+              <a:uFill>
+                <a:solidFill>
+                  <a:srgbClr val="FFFFFF"/>
                 </a:solidFill>
               </a:uFill>
               <a:latin typeface="Arial"/>
@@ -2669,15 +2933,16 @@
           </a:prstGeom>
         </p:spPr>
         <p:txBody>
-          <a:bodyPr lIns="0" rIns="0" tIns="0" bIns="0"/>
-          <a:p>
-            <a:endParaRPr b="0" lang="de-DE" sz="1600" spc="-1" strike="noStrike">
-              <a:solidFill>
-                <a:srgbClr val="000000"/>
-              </a:solidFill>
-              <a:uFill>
-                <a:solidFill>
-                  <a:srgbClr val="ffffff"/>
+          <a:bodyPr lIns="0" tIns="0" rIns="0" bIns="0"/>
+          <a:lstStyle/>
+          <a:p>
+            <a:endParaRPr lang="de-DE" sz="1600" b="0" strike="noStrike" spc="-1">
+              <a:solidFill>
+                <a:srgbClr val="000000"/>
+              </a:solidFill>
+              <a:uFill>
+                <a:solidFill>
+                  <a:srgbClr val="FFFFFF"/>
                 </a:solidFill>
               </a:uFill>
               <a:latin typeface="Arial"/>
@@ -2705,15 +2970,16 @@
           </a:prstGeom>
         </p:spPr>
         <p:txBody>
-          <a:bodyPr lIns="0" rIns="0" tIns="0" bIns="0"/>
-          <a:p>
-            <a:endParaRPr b="0" lang="de-DE" sz="1600" spc="-1" strike="noStrike">
-              <a:solidFill>
-                <a:srgbClr val="000000"/>
-              </a:solidFill>
-              <a:uFill>
-                <a:solidFill>
-                  <a:srgbClr val="ffffff"/>
+          <a:bodyPr lIns="0" tIns="0" rIns="0" bIns="0"/>
+          <a:lstStyle/>
+          <a:p>
+            <a:endParaRPr lang="de-DE" sz="1600" b="0" strike="noStrike" spc="-1">
+              <a:solidFill>
+                <a:srgbClr val="000000"/>
+              </a:solidFill>
+              <a:uFill>
+                <a:solidFill>
+                  <a:srgbClr val="FFFFFF"/>
                 </a:solidFill>
               </a:uFill>
               <a:latin typeface="Arial"/>
@@ -2723,11 +2989,14 @@
       </p:sp>
     </p:spTree>
   </p:cSld>
+  <p:clrMapOvr>
+    <a:masterClrMapping/>
+  </p:clrMapOvr>
 </p:sldLayout>
 </file>
 
 <file path=ppt/slideLayouts/slideLayout5.xml><?xml version="1.0" encoding="utf-8"?>
-<p:sldLayout xmlns:a="http://schemas.openxmlformats.org/drawingml/2006/main" xmlns:p="http://schemas.openxmlformats.org/presentationml/2006/main" xmlns:r="http://schemas.openxmlformats.org/officeDocument/2006/relationships" xmlns:p14="http://schemas.microsoft.com/office/powerpoint/2010/main" xmlns:p15="http://schemas.microsoft.com/office/powerpoint/2012/main" xmlns:mc="http://schemas.openxmlformats.org/markup-compatibility/2006" type="titleOnly" preserve="1">
+<p:sldLayout xmlns:a="http://schemas.openxmlformats.org/drawingml/2006/main" xmlns:r="http://schemas.openxmlformats.org/officeDocument/2006/relationships" xmlns:p="http://schemas.openxmlformats.org/presentationml/2006/main" type="titleOnly" preserve="1">
   <p:cSld name="Title Only">
     <p:spTree>
       <p:nvGrpSpPr>
@@ -2763,15 +3032,16 @@
           </a:prstGeom>
         </p:spPr>
         <p:txBody>
-          <a:bodyPr lIns="0" rIns="0" tIns="0" bIns="0" anchor="ctr"/>
-          <a:p>
-            <a:endParaRPr b="0" lang="de-DE" sz="2200" spc="-1" strike="noStrike">
-              <a:solidFill>
-                <a:srgbClr val="000000"/>
-              </a:solidFill>
-              <a:uFill>
-                <a:solidFill>
-                  <a:srgbClr val="ffffff"/>
+          <a:bodyPr lIns="0" tIns="0" rIns="0" bIns="0" anchor="ctr"/>
+          <a:lstStyle/>
+          <a:p>
+            <a:endParaRPr lang="de-DE" sz="2200" b="0" strike="noStrike" spc="-1">
+              <a:solidFill>
+                <a:srgbClr val="000000"/>
+              </a:solidFill>
+              <a:uFill>
+                <a:solidFill>
+                  <a:srgbClr val="FFFFFF"/>
                 </a:solidFill>
               </a:uFill>
               <a:latin typeface="Arial"/>
@@ -2781,11 +3051,14 @@
       </p:sp>
     </p:spTree>
   </p:cSld>
+  <p:clrMapOvr>
+    <a:masterClrMapping/>
+  </p:clrMapOvr>
 </p:sldLayout>
 </file>
 
 <file path=ppt/slideLayouts/slideLayout6.xml><?xml version="1.0" encoding="utf-8"?>
-<p:sldLayout xmlns:a="http://schemas.openxmlformats.org/drawingml/2006/main" xmlns:p="http://schemas.openxmlformats.org/presentationml/2006/main" xmlns:r="http://schemas.openxmlformats.org/officeDocument/2006/relationships" xmlns:p14="http://schemas.microsoft.com/office/powerpoint/2010/main" xmlns:p15="http://schemas.microsoft.com/office/powerpoint/2012/main" xmlns:mc="http://schemas.openxmlformats.org/markup-compatibility/2006" type="objOnly" preserve="1">
+<p:sldLayout xmlns:a="http://schemas.openxmlformats.org/drawingml/2006/main" xmlns:r="http://schemas.openxmlformats.org/officeDocument/2006/relationships" xmlns:p="http://schemas.openxmlformats.org/presentationml/2006/main" type="objOnly" preserve="1">
   <p:cSld name="Centered Text">
     <p:spTree>
       <p:nvGrpSpPr>
@@ -2821,16 +3094,17 @@
           </a:prstGeom>
         </p:spPr>
         <p:txBody>
-          <a:bodyPr lIns="0" rIns="0" tIns="0" bIns="0" anchor="ctr"/>
+          <a:bodyPr lIns="0" tIns="0" rIns="0" bIns="0" anchor="ctr"/>
+          <a:lstStyle/>
           <a:p>
             <a:pPr algn="ctr"/>
-            <a:endParaRPr b="0" lang="de-DE" sz="3200" spc="-1" strike="noStrike">
-              <a:solidFill>
-                <a:srgbClr val="000000"/>
-              </a:solidFill>
-              <a:uFill>
-                <a:solidFill>
-                  <a:srgbClr val="ffffff"/>
+            <a:endParaRPr lang="de-DE" sz="3200" b="0" strike="noStrike" spc="-1">
+              <a:solidFill>
+                <a:srgbClr val="000000"/>
+              </a:solidFill>
+              <a:uFill>
+                <a:solidFill>
+                  <a:srgbClr val="FFFFFF"/>
                 </a:solidFill>
               </a:uFill>
               <a:latin typeface="Arial"/>
@@ -2840,11 +3114,14 @@
       </p:sp>
     </p:spTree>
   </p:cSld>
+  <p:clrMapOvr>
+    <a:masterClrMapping/>
+  </p:clrMapOvr>
 </p:sldLayout>
 </file>
 
 <file path=ppt/slideLayouts/slideLayout7.xml><?xml version="1.0" encoding="utf-8"?>
-<p:sldLayout xmlns:a="http://schemas.openxmlformats.org/drawingml/2006/main" xmlns:p="http://schemas.openxmlformats.org/presentationml/2006/main" xmlns:r="http://schemas.openxmlformats.org/officeDocument/2006/relationships" xmlns:p14="http://schemas.microsoft.com/office/powerpoint/2010/main" xmlns:p15="http://schemas.microsoft.com/office/powerpoint/2012/main" xmlns:mc="http://schemas.openxmlformats.org/markup-compatibility/2006" type="twoObjAndObj" preserve="1">
+<p:sldLayout xmlns:a="http://schemas.openxmlformats.org/drawingml/2006/main" xmlns:r="http://schemas.openxmlformats.org/officeDocument/2006/relationships" xmlns:p="http://schemas.openxmlformats.org/presentationml/2006/main" type="twoObjAndObj" preserve="1">
   <p:cSld name="Title, 2 Content and Content">
     <p:spTree>
       <p:nvGrpSpPr>
@@ -2880,15 +3157,16 @@
           </a:prstGeom>
         </p:spPr>
         <p:txBody>
-          <a:bodyPr lIns="0" rIns="0" tIns="0" bIns="0" anchor="ctr"/>
-          <a:p>
-            <a:endParaRPr b="0" lang="de-DE" sz="2200" spc="-1" strike="noStrike">
-              <a:solidFill>
-                <a:srgbClr val="000000"/>
-              </a:solidFill>
-              <a:uFill>
-                <a:solidFill>
-                  <a:srgbClr val="ffffff"/>
+          <a:bodyPr lIns="0" tIns="0" rIns="0" bIns="0" anchor="ctr"/>
+          <a:lstStyle/>
+          <a:p>
+            <a:endParaRPr lang="de-DE" sz="2200" b="0" strike="noStrike" spc="-1">
+              <a:solidFill>
+                <a:srgbClr val="000000"/>
+              </a:solidFill>
+              <a:uFill>
+                <a:solidFill>
+                  <a:srgbClr val="FFFFFF"/>
                 </a:solidFill>
               </a:uFill>
               <a:latin typeface="Arial"/>
@@ -2916,15 +3194,16 @@
           </a:prstGeom>
         </p:spPr>
         <p:txBody>
-          <a:bodyPr lIns="0" rIns="0" tIns="0" bIns="0"/>
-          <a:p>
-            <a:endParaRPr b="0" lang="de-DE" sz="1600" spc="-1" strike="noStrike">
-              <a:solidFill>
-                <a:srgbClr val="000000"/>
-              </a:solidFill>
-              <a:uFill>
-                <a:solidFill>
-                  <a:srgbClr val="ffffff"/>
+          <a:bodyPr lIns="0" tIns="0" rIns="0" bIns="0"/>
+          <a:lstStyle/>
+          <a:p>
+            <a:endParaRPr lang="de-DE" sz="1600" b="0" strike="noStrike" spc="-1">
+              <a:solidFill>
+                <a:srgbClr val="000000"/>
+              </a:solidFill>
+              <a:uFill>
+                <a:solidFill>
+                  <a:srgbClr val="FFFFFF"/>
                 </a:solidFill>
               </a:uFill>
               <a:latin typeface="Arial"/>
@@ -2952,15 +3231,16 @@
           </a:prstGeom>
         </p:spPr>
         <p:txBody>
-          <a:bodyPr lIns="0" rIns="0" tIns="0" bIns="0"/>
-          <a:p>
-            <a:endParaRPr b="0" lang="de-DE" sz="1600" spc="-1" strike="noStrike">
-              <a:solidFill>
-                <a:srgbClr val="000000"/>
-              </a:solidFill>
-              <a:uFill>
-                <a:solidFill>
-                  <a:srgbClr val="ffffff"/>
+          <a:bodyPr lIns="0" tIns="0" rIns="0" bIns="0"/>
+          <a:lstStyle/>
+          <a:p>
+            <a:endParaRPr lang="de-DE" sz="1600" b="0" strike="noStrike" spc="-1">
+              <a:solidFill>
+                <a:srgbClr val="000000"/>
+              </a:solidFill>
+              <a:uFill>
+                <a:solidFill>
+                  <a:srgbClr val="FFFFFF"/>
                 </a:solidFill>
               </a:uFill>
               <a:latin typeface="Arial"/>
@@ -2988,15 +3268,16 @@
           </a:prstGeom>
         </p:spPr>
         <p:txBody>
-          <a:bodyPr lIns="0" rIns="0" tIns="0" bIns="0"/>
-          <a:p>
-            <a:endParaRPr b="0" lang="de-DE" sz="1600" spc="-1" strike="noStrike">
-              <a:solidFill>
-                <a:srgbClr val="000000"/>
-              </a:solidFill>
-              <a:uFill>
-                <a:solidFill>
-                  <a:srgbClr val="ffffff"/>
+          <a:bodyPr lIns="0" tIns="0" rIns="0" bIns="0"/>
+          <a:lstStyle/>
+          <a:p>
+            <a:endParaRPr lang="de-DE" sz="1600" b="0" strike="noStrike" spc="-1">
+              <a:solidFill>
+                <a:srgbClr val="000000"/>
+              </a:solidFill>
+              <a:uFill>
+                <a:solidFill>
+                  <a:srgbClr val="FFFFFF"/>
                 </a:solidFill>
               </a:uFill>
               <a:latin typeface="Arial"/>
@@ -3006,11 +3287,14 @@
       </p:sp>
     </p:spTree>
   </p:cSld>
+  <p:clrMapOvr>
+    <a:masterClrMapping/>
+  </p:clrMapOvr>
 </p:sldLayout>
 </file>
 
 <file path=ppt/slideLayouts/slideLayout8.xml><?xml version="1.0" encoding="utf-8"?>
-<p:sldLayout xmlns:a="http://schemas.openxmlformats.org/drawingml/2006/main" xmlns:p="http://schemas.openxmlformats.org/presentationml/2006/main" xmlns:r="http://schemas.openxmlformats.org/officeDocument/2006/relationships" xmlns:p14="http://schemas.microsoft.com/office/powerpoint/2010/main" xmlns:p15="http://schemas.microsoft.com/office/powerpoint/2012/main" xmlns:mc="http://schemas.openxmlformats.org/markup-compatibility/2006" type="objAndTwoObj" preserve="1">
+<p:sldLayout xmlns:a="http://schemas.openxmlformats.org/drawingml/2006/main" xmlns:r="http://schemas.openxmlformats.org/officeDocument/2006/relationships" xmlns:p="http://schemas.openxmlformats.org/presentationml/2006/main" type="objAndTwoObj" preserve="1">
   <p:cSld name="Title Content and 2 Content">
     <p:spTree>
       <p:nvGrpSpPr>
@@ -3046,15 +3330,16 @@
           </a:prstGeom>
         </p:spPr>
         <p:txBody>
-          <a:bodyPr lIns="0" rIns="0" tIns="0" bIns="0" anchor="ctr"/>
-          <a:p>
-            <a:endParaRPr b="0" lang="de-DE" sz="2200" spc="-1" strike="noStrike">
-              <a:solidFill>
-                <a:srgbClr val="000000"/>
-              </a:solidFill>
-              <a:uFill>
-                <a:solidFill>
-                  <a:srgbClr val="ffffff"/>
+          <a:bodyPr lIns="0" tIns="0" rIns="0" bIns="0" anchor="ctr"/>
+          <a:lstStyle/>
+          <a:p>
+            <a:endParaRPr lang="de-DE" sz="2200" b="0" strike="noStrike" spc="-1">
+              <a:solidFill>
+                <a:srgbClr val="000000"/>
+              </a:solidFill>
+              <a:uFill>
+                <a:solidFill>
+                  <a:srgbClr val="FFFFFF"/>
                 </a:solidFill>
               </a:uFill>
               <a:latin typeface="Arial"/>
@@ -3082,15 +3367,16 @@
           </a:prstGeom>
         </p:spPr>
         <p:txBody>
-          <a:bodyPr lIns="0" rIns="0" tIns="0" bIns="0"/>
-          <a:p>
-            <a:endParaRPr b="0" lang="de-DE" sz="1600" spc="-1" strike="noStrike">
-              <a:solidFill>
-                <a:srgbClr val="000000"/>
-              </a:solidFill>
-              <a:uFill>
-                <a:solidFill>
-                  <a:srgbClr val="ffffff"/>
+          <a:bodyPr lIns="0" tIns="0" rIns="0" bIns="0"/>
+          <a:lstStyle/>
+          <a:p>
+            <a:endParaRPr lang="de-DE" sz="1600" b="0" strike="noStrike" spc="-1">
+              <a:solidFill>
+                <a:srgbClr val="000000"/>
+              </a:solidFill>
+              <a:uFill>
+                <a:solidFill>
+                  <a:srgbClr val="FFFFFF"/>
                 </a:solidFill>
               </a:uFill>
               <a:latin typeface="Arial"/>
@@ -3118,15 +3404,16 @@
           </a:prstGeom>
         </p:spPr>
         <p:txBody>
-          <a:bodyPr lIns="0" rIns="0" tIns="0" bIns="0"/>
-          <a:p>
-            <a:endParaRPr b="0" lang="de-DE" sz="1600" spc="-1" strike="noStrike">
-              <a:solidFill>
-                <a:srgbClr val="000000"/>
-              </a:solidFill>
-              <a:uFill>
-                <a:solidFill>
-                  <a:srgbClr val="ffffff"/>
+          <a:bodyPr lIns="0" tIns="0" rIns="0" bIns="0"/>
+          <a:lstStyle/>
+          <a:p>
+            <a:endParaRPr lang="de-DE" sz="1600" b="0" strike="noStrike" spc="-1">
+              <a:solidFill>
+                <a:srgbClr val="000000"/>
+              </a:solidFill>
+              <a:uFill>
+                <a:solidFill>
+                  <a:srgbClr val="FFFFFF"/>
                 </a:solidFill>
               </a:uFill>
               <a:latin typeface="Arial"/>
@@ -3154,15 +3441,16 @@
           </a:prstGeom>
         </p:spPr>
         <p:txBody>
-          <a:bodyPr lIns="0" rIns="0" tIns="0" bIns="0"/>
-          <a:p>
-            <a:endParaRPr b="0" lang="de-DE" sz="1600" spc="-1" strike="noStrike">
-              <a:solidFill>
-                <a:srgbClr val="000000"/>
-              </a:solidFill>
-              <a:uFill>
-                <a:solidFill>
-                  <a:srgbClr val="ffffff"/>
+          <a:bodyPr lIns="0" tIns="0" rIns="0" bIns="0"/>
+          <a:lstStyle/>
+          <a:p>
+            <a:endParaRPr lang="de-DE" sz="1600" b="0" strike="noStrike" spc="-1">
+              <a:solidFill>
+                <a:srgbClr val="000000"/>
+              </a:solidFill>
+              <a:uFill>
+                <a:solidFill>
+                  <a:srgbClr val="FFFFFF"/>
                 </a:solidFill>
               </a:uFill>
               <a:latin typeface="Arial"/>
@@ -3172,11 +3460,14 @@
       </p:sp>
     </p:spTree>
   </p:cSld>
+  <p:clrMapOvr>
+    <a:masterClrMapping/>
+  </p:clrMapOvr>
 </p:sldLayout>
 </file>
 
 <file path=ppt/slideLayouts/slideLayout9.xml><?xml version="1.0" encoding="utf-8"?>
-<p:sldLayout xmlns:a="http://schemas.openxmlformats.org/drawingml/2006/main" xmlns:p="http://schemas.openxmlformats.org/presentationml/2006/main" xmlns:r="http://schemas.openxmlformats.org/officeDocument/2006/relationships" xmlns:p14="http://schemas.microsoft.com/office/powerpoint/2010/main" xmlns:p15="http://schemas.microsoft.com/office/powerpoint/2012/main" xmlns:mc="http://schemas.openxmlformats.org/markup-compatibility/2006" type="twoObjOverTx" preserve="1">
+<p:sldLayout xmlns:a="http://schemas.openxmlformats.org/drawingml/2006/main" xmlns:r="http://schemas.openxmlformats.org/officeDocument/2006/relationships" xmlns:p="http://schemas.openxmlformats.org/presentationml/2006/main" type="twoObjOverTx" preserve="1">
   <p:cSld name="Title, 2 Content over Content">
     <p:spTree>
       <p:nvGrpSpPr>
@@ -3212,15 +3503,16 @@
           </a:prstGeom>
         </p:spPr>
         <p:txBody>
-          <a:bodyPr lIns="0" rIns="0" tIns="0" bIns="0" anchor="ctr"/>
-          <a:p>
-            <a:endParaRPr b="0" lang="de-DE" sz="2200" spc="-1" strike="noStrike">
-              <a:solidFill>
-                <a:srgbClr val="000000"/>
-              </a:solidFill>
-              <a:uFill>
-                <a:solidFill>
-                  <a:srgbClr val="ffffff"/>
+          <a:bodyPr lIns="0" tIns="0" rIns="0" bIns="0" anchor="ctr"/>
+          <a:lstStyle/>
+          <a:p>
+            <a:endParaRPr lang="de-DE" sz="2200" b="0" strike="noStrike" spc="-1">
+              <a:solidFill>
+                <a:srgbClr val="000000"/>
+              </a:solidFill>
+              <a:uFill>
+                <a:solidFill>
+                  <a:srgbClr val="FFFFFF"/>
                 </a:solidFill>
               </a:uFill>
               <a:latin typeface="Arial"/>
@@ -3248,15 +3540,16 @@
           </a:prstGeom>
         </p:spPr>
         <p:txBody>
-          <a:bodyPr lIns="0" rIns="0" tIns="0" bIns="0"/>
-          <a:p>
-            <a:endParaRPr b="0" lang="de-DE" sz="1600" spc="-1" strike="noStrike">
-              <a:solidFill>
-                <a:srgbClr val="000000"/>
-              </a:solidFill>
-              <a:uFill>
-                <a:solidFill>
-                  <a:srgbClr val="ffffff"/>
+          <a:bodyPr lIns="0" tIns="0" rIns="0" bIns="0"/>
+          <a:lstStyle/>
+          <a:p>
+            <a:endParaRPr lang="de-DE" sz="1600" b="0" strike="noStrike" spc="-1">
+              <a:solidFill>
+                <a:srgbClr val="000000"/>
+              </a:solidFill>
+              <a:uFill>
+                <a:solidFill>
+                  <a:srgbClr val="FFFFFF"/>
                 </a:solidFill>
               </a:uFill>
               <a:latin typeface="Arial"/>
@@ -3284,15 +3577,16 @@
           </a:prstGeom>
         </p:spPr>
         <p:txBody>
-          <a:bodyPr lIns="0" rIns="0" tIns="0" bIns="0"/>
-          <a:p>
-            <a:endParaRPr b="0" lang="de-DE" sz="1600" spc="-1" strike="noStrike">
-              <a:solidFill>
-                <a:srgbClr val="000000"/>
-              </a:solidFill>
-              <a:uFill>
-                <a:solidFill>
-                  <a:srgbClr val="ffffff"/>
+          <a:bodyPr lIns="0" tIns="0" rIns="0" bIns="0"/>
+          <a:lstStyle/>
+          <a:p>
+            <a:endParaRPr lang="de-DE" sz="1600" b="0" strike="noStrike" spc="-1">
+              <a:solidFill>
+                <a:srgbClr val="000000"/>
+              </a:solidFill>
+              <a:uFill>
+                <a:solidFill>
+                  <a:srgbClr val="FFFFFF"/>
                 </a:solidFill>
               </a:uFill>
               <a:latin typeface="Arial"/>
@@ -3320,15 +3614,16 @@
           </a:prstGeom>
         </p:spPr>
         <p:txBody>
-          <a:bodyPr lIns="0" rIns="0" tIns="0" bIns="0"/>
-          <a:p>
-            <a:endParaRPr b="0" lang="de-DE" sz="1600" spc="-1" strike="noStrike">
-              <a:solidFill>
-                <a:srgbClr val="000000"/>
-              </a:solidFill>
-              <a:uFill>
-                <a:solidFill>
-                  <a:srgbClr val="ffffff"/>
+          <a:bodyPr lIns="0" tIns="0" rIns="0" bIns="0"/>
+          <a:lstStyle/>
+          <a:p>
+            <a:endParaRPr lang="de-DE" sz="1600" b="0" strike="noStrike" spc="-1">
+              <a:solidFill>
+                <a:srgbClr val="000000"/>
+              </a:solidFill>
+              <a:uFill>
+                <a:solidFill>
+                  <a:srgbClr val="FFFFFF"/>
                 </a:solidFill>
               </a:uFill>
               <a:latin typeface="Arial"/>
@@ -3338,17 +3633,21 @@
       </p:sp>
     </p:spTree>
   </p:cSld>
+  <p:clrMapOvr>
+    <a:masterClrMapping/>
+  </p:clrMapOvr>
 </p:sldLayout>
 </file>
 
 <file path=ppt/slideMasters/slideMaster1.xml><?xml version="1.0" encoding="utf-8"?>
-<p:sldMaster xmlns:a="http://schemas.openxmlformats.org/drawingml/2006/main" xmlns:p="http://schemas.openxmlformats.org/presentationml/2006/main" xmlns:r="http://schemas.openxmlformats.org/officeDocument/2006/relationships" xmlns:p14="http://schemas.microsoft.com/office/powerpoint/2010/main" xmlns:p15="http://schemas.microsoft.com/office/powerpoint/2012/main" xmlns:mc="http://schemas.openxmlformats.org/markup-compatibility/2006">
+<p:sldMaster xmlns:a="http://schemas.openxmlformats.org/drawingml/2006/main" xmlns:r="http://schemas.openxmlformats.org/officeDocument/2006/relationships" xmlns:p="http://schemas.openxmlformats.org/presentationml/2006/main">
   <p:cSld>
     <p:bg>
       <p:bgPr>
         <a:solidFill>
-          <a:srgbClr val="ffffff"/>
+          <a:srgbClr val="FFFFFF"/>
         </a:solidFill>
+        <a:effectLst/>
       </p:bgPr>
     </p:bg>
     <p:spTree>
@@ -3367,12 +3666,12 @@
       </p:grpSpPr>
       <p:pic>
         <p:nvPicPr>
-          <p:cNvPr id="0" name="Bild 8" descr=""/>
+          <p:cNvPr id="6" name="Bild 8"/>
           <p:cNvPicPr/>
           <p:nvPr/>
         </p:nvPicPr>
         <p:blipFill>
-          <a:blip r:embed="rId2"/>
+          <a:blip r:embed="rId14"/>
           <a:stretch/>
         </p:blipFill>
         <p:spPr>
@@ -3390,7 +3689,7 @@
       </p:pic>
       <p:sp>
         <p:nvSpPr>
-          <p:cNvPr id="1" name="PlaceHolder 1"/>
+          <p:cNvPr id="7" name="PlaceHolder 1"/>
           <p:cNvSpPr>
             <a:spLocks noGrp="1"/>
           </p:cNvSpPr>
@@ -3408,7 +3707,8 @@
           </a:prstGeom>
         </p:spPr>
         <p:txBody>
-          <a:bodyPr lIns="0" rIns="0" tIns="0" bIns="0"/>
+          <a:bodyPr lIns="0" tIns="0" rIns="0" bIns="0"/>
+          <a:lstStyle/>
           <a:p>
             <a:pPr marL="432000" indent="-324000">
               <a:buClr>
@@ -3419,33 +3719,22 @@
               <a:buChar char=""/>
             </a:pPr>
             <a:r>
-              <a:rPr b="0" lang="de-DE" sz="1600" spc="-1" strike="noStrike">
+              <a:rPr lang="de-DE" sz="1600" b="0" strike="noStrike" spc="-1">
                 <a:solidFill>
                   <a:srgbClr val="000000"/>
                 </a:solidFill>
                 <a:uFill>
                   <a:solidFill>
-                    <a:srgbClr val="ffffff"/>
+                    <a:srgbClr val="FFFFFF"/>
                   </a:solidFill>
                 </a:uFill>
                 <a:latin typeface="Arial"/>
               </a:rPr>
               <a:t>Click to edit the outline text format</a:t>
             </a:r>
-            <a:endParaRPr b="0" lang="de-DE" sz="1600" spc="-1" strike="noStrike">
-              <a:solidFill>
-                <a:srgbClr val="000000"/>
-              </a:solidFill>
-              <a:uFill>
-                <a:solidFill>
-                  <a:srgbClr val="ffffff"/>
-                </a:solidFill>
-              </a:uFill>
-              <a:latin typeface="Arial"/>
-            </a:endParaRPr>
-          </a:p>
-          <a:p>
-            <a:pPr lvl="1" marL="864000" indent="-324000">
+          </a:p>
+          <a:p>
+            <a:pPr marL="864000" lvl="1" indent="-324000">
               <a:buClr>
                 <a:srgbClr val="000000"/>
               </a:buClr>
@@ -3454,33 +3743,33 @@
               <a:buChar char=""/>
             </a:pPr>
             <a:r>
-              <a:rPr b="0" lang="de-DE" sz="1600" spc="-1" strike="noStrike">
+              <a:rPr lang="de-DE" sz="1600" b="0" strike="noStrike" spc="-1">
                 <a:solidFill>
                   <a:srgbClr val="000000"/>
                 </a:solidFill>
                 <a:uFill>
                   <a:solidFill>
-                    <a:srgbClr val="ffffff"/>
+                    <a:srgbClr val="FFFFFF"/>
                   </a:solidFill>
                 </a:uFill>
                 <a:latin typeface="Arial"/>
               </a:rPr>
               <a:t>Second Outline Level</a:t>
             </a:r>
-            <a:endParaRPr b="0" lang="de-DE" sz="1400" spc="-1" strike="noStrike">
-              <a:solidFill>
-                <a:srgbClr val="000000"/>
-              </a:solidFill>
-              <a:uFill>
-                <a:solidFill>
-                  <a:srgbClr val="ffffff"/>
-                </a:solidFill>
-              </a:uFill>
-              <a:latin typeface="Arial"/>
-            </a:endParaRPr>
-          </a:p>
-          <a:p>
-            <a:pPr lvl="2" marL="1296000" indent="-288000">
+            <a:endParaRPr lang="de-DE" sz="1400" b="0" strike="noStrike" spc="-1">
+              <a:solidFill>
+                <a:srgbClr val="000000"/>
+              </a:solidFill>
+              <a:uFill>
+                <a:solidFill>
+                  <a:srgbClr val="FFFFFF"/>
+                </a:solidFill>
+              </a:uFill>
+              <a:latin typeface="Arial"/>
+            </a:endParaRPr>
+          </a:p>
+          <a:p>
+            <a:pPr marL="1296000" lvl="2" indent="-288000">
               <a:buClr>
                 <a:srgbClr val="000000"/>
               </a:buClr>
@@ -3489,33 +3778,33 @@
               <a:buChar char=""/>
             </a:pPr>
             <a:r>
-              <a:rPr b="0" lang="de-DE" sz="1600" spc="-1" strike="noStrike">
+              <a:rPr lang="de-DE" sz="1600" b="0" strike="noStrike" spc="-1">
                 <a:solidFill>
                   <a:srgbClr val="000000"/>
                 </a:solidFill>
                 <a:uFill>
                   <a:solidFill>
-                    <a:srgbClr val="ffffff"/>
+                    <a:srgbClr val="FFFFFF"/>
                   </a:solidFill>
                 </a:uFill>
                 <a:latin typeface="Arial"/>
               </a:rPr>
               <a:t>Third Outline Level</a:t>
             </a:r>
-            <a:endParaRPr b="0" lang="de-DE" sz="1400" spc="-1" strike="noStrike">
-              <a:solidFill>
-                <a:srgbClr val="000000"/>
-              </a:solidFill>
-              <a:uFill>
-                <a:solidFill>
-                  <a:srgbClr val="ffffff"/>
-                </a:solidFill>
-              </a:uFill>
-              <a:latin typeface="Arial"/>
-            </a:endParaRPr>
-          </a:p>
-          <a:p>
-            <a:pPr lvl="3" marL="1728000" indent="-216000">
+            <a:endParaRPr lang="de-DE" sz="1400" b="0" strike="noStrike" spc="-1">
+              <a:solidFill>
+                <a:srgbClr val="000000"/>
+              </a:solidFill>
+              <a:uFill>
+                <a:solidFill>
+                  <a:srgbClr val="FFFFFF"/>
+                </a:solidFill>
+              </a:uFill>
+              <a:latin typeface="Arial"/>
+            </a:endParaRPr>
+          </a:p>
+          <a:p>
+            <a:pPr marL="1728000" lvl="3" indent="-216000">
               <a:buClr>
                 <a:srgbClr val="000000"/>
               </a:buClr>
@@ -3524,33 +3813,33 @@
               <a:buChar char=""/>
             </a:pPr>
             <a:r>
-              <a:rPr b="0" lang="de-DE" sz="1600" spc="-1" strike="noStrike">
+              <a:rPr lang="de-DE" sz="1600" b="0" strike="noStrike" spc="-1">
                 <a:solidFill>
                   <a:srgbClr val="000000"/>
                 </a:solidFill>
                 <a:uFill>
                   <a:solidFill>
-                    <a:srgbClr val="ffffff"/>
+                    <a:srgbClr val="FFFFFF"/>
                   </a:solidFill>
                 </a:uFill>
                 <a:latin typeface="Arial"/>
               </a:rPr>
               <a:t>Fourth Outline Level</a:t>
             </a:r>
-            <a:endParaRPr b="0" lang="de-DE" sz="1400" spc="-1" strike="noStrike">
-              <a:solidFill>
-                <a:srgbClr val="000000"/>
-              </a:solidFill>
-              <a:uFill>
-                <a:solidFill>
-                  <a:srgbClr val="ffffff"/>
-                </a:solidFill>
-              </a:uFill>
-              <a:latin typeface="Arial"/>
-            </a:endParaRPr>
-          </a:p>
-          <a:p>
-            <a:pPr lvl="4" marL="2160000" indent="-216000">
+            <a:endParaRPr lang="de-DE" sz="1400" b="0" strike="noStrike" spc="-1">
+              <a:solidFill>
+                <a:srgbClr val="000000"/>
+              </a:solidFill>
+              <a:uFill>
+                <a:solidFill>
+                  <a:srgbClr val="FFFFFF"/>
+                </a:solidFill>
+              </a:uFill>
+              <a:latin typeface="Arial"/>
+            </a:endParaRPr>
+          </a:p>
+          <a:p>
+            <a:pPr marL="2160000" lvl="4" indent="-216000">
               <a:buClr>
                 <a:srgbClr val="000000"/>
               </a:buClr>
@@ -3559,33 +3848,33 @@
               <a:buChar char=""/>
             </a:pPr>
             <a:r>
-              <a:rPr b="0" lang="de-DE" sz="1600" spc="-1" strike="noStrike">
+              <a:rPr lang="de-DE" sz="1600" b="0" strike="noStrike" spc="-1">
                 <a:solidFill>
                   <a:srgbClr val="000000"/>
                 </a:solidFill>
                 <a:uFill>
                   <a:solidFill>
-                    <a:srgbClr val="ffffff"/>
+                    <a:srgbClr val="FFFFFF"/>
                   </a:solidFill>
                 </a:uFill>
                 <a:latin typeface="Arial"/>
               </a:rPr>
               <a:t>Fifth Outline Level</a:t>
             </a:r>
-            <a:endParaRPr b="0" lang="de-DE" sz="2000" spc="-1" strike="noStrike">
-              <a:solidFill>
-                <a:srgbClr val="000000"/>
-              </a:solidFill>
-              <a:uFill>
-                <a:solidFill>
-                  <a:srgbClr val="ffffff"/>
-                </a:solidFill>
-              </a:uFill>
-              <a:latin typeface="Arial"/>
-            </a:endParaRPr>
-          </a:p>
-          <a:p>
-            <a:pPr lvl="5" marL="2592000" indent="-216000">
+            <a:endParaRPr lang="de-DE" sz="2000" b="0" strike="noStrike" spc="-1">
+              <a:solidFill>
+                <a:srgbClr val="000000"/>
+              </a:solidFill>
+              <a:uFill>
+                <a:solidFill>
+                  <a:srgbClr val="FFFFFF"/>
+                </a:solidFill>
+              </a:uFill>
+              <a:latin typeface="Arial"/>
+            </a:endParaRPr>
+          </a:p>
+          <a:p>
+            <a:pPr marL="2592000" lvl="5" indent="-216000">
               <a:buClr>
                 <a:srgbClr val="000000"/>
               </a:buClr>
@@ -3594,33 +3883,33 @@
               <a:buChar char=""/>
             </a:pPr>
             <a:r>
-              <a:rPr b="0" lang="de-DE" sz="1600" spc="-1" strike="noStrike">
+              <a:rPr lang="de-DE" sz="1600" b="0" strike="noStrike" spc="-1">
                 <a:solidFill>
                   <a:srgbClr val="000000"/>
                 </a:solidFill>
                 <a:uFill>
                   <a:solidFill>
-                    <a:srgbClr val="ffffff"/>
+                    <a:srgbClr val="FFFFFF"/>
                   </a:solidFill>
                 </a:uFill>
                 <a:latin typeface="Arial"/>
               </a:rPr>
               <a:t>Sixth Outline Level</a:t>
             </a:r>
-            <a:endParaRPr b="0" lang="de-DE" sz="2000" spc="-1" strike="noStrike">
-              <a:solidFill>
-                <a:srgbClr val="000000"/>
-              </a:solidFill>
-              <a:uFill>
-                <a:solidFill>
-                  <a:srgbClr val="ffffff"/>
-                </a:solidFill>
-              </a:uFill>
-              <a:latin typeface="Arial"/>
-            </a:endParaRPr>
-          </a:p>
-          <a:p>
-            <a:pPr lvl="6" marL="3024000" indent="-216000">
+            <a:endParaRPr lang="de-DE" sz="2000" b="0" strike="noStrike" spc="-1">
+              <a:solidFill>
+                <a:srgbClr val="000000"/>
+              </a:solidFill>
+              <a:uFill>
+                <a:solidFill>
+                  <a:srgbClr val="FFFFFF"/>
+                </a:solidFill>
+              </a:uFill>
+              <a:latin typeface="Arial"/>
+            </a:endParaRPr>
+          </a:p>
+          <a:p>
+            <a:pPr marL="3024000" lvl="6" indent="-216000">
               <a:buClr>
                 <a:srgbClr val="000000"/>
               </a:buClr>
@@ -3629,55 +3918,27 @@
               <a:buChar char=""/>
             </a:pPr>
             <a:r>
-              <a:rPr b="0" lang="de-DE" sz="1600" spc="-1" strike="noStrike">
+              <a:rPr lang="de-DE" sz="1600" b="0" strike="noStrike" spc="-1">
                 <a:solidFill>
                   <a:srgbClr val="000000"/>
                 </a:solidFill>
                 <a:uFill>
                   <a:solidFill>
-                    <a:srgbClr val="ffffff"/>
+                    <a:srgbClr val="FFFFFF"/>
                   </a:solidFill>
                 </a:uFill>
                 <a:latin typeface="Arial"/>
               </a:rPr>
-              <a:t>Seventh Outline LevelReferent</a:t>
+              <a:t>Seventh Outline LevelReferent
+Ort, Datum (Schreibweise: 00. Januar 2015)</a:t>
             </a:r>
-            <a:r>
-              <a:rPr b="0" lang="de-DE" sz="1600" spc="-1" strike="noStrike">
-                <a:solidFill>
-                  <a:srgbClr val="000000"/>
-                </a:solidFill>
-                <a:uFill>
-                  <a:solidFill>
-                    <a:srgbClr val="ffffff"/>
-                  </a:solidFill>
-                </a:uFill>
-                <a:latin typeface="Arial"/>
-              </a:rPr>
-              <a:t>
-</a:t>
-            </a:r>
-            <a:r>
-              <a:rPr b="0" lang="de-DE" sz="1600" spc="-1" strike="noStrike">
-                <a:solidFill>
-                  <a:srgbClr val="000000"/>
-                </a:solidFill>
-                <a:uFill>
-                  <a:solidFill>
-                    <a:srgbClr val="ffffff"/>
-                  </a:solidFill>
-                </a:uFill>
-                <a:latin typeface="Arial"/>
-              </a:rPr>
-              <a:t>Ort, Datum (Schreibweise: 00. Januar 2015)</a:t>
-            </a:r>
-            <a:endParaRPr b="0" lang="de-DE" sz="2000" spc="-1" strike="noStrike">
-              <a:solidFill>
-                <a:srgbClr val="000000"/>
-              </a:solidFill>
-              <a:uFill>
-                <a:solidFill>
-                  <a:srgbClr val="ffffff"/>
+            <a:endParaRPr lang="de-DE" sz="2000" b="0" strike="noStrike" spc="-1">
+              <a:solidFill>
+                <a:srgbClr val="000000"/>
+              </a:solidFill>
+              <a:uFill>
+                <a:solidFill>
+                  <a:srgbClr val="FFFFFF"/>
                 </a:solidFill>
               </a:uFill>
               <a:latin typeface="Arial"/>
@@ -3700,16 +3961,22 @@
             <a:avLst/>
           </a:prstGeom>
           <a:solidFill>
-            <a:srgbClr val="ffffff"/>
+            <a:srgbClr val="FFFFFF"/>
           </a:solidFill>
           <a:ln w="9360">
             <a:noFill/>
           </a:ln>
         </p:spPr>
         <p:style>
-          <a:lnRef idx="0"/>
-          <a:fillRef idx="0"/>
-          <a:effectRef idx="0"/>
+          <a:lnRef idx="0">
+            <a:scrgbClr r="0" g="0" b="0"/>
+          </a:lnRef>
+          <a:fillRef idx="0">
+            <a:scrgbClr r="0" g="0" b="0"/>
+          </a:fillRef>
+          <a:effectRef idx="0">
+            <a:scrgbClr r="0" g="0" b="0"/>
+          </a:effectRef>
           <a:fontRef idx="minor"/>
         </p:style>
       </p:sp>
@@ -3734,6 +4001,7 @@
         </p:spPr>
         <p:txBody>
           <a:bodyPr lIns="0" rIns="0" anchor="ctr"/>
+          <a:lstStyle/>
           <a:p>
             <a:pPr algn="r">
               <a:lnSpc>
@@ -3741,26 +4009,26 @@
               </a:lnSpc>
             </a:pPr>
             <a:fld id="{72A4D8BE-64BC-47BF-8550-F728EAF6A088}" type="slidenum">
-              <a:rPr b="0" lang="de-DE" sz="1200" spc="-1" strike="noStrike">
+              <a:rPr lang="de-DE" sz="1200" b="0" strike="noStrike" spc="-1">
                 <a:solidFill>
                   <a:srgbClr val="000000"/>
                 </a:solidFill>
                 <a:uFill>
                   <a:solidFill>
-                    <a:srgbClr val="ffffff"/>
+                    <a:srgbClr val="FFFFFF"/>
                   </a:solidFill>
                 </a:uFill>
                 <a:latin typeface="Arial"/>
               </a:rPr>
-              <a:t>&lt;number&gt;</a:t>
+              <a:t>‹Nr.›</a:t>
             </a:fld>
-            <a:endParaRPr b="0" lang="de-DE" sz="1200" spc="-1" strike="noStrike">
-              <a:solidFill>
-                <a:srgbClr val="000000"/>
-              </a:solidFill>
-              <a:uFill>
-                <a:solidFill>
-                  <a:srgbClr val="ffffff"/>
+            <a:endParaRPr lang="de-DE" sz="1200" b="0" strike="noStrike" spc="-1">
+              <a:solidFill>
+                <a:srgbClr val="000000"/>
+              </a:solidFill>
+              <a:uFill>
+                <a:solidFill>
+                  <a:srgbClr val="FFFFFF"/>
                 </a:solidFill>
               </a:uFill>
               <a:latin typeface="Times New Roman"/>
@@ -3789,6 +4057,7 @@
         </p:spPr>
         <p:txBody>
           <a:bodyPr lIns="0" rIns="0" anchor="ctr"/>
+          <a:lstStyle/>
           <a:p>
             <a:pPr>
               <a:lnSpc>
@@ -3796,68 +4065,26 @@
               </a:lnSpc>
             </a:pPr>
             <a:r>
-              <a:rPr b="0" lang="de-DE" sz="1200" spc="-1" strike="noStrike">
+              <a:rPr lang="de-DE" sz="1200" b="0" strike="noStrike" spc="-1">
                 <a:solidFill>
                   <a:srgbClr val="000000"/>
                 </a:solidFill>
                 <a:uFill>
                   <a:solidFill>
-                    <a:srgbClr val="ffffff"/>
+                    <a:srgbClr val="FFFFFF"/>
                   </a:solidFill>
                 </a:uFill>
                 <a:latin typeface="Arial"/>
               </a:rPr>
-              <a:t>Dr. rer. nat. Erika Mustermann </a:t>
+              <a:t>Dr. rer. nat. Erika Mustermann (TUM) | kann beliebig erweitert werden | Infos mit Strich trennen</a:t>
             </a:r>
-            <a:r>
-              <a:rPr b="0" lang="de-DE" sz="1200" spc="-1" strike="noStrike">
-                <a:solidFill>
-                  <a:srgbClr val="000000"/>
-                </a:solidFill>
-                <a:uFill>
-                  <a:solidFill>
-                    <a:srgbClr val="ffffff"/>
-                  </a:solidFill>
-                </a:uFill>
-                <a:latin typeface="Arial"/>
-              </a:rPr>
-              <a:t>(TUM) | kann beliebig </a:t>
-            </a:r>
-            <a:r>
-              <a:rPr b="0" lang="de-DE" sz="1200" spc="-1" strike="noStrike">
-                <a:solidFill>
-                  <a:srgbClr val="000000"/>
-                </a:solidFill>
-                <a:uFill>
-                  <a:solidFill>
-                    <a:srgbClr val="ffffff"/>
-                  </a:solidFill>
-                </a:uFill>
-                <a:latin typeface="Arial"/>
-              </a:rPr>
-              <a:t>erweitert werden | Infos mit </a:t>
-            </a:r>
-            <a:r>
-              <a:rPr b="0" lang="de-DE" sz="1200" spc="-1" strike="noStrike">
-                <a:solidFill>
-                  <a:srgbClr val="000000"/>
-                </a:solidFill>
-                <a:uFill>
-                  <a:solidFill>
-                    <a:srgbClr val="ffffff"/>
-                  </a:solidFill>
-                </a:uFill>
-                <a:latin typeface="Arial"/>
-              </a:rPr>
-              <a:t>Strich trennen</a:t>
-            </a:r>
-            <a:endParaRPr b="0" lang="de-DE" sz="1200" spc="-1" strike="noStrike">
-              <a:solidFill>
-                <a:srgbClr val="000000"/>
-              </a:solidFill>
-              <a:uFill>
-                <a:solidFill>
-                  <a:srgbClr val="ffffff"/>
+            <a:endParaRPr lang="de-DE" sz="1200" b="0" strike="noStrike" spc="-1">
+              <a:solidFill>
+                <a:srgbClr val="000000"/>
+              </a:solidFill>
+              <a:uFill>
+                <a:solidFill>
+                  <a:srgbClr val="FFFFFF"/>
                 </a:solidFill>
               </a:uFill>
               <a:latin typeface="Times New Roman"/>
@@ -3885,7 +4112,8 @@
           </a:prstGeom>
         </p:spPr>
         <p:txBody>
-          <a:bodyPr lIns="0" rIns="0" tIns="0" bIns="0"/>
+          <a:bodyPr lIns="0" tIns="0" rIns="0" bIns="0"/>
+          <a:lstStyle/>
           <a:p>
             <a:pPr>
               <a:lnSpc>
@@ -3893,26 +4121,26 @@
               </a:lnSpc>
             </a:pPr>
             <a:r>
-              <a:rPr b="0" lang="de-DE" sz="3000" spc="-1" strike="noStrike">
+              <a:rPr lang="de-DE" sz="3000" b="0" strike="noStrike" spc="-1">
                 <a:solidFill>
                   <a:srgbClr val="000000"/>
                 </a:solidFill>
                 <a:uFill>
                   <a:solidFill>
-                    <a:srgbClr val="ffffff"/>
+                    <a:srgbClr val="FFFFFF"/>
                   </a:solidFill>
                 </a:uFill>
                 <a:latin typeface="Arial"/>
               </a:rPr>
               <a:t>Titel durch Klicken bearbeiten</a:t>
             </a:r>
-            <a:endParaRPr b="0" lang="de-DE" sz="2200" spc="-1" strike="noStrike">
-              <a:solidFill>
-                <a:srgbClr val="000000"/>
-              </a:solidFill>
-              <a:uFill>
-                <a:solidFill>
-                  <a:srgbClr val="ffffff"/>
+            <a:endParaRPr lang="de-DE" sz="2200" b="0" strike="noStrike" spc="-1">
+              <a:solidFill>
+                <a:srgbClr val="000000"/>
+              </a:solidFill>
+              <a:uFill>
+                <a:solidFill>
+                  <a:srgbClr val="FFFFFF"/>
                 </a:solidFill>
               </a:uFill>
               <a:latin typeface="Arial"/>
@@ -3922,32 +4150,313 @@
       </p:sp>
     </p:spTree>
   </p:cSld>
-  <p:clrMap bg1="lt1" bg2="lt2" tx1="dk1" tx2="dk2" accent1="accent1" accent2="accent2" accent3="accent3" accent4="accent4" accent5="accent5" accent6="accent6" hlink="hlink" folHlink="folHlink"/>
+  <p:clrMap bg1="lt1" tx1="dk1" bg2="lt2" tx2="dk2" accent1="accent1" accent2="accent2" accent3="accent3" accent4="accent4" accent5="accent5" accent6="accent6" hlink="hlink" folHlink="folHlink"/>
   <p:sldLayoutIdLst>
-    <p:sldLayoutId id="2147483649" r:id="rId3"/>
-    <p:sldLayoutId id="2147483650" r:id="rId4"/>
-    <p:sldLayoutId id="2147483651" r:id="rId5"/>
-    <p:sldLayoutId id="2147483652" r:id="rId6"/>
-    <p:sldLayoutId id="2147483653" r:id="rId7"/>
-    <p:sldLayoutId id="2147483654" r:id="rId8"/>
-    <p:sldLayoutId id="2147483655" r:id="rId9"/>
-    <p:sldLayoutId id="2147483656" r:id="rId10"/>
-    <p:sldLayoutId id="2147483657" r:id="rId11"/>
-    <p:sldLayoutId id="2147483658" r:id="rId12"/>
-    <p:sldLayoutId id="2147483659" r:id="rId13"/>
-    <p:sldLayoutId id="2147483660" r:id="rId14"/>
+    <p:sldLayoutId id="2147483649" r:id="rId1"/>
+    <p:sldLayoutId id="2147483650" r:id="rId2"/>
+    <p:sldLayoutId id="2147483651" r:id="rId3"/>
+    <p:sldLayoutId id="2147483652" r:id="rId4"/>
+    <p:sldLayoutId id="2147483653" r:id="rId5"/>
+    <p:sldLayoutId id="2147483654" r:id="rId6"/>
+    <p:sldLayoutId id="2147483655" r:id="rId7"/>
+    <p:sldLayoutId id="2147483656" r:id="rId8"/>
+    <p:sldLayoutId id="2147483657" r:id="rId9"/>
+    <p:sldLayoutId id="2147483658" r:id="rId10"/>
+    <p:sldLayoutId id="2147483659" r:id="rId11"/>
+    <p:sldLayoutId id="2147483660" r:id="rId12"/>
   </p:sldLayoutIdLst>
+  <p:txStyles>
+    <p:titleStyle>
+      <a:lvl1pPr algn="l" defTabSz="914400" rtl="0" eaLnBrk="1" latinLnBrk="0" hangingPunct="1">
+        <a:lnSpc>
+          <a:spcPct val="90000"/>
+        </a:lnSpc>
+        <a:spcBef>
+          <a:spcPct val="0"/>
+        </a:spcBef>
+        <a:buNone/>
+        <a:defRPr sz="4400" kern="1200">
+          <a:solidFill>
+            <a:schemeClr val="tx1"/>
+          </a:solidFill>
+          <a:latin typeface="+mj-lt"/>
+          <a:ea typeface="+mj-ea"/>
+          <a:cs typeface="+mj-cs"/>
+        </a:defRPr>
+      </a:lvl1pPr>
+    </p:titleStyle>
+    <p:bodyStyle>
+      <a:lvl1pPr marL="228600" indent="-228600" algn="l" defTabSz="914400" rtl="0" eaLnBrk="1" latinLnBrk="0" hangingPunct="1">
+        <a:lnSpc>
+          <a:spcPct val="90000"/>
+        </a:lnSpc>
+        <a:spcBef>
+          <a:spcPts val="1000"/>
+        </a:spcBef>
+        <a:buFont typeface="Arial" panose="020B0604020202020204" pitchFamily="34" charset="0"/>
+        <a:buChar char="•"/>
+        <a:defRPr sz="2800" kern="1200">
+          <a:solidFill>
+            <a:schemeClr val="tx1"/>
+          </a:solidFill>
+          <a:latin typeface="+mn-lt"/>
+          <a:ea typeface="+mn-ea"/>
+          <a:cs typeface="+mn-cs"/>
+        </a:defRPr>
+      </a:lvl1pPr>
+      <a:lvl2pPr marL="685800" indent="-228600" algn="l" defTabSz="914400" rtl="0" eaLnBrk="1" latinLnBrk="0" hangingPunct="1">
+        <a:lnSpc>
+          <a:spcPct val="90000"/>
+        </a:lnSpc>
+        <a:spcBef>
+          <a:spcPts val="500"/>
+        </a:spcBef>
+        <a:buFont typeface="Arial" panose="020B0604020202020204" pitchFamily="34" charset="0"/>
+        <a:buChar char="•"/>
+        <a:defRPr sz="2400" kern="1200">
+          <a:solidFill>
+            <a:schemeClr val="tx1"/>
+          </a:solidFill>
+          <a:latin typeface="+mn-lt"/>
+          <a:ea typeface="+mn-ea"/>
+          <a:cs typeface="+mn-cs"/>
+        </a:defRPr>
+      </a:lvl2pPr>
+      <a:lvl3pPr marL="1143000" indent="-228600" algn="l" defTabSz="914400" rtl="0" eaLnBrk="1" latinLnBrk="0" hangingPunct="1">
+        <a:lnSpc>
+          <a:spcPct val="90000"/>
+        </a:lnSpc>
+        <a:spcBef>
+          <a:spcPts val="500"/>
+        </a:spcBef>
+        <a:buFont typeface="Arial" panose="020B0604020202020204" pitchFamily="34" charset="0"/>
+        <a:buChar char="•"/>
+        <a:defRPr sz="2000" kern="1200">
+          <a:solidFill>
+            <a:schemeClr val="tx1"/>
+          </a:solidFill>
+          <a:latin typeface="+mn-lt"/>
+          <a:ea typeface="+mn-ea"/>
+          <a:cs typeface="+mn-cs"/>
+        </a:defRPr>
+      </a:lvl3pPr>
+      <a:lvl4pPr marL="1600200" indent="-228600" algn="l" defTabSz="914400" rtl="0" eaLnBrk="1" latinLnBrk="0" hangingPunct="1">
+        <a:lnSpc>
+          <a:spcPct val="90000"/>
+        </a:lnSpc>
+        <a:spcBef>
+          <a:spcPts val="500"/>
+        </a:spcBef>
+        <a:buFont typeface="Arial" panose="020B0604020202020204" pitchFamily="34" charset="0"/>
+        <a:buChar char="•"/>
+        <a:defRPr sz="1800" kern="1200">
+          <a:solidFill>
+            <a:schemeClr val="tx1"/>
+          </a:solidFill>
+          <a:latin typeface="+mn-lt"/>
+          <a:ea typeface="+mn-ea"/>
+          <a:cs typeface="+mn-cs"/>
+        </a:defRPr>
+      </a:lvl4pPr>
+      <a:lvl5pPr marL="2057400" indent="-228600" algn="l" defTabSz="914400" rtl="0" eaLnBrk="1" latinLnBrk="0" hangingPunct="1">
+        <a:lnSpc>
+          <a:spcPct val="90000"/>
+        </a:lnSpc>
+        <a:spcBef>
+          <a:spcPts val="500"/>
+        </a:spcBef>
+        <a:buFont typeface="Arial" panose="020B0604020202020204" pitchFamily="34" charset="0"/>
+        <a:buChar char="•"/>
+        <a:defRPr sz="1800" kern="1200">
+          <a:solidFill>
+            <a:schemeClr val="tx1"/>
+          </a:solidFill>
+          <a:latin typeface="+mn-lt"/>
+          <a:ea typeface="+mn-ea"/>
+          <a:cs typeface="+mn-cs"/>
+        </a:defRPr>
+      </a:lvl5pPr>
+      <a:lvl6pPr marL="2514600" indent="-228600" algn="l" defTabSz="914400" rtl="0" eaLnBrk="1" latinLnBrk="0" hangingPunct="1">
+        <a:lnSpc>
+          <a:spcPct val="90000"/>
+        </a:lnSpc>
+        <a:spcBef>
+          <a:spcPts val="500"/>
+        </a:spcBef>
+        <a:buFont typeface="Arial" panose="020B0604020202020204" pitchFamily="34" charset="0"/>
+        <a:buChar char="•"/>
+        <a:defRPr sz="1800" kern="1200">
+          <a:solidFill>
+            <a:schemeClr val="tx1"/>
+          </a:solidFill>
+          <a:latin typeface="+mn-lt"/>
+          <a:ea typeface="+mn-ea"/>
+          <a:cs typeface="+mn-cs"/>
+        </a:defRPr>
+      </a:lvl6pPr>
+      <a:lvl7pPr marL="2971800" indent="-228600" algn="l" defTabSz="914400" rtl="0" eaLnBrk="1" latinLnBrk="0" hangingPunct="1">
+        <a:lnSpc>
+          <a:spcPct val="90000"/>
+        </a:lnSpc>
+        <a:spcBef>
+          <a:spcPts val="500"/>
+        </a:spcBef>
+        <a:buFont typeface="Arial" panose="020B0604020202020204" pitchFamily="34" charset="0"/>
+        <a:buChar char="•"/>
+        <a:defRPr sz="1800" kern="1200">
+          <a:solidFill>
+            <a:schemeClr val="tx1"/>
+          </a:solidFill>
+          <a:latin typeface="+mn-lt"/>
+          <a:ea typeface="+mn-ea"/>
+          <a:cs typeface="+mn-cs"/>
+        </a:defRPr>
+      </a:lvl7pPr>
+      <a:lvl8pPr marL="3429000" indent="-228600" algn="l" defTabSz="914400" rtl="0" eaLnBrk="1" latinLnBrk="0" hangingPunct="1">
+        <a:lnSpc>
+          <a:spcPct val="90000"/>
+        </a:lnSpc>
+        <a:spcBef>
+          <a:spcPts val="500"/>
+        </a:spcBef>
+        <a:buFont typeface="Arial" panose="020B0604020202020204" pitchFamily="34" charset="0"/>
+        <a:buChar char="•"/>
+        <a:defRPr sz="1800" kern="1200">
+          <a:solidFill>
+            <a:schemeClr val="tx1"/>
+          </a:solidFill>
+          <a:latin typeface="+mn-lt"/>
+          <a:ea typeface="+mn-ea"/>
+          <a:cs typeface="+mn-cs"/>
+        </a:defRPr>
+      </a:lvl8pPr>
+      <a:lvl9pPr marL="3886200" indent="-228600" algn="l" defTabSz="914400" rtl="0" eaLnBrk="1" latinLnBrk="0" hangingPunct="1">
+        <a:lnSpc>
+          <a:spcPct val="90000"/>
+        </a:lnSpc>
+        <a:spcBef>
+          <a:spcPts val="500"/>
+        </a:spcBef>
+        <a:buFont typeface="Arial" panose="020B0604020202020204" pitchFamily="34" charset="0"/>
+        <a:buChar char="•"/>
+        <a:defRPr sz="1800" kern="1200">
+          <a:solidFill>
+            <a:schemeClr val="tx1"/>
+          </a:solidFill>
+          <a:latin typeface="+mn-lt"/>
+          <a:ea typeface="+mn-ea"/>
+          <a:cs typeface="+mn-cs"/>
+        </a:defRPr>
+      </a:lvl9pPr>
+    </p:bodyStyle>
+    <p:otherStyle>
+      <a:defPPr>
+        <a:defRPr lang="en-US"/>
+      </a:defPPr>
+      <a:lvl1pPr marL="0" algn="l" defTabSz="914400" rtl="0" eaLnBrk="1" latinLnBrk="0" hangingPunct="1">
+        <a:defRPr sz="1800" kern="1200">
+          <a:solidFill>
+            <a:schemeClr val="tx1"/>
+          </a:solidFill>
+          <a:latin typeface="+mn-lt"/>
+          <a:ea typeface="+mn-ea"/>
+          <a:cs typeface="+mn-cs"/>
+        </a:defRPr>
+      </a:lvl1pPr>
+      <a:lvl2pPr marL="457200" algn="l" defTabSz="914400" rtl="0" eaLnBrk="1" latinLnBrk="0" hangingPunct="1">
+        <a:defRPr sz="1800" kern="1200">
+          <a:solidFill>
+            <a:schemeClr val="tx1"/>
+          </a:solidFill>
+          <a:latin typeface="+mn-lt"/>
+          <a:ea typeface="+mn-ea"/>
+          <a:cs typeface="+mn-cs"/>
+        </a:defRPr>
+      </a:lvl2pPr>
+      <a:lvl3pPr marL="914400" algn="l" defTabSz="914400" rtl="0" eaLnBrk="1" latinLnBrk="0" hangingPunct="1">
+        <a:defRPr sz="1800" kern="1200">
+          <a:solidFill>
+            <a:schemeClr val="tx1"/>
+          </a:solidFill>
+          <a:latin typeface="+mn-lt"/>
+          <a:ea typeface="+mn-ea"/>
+          <a:cs typeface="+mn-cs"/>
+        </a:defRPr>
+      </a:lvl3pPr>
+      <a:lvl4pPr marL="1371600" algn="l" defTabSz="914400" rtl="0" eaLnBrk="1" latinLnBrk="0" hangingPunct="1">
+        <a:defRPr sz="1800" kern="1200">
+          <a:solidFill>
+            <a:schemeClr val="tx1"/>
+          </a:solidFill>
+          <a:latin typeface="+mn-lt"/>
+          <a:ea typeface="+mn-ea"/>
+          <a:cs typeface="+mn-cs"/>
+        </a:defRPr>
+      </a:lvl4pPr>
+      <a:lvl5pPr marL="1828800" algn="l" defTabSz="914400" rtl="0" eaLnBrk="1" latinLnBrk="0" hangingPunct="1">
+        <a:defRPr sz="1800" kern="1200">
+          <a:solidFill>
+            <a:schemeClr val="tx1"/>
+          </a:solidFill>
+          <a:latin typeface="+mn-lt"/>
+          <a:ea typeface="+mn-ea"/>
+          <a:cs typeface="+mn-cs"/>
+        </a:defRPr>
+      </a:lvl5pPr>
+      <a:lvl6pPr marL="2286000" algn="l" defTabSz="914400" rtl="0" eaLnBrk="1" latinLnBrk="0" hangingPunct="1">
+        <a:defRPr sz="1800" kern="1200">
+          <a:solidFill>
+            <a:schemeClr val="tx1"/>
+          </a:solidFill>
+          <a:latin typeface="+mn-lt"/>
+          <a:ea typeface="+mn-ea"/>
+          <a:cs typeface="+mn-cs"/>
+        </a:defRPr>
+      </a:lvl6pPr>
+      <a:lvl7pPr marL="2743200" algn="l" defTabSz="914400" rtl="0" eaLnBrk="1" latinLnBrk="0" hangingPunct="1">
+        <a:defRPr sz="1800" kern="1200">
+          <a:solidFill>
+            <a:schemeClr val="tx1"/>
+          </a:solidFill>
+          <a:latin typeface="+mn-lt"/>
+          <a:ea typeface="+mn-ea"/>
+          <a:cs typeface="+mn-cs"/>
+        </a:defRPr>
+      </a:lvl7pPr>
+      <a:lvl8pPr marL="3200400" algn="l" defTabSz="914400" rtl="0" eaLnBrk="1" latinLnBrk="0" hangingPunct="1">
+        <a:defRPr sz="1800" kern="1200">
+          <a:solidFill>
+            <a:schemeClr val="tx1"/>
+          </a:solidFill>
+          <a:latin typeface="+mn-lt"/>
+          <a:ea typeface="+mn-ea"/>
+          <a:cs typeface="+mn-cs"/>
+        </a:defRPr>
+      </a:lvl8pPr>
+      <a:lvl9pPr marL="3657600" algn="l" defTabSz="914400" rtl="0" eaLnBrk="1" latinLnBrk="0" hangingPunct="1">
+        <a:defRPr sz="1800" kern="1200">
+          <a:solidFill>
+            <a:schemeClr val="tx1"/>
+          </a:solidFill>
+          <a:latin typeface="+mn-lt"/>
+          <a:ea typeface="+mn-ea"/>
+          <a:cs typeface="+mn-cs"/>
+        </a:defRPr>
+      </a:lvl9pPr>
+    </p:otherStyle>
+  </p:txStyles>
 </p:sldMaster>
 </file>
 
 <file path=ppt/slideMasters/slideMaster2.xml><?xml version="1.0" encoding="utf-8"?>
-<p:sldMaster xmlns:a="http://schemas.openxmlformats.org/drawingml/2006/main" xmlns:p="http://schemas.openxmlformats.org/presentationml/2006/main" xmlns:r="http://schemas.openxmlformats.org/officeDocument/2006/relationships" xmlns:p14="http://schemas.microsoft.com/office/powerpoint/2010/main" xmlns:p15="http://schemas.microsoft.com/office/powerpoint/2012/main" xmlns:mc="http://schemas.openxmlformats.org/markup-compatibility/2006">
+<p:sldMaster xmlns:a="http://schemas.openxmlformats.org/drawingml/2006/main" xmlns:r="http://schemas.openxmlformats.org/officeDocument/2006/relationships" xmlns:p="http://schemas.openxmlformats.org/presentationml/2006/main">
   <p:cSld>
     <p:bg>
       <p:bgPr>
         <a:solidFill>
-          <a:srgbClr val="ffffff"/>
+          <a:srgbClr val="FFFFFF"/>
         </a:solidFill>
+        <a:effectLst/>
       </p:bgPr>
     </p:bg>
     <p:spTree>
@@ -3966,12 +4475,12 @@
       </p:grpSpPr>
       <p:pic>
         <p:nvPicPr>
-          <p:cNvPr id="40" name="Bild 2" descr=""/>
+          <p:cNvPr id="40" name="Bild 2"/>
           <p:cNvPicPr/>
           <p:nvPr/>
         </p:nvPicPr>
         <p:blipFill>
-          <a:blip r:embed="rId2"/>
+          <a:blip r:embed="rId14"/>
           <a:stretch/>
         </p:blipFill>
         <p:spPr>
@@ -4007,7 +4516,8 @@
           </a:prstGeom>
         </p:spPr>
         <p:txBody>
-          <a:bodyPr lIns="0" rIns="0" tIns="0" bIns="0"/>
+          <a:bodyPr lIns="0" tIns="0" rIns="0" bIns="0"/>
+          <a:lstStyle/>
           <a:p>
             <a:pPr marL="432000" indent="-324000">
               <a:buClr>
@@ -4018,33 +4528,22 @@
               <a:buChar char=""/>
             </a:pPr>
             <a:r>
-              <a:rPr b="0" lang="de-DE" sz="1600" spc="-1" strike="noStrike">
+              <a:rPr lang="de-DE" sz="1600" b="0" strike="noStrike" spc="-1">
                 <a:solidFill>
                   <a:srgbClr val="000000"/>
                 </a:solidFill>
                 <a:uFill>
                   <a:solidFill>
-                    <a:srgbClr val="ffffff"/>
+                    <a:srgbClr val="FFFFFF"/>
                   </a:solidFill>
                 </a:uFill>
                 <a:latin typeface="Arial"/>
               </a:rPr>
               <a:t>Click to edit the outline text format</a:t>
             </a:r>
-            <a:endParaRPr b="0" lang="de-DE" sz="1600" spc="-1" strike="noStrike">
-              <a:solidFill>
-                <a:srgbClr val="000000"/>
-              </a:solidFill>
-              <a:uFill>
-                <a:solidFill>
-                  <a:srgbClr val="ffffff"/>
-                </a:solidFill>
-              </a:uFill>
-              <a:latin typeface="Arial"/>
-            </a:endParaRPr>
-          </a:p>
-          <a:p>
-            <a:pPr lvl="1" marL="864000" indent="-324000">
+          </a:p>
+          <a:p>
+            <a:pPr marL="864000" lvl="1" indent="-324000">
               <a:buClr>
                 <a:srgbClr val="000000"/>
               </a:buClr>
@@ -4053,33 +4552,33 @@
               <a:buChar char=""/>
             </a:pPr>
             <a:r>
-              <a:rPr b="0" lang="de-DE" sz="1600" spc="-1" strike="noStrike">
+              <a:rPr lang="de-DE" sz="1600" b="0" strike="noStrike" spc="-1">
                 <a:solidFill>
                   <a:srgbClr val="000000"/>
                 </a:solidFill>
                 <a:uFill>
                   <a:solidFill>
-                    <a:srgbClr val="ffffff"/>
+                    <a:srgbClr val="FFFFFF"/>
                   </a:solidFill>
                 </a:uFill>
                 <a:latin typeface="Arial"/>
               </a:rPr>
               <a:t>Second Outline Level</a:t>
             </a:r>
-            <a:endParaRPr b="0" lang="de-DE" sz="1400" spc="-1" strike="noStrike">
-              <a:solidFill>
-                <a:srgbClr val="000000"/>
-              </a:solidFill>
-              <a:uFill>
-                <a:solidFill>
-                  <a:srgbClr val="ffffff"/>
-                </a:solidFill>
-              </a:uFill>
-              <a:latin typeface="Arial"/>
-            </a:endParaRPr>
-          </a:p>
-          <a:p>
-            <a:pPr lvl="2" marL="1296000" indent="-288000">
+            <a:endParaRPr lang="de-DE" sz="1400" b="0" strike="noStrike" spc="-1">
+              <a:solidFill>
+                <a:srgbClr val="000000"/>
+              </a:solidFill>
+              <a:uFill>
+                <a:solidFill>
+                  <a:srgbClr val="FFFFFF"/>
+                </a:solidFill>
+              </a:uFill>
+              <a:latin typeface="Arial"/>
+            </a:endParaRPr>
+          </a:p>
+          <a:p>
+            <a:pPr marL="1296000" lvl="2" indent="-288000">
               <a:buClr>
                 <a:srgbClr val="000000"/>
               </a:buClr>
@@ -4088,33 +4587,33 @@
               <a:buChar char=""/>
             </a:pPr>
             <a:r>
-              <a:rPr b="0" lang="de-DE" sz="1600" spc="-1" strike="noStrike">
+              <a:rPr lang="de-DE" sz="1600" b="0" strike="noStrike" spc="-1">
                 <a:solidFill>
                   <a:srgbClr val="000000"/>
                 </a:solidFill>
                 <a:uFill>
                   <a:solidFill>
-                    <a:srgbClr val="ffffff"/>
+                    <a:srgbClr val="FFFFFF"/>
                   </a:solidFill>
                 </a:uFill>
                 <a:latin typeface="Arial"/>
               </a:rPr>
               <a:t>Third Outline Level</a:t>
             </a:r>
-            <a:endParaRPr b="0" lang="de-DE" sz="1400" spc="-1" strike="noStrike">
-              <a:solidFill>
-                <a:srgbClr val="000000"/>
-              </a:solidFill>
-              <a:uFill>
-                <a:solidFill>
-                  <a:srgbClr val="ffffff"/>
-                </a:solidFill>
-              </a:uFill>
-              <a:latin typeface="Arial"/>
-            </a:endParaRPr>
-          </a:p>
-          <a:p>
-            <a:pPr lvl="3" marL="1728000" indent="-216000">
+            <a:endParaRPr lang="de-DE" sz="1400" b="0" strike="noStrike" spc="-1">
+              <a:solidFill>
+                <a:srgbClr val="000000"/>
+              </a:solidFill>
+              <a:uFill>
+                <a:solidFill>
+                  <a:srgbClr val="FFFFFF"/>
+                </a:solidFill>
+              </a:uFill>
+              <a:latin typeface="Arial"/>
+            </a:endParaRPr>
+          </a:p>
+          <a:p>
+            <a:pPr marL="1728000" lvl="3" indent="-216000">
               <a:buClr>
                 <a:srgbClr val="000000"/>
               </a:buClr>
@@ -4123,33 +4622,33 @@
               <a:buChar char=""/>
             </a:pPr>
             <a:r>
-              <a:rPr b="0" lang="de-DE" sz="1600" spc="-1" strike="noStrike">
+              <a:rPr lang="de-DE" sz="1600" b="0" strike="noStrike" spc="-1">
                 <a:solidFill>
                   <a:srgbClr val="000000"/>
                 </a:solidFill>
                 <a:uFill>
                   <a:solidFill>
-                    <a:srgbClr val="ffffff"/>
+                    <a:srgbClr val="FFFFFF"/>
                   </a:solidFill>
                 </a:uFill>
                 <a:latin typeface="Arial"/>
               </a:rPr>
               <a:t>Fourth Outline Level</a:t>
             </a:r>
-            <a:endParaRPr b="0" lang="de-DE" sz="1400" spc="-1" strike="noStrike">
-              <a:solidFill>
-                <a:srgbClr val="000000"/>
-              </a:solidFill>
-              <a:uFill>
-                <a:solidFill>
-                  <a:srgbClr val="ffffff"/>
-                </a:solidFill>
-              </a:uFill>
-              <a:latin typeface="Arial"/>
-            </a:endParaRPr>
-          </a:p>
-          <a:p>
-            <a:pPr lvl="4" marL="2160000" indent="-216000">
+            <a:endParaRPr lang="de-DE" sz="1400" b="0" strike="noStrike" spc="-1">
+              <a:solidFill>
+                <a:srgbClr val="000000"/>
+              </a:solidFill>
+              <a:uFill>
+                <a:solidFill>
+                  <a:srgbClr val="FFFFFF"/>
+                </a:solidFill>
+              </a:uFill>
+              <a:latin typeface="Arial"/>
+            </a:endParaRPr>
+          </a:p>
+          <a:p>
+            <a:pPr marL="2160000" lvl="4" indent="-216000">
               <a:buClr>
                 <a:srgbClr val="000000"/>
               </a:buClr>
@@ -4158,33 +4657,33 @@
               <a:buChar char=""/>
             </a:pPr>
             <a:r>
-              <a:rPr b="0" lang="de-DE" sz="1600" spc="-1" strike="noStrike">
+              <a:rPr lang="de-DE" sz="1600" b="0" strike="noStrike" spc="-1">
                 <a:solidFill>
                   <a:srgbClr val="000000"/>
                 </a:solidFill>
                 <a:uFill>
                   <a:solidFill>
-                    <a:srgbClr val="ffffff"/>
+                    <a:srgbClr val="FFFFFF"/>
                   </a:solidFill>
                 </a:uFill>
                 <a:latin typeface="Arial"/>
               </a:rPr>
               <a:t>Fifth Outline Level</a:t>
             </a:r>
-            <a:endParaRPr b="0" lang="de-DE" sz="2000" spc="-1" strike="noStrike">
-              <a:solidFill>
-                <a:srgbClr val="000000"/>
-              </a:solidFill>
-              <a:uFill>
-                <a:solidFill>
-                  <a:srgbClr val="ffffff"/>
-                </a:solidFill>
-              </a:uFill>
-              <a:latin typeface="Arial"/>
-            </a:endParaRPr>
-          </a:p>
-          <a:p>
-            <a:pPr lvl="5" marL="2592000" indent="-216000">
+            <a:endParaRPr lang="de-DE" sz="2000" b="0" strike="noStrike" spc="-1">
+              <a:solidFill>
+                <a:srgbClr val="000000"/>
+              </a:solidFill>
+              <a:uFill>
+                <a:solidFill>
+                  <a:srgbClr val="FFFFFF"/>
+                </a:solidFill>
+              </a:uFill>
+              <a:latin typeface="Arial"/>
+            </a:endParaRPr>
+          </a:p>
+          <a:p>
+            <a:pPr marL="2592000" lvl="5" indent="-216000">
               <a:buClr>
                 <a:srgbClr val="000000"/>
               </a:buClr>
@@ -4193,33 +4692,33 @@
               <a:buChar char=""/>
             </a:pPr>
             <a:r>
-              <a:rPr b="0" lang="de-DE" sz="1600" spc="-1" strike="noStrike">
+              <a:rPr lang="de-DE" sz="1600" b="0" strike="noStrike" spc="-1">
                 <a:solidFill>
                   <a:srgbClr val="000000"/>
                 </a:solidFill>
                 <a:uFill>
                   <a:solidFill>
-                    <a:srgbClr val="ffffff"/>
+                    <a:srgbClr val="FFFFFF"/>
                   </a:solidFill>
                 </a:uFill>
                 <a:latin typeface="Arial"/>
               </a:rPr>
               <a:t>Sixth Outline Level</a:t>
             </a:r>
-            <a:endParaRPr b="0" lang="de-DE" sz="2000" spc="-1" strike="noStrike">
-              <a:solidFill>
-                <a:srgbClr val="000000"/>
-              </a:solidFill>
-              <a:uFill>
-                <a:solidFill>
-                  <a:srgbClr val="ffffff"/>
-                </a:solidFill>
-              </a:uFill>
-              <a:latin typeface="Arial"/>
-            </a:endParaRPr>
-          </a:p>
-          <a:p>
-            <a:pPr lvl="6" marL="3024000" indent="-216000">
+            <a:endParaRPr lang="de-DE" sz="2000" b="0" strike="noStrike" spc="-1">
+              <a:solidFill>
+                <a:srgbClr val="000000"/>
+              </a:solidFill>
+              <a:uFill>
+                <a:solidFill>
+                  <a:srgbClr val="FFFFFF"/>
+                </a:solidFill>
+              </a:uFill>
+              <a:latin typeface="Arial"/>
+            </a:endParaRPr>
+          </a:p>
+          <a:p>
+            <a:pPr marL="3024000" lvl="6" indent="-216000">
               <a:buClr>
                 <a:srgbClr val="000000"/>
               </a:buClr>
@@ -4228,33 +4727,33 @@
               <a:buChar char=""/>
             </a:pPr>
             <a:r>
-              <a:rPr b="0" lang="de-DE" sz="1600" spc="-1" strike="noStrike">
+              <a:rPr lang="de-DE" sz="1600" b="0" strike="noStrike" spc="-1">
                 <a:solidFill>
                   <a:srgbClr val="000000"/>
                 </a:solidFill>
                 <a:uFill>
                   <a:solidFill>
-                    <a:srgbClr val="ffffff"/>
+                    <a:srgbClr val="FFFFFF"/>
                   </a:solidFill>
                 </a:uFill>
                 <a:latin typeface="Arial"/>
               </a:rPr>
               <a:t>Seventh Outline LevelInhalt durch Klicken bearbeiten</a:t>
             </a:r>
-            <a:endParaRPr b="0" lang="de-DE" sz="2000" spc="-1" strike="noStrike">
-              <a:solidFill>
-                <a:srgbClr val="000000"/>
-              </a:solidFill>
-              <a:uFill>
-                <a:solidFill>
-                  <a:srgbClr val="ffffff"/>
-                </a:solidFill>
-              </a:uFill>
-              <a:latin typeface="Arial"/>
-            </a:endParaRPr>
-          </a:p>
-          <a:p>
-            <a:pPr lvl="7" marL="3456000" indent="-216000">
+            <a:endParaRPr lang="de-DE" sz="2000" b="0" strike="noStrike" spc="-1">
+              <a:solidFill>
+                <a:srgbClr val="000000"/>
+              </a:solidFill>
+              <a:uFill>
+                <a:solidFill>
+                  <a:srgbClr val="FFFFFF"/>
+                </a:solidFill>
+              </a:uFill>
+              <a:latin typeface="Arial"/>
+            </a:endParaRPr>
+          </a:p>
+          <a:p>
+            <a:pPr marL="3456000" lvl="7" indent="-216000">
               <a:buClr>
                 <a:srgbClr val="000000"/>
               </a:buClr>
@@ -4263,33 +4762,33 @@
               <a:buChar char=""/>
             </a:pPr>
             <a:r>
-              <a:rPr b="0" lang="de-DE" sz="1600" spc="-1" strike="noStrike">
+              <a:rPr lang="de-DE" sz="1600" b="0" strike="noStrike" spc="-1">
                 <a:solidFill>
                   <a:srgbClr val="000000"/>
                 </a:solidFill>
                 <a:uFill>
                   <a:solidFill>
-                    <a:srgbClr val="ffffff"/>
+                    <a:srgbClr val="FFFFFF"/>
                   </a:solidFill>
                 </a:uFill>
                 <a:latin typeface="Arial"/>
               </a:rPr>
               <a:t>Zweite Ebene</a:t>
             </a:r>
-            <a:endParaRPr b="0" lang="de-DE" sz="2000" spc="-1" strike="noStrike">
-              <a:solidFill>
-                <a:srgbClr val="000000"/>
-              </a:solidFill>
-              <a:uFill>
-                <a:solidFill>
-                  <a:srgbClr val="ffffff"/>
-                </a:solidFill>
-              </a:uFill>
-              <a:latin typeface="Arial"/>
-            </a:endParaRPr>
-          </a:p>
-          <a:p>
-            <a:pPr lvl="8" marL="3888000" indent="-216000">
+            <a:endParaRPr lang="de-DE" sz="2000" b="0" strike="noStrike" spc="-1">
+              <a:solidFill>
+                <a:srgbClr val="000000"/>
+              </a:solidFill>
+              <a:uFill>
+                <a:solidFill>
+                  <a:srgbClr val="FFFFFF"/>
+                </a:solidFill>
+              </a:uFill>
+              <a:latin typeface="Arial"/>
+            </a:endParaRPr>
+          </a:p>
+          <a:p>
+            <a:pPr marL="3888000" lvl="8" indent="-216000">
               <a:buClr>
                 <a:srgbClr val="000000"/>
               </a:buClr>
@@ -4298,26 +4797,26 @@
               <a:buChar char=""/>
             </a:pPr>
             <a:r>
-              <a:rPr b="0" lang="de-DE" sz="1600" spc="-1" strike="noStrike">
+              <a:rPr lang="de-DE" sz="1600" b="0" strike="noStrike" spc="-1">
                 <a:solidFill>
                   <a:srgbClr val="000000"/>
                 </a:solidFill>
                 <a:uFill>
                   <a:solidFill>
-                    <a:srgbClr val="ffffff"/>
+                    <a:srgbClr val="FFFFFF"/>
                   </a:solidFill>
                 </a:uFill>
                 <a:latin typeface="Arial"/>
               </a:rPr>
               <a:t>Dritte Ebene</a:t>
             </a:r>
-            <a:endParaRPr b="0" lang="de-DE" sz="2000" spc="-1" strike="noStrike">
-              <a:solidFill>
-                <a:srgbClr val="000000"/>
-              </a:solidFill>
-              <a:uFill>
-                <a:solidFill>
-                  <a:srgbClr val="ffffff"/>
+            <a:endParaRPr lang="de-DE" sz="2000" b="0" strike="noStrike" spc="-1">
+              <a:solidFill>
+                <a:srgbClr val="000000"/>
+              </a:solidFill>
+              <a:uFill>
+                <a:solidFill>
+                  <a:srgbClr val="FFFFFF"/>
                 </a:solidFill>
               </a:uFill>
               <a:latin typeface="Arial"/>
@@ -4346,6 +4845,7 @@
         </p:spPr>
         <p:txBody>
           <a:bodyPr lIns="0" rIns="0" anchor="ctr"/>
+          <a:lstStyle/>
           <a:p>
             <a:pPr algn="r">
               <a:lnSpc>
@@ -4353,26 +4853,26 @@
               </a:lnSpc>
             </a:pPr>
             <a:fld id="{386FF78D-FAEC-4C5C-AEA8-72A774B5A8BC}" type="slidenum">
-              <a:rPr b="0" lang="de-DE" sz="1200" spc="-1" strike="noStrike">
+              <a:rPr lang="de-DE" sz="1200" b="0" strike="noStrike" spc="-1">
                 <a:solidFill>
                   <a:srgbClr val="000000"/>
                 </a:solidFill>
                 <a:uFill>
                   <a:solidFill>
-                    <a:srgbClr val="ffffff"/>
+                    <a:srgbClr val="FFFFFF"/>
                   </a:solidFill>
                 </a:uFill>
                 <a:latin typeface="Arial"/>
               </a:rPr>
-              <a:t>1</a:t>
+              <a:t>‹Nr.›</a:t>
             </a:fld>
-            <a:endParaRPr b="0" lang="de-DE" sz="1200" spc="-1" strike="noStrike">
-              <a:solidFill>
-                <a:srgbClr val="000000"/>
-              </a:solidFill>
-              <a:uFill>
-                <a:solidFill>
-                  <a:srgbClr val="ffffff"/>
+            <a:endParaRPr lang="de-DE" sz="1200" b="0" strike="noStrike" spc="-1">
+              <a:solidFill>
+                <a:srgbClr val="000000"/>
+              </a:solidFill>
+              <a:uFill>
+                <a:solidFill>
+                  <a:srgbClr val="FFFFFF"/>
                 </a:solidFill>
               </a:uFill>
               <a:latin typeface="Times New Roman"/>
@@ -4401,6 +4901,7 @@
         </p:spPr>
         <p:txBody>
           <a:bodyPr lIns="0" rIns="0" anchor="ctr"/>
+          <a:lstStyle/>
           <a:p>
             <a:pPr>
               <a:lnSpc>
@@ -4408,26 +4909,26 @@
               </a:lnSpc>
             </a:pPr>
             <a:r>
-              <a:rPr b="0" lang="de-DE" sz="1200" spc="-1" strike="noStrike">
+              <a:rPr lang="de-DE" sz="1200" b="0" strike="noStrike" spc="-1">
                 <a:solidFill>
                   <a:srgbClr val="000000"/>
                 </a:solidFill>
                 <a:uFill>
                   <a:solidFill>
-                    <a:srgbClr val="ffffff"/>
+                    <a:srgbClr val="FFFFFF"/>
                   </a:solidFill>
                 </a:uFill>
                 <a:latin typeface="Arial"/>
               </a:rPr>
               <a:t>Dr. rer. nat. Erika Mustermann (TUM) | kann beliebig erweitert werden | Infos mit Strich trennen</a:t>
             </a:r>
-            <a:endParaRPr b="0" lang="de-DE" sz="1200" spc="-1" strike="noStrike">
-              <a:solidFill>
-                <a:srgbClr val="000000"/>
-              </a:solidFill>
-              <a:uFill>
-                <a:solidFill>
-                  <a:srgbClr val="ffffff"/>
+            <a:endParaRPr lang="de-DE" sz="1200" b="0" strike="noStrike" spc="-1">
+              <a:solidFill>
+                <a:srgbClr val="000000"/>
+              </a:solidFill>
+              <a:uFill>
+                <a:solidFill>
+                  <a:srgbClr val="FFFFFF"/>
                 </a:solidFill>
               </a:uFill>
               <a:latin typeface="Times New Roman"/>
@@ -4455,7 +4956,8 @@
           </a:prstGeom>
         </p:spPr>
         <p:txBody>
-          <a:bodyPr lIns="0" rIns="0" tIns="0" bIns="0"/>
+          <a:bodyPr lIns="0" tIns="0" rIns="0" bIns="0"/>
+          <a:lstStyle/>
           <a:p>
             <a:pPr>
               <a:lnSpc>
@@ -4463,26 +4965,26 @@
               </a:lnSpc>
             </a:pPr>
             <a:r>
-              <a:rPr b="0" lang="de-DE" sz="3000" spc="-1" strike="noStrike">
+              <a:rPr lang="de-DE" sz="3000" b="0" strike="noStrike" spc="-1">
                 <a:solidFill>
                   <a:srgbClr val="000000"/>
                 </a:solidFill>
                 <a:uFill>
                   <a:solidFill>
-                    <a:srgbClr val="ffffff"/>
+                    <a:srgbClr val="FFFFFF"/>
                   </a:solidFill>
                 </a:uFill>
                 <a:latin typeface="Arial"/>
               </a:rPr>
               <a:t>Titel durch Klicken bearbeiten</a:t>
             </a:r>
-            <a:endParaRPr b="0" lang="de-DE" sz="2200" spc="-1" strike="noStrike">
-              <a:solidFill>
-                <a:srgbClr val="000000"/>
-              </a:solidFill>
-              <a:uFill>
-                <a:solidFill>
-                  <a:srgbClr val="ffffff"/>
+            <a:endParaRPr lang="de-DE" sz="2200" b="0" strike="noStrike" spc="-1">
+              <a:solidFill>
+                <a:srgbClr val="000000"/>
+              </a:solidFill>
+              <a:uFill>
+                <a:solidFill>
+                  <a:srgbClr val="FFFFFF"/>
                 </a:solidFill>
               </a:uFill>
               <a:latin typeface="Arial"/>
@@ -4492,26 +4994,306 @@
       </p:sp>
     </p:spTree>
   </p:cSld>
-  <p:clrMap bg1="lt1" bg2="lt2" tx1="dk1" tx2="dk2" accent1="accent1" accent2="accent2" accent3="accent3" accent4="accent4" accent5="accent5" accent6="accent6" hlink="hlink" folHlink="folHlink"/>
+  <p:clrMap bg1="lt1" tx1="dk1" bg2="lt2" tx2="dk2" accent1="accent1" accent2="accent2" accent3="accent3" accent4="accent4" accent5="accent5" accent6="accent6" hlink="hlink" folHlink="folHlink"/>
   <p:sldLayoutIdLst>
-    <p:sldLayoutId id="2147483662" r:id="rId3"/>
-    <p:sldLayoutId id="2147483663" r:id="rId4"/>
-    <p:sldLayoutId id="2147483664" r:id="rId5"/>
-    <p:sldLayoutId id="2147483665" r:id="rId6"/>
-    <p:sldLayoutId id="2147483666" r:id="rId7"/>
-    <p:sldLayoutId id="2147483667" r:id="rId8"/>
-    <p:sldLayoutId id="2147483668" r:id="rId9"/>
-    <p:sldLayoutId id="2147483669" r:id="rId10"/>
-    <p:sldLayoutId id="2147483670" r:id="rId11"/>
-    <p:sldLayoutId id="2147483671" r:id="rId12"/>
-    <p:sldLayoutId id="2147483672" r:id="rId13"/>
-    <p:sldLayoutId id="2147483673" r:id="rId14"/>
+    <p:sldLayoutId id="2147483662" r:id="rId1"/>
+    <p:sldLayoutId id="2147483663" r:id="rId2"/>
+    <p:sldLayoutId id="2147483664" r:id="rId3"/>
+    <p:sldLayoutId id="2147483665" r:id="rId4"/>
+    <p:sldLayoutId id="2147483666" r:id="rId5"/>
+    <p:sldLayoutId id="2147483667" r:id="rId6"/>
+    <p:sldLayoutId id="2147483668" r:id="rId7"/>
+    <p:sldLayoutId id="2147483669" r:id="rId8"/>
+    <p:sldLayoutId id="2147483670" r:id="rId9"/>
+    <p:sldLayoutId id="2147483671" r:id="rId10"/>
+    <p:sldLayoutId id="2147483672" r:id="rId11"/>
+    <p:sldLayoutId id="2147483673" r:id="rId12"/>
   </p:sldLayoutIdLst>
+  <p:txStyles>
+    <p:titleStyle>
+      <a:lvl1pPr algn="l" defTabSz="914400" rtl="0" eaLnBrk="1" latinLnBrk="0" hangingPunct="1">
+        <a:lnSpc>
+          <a:spcPct val="90000"/>
+        </a:lnSpc>
+        <a:spcBef>
+          <a:spcPct val="0"/>
+        </a:spcBef>
+        <a:buNone/>
+        <a:defRPr sz="4400" kern="1200">
+          <a:solidFill>
+            <a:schemeClr val="tx1"/>
+          </a:solidFill>
+          <a:latin typeface="+mj-lt"/>
+          <a:ea typeface="+mj-ea"/>
+          <a:cs typeface="+mj-cs"/>
+        </a:defRPr>
+      </a:lvl1pPr>
+    </p:titleStyle>
+    <p:bodyStyle>
+      <a:lvl1pPr marL="228600" indent="-228600" algn="l" defTabSz="914400" rtl="0" eaLnBrk="1" latinLnBrk="0" hangingPunct="1">
+        <a:lnSpc>
+          <a:spcPct val="90000"/>
+        </a:lnSpc>
+        <a:spcBef>
+          <a:spcPts val="1000"/>
+        </a:spcBef>
+        <a:buFont typeface="Arial" panose="020B0604020202020204" pitchFamily="34" charset="0"/>
+        <a:buChar char="•"/>
+        <a:defRPr sz="2800" kern="1200">
+          <a:solidFill>
+            <a:schemeClr val="tx1"/>
+          </a:solidFill>
+          <a:latin typeface="+mn-lt"/>
+          <a:ea typeface="+mn-ea"/>
+          <a:cs typeface="+mn-cs"/>
+        </a:defRPr>
+      </a:lvl1pPr>
+      <a:lvl2pPr marL="685800" indent="-228600" algn="l" defTabSz="914400" rtl="0" eaLnBrk="1" latinLnBrk="0" hangingPunct="1">
+        <a:lnSpc>
+          <a:spcPct val="90000"/>
+        </a:lnSpc>
+        <a:spcBef>
+          <a:spcPts val="500"/>
+        </a:spcBef>
+        <a:buFont typeface="Arial" panose="020B0604020202020204" pitchFamily="34" charset="0"/>
+        <a:buChar char="•"/>
+        <a:defRPr sz="2400" kern="1200">
+          <a:solidFill>
+            <a:schemeClr val="tx1"/>
+          </a:solidFill>
+          <a:latin typeface="+mn-lt"/>
+          <a:ea typeface="+mn-ea"/>
+          <a:cs typeface="+mn-cs"/>
+        </a:defRPr>
+      </a:lvl2pPr>
+      <a:lvl3pPr marL="1143000" indent="-228600" algn="l" defTabSz="914400" rtl="0" eaLnBrk="1" latinLnBrk="0" hangingPunct="1">
+        <a:lnSpc>
+          <a:spcPct val="90000"/>
+        </a:lnSpc>
+        <a:spcBef>
+          <a:spcPts val="500"/>
+        </a:spcBef>
+        <a:buFont typeface="Arial" panose="020B0604020202020204" pitchFamily="34" charset="0"/>
+        <a:buChar char="•"/>
+        <a:defRPr sz="2000" kern="1200">
+          <a:solidFill>
+            <a:schemeClr val="tx1"/>
+          </a:solidFill>
+          <a:latin typeface="+mn-lt"/>
+          <a:ea typeface="+mn-ea"/>
+          <a:cs typeface="+mn-cs"/>
+        </a:defRPr>
+      </a:lvl3pPr>
+      <a:lvl4pPr marL="1600200" indent="-228600" algn="l" defTabSz="914400" rtl="0" eaLnBrk="1" latinLnBrk="0" hangingPunct="1">
+        <a:lnSpc>
+          <a:spcPct val="90000"/>
+        </a:lnSpc>
+        <a:spcBef>
+          <a:spcPts val="500"/>
+        </a:spcBef>
+        <a:buFont typeface="Arial" panose="020B0604020202020204" pitchFamily="34" charset="0"/>
+        <a:buChar char="•"/>
+        <a:defRPr sz="1800" kern="1200">
+          <a:solidFill>
+            <a:schemeClr val="tx1"/>
+          </a:solidFill>
+          <a:latin typeface="+mn-lt"/>
+          <a:ea typeface="+mn-ea"/>
+          <a:cs typeface="+mn-cs"/>
+        </a:defRPr>
+      </a:lvl4pPr>
+      <a:lvl5pPr marL="2057400" indent="-228600" algn="l" defTabSz="914400" rtl="0" eaLnBrk="1" latinLnBrk="0" hangingPunct="1">
+        <a:lnSpc>
+          <a:spcPct val="90000"/>
+        </a:lnSpc>
+        <a:spcBef>
+          <a:spcPts val="500"/>
+        </a:spcBef>
+        <a:buFont typeface="Arial" panose="020B0604020202020204" pitchFamily="34" charset="0"/>
+        <a:buChar char="•"/>
+        <a:defRPr sz="1800" kern="1200">
+          <a:solidFill>
+            <a:schemeClr val="tx1"/>
+          </a:solidFill>
+          <a:latin typeface="+mn-lt"/>
+          <a:ea typeface="+mn-ea"/>
+          <a:cs typeface="+mn-cs"/>
+        </a:defRPr>
+      </a:lvl5pPr>
+      <a:lvl6pPr marL="2514600" indent="-228600" algn="l" defTabSz="914400" rtl="0" eaLnBrk="1" latinLnBrk="0" hangingPunct="1">
+        <a:lnSpc>
+          <a:spcPct val="90000"/>
+        </a:lnSpc>
+        <a:spcBef>
+          <a:spcPts val="500"/>
+        </a:spcBef>
+        <a:buFont typeface="Arial" panose="020B0604020202020204" pitchFamily="34" charset="0"/>
+        <a:buChar char="•"/>
+        <a:defRPr sz="1800" kern="1200">
+          <a:solidFill>
+            <a:schemeClr val="tx1"/>
+          </a:solidFill>
+          <a:latin typeface="+mn-lt"/>
+          <a:ea typeface="+mn-ea"/>
+          <a:cs typeface="+mn-cs"/>
+        </a:defRPr>
+      </a:lvl6pPr>
+      <a:lvl7pPr marL="2971800" indent="-228600" algn="l" defTabSz="914400" rtl="0" eaLnBrk="1" latinLnBrk="0" hangingPunct="1">
+        <a:lnSpc>
+          <a:spcPct val="90000"/>
+        </a:lnSpc>
+        <a:spcBef>
+          <a:spcPts val="500"/>
+        </a:spcBef>
+        <a:buFont typeface="Arial" panose="020B0604020202020204" pitchFamily="34" charset="0"/>
+        <a:buChar char="•"/>
+        <a:defRPr sz="1800" kern="1200">
+          <a:solidFill>
+            <a:schemeClr val="tx1"/>
+          </a:solidFill>
+          <a:latin typeface="+mn-lt"/>
+          <a:ea typeface="+mn-ea"/>
+          <a:cs typeface="+mn-cs"/>
+        </a:defRPr>
+      </a:lvl7pPr>
+      <a:lvl8pPr marL="3429000" indent="-228600" algn="l" defTabSz="914400" rtl="0" eaLnBrk="1" latinLnBrk="0" hangingPunct="1">
+        <a:lnSpc>
+          <a:spcPct val="90000"/>
+        </a:lnSpc>
+        <a:spcBef>
+          <a:spcPts val="500"/>
+        </a:spcBef>
+        <a:buFont typeface="Arial" panose="020B0604020202020204" pitchFamily="34" charset="0"/>
+        <a:buChar char="•"/>
+        <a:defRPr sz="1800" kern="1200">
+          <a:solidFill>
+            <a:schemeClr val="tx1"/>
+          </a:solidFill>
+          <a:latin typeface="+mn-lt"/>
+          <a:ea typeface="+mn-ea"/>
+          <a:cs typeface="+mn-cs"/>
+        </a:defRPr>
+      </a:lvl8pPr>
+      <a:lvl9pPr marL="3886200" indent="-228600" algn="l" defTabSz="914400" rtl="0" eaLnBrk="1" latinLnBrk="0" hangingPunct="1">
+        <a:lnSpc>
+          <a:spcPct val="90000"/>
+        </a:lnSpc>
+        <a:spcBef>
+          <a:spcPts val="500"/>
+        </a:spcBef>
+        <a:buFont typeface="Arial" panose="020B0604020202020204" pitchFamily="34" charset="0"/>
+        <a:buChar char="•"/>
+        <a:defRPr sz="1800" kern="1200">
+          <a:solidFill>
+            <a:schemeClr val="tx1"/>
+          </a:solidFill>
+          <a:latin typeface="+mn-lt"/>
+          <a:ea typeface="+mn-ea"/>
+          <a:cs typeface="+mn-cs"/>
+        </a:defRPr>
+      </a:lvl9pPr>
+    </p:bodyStyle>
+    <p:otherStyle>
+      <a:defPPr>
+        <a:defRPr lang="en-US"/>
+      </a:defPPr>
+      <a:lvl1pPr marL="0" algn="l" defTabSz="914400" rtl="0" eaLnBrk="1" latinLnBrk="0" hangingPunct="1">
+        <a:defRPr sz="1800" kern="1200">
+          <a:solidFill>
+            <a:schemeClr val="tx1"/>
+          </a:solidFill>
+          <a:latin typeface="+mn-lt"/>
+          <a:ea typeface="+mn-ea"/>
+          <a:cs typeface="+mn-cs"/>
+        </a:defRPr>
+      </a:lvl1pPr>
+      <a:lvl2pPr marL="457200" algn="l" defTabSz="914400" rtl="0" eaLnBrk="1" latinLnBrk="0" hangingPunct="1">
+        <a:defRPr sz="1800" kern="1200">
+          <a:solidFill>
+            <a:schemeClr val="tx1"/>
+          </a:solidFill>
+          <a:latin typeface="+mn-lt"/>
+          <a:ea typeface="+mn-ea"/>
+          <a:cs typeface="+mn-cs"/>
+        </a:defRPr>
+      </a:lvl2pPr>
+      <a:lvl3pPr marL="914400" algn="l" defTabSz="914400" rtl="0" eaLnBrk="1" latinLnBrk="0" hangingPunct="1">
+        <a:defRPr sz="1800" kern="1200">
+          <a:solidFill>
+            <a:schemeClr val="tx1"/>
+          </a:solidFill>
+          <a:latin typeface="+mn-lt"/>
+          <a:ea typeface="+mn-ea"/>
+          <a:cs typeface="+mn-cs"/>
+        </a:defRPr>
+      </a:lvl3pPr>
+      <a:lvl4pPr marL="1371600" algn="l" defTabSz="914400" rtl="0" eaLnBrk="1" latinLnBrk="0" hangingPunct="1">
+        <a:defRPr sz="1800" kern="1200">
+          <a:solidFill>
+            <a:schemeClr val="tx1"/>
+          </a:solidFill>
+          <a:latin typeface="+mn-lt"/>
+          <a:ea typeface="+mn-ea"/>
+          <a:cs typeface="+mn-cs"/>
+        </a:defRPr>
+      </a:lvl4pPr>
+      <a:lvl5pPr marL="1828800" algn="l" defTabSz="914400" rtl="0" eaLnBrk="1" latinLnBrk="0" hangingPunct="1">
+        <a:defRPr sz="1800" kern="1200">
+          <a:solidFill>
+            <a:schemeClr val="tx1"/>
+          </a:solidFill>
+          <a:latin typeface="+mn-lt"/>
+          <a:ea typeface="+mn-ea"/>
+          <a:cs typeface="+mn-cs"/>
+        </a:defRPr>
+      </a:lvl5pPr>
+      <a:lvl6pPr marL="2286000" algn="l" defTabSz="914400" rtl="0" eaLnBrk="1" latinLnBrk="0" hangingPunct="1">
+        <a:defRPr sz="1800" kern="1200">
+          <a:solidFill>
+            <a:schemeClr val="tx1"/>
+          </a:solidFill>
+          <a:latin typeface="+mn-lt"/>
+          <a:ea typeface="+mn-ea"/>
+          <a:cs typeface="+mn-cs"/>
+        </a:defRPr>
+      </a:lvl6pPr>
+      <a:lvl7pPr marL="2743200" algn="l" defTabSz="914400" rtl="0" eaLnBrk="1" latinLnBrk="0" hangingPunct="1">
+        <a:defRPr sz="1800" kern="1200">
+          <a:solidFill>
+            <a:schemeClr val="tx1"/>
+          </a:solidFill>
+          <a:latin typeface="+mn-lt"/>
+          <a:ea typeface="+mn-ea"/>
+          <a:cs typeface="+mn-cs"/>
+        </a:defRPr>
+      </a:lvl7pPr>
+      <a:lvl8pPr marL="3200400" algn="l" defTabSz="914400" rtl="0" eaLnBrk="1" latinLnBrk="0" hangingPunct="1">
+        <a:defRPr sz="1800" kern="1200">
+          <a:solidFill>
+            <a:schemeClr val="tx1"/>
+          </a:solidFill>
+          <a:latin typeface="+mn-lt"/>
+          <a:ea typeface="+mn-ea"/>
+          <a:cs typeface="+mn-cs"/>
+        </a:defRPr>
+      </a:lvl8pPr>
+      <a:lvl9pPr marL="3657600" algn="l" defTabSz="914400" rtl="0" eaLnBrk="1" latinLnBrk="0" hangingPunct="1">
+        <a:defRPr sz="1800" kern="1200">
+          <a:solidFill>
+            <a:schemeClr val="tx1"/>
+          </a:solidFill>
+          <a:latin typeface="+mn-lt"/>
+          <a:ea typeface="+mn-ea"/>
+          <a:cs typeface="+mn-cs"/>
+        </a:defRPr>
+      </a:lvl9pPr>
+    </p:otherStyle>
+  </p:txStyles>
 </p:sldMaster>
 </file>
 
 <file path=ppt/slides/slide1.xml><?xml version="1.0" encoding="utf-8"?>
-<p:sld xmlns:a="http://schemas.openxmlformats.org/drawingml/2006/main" xmlns:p="http://schemas.openxmlformats.org/presentationml/2006/main" xmlns:r="http://schemas.openxmlformats.org/officeDocument/2006/relationships" xmlns:p14="http://schemas.microsoft.com/office/powerpoint/2010/main" xmlns:p15="http://schemas.microsoft.com/office/powerpoint/2012/main" xmlns:mc="http://schemas.openxmlformats.org/markup-compatibility/2006">
+<p:sld xmlns:a="http://schemas.openxmlformats.org/drawingml/2006/main" xmlns:r="http://schemas.openxmlformats.org/officeDocument/2006/relationships" xmlns:p="http://schemas.openxmlformats.org/presentationml/2006/main">
   <p:cSld>
     <p:spTree>
       <p:nvGrpSpPr>
@@ -4529,323 +5311,7 @@
       </p:grpSpPr>
       <p:pic>
         <p:nvPicPr>
-          <p:cNvPr id="84" name="Grafik 5" descr=""/>
-          <p:cNvPicPr/>
-          <p:nvPr/>
-        </p:nvPicPr>
-        <p:blipFill>
-          <a:blip r:embed="rId1"/>
-          <a:stretch/>
-        </p:blipFill>
-        <p:spPr>
-          <a:xfrm>
-            <a:off x="2439000" y="5057640"/>
-            <a:ext cx="2542680" cy="1800000"/>
-          </a:xfrm>
-          <a:prstGeom prst="rect">
-            <a:avLst/>
-          </a:prstGeom>
-          <a:ln>
-            <a:noFill/>
-          </a:ln>
-        </p:spPr>
-      </p:pic>
-      <p:sp>
-        <p:nvSpPr>
-          <p:cNvPr id="85" name="TextShape 1"/>
-          <p:cNvSpPr txBox="1"/>
-          <p:nvPr/>
-        </p:nvSpPr>
-        <p:spPr>
-          <a:xfrm>
-            <a:off x="318960" y="1978560"/>
-            <a:ext cx="8508600" cy="1273680"/>
-          </a:xfrm>
-          <a:prstGeom prst="rect">
-            <a:avLst/>
-          </a:prstGeom>
-          <a:noFill/>
-          <a:ln w="9360">
-            <a:noFill/>
-          </a:ln>
-        </p:spPr>
-        <p:txBody>
-          <a:bodyPr lIns="0" rIns="0" tIns="0" bIns="0"/>
-          <a:p>
-            <a:pPr>
-              <a:lnSpc>
-                <a:spcPct val="150000"/>
-              </a:lnSpc>
-            </a:pPr>
-            <a:r>
-              <a:rPr b="0" lang="de-DE" sz="1600" spc="-1" strike="noStrike">
-                <a:solidFill>
-                  <a:srgbClr val="000000"/>
-                </a:solidFill>
-                <a:uFill>
-                  <a:solidFill>
-                    <a:srgbClr val="ffffff"/>
-                  </a:solidFill>
-                </a:uFill>
-                <a:latin typeface="Arial"/>
-              </a:rPr>
-              <a:t>Oztoprak, Oguz</a:t>
-            </a:r>
-            <a:endParaRPr b="0" lang="de-DE" sz="1600" spc="-1" strike="noStrike">
-              <a:solidFill>
-                <a:srgbClr val="000000"/>
-              </a:solidFill>
-              <a:uFill>
-                <a:solidFill>
-                  <a:srgbClr val="ffffff"/>
-                </a:solidFill>
-              </a:uFill>
-              <a:latin typeface="Arial"/>
-            </a:endParaRPr>
-          </a:p>
-          <a:p>
-            <a:pPr>
-              <a:lnSpc>
-                <a:spcPct val="150000"/>
-              </a:lnSpc>
-            </a:pPr>
-            <a:r>
-              <a:rPr b="0" lang="de-DE" sz="1600" spc="-1" strike="noStrike">
-                <a:solidFill>
-                  <a:srgbClr val="000000"/>
-                </a:solidFill>
-                <a:uFill>
-                  <a:solidFill>
-                    <a:srgbClr val="ffffff"/>
-                  </a:solidFill>
-                </a:uFill>
-                <a:latin typeface="Arial"/>
-              </a:rPr>
-              <a:t>Droll, Darwin</a:t>
-            </a:r>
-            <a:endParaRPr b="0" lang="de-DE" sz="1600" spc="-1" strike="noStrike">
-              <a:solidFill>
-                <a:srgbClr val="000000"/>
-              </a:solidFill>
-              <a:uFill>
-                <a:solidFill>
-                  <a:srgbClr val="ffffff"/>
-                </a:solidFill>
-              </a:uFill>
-              <a:latin typeface="Arial"/>
-            </a:endParaRPr>
-          </a:p>
-          <a:p>
-            <a:pPr>
-              <a:lnSpc>
-                <a:spcPct val="150000"/>
-              </a:lnSpc>
-            </a:pPr>
-            <a:r>
-              <a:rPr b="0" lang="de-DE" sz="1600" spc="-1" strike="noStrike">
-                <a:solidFill>
-                  <a:srgbClr val="000000"/>
-                </a:solidFill>
-                <a:uFill>
-                  <a:solidFill>
-                    <a:srgbClr val="ffffff"/>
-                  </a:solidFill>
-                </a:uFill>
-                <a:latin typeface="Arial"/>
-              </a:rPr>
-              <a:t>Technische Universität München</a:t>
-            </a:r>
-            <a:endParaRPr b="0" lang="de-DE" sz="1600" spc="-1" strike="noStrike">
-              <a:solidFill>
-                <a:srgbClr val="000000"/>
-              </a:solidFill>
-              <a:uFill>
-                <a:solidFill>
-                  <a:srgbClr val="ffffff"/>
-                </a:solidFill>
-              </a:uFill>
-              <a:latin typeface="Arial"/>
-            </a:endParaRPr>
-          </a:p>
-          <a:p>
-            <a:pPr>
-              <a:lnSpc>
-                <a:spcPct val="150000"/>
-              </a:lnSpc>
-            </a:pPr>
-            <a:r>
-              <a:rPr b="0" lang="de-DE" sz="1600" spc="-1" strike="noStrike">
-                <a:solidFill>
-                  <a:srgbClr val="000000"/>
-                </a:solidFill>
-                <a:uFill>
-                  <a:solidFill>
-                    <a:srgbClr val="ffffff"/>
-                  </a:solidFill>
-                </a:uFill>
-                <a:latin typeface="Arial"/>
-              </a:rPr>
-              <a:t>Faculty of Bau, Geo und Umwelt</a:t>
-            </a:r>
-            <a:endParaRPr b="0" lang="de-DE" sz="1600" spc="-1" strike="noStrike">
-              <a:solidFill>
-                <a:srgbClr val="000000"/>
-              </a:solidFill>
-              <a:uFill>
-                <a:solidFill>
-                  <a:srgbClr val="ffffff"/>
-                </a:solidFill>
-              </a:uFill>
-              <a:latin typeface="Arial"/>
-            </a:endParaRPr>
-          </a:p>
-          <a:p>
-            <a:pPr>
-              <a:lnSpc>
-                <a:spcPct val="150000"/>
-              </a:lnSpc>
-            </a:pPr>
-            <a:r>
-              <a:rPr b="0" lang="de-DE" sz="1600" spc="-1" strike="noStrike">
-                <a:solidFill>
-                  <a:srgbClr val="000000"/>
-                </a:solidFill>
-                <a:uFill>
-                  <a:solidFill>
-                    <a:srgbClr val="ffffff"/>
-                  </a:solidFill>
-                </a:uFill>
-                <a:latin typeface="Arial"/>
-              </a:rPr>
-              <a:t>Chair of Computation in Engineering</a:t>
-            </a:r>
-            <a:endParaRPr b="0" lang="de-DE" sz="1600" spc="-1" strike="noStrike">
-              <a:solidFill>
-                <a:srgbClr val="000000"/>
-              </a:solidFill>
-              <a:uFill>
-                <a:solidFill>
-                  <a:srgbClr val="ffffff"/>
-                </a:solidFill>
-              </a:uFill>
-              <a:latin typeface="Arial"/>
-            </a:endParaRPr>
-          </a:p>
-          <a:p>
-            <a:pPr>
-              <a:lnSpc>
-                <a:spcPct val="150000"/>
-              </a:lnSpc>
-            </a:pPr>
-            <a:r>
-              <a:rPr b="0" lang="de-DE" sz="1600" spc="-1" strike="noStrike">
-                <a:solidFill>
-                  <a:srgbClr val="000000"/>
-                </a:solidFill>
-                <a:uFill>
-                  <a:solidFill>
-                    <a:srgbClr val="ffffff"/>
-                  </a:solidFill>
-                </a:uFill>
-                <a:latin typeface="Arial"/>
-              </a:rPr>
-              <a:t>Munich, 25. May 2018</a:t>
-            </a:r>
-            <a:endParaRPr b="0" lang="de-DE" sz="1600" spc="-1" strike="noStrike">
-              <a:solidFill>
-                <a:srgbClr val="000000"/>
-              </a:solidFill>
-              <a:uFill>
-                <a:solidFill>
-                  <a:srgbClr val="ffffff"/>
-                </a:solidFill>
-              </a:uFill>
-              <a:latin typeface="Arial"/>
-            </a:endParaRPr>
-          </a:p>
-        </p:txBody>
-      </p:sp>
-      <p:sp>
-        <p:nvSpPr>
-          <p:cNvPr id="86" name="TextShape 2"/>
-          <p:cNvSpPr txBox="1"/>
-          <p:nvPr/>
-        </p:nvSpPr>
-        <p:spPr>
-          <a:xfrm>
-            <a:off x="318960" y="994320"/>
-            <a:ext cx="8508600" cy="410040"/>
-          </a:xfrm>
-          <a:prstGeom prst="rect">
-            <a:avLst/>
-          </a:prstGeom>
-          <a:noFill/>
-          <a:ln w="9360">
-            <a:noFill/>
-          </a:ln>
-        </p:spPr>
-        <p:txBody>
-          <a:bodyPr lIns="0" rIns="0" tIns="0" bIns="0"/>
-          <a:p>
-            <a:pPr>
-              <a:lnSpc>
-                <a:spcPts val="1129"/>
-              </a:lnSpc>
-            </a:pPr>
-            <a:r>
-              <a:rPr b="0" lang="de-DE" sz="3000" spc="-1" strike="noStrike">
-                <a:solidFill>
-                  <a:srgbClr val="000000"/>
-                </a:solidFill>
-                <a:uFill>
-                  <a:solidFill>
-                    <a:srgbClr val="ffffff"/>
-                  </a:solidFill>
-                </a:uFill>
-                <a:latin typeface="Arial"/>
-              </a:rPr>
-              <a:t>Python-based Paraview postprocessing</a:t>
-            </a:r>
-            <a:endParaRPr b="0" lang="de-DE" sz="2200" spc="-1" strike="noStrike">
-              <a:solidFill>
-                <a:srgbClr val="000000"/>
-              </a:solidFill>
-              <a:uFill>
-                <a:solidFill>
-                  <a:srgbClr val="ffffff"/>
-                </a:solidFill>
-              </a:uFill>
-              <a:latin typeface="Arial"/>
-            </a:endParaRPr>
-          </a:p>
-        </p:txBody>
-      </p:sp>
-      <p:pic>
-        <p:nvPicPr>
-          <p:cNvPr id="87" name="Grafik 1" descr=""/>
-          <p:cNvPicPr/>
-          <p:nvPr/>
-        </p:nvPicPr>
-        <p:blipFill>
-          <a:blip r:embed="rId2"/>
-          <a:stretch/>
-        </p:blipFill>
-        <p:spPr>
-          <a:xfrm>
-            <a:off x="3825720" y="4059360"/>
-            <a:ext cx="4171680" cy="1095120"/>
-          </a:xfrm>
-          <a:prstGeom prst="rect">
-            <a:avLst/>
-          </a:prstGeom>
-          <a:ln>
-            <a:noFill/>
-          </a:ln>
-        </p:spPr>
-      </p:pic>
-      <p:pic>
-        <p:nvPicPr>
-          <p:cNvPr id="88" name="Grafik 3" descr=""/>
+          <p:cNvPr id="84" name="Grafik 5"/>
           <p:cNvPicPr/>
           <p:nvPr/>
         </p:nvPicPr>
@@ -4855,8 +5321,8 @@
         </p:blipFill>
         <p:spPr>
           <a:xfrm>
-            <a:off x="4474800" y="5251680"/>
-            <a:ext cx="4181760" cy="1412280"/>
+            <a:off x="2439000" y="5057640"/>
+            <a:ext cx="2542680" cy="1800000"/>
           </a:xfrm>
           <a:prstGeom prst="rect">
             <a:avLst/>
@@ -4866,8 +5332,263 @@
           </a:ln>
         </p:spPr>
       </p:pic>
+      <p:sp>
+        <p:nvSpPr>
+          <p:cNvPr id="85" name="TextShape 1"/>
+          <p:cNvSpPr txBox="1"/>
+          <p:nvPr/>
+        </p:nvSpPr>
+        <p:spPr>
+          <a:xfrm>
+            <a:off x="318960" y="1978560"/>
+            <a:ext cx="8508600" cy="1273680"/>
+          </a:xfrm>
+          <a:prstGeom prst="rect">
+            <a:avLst/>
+          </a:prstGeom>
+          <a:noFill/>
+          <a:ln w="9360">
+            <a:noFill/>
+          </a:ln>
+        </p:spPr>
+        <p:txBody>
+          <a:bodyPr lIns="0" tIns="0" rIns="0" bIns="0"/>
+          <a:lstStyle/>
+          <a:p>
+            <a:pPr>
+              <a:lnSpc>
+                <a:spcPct val="150000"/>
+              </a:lnSpc>
+            </a:pPr>
+            <a:r>
+              <a:rPr lang="de-DE" sz="1600" b="0" strike="noStrike" spc="-1">
+                <a:solidFill>
+                  <a:srgbClr val="000000"/>
+                </a:solidFill>
+                <a:uFill>
+                  <a:solidFill>
+                    <a:srgbClr val="FFFFFF"/>
+                  </a:solidFill>
+                </a:uFill>
+                <a:latin typeface="Arial"/>
+              </a:rPr>
+              <a:t>Oztoprak, Oguz</a:t>
+            </a:r>
+          </a:p>
+          <a:p>
+            <a:pPr>
+              <a:lnSpc>
+                <a:spcPct val="150000"/>
+              </a:lnSpc>
+            </a:pPr>
+            <a:r>
+              <a:rPr lang="de-DE" sz="1600" b="0" strike="noStrike" spc="-1">
+                <a:solidFill>
+                  <a:srgbClr val="000000"/>
+                </a:solidFill>
+                <a:uFill>
+                  <a:solidFill>
+                    <a:srgbClr val="FFFFFF"/>
+                  </a:solidFill>
+                </a:uFill>
+                <a:latin typeface="Arial"/>
+              </a:rPr>
+              <a:t>Droll, Darwin</a:t>
+            </a:r>
+          </a:p>
+          <a:p>
+            <a:pPr>
+              <a:lnSpc>
+                <a:spcPct val="150000"/>
+              </a:lnSpc>
+            </a:pPr>
+            <a:r>
+              <a:rPr lang="de-DE" sz="1600" b="0" strike="noStrike" spc="-1">
+                <a:solidFill>
+                  <a:srgbClr val="000000"/>
+                </a:solidFill>
+                <a:uFill>
+                  <a:solidFill>
+                    <a:srgbClr val="FFFFFF"/>
+                  </a:solidFill>
+                </a:uFill>
+                <a:latin typeface="Arial"/>
+              </a:rPr>
+              <a:t>Technische Universität München</a:t>
+            </a:r>
+          </a:p>
+          <a:p>
+            <a:pPr>
+              <a:lnSpc>
+                <a:spcPct val="150000"/>
+              </a:lnSpc>
+            </a:pPr>
+            <a:r>
+              <a:rPr lang="de-DE" sz="1600" b="0" strike="noStrike" spc="-1">
+                <a:solidFill>
+                  <a:srgbClr val="000000"/>
+                </a:solidFill>
+                <a:uFill>
+                  <a:solidFill>
+                    <a:srgbClr val="FFFFFF"/>
+                  </a:solidFill>
+                </a:uFill>
+                <a:latin typeface="Arial"/>
+              </a:rPr>
+              <a:t>Faculty of Bau, Geo und Umwelt</a:t>
+            </a:r>
+          </a:p>
+          <a:p>
+            <a:pPr>
+              <a:lnSpc>
+                <a:spcPct val="150000"/>
+              </a:lnSpc>
+            </a:pPr>
+            <a:r>
+              <a:rPr lang="de-DE" sz="1600" b="0" strike="noStrike" spc="-1">
+                <a:solidFill>
+                  <a:srgbClr val="000000"/>
+                </a:solidFill>
+                <a:uFill>
+                  <a:solidFill>
+                    <a:srgbClr val="FFFFFF"/>
+                  </a:solidFill>
+                </a:uFill>
+                <a:latin typeface="Arial"/>
+              </a:rPr>
+              <a:t>Chair of Computation in Engineering</a:t>
+            </a:r>
+          </a:p>
+          <a:p>
+            <a:pPr>
+              <a:lnSpc>
+                <a:spcPct val="150000"/>
+              </a:lnSpc>
+            </a:pPr>
+            <a:r>
+              <a:rPr lang="de-DE" sz="1600" b="0" strike="noStrike" spc="-1">
+                <a:solidFill>
+                  <a:srgbClr val="000000"/>
+                </a:solidFill>
+                <a:uFill>
+                  <a:solidFill>
+                    <a:srgbClr val="FFFFFF"/>
+                  </a:solidFill>
+                </a:uFill>
+                <a:latin typeface="Arial"/>
+              </a:rPr>
+              <a:t>Munich, 25. May 2018</a:t>
+            </a:r>
+          </a:p>
+        </p:txBody>
+      </p:sp>
+      <p:sp>
+        <p:nvSpPr>
+          <p:cNvPr id="86" name="TextShape 2"/>
+          <p:cNvSpPr txBox="1"/>
+          <p:nvPr/>
+        </p:nvSpPr>
+        <p:spPr>
+          <a:xfrm>
+            <a:off x="318960" y="994320"/>
+            <a:ext cx="8508600" cy="410040"/>
+          </a:xfrm>
+          <a:prstGeom prst="rect">
+            <a:avLst/>
+          </a:prstGeom>
+          <a:noFill/>
+          <a:ln w="9360">
+            <a:noFill/>
+          </a:ln>
+        </p:spPr>
+        <p:txBody>
+          <a:bodyPr lIns="0" tIns="0" rIns="0" bIns="0"/>
+          <a:lstStyle/>
+          <a:p>
+            <a:pPr>
+              <a:lnSpc>
+                <a:spcPts val="1129"/>
+              </a:lnSpc>
+            </a:pPr>
+            <a:r>
+              <a:rPr lang="de-DE" sz="3000" b="0" strike="noStrike" spc="-1">
+                <a:solidFill>
+                  <a:srgbClr val="000000"/>
+                </a:solidFill>
+                <a:uFill>
+                  <a:solidFill>
+                    <a:srgbClr val="FFFFFF"/>
+                  </a:solidFill>
+                </a:uFill>
+                <a:latin typeface="Arial"/>
+              </a:rPr>
+              <a:t>Python-based Paraview postprocessing</a:t>
+            </a:r>
+            <a:endParaRPr lang="de-DE" sz="2200" b="0" strike="noStrike" spc="-1">
+              <a:solidFill>
+                <a:srgbClr val="000000"/>
+              </a:solidFill>
+              <a:uFill>
+                <a:solidFill>
+                  <a:srgbClr val="FFFFFF"/>
+                </a:solidFill>
+              </a:uFill>
+              <a:latin typeface="Arial"/>
+            </a:endParaRPr>
+          </a:p>
+        </p:txBody>
+      </p:sp>
+      <p:pic>
+        <p:nvPicPr>
+          <p:cNvPr id="87" name="Grafik 1"/>
+          <p:cNvPicPr/>
+          <p:nvPr/>
+        </p:nvPicPr>
+        <p:blipFill>
+          <a:blip r:embed="rId4"/>
+          <a:stretch/>
+        </p:blipFill>
+        <p:spPr>
+          <a:xfrm>
+            <a:off x="3825720" y="4059360"/>
+            <a:ext cx="4171680" cy="1095120"/>
+          </a:xfrm>
+          <a:prstGeom prst="rect">
+            <a:avLst/>
+          </a:prstGeom>
+          <a:ln>
+            <a:noFill/>
+          </a:ln>
+        </p:spPr>
+      </p:pic>
+      <p:pic>
+        <p:nvPicPr>
+          <p:cNvPr id="88" name="Grafik 3"/>
+          <p:cNvPicPr/>
+          <p:nvPr/>
+        </p:nvPicPr>
+        <p:blipFill>
+          <a:blip r:embed="rId5"/>
+          <a:stretch/>
+        </p:blipFill>
+        <p:spPr>
+          <a:xfrm>
+            <a:off x="4474800" y="5251680"/>
+            <a:ext cx="4181760" cy="1412280"/>
+          </a:xfrm>
+          <a:prstGeom prst="rect">
+            <a:avLst/>
+          </a:prstGeom>
+          <a:ln>
+            <a:noFill/>
+          </a:ln>
+        </p:spPr>
+      </p:pic>
     </p:spTree>
   </p:cSld>
+  <p:clrMapOvr>
+    <a:masterClrMapping/>
+  </p:clrMapOvr>
   <p:timing>
     <p:tnLst>
       <p:par>
@@ -4876,14 +5597,14 @@
             <p:seq>
               <p:cTn id="2" nodeType="mainSeq"/>
               <p:prevCondLst>
-                <p:cond delay="0" evt="onPrev">
+                <p:cond evt="onPrev" delay="0">
                   <p:tgtEl>
                     <p:sldTgt/>
                   </p:tgtEl>
                 </p:cond>
               </p:prevCondLst>
               <p:nextCondLst>
-                <p:cond delay="0" evt="onNext">
+                <p:cond evt="onNext" delay="0">
                   <p:tgtEl>
                     <p:sldTgt/>
                   </p:tgtEl>
@@ -4899,7 +5620,7 @@
 </file>
 
 <file path=ppt/slides/slide2.xml><?xml version="1.0" encoding="utf-8"?>
-<p:sld xmlns:a="http://schemas.openxmlformats.org/drawingml/2006/main" xmlns:p="http://schemas.openxmlformats.org/presentationml/2006/main" xmlns:r="http://schemas.openxmlformats.org/officeDocument/2006/relationships" xmlns:p14="http://schemas.microsoft.com/office/powerpoint/2010/main" xmlns:p15="http://schemas.microsoft.com/office/powerpoint/2012/main" xmlns:mc="http://schemas.openxmlformats.org/markup-compatibility/2006">
+<p:sld xmlns:a="http://schemas.openxmlformats.org/drawingml/2006/main" xmlns:r="http://schemas.openxmlformats.org/officeDocument/2006/relationships" xmlns:p="http://schemas.openxmlformats.org/presentationml/2006/main">
   <p:cSld>
     <p:spTree>
       <p:nvGrpSpPr>
@@ -4935,7 +5656,8 @@
           </a:ln>
         </p:spPr>
         <p:txBody>
-          <a:bodyPr lIns="0" rIns="0" tIns="0" bIns="0"/>
+          <a:bodyPr lIns="0" tIns="0" rIns="0" bIns="0"/>
+          <a:lstStyle/>
           <a:p>
             <a:pPr marL="285840" indent="-285480">
               <a:lnSpc>
@@ -4948,26 +5670,26 @@
               <a:buChar char=""/>
             </a:pPr>
             <a:r>
-              <a:rPr b="0" lang="de-DE" sz="2400" spc="-1" strike="noStrike">
+              <a:rPr lang="de-DE" sz="2400" b="0" strike="noStrike" spc="-1" dirty="0" err="1">
                 <a:solidFill>
                   <a:srgbClr val="000000"/>
                 </a:solidFill>
                 <a:uFill>
                   <a:solidFill>
-                    <a:srgbClr val="ffffff"/>
+                    <a:srgbClr val="FFFFFF"/>
                   </a:solidFill>
                 </a:uFill>
                 <a:latin typeface="Arial"/>
               </a:rPr>
               <a:t>Introduction</a:t>
             </a:r>
-            <a:endParaRPr b="0" lang="de-DE" sz="1600" spc="-1" strike="noStrike">
-              <a:solidFill>
-                <a:srgbClr val="000000"/>
-              </a:solidFill>
-              <a:uFill>
-                <a:solidFill>
-                  <a:srgbClr val="ffffff"/>
+            <a:endParaRPr lang="de-DE" sz="1600" b="0" strike="noStrike" spc="-1" dirty="0">
+              <a:solidFill>
+                <a:srgbClr val="000000"/>
+              </a:solidFill>
+              <a:uFill>
+                <a:solidFill>
+                  <a:srgbClr val="FFFFFF"/>
                 </a:solidFill>
               </a:uFill>
               <a:latin typeface="Arial"/>
@@ -4985,26 +5707,26 @@
               <a:buChar char=""/>
             </a:pPr>
             <a:r>
-              <a:rPr b="0" lang="de-DE" sz="2400" spc="-1" strike="noStrike">
+              <a:rPr lang="de-DE" sz="2400" b="0" strike="noStrike" spc="-1" dirty="0" err="1">
                 <a:solidFill>
                   <a:srgbClr val="000000"/>
                 </a:solidFill>
                 <a:uFill>
                   <a:solidFill>
-                    <a:srgbClr val="ffffff"/>
+                    <a:srgbClr val="FFFFFF"/>
                   </a:solidFill>
                 </a:uFill>
                 <a:latin typeface="Arial"/>
               </a:rPr>
               <a:t>Postprocessing</a:t>
             </a:r>
-            <a:endParaRPr b="0" lang="de-DE" sz="1600" spc="-1" strike="noStrike">
-              <a:solidFill>
-                <a:srgbClr val="000000"/>
-              </a:solidFill>
-              <a:uFill>
-                <a:solidFill>
-                  <a:srgbClr val="ffffff"/>
+            <a:endParaRPr lang="de-DE" sz="2400" b="0" strike="noStrike" spc="-1" dirty="0">
+              <a:solidFill>
+                <a:srgbClr val="000000"/>
+              </a:solidFill>
+              <a:uFill>
+                <a:solidFill>
+                  <a:srgbClr val="FFFFFF"/>
                 </a:solidFill>
               </a:uFill>
               <a:latin typeface="Arial"/>
@@ -5022,26 +5744,63 @@
               <a:buChar char=""/>
             </a:pPr>
             <a:r>
-              <a:rPr b="0" lang="de-DE" sz="2400" spc="-1" strike="noStrike">
+              <a:rPr lang="de-DE" sz="2400" spc="-1" dirty="0" err="1">
                 <a:solidFill>
                   <a:srgbClr val="000000"/>
                 </a:solidFill>
                 <a:uFill>
                   <a:solidFill>
-                    <a:srgbClr val="ffffff"/>
+                    <a:srgbClr val="FFFFFF"/>
+                  </a:solidFill>
+                </a:uFill>
+                <a:latin typeface="Arial"/>
+              </a:rPr>
+              <a:t>Paraview</a:t>
+            </a:r>
+            <a:endParaRPr lang="de-DE" sz="1600" b="0" strike="noStrike" spc="-1" dirty="0">
+              <a:solidFill>
+                <a:srgbClr val="000000"/>
+              </a:solidFill>
+              <a:uFill>
+                <a:solidFill>
+                  <a:srgbClr val="FFFFFF"/>
+                </a:solidFill>
+              </a:uFill>
+              <a:latin typeface="Arial"/>
+            </a:endParaRPr>
+          </a:p>
+          <a:p>
+            <a:pPr marL="285840" indent="-285480">
+              <a:lnSpc>
+                <a:spcPct val="100000"/>
+              </a:lnSpc>
+              <a:buClr>
+                <a:srgbClr val="000000"/>
+              </a:buClr>
+              <a:buFont typeface="Wingdings" charset="2"/>
+              <a:buChar char=""/>
+            </a:pPr>
+            <a:r>
+              <a:rPr lang="de-DE" sz="2400" b="0" strike="noStrike" spc="-1" dirty="0">
+                <a:solidFill>
+                  <a:srgbClr val="000000"/>
+                </a:solidFill>
+                <a:uFill>
+                  <a:solidFill>
+                    <a:srgbClr val="FFFFFF"/>
                   </a:solidFill>
                 </a:uFill>
                 <a:latin typeface="Arial"/>
               </a:rPr>
               <a:t>Features</a:t>
             </a:r>
-            <a:endParaRPr b="0" lang="de-DE" sz="1600" spc="-1" strike="noStrike">
-              <a:solidFill>
-                <a:srgbClr val="000000"/>
-              </a:solidFill>
-              <a:uFill>
-                <a:solidFill>
-                  <a:srgbClr val="ffffff"/>
+            <a:endParaRPr lang="de-DE" sz="1600" b="0" strike="noStrike" spc="-1" dirty="0">
+              <a:solidFill>
+                <a:srgbClr val="000000"/>
+              </a:solidFill>
+              <a:uFill>
+                <a:solidFill>
+                  <a:srgbClr val="FFFFFF"/>
                 </a:solidFill>
               </a:uFill>
               <a:latin typeface="Arial"/>
@@ -5059,283 +5818,156 @@
               <a:buChar char=""/>
             </a:pPr>
             <a:r>
-              <a:rPr b="0" lang="de-DE" sz="2400" spc="-1" strike="noStrike">
+              <a:rPr lang="de-DE" sz="2400" b="0" strike="noStrike" spc="-1" dirty="0">
                 <a:solidFill>
                   <a:srgbClr val="000000"/>
                 </a:solidFill>
                 <a:uFill>
                   <a:solidFill>
-                    <a:srgbClr val="ffffff"/>
+                    <a:srgbClr val="FFFFFF"/>
                   </a:solidFill>
                 </a:uFill>
                 <a:latin typeface="Arial"/>
               </a:rPr>
               <a:t>Timeline</a:t>
             </a:r>
-            <a:endParaRPr b="0" lang="de-DE" sz="1600" spc="-1" strike="noStrike">
-              <a:solidFill>
-                <a:srgbClr val="000000"/>
-              </a:solidFill>
-              <a:uFill>
-                <a:solidFill>
-                  <a:srgbClr val="ffffff"/>
-                </a:solidFill>
-              </a:uFill>
-              <a:latin typeface="Arial"/>
-            </a:endParaRPr>
-          </a:p>
-          <a:p>
-            <a:pPr marL="285840" indent="-285480">
+            <a:endParaRPr lang="de-DE" sz="1600" b="0" strike="noStrike" spc="-1" dirty="0">
+              <a:solidFill>
+                <a:srgbClr val="000000"/>
+              </a:solidFill>
+              <a:uFill>
+                <a:solidFill>
+                  <a:srgbClr val="FFFFFF"/>
+                </a:solidFill>
+              </a:uFill>
+              <a:latin typeface="Arial"/>
+            </a:endParaRPr>
+          </a:p>
+          <a:p>
+            <a:pPr>
+              <a:lnSpc>
+                <a:spcPct val="114000"/>
+              </a:lnSpc>
+            </a:pPr>
+            <a:endParaRPr lang="de-DE" sz="1600" b="0" strike="noStrike" spc="-1" dirty="0">
+              <a:solidFill>
+                <a:srgbClr val="000000"/>
+              </a:solidFill>
+              <a:uFill>
+                <a:solidFill>
+                  <a:srgbClr val="FFFFFF"/>
+                </a:solidFill>
+              </a:uFill>
+              <a:latin typeface="Arial"/>
+            </a:endParaRPr>
+          </a:p>
+        </p:txBody>
+      </p:sp>
+      <p:sp>
+        <p:nvSpPr>
+          <p:cNvPr id="90" name="TextShape 2"/>
+          <p:cNvSpPr txBox="1"/>
+          <p:nvPr/>
+        </p:nvSpPr>
+        <p:spPr>
+          <a:xfrm>
+            <a:off x="6774840" y="6473160"/>
+            <a:ext cx="2051640" cy="364680"/>
+          </a:xfrm>
+          <a:prstGeom prst="rect">
+            <a:avLst/>
+          </a:prstGeom>
+          <a:noFill/>
+          <a:ln>
+            <a:noFill/>
+          </a:ln>
+        </p:spPr>
+        <p:txBody>
+          <a:bodyPr lIns="0" rIns="0" anchor="ctr"/>
+          <a:lstStyle/>
+          <a:p>
+            <a:pPr algn="r">
               <a:lnSpc>
                 <a:spcPct val="100000"/>
               </a:lnSpc>
-              <a:buClr>
-                <a:srgbClr val="000000"/>
-              </a:buClr>
-              <a:buFont typeface="Wingdings" charset="2"/>
-              <a:buChar char=""/>
-            </a:pPr>
-            <a:r>
-              <a:rPr b="0" lang="de-DE" sz="2400" spc="-1" strike="noStrike">
+            </a:pPr>
+            <a:fld id="{4F831EE4-46AE-4713-AD1F-E57479484FF3}" type="slidenum">
+              <a:rPr lang="de-DE" sz="1200" b="0" strike="noStrike" spc="-1">
                 <a:solidFill>
                   <a:srgbClr val="000000"/>
                 </a:solidFill>
                 <a:uFill>
                   <a:solidFill>
-                    <a:srgbClr val="ffffff"/>
+                    <a:srgbClr val="FFFFFF"/>
                   </a:solidFill>
                 </a:uFill>
                 <a:latin typeface="Arial"/>
               </a:rPr>
-              <a:t>Strategy</a:t>
-            </a:r>
-            <a:endParaRPr b="0" lang="de-DE" sz="1600" spc="-1" strike="noStrike">
-              <a:solidFill>
-                <a:srgbClr val="000000"/>
-              </a:solidFill>
-              <a:uFill>
-                <a:solidFill>
-                  <a:srgbClr val="ffffff"/>
-                </a:solidFill>
-              </a:uFill>
-              <a:latin typeface="Arial"/>
-            </a:endParaRPr>
-          </a:p>
-          <a:p>
-            <a:pPr marL="285840" indent="-285480">
-              <a:lnSpc>
-                <a:spcPct val="100000"/>
-              </a:lnSpc>
-              <a:buClr>
-                <a:srgbClr val="000000"/>
-              </a:buClr>
-              <a:buFont typeface="Wingdings" charset="2"/>
-              <a:buChar char=""/>
-            </a:pPr>
-            <a:r>
-              <a:rPr b="0" lang="de-DE" sz="2400" spc="-1" strike="noStrike">
-                <a:solidFill>
-                  <a:srgbClr val="000000"/>
-                </a:solidFill>
-                <a:uFill>
-                  <a:solidFill>
-                    <a:srgbClr val="ffffff"/>
-                  </a:solidFill>
-                </a:uFill>
-                <a:latin typeface="Arial"/>
-              </a:rPr>
-              <a:t>Present state</a:t>
-            </a:r>
-            <a:endParaRPr b="0" lang="de-DE" sz="1600" spc="-1" strike="noStrike">
-              <a:solidFill>
-                <a:srgbClr val="000000"/>
-              </a:solidFill>
-              <a:uFill>
-                <a:solidFill>
-                  <a:srgbClr val="ffffff"/>
-                </a:solidFill>
-              </a:uFill>
-              <a:latin typeface="Arial"/>
-            </a:endParaRPr>
-          </a:p>
-          <a:p>
-            <a:pPr marL="285840" indent="-285480">
-              <a:lnSpc>
-                <a:spcPct val="100000"/>
-              </a:lnSpc>
-              <a:buClr>
-                <a:srgbClr val="000000"/>
-              </a:buClr>
-              <a:buFont typeface="Wingdings" charset="2"/>
-              <a:buChar char=""/>
-            </a:pPr>
-            <a:r>
-              <a:rPr b="0" lang="de-DE" sz="2400" spc="-1" strike="noStrike">
-                <a:solidFill>
-                  <a:srgbClr val="000000"/>
-                </a:solidFill>
-                <a:uFill>
-                  <a:solidFill>
-                    <a:srgbClr val="ffffff"/>
-                  </a:solidFill>
-                </a:uFill>
-                <a:latin typeface="Arial"/>
-              </a:rPr>
-              <a:t>Conclusion</a:t>
-            </a:r>
-            <a:endParaRPr b="0" lang="de-DE" sz="1600" spc="-1" strike="noStrike">
-              <a:solidFill>
-                <a:srgbClr val="000000"/>
-              </a:solidFill>
-              <a:uFill>
-                <a:solidFill>
-                  <a:srgbClr val="ffffff"/>
-                </a:solidFill>
-              </a:uFill>
-              <a:latin typeface="Arial"/>
-            </a:endParaRPr>
-          </a:p>
+              <a:t>2</a:t>
+            </a:fld>
+            <a:endParaRPr lang="de-DE" sz="1200" b="0" strike="noStrike" spc="-1">
+              <a:solidFill>
+                <a:srgbClr val="000000"/>
+              </a:solidFill>
+              <a:uFill>
+                <a:solidFill>
+                  <a:srgbClr val="FFFFFF"/>
+                </a:solidFill>
+              </a:uFill>
+              <a:latin typeface="Times New Roman"/>
+            </a:endParaRPr>
+          </a:p>
+        </p:txBody>
+      </p:sp>
+      <p:sp>
+        <p:nvSpPr>
+          <p:cNvPr id="91" name="TextShape 3"/>
+          <p:cNvSpPr txBox="1"/>
+          <p:nvPr/>
+        </p:nvSpPr>
+        <p:spPr>
+          <a:xfrm>
+            <a:off x="311040" y="6473160"/>
+            <a:ext cx="6463800" cy="364680"/>
+          </a:xfrm>
+          <a:prstGeom prst="rect">
+            <a:avLst/>
+          </a:prstGeom>
+          <a:noFill/>
+          <a:ln>
+            <a:noFill/>
+          </a:ln>
+        </p:spPr>
+        <p:txBody>
+          <a:bodyPr lIns="0" rIns="0" anchor="ctr"/>
+          <a:lstStyle/>
           <a:p>
             <a:pPr>
               <a:lnSpc>
                 <a:spcPct val="100000"/>
               </a:lnSpc>
             </a:pPr>
-            <a:endParaRPr b="0" lang="de-DE" sz="1600" spc="-1" strike="noStrike">
-              <a:solidFill>
-                <a:srgbClr val="000000"/>
-              </a:solidFill>
-              <a:uFill>
-                <a:solidFill>
-                  <a:srgbClr val="ffffff"/>
-                </a:solidFill>
-              </a:uFill>
-              <a:latin typeface="Arial"/>
-            </a:endParaRPr>
-          </a:p>
-          <a:p>
-            <a:pPr>
-              <a:lnSpc>
-                <a:spcPct val="114000"/>
-              </a:lnSpc>
-            </a:pPr>
-            <a:endParaRPr b="0" lang="de-DE" sz="1600" spc="-1" strike="noStrike">
-              <a:solidFill>
-                <a:srgbClr val="000000"/>
-              </a:solidFill>
-              <a:uFill>
-                <a:solidFill>
-                  <a:srgbClr val="ffffff"/>
-                </a:solidFill>
-              </a:uFill>
-              <a:latin typeface="Arial"/>
-            </a:endParaRPr>
-          </a:p>
-        </p:txBody>
-      </p:sp>
-      <p:sp>
-        <p:nvSpPr>
-          <p:cNvPr id="90" name="TextShape 2"/>
-          <p:cNvSpPr txBox="1"/>
-          <p:nvPr/>
-        </p:nvSpPr>
-        <p:spPr>
-          <a:xfrm>
-            <a:off x="6774840" y="6473160"/>
-            <a:ext cx="2051640" cy="364680"/>
-          </a:xfrm>
-          <a:prstGeom prst="rect">
-            <a:avLst/>
-          </a:prstGeom>
-          <a:noFill/>
-          <a:ln>
-            <a:noFill/>
-          </a:ln>
-        </p:spPr>
-        <p:txBody>
-          <a:bodyPr lIns="0" rIns="0" anchor="ctr"/>
-          <a:p>
-            <a:pPr algn="r">
-              <a:lnSpc>
-                <a:spcPct val="100000"/>
-              </a:lnSpc>
-            </a:pPr>
-            <a:fld id="{4F831EE4-46AE-4713-AD1F-E57479484FF3}" type="slidenum">
-              <a:rPr b="0" lang="de-DE" sz="1200" spc="-1" strike="noStrike">
+            <a:r>
+              <a:rPr lang="de-DE" sz="1200" b="0" strike="noStrike" spc="-1">
                 <a:solidFill>
                   <a:srgbClr val="000000"/>
                 </a:solidFill>
                 <a:uFill>
                   <a:solidFill>
-                    <a:srgbClr val="ffffff"/>
-                  </a:solidFill>
-                </a:uFill>
-                <a:latin typeface="Arial"/>
-              </a:rPr>
-              <a:t>1</a:t>
-            </a:fld>
-            <a:endParaRPr b="0" lang="de-DE" sz="1200" spc="-1" strike="noStrike">
-              <a:solidFill>
-                <a:srgbClr val="000000"/>
-              </a:solidFill>
-              <a:uFill>
-                <a:solidFill>
-                  <a:srgbClr val="ffffff"/>
-                </a:solidFill>
-              </a:uFill>
-              <a:latin typeface="Times New Roman"/>
-            </a:endParaRPr>
-          </a:p>
-        </p:txBody>
-      </p:sp>
-      <p:sp>
-        <p:nvSpPr>
-          <p:cNvPr id="91" name="TextShape 3"/>
-          <p:cNvSpPr txBox="1"/>
-          <p:nvPr/>
-        </p:nvSpPr>
-        <p:spPr>
-          <a:xfrm>
-            <a:off x="311040" y="6473160"/>
-            <a:ext cx="6463800" cy="364680"/>
-          </a:xfrm>
-          <a:prstGeom prst="rect">
-            <a:avLst/>
-          </a:prstGeom>
-          <a:noFill/>
-          <a:ln>
-            <a:noFill/>
-          </a:ln>
-        </p:spPr>
-        <p:txBody>
-          <a:bodyPr lIns="0" rIns="0" anchor="ctr"/>
-          <a:p>
-            <a:pPr>
-              <a:lnSpc>
-                <a:spcPct val="100000"/>
-              </a:lnSpc>
-            </a:pPr>
-            <a:r>
-              <a:rPr b="0" lang="de-DE" sz="1200" spc="-1" strike="noStrike">
-                <a:solidFill>
-                  <a:srgbClr val="000000"/>
-                </a:solidFill>
-                <a:uFill>
-                  <a:solidFill>
-                    <a:srgbClr val="ffffff"/>
+                    <a:srgbClr val="FFFFFF"/>
                   </a:solidFill>
                 </a:uFill>
                 <a:latin typeface="Arial"/>
               </a:rPr>
               <a:t>Oztoprak, Oguz (TUM) | Droll, Darwin (TUM) | Python-based Paraview postprocessing</a:t>
             </a:r>
-            <a:endParaRPr b="0" lang="de-DE" sz="1200" spc="-1" strike="noStrike">
-              <a:solidFill>
-                <a:srgbClr val="000000"/>
-              </a:solidFill>
-              <a:uFill>
-                <a:solidFill>
-                  <a:srgbClr val="ffffff"/>
+            <a:endParaRPr lang="de-DE" sz="1200" b="0" strike="noStrike" spc="-1">
+              <a:solidFill>
+                <a:srgbClr val="000000"/>
+              </a:solidFill>
+              <a:uFill>
+                <a:solidFill>
+                  <a:srgbClr val="FFFFFF"/>
                 </a:solidFill>
               </a:uFill>
               <a:latin typeface="Times New Roman"/>
@@ -5363,7 +5995,8 @@
           </a:ln>
         </p:spPr>
         <p:txBody>
-          <a:bodyPr lIns="0" rIns="0" tIns="0" bIns="0"/>
+          <a:bodyPr lIns="0" tIns="0" rIns="0" bIns="0"/>
+          <a:lstStyle/>
           <a:p>
             <a:pPr>
               <a:lnSpc>
@@ -5371,26 +6004,26 @@
               </a:lnSpc>
             </a:pPr>
             <a:r>
-              <a:rPr b="0" lang="de-DE" sz="3000" spc="-1" strike="noStrike">
+              <a:rPr lang="de-DE" sz="3000" b="0" strike="noStrike" spc="-1">
                 <a:solidFill>
                   <a:srgbClr val="000000"/>
                 </a:solidFill>
                 <a:uFill>
                   <a:solidFill>
-                    <a:srgbClr val="ffffff"/>
+                    <a:srgbClr val="FFFFFF"/>
                   </a:solidFill>
                 </a:uFill>
                 <a:latin typeface="Arial"/>
               </a:rPr>
               <a:t>Outline</a:t>
             </a:r>
-            <a:endParaRPr b="0" lang="de-DE" sz="2200" spc="-1" strike="noStrike">
-              <a:solidFill>
-                <a:srgbClr val="000000"/>
-              </a:solidFill>
-              <a:uFill>
-                <a:solidFill>
-                  <a:srgbClr val="ffffff"/>
+            <a:endParaRPr lang="de-DE" sz="2200" b="0" strike="noStrike" spc="-1">
+              <a:solidFill>
+                <a:srgbClr val="000000"/>
+              </a:solidFill>
+              <a:uFill>
+                <a:solidFill>
+                  <a:srgbClr val="FFFFFF"/>
                 </a:solidFill>
               </a:uFill>
               <a:latin typeface="Arial"/>
@@ -5400,22 +6033,25 @@
       </p:sp>
     </p:spTree>
   </p:cSld>
+  <p:clrMapOvr>
+    <a:masterClrMapping/>
+  </p:clrMapOvr>
   <p:timing>
     <p:tnLst>
       <p:par>
-        <p:cTn id="3" dur="indefinite" restart="never" nodeType="tmRoot">
+        <p:cTn id="1" dur="indefinite" restart="never" nodeType="tmRoot">
           <p:childTnLst>
             <p:seq>
-              <p:cTn id="4" nodeType="mainSeq"/>
+              <p:cTn id="2" nodeType="mainSeq"/>
               <p:prevCondLst>
-                <p:cond delay="0" evt="onPrev">
+                <p:cond evt="onPrev" delay="0">
                   <p:tgtEl>
                     <p:sldTgt/>
                   </p:tgtEl>
                 </p:cond>
               </p:prevCondLst>
               <p:nextCondLst>
-                <p:cond delay="0" evt="onNext">
+                <p:cond evt="onNext" delay="0">
                   <p:tgtEl>
                     <p:sldTgt/>
                   </p:tgtEl>
@@ -5431,7 +6067,7 @@
 </file>
 
 <file path=ppt/slides/slide3.xml><?xml version="1.0" encoding="utf-8"?>
-<p:sld xmlns:a="http://schemas.openxmlformats.org/drawingml/2006/main" xmlns:p="http://schemas.openxmlformats.org/presentationml/2006/main" xmlns:r="http://schemas.openxmlformats.org/officeDocument/2006/relationships" xmlns:p14="http://schemas.microsoft.com/office/powerpoint/2010/main" xmlns:p15="http://schemas.microsoft.com/office/powerpoint/2012/main" xmlns:mc="http://schemas.openxmlformats.org/markup-compatibility/2006">
+<p:sld xmlns:a="http://schemas.openxmlformats.org/drawingml/2006/main" xmlns:r="http://schemas.openxmlformats.org/officeDocument/2006/relationships" xmlns:p="http://schemas.openxmlformats.org/presentationml/2006/main">
   <p:cSld>
     <p:spTree>
       <p:nvGrpSpPr>
@@ -5449,7 +6085,7 @@
       </p:grpSpPr>
       <p:sp>
         <p:nvSpPr>
-          <p:cNvPr id="93" name="TextShape 1"/>
+          <p:cNvPr id="89" name="TextShape 1"/>
           <p:cNvSpPr txBox="1"/>
           <p:nvPr/>
         </p:nvSpPr>
@@ -5467,205 +6103,217 @@
           </a:ln>
         </p:spPr>
         <p:txBody>
-          <a:bodyPr lIns="0" rIns="0" tIns="0" bIns="0"/>
+          <a:bodyPr lIns="0" tIns="0" rIns="0" bIns="0"/>
+          <a:lstStyle/>
+          <a:p>
+            <a:pPr marL="360">
+              <a:lnSpc>
+                <a:spcPct val="100000"/>
+              </a:lnSpc>
+              <a:buClr>
+                <a:srgbClr val="000000"/>
+              </a:buClr>
+            </a:pPr>
+            <a:r>
+              <a:rPr lang="de-DE" sz="2400" b="0" strike="noStrike" spc="-1" dirty="0">
+                <a:solidFill>
+                  <a:srgbClr val="000000"/>
+                </a:solidFill>
+                <a:uFill>
+                  <a:solidFill>
+                    <a:srgbClr val="FFFFFF"/>
+                  </a:solidFill>
+                </a:uFill>
+                <a:latin typeface="Arial"/>
+              </a:rPr>
+              <a:t>Summary </a:t>
+            </a:r>
+            <a:r>
+              <a:rPr lang="de-DE" sz="2400" b="0" strike="noStrike" spc="-1" dirty="0" err="1">
+                <a:solidFill>
+                  <a:srgbClr val="000000"/>
+                </a:solidFill>
+                <a:uFill>
+                  <a:solidFill>
+                    <a:srgbClr val="FFFFFF"/>
+                  </a:solidFill>
+                </a:uFill>
+                <a:latin typeface="Arial"/>
+              </a:rPr>
+              <a:t>of</a:t>
+            </a:r>
+            <a:r>
+              <a:rPr lang="de-DE" sz="2400" b="0" strike="noStrike" spc="-1" dirty="0">
+                <a:solidFill>
+                  <a:srgbClr val="000000"/>
+                </a:solidFill>
+                <a:uFill>
+                  <a:solidFill>
+                    <a:srgbClr val="FFFFFF"/>
+                  </a:solidFill>
+                </a:uFill>
+                <a:latin typeface="Arial"/>
+              </a:rPr>
+              <a:t> </a:t>
+            </a:r>
+            <a:r>
+              <a:rPr lang="de-DE" sz="2400" b="0" strike="noStrike" spc="-1" dirty="0" err="1">
+                <a:solidFill>
+                  <a:srgbClr val="000000"/>
+                </a:solidFill>
+                <a:uFill>
+                  <a:solidFill>
+                    <a:srgbClr val="FFFFFF"/>
+                  </a:solidFill>
+                </a:uFill>
+                <a:latin typeface="Arial"/>
+              </a:rPr>
+              <a:t>the</a:t>
+            </a:r>
+            <a:r>
+              <a:rPr lang="de-DE" sz="2400" b="0" strike="noStrike" spc="-1" dirty="0">
+                <a:solidFill>
+                  <a:srgbClr val="000000"/>
+                </a:solidFill>
+                <a:uFill>
+                  <a:solidFill>
+                    <a:srgbClr val="FFFFFF"/>
+                  </a:solidFill>
+                </a:uFill>
+                <a:latin typeface="Arial"/>
+              </a:rPr>
+              <a:t> </a:t>
+            </a:r>
+            <a:r>
+              <a:rPr lang="de-DE" sz="2400" b="0" strike="noStrike" spc="-1" dirty="0" err="1">
+                <a:solidFill>
+                  <a:srgbClr val="000000"/>
+                </a:solidFill>
+                <a:uFill>
+                  <a:solidFill>
+                    <a:srgbClr val="FFFFFF"/>
+                  </a:solidFill>
+                </a:uFill>
+                <a:latin typeface="Arial"/>
+              </a:rPr>
+              <a:t>task</a:t>
+            </a:r>
+            <a:endParaRPr lang="de-DE" sz="1600" b="0" strike="noStrike" spc="-1" dirty="0">
+              <a:solidFill>
+                <a:srgbClr val="000000"/>
+              </a:solidFill>
+              <a:uFill>
+                <a:solidFill>
+                  <a:srgbClr val="FFFFFF"/>
+                </a:solidFill>
+              </a:uFill>
+              <a:latin typeface="Arial"/>
+            </a:endParaRPr>
+          </a:p>
+          <a:p>
+            <a:pPr>
+              <a:lnSpc>
+                <a:spcPct val="100000"/>
+              </a:lnSpc>
+            </a:pPr>
+            <a:endParaRPr lang="de-DE" sz="1600" b="0" strike="noStrike" spc="-1" dirty="0">
+              <a:solidFill>
+                <a:srgbClr val="000000"/>
+              </a:solidFill>
+              <a:uFill>
+                <a:solidFill>
+                  <a:srgbClr val="FFFFFF"/>
+                </a:solidFill>
+              </a:uFill>
+              <a:latin typeface="Arial"/>
+            </a:endParaRPr>
+          </a:p>
           <a:p>
             <a:pPr>
               <a:lnSpc>
                 <a:spcPct val="114000"/>
               </a:lnSpc>
             </a:pPr>
-            <a:endParaRPr b="0" lang="de-DE" sz="1600" spc="-1" strike="noStrike">
-              <a:solidFill>
-                <a:srgbClr val="000000"/>
-              </a:solidFill>
-              <a:uFill>
-                <a:solidFill>
-                  <a:srgbClr val="ffffff"/>
-                </a:solidFill>
-              </a:uFill>
-              <a:latin typeface="Arial"/>
-            </a:endParaRPr>
-          </a:p>
-          <a:p>
-            <a:pPr>
+            <a:endParaRPr lang="de-DE" sz="1600" b="0" strike="noStrike" spc="-1" dirty="0">
+              <a:solidFill>
+                <a:srgbClr val="000000"/>
+              </a:solidFill>
+              <a:uFill>
+                <a:solidFill>
+                  <a:srgbClr val="FFFFFF"/>
+                </a:solidFill>
+              </a:uFill>
+              <a:latin typeface="Arial"/>
+            </a:endParaRPr>
+          </a:p>
+        </p:txBody>
+      </p:sp>
+      <p:sp>
+        <p:nvSpPr>
+          <p:cNvPr id="90" name="TextShape 2"/>
+          <p:cNvSpPr txBox="1"/>
+          <p:nvPr/>
+        </p:nvSpPr>
+        <p:spPr>
+          <a:xfrm>
+            <a:off x="6774840" y="6473160"/>
+            <a:ext cx="2051640" cy="364680"/>
+          </a:xfrm>
+          <a:prstGeom prst="rect">
+            <a:avLst/>
+          </a:prstGeom>
+          <a:noFill/>
+          <a:ln>
+            <a:noFill/>
+          </a:ln>
+        </p:spPr>
+        <p:txBody>
+          <a:bodyPr lIns="0" rIns="0" anchor="ctr"/>
+          <a:lstStyle/>
+          <a:p>
+            <a:pPr algn="r">
               <a:lnSpc>
-                <a:spcPct val="114000"/>
+                <a:spcPct val="100000"/>
               </a:lnSpc>
             </a:pPr>
-            <a:r>
-              <a:rPr b="0" lang="de-DE" sz="2200" spc="-1" strike="noStrike">
+            <a:fld id="{4F831EE4-46AE-4713-AD1F-E57479484FF3}" type="slidenum">
+              <a:rPr lang="de-DE" sz="1200" b="0" strike="noStrike" spc="-1">
                 <a:solidFill>
                   <a:srgbClr val="000000"/>
                 </a:solidFill>
                 <a:uFill>
                   <a:solidFill>
-                    <a:srgbClr val="ffffff"/>
+                    <a:srgbClr val="FFFFFF"/>
                   </a:solidFill>
                 </a:uFill>
                 <a:latin typeface="Arial"/>
               </a:rPr>
-              <a:t>What is postprocessing?</a:t>
-            </a:r>
-            <a:endParaRPr b="0" lang="de-DE" sz="1600" spc="-1" strike="noStrike">
-              <a:solidFill>
-                <a:srgbClr val="000000"/>
-              </a:solidFill>
-              <a:uFill>
-                <a:solidFill>
-                  <a:srgbClr val="ffffff"/>
-                </a:solidFill>
-              </a:uFill>
-              <a:latin typeface="Arial"/>
-            </a:endParaRPr>
-          </a:p>
-          <a:p>
-            <a:pPr>
-              <a:lnSpc>
-                <a:spcPct val="114000"/>
-              </a:lnSpc>
-            </a:pPr>
-            <a:endParaRPr b="0" lang="de-DE" sz="1600" spc="-1" strike="noStrike">
-              <a:solidFill>
-                <a:srgbClr val="000000"/>
-              </a:solidFill>
-              <a:uFill>
-                <a:solidFill>
-                  <a:srgbClr val="ffffff"/>
-                </a:solidFill>
-              </a:uFill>
-              <a:latin typeface="Arial"/>
-            </a:endParaRPr>
-          </a:p>
-          <a:p>
-            <a:pPr>
-              <a:lnSpc>
-                <a:spcPct val="114000"/>
-              </a:lnSpc>
-            </a:pPr>
-            <a:r>
-              <a:rPr b="0" lang="de-DE" sz="2200" spc="-1" strike="noStrike">
-                <a:solidFill>
-                  <a:srgbClr val="000000"/>
-                </a:solidFill>
-                <a:uFill>
-                  <a:solidFill>
-                    <a:srgbClr val="ffffff"/>
-                  </a:solidFill>
-                </a:uFill>
-                <a:latin typeface="Arial"/>
-              </a:rPr>
-              <a:t>Efficiency</a:t>
-            </a:r>
-            <a:endParaRPr b="0" lang="de-DE" sz="1600" spc="-1" strike="noStrike">
-              <a:solidFill>
-                <a:srgbClr val="000000"/>
-              </a:solidFill>
-              <a:uFill>
-                <a:solidFill>
-                  <a:srgbClr val="ffffff"/>
-                </a:solidFill>
-              </a:uFill>
-              <a:latin typeface="Arial"/>
-            </a:endParaRPr>
-          </a:p>
-          <a:p>
-            <a:pPr>
-              <a:lnSpc>
-                <a:spcPct val="114000"/>
-              </a:lnSpc>
-            </a:pPr>
-            <a:endParaRPr b="0" lang="de-DE" sz="1600" spc="-1" strike="noStrike">
-              <a:solidFill>
-                <a:srgbClr val="000000"/>
-              </a:solidFill>
-              <a:uFill>
-                <a:solidFill>
-                  <a:srgbClr val="ffffff"/>
-                </a:solidFill>
-              </a:uFill>
-              <a:latin typeface="Arial"/>
-            </a:endParaRPr>
-          </a:p>
-          <a:p>
-            <a:pPr>
-              <a:lnSpc>
-                <a:spcPct val="114000"/>
-              </a:lnSpc>
-            </a:pPr>
-            <a:r>
-              <a:rPr b="0" lang="de-DE" sz="2200" spc="-1" strike="noStrike">
-                <a:solidFill>
-                  <a:srgbClr val="000000"/>
-                </a:solidFill>
-                <a:uFill>
-                  <a:solidFill>
-                    <a:srgbClr val="ffffff"/>
-                  </a:solidFill>
-                </a:uFill>
-                <a:latin typeface="Arial"/>
-              </a:rPr>
-              <a:t>Explain through example</a:t>
-            </a:r>
-            <a:endParaRPr b="0" lang="de-DE" sz="1600" spc="-1" strike="noStrike">
-              <a:solidFill>
-                <a:srgbClr val="000000"/>
-              </a:solidFill>
-              <a:uFill>
-                <a:solidFill>
-                  <a:srgbClr val="ffffff"/>
-                </a:solidFill>
-              </a:uFill>
-              <a:latin typeface="Arial"/>
-            </a:endParaRPr>
-          </a:p>
-          <a:p>
-            <a:pPr>
-              <a:lnSpc>
-                <a:spcPct val="114000"/>
-              </a:lnSpc>
-            </a:pPr>
-            <a:endParaRPr b="0" lang="de-DE" sz="1600" spc="-1" strike="noStrike">
-              <a:solidFill>
-                <a:srgbClr val="000000"/>
-              </a:solidFill>
-              <a:uFill>
-                <a:solidFill>
-                  <a:srgbClr val="ffffff"/>
-                </a:solidFill>
-              </a:uFill>
-              <a:latin typeface="Arial"/>
-            </a:endParaRPr>
-          </a:p>
-          <a:p>
-            <a:pPr>
-              <a:lnSpc>
-                <a:spcPct val="114000"/>
-              </a:lnSpc>
-            </a:pPr>
-            <a:endParaRPr b="0" lang="de-DE" sz="1600" spc="-1" strike="noStrike">
-              <a:solidFill>
-                <a:srgbClr val="000000"/>
-              </a:solidFill>
-              <a:uFill>
-                <a:solidFill>
-                  <a:srgbClr val="ffffff"/>
-                </a:solidFill>
-              </a:uFill>
-              <a:latin typeface="Arial"/>
-            </a:endParaRPr>
-          </a:p>
-        </p:txBody>
-      </p:sp>
-      <p:sp>
-        <p:nvSpPr>
-          <p:cNvPr id="94" name="TextShape 2"/>
+              <a:t>3</a:t>
+            </a:fld>
+            <a:endParaRPr lang="de-DE" sz="1200" b="0" strike="noStrike" spc="-1">
+              <a:solidFill>
+                <a:srgbClr val="000000"/>
+              </a:solidFill>
+              <a:uFill>
+                <a:solidFill>
+                  <a:srgbClr val="FFFFFF"/>
+                </a:solidFill>
+              </a:uFill>
+              <a:latin typeface="Times New Roman"/>
+            </a:endParaRPr>
+          </a:p>
+        </p:txBody>
+      </p:sp>
+      <p:sp>
+        <p:nvSpPr>
+          <p:cNvPr id="91" name="TextShape 3"/>
           <p:cNvSpPr txBox="1"/>
           <p:nvPr/>
         </p:nvSpPr>
         <p:spPr>
           <a:xfrm>
-            <a:off x="6774840" y="6473160"/>
-            <a:ext cx="2051640" cy="364680"/>
+            <a:off x="311040" y="6473160"/>
+            <a:ext cx="6463800" cy="364680"/>
           </a:xfrm>
           <a:prstGeom prst="rect">
             <a:avLst/>
@@ -5677,61 +6325,7 @@
         </p:spPr>
         <p:txBody>
           <a:bodyPr lIns="0" rIns="0" anchor="ctr"/>
-          <a:p>
-            <a:pPr algn="r">
-              <a:lnSpc>
-                <a:spcPct val="100000"/>
-              </a:lnSpc>
-            </a:pPr>
-            <a:fld id="{ABC9E17F-0E7D-436C-8320-8A552E5784EE}" type="slidenum">
-              <a:rPr b="0" lang="de-DE" sz="1200" spc="-1" strike="noStrike">
-                <a:solidFill>
-                  <a:srgbClr val="000000"/>
-                </a:solidFill>
-                <a:uFill>
-                  <a:solidFill>
-                    <a:srgbClr val="ffffff"/>
-                  </a:solidFill>
-                </a:uFill>
-                <a:latin typeface="Arial"/>
-              </a:rPr>
-              <a:t>1</a:t>
-            </a:fld>
-            <a:endParaRPr b="0" lang="de-DE" sz="1200" spc="-1" strike="noStrike">
-              <a:solidFill>
-                <a:srgbClr val="000000"/>
-              </a:solidFill>
-              <a:uFill>
-                <a:solidFill>
-                  <a:srgbClr val="ffffff"/>
-                </a:solidFill>
-              </a:uFill>
-              <a:latin typeface="Times New Roman"/>
-            </a:endParaRPr>
-          </a:p>
-        </p:txBody>
-      </p:sp>
-      <p:sp>
-        <p:nvSpPr>
-          <p:cNvPr id="95" name="TextShape 3"/>
-          <p:cNvSpPr txBox="1"/>
-          <p:nvPr/>
-        </p:nvSpPr>
-        <p:spPr>
-          <a:xfrm>
-            <a:off x="311040" y="6473160"/>
-            <a:ext cx="6463800" cy="364680"/>
-          </a:xfrm>
-          <a:prstGeom prst="rect">
-            <a:avLst/>
-          </a:prstGeom>
-          <a:noFill/>
-          <a:ln>
-            <a:noFill/>
-          </a:ln>
-        </p:spPr>
-        <p:txBody>
-          <a:bodyPr lIns="0" rIns="0" anchor="ctr"/>
+          <a:lstStyle/>
           <a:p>
             <a:pPr>
               <a:lnSpc>
@@ -5739,26 +6333,26 @@
               </a:lnSpc>
             </a:pPr>
             <a:r>
-              <a:rPr b="0" lang="de-DE" sz="1200" spc="-1" strike="noStrike">
+              <a:rPr lang="de-DE" sz="1200" b="0" strike="noStrike" spc="-1">
                 <a:solidFill>
                   <a:srgbClr val="000000"/>
                 </a:solidFill>
                 <a:uFill>
                   <a:solidFill>
-                    <a:srgbClr val="ffffff"/>
+                    <a:srgbClr val="FFFFFF"/>
                   </a:solidFill>
                 </a:uFill>
                 <a:latin typeface="Arial"/>
               </a:rPr>
               <a:t>Oztoprak, Oguz (TUM) | Droll, Darwin (TUM) | Python-based Paraview postprocessing</a:t>
             </a:r>
-            <a:endParaRPr b="0" lang="de-DE" sz="1200" spc="-1" strike="noStrike">
-              <a:solidFill>
-                <a:srgbClr val="000000"/>
-              </a:solidFill>
-              <a:uFill>
-                <a:solidFill>
-                  <a:srgbClr val="ffffff"/>
+            <a:endParaRPr lang="de-DE" sz="1200" b="0" strike="noStrike" spc="-1">
+              <a:solidFill>
+                <a:srgbClr val="000000"/>
+              </a:solidFill>
+              <a:uFill>
+                <a:solidFill>
+                  <a:srgbClr val="FFFFFF"/>
                 </a:solidFill>
               </a:uFill>
               <a:latin typeface="Times New Roman"/>
@@ -5768,7 +6362,7 @@
       </p:sp>
       <p:sp>
         <p:nvSpPr>
-          <p:cNvPr id="96" name="TextShape 4"/>
+          <p:cNvPr id="92" name="TextShape 4"/>
           <p:cNvSpPr txBox="1"/>
           <p:nvPr/>
         </p:nvSpPr>
@@ -5786,7 +6380,8 @@
           </a:ln>
         </p:spPr>
         <p:txBody>
-          <a:bodyPr lIns="0" rIns="0" tIns="0" bIns="0"/>
+          <a:bodyPr lIns="0" tIns="0" rIns="0" bIns="0"/>
+          <a:lstStyle/>
           <a:p>
             <a:pPr>
               <a:lnSpc>
@@ -5794,26 +6389,26 @@
               </a:lnSpc>
             </a:pPr>
             <a:r>
-              <a:rPr b="0" lang="de-DE" sz="3000" spc="-1" strike="noStrike">
+              <a:rPr lang="de-DE" sz="3000" b="0" strike="noStrike" spc="-1" dirty="0" err="1">
                 <a:solidFill>
                   <a:srgbClr val="000000"/>
                 </a:solidFill>
                 <a:uFill>
                   <a:solidFill>
-                    <a:srgbClr val="ffffff"/>
+                    <a:srgbClr val="FFFFFF"/>
                   </a:solidFill>
                 </a:uFill>
                 <a:latin typeface="Arial"/>
               </a:rPr>
-              <a:t>Postprocessing</a:t>
+              <a:t>Introduction</a:t>
             </a:r>
-            <a:endParaRPr b="0" lang="de-DE" sz="2200" spc="-1" strike="noStrike">
-              <a:solidFill>
-                <a:srgbClr val="000000"/>
-              </a:solidFill>
-              <a:uFill>
-                <a:solidFill>
-                  <a:srgbClr val="ffffff"/>
+            <a:endParaRPr lang="de-DE" sz="2200" b="0" strike="noStrike" spc="-1" dirty="0">
+              <a:solidFill>
+                <a:srgbClr val="000000"/>
+              </a:solidFill>
+              <a:uFill>
+                <a:solidFill>
+                  <a:srgbClr val="FFFFFF"/>
                 </a:solidFill>
               </a:uFill>
               <a:latin typeface="Arial"/>
@@ -5822,23 +6417,31 @@
         </p:txBody>
       </p:sp>
     </p:spTree>
+    <p:extLst>
+      <p:ext uri="{BB962C8B-B14F-4D97-AF65-F5344CB8AC3E}">
+        <p14:creationId xmlns:p14="http://schemas.microsoft.com/office/powerpoint/2010/main" val="853532261"/>
+      </p:ext>
+    </p:extLst>
   </p:cSld>
+  <p:clrMapOvr>
+    <a:masterClrMapping/>
+  </p:clrMapOvr>
   <p:timing>
     <p:tnLst>
       <p:par>
-        <p:cTn id="5" dur="indefinite" restart="never" nodeType="tmRoot">
+        <p:cTn id="1" dur="indefinite" restart="never" nodeType="tmRoot">
           <p:childTnLst>
             <p:seq>
-              <p:cTn id="6" nodeType="mainSeq"/>
+              <p:cTn id="2" nodeType="mainSeq"/>
               <p:prevCondLst>
-                <p:cond delay="0" evt="onPrev">
+                <p:cond evt="onPrev" delay="0">
                   <p:tgtEl>
                     <p:sldTgt/>
                   </p:tgtEl>
                 </p:cond>
               </p:prevCondLst>
               <p:nextCondLst>
-                <p:cond delay="0" evt="onNext">
+                <p:cond evt="onNext" delay="0">
                   <p:tgtEl>
                     <p:sldTgt/>
                   </p:tgtEl>
@@ -5854,7 +6457,7 @@
 </file>
 
 <file path=ppt/slides/slide4.xml><?xml version="1.0" encoding="utf-8"?>
-<p:sld xmlns:a="http://schemas.openxmlformats.org/drawingml/2006/main" xmlns:p="http://schemas.openxmlformats.org/presentationml/2006/main" xmlns:r="http://schemas.openxmlformats.org/officeDocument/2006/relationships" xmlns:p14="http://schemas.microsoft.com/office/powerpoint/2010/main" xmlns:p15="http://schemas.microsoft.com/office/powerpoint/2012/main" xmlns:mc="http://schemas.openxmlformats.org/markup-compatibility/2006">
+<p:sld xmlns:a="http://schemas.openxmlformats.org/drawingml/2006/main" xmlns:r="http://schemas.openxmlformats.org/officeDocument/2006/relationships" xmlns:p="http://schemas.openxmlformats.org/presentationml/2006/main">
   <p:cSld>
     <p:spTree>
       <p:nvGrpSpPr>
@@ -5872,7 +6475,7 @@
       </p:grpSpPr>
       <p:sp>
         <p:nvSpPr>
-          <p:cNvPr id="97" name="TextShape 1"/>
+          <p:cNvPr id="93" name="TextShape 1"/>
           <p:cNvSpPr txBox="1"/>
           <p:nvPr/>
         </p:nvSpPr>
@@ -5890,20 +6493,21 @@
           </a:ln>
         </p:spPr>
         <p:txBody>
-          <a:bodyPr lIns="0" rIns="0" tIns="0" bIns="0"/>
+          <a:bodyPr lIns="0" tIns="0" rIns="0" bIns="0"/>
+          <a:lstStyle/>
           <a:p>
             <a:pPr>
               <a:lnSpc>
                 <a:spcPct val="114000"/>
               </a:lnSpc>
             </a:pPr>
-            <a:endParaRPr b="0" lang="de-DE" sz="1600" spc="-1" strike="noStrike">
-              <a:solidFill>
-                <a:srgbClr val="000000"/>
-              </a:solidFill>
-              <a:uFill>
-                <a:solidFill>
-                  <a:srgbClr val="ffffff"/>
+            <a:endParaRPr lang="de-DE" sz="1600" b="0" strike="noStrike" spc="-1">
+              <a:solidFill>
+                <a:srgbClr val="000000"/>
+              </a:solidFill>
+              <a:uFill>
+                <a:solidFill>
+                  <a:srgbClr val="FFFFFF"/>
                 </a:solidFill>
               </a:uFill>
               <a:latin typeface="Arial"/>
@@ -5916,26 +6520,26 @@
               </a:lnSpc>
             </a:pPr>
             <a:r>
-              <a:rPr b="0" lang="de-DE" sz="2200" spc="-1" strike="noStrike">
+              <a:rPr lang="de-DE" sz="2200" b="0" strike="noStrike" spc="-1">
                 <a:solidFill>
                   <a:srgbClr val="000000"/>
                 </a:solidFill>
                 <a:uFill>
                   <a:solidFill>
-                    <a:srgbClr val="ffffff"/>
+                    <a:srgbClr val="FFFFFF"/>
                   </a:solidFill>
                 </a:uFill>
                 <a:latin typeface="Arial"/>
               </a:rPr>
-              <a:t>What is paraview?</a:t>
+              <a:t>What is postprocessing?</a:t>
             </a:r>
-            <a:endParaRPr b="0" lang="de-DE" sz="1600" spc="-1" strike="noStrike">
-              <a:solidFill>
-                <a:srgbClr val="000000"/>
-              </a:solidFill>
-              <a:uFill>
-                <a:solidFill>
-                  <a:srgbClr val="ffffff"/>
+            <a:endParaRPr lang="de-DE" sz="1600" b="0" strike="noStrike" spc="-1">
+              <a:solidFill>
+                <a:srgbClr val="000000"/>
+              </a:solidFill>
+              <a:uFill>
+                <a:solidFill>
+                  <a:srgbClr val="FFFFFF"/>
                 </a:solidFill>
               </a:uFill>
               <a:latin typeface="Arial"/>
@@ -5947,13 +6551,13 @@
                 <a:spcPct val="114000"/>
               </a:lnSpc>
             </a:pPr>
-            <a:endParaRPr b="0" lang="de-DE" sz="1600" spc="-1" strike="noStrike">
-              <a:solidFill>
-                <a:srgbClr val="000000"/>
-              </a:solidFill>
-              <a:uFill>
-                <a:solidFill>
-                  <a:srgbClr val="ffffff"/>
+            <a:endParaRPr lang="de-DE" sz="1600" b="0" strike="noStrike" spc="-1">
+              <a:solidFill>
+                <a:srgbClr val="000000"/>
+              </a:solidFill>
+              <a:uFill>
+                <a:solidFill>
+                  <a:srgbClr val="FFFFFF"/>
                 </a:solidFill>
               </a:uFill>
               <a:latin typeface="Arial"/>
@@ -5966,26 +6570,26 @@
               </a:lnSpc>
             </a:pPr>
             <a:r>
-              <a:rPr b="0" lang="de-DE" sz="2200" spc="-1" strike="noStrike">
+              <a:rPr lang="de-DE" sz="2200" b="0" strike="noStrike" spc="-1">
                 <a:solidFill>
                   <a:srgbClr val="000000"/>
                 </a:solidFill>
                 <a:uFill>
                   <a:solidFill>
-                    <a:srgbClr val="ffffff"/>
+                    <a:srgbClr val="FFFFFF"/>
                   </a:solidFill>
                 </a:uFill>
                 <a:latin typeface="Arial"/>
               </a:rPr>
-              <a:t>How does it work?</a:t>
+              <a:t>Efficiency</a:t>
             </a:r>
-            <a:endParaRPr b="0" lang="de-DE" sz="1600" spc="-1" strike="noStrike">
-              <a:solidFill>
-                <a:srgbClr val="000000"/>
-              </a:solidFill>
-              <a:uFill>
-                <a:solidFill>
-                  <a:srgbClr val="ffffff"/>
+            <a:endParaRPr lang="de-DE" sz="1600" b="0" strike="noStrike" spc="-1">
+              <a:solidFill>
+                <a:srgbClr val="000000"/>
+              </a:solidFill>
+              <a:uFill>
+                <a:solidFill>
+                  <a:srgbClr val="FFFFFF"/>
                 </a:solidFill>
               </a:uFill>
               <a:latin typeface="Arial"/>
@@ -5997,13 +6601,13 @@
                 <a:spcPct val="114000"/>
               </a:lnSpc>
             </a:pPr>
-            <a:endParaRPr b="0" lang="de-DE" sz="1600" spc="-1" strike="noStrike">
-              <a:solidFill>
-                <a:srgbClr val="000000"/>
-              </a:solidFill>
-              <a:uFill>
-                <a:solidFill>
-                  <a:srgbClr val="ffffff"/>
+            <a:endParaRPr lang="de-DE" sz="1600" b="0" strike="noStrike" spc="-1">
+              <a:solidFill>
+                <a:srgbClr val="000000"/>
+              </a:solidFill>
+              <a:uFill>
+                <a:solidFill>
+                  <a:srgbClr val="FFFFFF"/>
                 </a:solidFill>
               </a:uFill>
               <a:latin typeface="Arial"/>
@@ -6016,26 +6620,26 @@
               </a:lnSpc>
             </a:pPr>
             <a:r>
-              <a:rPr b="0" lang="de-DE" sz="2200" spc="-1" strike="noStrike">
+              <a:rPr lang="de-DE" sz="2200" b="0" strike="noStrike" spc="-1">
                 <a:solidFill>
                   <a:srgbClr val="000000"/>
                 </a:solidFill>
                 <a:uFill>
                   <a:solidFill>
-                    <a:srgbClr val="ffffff"/>
+                    <a:srgbClr val="FFFFFF"/>
                   </a:solidFill>
                 </a:uFill>
                 <a:latin typeface="Arial"/>
               </a:rPr>
-              <a:t>How it can help us</a:t>
+              <a:t>Explain through example</a:t>
             </a:r>
-            <a:endParaRPr b="0" lang="de-DE" sz="1600" spc="-1" strike="noStrike">
-              <a:solidFill>
-                <a:srgbClr val="000000"/>
-              </a:solidFill>
-              <a:uFill>
-                <a:solidFill>
-                  <a:srgbClr val="ffffff"/>
+            <a:endParaRPr lang="de-DE" sz="1600" b="0" strike="noStrike" spc="-1">
+              <a:solidFill>
+                <a:srgbClr val="000000"/>
+              </a:solidFill>
+              <a:uFill>
+                <a:solidFill>
+                  <a:srgbClr val="FFFFFF"/>
                 </a:solidFill>
               </a:uFill>
               <a:latin typeface="Arial"/>
@@ -6047,13 +6651,13 @@
                 <a:spcPct val="114000"/>
               </a:lnSpc>
             </a:pPr>
-            <a:endParaRPr b="0" lang="de-DE" sz="1600" spc="-1" strike="noStrike">
-              <a:solidFill>
-                <a:srgbClr val="000000"/>
-              </a:solidFill>
-              <a:uFill>
-                <a:solidFill>
-                  <a:srgbClr val="ffffff"/>
+            <a:endParaRPr lang="de-DE" sz="1600" b="0" strike="noStrike" spc="-1">
+              <a:solidFill>
+                <a:srgbClr val="000000"/>
+              </a:solidFill>
+              <a:uFill>
+                <a:solidFill>
+                  <a:srgbClr val="FFFFFF"/>
                 </a:solidFill>
               </a:uFill>
               <a:latin typeface="Arial"/>
@@ -6065,41 +6669,23 @@
                 <a:spcPct val="114000"/>
               </a:lnSpc>
             </a:pPr>
-            <a:endParaRPr b="0" lang="de-DE" sz="1600" spc="-1" strike="noStrike">
-              <a:solidFill>
-                <a:srgbClr val="000000"/>
-              </a:solidFill>
-              <a:uFill>
-                <a:solidFill>
-                  <a:srgbClr val="ffffff"/>
-                </a:solidFill>
-              </a:uFill>
-              <a:latin typeface="Arial"/>
-            </a:endParaRPr>
-          </a:p>
-          <a:p>
-            <a:pPr>
-              <a:lnSpc>
-                <a:spcPct val="114000"/>
-              </a:lnSpc>
-            </a:pPr>
-            <a:endParaRPr b="0" lang="de-DE" sz="1600" spc="-1" strike="noStrike">
-              <a:solidFill>
-                <a:srgbClr val="000000"/>
-              </a:solidFill>
-              <a:uFill>
-                <a:solidFill>
-                  <a:srgbClr val="ffffff"/>
-                </a:solidFill>
-              </a:uFill>
-              <a:latin typeface="Arial"/>
-            </a:endParaRPr>
-          </a:p>
-        </p:txBody>
-      </p:sp>
-      <p:sp>
-        <p:nvSpPr>
-          <p:cNvPr id="98" name="TextShape 2"/>
+            <a:endParaRPr lang="de-DE" sz="1600" b="0" strike="noStrike" spc="-1">
+              <a:solidFill>
+                <a:srgbClr val="000000"/>
+              </a:solidFill>
+              <a:uFill>
+                <a:solidFill>
+                  <a:srgbClr val="FFFFFF"/>
+                </a:solidFill>
+              </a:uFill>
+              <a:latin typeface="Arial"/>
+            </a:endParaRPr>
+          </a:p>
+        </p:txBody>
+      </p:sp>
+      <p:sp>
+        <p:nvSpPr>
+          <p:cNvPr id="94" name="TextShape 2"/>
           <p:cNvSpPr txBox="1"/>
           <p:nvPr/>
         </p:nvSpPr>
@@ -6118,33 +6704,34 @@
         </p:spPr>
         <p:txBody>
           <a:bodyPr lIns="0" rIns="0" anchor="ctr"/>
+          <a:lstStyle/>
           <a:p>
             <a:pPr algn="r">
               <a:lnSpc>
                 <a:spcPct val="100000"/>
               </a:lnSpc>
             </a:pPr>
-            <a:fld id="{6C6E63D9-56E4-4498-8999-7626C6F08C51}" type="slidenum">
-              <a:rPr b="0" lang="de-DE" sz="1200" spc="-1" strike="noStrike">
+            <a:fld id="{ABC9E17F-0E7D-436C-8320-8A552E5784EE}" type="slidenum">
+              <a:rPr lang="de-DE" sz="1200" b="0" strike="noStrike" spc="-1">
                 <a:solidFill>
                   <a:srgbClr val="000000"/>
                 </a:solidFill>
                 <a:uFill>
                   <a:solidFill>
-                    <a:srgbClr val="ffffff"/>
+                    <a:srgbClr val="FFFFFF"/>
                   </a:solidFill>
                 </a:uFill>
                 <a:latin typeface="Arial"/>
               </a:rPr>
-              <a:t>1</a:t>
+              <a:t>4</a:t>
             </a:fld>
-            <a:endParaRPr b="0" lang="de-DE" sz="1200" spc="-1" strike="noStrike">
-              <a:solidFill>
-                <a:srgbClr val="000000"/>
-              </a:solidFill>
-              <a:uFill>
-                <a:solidFill>
-                  <a:srgbClr val="ffffff"/>
+            <a:endParaRPr lang="de-DE" sz="1200" b="0" strike="noStrike" spc="-1">
+              <a:solidFill>
+                <a:srgbClr val="000000"/>
+              </a:solidFill>
+              <a:uFill>
+                <a:solidFill>
+                  <a:srgbClr val="FFFFFF"/>
                 </a:solidFill>
               </a:uFill>
               <a:latin typeface="Times New Roman"/>
@@ -6154,7 +6741,7 @@
       </p:sp>
       <p:sp>
         <p:nvSpPr>
-          <p:cNvPr id="99" name="TextShape 3"/>
+          <p:cNvPr id="95" name="TextShape 3"/>
           <p:cNvSpPr txBox="1"/>
           <p:nvPr/>
         </p:nvSpPr>
@@ -6173,6 +6760,7 @@
         </p:spPr>
         <p:txBody>
           <a:bodyPr lIns="0" rIns="0" anchor="ctr"/>
+          <a:lstStyle/>
           <a:p>
             <a:pPr>
               <a:lnSpc>
@@ -6180,26 +6768,26 @@
               </a:lnSpc>
             </a:pPr>
             <a:r>
-              <a:rPr b="0" lang="de-DE" sz="1200" spc="-1" strike="noStrike">
+              <a:rPr lang="de-DE" sz="1200" b="0" strike="noStrike" spc="-1">
                 <a:solidFill>
                   <a:srgbClr val="000000"/>
                 </a:solidFill>
                 <a:uFill>
                   <a:solidFill>
-                    <a:srgbClr val="ffffff"/>
+                    <a:srgbClr val="FFFFFF"/>
                   </a:solidFill>
                 </a:uFill>
                 <a:latin typeface="Arial"/>
               </a:rPr>
               <a:t>Oztoprak, Oguz (TUM) | Droll, Darwin (TUM) | Python-based Paraview postprocessing</a:t>
             </a:r>
-            <a:endParaRPr b="0" lang="de-DE" sz="1200" spc="-1" strike="noStrike">
-              <a:solidFill>
-                <a:srgbClr val="000000"/>
-              </a:solidFill>
-              <a:uFill>
-                <a:solidFill>
-                  <a:srgbClr val="ffffff"/>
+            <a:endParaRPr lang="de-DE" sz="1200" b="0" strike="noStrike" spc="-1">
+              <a:solidFill>
+                <a:srgbClr val="000000"/>
+              </a:solidFill>
+              <a:uFill>
+                <a:solidFill>
+                  <a:srgbClr val="FFFFFF"/>
                 </a:solidFill>
               </a:uFill>
               <a:latin typeface="Times New Roman"/>
@@ -6209,7 +6797,7 @@
       </p:sp>
       <p:sp>
         <p:nvSpPr>
-          <p:cNvPr id="100" name="TextShape 4"/>
+          <p:cNvPr id="96" name="TextShape 4"/>
           <p:cNvSpPr txBox="1"/>
           <p:nvPr/>
         </p:nvSpPr>
@@ -6227,7 +6815,8 @@
           </a:ln>
         </p:spPr>
         <p:txBody>
-          <a:bodyPr lIns="0" rIns="0" tIns="0" bIns="0"/>
+          <a:bodyPr lIns="0" tIns="0" rIns="0" bIns="0"/>
+          <a:lstStyle/>
           <a:p>
             <a:pPr>
               <a:lnSpc>
@@ -6235,26 +6824,26 @@
               </a:lnSpc>
             </a:pPr>
             <a:r>
-              <a:rPr b="0" lang="de-DE" sz="3000" spc="-1" strike="noStrike">
+              <a:rPr lang="de-DE" sz="3000" b="0" strike="noStrike" spc="-1">
                 <a:solidFill>
                   <a:srgbClr val="000000"/>
                 </a:solidFill>
                 <a:uFill>
                   <a:solidFill>
-                    <a:srgbClr val="ffffff"/>
+                    <a:srgbClr val="FFFFFF"/>
                   </a:solidFill>
                 </a:uFill>
                 <a:latin typeface="Arial"/>
               </a:rPr>
-              <a:t>Paraview</a:t>
+              <a:t>Postprocessing</a:t>
             </a:r>
-            <a:endParaRPr b="0" lang="de-DE" sz="2200" spc="-1" strike="noStrike">
-              <a:solidFill>
-                <a:srgbClr val="000000"/>
-              </a:solidFill>
-              <a:uFill>
-                <a:solidFill>
-                  <a:srgbClr val="ffffff"/>
+            <a:endParaRPr lang="de-DE" sz="2200" b="0" strike="noStrike" spc="-1">
+              <a:solidFill>
+                <a:srgbClr val="000000"/>
+              </a:solidFill>
+              <a:uFill>
+                <a:solidFill>
+                  <a:srgbClr val="FFFFFF"/>
                 </a:solidFill>
               </a:uFill>
               <a:latin typeface="Arial"/>
@@ -6264,22 +6853,25 @@
       </p:sp>
     </p:spTree>
   </p:cSld>
+  <p:clrMapOvr>
+    <a:masterClrMapping/>
+  </p:clrMapOvr>
   <p:timing>
     <p:tnLst>
       <p:par>
-        <p:cTn id="7" dur="indefinite" restart="never" nodeType="tmRoot">
+        <p:cTn id="1" dur="indefinite" restart="never" nodeType="tmRoot">
           <p:childTnLst>
             <p:seq>
-              <p:cTn id="8" nodeType="mainSeq"/>
+              <p:cTn id="2" nodeType="mainSeq"/>
               <p:prevCondLst>
-                <p:cond delay="0" evt="onPrev">
+                <p:cond evt="onPrev" delay="0">
                   <p:tgtEl>
                     <p:sldTgt/>
                   </p:tgtEl>
                 </p:cond>
               </p:prevCondLst>
               <p:nextCondLst>
-                <p:cond delay="0" evt="onNext">
+                <p:cond evt="onNext" delay="0">
                   <p:tgtEl>
                     <p:sldTgt/>
                   </p:tgtEl>
@@ -6295,7 +6887,7 @@
 </file>
 
 <file path=ppt/slides/slide5.xml><?xml version="1.0" encoding="utf-8"?>
-<p:sld xmlns:a="http://schemas.openxmlformats.org/drawingml/2006/main" xmlns:p="http://schemas.openxmlformats.org/presentationml/2006/main" xmlns:r="http://schemas.openxmlformats.org/officeDocument/2006/relationships" xmlns:p14="http://schemas.microsoft.com/office/powerpoint/2010/main" xmlns:p15="http://schemas.microsoft.com/office/powerpoint/2012/main" xmlns:mc="http://schemas.openxmlformats.org/markup-compatibility/2006">
+<p:sld xmlns:a="http://schemas.openxmlformats.org/drawingml/2006/main" xmlns:r="http://schemas.openxmlformats.org/officeDocument/2006/relationships" xmlns:p="http://schemas.openxmlformats.org/presentationml/2006/main">
   <p:cSld>
     <p:spTree>
       <p:nvGrpSpPr>
@@ -6313,7 +6905,7 @@
       </p:grpSpPr>
       <p:sp>
         <p:nvSpPr>
-          <p:cNvPr id="101" name="TextShape 1"/>
+          <p:cNvPr id="97" name="TextShape 1"/>
           <p:cNvSpPr txBox="1"/>
           <p:nvPr/>
         </p:nvSpPr>
@@ -6331,20 +6923,21 @@
           </a:ln>
         </p:spPr>
         <p:txBody>
-          <a:bodyPr lIns="0" rIns="0" tIns="0" bIns="0"/>
+          <a:bodyPr lIns="0" tIns="0" rIns="0" bIns="0"/>
+          <a:lstStyle/>
           <a:p>
             <a:pPr>
               <a:lnSpc>
                 <a:spcPct val="114000"/>
               </a:lnSpc>
             </a:pPr>
-            <a:endParaRPr b="0" lang="de-DE" sz="1600" spc="-1" strike="noStrike">
-              <a:solidFill>
-                <a:srgbClr val="000000"/>
-              </a:solidFill>
-              <a:uFill>
-                <a:solidFill>
-                  <a:srgbClr val="ffffff"/>
+            <a:endParaRPr lang="de-DE" sz="1600" b="0" strike="noStrike" spc="-1">
+              <a:solidFill>
+                <a:srgbClr val="000000"/>
+              </a:solidFill>
+              <a:uFill>
+                <a:solidFill>
+                  <a:srgbClr val="FFFFFF"/>
                 </a:solidFill>
               </a:uFill>
               <a:latin typeface="Arial"/>
@@ -6357,26 +6950,26 @@
               </a:lnSpc>
             </a:pPr>
             <a:r>
-              <a:rPr b="0" lang="de-DE" sz="2200" spc="-1" strike="noStrike">
+              <a:rPr lang="de-DE" sz="2200" b="0" strike="noStrike" spc="-1">
                 <a:solidFill>
                   <a:srgbClr val="000000"/>
                 </a:solidFill>
                 <a:uFill>
                   <a:solidFill>
-                    <a:srgbClr val="ffffff"/>
+                    <a:srgbClr val="FFFFFF"/>
                   </a:solidFill>
                 </a:uFill>
                 <a:latin typeface="Arial"/>
               </a:rPr>
-              <a:t>Selecting of cells</a:t>
+              <a:t>What is paraview?</a:t>
             </a:r>
-            <a:endParaRPr b="0" lang="de-DE" sz="1600" spc="-1" strike="noStrike">
-              <a:solidFill>
-                <a:srgbClr val="000000"/>
-              </a:solidFill>
-              <a:uFill>
-                <a:solidFill>
-                  <a:srgbClr val="ffffff"/>
+            <a:endParaRPr lang="de-DE" sz="1600" b="0" strike="noStrike" spc="-1">
+              <a:solidFill>
+                <a:srgbClr val="000000"/>
+              </a:solidFill>
+              <a:uFill>
+                <a:solidFill>
+                  <a:srgbClr val="FFFFFF"/>
                 </a:solidFill>
               </a:uFill>
               <a:latin typeface="Arial"/>
@@ -6388,27 +6981,45 @@
                 <a:spcPct val="114000"/>
               </a:lnSpc>
             </a:pPr>
+            <a:endParaRPr lang="de-DE" sz="1600" b="0" strike="noStrike" spc="-1">
+              <a:solidFill>
+                <a:srgbClr val="000000"/>
+              </a:solidFill>
+              <a:uFill>
+                <a:solidFill>
+                  <a:srgbClr val="FFFFFF"/>
+                </a:solidFill>
+              </a:uFill>
+              <a:latin typeface="Arial"/>
+            </a:endParaRPr>
+          </a:p>
+          <a:p>
+            <a:pPr>
+              <a:lnSpc>
+                <a:spcPct val="114000"/>
+              </a:lnSpc>
+            </a:pPr>
             <a:r>
-              <a:rPr b="0" lang="de-DE" sz="2200" spc="-1" strike="noStrike">
+              <a:rPr lang="de-DE" sz="2200" b="0" strike="noStrike" spc="-1">
                 <a:solidFill>
                   <a:srgbClr val="000000"/>
                 </a:solidFill>
                 <a:uFill>
                   <a:solidFill>
-                    <a:srgbClr val="ffffff"/>
+                    <a:srgbClr val="FFFFFF"/>
                   </a:solidFill>
                 </a:uFill>
                 <a:latin typeface="Arial"/>
               </a:rPr>
-              <a:t>Distribution to Adhoc</a:t>
+              <a:t>How does it work?</a:t>
             </a:r>
-            <a:endParaRPr b="0" lang="de-DE" sz="1600" spc="-1" strike="noStrike">
-              <a:solidFill>
-                <a:srgbClr val="000000"/>
-              </a:solidFill>
-              <a:uFill>
-                <a:solidFill>
-                  <a:srgbClr val="ffffff"/>
+            <a:endParaRPr lang="de-DE" sz="1600" b="0" strike="noStrike" spc="-1">
+              <a:solidFill>
+                <a:srgbClr val="000000"/>
+              </a:solidFill>
+              <a:uFill>
+                <a:solidFill>
+                  <a:srgbClr val="FFFFFF"/>
                 </a:solidFill>
               </a:uFill>
               <a:latin typeface="Arial"/>
@@ -6420,37 +7031,109 @@
                 <a:spcPct val="114000"/>
               </a:lnSpc>
             </a:pPr>
+            <a:endParaRPr lang="de-DE" sz="1600" b="0" strike="noStrike" spc="-1">
+              <a:solidFill>
+                <a:srgbClr val="000000"/>
+              </a:solidFill>
+              <a:uFill>
+                <a:solidFill>
+                  <a:srgbClr val="FFFFFF"/>
+                </a:solidFill>
+              </a:uFill>
+              <a:latin typeface="Arial"/>
+            </a:endParaRPr>
+          </a:p>
+          <a:p>
+            <a:pPr>
+              <a:lnSpc>
+                <a:spcPct val="114000"/>
+              </a:lnSpc>
+            </a:pPr>
             <a:r>
-              <a:rPr b="0" lang="de-DE" sz="2200" spc="-1" strike="noStrike">
+              <a:rPr lang="de-DE" sz="2200" b="0" strike="noStrike" spc="-1">
                 <a:solidFill>
                   <a:srgbClr val="000000"/>
                 </a:solidFill>
                 <a:uFill>
                   <a:solidFill>
-                    <a:srgbClr val="ffffff"/>
+                    <a:srgbClr val="FFFFFF"/>
                   </a:solidFill>
                 </a:uFill>
                 <a:latin typeface="Arial"/>
               </a:rPr>
-              <a:t>Creating a new display in paraview out of the selected cells</a:t>
+              <a:t>How it can help us</a:t>
             </a:r>
-            <a:endParaRPr b="0" lang="de-DE" sz="1600" spc="-1" strike="noStrike">
-              <a:solidFill>
-                <a:srgbClr val="000000"/>
-              </a:solidFill>
-              <a:uFill>
-                <a:solidFill>
-                  <a:srgbClr val="ffffff"/>
-                </a:solidFill>
-              </a:uFill>
-              <a:latin typeface="Arial"/>
-            </a:endParaRPr>
-          </a:p>
-        </p:txBody>
-      </p:sp>
-      <p:sp>
-        <p:nvSpPr>
-          <p:cNvPr id="102" name="TextShape 2"/>
+            <a:endParaRPr lang="de-DE" sz="1600" b="0" strike="noStrike" spc="-1">
+              <a:solidFill>
+                <a:srgbClr val="000000"/>
+              </a:solidFill>
+              <a:uFill>
+                <a:solidFill>
+                  <a:srgbClr val="FFFFFF"/>
+                </a:solidFill>
+              </a:uFill>
+              <a:latin typeface="Arial"/>
+            </a:endParaRPr>
+          </a:p>
+          <a:p>
+            <a:pPr>
+              <a:lnSpc>
+                <a:spcPct val="114000"/>
+              </a:lnSpc>
+            </a:pPr>
+            <a:endParaRPr lang="de-DE" sz="1600" b="0" strike="noStrike" spc="-1">
+              <a:solidFill>
+                <a:srgbClr val="000000"/>
+              </a:solidFill>
+              <a:uFill>
+                <a:solidFill>
+                  <a:srgbClr val="FFFFFF"/>
+                </a:solidFill>
+              </a:uFill>
+              <a:latin typeface="Arial"/>
+            </a:endParaRPr>
+          </a:p>
+          <a:p>
+            <a:pPr>
+              <a:lnSpc>
+                <a:spcPct val="114000"/>
+              </a:lnSpc>
+            </a:pPr>
+            <a:endParaRPr lang="de-DE" sz="1600" b="0" strike="noStrike" spc="-1">
+              <a:solidFill>
+                <a:srgbClr val="000000"/>
+              </a:solidFill>
+              <a:uFill>
+                <a:solidFill>
+                  <a:srgbClr val="FFFFFF"/>
+                </a:solidFill>
+              </a:uFill>
+              <a:latin typeface="Arial"/>
+            </a:endParaRPr>
+          </a:p>
+          <a:p>
+            <a:pPr>
+              <a:lnSpc>
+                <a:spcPct val="114000"/>
+              </a:lnSpc>
+            </a:pPr>
+            <a:endParaRPr lang="de-DE" sz="1600" b="0" strike="noStrike" spc="-1">
+              <a:solidFill>
+                <a:srgbClr val="000000"/>
+              </a:solidFill>
+              <a:uFill>
+                <a:solidFill>
+                  <a:srgbClr val="FFFFFF"/>
+                </a:solidFill>
+              </a:uFill>
+              <a:latin typeface="Arial"/>
+            </a:endParaRPr>
+          </a:p>
+        </p:txBody>
+      </p:sp>
+      <p:sp>
+        <p:nvSpPr>
+          <p:cNvPr id="98" name="TextShape 2"/>
           <p:cNvSpPr txBox="1"/>
           <p:nvPr/>
         </p:nvSpPr>
@@ -6469,33 +7152,34 @@
         </p:spPr>
         <p:txBody>
           <a:bodyPr lIns="0" rIns="0" anchor="ctr"/>
+          <a:lstStyle/>
           <a:p>
             <a:pPr algn="r">
               <a:lnSpc>
                 <a:spcPct val="100000"/>
               </a:lnSpc>
             </a:pPr>
-            <a:fld id="{F10E84C2-3D4A-4B54-B745-F6C41176937F}" type="slidenum">
-              <a:rPr b="0" lang="de-DE" sz="1200" spc="-1" strike="noStrike">
+            <a:fld id="{6C6E63D9-56E4-4498-8999-7626C6F08C51}" type="slidenum">
+              <a:rPr lang="de-DE" sz="1200" b="0" strike="noStrike" spc="-1">
                 <a:solidFill>
                   <a:srgbClr val="000000"/>
                 </a:solidFill>
                 <a:uFill>
                   <a:solidFill>
-                    <a:srgbClr val="ffffff"/>
+                    <a:srgbClr val="FFFFFF"/>
                   </a:solidFill>
                 </a:uFill>
                 <a:latin typeface="Arial"/>
               </a:rPr>
-              <a:t>1</a:t>
+              <a:t>5</a:t>
             </a:fld>
-            <a:endParaRPr b="0" lang="de-DE" sz="1200" spc="-1" strike="noStrike">
-              <a:solidFill>
-                <a:srgbClr val="000000"/>
-              </a:solidFill>
-              <a:uFill>
-                <a:solidFill>
-                  <a:srgbClr val="ffffff"/>
+            <a:endParaRPr lang="de-DE" sz="1200" b="0" strike="noStrike" spc="-1">
+              <a:solidFill>
+                <a:srgbClr val="000000"/>
+              </a:solidFill>
+              <a:uFill>
+                <a:solidFill>
+                  <a:srgbClr val="FFFFFF"/>
                 </a:solidFill>
               </a:uFill>
               <a:latin typeface="Times New Roman"/>
@@ -6505,7 +7189,7 @@
       </p:sp>
       <p:sp>
         <p:nvSpPr>
-          <p:cNvPr id="103" name="TextShape 3"/>
+          <p:cNvPr id="99" name="TextShape 3"/>
           <p:cNvSpPr txBox="1"/>
           <p:nvPr/>
         </p:nvSpPr>
@@ -6524,6 +7208,7 @@
         </p:spPr>
         <p:txBody>
           <a:bodyPr lIns="0" rIns="0" anchor="ctr"/>
+          <a:lstStyle/>
           <a:p>
             <a:pPr>
               <a:lnSpc>
@@ -6531,26 +7216,26 @@
               </a:lnSpc>
             </a:pPr>
             <a:r>
-              <a:rPr b="0" lang="de-DE" sz="1200" spc="-1" strike="noStrike">
+              <a:rPr lang="de-DE" sz="1200" b="0" strike="noStrike" spc="-1">
                 <a:solidFill>
                   <a:srgbClr val="000000"/>
                 </a:solidFill>
                 <a:uFill>
                   <a:solidFill>
-                    <a:srgbClr val="ffffff"/>
+                    <a:srgbClr val="FFFFFF"/>
                   </a:solidFill>
                 </a:uFill>
                 <a:latin typeface="Arial"/>
               </a:rPr>
               <a:t>Oztoprak, Oguz (TUM) | Droll, Darwin (TUM) | Python-based Paraview postprocessing</a:t>
             </a:r>
-            <a:endParaRPr b="0" lang="de-DE" sz="1200" spc="-1" strike="noStrike">
-              <a:solidFill>
-                <a:srgbClr val="000000"/>
-              </a:solidFill>
-              <a:uFill>
-                <a:solidFill>
-                  <a:srgbClr val="ffffff"/>
+            <a:endParaRPr lang="de-DE" sz="1200" b="0" strike="noStrike" spc="-1">
+              <a:solidFill>
+                <a:srgbClr val="000000"/>
+              </a:solidFill>
+              <a:uFill>
+                <a:solidFill>
+                  <a:srgbClr val="FFFFFF"/>
                 </a:solidFill>
               </a:uFill>
               <a:latin typeface="Times New Roman"/>
@@ -6560,7 +7245,7 @@
       </p:sp>
       <p:sp>
         <p:nvSpPr>
-          <p:cNvPr id="104" name="TextShape 4"/>
+          <p:cNvPr id="100" name="TextShape 4"/>
           <p:cNvSpPr txBox="1"/>
           <p:nvPr/>
         </p:nvSpPr>
@@ -6578,7 +7263,8 @@
           </a:ln>
         </p:spPr>
         <p:txBody>
-          <a:bodyPr lIns="0" rIns="0" tIns="0" bIns="0"/>
+          <a:bodyPr lIns="0" tIns="0" rIns="0" bIns="0"/>
+          <a:lstStyle/>
           <a:p>
             <a:pPr>
               <a:lnSpc>
@@ -6586,26 +7272,26 @@
               </a:lnSpc>
             </a:pPr>
             <a:r>
-              <a:rPr b="0" lang="de-DE" sz="3000" spc="-1" strike="noStrike">
+              <a:rPr lang="de-DE" sz="3000" b="0" strike="noStrike" spc="-1">
                 <a:solidFill>
                   <a:srgbClr val="000000"/>
                 </a:solidFill>
                 <a:uFill>
                   <a:solidFill>
-                    <a:srgbClr val="ffffff"/>
+                    <a:srgbClr val="FFFFFF"/>
                   </a:solidFill>
                 </a:uFill>
                 <a:latin typeface="Arial"/>
               </a:rPr>
-              <a:t>Features</a:t>
+              <a:t>Paraview</a:t>
             </a:r>
-            <a:endParaRPr b="0" lang="de-DE" sz="2200" spc="-1" strike="noStrike">
-              <a:solidFill>
-                <a:srgbClr val="000000"/>
-              </a:solidFill>
-              <a:uFill>
-                <a:solidFill>
-                  <a:srgbClr val="ffffff"/>
+            <a:endParaRPr lang="de-DE" sz="2200" b="0" strike="noStrike" spc="-1">
+              <a:solidFill>
+                <a:srgbClr val="000000"/>
+              </a:solidFill>
+              <a:uFill>
+                <a:solidFill>
+                  <a:srgbClr val="FFFFFF"/>
                 </a:solidFill>
               </a:uFill>
               <a:latin typeface="Arial"/>
@@ -6615,22 +7301,25 @@
       </p:sp>
     </p:spTree>
   </p:cSld>
+  <p:clrMapOvr>
+    <a:masterClrMapping/>
+  </p:clrMapOvr>
   <p:timing>
     <p:tnLst>
       <p:par>
-        <p:cTn id="9" dur="indefinite" restart="never" nodeType="tmRoot">
+        <p:cTn id="1" dur="indefinite" restart="never" nodeType="tmRoot">
           <p:childTnLst>
             <p:seq>
-              <p:cTn id="10" nodeType="mainSeq"/>
+              <p:cTn id="2" nodeType="mainSeq"/>
               <p:prevCondLst>
-                <p:cond delay="0" evt="onPrev">
+                <p:cond evt="onPrev" delay="0">
                   <p:tgtEl>
                     <p:sldTgt/>
                   </p:tgtEl>
                 </p:cond>
               </p:prevCondLst>
               <p:nextCondLst>
-                <p:cond delay="0" evt="onNext">
+                <p:cond evt="onNext" delay="0">
                   <p:tgtEl>
                     <p:sldTgt/>
                   </p:tgtEl>
@@ -6646,7 +7335,7 @@
 </file>
 
 <file path=ppt/slides/slide6.xml><?xml version="1.0" encoding="utf-8"?>
-<p:sld xmlns:a="http://schemas.openxmlformats.org/drawingml/2006/main" xmlns:p="http://schemas.openxmlformats.org/presentationml/2006/main" xmlns:r="http://schemas.openxmlformats.org/officeDocument/2006/relationships" xmlns:p14="http://schemas.microsoft.com/office/powerpoint/2010/main" xmlns:p15="http://schemas.microsoft.com/office/powerpoint/2012/main" xmlns:mc="http://schemas.openxmlformats.org/markup-compatibility/2006">
+<p:sld xmlns:a="http://schemas.openxmlformats.org/drawingml/2006/main" xmlns:r="http://schemas.openxmlformats.org/officeDocument/2006/relationships" xmlns:p="http://schemas.openxmlformats.org/presentationml/2006/main">
   <p:cSld>
     <p:spTree>
       <p:nvGrpSpPr>
@@ -6664,7 +7353,7 @@
       </p:grpSpPr>
       <p:sp>
         <p:nvSpPr>
-          <p:cNvPr id="105" name="TextShape 1"/>
+          <p:cNvPr id="101" name="TextShape 1"/>
           <p:cNvSpPr txBox="1"/>
           <p:nvPr/>
         </p:nvSpPr>
@@ -6682,20 +7371,21 @@
           </a:ln>
         </p:spPr>
         <p:txBody>
-          <a:bodyPr lIns="0" rIns="0" tIns="0" bIns="0"/>
+          <a:bodyPr lIns="0" tIns="0" rIns="0" bIns="0"/>
+          <a:lstStyle/>
           <a:p>
             <a:pPr>
               <a:lnSpc>
                 <a:spcPct val="114000"/>
               </a:lnSpc>
             </a:pPr>
-            <a:endParaRPr b="0" lang="de-DE" sz="1600" spc="-1" strike="noStrike">
-              <a:solidFill>
-                <a:srgbClr val="000000"/>
-              </a:solidFill>
-              <a:uFill>
-                <a:solidFill>
-                  <a:srgbClr val="ffffff"/>
+            <a:endParaRPr lang="de-DE" sz="1600" b="0" strike="noStrike" spc="-1">
+              <a:solidFill>
+                <a:srgbClr val="000000"/>
+              </a:solidFill>
+              <a:uFill>
+                <a:solidFill>
+                  <a:srgbClr val="FFFFFF"/>
                 </a:solidFill>
               </a:uFill>
               <a:latin typeface="Arial"/>
@@ -6708,26 +7398,26 @@
               </a:lnSpc>
             </a:pPr>
             <a:r>
-              <a:rPr b="0" lang="de-DE" sz="2200" spc="-1" strike="noStrike">
+              <a:rPr lang="de-DE" sz="2200" b="0" strike="noStrike" spc="-1">
                 <a:solidFill>
                   <a:srgbClr val="000000"/>
                 </a:solidFill>
                 <a:uFill>
                   <a:solidFill>
-                    <a:srgbClr val="ffffff"/>
+                    <a:srgbClr val="FFFFFF"/>
                   </a:solidFill>
                 </a:uFill>
                 <a:latin typeface="Arial"/>
               </a:rPr>
-              <a:t>What we have done till now</a:t>
+              <a:t>Selecting of cells</a:t>
             </a:r>
-            <a:endParaRPr b="0" lang="de-DE" sz="1600" spc="-1" strike="noStrike">
-              <a:solidFill>
-                <a:srgbClr val="000000"/>
-              </a:solidFill>
-              <a:uFill>
-                <a:solidFill>
-                  <a:srgbClr val="ffffff"/>
+            <a:endParaRPr lang="de-DE" sz="1600" b="0" strike="noStrike" spc="-1">
+              <a:solidFill>
+                <a:srgbClr val="000000"/>
+              </a:solidFill>
+              <a:uFill>
+                <a:solidFill>
+                  <a:srgbClr val="FFFFFF"/>
                 </a:solidFill>
               </a:uFill>
               <a:latin typeface="Arial"/>
@@ -6739,13 +7429,27 @@
                 <a:spcPct val="114000"/>
               </a:lnSpc>
             </a:pPr>
-            <a:endParaRPr b="0" lang="de-DE" sz="1600" spc="-1" strike="noStrike">
-              <a:solidFill>
-                <a:srgbClr val="000000"/>
-              </a:solidFill>
-              <a:uFill>
-                <a:solidFill>
-                  <a:srgbClr val="ffffff"/>
+            <a:r>
+              <a:rPr lang="de-DE" sz="2200" b="0" strike="noStrike" spc="-1">
+                <a:solidFill>
+                  <a:srgbClr val="000000"/>
+                </a:solidFill>
+                <a:uFill>
+                  <a:solidFill>
+                    <a:srgbClr val="FFFFFF"/>
+                  </a:solidFill>
+                </a:uFill>
+                <a:latin typeface="Arial"/>
+              </a:rPr>
+              <a:t>Distribution to Adhoc</a:t>
+            </a:r>
+            <a:endParaRPr lang="de-DE" sz="1600" b="0" strike="noStrike" spc="-1">
+              <a:solidFill>
+                <a:srgbClr val="000000"/>
+              </a:solidFill>
+              <a:uFill>
+                <a:solidFill>
+                  <a:srgbClr val="FFFFFF"/>
                 </a:solidFill>
               </a:uFill>
               <a:latin typeface="Arial"/>
@@ -6758,104 +7462,36 @@
               </a:lnSpc>
             </a:pPr>
             <a:r>
-              <a:rPr b="0" lang="de-DE" sz="2200" spc="-1" strike="noStrike">
+              <a:rPr lang="de-DE" sz="2200" b="0" strike="noStrike" spc="-1">
                 <a:solidFill>
                   <a:srgbClr val="000000"/>
                 </a:solidFill>
                 <a:uFill>
                   <a:solidFill>
-                    <a:srgbClr val="ffffff"/>
-                  </a:solidFill>
-                </a:uFill>
-                <a:latin typeface="Arial"/>
-              </a:rPr>
-              <a:t>Next steps &amp; tasks</a:t>
-            </a:r>
-            <a:endParaRPr b="0" lang="de-DE" sz="1600" spc="-1" strike="noStrike">
-              <a:solidFill>
-                <a:srgbClr val="000000"/>
-              </a:solidFill>
-              <a:uFill>
-                <a:solidFill>
-                  <a:srgbClr val="ffffff"/>
-                </a:solidFill>
-              </a:uFill>
-              <a:latin typeface="Arial"/>
-            </a:endParaRPr>
-          </a:p>
-          <a:p>
-            <a:pPr>
-              <a:lnSpc>
-                <a:spcPct val="114000"/>
-              </a:lnSpc>
-            </a:pPr>
-            <a:endParaRPr b="0" lang="de-DE" sz="1600" spc="-1" strike="noStrike">
-              <a:solidFill>
-                <a:srgbClr val="000000"/>
-              </a:solidFill>
-              <a:uFill>
-                <a:solidFill>
-                  <a:srgbClr val="ffffff"/>
-                </a:solidFill>
-              </a:uFill>
-              <a:latin typeface="Arial"/>
-            </a:endParaRPr>
-          </a:p>
-          <a:p>
-            <a:pPr>
-              <a:lnSpc>
-                <a:spcPct val="114000"/>
-              </a:lnSpc>
-            </a:pPr>
-            <a:endParaRPr b="0" lang="de-DE" sz="1600" spc="-1" strike="noStrike">
-              <a:solidFill>
-                <a:srgbClr val="000000"/>
-              </a:solidFill>
-              <a:uFill>
-                <a:solidFill>
-                  <a:srgbClr val="ffffff"/>
-                </a:solidFill>
-              </a:uFill>
-              <a:latin typeface="Arial"/>
-            </a:endParaRPr>
-          </a:p>
-          <a:p>
-            <a:pPr>
-              <a:lnSpc>
-                <a:spcPct val="114000"/>
-              </a:lnSpc>
-            </a:pPr>
-            <a:r>
-              <a:rPr b="0" lang="de-DE" sz="2200" spc="-1" strike="noStrike">
-                <a:solidFill>
-                  <a:srgbClr val="000000"/>
-                </a:solidFill>
-                <a:uFill>
-                  <a:solidFill>
-                    <a:srgbClr val="ffffff"/>
+                    <a:srgbClr val="FFFFFF"/>
                   </a:solidFill>
                 </a:uFill>
                 <a:latin typeface="Arial"/>
               </a:rPr>
               <a:t>Creating a new display in paraview out of the selected cells</a:t>
             </a:r>
-            <a:endParaRPr b="0" lang="de-DE" sz="1600" spc="-1" strike="noStrike">
-              <a:solidFill>
-                <a:srgbClr val="000000"/>
-              </a:solidFill>
-              <a:uFill>
-                <a:solidFill>
-                  <a:srgbClr val="ffffff"/>
-                </a:solidFill>
-              </a:uFill>
-              <a:latin typeface="Arial"/>
-            </a:endParaRPr>
-          </a:p>
-        </p:txBody>
-      </p:sp>
-      <p:sp>
-        <p:nvSpPr>
-          <p:cNvPr id="106" name="TextShape 2"/>
+            <a:endParaRPr lang="de-DE" sz="1600" b="0" strike="noStrike" spc="-1">
+              <a:solidFill>
+                <a:srgbClr val="000000"/>
+              </a:solidFill>
+              <a:uFill>
+                <a:solidFill>
+                  <a:srgbClr val="FFFFFF"/>
+                </a:solidFill>
+              </a:uFill>
+              <a:latin typeface="Arial"/>
+            </a:endParaRPr>
+          </a:p>
+        </p:txBody>
+      </p:sp>
+      <p:sp>
+        <p:nvSpPr>
+          <p:cNvPr id="102" name="TextShape 2"/>
           <p:cNvSpPr txBox="1"/>
           <p:nvPr/>
         </p:nvSpPr>
@@ -6874,33 +7510,34 @@
         </p:spPr>
         <p:txBody>
           <a:bodyPr lIns="0" rIns="0" anchor="ctr"/>
+          <a:lstStyle/>
           <a:p>
             <a:pPr algn="r">
               <a:lnSpc>
                 <a:spcPct val="100000"/>
               </a:lnSpc>
             </a:pPr>
-            <a:fld id="{4B44C603-F75B-4368-8B11-8EC5E8B93C11}" type="slidenum">
-              <a:rPr b="0" lang="de-DE" sz="1200" spc="-1" strike="noStrike">
+            <a:fld id="{F10E84C2-3D4A-4B54-B745-F6C41176937F}" type="slidenum">
+              <a:rPr lang="de-DE" sz="1200" b="0" strike="noStrike" spc="-1">
                 <a:solidFill>
                   <a:srgbClr val="000000"/>
                 </a:solidFill>
                 <a:uFill>
                   <a:solidFill>
-                    <a:srgbClr val="ffffff"/>
+                    <a:srgbClr val="FFFFFF"/>
                   </a:solidFill>
                 </a:uFill>
                 <a:latin typeface="Arial"/>
               </a:rPr>
-              <a:t>1</a:t>
+              <a:t>6</a:t>
             </a:fld>
-            <a:endParaRPr b="0" lang="de-DE" sz="1200" spc="-1" strike="noStrike">
-              <a:solidFill>
-                <a:srgbClr val="000000"/>
-              </a:solidFill>
-              <a:uFill>
-                <a:solidFill>
-                  <a:srgbClr val="ffffff"/>
+            <a:endParaRPr lang="de-DE" sz="1200" b="0" strike="noStrike" spc="-1">
+              <a:solidFill>
+                <a:srgbClr val="000000"/>
+              </a:solidFill>
+              <a:uFill>
+                <a:solidFill>
+                  <a:srgbClr val="FFFFFF"/>
                 </a:solidFill>
               </a:uFill>
               <a:latin typeface="Times New Roman"/>
@@ -6910,7 +7547,7 @@
       </p:sp>
       <p:sp>
         <p:nvSpPr>
-          <p:cNvPr id="107" name="TextShape 3"/>
+          <p:cNvPr id="103" name="TextShape 3"/>
           <p:cNvSpPr txBox="1"/>
           <p:nvPr/>
         </p:nvSpPr>
@@ -6929,6 +7566,7 @@
         </p:spPr>
         <p:txBody>
           <a:bodyPr lIns="0" rIns="0" anchor="ctr"/>
+          <a:lstStyle/>
           <a:p>
             <a:pPr>
               <a:lnSpc>
@@ -6936,26 +7574,26 @@
               </a:lnSpc>
             </a:pPr>
             <a:r>
-              <a:rPr b="0" lang="de-DE" sz="1200" spc="-1" strike="noStrike">
+              <a:rPr lang="de-DE" sz="1200" b="0" strike="noStrike" spc="-1">
                 <a:solidFill>
                   <a:srgbClr val="000000"/>
                 </a:solidFill>
                 <a:uFill>
                   <a:solidFill>
-                    <a:srgbClr val="ffffff"/>
+                    <a:srgbClr val="FFFFFF"/>
                   </a:solidFill>
                 </a:uFill>
                 <a:latin typeface="Arial"/>
               </a:rPr>
               <a:t>Oztoprak, Oguz (TUM) | Droll, Darwin (TUM) | Python-based Paraview postprocessing</a:t>
             </a:r>
-            <a:endParaRPr b="0" lang="de-DE" sz="1200" spc="-1" strike="noStrike">
-              <a:solidFill>
-                <a:srgbClr val="000000"/>
-              </a:solidFill>
-              <a:uFill>
-                <a:solidFill>
-                  <a:srgbClr val="ffffff"/>
+            <a:endParaRPr lang="de-DE" sz="1200" b="0" strike="noStrike" spc="-1">
+              <a:solidFill>
+                <a:srgbClr val="000000"/>
+              </a:solidFill>
+              <a:uFill>
+                <a:solidFill>
+                  <a:srgbClr val="FFFFFF"/>
                 </a:solidFill>
               </a:uFill>
               <a:latin typeface="Times New Roman"/>
@@ -6965,7 +7603,7 @@
       </p:sp>
       <p:sp>
         <p:nvSpPr>
-          <p:cNvPr id="108" name="TextShape 4"/>
+          <p:cNvPr id="104" name="TextShape 4"/>
           <p:cNvSpPr txBox="1"/>
           <p:nvPr/>
         </p:nvSpPr>
@@ -6983,7 +7621,8 @@
           </a:ln>
         </p:spPr>
         <p:txBody>
-          <a:bodyPr lIns="0" rIns="0" tIns="0" bIns="0"/>
+          <a:bodyPr lIns="0" tIns="0" rIns="0" bIns="0"/>
+          <a:lstStyle/>
           <a:p>
             <a:pPr>
               <a:lnSpc>
@@ -6991,26 +7630,26 @@
               </a:lnSpc>
             </a:pPr>
             <a:r>
-              <a:rPr b="0" lang="de-DE" sz="3000" spc="-1" strike="noStrike">
+              <a:rPr lang="de-DE" sz="3000" b="0" strike="noStrike" spc="-1">
                 <a:solidFill>
                   <a:srgbClr val="000000"/>
                 </a:solidFill>
                 <a:uFill>
                   <a:solidFill>
-                    <a:srgbClr val="ffffff"/>
+                    <a:srgbClr val="FFFFFF"/>
                   </a:solidFill>
                 </a:uFill>
                 <a:latin typeface="Arial"/>
               </a:rPr>
-              <a:t>Timeline</a:t>
+              <a:t>Features</a:t>
             </a:r>
-            <a:endParaRPr b="0" lang="de-DE" sz="2200" spc="-1" strike="noStrike">
-              <a:solidFill>
-                <a:srgbClr val="000000"/>
-              </a:solidFill>
-              <a:uFill>
-                <a:solidFill>
-                  <a:srgbClr val="ffffff"/>
+            <a:endParaRPr lang="de-DE" sz="2200" b="0" strike="noStrike" spc="-1">
+              <a:solidFill>
+                <a:srgbClr val="000000"/>
+              </a:solidFill>
+              <a:uFill>
+                <a:solidFill>
+                  <a:srgbClr val="FFFFFF"/>
                 </a:solidFill>
               </a:uFill>
               <a:latin typeface="Arial"/>
@@ -7020,22 +7659,25 @@
       </p:sp>
     </p:spTree>
   </p:cSld>
+  <p:clrMapOvr>
+    <a:masterClrMapping/>
+  </p:clrMapOvr>
   <p:timing>
     <p:tnLst>
       <p:par>
-        <p:cTn id="11" dur="indefinite" restart="never" nodeType="tmRoot">
+        <p:cTn id="1" dur="indefinite" restart="never" nodeType="tmRoot">
           <p:childTnLst>
             <p:seq>
-              <p:cTn id="12" nodeType="mainSeq"/>
+              <p:cTn id="2" nodeType="mainSeq"/>
               <p:prevCondLst>
-                <p:cond delay="0" evt="onPrev">
+                <p:cond evt="onPrev" delay="0">
                   <p:tgtEl>
                     <p:sldTgt/>
                   </p:tgtEl>
                 </p:cond>
               </p:prevCondLst>
               <p:nextCondLst>
-                <p:cond delay="0" evt="onNext">
+                <p:cond evt="onNext" delay="0">
                   <p:tgtEl>
                     <p:sldTgt/>
                   </p:tgtEl>
@@ -7051,7 +7693,7 @@
 </file>
 
 <file path=ppt/slides/slide7.xml><?xml version="1.0" encoding="utf-8"?>
-<p:sld xmlns:a="http://schemas.openxmlformats.org/drawingml/2006/main" xmlns:p="http://schemas.openxmlformats.org/presentationml/2006/main" xmlns:r="http://schemas.openxmlformats.org/officeDocument/2006/relationships" xmlns:p14="http://schemas.microsoft.com/office/powerpoint/2010/main" xmlns:p15="http://schemas.microsoft.com/office/powerpoint/2012/main" xmlns:mc="http://schemas.openxmlformats.org/markup-compatibility/2006">
+<p:sld xmlns:a="http://schemas.openxmlformats.org/drawingml/2006/main" xmlns:r="http://schemas.openxmlformats.org/officeDocument/2006/relationships" xmlns:p="http://schemas.openxmlformats.org/presentationml/2006/main">
   <p:cSld>
     <p:spTree>
       <p:nvGrpSpPr>
@@ -7069,7 +7711,7 @@
       </p:grpSpPr>
       <p:sp>
         <p:nvSpPr>
-          <p:cNvPr id="109" name="TextShape 1"/>
+          <p:cNvPr id="105" name="TextShape 1"/>
           <p:cNvSpPr txBox="1"/>
           <p:nvPr/>
         </p:nvSpPr>
@@ -7087,20 +7729,21 @@
           </a:ln>
         </p:spPr>
         <p:txBody>
-          <a:bodyPr lIns="0" rIns="0" tIns="0" bIns="0"/>
+          <a:bodyPr lIns="0" tIns="0" rIns="0" bIns="0"/>
+          <a:lstStyle/>
           <a:p>
             <a:pPr>
               <a:lnSpc>
                 <a:spcPct val="114000"/>
               </a:lnSpc>
             </a:pPr>
-            <a:endParaRPr b="0" lang="de-DE" sz="1600" spc="-1" strike="noStrike">
-              <a:solidFill>
-                <a:srgbClr val="000000"/>
-              </a:solidFill>
-              <a:uFill>
-                <a:solidFill>
-                  <a:srgbClr val="ffffff"/>
+            <a:endParaRPr lang="de-DE" sz="1600" b="0" strike="noStrike" spc="-1">
+              <a:solidFill>
+                <a:srgbClr val="000000"/>
+              </a:solidFill>
+              <a:uFill>
+                <a:solidFill>
+                  <a:srgbClr val="FFFFFF"/>
                 </a:solidFill>
               </a:uFill>
               <a:latin typeface="Arial"/>
@@ -7113,26 +7756,26 @@
               </a:lnSpc>
             </a:pPr>
             <a:r>
-              <a:rPr b="0" lang="de-DE" sz="2200" spc="-1" strike="noStrike">
+              <a:rPr lang="de-DE" sz="2200" b="0" strike="noStrike" spc="-1">
                 <a:solidFill>
                   <a:srgbClr val="000000"/>
                 </a:solidFill>
                 <a:uFill>
                   <a:solidFill>
-                    <a:srgbClr val="ffffff"/>
+                    <a:srgbClr val="FFFFFF"/>
                   </a:solidFill>
                 </a:uFill>
                 <a:latin typeface="Arial"/>
               </a:rPr>
-              <a:t>Pvpython</a:t>
+              <a:t>What we have done till now</a:t>
             </a:r>
-            <a:endParaRPr b="0" lang="de-DE" sz="1600" spc="-1" strike="noStrike">
-              <a:solidFill>
-                <a:srgbClr val="000000"/>
-              </a:solidFill>
-              <a:uFill>
-                <a:solidFill>
-                  <a:srgbClr val="ffffff"/>
+            <a:endParaRPr lang="de-DE" sz="1600" b="0" strike="noStrike" spc="-1">
+              <a:solidFill>
+                <a:srgbClr val="000000"/>
+              </a:solidFill>
+              <a:uFill>
+                <a:solidFill>
+                  <a:srgbClr val="FFFFFF"/>
                 </a:solidFill>
               </a:uFill>
               <a:latin typeface="Arial"/>
@@ -7144,27 +7787,45 @@
                 <a:spcPct val="114000"/>
               </a:lnSpc>
             </a:pPr>
+            <a:endParaRPr lang="de-DE" sz="1600" b="0" strike="noStrike" spc="-1">
+              <a:solidFill>
+                <a:srgbClr val="000000"/>
+              </a:solidFill>
+              <a:uFill>
+                <a:solidFill>
+                  <a:srgbClr val="FFFFFF"/>
+                </a:solidFill>
+              </a:uFill>
+              <a:latin typeface="Arial"/>
+            </a:endParaRPr>
+          </a:p>
+          <a:p>
+            <a:pPr>
+              <a:lnSpc>
+                <a:spcPct val="114000"/>
+              </a:lnSpc>
+            </a:pPr>
             <a:r>
-              <a:rPr b="0" lang="de-DE" sz="2200" spc="-1" strike="noStrike">
+              <a:rPr lang="de-DE" sz="2200" b="0" strike="noStrike" spc="-1">
                 <a:solidFill>
                   <a:srgbClr val="000000"/>
                 </a:solidFill>
                 <a:uFill>
                   <a:solidFill>
-                    <a:srgbClr val="ffffff"/>
+                    <a:srgbClr val="FFFFFF"/>
                   </a:solidFill>
                 </a:uFill>
                 <a:latin typeface="Arial"/>
               </a:rPr>
-              <a:t>Parview</a:t>
+              <a:t>Next steps &amp; tasks</a:t>
             </a:r>
-            <a:endParaRPr b="0" lang="de-DE" sz="1600" spc="-1" strike="noStrike">
-              <a:solidFill>
-                <a:srgbClr val="000000"/>
-              </a:solidFill>
-              <a:uFill>
-                <a:solidFill>
-                  <a:srgbClr val="ffffff"/>
+            <a:endParaRPr lang="de-DE" sz="1600" b="0" strike="noStrike" spc="-1">
+              <a:solidFill>
+                <a:srgbClr val="000000"/>
+              </a:solidFill>
+              <a:uFill>
+                <a:solidFill>
+                  <a:srgbClr val="FFFFFF"/>
                 </a:solidFill>
               </a:uFill>
               <a:latin typeface="Arial"/>
@@ -7176,55 +7837,73 @@
                 <a:spcPct val="114000"/>
               </a:lnSpc>
             </a:pPr>
+            <a:endParaRPr lang="de-DE" sz="1600" b="0" strike="noStrike" spc="-1">
+              <a:solidFill>
+                <a:srgbClr val="000000"/>
+              </a:solidFill>
+              <a:uFill>
+                <a:solidFill>
+                  <a:srgbClr val="FFFFFF"/>
+                </a:solidFill>
+              </a:uFill>
+              <a:latin typeface="Arial"/>
+            </a:endParaRPr>
+          </a:p>
+          <a:p>
+            <a:pPr>
+              <a:lnSpc>
+                <a:spcPct val="114000"/>
+              </a:lnSpc>
+            </a:pPr>
+            <a:endParaRPr lang="de-DE" sz="1600" b="0" strike="noStrike" spc="-1">
+              <a:solidFill>
+                <a:srgbClr val="000000"/>
+              </a:solidFill>
+              <a:uFill>
+                <a:solidFill>
+                  <a:srgbClr val="FFFFFF"/>
+                </a:solidFill>
+              </a:uFill>
+              <a:latin typeface="Arial"/>
+            </a:endParaRPr>
+          </a:p>
+          <a:p>
+            <a:pPr>
+              <a:lnSpc>
+                <a:spcPct val="114000"/>
+              </a:lnSpc>
+            </a:pPr>
             <a:r>
-              <a:rPr b="0" lang="de-DE" sz="2200" spc="-1" strike="noStrike">
+              <a:rPr lang="de-DE" sz="2200" b="0" strike="noStrike" spc="-1">
                 <a:solidFill>
                   <a:srgbClr val="000000"/>
                 </a:solidFill>
                 <a:uFill>
                   <a:solidFill>
-                    <a:srgbClr val="ffffff"/>
+                    <a:srgbClr val="FFFFFF"/>
                   </a:solidFill>
                 </a:uFill>
                 <a:latin typeface="Arial"/>
               </a:rPr>
-              <a:t>Git server (Ubuntu)</a:t>
+              <a:t>Creating a new display in paraview out of the selected cells</a:t>
             </a:r>
-            <a:endParaRPr b="0" lang="de-DE" sz="1600" spc="-1" strike="noStrike">
-              <a:solidFill>
-                <a:srgbClr val="000000"/>
-              </a:solidFill>
-              <a:uFill>
-                <a:solidFill>
-                  <a:srgbClr val="ffffff"/>
-                </a:solidFill>
-              </a:uFill>
-              <a:latin typeface="Arial"/>
-            </a:endParaRPr>
-          </a:p>
-          <a:p>
-            <a:pPr>
-              <a:lnSpc>
-                <a:spcPct val="114000"/>
-              </a:lnSpc>
-            </a:pPr>
-            <a:endParaRPr b="0" lang="de-DE" sz="1600" spc="-1" strike="noStrike">
-              <a:solidFill>
-                <a:srgbClr val="000000"/>
-              </a:solidFill>
-              <a:uFill>
-                <a:solidFill>
-                  <a:srgbClr val="ffffff"/>
-                </a:solidFill>
-              </a:uFill>
-              <a:latin typeface="Arial"/>
-            </a:endParaRPr>
-          </a:p>
-        </p:txBody>
-      </p:sp>
-      <p:sp>
-        <p:nvSpPr>
-          <p:cNvPr id="110" name="TextShape 2"/>
+            <a:endParaRPr lang="de-DE" sz="1600" b="0" strike="noStrike" spc="-1">
+              <a:solidFill>
+                <a:srgbClr val="000000"/>
+              </a:solidFill>
+              <a:uFill>
+                <a:solidFill>
+                  <a:srgbClr val="FFFFFF"/>
+                </a:solidFill>
+              </a:uFill>
+              <a:latin typeface="Arial"/>
+            </a:endParaRPr>
+          </a:p>
+        </p:txBody>
+      </p:sp>
+      <p:sp>
+        <p:nvSpPr>
+          <p:cNvPr id="106" name="TextShape 2"/>
           <p:cNvSpPr txBox="1"/>
           <p:nvPr/>
         </p:nvSpPr>
@@ -7243,33 +7922,34 @@
         </p:spPr>
         <p:txBody>
           <a:bodyPr lIns="0" rIns="0" anchor="ctr"/>
+          <a:lstStyle/>
           <a:p>
             <a:pPr algn="r">
               <a:lnSpc>
                 <a:spcPct val="100000"/>
               </a:lnSpc>
             </a:pPr>
-            <a:fld id="{2F517143-2A28-479A-B4F8-D7AAA1A0FCDF}" type="slidenum">
-              <a:rPr b="0" lang="de-DE" sz="1200" spc="-1" strike="noStrike">
+            <a:fld id="{4B44C603-F75B-4368-8B11-8EC5E8B93C11}" type="slidenum">
+              <a:rPr lang="de-DE" sz="1200" b="0" strike="noStrike" spc="-1">
                 <a:solidFill>
                   <a:srgbClr val="000000"/>
                 </a:solidFill>
                 <a:uFill>
                   <a:solidFill>
-                    <a:srgbClr val="ffffff"/>
+                    <a:srgbClr val="FFFFFF"/>
                   </a:solidFill>
                 </a:uFill>
                 <a:latin typeface="Arial"/>
               </a:rPr>
-              <a:t>1</a:t>
+              <a:t>7</a:t>
             </a:fld>
-            <a:endParaRPr b="0" lang="de-DE" sz="1200" spc="-1" strike="noStrike">
-              <a:solidFill>
-                <a:srgbClr val="000000"/>
-              </a:solidFill>
-              <a:uFill>
-                <a:solidFill>
-                  <a:srgbClr val="ffffff"/>
+            <a:endParaRPr lang="de-DE" sz="1200" b="0" strike="noStrike" spc="-1">
+              <a:solidFill>
+                <a:srgbClr val="000000"/>
+              </a:solidFill>
+              <a:uFill>
+                <a:solidFill>
+                  <a:srgbClr val="FFFFFF"/>
                 </a:solidFill>
               </a:uFill>
               <a:latin typeface="Times New Roman"/>
@@ -7279,7 +7959,7 @@
       </p:sp>
       <p:sp>
         <p:nvSpPr>
-          <p:cNvPr id="111" name="TextShape 3"/>
+          <p:cNvPr id="107" name="TextShape 3"/>
           <p:cNvSpPr txBox="1"/>
           <p:nvPr/>
         </p:nvSpPr>
@@ -7298,6 +7978,7 @@
         </p:spPr>
         <p:txBody>
           <a:bodyPr lIns="0" rIns="0" anchor="ctr"/>
+          <a:lstStyle/>
           <a:p>
             <a:pPr>
               <a:lnSpc>
@@ -7305,26 +7986,26 @@
               </a:lnSpc>
             </a:pPr>
             <a:r>
-              <a:rPr b="0" lang="de-DE" sz="1200" spc="-1" strike="noStrike">
+              <a:rPr lang="de-DE" sz="1200" b="0" strike="noStrike" spc="-1">
                 <a:solidFill>
                   <a:srgbClr val="000000"/>
                 </a:solidFill>
                 <a:uFill>
                   <a:solidFill>
-                    <a:srgbClr val="ffffff"/>
+                    <a:srgbClr val="FFFFFF"/>
                   </a:solidFill>
                 </a:uFill>
                 <a:latin typeface="Arial"/>
               </a:rPr>
               <a:t>Oztoprak, Oguz (TUM) | Droll, Darwin (TUM) | Python-based Paraview postprocessing</a:t>
             </a:r>
-            <a:endParaRPr b="0" lang="de-DE" sz="1200" spc="-1" strike="noStrike">
-              <a:solidFill>
-                <a:srgbClr val="000000"/>
-              </a:solidFill>
-              <a:uFill>
-                <a:solidFill>
-                  <a:srgbClr val="ffffff"/>
+            <a:endParaRPr lang="de-DE" sz="1200" b="0" strike="noStrike" spc="-1">
+              <a:solidFill>
+                <a:srgbClr val="000000"/>
+              </a:solidFill>
+              <a:uFill>
+                <a:solidFill>
+                  <a:srgbClr val="FFFFFF"/>
                 </a:solidFill>
               </a:uFill>
               <a:latin typeface="Times New Roman"/>
@@ -7334,7 +8015,7 @@
       </p:sp>
       <p:sp>
         <p:nvSpPr>
-          <p:cNvPr id="112" name="TextShape 4"/>
+          <p:cNvPr id="108" name="TextShape 4"/>
           <p:cNvSpPr txBox="1"/>
           <p:nvPr/>
         </p:nvSpPr>
@@ -7352,7 +8033,8 @@
           </a:ln>
         </p:spPr>
         <p:txBody>
-          <a:bodyPr lIns="0" rIns="0" tIns="0" bIns="0"/>
+          <a:bodyPr lIns="0" tIns="0" rIns="0" bIns="0"/>
+          <a:lstStyle/>
           <a:p>
             <a:pPr>
               <a:lnSpc>
@@ -7360,26 +8042,26 @@
               </a:lnSpc>
             </a:pPr>
             <a:r>
-              <a:rPr b="0" lang="de-DE" sz="3000" spc="-1" strike="noStrike">
+              <a:rPr lang="de-DE" sz="3000" b="0" strike="noStrike" spc="-1">
                 <a:solidFill>
                   <a:srgbClr val="000000"/>
                 </a:solidFill>
                 <a:uFill>
                   <a:solidFill>
-                    <a:srgbClr val="ffffff"/>
+                    <a:srgbClr val="FFFFFF"/>
                   </a:solidFill>
                 </a:uFill>
                 <a:latin typeface="Arial"/>
               </a:rPr>
-              <a:t>Strategy</a:t>
+              <a:t>Timeline</a:t>
             </a:r>
-            <a:endParaRPr b="0" lang="de-DE" sz="2200" spc="-1" strike="noStrike">
-              <a:solidFill>
-                <a:srgbClr val="000000"/>
-              </a:solidFill>
-              <a:uFill>
-                <a:solidFill>
-                  <a:srgbClr val="ffffff"/>
+            <a:endParaRPr lang="de-DE" sz="2200" b="0" strike="noStrike" spc="-1">
+              <a:solidFill>
+                <a:srgbClr val="000000"/>
+              </a:solidFill>
+              <a:uFill>
+                <a:solidFill>
+                  <a:srgbClr val="FFFFFF"/>
                 </a:solidFill>
               </a:uFill>
               <a:latin typeface="Arial"/>
@@ -7389,22 +8071,25 @@
       </p:sp>
     </p:spTree>
   </p:cSld>
+  <p:clrMapOvr>
+    <a:masterClrMapping/>
+  </p:clrMapOvr>
   <p:timing>
     <p:tnLst>
       <p:par>
-        <p:cTn id="13" dur="indefinite" restart="never" nodeType="tmRoot">
+        <p:cTn id="1" dur="indefinite" restart="never" nodeType="tmRoot">
           <p:childTnLst>
             <p:seq>
-              <p:cTn id="14" nodeType="mainSeq"/>
+              <p:cTn id="2" nodeType="mainSeq"/>
               <p:prevCondLst>
-                <p:cond delay="0" evt="onPrev">
+                <p:cond evt="onPrev" delay="0">
                   <p:tgtEl>
                     <p:sldTgt/>
                   </p:tgtEl>
                 </p:cond>
               </p:prevCondLst>
               <p:nextCondLst>
-                <p:cond delay="0" evt="onNext">
+                <p:cond evt="onNext" delay="0">
                   <p:tgtEl>
                     <p:sldTgt/>
                   </p:tgtEl>
@@ -7420,7 +8105,7 @@
 </file>
 
 <file path=ppt/slides/slide8.xml><?xml version="1.0" encoding="utf-8"?>
-<p:sld xmlns:a="http://schemas.openxmlformats.org/drawingml/2006/main" xmlns:p="http://schemas.openxmlformats.org/presentationml/2006/main" xmlns:r="http://schemas.openxmlformats.org/officeDocument/2006/relationships" xmlns:p14="http://schemas.microsoft.com/office/powerpoint/2010/main" xmlns:p15="http://schemas.microsoft.com/office/powerpoint/2012/main" xmlns:mc="http://schemas.openxmlformats.org/markup-compatibility/2006">
+<p:sld xmlns:a="http://schemas.openxmlformats.org/drawingml/2006/main" xmlns:r="http://schemas.openxmlformats.org/officeDocument/2006/relationships" xmlns:p="http://schemas.openxmlformats.org/presentationml/2006/main">
   <p:cSld>
     <p:spTree>
       <p:nvGrpSpPr>
@@ -7456,20 +8141,21 @@
           </a:ln>
         </p:spPr>
         <p:txBody>
-          <a:bodyPr lIns="0" rIns="0" tIns="0" bIns="0"/>
+          <a:bodyPr lIns="0" tIns="0" rIns="0" bIns="0"/>
+          <a:lstStyle/>
           <a:p>
             <a:pPr>
               <a:lnSpc>
                 <a:spcPct val="114000"/>
               </a:lnSpc>
             </a:pPr>
-            <a:endParaRPr b="0" lang="de-DE" sz="1600" spc="-1" strike="noStrike">
-              <a:solidFill>
-                <a:srgbClr val="000000"/>
-              </a:solidFill>
-              <a:uFill>
-                <a:solidFill>
-                  <a:srgbClr val="ffffff"/>
+            <a:endParaRPr lang="de-DE" sz="1600" b="0" strike="noStrike" spc="-1">
+              <a:solidFill>
+                <a:srgbClr val="000000"/>
+              </a:solidFill>
+              <a:uFill>
+                <a:solidFill>
+                  <a:srgbClr val="FFFFFF"/>
                 </a:solidFill>
               </a:uFill>
               <a:latin typeface="Arial"/>
@@ -7481,13 +8167,13 @@
                 <a:spcPct val="114000"/>
               </a:lnSpc>
             </a:pPr>
-            <a:endParaRPr b="0" lang="de-DE" sz="1600" spc="-1" strike="noStrike">
-              <a:solidFill>
-                <a:srgbClr val="000000"/>
-              </a:solidFill>
-              <a:uFill>
-                <a:solidFill>
-                  <a:srgbClr val="ffffff"/>
+            <a:endParaRPr lang="de-DE" sz="1600" b="0" strike="noStrike" spc="-1">
+              <a:solidFill>
+                <a:srgbClr val="000000"/>
+              </a:solidFill>
+              <a:uFill>
+                <a:solidFill>
+                  <a:srgbClr val="FFFFFF"/>
                 </a:solidFill>
               </a:uFill>
               <a:latin typeface="Arial"/>
@@ -7516,6 +8202,7 @@
         </p:spPr>
         <p:txBody>
           <a:bodyPr lIns="0" rIns="0" anchor="ctr"/>
+          <a:lstStyle/>
           <a:p>
             <a:pPr algn="r">
               <a:lnSpc>
@@ -7523,26 +8210,26 @@
               </a:lnSpc>
             </a:pPr>
             <a:fld id="{617C80FE-B084-4C17-BE99-684032B7421D}" type="slidenum">
-              <a:rPr b="0" lang="de-DE" sz="1200" spc="-1" strike="noStrike">
+              <a:rPr lang="de-DE" sz="1200" b="0" strike="noStrike" spc="-1">
                 <a:solidFill>
                   <a:srgbClr val="000000"/>
                 </a:solidFill>
                 <a:uFill>
                   <a:solidFill>
-                    <a:srgbClr val="ffffff"/>
+                    <a:srgbClr val="FFFFFF"/>
                   </a:solidFill>
                 </a:uFill>
                 <a:latin typeface="Arial"/>
               </a:rPr>
-              <a:t>1</a:t>
+              <a:t>8</a:t>
             </a:fld>
-            <a:endParaRPr b="0" lang="de-DE" sz="1200" spc="-1" strike="noStrike">
-              <a:solidFill>
-                <a:srgbClr val="000000"/>
-              </a:solidFill>
-              <a:uFill>
-                <a:solidFill>
-                  <a:srgbClr val="ffffff"/>
+            <a:endParaRPr lang="de-DE" sz="1200" b="0" strike="noStrike" spc="-1">
+              <a:solidFill>
+                <a:srgbClr val="000000"/>
+              </a:solidFill>
+              <a:uFill>
+                <a:solidFill>
+                  <a:srgbClr val="FFFFFF"/>
                 </a:solidFill>
               </a:uFill>
               <a:latin typeface="Times New Roman"/>
@@ -7571,6 +8258,7 @@
         </p:spPr>
         <p:txBody>
           <a:bodyPr lIns="0" rIns="0" anchor="ctr"/>
+          <a:lstStyle/>
           <a:p>
             <a:pPr>
               <a:lnSpc>
@@ -7578,26 +8266,26 @@
               </a:lnSpc>
             </a:pPr>
             <a:r>
-              <a:rPr b="0" lang="de-DE" sz="1200" spc="-1" strike="noStrike">
+              <a:rPr lang="de-DE" sz="1200" b="0" strike="noStrike" spc="-1">
                 <a:solidFill>
                   <a:srgbClr val="000000"/>
                 </a:solidFill>
                 <a:uFill>
                   <a:solidFill>
-                    <a:srgbClr val="ffffff"/>
+                    <a:srgbClr val="FFFFFF"/>
                   </a:solidFill>
                 </a:uFill>
                 <a:latin typeface="Arial"/>
               </a:rPr>
               <a:t>Oztoprak, Oguz (TUM) | Droll, Darwin (TUM) | Python-based Paraview postprocessing</a:t>
             </a:r>
-            <a:endParaRPr b="0" lang="de-DE" sz="1200" spc="-1" strike="noStrike">
-              <a:solidFill>
-                <a:srgbClr val="000000"/>
-              </a:solidFill>
-              <a:uFill>
-                <a:solidFill>
-                  <a:srgbClr val="ffffff"/>
+            <a:endParaRPr lang="de-DE" sz="1200" b="0" strike="noStrike" spc="-1">
+              <a:solidFill>
+                <a:srgbClr val="000000"/>
+              </a:solidFill>
+              <a:uFill>
+                <a:solidFill>
+                  <a:srgbClr val="FFFFFF"/>
                 </a:solidFill>
               </a:uFill>
               <a:latin typeface="Times New Roman"/>
@@ -7625,7 +8313,8 @@
           </a:ln>
         </p:spPr>
         <p:txBody>
-          <a:bodyPr lIns="0" rIns="0" tIns="0" bIns="0"/>
+          <a:bodyPr lIns="0" tIns="0" rIns="0" bIns="0"/>
+          <a:lstStyle/>
           <a:p>
             <a:pPr>
               <a:lnSpc>
@@ -7633,26 +8322,26 @@
               </a:lnSpc>
             </a:pPr>
             <a:r>
-              <a:rPr b="0" lang="de-DE" sz="3000" spc="-1" strike="noStrike">
+              <a:rPr lang="de-DE" sz="3000" b="0" strike="noStrike" spc="-1">
                 <a:solidFill>
                   <a:srgbClr val="000000"/>
                 </a:solidFill>
                 <a:uFill>
                   <a:solidFill>
-                    <a:srgbClr val="ffffff"/>
+                    <a:srgbClr val="FFFFFF"/>
                   </a:solidFill>
                 </a:uFill>
                 <a:latin typeface="Arial"/>
               </a:rPr>
               <a:t>Thank you for your attention.</a:t>
             </a:r>
-            <a:endParaRPr b="0" lang="de-DE" sz="2200" spc="-1" strike="noStrike">
-              <a:solidFill>
-                <a:srgbClr val="000000"/>
-              </a:solidFill>
-              <a:uFill>
-                <a:solidFill>
-                  <a:srgbClr val="ffffff"/>
+            <a:endParaRPr lang="de-DE" sz="2200" b="0" strike="noStrike" spc="-1">
+              <a:solidFill>
+                <a:srgbClr val="000000"/>
+              </a:solidFill>
+              <a:uFill>
+                <a:solidFill>
+                  <a:srgbClr val="FFFFFF"/>
                 </a:solidFill>
               </a:uFill>
               <a:latin typeface="Arial"/>
@@ -7662,22 +8351,25 @@
       </p:sp>
     </p:spTree>
   </p:cSld>
+  <p:clrMapOvr>
+    <a:masterClrMapping/>
+  </p:clrMapOvr>
   <p:timing>
     <p:tnLst>
       <p:par>
-        <p:cTn id="15" dur="indefinite" restart="never" nodeType="tmRoot">
+        <p:cTn id="1" dur="indefinite" restart="never" nodeType="tmRoot">
           <p:childTnLst>
             <p:seq>
-              <p:cTn id="16" nodeType="mainSeq"/>
+              <p:cTn id="2" nodeType="mainSeq"/>
               <p:prevCondLst>
-                <p:cond delay="0" evt="onPrev">
+                <p:cond evt="onPrev" delay="0">
                   <p:tgtEl>
                     <p:sldTgt/>
                   </p:tgtEl>
                 </p:cond>
               </p:prevCondLst>
               <p:nextCondLst>
-                <p:cond delay="0" evt="onNext">
+                <p:cond evt="onNext" delay="0">
                   <p:tgtEl>
                     <p:sldTgt/>
                   </p:tgtEl>
@@ -7693,7 +8385,7 @@
 </file>
 
 <file path=ppt/slides/slide9.xml><?xml version="1.0" encoding="utf-8"?>
-<p:sld xmlns:a="http://schemas.openxmlformats.org/drawingml/2006/main" xmlns:p="http://schemas.openxmlformats.org/presentationml/2006/main" xmlns:r="http://schemas.openxmlformats.org/officeDocument/2006/relationships" xmlns:p14="http://schemas.microsoft.com/office/powerpoint/2010/main" xmlns:p15="http://schemas.microsoft.com/office/powerpoint/2012/main" xmlns:mc="http://schemas.openxmlformats.org/markup-compatibility/2006">
+<p:sld xmlns:a="http://schemas.openxmlformats.org/drawingml/2006/main" xmlns:r="http://schemas.openxmlformats.org/officeDocument/2006/relationships" xmlns:p="http://schemas.openxmlformats.org/presentationml/2006/main">
   <p:cSld>
     <p:spTree>
       <p:nvGrpSpPr>
@@ -7729,20 +8421,21 @@
           </a:ln>
         </p:spPr>
         <p:txBody>
-          <a:bodyPr lIns="0" rIns="0" tIns="0" bIns="0"/>
+          <a:bodyPr lIns="0" tIns="0" rIns="0" bIns="0"/>
+          <a:lstStyle/>
           <a:p>
             <a:pPr>
               <a:lnSpc>
                 <a:spcPct val="114000"/>
               </a:lnSpc>
             </a:pPr>
-            <a:endParaRPr b="0" lang="de-DE" sz="1600" spc="-1" strike="noStrike">
-              <a:solidFill>
-                <a:srgbClr val="000000"/>
-              </a:solidFill>
-              <a:uFill>
-                <a:solidFill>
-                  <a:srgbClr val="ffffff"/>
+            <a:endParaRPr lang="de-DE" sz="1600" b="0" strike="noStrike" spc="-1">
+              <a:solidFill>
+                <a:srgbClr val="000000"/>
+              </a:solidFill>
+              <a:uFill>
+                <a:solidFill>
+                  <a:srgbClr val="FFFFFF"/>
                 </a:solidFill>
               </a:uFill>
               <a:latin typeface="Arial"/>
@@ -7754,13 +8447,13 @@
                 <a:spcPct val="114000"/>
               </a:lnSpc>
             </a:pPr>
-            <a:endParaRPr b="0" lang="de-DE" sz="1600" spc="-1" strike="noStrike">
-              <a:solidFill>
-                <a:srgbClr val="000000"/>
-              </a:solidFill>
-              <a:uFill>
-                <a:solidFill>
-                  <a:srgbClr val="ffffff"/>
+            <a:endParaRPr lang="de-DE" sz="1600" b="0" strike="noStrike" spc="-1">
+              <a:solidFill>
+                <a:srgbClr val="000000"/>
+              </a:solidFill>
+              <a:uFill>
+                <a:solidFill>
+                  <a:srgbClr val="FFFFFF"/>
                 </a:solidFill>
               </a:uFill>
               <a:latin typeface="Arial"/>
@@ -7789,6 +8482,7 @@
         </p:spPr>
         <p:txBody>
           <a:bodyPr lIns="0" rIns="0" anchor="ctr"/>
+          <a:lstStyle/>
           <a:p>
             <a:pPr algn="r">
               <a:lnSpc>
@@ -7796,26 +8490,26 @@
               </a:lnSpc>
             </a:pPr>
             <a:fld id="{5DEAF5EF-0EA5-455B-856F-0590C327C8DE}" type="slidenum">
-              <a:rPr b="0" lang="de-DE" sz="1200" spc="-1" strike="noStrike">
+              <a:rPr lang="de-DE" sz="1200" b="0" strike="noStrike" spc="-1">
                 <a:solidFill>
                   <a:srgbClr val="000000"/>
                 </a:solidFill>
                 <a:uFill>
                   <a:solidFill>
-                    <a:srgbClr val="ffffff"/>
+                    <a:srgbClr val="FFFFFF"/>
                   </a:solidFill>
                 </a:uFill>
                 <a:latin typeface="Arial"/>
               </a:rPr>
-              <a:t>1</a:t>
+              <a:t>9</a:t>
             </a:fld>
-            <a:endParaRPr b="0" lang="de-DE" sz="1200" spc="-1" strike="noStrike">
-              <a:solidFill>
-                <a:srgbClr val="000000"/>
-              </a:solidFill>
-              <a:uFill>
-                <a:solidFill>
-                  <a:srgbClr val="ffffff"/>
+            <a:endParaRPr lang="de-DE" sz="1200" b="0" strike="noStrike" spc="-1">
+              <a:solidFill>
+                <a:srgbClr val="000000"/>
+              </a:solidFill>
+              <a:uFill>
+                <a:solidFill>
+                  <a:srgbClr val="FFFFFF"/>
                 </a:solidFill>
               </a:uFill>
               <a:latin typeface="Times New Roman"/>
@@ -7844,6 +8538,7 @@
         </p:spPr>
         <p:txBody>
           <a:bodyPr lIns="0" rIns="0" anchor="ctr"/>
+          <a:lstStyle/>
           <a:p>
             <a:pPr>
               <a:lnSpc>
@@ -7851,26 +8546,26 @@
               </a:lnSpc>
             </a:pPr>
             <a:r>
-              <a:rPr b="0" lang="de-DE" sz="1200" spc="-1" strike="noStrike">
+              <a:rPr lang="de-DE" sz="1200" b="0" strike="noStrike" spc="-1">
                 <a:solidFill>
                   <a:srgbClr val="000000"/>
                 </a:solidFill>
                 <a:uFill>
                   <a:solidFill>
-                    <a:srgbClr val="ffffff"/>
+                    <a:srgbClr val="FFFFFF"/>
                   </a:solidFill>
                 </a:uFill>
                 <a:latin typeface="Arial"/>
               </a:rPr>
               <a:t>Oztoprak, Oguz (TUM) | Droll, Darwin (TUM) | Python-based Paraview postprocessing</a:t>
             </a:r>
-            <a:endParaRPr b="0" lang="de-DE" sz="1200" spc="-1" strike="noStrike">
-              <a:solidFill>
-                <a:srgbClr val="000000"/>
-              </a:solidFill>
-              <a:uFill>
-                <a:solidFill>
-                  <a:srgbClr val="ffffff"/>
+            <a:endParaRPr lang="de-DE" sz="1200" b="0" strike="noStrike" spc="-1">
+              <a:solidFill>
+                <a:srgbClr val="000000"/>
+              </a:solidFill>
+              <a:uFill>
+                <a:solidFill>
+                  <a:srgbClr val="FFFFFF"/>
                 </a:solidFill>
               </a:uFill>
               <a:latin typeface="Times New Roman"/>
@@ -7898,7 +8593,8 @@
           </a:ln>
         </p:spPr>
         <p:txBody>
-          <a:bodyPr lIns="0" rIns="0" tIns="0" bIns="0"/>
+          <a:bodyPr lIns="0" tIns="0" rIns="0" bIns="0"/>
+          <a:lstStyle/>
           <a:p>
             <a:pPr>
               <a:lnSpc>
@@ -7906,26 +8602,26 @@
               </a:lnSpc>
             </a:pPr>
             <a:r>
-              <a:rPr b="0" lang="de-DE" sz="3000" spc="-1" strike="noStrike">
+              <a:rPr lang="de-DE" sz="3000" b="0" strike="noStrike" spc="-1">
                 <a:solidFill>
                   <a:srgbClr val="000000"/>
                 </a:solidFill>
                 <a:uFill>
                   <a:solidFill>
-                    <a:srgbClr val="ffffff"/>
+                    <a:srgbClr val="FFFFFF"/>
                   </a:solidFill>
                 </a:uFill>
                 <a:latin typeface="Arial"/>
               </a:rPr>
               <a:t>Sources</a:t>
             </a:r>
-            <a:endParaRPr b="0" lang="de-DE" sz="2200" spc="-1" strike="noStrike">
-              <a:solidFill>
-                <a:srgbClr val="000000"/>
-              </a:solidFill>
-              <a:uFill>
-                <a:solidFill>
-                  <a:srgbClr val="ffffff"/>
+            <a:endParaRPr lang="de-DE" sz="2200" b="0" strike="noStrike" spc="-1">
+              <a:solidFill>
+                <a:srgbClr val="000000"/>
+              </a:solidFill>
+              <a:uFill>
+                <a:solidFill>
+                  <a:srgbClr val="FFFFFF"/>
                 </a:solidFill>
               </a:uFill>
               <a:latin typeface="Arial"/>
@@ -7935,22 +8631,25 @@
       </p:sp>
     </p:spTree>
   </p:cSld>
+  <p:clrMapOvr>
+    <a:masterClrMapping/>
+  </p:clrMapOvr>
   <p:timing>
     <p:tnLst>
       <p:par>
-        <p:cTn id="17" dur="indefinite" restart="never" nodeType="tmRoot">
+        <p:cTn id="1" dur="indefinite" restart="never" nodeType="tmRoot">
           <p:childTnLst>
             <p:seq>
-              <p:cTn id="18" nodeType="mainSeq"/>
+              <p:cTn id="2" nodeType="mainSeq"/>
               <p:prevCondLst>
-                <p:cond delay="0" evt="onPrev">
+                <p:cond evt="onPrev" delay="0">
                   <p:tgtEl>
                     <p:sldTgt/>
                   </p:tgtEl>
                 </p:cond>
               </p:prevCondLst>
               <p:nextCondLst>
-                <p:cond delay="0" evt="onNext">
+                <p:cond evt="onNext" delay="0">
                   <p:tgtEl>
                     <p:sldTgt/>
                   </p:tgtEl>
@@ -8185,6 +8884,8 @@
       </a:bgFillStyleLst>
     </a:fmtScheme>
   </a:themeElements>
+  <a:objectDefaults/>
+  <a:extraClrSchemeLst/>
 </a:theme>
 </file>
 
@@ -8408,6 +9109,8 @@
       </a:bgFillStyleLst>
     </a:fmtScheme>
   </a:themeElements>
+  <a:objectDefaults/>
+  <a:extraClrSchemeLst/>
 </a:theme>
 </file>
 
@@ -8631,5 +9334,7 @@
       </a:bgFillStyleLst>
     </a:fmtScheme>
   </a:themeElements>
+  <a:objectDefaults/>
+  <a:extraClrSchemeLst/>
 </a:theme>
 </file>
--- a/Paraview-postprocessor.pptx
+++ b/Paraview-postprocessor.pptx
@@ -6,7 +6,7 @@
     <p:sldMasterId id="2147483661" r:id="rId2"/>
   </p:sldMasterIdLst>
   <p:notesMasterIdLst>
-    <p:notesMasterId r:id="rId12"/>
+    <p:notesMasterId r:id="rId13"/>
   </p:notesMasterIdLst>
   <p:sldIdLst>
     <p:sldId id="256" r:id="rId3"/>
@@ -16,8 +16,9 @@
     <p:sldId id="259" r:id="rId7"/>
     <p:sldId id="260" r:id="rId8"/>
     <p:sldId id="261" r:id="rId9"/>
-    <p:sldId id="263" r:id="rId10"/>
-    <p:sldId id="264" r:id="rId11"/>
+    <p:sldId id="266" r:id="rId10"/>
+    <p:sldId id="263" r:id="rId11"/>
+    <p:sldId id="264" r:id="rId12"/>
   </p:sldIdLst>
   <p:sldSz cx="9144000" cy="6858000" type="screen4x3"/>
   <p:notesSz cx="9925050" cy="6665913"/>
@@ -116,6 +117,11 @@
       </a:defRPr>
     </a:lvl9pPr>
   </p:defaultTextStyle>
+  <p:extLst>
+    <p:ext uri="{EFAFB233-063F-42B5-8137-9DF3F51BA10A}">
+      <p15:sldGuideLst xmlns:p15="http://schemas.microsoft.com/office/powerpoint/2012/main"/>
+    </p:ext>
+  </p:extLst>
 </p:presentation>
 </file>
 
@@ -5361,18 +5367,32 @@
               </a:lnSpc>
             </a:pPr>
             <a:r>
-              <a:rPr lang="de-DE" sz="1600" b="0" strike="noStrike" spc="-1">
-                <a:solidFill>
-                  <a:srgbClr val="000000"/>
-                </a:solidFill>
-                <a:uFill>
-                  <a:solidFill>
-                    <a:srgbClr val="FFFFFF"/>
-                  </a:solidFill>
-                </a:uFill>
-                <a:latin typeface="Arial"/>
-              </a:rPr>
-              <a:t>Oztoprak, Oguz</a:t>
+              <a:rPr lang="de-DE" sz="1600" b="0" strike="noStrike" spc="-1" dirty="0" err="1">
+                <a:solidFill>
+                  <a:srgbClr val="000000"/>
+                </a:solidFill>
+                <a:uFill>
+                  <a:solidFill>
+                    <a:srgbClr val="FFFFFF"/>
+                  </a:solidFill>
+                </a:uFill>
+                <a:latin typeface="Arial"/>
+              </a:rPr>
+              <a:t>Oztoprak</a:t>
+            </a:r>
+            <a:r>
+              <a:rPr lang="de-DE" sz="1600" b="0" strike="noStrike" spc="-1" dirty="0">
+                <a:solidFill>
+                  <a:srgbClr val="000000"/>
+                </a:solidFill>
+                <a:uFill>
+                  <a:solidFill>
+                    <a:srgbClr val="FFFFFF"/>
+                  </a:solidFill>
+                </a:uFill>
+                <a:latin typeface="Arial"/>
+              </a:rPr>
+              <a:t>, Oguz</a:t>
             </a:r>
           </a:p>
           <a:p>
@@ -5382,7 +5402,7 @@
               </a:lnSpc>
             </a:pPr>
             <a:r>
-              <a:rPr lang="de-DE" sz="1600" b="0" strike="noStrike" spc="-1">
+              <a:rPr lang="de-DE" sz="1600" b="0" strike="noStrike" spc="-1" dirty="0">
                 <a:solidFill>
                   <a:srgbClr val="000000"/>
                 </a:solidFill>
@@ -5402,20 +5422,17 @@
                 <a:spcPct val="150000"/>
               </a:lnSpc>
             </a:pPr>
-            <a:r>
-              <a:rPr lang="de-DE" sz="1600" b="0" strike="noStrike" spc="-1">
-                <a:solidFill>
-                  <a:srgbClr val="000000"/>
-                </a:solidFill>
-                <a:uFill>
-                  <a:solidFill>
-                    <a:srgbClr val="FFFFFF"/>
-                  </a:solidFill>
-                </a:uFill>
-                <a:latin typeface="Arial"/>
-              </a:rPr>
-              <a:t>Technische Universität München</a:t>
-            </a:r>
+            <a:endParaRPr lang="de-DE" sz="1600" b="0" strike="noStrike" spc="-1" dirty="0">
+              <a:solidFill>
+                <a:srgbClr val="000000"/>
+              </a:solidFill>
+              <a:uFill>
+                <a:solidFill>
+                  <a:srgbClr val="FFFFFF"/>
+                </a:solidFill>
+              </a:uFill>
+              <a:latin typeface="Arial"/>
+            </a:endParaRPr>
           </a:p>
           <a:p>
             <a:pPr>
@@ -5424,18 +5441,18 @@
               </a:lnSpc>
             </a:pPr>
             <a:r>
-              <a:rPr lang="de-DE" sz="1600" b="0" strike="noStrike" spc="-1">
-                <a:solidFill>
-                  <a:srgbClr val="000000"/>
-                </a:solidFill>
-                <a:uFill>
-                  <a:solidFill>
-                    <a:srgbClr val="FFFFFF"/>
-                  </a:solidFill>
-                </a:uFill>
-                <a:latin typeface="Arial"/>
-              </a:rPr>
-              <a:t>Faculty of Bau, Geo und Umwelt</a:t>
+              <a:rPr lang="de-DE" sz="1600" b="0" strike="noStrike" spc="-1" dirty="0">
+                <a:solidFill>
+                  <a:srgbClr val="000000"/>
+                </a:solidFill>
+                <a:uFill>
+                  <a:solidFill>
+                    <a:srgbClr val="FFFFFF"/>
+                  </a:solidFill>
+                </a:uFill>
+                <a:latin typeface="Arial"/>
+              </a:rPr>
+              <a:t>Technische Universität München</a:t>
             </a:r>
           </a:p>
           <a:p>
@@ -5445,19 +5462,114 @@
               </a:lnSpc>
             </a:pPr>
             <a:r>
-              <a:rPr lang="de-DE" sz="1600" b="0" strike="noStrike" spc="-1">
-                <a:solidFill>
-                  <a:srgbClr val="000000"/>
-                </a:solidFill>
-                <a:uFill>
-                  <a:solidFill>
-                    <a:srgbClr val="FFFFFF"/>
-                  </a:solidFill>
-                </a:uFill>
-                <a:latin typeface="Arial"/>
-              </a:rPr>
-              <a:t>Chair of Computation in Engineering</a:t>
+              <a:rPr lang="de-DE" sz="1600" b="0" strike="noStrike" spc="-1" dirty="0">
+                <a:solidFill>
+                  <a:srgbClr val="000000"/>
+                </a:solidFill>
+                <a:uFill>
+                  <a:solidFill>
+                    <a:srgbClr val="FFFFFF"/>
+                  </a:solidFill>
+                </a:uFill>
+                <a:latin typeface="Arial"/>
+              </a:rPr>
+              <a:t>Department </a:t>
             </a:r>
+            <a:r>
+              <a:rPr lang="de-DE" sz="1600" b="0" strike="noStrike" spc="-1" dirty="0" err="1">
+                <a:solidFill>
+                  <a:srgbClr val="000000"/>
+                </a:solidFill>
+                <a:uFill>
+                  <a:solidFill>
+                    <a:srgbClr val="FFFFFF"/>
+                  </a:solidFill>
+                </a:uFill>
+                <a:latin typeface="Arial"/>
+              </a:rPr>
+              <a:t>of</a:t>
+            </a:r>
+            <a:r>
+              <a:rPr lang="de-DE" sz="1600" b="0" strike="noStrike" spc="-1" dirty="0">
+                <a:solidFill>
+                  <a:srgbClr val="000000"/>
+                </a:solidFill>
+                <a:uFill>
+                  <a:solidFill>
+                    <a:srgbClr val="FFFFFF"/>
+                  </a:solidFill>
+                </a:uFill>
+                <a:latin typeface="Arial"/>
+              </a:rPr>
+              <a:t> </a:t>
+            </a:r>
+            <a:r>
+              <a:rPr lang="de-DE" sz="1600" b="0" strike="noStrike" spc="-1" dirty="0" err="1">
+                <a:solidFill>
+                  <a:srgbClr val="000000"/>
+                </a:solidFill>
+                <a:uFill>
+                  <a:solidFill>
+                    <a:srgbClr val="FFFFFF"/>
+                  </a:solidFill>
+                </a:uFill>
+                <a:latin typeface="Arial"/>
+              </a:rPr>
+              <a:t>Civil</a:t>
+            </a:r>
+            <a:r>
+              <a:rPr lang="de-DE" sz="1600" spc="-1" dirty="0">
+                <a:solidFill>
+                  <a:srgbClr val="000000"/>
+                </a:solidFill>
+                <a:uFill>
+                  <a:solidFill>
+                    <a:srgbClr val="FFFFFF"/>
+                  </a:solidFill>
+                </a:uFill>
+                <a:latin typeface="Arial"/>
+              </a:rPr>
+              <a:t>, </a:t>
+            </a:r>
+            <a:r>
+              <a:rPr lang="de-DE" sz="1600" spc="-1" dirty="0" err="1">
+                <a:solidFill>
+                  <a:srgbClr val="000000"/>
+                </a:solidFill>
+                <a:uFill>
+                  <a:solidFill>
+                    <a:srgbClr val="FFFFFF"/>
+                  </a:solidFill>
+                </a:uFill>
+                <a:latin typeface="Arial"/>
+              </a:rPr>
+              <a:t>Geo</a:t>
+            </a:r>
+            <a:r>
+              <a:rPr lang="de-DE" sz="1600" spc="-1" dirty="0">
+                <a:solidFill>
+                  <a:srgbClr val="000000"/>
+                </a:solidFill>
+                <a:uFill>
+                  <a:solidFill>
+                    <a:srgbClr val="FFFFFF"/>
+                  </a:solidFill>
+                </a:uFill>
+                <a:latin typeface="Arial"/>
+              </a:rPr>
+              <a:t> and Environmental Engineering</a:t>
+            </a:r>
+            <a:endParaRPr lang="de-DE" sz="1600" b="0" strike="noStrike" spc="-1" dirty="0">
+              <a:solidFill>
+                <a:srgbClr val="000000"/>
+              </a:solidFill>
+              <a:uFill>
+                <a:solidFill>
+                  <a:srgbClr val="FFFFFF"/>
+                </a:solidFill>
+              </a:uFill>
+              <a:latin typeface="Arial"/>
+            </a:endParaRPr>
           </a:p>
           <a:p>
             <a:pPr>
@@ -5466,7 +5578,84 @@
               </a:lnSpc>
             </a:pPr>
             <a:r>
-              <a:rPr lang="de-DE" sz="1600" b="0" strike="noStrike" spc="-1">
+              <a:rPr lang="de-DE" sz="1600" b="0" strike="noStrike" spc="-1" dirty="0">
+                <a:solidFill>
+                  <a:srgbClr val="000000"/>
+                </a:solidFill>
+                <a:uFill>
+                  <a:solidFill>
+                    <a:srgbClr val="FFFFFF"/>
+                  </a:solidFill>
+                </a:uFill>
+                <a:latin typeface="Arial"/>
+              </a:rPr>
+              <a:t>Chair </a:t>
+            </a:r>
+            <a:r>
+              <a:rPr lang="de-DE" sz="1600" b="0" strike="noStrike" spc="-1" dirty="0" err="1">
+                <a:solidFill>
+                  <a:srgbClr val="000000"/>
+                </a:solidFill>
+                <a:uFill>
+                  <a:solidFill>
+                    <a:srgbClr val="FFFFFF"/>
+                  </a:solidFill>
+                </a:uFill>
+                <a:latin typeface="Arial"/>
+              </a:rPr>
+              <a:t>of</a:t>
+            </a:r>
+            <a:r>
+              <a:rPr lang="de-DE" sz="1600" b="0" strike="noStrike" spc="-1" dirty="0">
+                <a:solidFill>
+                  <a:srgbClr val="000000"/>
+                </a:solidFill>
+                <a:uFill>
+                  <a:solidFill>
+                    <a:srgbClr val="FFFFFF"/>
+                  </a:solidFill>
+                </a:uFill>
+                <a:latin typeface="Arial"/>
+              </a:rPr>
+              <a:t> </a:t>
+            </a:r>
+            <a:r>
+              <a:rPr lang="de-DE" sz="1600" b="0" strike="noStrike" spc="-1" dirty="0" err="1">
+                <a:solidFill>
+                  <a:srgbClr val="000000"/>
+                </a:solidFill>
+                <a:uFill>
+                  <a:solidFill>
+                    <a:srgbClr val="FFFFFF"/>
+                  </a:solidFill>
+                </a:uFill>
+                <a:latin typeface="Arial"/>
+              </a:rPr>
+              <a:t>Computation</a:t>
+            </a:r>
+            <a:r>
+              <a:rPr lang="de-DE" sz="1600" b="0" strike="noStrike" spc="-1" dirty="0">
+                <a:solidFill>
+                  <a:srgbClr val="000000"/>
+                </a:solidFill>
+                <a:uFill>
+                  <a:solidFill>
+                    <a:srgbClr val="FFFFFF"/>
+                  </a:solidFill>
+                </a:uFill>
+                <a:latin typeface="Arial"/>
+              </a:rPr>
+              <a:t> in Engineering</a:t>
+            </a:r>
+          </a:p>
+          <a:p>
+            <a:pPr>
+              <a:lnSpc>
+                <a:spcPct val="150000"/>
+              </a:lnSpc>
+            </a:pPr>
+            <a:r>
+              <a:rPr lang="de-DE" sz="1600" b="0" strike="noStrike" spc="-1" dirty="0">
                 <a:solidFill>
                   <a:srgbClr val="000000"/>
                 </a:solidFill>
@@ -5584,6 +5773,286 @@
           </a:ln>
         </p:spPr>
       </p:pic>
+    </p:spTree>
+  </p:cSld>
+  <p:clrMapOvr>
+    <a:masterClrMapping/>
+  </p:clrMapOvr>
+  <p:timing>
+    <p:tnLst>
+      <p:par>
+        <p:cTn id="1" dur="indefinite" restart="never" nodeType="tmRoot">
+          <p:childTnLst>
+            <p:seq>
+              <p:cTn id="2" nodeType="mainSeq"/>
+              <p:prevCondLst>
+                <p:cond evt="onPrev" delay="0">
+                  <p:tgtEl>
+                    <p:sldTgt/>
+                  </p:tgtEl>
+                </p:cond>
+              </p:prevCondLst>
+              <p:nextCondLst>
+                <p:cond evt="onNext" delay="0">
+                  <p:tgtEl>
+                    <p:sldTgt/>
+                  </p:tgtEl>
+                </p:cond>
+              </p:nextCondLst>
+            </p:seq>
+          </p:childTnLst>
+        </p:cTn>
+      </p:par>
+    </p:tnLst>
+  </p:timing>
+</p:sld>
+</file>
+
+<file path=ppt/slides/slide10.xml><?xml version="1.0" encoding="utf-8"?>
+<p:sld xmlns:a="http://schemas.openxmlformats.org/drawingml/2006/main" xmlns:r="http://schemas.openxmlformats.org/officeDocument/2006/relationships" xmlns:p="http://schemas.openxmlformats.org/presentationml/2006/main">
+  <p:cSld>
+    <p:spTree>
+      <p:nvGrpSpPr>
+        <p:cNvPr id="1" name=""/>
+        <p:cNvGrpSpPr/>
+        <p:nvPr/>
+      </p:nvGrpSpPr>
+      <p:grpSpPr>
+        <a:xfrm>
+          <a:off x="0" y="0"/>
+          <a:ext cx="0" cy="0"/>
+          <a:chOff x="0" y="0"/>
+          <a:chExt cx="0" cy="0"/>
+        </a:xfrm>
+      </p:grpSpPr>
+      <p:sp>
+        <p:nvSpPr>
+          <p:cNvPr id="117" name="TextShape 1"/>
+          <p:cNvSpPr txBox="1"/>
+          <p:nvPr/>
+        </p:nvSpPr>
+        <p:spPr>
+          <a:xfrm>
+            <a:off x="318960" y="1762200"/>
+            <a:ext cx="8508600" cy="4699080"/>
+          </a:xfrm>
+          <a:prstGeom prst="rect">
+            <a:avLst/>
+          </a:prstGeom>
+          <a:noFill/>
+          <a:ln w="9360">
+            <a:noFill/>
+          </a:ln>
+        </p:spPr>
+        <p:txBody>
+          <a:bodyPr lIns="0" tIns="0" rIns="0" bIns="0"/>
+          <a:lstStyle/>
+          <a:p>
+            <a:pPr>
+              <a:lnSpc>
+                <a:spcPct val="114000"/>
+              </a:lnSpc>
+            </a:pPr>
+            <a:endParaRPr lang="de-DE" sz="1600" b="0" strike="noStrike" spc="-1">
+              <a:solidFill>
+                <a:srgbClr val="000000"/>
+              </a:solidFill>
+              <a:uFill>
+                <a:solidFill>
+                  <a:srgbClr val="FFFFFF"/>
+                </a:solidFill>
+              </a:uFill>
+              <a:latin typeface="Arial"/>
+            </a:endParaRPr>
+          </a:p>
+          <a:p>
+            <a:pPr>
+              <a:lnSpc>
+                <a:spcPct val="114000"/>
+              </a:lnSpc>
+            </a:pPr>
+            <a:endParaRPr lang="de-DE" sz="1600" b="0" strike="noStrike" spc="-1">
+              <a:solidFill>
+                <a:srgbClr val="000000"/>
+              </a:solidFill>
+              <a:uFill>
+                <a:solidFill>
+                  <a:srgbClr val="FFFFFF"/>
+                </a:solidFill>
+              </a:uFill>
+              <a:latin typeface="Arial"/>
+            </a:endParaRPr>
+          </a:p>
+        </p:txBody>
+      </p:sp>
+      <p:sp>
+        <p:nvSpPr>
+          <p:cNvPr id="118" name="TextShape 2"/>
+          <p:cNvSpPr txBox="1"/>
+          <p:nvPr/>
+        </p:nvSpPr>
+        <p:spPr>
+          <a:xfrm>
+            <a:off x="6774840" y="6473160"/>
+            <a:ext cx="2051640" cy="364680"/>
+          </a:xfrm>
+          <a:prstGeom prst="rect">
+            <a:avLst/>
+          </a:prstGeom>
+          <a:noFill/>
+          <a:ln>
+            <a:noFill/>
+          </a:ln>
+        </p:spPr>
+        <p:txBody>
+          <a:bodyPr lIns="0" rIns="0" anchor="ctr"/>
+          <a:lstStyle/>
+          <a:p>
+            <a:pPr algn="r">
+              <a:lnSpc>
+                <a:spcPct val="100000"/>
+              </a:lnSpc>
+            </a:pPr>
+            <a:fld id="{5DEAF5EF-0EA5-455B-856F-0590C327C8DE}" type="slidenum">
+              <a:rPr lang="de-DE" sz="1200" b="0" strike="noStrike" spc="-1">
+                <a:solidFill>
+                  <a:srgbClr val="000000"/>
+                </a:solidFill>
+                <a:uFill>
+                  <a:solidFill>
+                    <a:srgbClr val="FFFFFF"/>
+                  </a:solidFill>
+                </a:uFill>
+                <a:latin typeface="Arial"/>
+              </a:rPr>
+              <a:t>10</a:t>
+            </a:fld>
+            <a:endParaRPr lang="de-DE" sz="1200" b="0" strike="noStrike" spc="-1">
+              <a:solidFill>
+                <a:srgbClr val="000000"/>
+              </a:solidFill>
+              <a:uFill>
+                <a:solidFill>
+                  <a:srgbClr val="FFFFFF"/>
+                </a:solidFill>
+              </a:uFill>
+              <a:latin typeface="Times New Roman"/>
+            </a:endParaRPr>
+          </a:p>
+        </p:txBody>
+      </p:sp>
+      <p:sp>
+        <p:nvSpPr>
+          <p:cNvPr id="119" name="TextShape 3"/>
+          <p:cNvSpPr txBox="1"/>
+          <p:nvPr/>
+        </p:nvSpPr>
+        <p:spPr>
+          <a:xfrm>
+            <a:off x="311040" y="6473160"/>
+            <a:ext cx="6463800" cy="364680"/>
+          </a:xfrm>
+          <a:prstGeom prst="rect">
+            <a:avLst/>
+          </a:prstGeom>
+          <a:noFill/>
+          <a:ln>
+            <a:noFill/>
+          </a:ln>
+        </p:spPr>
+        <p:txBody>
+          <a:bodyPr lIns="0" rIns="0" anchor="ctr"/>
+          <a:lstStyle/>
+          <a:p>
+            <a:pPr>
+              <a:lnSpc>
+                <a:spcPct val="100000"/>
+              </a:lnSpc>
+            </a:pPr>
+            <a:r>
+              <a:rPr lang="de-DE" sz="1200" b="0" strike="noStrike" spc="-1">
+                <a:solidFill>
+                  <a:srgbClr val="000000"/>
+                </a:solidFill>
+                <a:uFill>
+                  <a:solidFill>
+                    <a:srgbClr val="FFFFFF"/>
+                  </a:solidFill>
+                </a:uFill>
+                <a:latin typeface="Arial"/>
+              </a:rPr>
+              <a:t>Oztoprak, Oguz (TUM) | Droll, Darwin (TUM) | Python-based Paraview postprocessing</a:t>
+            </a:r>
+            <a:endParaRPr lang="de-DE" sz="1200" b="0" strike="noStrike" spc="-1">
+              <a:solidFill>
+                <a:srgbClr val="000000"/>
+              </a:solidFill>
+              <a:uFill>
+                <a:solidFill>
+                  <a:srgbClr val="FFFFFF"/>
+                </a:solidFill>
+              </a:uFill>
+              <a:latin typeface="Times New Roman"/>
+            </a:endParaRPr>
+          </a:p>
+        </p:txBody>
+      </p:sp>
+      <p:sp>
+        <p:nvSpPr>
+          <p:cNvPr id="120" name="TextShape 4"/>
+          <p:cNvSpPr txBox="1"/>
+          <p:nvPr/>
+        </p:nvSpPr>
+        <p:spPr>
+          <a:xfrm>
+            <a:off x="318960" y="994320"/>
+            <a:ext cx="8508600" cy="410040"/>
+          </a:xfrm>
+          <a:prstGeom prst="rect">
+            <a:avLst/>
+          </a:prstGeom>
+          <a:noFill/>
+          <a:ln w="9360">
+            <a:noFill/>
+          </a:ln>
+        </p:spPr>
+        <p:txBody>
+          <a:bodyPr lIns="0" tIns="0" rIns="0" bIns="0"/>
+          <a:lstStyle/>
+          <a:p>
+            <a:pPr>
+              <a:lnSpc>
+                <a:spcPts val="1129"/>
+              </a:lnSpc>
+            </a:pPr>
+            <a:r>
+              <a:rPr lang="en-US" sz="3000" b="0" strike="noStrike" spc="-1" dirty="0">
+                <a:solidFill>
+                  <a:srgbClr val="000000"/>
+                </a:solidFill>
+                <a:uFill>
+                  <a:solidFill>
+                    <a:srgbClr val="FFFFFF"/>
+                  </a:solidFill>
+                </a:uFill>
+                <a:latin typeface="Arial"/>
+              </a:rPr>
+              <a:t>Sources</a:t>
+            </a:r>
+            <a:endParaRPr lang="en-US" sz="2200" b="0" strike="noStrike" spc="-1" dirty="0">
+              <a:solidFill>
+                <a:srgbClr val="000000"/>
+              </a:solidFill>
+              <a:uFill>
+                <a:solidFill>
+                  <a:srgbClr val="FFFFFF"/>
+                </a:solidFill>
+              </a:uFill>
+              <a:latin typeface="Arial"/>
+            </a:endParaRPr>
+          </a:p>
+        </p:txBody>
+      </p:sp>
     </p:spTree>
   </p:cSld>
   <p:clrMapOvr>
@@ -5659,18 +6128,18 @@
           <a:bodyPr lIns="0" tIns="0" rIns="0" bIns="0"/>
           <a:lstStyle/>
           <a:p>
-            <a:pPr marL="285840" indent="-285480">
+            <a:pPr marL="343260" indent="-342900">
               <a:lnSpc>
                 <a:spcPct val="100000"/>
               </a:lnSpc>
               <a:buClr>
                 <a:srgbClr val="000000"/>
               </a:buClr>
-              <a:buFont typeface="Wingdings" charset="2"/>
-              <a:buChar char=""/>
+              <a:buFont typeface="Arial" panose="020B0604020202020204" pitchFamily="34" charset="0"/>
+              <a:buChar char="•"/>
             </a:pPr>
             <a:r>
-              <a:rPr lang="de-DE" sz="2400" b="0" strike="noStrike" spc="-1" dirty="0" err="1">
+              <a:rPr lang="en-US" sz="2400" b="0" strike="noStrike" spc="-1" dirty="0">
                 <a:solidFill>
                   <a:srgbClr val="000000"/>
                 </a:solidFill>
@@ -5683,31 +6152,31 @@
               </a:rPr>
               <a:t>Introduction</a:t>
             </a:r>
-            <a:endParaRPr lang="de-DE" sz="1600" b="0" strike="noStrike" spc="-1" dirty="0">
-              <a:solidFill>
-                <a:srgbClr val="000000"/>
-              </a:solidFill>
-              <a:uFill>
-                <a:solidFill>
-                  <a:srgbClr val="FFFFFF"/>
-                </a:solidFill>
-              </a:uFill>
-              <a:latin typeface="Arial"/>
-            </a:endParaRPr>
-          </a:p>
-          <a:p>
-            <a:pPr marL="285840" indent="-285480">
+            <a:endParaRPr lang="en-US" sz="1600" b="0" strike="noStrike" spc="-1" dirty="0">
+              <a:solidFill>
+                <a:srgbClr val="000000"/>
+              </a:solidFill>
+              <a:uFill>
+                <a:solidFill>
+                  <a:srgbClr val="FFFFFF"/>
+                </a:solidFill>
+              </a:uFill>
+              <a:latin typeface="Arial"/>
+            </a:endParaRPr>
+          </a:p>
+          <a:p>
+            <a:pPr marL="343260" indent="-342900">
               <a:lnSpc>
                 <a:spcPct val="100000"/>
               </a:lnSpc>
               <a:buClr>
                 <a:srgbClr val="000000"/>
               </a:buClr>
-              <a:buFont typeface="Wingdings" charset="2"/>
-              <a:buChar char=""/>
+              <a:buFont typeface="Arial" panose="020B0604020202020204" pitchFamily="34" charset="0"/>
+              <a:buChar char="•"/>
             </a:pPr>
             <a:r>
-              <a:rPr lang="de-DE" sz="2400" b="0" strike="noStrike" spc="-1" dirty="0" err="1">
+              <a:rPr lang="en-US" sz="2400" b="0" strike="noStrike" spc="-1" dirty="0">
                 <a:solidFill>
                   <a:srgbClr val="000000"/>
                 </a:solidFill>
@@ -5720,31 +6189,20 @@
               </a:rPr>
               <a:t>Postprocessing</a:t>
             </a:r>
-            <a:endParaRPr lang="de-DE" sz="2400" b="0" strike="noStrike" spc="-1" dirty="0">
-              <a:solidFill>
-                <a:srgbClr val="000000"/>
-              </a:solidFill>
-              <a:uFill>
-                <a:solidFill>
-                  <a:srgbClr val="FFFFFF"/>
-                </a:solidFill>
-              </a:uFill>
-              <a:latin typeface="Arial"/>
-            </a:endParaRPr>
-          </a:p>
-          <a:p>
-            <a:pPr marL="285840" indent="-285480">
+          </a:p>
+          <a:p>
+            <a:pPr marL="343260" indent="-342900">
               <a:lnSpc>
                 <a:spcPct val="100000"/>
               </a:lnSpc>
               <a:buClr>
                 <a:srgbClr val="000000"/>
               </a:buClr>
-              <a:buFont typeface="Wingdings" charset="2"/>
-              <a:buChar char=""/>
+              <a:buFont typeface="Arial" panose="020B0604020202020204" pitchFamily="34" charset="0"/>
+              <a:buChar char="•"/>
             </a:pPr>
             <a:r>
-              <a:rPr lang="de-DE" sz="2400" spc="-1" dirty="0" err="1">
+              <a:rPr lang="en-US" sz="2400" spc="-1" dirty="0">
                 <a:solidFill>
                   <a:srgbClr val="000000"/>
                 </a:solidFill>
@@ -5757,31 +6215,31 @@
               </a:rPr>
               <a:t>Paraview</a:t>
             </a:r>
-            <a:endParaRPr lang="de-DE" sz="1600" b="0" strike="noStrike" spc="-1" dirty="0">
-              <a:solidFill>
-                <a:srgbClr val="000000"/>
-              </a:solidFill>
-              <a:uFill>
-                <a:solidFill>
-                  <a:srgbClr val="FFFFFF"/>
-                </a:solidFill>
-              </a:uFill>
-              <a:latin typeface="Arial"/>
-            </a:endParaRPr>
-          </a:p>
-          <a:p>
-            <a:pPr marL="285840" indent="-285480">
+            <a:endParaRPr lang="en-US" sz="1600" b="0" strike="noStrike" spc="-1" dirty="0">
+              <a:solidFill>
+                <a:srgbClr val="000000"/>
+              </a:solidFill>
+              <a:uFill>
+                <a:solidFill>
+                  <a:srgbClr val="FFFFFF"/>
+                </a:solidFill>
+              </a:uFill>
+              <a:latin typeface="Arial"/>
+            </a:endParaRPr>
+          </a:p>
+          <a:p>
+            <a:pPr marL="343260" indent="-342900">
               <a:lnSpc>
                 <a:spcPct val="100000"/>
               </a:lnSpc>
               <a:buClr>
                 <a:srgbClr val="000000"/>
               </a:buClr>
-              <a:buFont typeface="Wingdings" charset="2"/>
-              <a:buChar char=""/>
+              <a:buFont typeface="Arial" panose="020B0604020202020204" pitchFamily="34" charset="0"/>
+              <a:buChar char="•"/>
             </a:pPr>
             <a:r>
-              <a:rPr lang="de-DE" sz="2400" b="0" strike="noStrike" spc="-1" dirty="0">
+              <a:rPr lang="en-US" sz="2400" b="0" strike="noStrike" spc="-1" dirty="0">
                 <a:solidFill>
                   <a:srgbClr val="000000"/>
                 </a:solidFill>
@@ -5794,31 +6252,31 @@
               </a:rPr>
               <a:t>Features</a:t>
             </a:r>
-            <a:endParaRPr lang="de-DE" sz="1600" b="0" strike="noStrike" spc="-1" dirty="0">
-              <a:solidFill>
-                <a:srgbClr val="000000"/>
-              </a:solidFill>
-              <a:uFill>
-                <a:solidFill>
-                  <a:srgbClr val="FFFFFF"/>
-                </a:solidFill>
-              </a:uFill>
-              <a:latin typeface="Arial"/>
-            </a:endParaRPr>
-          </a:p>
-          <a:p>
-            <a:pPr marL="285840" indent="-285480">
+            <a:endParaRPr lang="en-US" sz="1600" b="0" strike="noStrike" spc="-1" dirty="0">
+              <a:solidFill>
+                <a:srgbClr val="000000"/>
+              </a:solidFill>
+              <a:uFill>
+                <a:solidFill>
+                  <a:srgbClr val="FFFFFF"/>
+                </a:solidFill>
+              </a:uFill>
+              <a:latin typeface="Arial"/>
+            </a:endParaRPr>
+          </a:p>
+          <a:p>
+            <a:pPr marL="343260" indent="-342900">
               <a:lnSpc>
                 <a:spcPct val="100000"/>
               </a:lnSpc>
               <a:buClr>
                 <a:srgbClr val="000000"/>
               </a:buClr>
-              <a:buFont typeface="Wingdings" charset="2"/>
-              <a:buChar char=""/>
+              <a:buFont typeface="Arial" panose="020B0604020202020204" pitchFamily="34" charset="0"/>
+              <a:buChar char="•"/>
             </a:pPr>
             <a:r>
-              <a:rPr lang="de-DE" sz="2400" b="0" strike="noStrike" spc="-1" dirty="0">
+              <a:rPr lang="en-US" sz="2400" b="0" strike="noStrike" spc="-1" dirty="0">
                 <a:solidFill>
                   <a:srgbClr val="000000"/>
                 </a:solidFill>
@@ -5831,7 +6289,7 @@
               </a:rPr>
               <a:t>Timeline</a:t>
             </a:r>
-            <a:endParaRPr lang="de-DE" sz="1600" b="0" strike="noStrike" spc="-1" dirty="0">
+            <a:endParaRPr lang="en-US" sz="1600" b="0" strike="noStrike" spc="-1" dirty="0">
               <a:solidFill>
                 <a:srgbClr val="000000"/>
               </a:solidFill>
@@ -6106,98 +6564,141 @@
           <a:bodyPr lIns="0" tIns="0" rIns="0" bIns="0"/>
           <a:lstStyle/>
           <a:p>
-            <a:pPr marL="360">
+            <a:pPr marL="286110" indent="-285750">
               <a:lnSpc>
                 <a:spcPct val="100000"/>
               </a:lnSpc>
               <a:buClr>
                 <a:srgbClr val="000000"/>
               </a:buClr>
+              <a:buFont typeface="Arial" panose="020B0604020202020204" pitchFamily="34" charset="0"/>
+              <a:buChar char="•"/>
             </a:pPr>
             <a:r>
-              <a:rPr lang="de-DE" sz="2400" b="0" strike="noStrike" spc="-1" dirty="0">
-                <a:solidFill>
-                  <a:srgbClr val="000000"/>
-                </a:solidFill>
-                <a:uFill>
-                  <a:solidFill>
-                    <a:srgbClr val="FFFFFF"/>
-                  </a:solidFill>
-                </a:uFill>
-                <a:latin typeface="Arial"/>
-              </a:rPr>
-              <a:t>Summary </a:t>
+              <a:rPr lang="en-US" sz="2200" spc="-1" dirty="0">
+                <a:solidFill>
+                  <a:srgbClr val="000000"/>
+                </a:solidFill>
+                <a:uFill>
+                  <a:solidFill>
+                    <a:srgbClr val="FFFFFF"/>
+                  </a:solidFill>
+                </a:uFill>
+                <a:latin typeface="Arial"/>
+              </a:rPr>
+              <a:t>Postprocessing for Paraview</a:t>
             </a:r>
+          </a:p>
+          <a:p>
+            <a:pPr marL="286110" indent="-285750">
+              <a:lnSpc>
+                <a:spcPct val="100000"/>
+              </a:lnSpc>
+              <a:buClr>
+                <a:srgbClr val="000000"/>
+              </a:buClr>
+              <a:buFont typeface="Arial" panose="020B0604020202020204" pitchFamily="34" charset="0"/>
+              <a:buChar char="•"/>
+            </a:pPr>
             <a:r>
-              <a:rPr lang="de-DE" sz="2400" b="0" strike="noStrike" spc="-1" dirty="0" err="1">
-                <a:solidFill>
-                  <a:srgbClr val="000000"/>
-                </a:solidFill>
-                <a:uFill>
-                  <a:solidFill>
-                    <a:srgbClr val="FFFFFF"/>
-                  </a:solidFill>
-                </a:uFill>
-                <a:latin typeface="Arial"/>
-              </a:rPr>
-              <a:t>of</a:t>
+              <a:rPr lang="en-US" sz="2200" spc="-1" dirty="0">
+                <a:solidFill>
+                  <a:srgbClr val="000000"/>
+                </a:solidFill>
+                <a:uFill>
+                  <a:solidFill>
+                    <a:srgbClr val="FFFFFF"/>
+                  </a:solidFill>
+                </a:uFill>
+                <a:latin typeface="Arial"/>
+              </a:rPr>
+              <a:t>Distribution to an existing Program, called Adhoc</a:t>
             </a:r>
+          </a:p>
+          <a:p>
+            <a:pPr marL="286110" indent="-285750">
+              <a:lnSpc>
+                <a:spcPct val="100000"/>
+              </a:lnSpc>
+              <a:buClr>
+                <a:srgbClr val="000000"/>
+              </a:buClr>
+              <a:buFont typeface="Arial" panose="020B0604020202020204" pitchFamily="34" charset="0"/>
+              <a:buChar char="•"/>
+            </a:pPr>
             <a:r>
-              <a:rPr lang="de-DE" sz="2400" b="0" strike="noStrike" spc="-1" dirty="0">
-                <a:solidFill>
-                  <a:srgbClr val="000000"/>
-                </a:solidFill>
-                <a:uFill>
-                  <a:solidFill>
-                    <a:srgbClr val="FFFFFF"/>
-                  </a:solidFill>
-                </a:uFill>
-                <a:latin typeface="Arial"/>
-              </a:rPr>
-              <a:t> </a:t>
+              <a:rPr lang="en-US" sz="2200" b="0" strike="noStrike" spc="-1" dirty="0">
+                <a:solidFill>
+                  <a:srgbClr val="000000"/>
+                </a:solidFill>
+                <a:uFill>
+                  <a:solidFill>
+                    <a:srgbClr val="FFFFFF"/>
+                  </a:solidFill>
+                </a:uFill>
+                <a:latin typeface="Arial"/>
+              </a:rPr>
+              <a:t>Plugin written in python</a:t>
             </a:r>
+          </a:p>
+          <a:p>
+            <a:pPr marL="286110" indent="-285750">
+              <a:lnSpc>
+                <a:spcPct val="100000"/>
+              </a:lnSpc>
+              <a:buClr>
+                <a:srgbClr val="000000"/>
+              </a:buClr>
+              <a:buFont typeface="Arial" panose="020B0604020202020204" pitchFamily="34" charset="0"/>
+              <a:buChar char="•"/>
+            </a:pPr>
             <a:r>
-              <a:rPr lang="de-DE" sz="2400" b="0" strike="noStrike" spc="-1" dirty="0" err="1">
-                <a:solidFill>
-                  <a:srgbClr val="000000"/>
-                </a:solidFill>
-                <a:uFill>
-                  <a:solidFill>
-                    <a:srgbClr val="FFFFFF"/>
-                  </a:solidFill>
-                </a:uFill>
-                <a:latin typeface="Arial"/>
-              </a:rPr>
-              <a:t>the</a:t>
+              <a:rPr lang="en-US" sz="2200" spc="-1" dirty="0">
+                <a:solidFill>
+                  <a:srgbClr val="000000"/>
+                </a:solidFill>
+                <a:uFill>
+                  <a:solidFill>
+                    <a:srgbClr val="FFFFFF"/>
+                  </a:solidFill>
+                </a:uFill>
+                <a:latin typeface="Arial"/>
+              </a:rPr>
+              <a:t>Working OS Ubuntu (Linux)</a:t>
             </a:r>
+          </a:p>
+          <a:p>
+            <a:pPr marL="286110" indent="-285750">
+              <a:lnSpc>
+                <a:spcPct val="100000"/>
+              </a:lnSpc>
+              <a:buClr>
+                <a:srgbClr val="000000"/>
+              </a:buClr>
+              <a:buFont typeface="Arial" panose="020B0604020202020204" pitchFamily="34" charset="0"/>
+              <a:buChar char="•"/>
+            </a:pPr>
             <a:r>
-              <a:rPr lang="de-DE" sz="2400" b="0" strike="noStrike" spc="-1" dirty="0">
-                <a:solidFill>
-                  <a:srgbClr val="000000"/>
-                </a:solidFill>
-                <a:uFill>
-                  <a:solidFill>
-                    <a:srgbClr val="FFFFFF"/>
-                  </a:solidFill>
-                </a:uFill>
-                <a:latin typeface="Arial"/>
-              </a:rPr>
-              <a:t> </a:t>
+              <a:rPr lang="en-US" sz="2200" b="0" strike="noStrike" spc="-1" dirty="0">
+                <a:solidFill>
+                  <a:srgbClr val="000000"/>
+                </a:solidFill>
+                <a:uFill>
+                  <a:solidFill>
+                    <a:srgbClr val="FFFFFF"/>
+                  </a:solidFill>
+                </a:uFill>
+                <a:latin typeface="Arial"/>
+              </a:rPr>
+              <a:t>Usage of GIT</a:t>
             </a:r>
-            <a:r>
-              <a:rPr lang="de-DE" sz="2400" b="0" strike="noStrike" spc="-1" dirty="0" err="1">
-                <a:solidFill>
-                  <a:srgbClr val="000000"/>
-                </a:solidFill>
-                <a:uFill>
-                  <a:solidFill>
-                    <a:srgbClr val="FFFFFF"/>
-                  </a:solidFill>
-                </a:uFill>
-                <a:latin typeface="Arial"/>
-              </a:rPr>
-              <a:t>task</a:t>
-            </a:r>
+          </a:p>
+          <a:p>
+            <a:pPr>
+              <a:lnSpc>
+                <a:spcPct val="114000"/>
+              </a:lnSpc>
+            </a:pPr>
             <a:endParaRPr lang="de-DE" sz="1600" b="0" strike="noStrike" spc="-1" dirty="0">
               <a:solidFill>
                 <a:srgbClr val="000000"/>
@@ -6210,128 +6711,92 @@
               <a:latin typeface="Arial"/>
             </a:endParaRPr>
           </a:p>
+        </p:txBody>
+      </p:sp>
+      <p:sp>
+        <p:nvSpPr>
+          <p:cNvPr id="90" name="TextShape 2"/>
+          <p:cNvSpPr txBox="1"/>
+          <p:nvPr/>
+        </p:nvSpPr>
+        <p:spPr>
+          <a:xfrm>
+            <a:off x="6774840" y="6473160"/>
+            <a:ext cx="2051640" cy="364680"/>
+          </a:xfrm>
+          <a:prstGeom prst="rect">
+            <a:avLst/>
+          </a:prstGeom>
+          <a:noFill/>
+          <a:ln>
+            <a:noFill/>
+          </a:ln>
+        </p:spPr>
+        <p:txBody>
+          <a:bodyPr lIns="0" rIns="0" anchor="ctr"/>
+          <a:lstStyle/>
+          <a:p>
+            <a:pPr algn="r">
+              <a:lnSpc>
+                <a:spcPct val="100000"/>
+              </a:lnSpc>
+            </a:pPr>
+            <a:fld id="{4F831EE4-46AE-4713-AD1F-E57479484FF3}" type="slidenum">
+              <a:rPr lang="de-DE" sz="1200" b="0" strike="noStrike" spc="-1">
+                <a:solidFill>
+                  <a:srgbClr val="000000"/>
+                </a:solidFill>
+                <a:uFill>
+                  <a:solidFill>
+                    <a:srgbClr val="FFFFFF"/>
+                  </a:solidFill>
+                </a:uFill>
+                <a:latin typeface="Arial"/>
+              </a:rPr>
+              <a:t>3</a:t>
+            </a:fld>
+            <a:endParaRPr lang="de-DE" sz="1200" b="0" strike="noStrike" spc="-1">
+              <a:solidFill>
+                <a:srgbClr val="000000"/>
+              </a:solidFill>
+              <a:uFill>
+                <a:solidFill>
+                  <a:srgbClr val="FFFFFF"/>
+                </a:solidFill>
+              </a:uFill>
+              <a:latin typeface="Times New Roman"/>
+            </a:endParaRPr>
+          </a:p>
+        </p:txBody>
+      </p:sp>
+      <p:sp>
+        <p:nvSpPr>
+          <p:cNvPr id="91" name="TextShape 3"/>
+          <p:cNvSpPr txBox="1"/>
+          <p:nvPr/>
+        </p:nvSpPr>
+        <p:spPr>
+          <a:xfrm>
+            <a:off x="311040" y="6473160"/>
+            <a:ext cx="6463800" cy="364680"/>
+          </a:xfrm>
+          <a:prstGeom prst="rect">
+            <a:avLst/>
+          </a:prstGeom>
+          <a:noFill/>
+          <a:ln>
+            <a:noFill/>
+          </a:ln>
+        </p:spPr>
+        <p:txBody>
+          <a:bodyPr lIns="0" rIns="0" anchor="ctr"/>
+          <a:lstStyle/>
           <a:p>
             <a:pPr>
               <a:lnSpc>
                 <a:spcPct val="100000"/>
               </a:lnSpc>
             </a:pPr>
-            <a:endParaRPr lang="de-DE" sz="1600" b="0" strike="noStrike" spc="-1" dirty="0">
-              <a:solidFill>
-                <a:srgbClr val="000000"/>
-              </a:solidFill>
-              <a:uFill>
-                <a:solidFill>
-                  <a:srgbClr val="FFFFFF"/>
-                </a:solidFill>
-              </a:uFill>
-              <a:latin typeface="Arial"/>
-            </a:endParaRPr>
-          </a:p>
-          <a:p>
-            <a:pPr>
-              <a:lnSpc>
-                <a:spcPct val="114000"/>
-              </a:lnSpc>
-            </a:pPr>
-            <a:endParaRPr lang="de-DE" sz="1600" b="0" strike="noStrike" spc="-1" dirty="0">
-              <a:solidFill>
-                <a:srgbClr val="000000"/>
-              </a:solidFill>
-              <a:uFill>
-                <a:solidFill>
-                  <a:srgbClr val="FFFFFF"/>
-                </a:solidFill>
-              </a:uFill>
-              <a:latin typeface="Arial"/>
-            </a:endParaRPr>
-          </a:p>
-        </p:txBody>
-      </p:sp>
-      <p:sp>
-        <p:nvSpPr>
-          <p:cNvPr id="90" name="TextShape 2"/>
-          <p:cNvSpPr txBox="1"/>
-          <p:nvPr/>
-        </p:nvSpPr>
-        <p:spPr>
-          <a:xfrm>
-            <a:off x="6774840" y="6473160"/>
-            <a:ext cx="2051640" cy="364680"/>
-          </a:xfrm>
-          <a:prstGeom prst="rect">
-            <a:avLst/>
-          </a:prstGeom>
-          <a:noFill/>
-          <a:ln>
-            <a:noFill/>
-          </a:ln>
-        </p:spPr>
-        <p:txBody>
-          <a:bodyPr lIns="0" rIns="0" anchor="ctr"/>
-          <a:lstStyle/>
-          <a:p>
-            <a:pPr algn="r">
-              <a:lnSpc>
-                <a:spcPct val="100000"/>
-              </a:lnSpc>
-            </a:pPr>
-            <a:fld id="{4F831EE4-46AE-4713-AD1F-E57479484FF3}" type="slidenum">
-              <a:rPr lang="de-DE" sz="1200" b="0" strike="noStrike" spc="-1">
-                <a:solidFill>
-                  <a:srgbClr val="000000"/>
-                </a:solidFill>
-                <a:uFill>
-                  <a:solidFill>
-                    <a:srgbClr val="FFFFFF"/>
-                  </a:solidFill>
-                </a:uFill>
-                <a:latin typeface="Arial"/>
-              </a:rPr>
-              <a:t>3</a:t>
-            </a:fld>
-            <a:endParaRPr lang="de-DE" sz="1200" b="0" strike="noStrike" spc="-1">
-              <a:solidFill>
-                <a:srgbClr val="000000"/>
-              </a:solidFill>
-              <a:uFill>
-                <a:solidFill>
-                  <a:srgbClr val="FFFFFF"/>
-                </a:solidFill>
-              </a:uFill>
-              <a:latin typeface="Times New Roman"/>
-            </a:endParaRPr>
-          </a:p>
-        </p:txBody>
-      </p:sp>
-      <p:sp>
-        <p:nvSpPr>
-          <p:cNvPr id="91" name="TextShape 3"/>
-          <p:cNvSpPr txBox="1"/>
-          <p:nvPr/>
-        </p:nvSpPr>
-        <p:spPr>
-          <a:xfrm>
-            <a:off x="311040" y="6473160"/>
-            <a:ext cx="6463800" cy="364680"/>
-          </a:xfrm>
-          <a:prstGeom prst="rect">
-            <a:avLst/>
-          </a:prstGeom>
-          <a:noFill/>
-          <a:ln>
-            <a:noFill/>
-          </a:ln>
-        </p:spPr>
-        <p:txBody>
-          <a:bodyPr lIns="0" rIns="0" anchor="ctr"/>
-          <a:lstStyle/>
-          <a:p>
-            <a:pPr>
-              <a:lnSpc>
-                <a:spcPct val="100000"/>
-              </a:lnSpc>
-            </a:pPr>
             <a:r>
               <a:rPr lang="de-DE" sz="1200" b="0" strike="noStrike" spc="-1">
                 <a:solidFill>
@@ -6389,7 +6854,7 @@
               </a:lnSpc>
             </a:pPr>
             <a:r>
-              <a:rPr lang="de-DE" sz="3000" b="0" strike="noStrike" spc="-1" dirty="0" err="1">
+              <a:rPr lang="en-US" sz="3000" b="0" strike="noStrike" spc="-1" dirty="0">
                 <a:solidFill>
                   <a:srgbClr val="000000"/>
                 </a:solidFill>
@@ -6402,7 +6867,7 @@
               </a:rPr>
               <a:t>Introduction</a:t>
             </a:r>
-            <a:endParaRPr lang="de-DE" sz="2200" b="0" strike="noStrike" spc="-1" dirty="0">
+            <a:endParaRPr lang="en-US" sz="2200" b="0" strike="noStrike" spc="-1" dirty="0">
               <a:solidFill>
                 <a:srgbClr val="000000"/>
               </a:solidFill>
@@ -6496,12 +6961,169 @@
           <a:bodyPr lIns="0" tIns="0" rIns="0" bIns="0"/>
           <a:lstStyle/>
           <a:p>
+            <a:pPr marL="342900" indent="-342900">
+              <a:lnSpc>
+                <a:spcPct val="114000"/>
+              </a:lnSpc>
+              <a:buFont typeface="Arial" panose="020B0604020202020204" pitchFamily="34" charset="0"/>
+              <a:buChar char="•"/>
+            </a:pPr>
+            <a:r>
+              <a:rPr lang="en-US" sz="2200" b="0" strike="noStrike" spc="-1" dirty="0">
+                <a:solidFill>
+                  <a:srgbClr val="000000"/>
+                </a:solidFill>
+                <a:uFill>
+                  <a:solidFill>
+                    <a:srgbClr val="FFFFFF"/>
+                  </a:solidFill>
+                </a:uFill>
+                <a:latin typeface="Arial"/>
+              </a:rPr>
+              <a:t>Post (lat.) – after</a:t>
+            </a:r>
+          </a:p>
+          <a:p>
+            <a:pPr marL="342900" indent="-342900">
+              <a:lnSpc>
+                <a:spcPct val="114000"/>
+              </a:lnSpc>
+              <a:buFont typeface="Arial" panose="020B0604020202020204" pitchFamily="34" charset="0"/>
+              <a:buChar char="•"/>
+            </a:pPr>
+            <a:r>
+              <a:rPr lang="en-US" sz="2200" spc="-1" dirty="0">
+                <a:solidFill>
+                  <a:srgbClr val="000000"/>
+                </a:solidFill>
+                <a:uFill>
+                  <a:solidFill>
+                    <a:srgbClr val="FFFFFF"/>
+                  </a:solidFill>
+                </a:uFill>
+                <a:latin typeface="Arial"/>
+              </a:rPr>
+              <a:t>Further calculating may be necessary</a:t>
+            </a:r>
+            <a:endParaRPr lang="en-US" sz="2200" b="0" strike="noStrike" spc="-1" dirty="0">
+              <a:solidFill>
+                <a:srgbClr val="000000"/>
+              </a:solidFill>
+              <a:uFill>
+                <a:solidFill>
+                  <a:srgbClr val="FFFFFF"/>
+                </a:solidFill>
+              </a:uFill>
+              <a:latin typeface="Arial"/>
+            </a:endParaRPr>
+          </a:p>
+          <a:p>
+            <a:pPr marL="342900" indent="-342900">
+              <a:lnSpc>
+                <a:spcPct val="114000"/>
+              </a:lnSpc>
+              <a:buFont typeface="Arial" panose="020B0604020202020204" pitchFamily="34" charset="0"/>
+              <a:buChar char="•"/>
+            </a:pPr>
+            <a:r>
+              <a:rPr lang="en-US" sz="2200" b="0" strike="noStrike" spc="-1" dirty="0">
+                <a:solidFill>
+                  <a:srgbClr val="000000"/>
+                </a:solidFill>
+                <a:uFill>
+                  <a:solidFill>
+                    <a:srgbClr val="FFFFFF"/>
+                  </a:solidFill>
+                </a:uFill>
+                <a:latin typeface="Arial"/>
+              </a:rPr>
+              <a:t>Processing takes too long to do all calculations every time</a:t>
+            </a:r>
+            <a:endParaRPr lang="en-US" sz="2200" spc="-1" dirty="0">
+              <a:solidFill>
+                <a:srgbClr val="000000"/>
+              </a:solidFill>
+              <a:uFill>
+                <a:solidFill>
+                  <a:srgbClr val="FFFFFF"/>
+                </a:solidFill>
+              </a:uFill>
+              <a:latin typeface="Arial"/>
+            </a:endParaRPr>
+          </a:p>
+          <a:p>
+            <a:pPr marL="800100" lvl="1" indent="-342900">
+              <a:lnSpc>
+                <a:spcPct val="114000"/>
+              </a:lnSpc>
+              <a:buFont typeface="Arial" panose="020B0604020202020204" pitchFamily="34" charset="0"/>
+              <a:buChar char="•"/>
+            </a:pPr>
+            <a:r>
+              <a:rPr lang="en-US" sz="2200" b="0" strike="noStrike" spc="-1" dirty="0">
+                <a:solidFill>
+                  <a:srgbClr val="000000"/>
+                </a:solidFill>
+                <a:uFill>
+                  <a:solidFill>
+                    <a:srgbClr val="FFFFFF"/>
+                  </a:solidFill>
+                </a:uFill>
+                <a:latin typeface="Arial"/>
+              </a:rPr>
+              <a:t>Selecting a specific part for postprocessing</a:t>
+            </a:r>
+          </a:p>
+          <a:p>
+            <a:pPr marL="342900" indent="-342900">
+              <a:lnSpc>
+                <a:spcPct val="114000"/>
+              </a:lnSpc>
+              <a:buFont typeface="Arial" panose="020B0604020202020204" pitchFamily="34" charset="0"/>
+              <a:buChar char="•"/>
+            </a:pPr>
+            <a:r>
+              <a:rPr lang="en-US" sz="2200" b="0" strike="noStrike" spc="-1" dirty="0">
+                <a:solidFill>
+                  <a:srgbClr val="000000"/>
+                </a:solidFill>
+                <a:uFill>
+                  <a:solidFill>
+                    <a:srgbClr val="FFFFFF"/>
+                  </a:solidFill>
+                </a:uFill>
+                <a:latin typeface="Arial"/>
+              </a:rPr>
+              <a:t>Example: Building</a:t>
+            </a:r>
+          </a:p>
+          <a:p>
+            <a:pPr marL="342900" indent="-342900">
+              <a:lnSpc>
+                <a:spcPct val="114000"/>
+              </a:lnSpc>
+              <a:buFont typeface="Arial" panose="020B0604020202020204" pitchFamily="34" charset="0"/>
+              <a:buChar char="•"/>
+            </a:pPr>
+            <a:endParaRPr lang="en-US" sz="1600" b="0" strike="noStrike" spc="-1" dirty="0">
+              <a:solidFill>
+                <a:srgbClr val="000000"/>
+              </a:solidFill>
+              <a:uFill>
+                <a:solidFill>
+                  <a:srgbClr val="FFFFFF"/>
+                </a:solidFill>
+              </a:uFill>
+              <a:latin typeface="Arial"/>
+            </a:endParaRPr>
+          </a:p>
+          <a:p>
             <a:pPr>
               <a:lnSpc>
                 <a:spcPct val="114000"/>
               </a:lnSpc>
             </a:pPr>
-            <a:endParaRPr lang="de-DE" sz="1600" b="0" strike="noStrike" spc="-1">
+            <a:endParaRPr lang="en-US" sz="1600" b="0" strike="noStrike" spc="-1" dirty="0">
               <a:solidFill>
                 <a:srgbClr val="000000"/>
               </a:solidFill>
@@ -6519,21 +7141,7 @@
                 <a:spcPct val="114000"/>
               </a:lnSpc>
             </a:pPr>
-            <a:r>
-              <a:rPr lang="de-DE" sz="2200" b="0" strike="noStrike" spc="-1">
-                <a:solidFill>
-                  <a:srgbClr val="000000"/>
-                </a:solidFill>
-                <a:uFill>
-                  <a:solidFill>
-                    <a:srgbClr val="FFFFFF"/>
-                  </a:solidFill>
-                </a:uFill>
-                <a:latin typeface="Arial"/>
-              </a:rPr>
-              <a:t>What is postprocessing?</a:t>
-            </a:r>
-            <a:endParaRPr lang="de-DE" sz="1600" b="0" strike="noStrike" spc="-1">
+            <a:endParaRPr lang="en-US" sz="1600" b="0" strike="noStrike" spc="-1" dirty="0">
               <a:solidFill>
                 <a:srgbClr val="000000"/>
               </a:solidFill>
@@ -6551,125 +7159,7 @@
                 <a:spcPct val="114000"/>
               </a:lnSpc>
             </a:pPr>
-            <a:endParaRPr lang="de-DE" sz="1600" b="0" strike="noStrike" spc="-1">
-              <a:solidFill>
-                <a:srgbClr val="000000"/>
-              </a:solidFill>
-              <a:uFill>
-                <a:solidFill>
-                  <a:srgbClr val="FFFFFF"/>
-                </a:solidFill>
-              </a:uFill>
-              <a:latin typeface="Arial"/>
-            </a:endParaRPr>
-          </a:p>
-          <a:p>
-            <a:pPr>
-              <a:lnSpc>
-                <a:spcPct val="114000"/>
-              </a:lnSpc>
-            </a:pPr>
-            <a:r>
-              <a:rPr lang="de-DE" sz="2200" b="0" strike="noStrike" spc="-1">
-                <a:solidFill>
-                  <a:srgbClr val="000000"/>
-                </a:solidFill>
-                <a:uFill>
-                  <a:solidFill>
-                    <a:srgbClr val="FFFFFF"/>
-                  </a:solidFill>
-                </a:uFill>
-                <a:latin typeface="Arial"/>
-              </a:rPr>
-              <a:t>Efficiency</a:t>
-            </a:r>
-            <a:endParaRPr lang="de-DE" sz="1600" b="0" strike="noStrike" spc="-1">
-              <a:solidFill>
-                <a:srgbClr val="000000"/>
-              </a:solidFill>
-              <a:uFill>
-                <a:solidFill>
-                  <a:srgbClr val="FFFFFF"/>
-                </a:solidFill>
-              </a:uFill>
-              <a:latin typeface="Arial"/>
-            </a:endParaRPr>
-          </a:p>
-          <a:p>
-            <a:pPr>
-              <a:lnSpc>
-                <a:spcPct val="114000"/>
-              </a:lnSpc>
-            </a:pPr>
-            <a:endParaRPr lang="de-DE" sz="1600" b="0" strike="noStrike" spc="-1">
-              <a:solidFill>
-                <a:srgbClr val="000000"/>
-              </a:solidFill>
-              <a:uFill>
-                <a:solidFill>
-                  <a:srgbClr val="FFFFFF"/>
-                </a:solidFill>
-              </a:uFill>
-              <a:latin typeface="Arial"/>
-            </a:endParaRPr>
-          </a:p>
-          <a:p>
-            <a:pPr>
-              <a:lnSpc>
-                <a:spcPct val="114000"/>
-              </a:lnSpc>
-            </a:pPr>
-            <a:r>
-              <a:rPr lang="de-DE" sz="2200" b="0" strike="noStrike" spc="-1">
-                <a:solidFill>
-                  <a:srgbClr val="000000"/>
-                </a:solidFill>
-                <a:uFill>
-                  <a:solidFill>
-                    <a:srgbClr val="FFFFFF"/>
-                  </a:solidFill>
-                </a:uFill>
-                <a:latin typeface="Arial"/>
-              </a:rPr>
-              <a:t>Explain through example</a:t>
-            </a:r>
-            <a:endParaRPr lang="de-DE" sz="1600" b="0" strike="noStrike" spc="-1">
-              <a:solidFill>
-                <a:srgbClr val="000000"/>
-              </a:solidFill>
-              <a:uFill>
-                <a:solidFill>
-                  <a:srgbClr val="FFFFFF"/>
-                </a:solidFill>
-              </a:uFill>
-              <a:latin typeface="Arial"/>
-            </a:endParaRPr>
-          </a:p>
-          <a:p>
-            <a:pPr>
-              <a:lnSpc>
-                <a:spcPct val="114000"/>
-              </a:lnSpc>
-            </a:pPr>
-            <a:endParaRPr lang="de-DE" sz="1600" b="0" strike="noStrike" spc="-1">
-              <a:solidFill>
-                <a:srgbClr val="000000"/>
-              </a:solidFill>
-              <a:uFill>
-                <a:solidFill>
-                  <a:srgbClr val="FFFFFF"/>
-                </a:solidFill>
-              </a:uFill>
-              <a:latin typeface="Arial"/>
-            </a:endParaRPr>
-          </a:p>
-          <a:p>
-            <a:pPr>
-              <a:lnSpc>
-                <a:spcPct val="114000"/>
-              </a:lnSpc>
-            </a:pPr>
-            <a:endParaRPr lang="de-DE" sz="1600" b="0" strike="noStrike" spc="-1">
+            <a:endParaRPr lang="de-DE" sz="1600" b="0" strike="noStrike" spc="-1" dirty="0">
               <a:solidFill>
                 <a:srgbClr val="000000"/>
               </a:solidFill>
@@ -6824,7 +7314,7 @@
               </a:lnSpc>
             </a:pPr>
             <a:r>
-              <a:rPr lang="de-DE" sz="3000" b="0" strike="noStrike" spc="-1">
+              <a:rPr lang="en-US" sz="3000" b="0" strike="noStrike" spc="-1" dirty="0">
                 <a:solidFill>
                   <a:srgbClr val="000000"/>
                 </a:solidFill>
@@ -6837,7 +7327,7 @@
               </a:rPr>
               <a:t>Postprocessing</a:t>
             </a:r>
-            <a:endParaRPr lang="de-DE" sz="2200" b="0" strike="noStrike" spc="-1">
+            <a:endParaRPr lang="en-US" sz="2200" b="0" strike="noStrike" spc="-1" dirty="0">
               <a:solidFill>
                 <a:srgbClr val="000000"/>
               </a:solidFill>
@@ -6926,12 +7416,114 @@
           <a:bodyPr lIns="0" tIns="0" rIns="0" bIns="0"/>
           <a:lstStyle/>
           <a:p>
+            <a:pPr marL="342900" indent="-342900">
+              <a:lnSpc>
+                <a:spcPct val="114000"/>
+              </a:lnSpc>
+              <a:buFont typeface="Arial" panose="020B0604020202020204" pitchFamily="34" charset="0"/>
+              <a:buChar char="•"/>
+            </a:pPr>
+            <a:r>
+              <a:rPr lang="en-US" sz="2200" b="0" strike="noStrike" spc="-1" dirty="0">
+                <a:solidFill>
+                  <a:srgbClr val="000000"/>
+                </a:solidFill>
+                <a:uFill>
+                  <a:solidFill>
+                    <a:srgbClr val="FFFFFF"/>
+                  </a:solidFill>
+                </a:uFill>
+                <a:latin typeface="Arial"/>
+              </a:rPr>
+              <a:t>What is paraview?</a:t>
+            </a:r>
+            <a:endParaRPr lang="en-US" sz="1600" b="0" strike="noStrike" spc="-1" dirty="0">
+              <a:solidFill>
+                <a:srgbClr val="000000"/>
+              </a:solidFill>
+              <a:uFill>
+                <a:solidFill>
+                  <a:srgbClr val="FFFFFF"/>
+                </a:solidFill>
+              </a:uFill>
+              <a:latin typeface="Arial"/>
+            </a:endParaRPr>
+          </a:p>
+          <a:p>
+            <a:pPr marL="342900" indent="-342900">
+              <a:lnSpc>
+                <a:spcPct val="114000"/>
+              </a:lnSpc>
+              <a:buFont typeface="Arial" panose="020B0604020202020204" pitchFamily="34" charset="0"/>
+              <a:buChar char="•"/>
+            </a:pPr>
+            <a:r>
+              <a:rPr lang="en-US" sz="2200" b="0" strike="noStrike" spc="-1" dirty="0">
+                <a:solidFill>
+                  <a:srgbClr val="000000"/>
+                </a:solidFill>
+                <a:uFill>
+                  <a:solidFill>
+                    <a:srgbClr val="FFFFFF"/>
+                  </a:solidFill>
+                </a:uFill>
+                <a:latin typeface="Arial"/>
+              </a:rPr>
+              <a:t>How does it work?</a:t>
+            </a:r>
+            <a:endParaRPr lang="en-US" sz="1600" b="0" strike="noStrike" spc="-1" dirty="0">
+              <a:solidFill>
+                <a:srgbClr val="000000"/>
+              </a:solidFill>
+              <a:uFill>
+                <a:solidFill>
+                  <a:srgbClr val="FFFFFF"/>
+                </a:solidFill>
+              </a:uFill>
+              <a:latin typeface="Arial"/>
+            </a:endParaRPr>
+          </a:p>
+          <a:p>
+            <a:pPr marL="342900" indent="-342900">
+              <a:lnSpc>
+                <a:spcPct val="114000"/>
+              </a:lnSpc>
+              <a:buFont typeface="Arial" panose="020B0604020202020204" pitchFamily="34" charset="0"/>
+              <a:buChar char="•"/>
+            </a:pPr>
+            <a:r>
+              <a:rPr lang="en-US" sz="2200" b="0" strike="noStrike" spc="-1" dirty="0">
+                <a:solidFill>
+                  <a:srgbClr val="000000"/>
+                </a:solidFill>
+                <a:uFill>
+                  <a:solidFill>
+                    <a:srgbClr val="FFFFFF"/>
+                  </a:solidFill>
+                </a:uFill>
+                <a:latin typeface="Arial"/>
+              </a:rPr>
+              <a:t>How it can help us</a:t>
+            </a:r>
+            <a:endParaRPr lang="en-US" sz="1600" b="0" strike="noStrike" spc="-1" dirty="0">
+              <a:solidFill>
+                <a:srgbClr val="000000"/>
+              </a:solidFill>
+              <a:uFill>
+                <a:solidFill>
+                  <a:srgbClr val="FFFFFF"/>
+                </a:solidFill>
+              </a:uFill>
+              <a:latin typeface="Arial"/>
+            </a:endParaRPr>
+          </a:p>
+          <a:p>
             <a:pPr>
               <a:lnSpc>
                 <a:spcPct val="114000"/>
               </a:lnSpc>
             </a:pPr>
-            <a:endParaRPr lang="de-DE" sz="1600" b="0" strike="noStrike" spc="-1">
+            <a:endParaRPr lang="de-DE" sz="1600" b="0" strike="noStrike" spc="-1" dirty="0">
               <a:solidFill>
                 <a:srgbClr val="000000"/>
               </a:solidFill>
@@ -6949,21 +7541,7 @@
                 <a:spcPct val="114000"/>
               </a:lnSpc>
             </a:pPr>
-            <a:r>
-              <a:rPr lang="de-DE" sz="2200" b="0" strike="noStrike" spc="-1">
-                <a:solidFill>
-                  <a:srgbClr val="000000"/>
-                </a:solidFill>
-                <a:uFill>
-                  <a:solidFill>
-                    <a:srgbClr val="FFFFFF"/>
-                  </a:solidFill>
-                </a:uFill>
-                <a:latin typeface="Arial"/>
-              </a:rPr>
-              <a:t>What is paraview?</a:t>
-            </a:r>
-            <a:endParaRPr lang="de-DE" sz="1600" b="0" strike="noStrike" spc="-1">
+            <a:endParaRPr lang="de-DE" sz="1600" b="0" strike="noStrike" spc="-1" dirty="0">
               <a:solidFill>
                 <a:srgbClr val="000000"/>
               </a:solidFill>
@@ -6981,143 +7559,7 @@
                 <a:spcPct val="114000"/>
               </a:lnSpc>
             </a:pPr>
-            <a:endParaRPr lang="de-DE" sz="1600" b="0" strike="noStrike" spc="-1">
-              <a:solidFill>
-                <a:srgbClr val="000000"/>
-              </a:solidFill>
-              <a:uFill>
-                <a:solidFill>
-                  <a:srgbClr val="FFFFFF"/>
-                </a:solidFill>
-              </a:uFill>
-              <a:latin typeface="Arial"/>
-            </a:endParaRPr>
-          </a:p>
-          <a:p>
-            <a:pPr>
-              <a:lnSpc>
-                <a:spcPct val="114000"/>
-              </a:lnSpc>
-            </a:pPr>
-            <a:r>
-              <a:rPr lang="de-DE" sz="2200" b="0" strike="noStrike" spc="-1">
-                <a:solidFill>
-                  <a:srgbClr val="000000"/>
-                </a:solidFill>
-                <a:uFill>
-                  <a:solidFill>
-                    <a:srgbClr val="FFFFFF"/>
-                  </a:solidFill>
-                </a:uFill>
-                <a:latin typeface="Arial"/>
-              </a:rPr>
-              <a:t>How does it work?</a:t>
-            </a:r>
-            <a:endParaRPr lang="de-DE" sz="1600" b="0" strike="noStrike" spc="-1">
-              <a:solidFill>
-                <a:srgbClr val="000000"/>
-              </a:solidFill>
-              <a:uFill>
-                <a:solidFill>
-                  <a:srgbClr val="FFFFFF"/>
-                </a:solidFill>
-              </a:uFill>
-              <a:latin typeface="Arial"/>
-            </a:endParaRPr>
-          </a:p>
-          <a:p>
-            <a:pPr>
-              <a:lnSpc>
-                <a:spcPct val="114000"/>
-              </a:lnSpc>
-            </a:pPr>
-            <a:endParaRPr lang="de-DE" sz="1600" b="0" strike="noStrike" spc="-1">
-              <a:solidFill>
-                <a:srgbClr val="000000"/>
-              </a:solidFill>
-              <a:uFill>
-                <a:solidFill>
-                  <a:srgbClr val="FFFFFF"/>
-                </a:solidFill>
-              </a:uFill>
-              <a:latin typeface="Arial"/>
-            </a:endParaRPr>
-          </a:p>
-          <a:p>
-            <a:pPr>
-              <a:lnSpc>
-                <a:spcPct val="114000"/>
-              </a:lnSpc>
-            </a:pPr>
-            <a:r>
-              <a:rPr lang="de-DE" sz="2200" b="0" strike="noStrike" spc="-1">
-                <a:solidFill>
-                  <a:srgbClr val="000000"/>
-                </a:solidFill>
-                <a:uFill>
-                  <a:solidFill>
-                    <a:srgbClr val="FFFFFF"/>
-                  </a:solidFill>
-                </a:uFill>
-                <a:latin typeface="Arial"/>
-              </a:rPr>
-              <a:t>How it can help us</a:t>
-            </a:r>
-            <a:endParaRPr lang="de-DE" sz="1600" b="0" strike="noStrike" spc="-1">
-              <a:solidFill>
-                <a:srgbClr val="000000"/>
-              </a:solidFill>
-              <a:uFill>
-                <a:solidFill>
-                  <a:srgbClr val="FFFFFF"/>
-                </a:solidFill>
-              </a:uFill>
-              <a:latin typeface="Arial"/>
-            </a:endParaRPr>
-          </a:p>
-          <a:p>
-            <a:pPr>
-              <a:lnSpc>
-                <a:spcPct val="114000"/>
-              </a:lnSpc>
-            </a:pPr>
-            <a:endParaRPr lang="de-DE" sz="1600" b="0" strike="noStrike" spc="-1">
-              <a:solidFill>
-                <a:srgbClr val="000000"/>
-              </a:solidFill>
-              <a:uFill>
-                <a:solidFill>
-                  <a:srgbClr val="FFFFFF"/>
-                </a:solidFill>
-              </a:uFill>
-              <a:latin typeface="Arial"/>
-            </a:endParaRPr>
-          </a:p>
-          <a:p>
-            <a:pPr>
-              <a:lnSpc>
-                <a:spcPct val="114000"/>
-              </a:lnSpc>
-            </a:pPr>
-            <a:endParaRPr lang="de-DE" sz="1600" b="0" strike="noStrike" spc="-1">
-              <a:solidFill>
-                <a:srgbClr val="000000"/>
-              </a:solidFill>
-              <a:uFill>
-                <a:solidFill>
-                  <a:srgbClr val="FFFFFF"/>
-                </a:solidFill>
-              </a:uFill>
-              <a:latin typeface="Arial"/>
-            </a:endParaRPr>
-          </a:p>
-          <a:p>
-            <a:pPr>
-              <a:lnSpc>
-                <a:spcPct val="114000"/>
-              </a:lnSpc>
-            </a:pPr>
-            <a:endParaRPr lang="de-DE" sz="1600" b="0" strike="noStrike" spc="-1">
+            <a:endParaRPr lang="de-DE" sz="1600" b="0" strike="noStrike" spc="-1" dirty="0">
               <a:solidFill>
                 <a:srgbClr val="000000"/>
               </a:solidFill>
@@ -7272,7 +7714,7 @@
               </a:lnSpc>
             </a:pPr>
             <a:r>
-              <a:rPr lang="de-DE" sz="3000" b="0" strike="noStrike" spc="-1">
+              <a:rPr lang="en-US" sz="3000" b="0" strike="noStrike" spc="-1" dirty="0">
                 <a:solidFill>
                   <a:srgbClr val="000000"/>
                 </a:solidFill>
@@ -7285,7 +7727,7 @@
               </a:rPr>
               <a:t>Paraview</a:t>
             </a:r>
-            <a:endParaRPr lang="de-DE" sz="2200" b="0" strike="noStrike" spc="-1">
+            <a:endParaRPr lang="en-US" sz="2200" b="0" strike="noStrike" spc="-1" dirty="0">
               <a:solidFill>
                 <a:srgbClr val="000000"/>
               </a:solidFill>
@@ -7374,108 +7816,97 @@
           <a:bodyPr lIns="0" tIns="0" rIns="0" bIns="0"/>
           <a:lstStyle/>
           <a:p>
-            <a:pPr>
+            <a:pPr marL="342900" indent="-342900">
               <a:lnSpc>
                 <a:spcPct val="114000"/>
               </a:lnSpc>
-            </a:pPr>
-            <a:endParaRPr lang="de-DE" sz="1600" b="0" strike="noStrike" spc="-1">
-              <a:solidFill>
-                <a:srgbClr val="000000"/>
-              </a:solidFill>
-              <a:uFill>
-                <a:solidFill>
-                  <a:srgbClr val="FFFFFF"/>
-                </a:solidFill>
-              </a:uFill>
-              <a:latin typeface="Arial"/>
-            </a:endParaRPr>
-          </a:p>
-          <a:p>
-            <a:pPr>
+              <a:buFont typeface="Arial" panose="020B0604020202020204" pitchFamily="34" charset="0"/>
+              <a:buChar char="•"/>
+            </a:pPr>
+            <a:r>
+              <a:rPr lang="en-US" sz="2200" b="0" strike="noStrike" spc="-1" dirty="0">
+                <a:solidFill>
+                  <a:srgbClr val="000000"/>
+                </a:solidFill>
+                <a:uFill>
+                  <a:solidFill>
+                    <a:srgbClr val="FFFFFF"/>
+                  </a:solidFill>
+                </a:uFill>
+                <a:latin typeface="Arial"/>
+              </a:rPr>
+              <a:t>Selecting of cells by the User</a:t>
+            </a:r>
+          </a:p>
+          <a:p>
+            <a:pPr marL="342900" indent="-342900">
               <a:lnSpc>
                 <a:spcPct val="114000"/>
               </a:lnSpc>
+              <a:buFont typeface="Arial" panose="020B0604020202020204" pitchFamily="34" charset="0"/>
+              <a:buChar char="•"/>
             </a:pPr>
             <a:r>
-              <a:rPr lang="de-DE" sz="2200" b="0" strike="noStrike" spc="-1">
-                <a:solidFill>
-                  <a:srgbClr val="000000"/>
-                </a:solidFill>
-                <a:uFill>
-                  <a:solidFill>
-                    <a:srgbClr val="FFFFFF"/>
-                  </a:solidFill>
-                </a:uFill>
-                <a:latin typeface="Arial"/>
-              </a:rPr>
-              <a:t>Selecting of cells</a:t>
+              <a:rPr lang="en-US" sz="2200" b="0" strike="noStrike" spc="-1" dirty="0">
+                <a:solidFill>
+                  <a:srgbClr val="000000"/>
+                </a:solidFill>
+                <a:uFill>
+                  <a:solidFill>
+                    <a:srgbClr val="FFFFFF"/>
+                  </a:solidFill>
+                </a:uFill>
+                <a:latin typeface="Arial"/>
+              </a:rPr>
+              <a:t>Distribution to Adhoc of the selection</a:t>
             </a:r>
-            <a:endParaRPr lang="de-DE" sz="1600" b="0" strike="noStrike" spc="-1">
-              <a:solidFill>
-                <a:srgbClr val="000000"/>
-              </a:solidFill>
-              <a:uFill>
-                <a:solidFill>
-                  <a:srgbClr val="FFFFFF"/>
-                </a:solidFill>
-              </a:uFill>
-              <a:latin typeface="Arial"/>
-            </a:endParaRPr>
-          </a:p>
-          <a:p>
-            <a:pPr>
+          </a:p>
+          <a:p>
+            <a:pPr marL="342900" indent="-342900">
               <a:lnSpc>
                 <a:spcPct val="114000"/>
               </a:lnSpc>
+              <a:buFont typeface="Arial" panose="020B0604020202020204" pitchFamily="34" charset="0"/>
+              <a:buChar char="•"/>
             </a:pPr>
             <a:r>
-              <a:rPr lang="de-DE" sz="2200" b="0" strike="noStrike" spc="-1">
-                <a:solidFill>
-                  <a:srgbClr val="000000"/>
-                </a:solidFill>
-                <a:uFill>
-                  <a:solidFill>
-                    <a:srgbClr val="FFFFFF"/>
-                  </a:solidFill>
-                </a:uFill>
-                <a:latin typeface="Arial"/>
-              </a:rPr>
-              <a:t>Distribution to Adhoc</a:t>
+              <a:rPr lang="en-US" sz="2200" b="0" strike="noStrike" spc="-1" dirty="0">
+                <a:solidFill>
+                  <a:srgbClr val="000000"/>
+                </a:solidFill>
+                <a:uFill>
+                  <a:solidFill>
+                    <a:srgbClr val="FFFFFF"/>
+                  </a:solidFill>
+                </a:uFill>
+                <a:latin typeface="Arial"/>
+              </a:rPr>
+              <a:t>Creating a new display in paraview out of the selected cells</a:t>
             </a:r>
-            <a:endParaRPr lang="de-DE" sz="1600" b="0" strike="noStrike" spc="-1">
-              <a:solidFill>
-                <a:srgbClr val="000000"/>
-              </a:solidFill>
-              <a:uFill>
-                <a:solidFill>
-                  <a:srgbClr val="FFFFFF"/>
-                </a:solidFill>
-              </a:uFill>
-              <a:latin typeface="Arial"/>
-            </a:endParaRPr>
-          </a:p>
-          <a:p>
-            <a:pPr>
+          </a:p>
+          <a:p>
+            <a:pPr marL="342900" indent="-342900">
               <a:lnSpc>
                 <a:spcPct val="114000"/>
               </a:lnSpc>
+              <a:buFont typeface="Arial" panose="020B0604020202020204" pitchFamily="34" charset="0"/>
+              <a:buChar char="•"/>
             </a:pPr>
             <a:r>
-              <a:rPr lang="de-DE" sz="2200" b="0" strike="noStrike" spc="-1">
-                <a:solidFill>
-                  <a:srgbClr val="000000"/>
-                </a:solidFill>
-                <a:uFill>
-                  <a:solidFill>
-                    <a:srgbClr val="FFFFFF"/>
-                  </a:solidFill>
-                </a:uFill>
-                <a:latin typeface="Arial"/>
-              </a:rPr>
-              <a:t>Creating a new display in paraview out of the selected cells</a:t>
+              <a:rPr lang="en-US" sz="2200" spc="-1" dirty="0">
+                <a:solidFill>
+                  <a:srgbClr val="000000"/>
+                </a:solidFill>
+                <a:uFill>
+                  <a:solidFill>
+                    <a:srgbClr val="FFFFFF"/>
+                  </a:solidFill>
+                </a:uFill>
+                <a:latin typeface="Arial"/>
+              </a:rPr>
+              <a:t>Make it work by pressing one button</a:t>
             </a:r>
-            <a:endParaRPr lang="de-DE" sz="1600" b="0" strike="noStrike" spc="-1">
+            <a:endParaRPr lang="en-US" sz="2200" b="0" strike="noStrike" spc="-1" dirty="0">
               <a:solidFill>
                 <a:srgbClr val="000000"/>
               </a:solidFill>
@@ -7630,7 +8061,7 @@
               </a:lnSpc>
             </a:pPr>
             <a:r>
-              <a:rPr lang="de-DE" sz="3000" b="0" strike="noStrike" spc="-1">
+              <a:rPr lang="en-US" sz="3000" b="0" strike="noStrike" spc="-1" dirty="0">
                 <a:solidFill>
                   <a:srgbClr val="000000"/>
                 </a:solidFill>
@@ -7643,7 +8074,7 @@
               </a:rPr>
               <a:t>Features</a:t>
             </a:r>
-            <a:endParaRPr lang="de-DE" sz="2200" b="0" strike="noStrike" spc="-1">
+            <a:endParaRPr lang="en-US" sz="2200" b="0" strike="noStrike" spc="-1" dirty="0">
               <a:solidFill>
                 <a:srgbClr val="000000"/>
               </a:solidFill>
@@ -7732,162 +8163,166 @@
           <a:bodyPr lIns="0" tIns="0" rIns="0" bIns="0"/>
           <a:lstStyle/>
           <a:p>
-            <a:pPr>
+            <a:pPr marL="342900" indent="-342900">
               <a:lnSpc>
                 <a:spcPct val="114000"/>
               </a:lnSpc>
-            </a:pPr>
-            <a:endParaRPr lang="de-DE" sz="1600" b="0" strike="noStrike" spc="-1">
-              <a:solidFill>
-                <a:srgbClr val="000000"/>
-              </a:solidFill>
-              <a:uFill>
-                <a:solidFill>
-                  <a:srgbClr val="FFFFFF"/>
-                </a:solidFill>
-              </a:uFill>
-              <a:latin typeface="Arial"/>
-            </a:endParaRPr>
-          </a:p>
-          <a:p>
-            <a:pPr>
+              <a:buFont typeface="Arial" panose="020B0604020202020204" pitchFamily="34" charset="0"/>
+              <a:buChar char="•"/>
+            </a:pPr>
+            <a:r>
+              <a:rPr lang="en-US" sz="2200" b="0" strike="noStrike" spc="-1" dirty="0">
+                <a:solidFill>
+                  <a:srgbClr val="000000"/>
+                </a:solidFill>
+                <a:uFill>
+                  <a:solidFill>
+                    <a:srgbClr val="FFFFFF"/>
+                  </a:solidFill>
+                </a:uFill>
+                <a:latin typeface="Arial"/>
+              </a:rPr>
+              <a:t>What we have done till now</a:t>
+            </a:r>
+          </a:p>
+          <a:p>
+            <a:pPr marL="800100" lvl="1" indent="-342900">
               <a:lnSpc>
                 <a:spcPct val="114000"/>
               </a:lnSpc>
+              <a:buFont typeface="Arial" panose="020B0604020202020204" pitchFamily="34" charset="0"/>
+              <a:buChar char="•"/>
             </a:pPr>
             <a:r>
-              <a:rPr lang="de-DE" sz="2200" b="0" strike="noStrike" spc="-1">
-                <a:solidFill>
-                  <a:srgbClr val="000000"/>
-                </a:solidFill>
-                <a:uFill>
-                  <a:solidFill>
-                    <a:srgbClr val="FFFFFF"/>
-                  </a:solidFill>
-                </a:uFill>
-                <a:latin typeface="Arial"/>
-              </a:rPr>
-              <a:t>What we have done till now</a:t>
+              <a:rPr lang="en-US" sz="2200" spc="-1" dirty="0">
+                <a:solidFill>
+                  <a:srgbClr val="000000"/>
+                </a:solidFill>
+                <a:uFill>
+                  <a:solidFill>
+                    <a:srgbClr val="FFFFFF"/>
+                  </a:solidFill>
+                </a:uFill>
+                <a:latin typeface="Arial"/>
+              </a:rPr>
+              <a:t>Getting to know the tools</a:t>
             </a:r>
-            <a:endParaRPr lang="de-DE" sz="1600" b="0" strike="noStrike" spc="-1">
-              <a:solidFill>
-                <a:srgbClr val="000000"/>
-              </a:solidFill>
-              <a:uFill>
-                <a:solidFill>
-                  <a:srgbClr val="FFFFFF"/>
-                </a:solidFill>
-              </a:uFill>
-              <a:latin typeface="Arial"/>
-            </a:endParaRPr>
-          </a:p>
-          <a:p>
-            <a:pPr>
+          </a:p>
+          <a:p>
+            <a:pPr marL="1257300" lvl="2" indent="-342900">
               <a:lnSpc>
                 <a:spcPct val="114000"/>
               </a:lnSpc>
-            </a:pPr>
-            <a:endParaRPr lang="de-DE" sz="1600" b="0" strike="noStrike" spc="-1">
-              <a:solidFill>
-                <a:srgbClr val="000000"/>
-              </a:solidFill>
-              <a:uFill>
-                <a:solidFill>
-                  <a:srgbClr val="FFFFFF"/>
-                </a:solidFill>
-              </a:uFill>
-              <a:latin typeface="Arial"/>
-            </a:endParaRPr>
-          </a:p>
-          <a:p>
-            <a:pPr>
+              <a:buFont typeface="Arial" panose="020B0604020202020204" pitchFamily="34" charset="0"/>
+              <a:buChar char="•"/>
+            </a:pPr>
+            <a:r>
+              <a:rPr lang="en-US" sz="2200" b="0" strike="noStrike" spc="-1" dirty="0">
+                <a:solidFill>
+                  <a:srgbClr val="000000"/>
+                </a:solidFill>
+                <a:uFill>
+                  <a:solidFill>
+                    <a:srgbClr val="FFFFFF"/>
+                  </a:solidFill>
+                </a:uFill>
+                <a:latin typeface="Arial"/>
+              </a:rPr>
+              <a:t>Ubuntu</a:t>
+            </a:r>
+          </a:p>
+          <a:p>
+            <a:pPr marL="1257300" lvl="2" indent="-342900">
               <a:lnSpc>
                 <a:spcPct val="114000"/>
               </a:lnSpc>
+              <a:buFont typeface="Arial" panose="020B0604020202020204" pitchFamily="34" charset="0"/>
+              <a:buChar char="•"/>
             </a:pPr>
             <a:r>
-              <a:rPr lang="de-DE" sz="2200" b="0" strike="noStrike" spc="-1">
-                <a:solidFill>
-                  <a:srgbClr val="000000"/>
-                </a:solidFill>
-                <a:uFill>
-                  <a:solidFill>
-                    <a:srgbClr val="FFFFFF"/>
-                  </a:solidFill>
-                </a:uFill>
-                <a:latin typeface="Arial"/>
-              </a:rPr>
-              <a:t>Next steps &amp; tasks</a:t>
+              <a:rPr lang="en-US" sz="2200" spc="-1" dirty="0">
+                <a:solidFill>
+                  <a:srgbClr val="000000"/>
+                </a:solidFill>
+                <a:uFill>
+                  <a:solidFill>
+                    <a:srgbClr val="FFFFFF"/>
+                  </a:solidFill>
+                </a:uFill>
+                <a:latin typeface="Arial"/>
+              </a:rPr>
+              <a:t>Paraview</a:t>
             </a:r>
-            <a:endParaRPr lang="de-DE" sz="1600" b="0" strike="noStrike" spc="-1">
-              <a:solidFill>
-                <a:srgbClr val="000000"/>
-              </a:solidFill>
-              <a:uFill>
-                <a:solidFill>
-                  <a:srgbClr val="FFFFFF"/>
-                </a:solidFill>
-              </a:uFill>
-              <a:latin typeface="Arial"/>
-            </a:endParaRPr>
-          </a:p>
-          <a:p>
-            <a:pPr>
+          </a:p>
+          <a:p>
+            <a:pPr marL="1257300" lvl="2" indent="-342900">
               <a:lnSpc>
                 <a:spcPct val="114000"/>
               </a:lnSpc>
-            </a:pPr>
-            <a:endParaRPr lang="de-DE" sz="1600" b="0" strike="noStrike" spc="-1">
-              <a:solidFill>
-                <a:srgbClr val="000000"/>
-              </a:solidFill>
-              <a:uFill>
-                <a:solidFill>
-                  <a:srgbClr val="FFFFFF"/>
-                </a:solidFill>
-              </a:uFill>
-              <a:latin typeface="Arial"/>
-            </a:endParaRPr>
-          </a:p>
-          <a:p>
-            <a:pPr>
+              <a:buFont typeface="Arial" panose="020B0604020202020204" pitchFamily="34" charset="0"/>
+              <a:buChar char="•"/>
+            </a:pPr>
+            <a:r>
+              <a:rPr lang="en-US" sz="2200" b="0" strike="noStrike" spc="-1" dirty="0">
+                <a:solidFill>
+                  <a:srgbClr val="000000"/>
+                </a:solidFill>
+                <a:uFill>
+                  <a:solidFill>
+                    <a:srgbClr val="FFFFFF"/>
+                  </a:solidFill>
+                </a:uFill>
+                <a:latin typeface="Arial"/>
+              </a:rPr>
+              <a:t>Python</a:t>
+            </a:r>
+          </a:p>
+          <a:p>
+            <a:pPr marL="1257300" lvl="2" indent="-342900">
               <a:lnSpc>
                 <a:spcPct val="114000"/>
               </a:lnSpc>
-            </a:pPr>
-            <a:endParaRPr lang="de-DE" sz="1600" b="0" strike="noStrike" spc="-1">
-              <a:solidFill>
-                <a:srgbClr val="000000"/>
-              </a:solidFill>
-              <a:uFill>
-                <a:solidFill>
-                  <a:srgbClr val="FFFFFF"/>
-                </a:solidFill>
-              </a:uFill>
-              <a:latin typeface="Arial"/>
-            </a:endParaRPr>
-          </a:p>
-          <a:p>
-            <a:pPr>
+              <a:buFont typeface="Arial" panose="020B0604020202020204" pitchFamily="34" charset="0"/>
+              <a:buChar char="•"/>
+            </a:pPr>
+            <a:r>
+              <a:rPr lang="en-US" sz="2200" spc="-1" dirty="0">
+                <a:solidFill>
+                  <a:srgbClr val="000000"/>
+                </a:solidFill>
+                <a:uFill>
+                  <a:solidFill>
+                    <a:srgbClr val="FFFFFF"/>
+                  </a:solidFill>
+                </a:uFill>
+                <a:latin typeface="Arial"/>
+              </a:rPr>
+              <a:t>GIT</a:t>
+            </a:r>
+          </a:p>
+          <a:p>
+            <a:pPr marL="800100" lvl="1" indent="-342900">
               <a:lnSpc>
                 <a:spcPct val="114000"/>
               </a:lnSpc>
+              <a:buFont typeface="Arial" panose="020B0604020202020204" pitchFamily="34" charset="0"/>
+              <a:buChar char="•"/>
             </a:pPr>
             <a:r>
-              <a:rPr lang="de-DE" sz="2200" b="0" strike="noStrike" spc="-1">
-                <a:solidFill>
-                  <a:srgbClr val="000000"/>
-                </a:solidFill>
-                <a:uFill>
-                  <a:solidFill>
-                    <a:srgbClr val="FFFFFF"/>
-                  </a:solidFill>
-                </a:uFill>
-                <a:latin typeface="Arial"/>
-              </a:rPr>
-              <a:t>Creating a new display in paraview out of the selected cells</a:t>
+              <a:rPr lang="en-US" sz="2200" spc="-1" dirty="0">
+                <a:solidFill>
+                  <a:srgbClr val="000000"/>
+                </a:solidFill>
+                <a:uFill>
+                  <a:solidFill>
+                    <a:srgbClr val="FFFFFF"/>
+                  </a:solidFill>
+                </a:uFill>
+                <a:latin typeface="Arial"/>
+              </a:rPr>
+              <a:t>Making a selection and getting the Cell IDs of the selection by calling a function</a:t>
             </a:r>
-            <a:endParaRPr lang="de-DE" sz="1600" b="0" strike="noStrike" spc="-1">
+            <a:endParaRPr lang="en-US" sz="2200" b="0" strike="noStrike" spc="-1" dirty="0">
               <a:solidFill>
                 <a:srgbClr val="000000"/>
               </a:solidFill>
@@ -8042,7 +8477,7 @@
               </a:lnSpc>
             </a:pPr>
             <a:r>
-              <a:rPr lang="de-DE" sz="3000" b="0" strike="noStrike" spc="-1">
+              <a:rPr lang="en-US" sz="3000" b="0" strike="noStrike" spc="-1" dirty="0">
                 <a:solidFill>
                   <a:srgbClr val="000000"/>
                 </a:solidFill>
@@ -8055,7 +8490,7 @@
               </a:rPr>
               <a:t>Timeline</a:t>
             </a:r>
-            <a:endParaRPr lang="de-DE" sz="2200" b="0" strike="noStrike" spc="-1">
+            <a:endParaRPr lang="en-US" sz="2200" b="0" strike="noStrike" spc="-1" dirty="0">
               <a:solidFill>
                 <a:srgbClr val="000000"/>
               </a:solidFill>
@@ -8123,7 +8558,7 @@
       </p:grpSpPr>
       <p:sp>
         <p:nvSpPr>
-          <p:cNvPr id="113" name="TextShape 1"/>
+          <p:cNvPr id="105" name="TextShape 1"/>
           <p:cNvSpPr txBox="1"/>
           <p:nvPr/>
         </p:nvSpPr>
@@ -8144,46 +8579,148 @@
           <a:bodyPr lIns="0" tIns="0" rIns="0" bIns="0"/>
           <a:lstStyle/>
           <a:p>
-            <a:pPr>
+            <a:pPr marL="342900" indent="-342900">
               <a:lnSpc>
                 <a:spcPct val="114000"/>
               </a:lnSpc>
-            </a:pPr>
-            <a:endParaRPr lang="de-DE" sz="1600" b="0" strike="noStrike" spc="-1">
-              <a:solidFill>
-                <a:srgbClr val="000000"/>
-              </a:solidFill>
-              <a:uFill>
-                <a:solidFill>
-                  <a:srgbClr val="FFFFFF"/>
-                </a:solidFill>
-              </a:uFill>
-              <a:latin typeface="Arial"/>
-            </a:endParaRPr>
-          </a:p>
-          <a:p>
-            <a:pPr>
+              <a:buFont typeface="Arial" panose="020B0604020202020204" pitchFamily="34" charset="0"/>
+              <a:buChar char="•"/>
+            </a:pPr>
+            <a:r>
+              <a:rPr lang="en-US" sz="2200" b="0" strike="noStrike" spc="-1" dirty="0">
+                <a:solidFill>
+                  <a:srgbClr val="000000"/>
+                </a:solidFill>
+                <a:uFill>
+                  <a:solidFill>
+                    <a:srgbClr val="FFFFFF"/>
+                  </a:solidFill>
+                </a:uFill>
+                <a:latin typeface="Arial"/>
+              </a:rPr>
+              <a:t>Next steps &amp; tasks</a:t>
+            </a:r>
+          </a:p>
+          <a:p>
+            <a:pPr marL="800100" lvl="1" indent="-342900">
               <a:lnSpc>
                 <a:spcPct val="114000"/>
               </a:lnSpc>
-            </a:pPr>
-            <a:endParaRPr lang="de-DE" sz="1600" b="0" strike="noStrike" spc="-1">
-              <a:solidFill>
-                <a:srgbClr val="000000"/>
-              </a:solidFill>
-              <a:uFill>
-                <a:solidFill>
-                  <a:srgbClr val="FFFFFF"/>
-                </a:solidFill>
-              </a:uFill>
-              <a:latin typeface="Arial"/>
-            </a:endParaRPr>
-          </a:p>
-        </p:txBody>
-      </p:sp>
-      <p:sp>
-        <p:nvSpPr>
-          <p:cNvPr id="114" name="TextShape 2"/>
+              <a:buFont typeface="Arial" panose="020B0604020202020204" pitchFamily="34" charset="0"/>
+              <a:buChar char="•"/>
+            </a:pPr>
+            <a:r>
+              <a:rPr lang="en-US" sz="2200" b="0" strike="noStrike" spc="-1" dirty="0">
+                <a:solidFill>
+                  <a:srgbClr val="000000"/>
+                </a:solidFill>
+                <a:uFill>
+                  <a:solidFill>
+                    <a:srgbClr val="FFFFFF"/>
+                  </a:solidFill>
+                </a:uFill>
+                <a:latin typeface="Arial"/>
+              </a:rPr>
+              <a:t>Creating a new display in paraview out of the selected cells</a:t>
+            </a:r>
+          </a:p>
+          <a:p>
+            <a:pPr marL="800100" lvl="1" indent="-342900">
+              <a:lnSpc>
+                <a:spcPct val="114000"/>
+              </a:lnSpc>
+              <a:buFont typeface="Arial" panose="020B0604020202020204" pitchFamily="34" charset="0"/>
+              <a:buChar char="•"/>
+            </a:pPr>
+            <a:r>
+              <a:rPr lang="en-US" sz="2200" spc="-1" dirty="0">
+                <a:solidFill>
+                  <a:srgbClr val="000000"/>
+                </a:solidFill>
+                <a:uFill>
+                  <a:solidFill>
+                    <a:srgbClr val="FFFFFF"/>
+                  </a:solidFill>
+                </a:uFill>
+                <a:latin typeface="Arial"/>
+              </a:rPr>
+              <a:t>Make it work by pressing a button in the GUI of paraview</a:t>
+            </a:r>
+          </a:p>
+          <a:p>
+            <a:pPr marL="800100" lvl="1" indent="-342900">
+              <a:lnSpc>
+                <a:spcPct val="114000"/>
+              </a:lnSpc>
+              <a:buFont typeface="Arial" panose="020B0604020202020204" pitchFamily="34" charset="0"/>
+              <a:buChar char="•"/>
+            </a:pPr>
+            <a:r>
+              <a:rPr lang="en-US" sz="2200" b="0" strike="noStrike" spc="-1" dirty="0">
+                <a:solidFill>
+                  <a:srgbClr val="000000"/>
+                </a:solidFill>
+                <a:uFill>
+                  <a:solidFill>
+                    <a:srgbClr val="FFFFFF"/>
+                  </a:solidFill>
+                </a:uFill>
+                <a:latin typeface="Arial"/>
+              </a:rPr>
+              <a:t>Distribution to Adhoc</a:t>
+            </a:r>
+          </a:p>
+          <a:p>
+            <a:pPr marL="800100" lvl="1" indent="-342900">
+              <a:lnSpc>
+                <a:spcPct val="114000"/>
+              </a:lnSpc>
+              <a:buFont typeface="Arial" panose="020B0604020202020204" pitchFamily="34" charset="0"/>
+              <a:buChar char="•"/>
+            </a:pPr>
+            <a:r>
+              <a:rPr lang="en-US" sz="2200" spc="-1" dirty="0">
+                <a:solidFill>
+                  <a:srgbClr val="000000"/>
+                </a:solidFill>
+                <a:uFill>
+                  <a:solidFill>
+                    <a:srgbClr val="FFFFFF"/>
+                  </a:solidFill>
+                </a:uFill>
+                <a:latin typeface="Arial"/>
+              </a:rPr>
+              <a:t>Importing the data from Adhoc</a:t>
+            </a:r>
+          </a:p>
+          <a:p>
+            <a:pPr marL="800100" lvl="1" indent="-342900">
+              <a:lnSpc>
+                <a:spcPct val="114000"/>
+              </a:lnSpc>
+              <a:buFont typeface="Arial" panose="020B0604020202020204" pitchFamily="34" charset="0"/>
+              <a:buChar char="•"/>
+            </a:pPr>
+            <a:r>
+              <a:rPr lang="en-US" sz="2200" b="0" strike="noStrike" spc="-1" dirty="0">
+                <a:solidFill>
+                  <a:srgbClr val="000000"/>
+                </a:solidFill>
+                <a:uFill>
+                  <a:solidFill>
+                    <a:srgbClr val="FFFFFF"/>
+                  </a:solidFill>
+                </a:uFill>
+                <a:latin typeface="Arial"/>
+              </a:rPr>
+              <a:t>Display the results</a:t>
+            </a:r>
+          </a:p>
+        </p:txBody>
+      </p:sp>
+      <p:sp>
+        <p:nvSpPr>
+          <p:cNvPr id="106" name="TextShape 2"/>
           <p:cNvSpPr txBox="1"/>
           <p:nvPr/>
         </p:nvSpPr>
@@ -8209,7 +8746,7 @@
                 <a:spcPct val="100000"/>
               </a:lnSpc>
             </a:pPr>
-            <a:fld id="{617C80FE-B084-4C17-BE99-684032B7421D}" type="slidenum">
+            <a:fld id="{4B44C603-F75B-4368-8B11-8EC5E8B93C11}" type="slidenum">
               <a:rPr lang="de-DE" sz="1200" b="0" strike="noStrike" spc="-1">
                 <a:solidFill>
                   <a:srgbClr val="000000"/>
@@ -8239,7 +8776,7 @@
       </p:sp>
       <p:sp>
         <p:nvSpPr>
-          <p:cNvPr id="115" name="TextShape 3"/>
+          <p:cNvPr id="107" name="TextShape 3"/>
           <p:cNvSpPr txBox="1"/>
           <p:nvPr/>
         </p:nvSpPr>
@@ -8295,7 +8832,7 @@
       </p:sp>
       <p:sp>
         <p:nvSpPr>
-          <p:cNvPr id="116" name="TextShape 4"/>
+          <p:cNvPr id="108" name="TextShape 4"/>
           <p:cNvSpPr txBox="1"/>
           <p:nvPr/>
         </p:nvSpPr>
@@ -8322,20 +8859,20 @@
               </a:lnSpc>
             </a:pPr>
             <a:r>
-              <a:rPr lang="de-DE" sz="3000" b="0" strike="noStrike" spc="-1">
-                <a:solidFill>
-                  <a:srgbClr val="000000"/>
-                </a:solidFill>
-                <a:uFill>
-                  <a:solidFill>
-                    <a:srgbClr val="FFFFFF"/>
-                  </a:solidFill>
-                </a:uFill>
-                <a:latin typeface="Arial"/>
-              </a:rPr>
-              <a:t>Thank you for your attention.</a:t>
+              <a:rPr lang="en-US" sz="3000" b="0" strike="noStrike" spc="-1" dirty="0">
+                <a:solidFill>
+                  <a:srgbClr val="000000"/>
+                </a:solidFill>
+                <a:uFill>
+                  <a:solidFill>
+                    <a:srgbClr val="FFFFFF"/>
+                  </a:solidFill>
+                </a:uFill>
+                <a:latin typeface="Arial"/>
+              </a:rPr>
+              <a:t>Timeline</a:t>
             </a:r>
-            <a:endParaRPr lang="de-DE" sz="2200" b="0" strike="noStrike" spc="-1">
+            <a:endParaRPr lang="en-US" sz="2200" b="0" strike="noStrike" spc="-1" dirty="0">
               <a:solidFill>
                 <a:srgbClr val="000000"/>
               </a:solidFill>
@@ -8350,6 +8887,11 @@
         </p:txBody>
       </p:sp>
     </p:spTree>
+    <p:extLst>
+      <p:ext uri="{BB962C8B-B14F-4D97-AF65-F5344CB8AC3E}">
+        <p14:creationId xmlns:p14="http://schemas.microsoft.com/office/powerpoint/2010/main" val="1904331464"/>
+      </p:ext>
+    </p:extLst>
   </p:cSld>
   <p:clrMapOvr>
     <a:masterClrMapping/>
@@ -8403,7 +8945,7 @@
       </p:grpSpPr>
       <p:sp>
         <p:nvSpPr>
-          <p:cNvPr id="117" name="TextShape 1"/>
+          <p:cNvPr id="113" name="TextShape 1"/>
           <p:cNvSpPr txBox="1"/>
           <p:nvPr/>
         </p:nvSpPr>
@@ -8463,7 +9005,7 @@
       </p:sp>
       <p:sp>
         <p:nvSpPr>
-          <p:cNvPr id="118" name="TextShape 2"/>
+          <p:cNvPr id="114" name="TextShape 2"/>
           <p:cNvSpPr txBox="1"/>
           <p:nvPr/>
         </p:nvSpPr>
@@ -8489,7 +9031,7 @@
                 <a:spcPct val="100000"/>
               </a:lnSpc>
             </a:pPr>
-            <a:fld id="{5DEAF5EF-0EA5-455B-856F-0590C327C8DE}" type="slidenum">
+            <a:fld id="{617C80FE-B084-4C17-BE99-684032B7421D}" type="slidenum">
               <a:rPr lang="de-DE" sz="1200" b="0" strike="noStrike" spc="-1">
                 <a:solidFill>
                   <a:srgbClr val="000000"/>
@@ -8519,7 +9061,7 @@
       </p:sp>
       <p:sp>
         <p:nvSpPr>
-          <p:cNvPr id="119" name="TextShape 3"/>
+          <p:cNvPr id="115" name="TextShape 3"/>
           <p:cNvSpPr txBox="1"/>
           <p:nvPr/>
         </p:nvSpPr>
@@ -8575,7 +9117,7 @@
       </p:sp>
       <p:sp>
         <p:nvSpPr>
-          <p:cNvPr id="120" name="TextShape 4"/>
+          <p:cNvPr id="116" name="TextShape 4"/>
           <p:cNvSpPr txBox="1"/>
           <p:nvPr/>
         </p:nvSpPr>
@@ -8602,20 +9144,20 @@
               </a:lnSpc>
             </a:pPr>
             <a:r>
-              <a:rPr lang="de-DE" sz="3000" b="0" strike="noStrike" spc="-1">
-                <a:solidFill>
-                  <a:srgbClr val="000000"/>
-                </a:solidFill>
-                <a:uFill>
-                  <a:solidFill>
-                    <a:srgbClr val="FFFFFF"/>
-                  </a:solidFill>
-                </a:uFill>
-                <a:latin typeface="Arial"/>
-              </a:rPr>
-              <a:t>Sources</a:t>
+              <a:rPr lang="en-US" sz="3000" b="0" strike="noStrike" spc="-1" dirty="0">
+                <a:solidFill>
+                  <a:srgbClr val="000000"/>
+                </a:solidFill>
+                <a:uFill>
+                  <a:solidFill>
+                    <a:srgbClr val="FFFFFF"/>
+                  </a:solidFill>
+                </a:uFill>
+                <a:latin typeface="Arial"/>
+              </a:rPr>
+              <a:t>Thank you for your attention.</a:t>
             </a:r>
-            <a:endParaRPr lang="de-DE" sz="2200" b="0" strike="noStrike" spc="-1">
+            <a:endParaRPr lang="en-US" sz="2200" b="0" strike="noStrike" spc="-1" dirty="0">
               <a:solidFill>
                 <a:srgbClr val="000000"/>
               </a:solidFill>

--- a/Paraview-postprocessor.pptx
+++ b/Paraview-postprocessor.pptx
@@ -43,7 +43,7 @@
       </p:grpSpPr>
       <p:sp>
         <p:nvSpPr>
-          <p:cNvPr id="79" name="PlaceHolder 1"/>
+          <p:cNvPr id="75" name="PlaceHolder 1"/>
           <p:cNvSpPr>
             <a:spLocks noGrp="1"/>
           </p:cNvSpPr>
@@ -93,7 +93,7 @@
       </p:sp>
       <p:sp>
         <p:nvSpPr>
-          <p:cNvPr id="80" name="PlaceHolder 2"/>
+          <p:cNvPr id="76" name="PlaceHolder 2"/>
           <p:cNvSpPr>
             <a:spLocks noGrp="1"/>
           </p:cNvSpPr>
@@ -143,7 +143,7 @@
       </p:sp>
       <p:sp>
         <p:nvSpPr>
-          <p:cNvPr id="81" name="PlaceHolder 3"/>
+          <p:cNvPr id="77" name="PlaceHolder 3"/>
           <p:cNvSpPr>
             <a:spLocks noGrp="1"/>
           </p:cNvSpPr>
@@ -194,7 +194,7 @@
       </p:sp>
       <p:sp>
         <p:nvSpPr>
-          <p:cNvPr id="82" name="PlaceHolder 4"/>
+          <p:cNvPr id="78" name="PlaceHolder 4"/>
           <p:cNvSpPr>
             <a:spLocks noGrp="1"/>
           </p:cNvSpPr>
@@ -244,7 +244,7 @@
       </p:sp>
       <p:sp>
         <p:nvSpPr>
-          <p:cNvPr id="83" name="PlaceHolder 5"/>
+          <p:cNvPr id="79" name="PlaceHolder 5"/>
           <p:cNvSpPr>
             <a:spLocks noGrp="1"/>
           </p:cNvSpPr>
@@ -265,7 +265,7 @@
           <a:bodyPr lIns="0" rIns="0" tIns="0" bIns="0" anchor="b"/>
           <a:p>
             <a:pPr algn="r"/>
-            <a:fld id="{F85566D8-32A1-405C-8759-BE29AE00642C}" type="slidenum">
+            <a:fld id="{652CEACB-FF57-4043-95EC-68DACC6E6D30}" type="slidenum">
               <a:rPr b="0" lang="de-DE" sz="1400" spc="-1" strike="noStrike">
                 <a:solidFill>
                   <a:srgbClr val="000000"/>
@@ -318,7 +318,7 @@
       </p:grpSpPr>
       <p:sp>
         <p:nvSpPr>
-          <p:cNvPr id="121" name="PlaceHolder 1"/>
+          <p:cNvPr id="117" name="PlaceHolder 1"/>
           <p:cNvSpPr>
             <a:spLocks noGrp="1"/>
           </p:cNvSpPr>
@@ -329,7 +329,7 @@
         <p:spPr>
           <a:xfrm>
             <a:off x="992520" y="3166200"/>
-            <a:ext cx="7939800" cy="2999160"/>
+            <a:ext cx="7939440" cy="2998800"/>
           </a:xfrm>
           <a:prstGeom prst="rect">
             <a:avLst/>
@@ -354,14 +354,14 @@
       </p:sp>
       <p:sp>
         <p:nvSpPr>
-          <p:cNvPr id="122" name="TextShape 2"/>
-          <p:cNvSpPr txBox="1"/>
+          <p:cNvPr id="118" name="CustomShape 2"/>
+          <p:cNvSpPr/>
           <p:nvPr/>
         </p:nvSpPr>
         <p:spPr>
           <a:xfrm>
             <a:off x="5621760" y="6331320"/>
-            <a:ext cx="4300560" cy="333000"/>
+            <a:ext cx="4300200" cy="332640"/>
           </a:xfrm>
           <a:prstGeom prst="rect">
             <a:avLst/>
@@ -371,6 +371,12 @@
             <a:noFill/>
           </a:ln>
         </p:spPr>
+        <p:style>
+          <a:lnRef idx="0"/>
+          <a:fillRef idx="0"/>
+          <a:effectRef idx="0"/>
+          <a:fontRef idx="minor"/>
+        </p:style>
         <p:txBody>
           <a:bodyPr lIns="90720" rIns="90720" tIns="45360" bIns="45360" anchor="b"/>
           <a:p>
@@ -379,7 +385,7 @@
                 <a:spcPct val="100000"/>
               </a:lnSpc>
             </a:pPr>
-            <a:fld id="{BE189812-7B20-4D64-A529-387B0E652548}" type="slidenum">
+            <a:fld id="{3F0CC6E7-3547-495E-B696-3D936EB53035}" type="slidenum">
               <a:rPr b="0" lang="de-DE" sz="1200" spc="-1" strike="noStrike">
                 <a:solidFill>
                   <a:srgbClr val="000000"/>
@@ -394,16 +400,16 @@
               </a:rPr>
               <a:t>1</a:t>
             </a:fld>
-            <a:endParaRPr b="0" lang="de-DE" sz="1200" spc="-1" strike="noStrike">
-              <a:solidFill>
-                <a:srgbClr val="000000"/>
-              </a:solidFill>
-              <a:uFill>
-                <a:solidFill>
-                  <a:srgbClr val="ffffff"/>
-                </a:solidFill>
-              </a:uFill>
-              <a:latin typeface="Times New Roman"/>
+            <a:endParaRPr b="0" lang="de-DE" sz="1800" spc="-1" strike="noStrike">
+              <a:solidFill>
+                <a:srgbClr val="000000"/>
+              </a:solidFill>
+              <a:uFill>
+                <a:solidFill>
+                  <a:srgbClr val="ffffff"/>
+                </a:solidFill>
+              </a:uFill>
+              <a:latin typeface="Arial"/>
             </a:endParaRPr>
           </a:p>
         </p:txBody>
@@ -454,7 +460,7 @@
       </p:grpSpPr>
       <p:sp>
         <p:nvSpPr>
-          <p:cNvPr id="27" name="PlaceHolder 1"/>
+          <p:cNvPr id="25" name="PlaceHolder 1"/>
           <p:cNvSpPr>
             <a:spLocks noGrp="1"/>
           </p:cNvSpPr>
@@ -464,8 +470,8 @@
         </p:nvSpPr>
         <p:spPr>
           <a:xfrm>
-            <a:off x="318960" y="994320"/>
-            <a:ext cx="8508600" cy="1145160"/>
+            <a:off x="457200" y="273600"/>
+            <a:ext cx="8229240" cy="1144800"/>
           </a:xfrm>
           <a:prstGeom prst="rect">
             <a:avLst/>
@@ -474,23 +480,24 @@
         <p:txBody>
           <a:bodyPr lIns="0" rIns="0" tIns="0" bIns="0" anchor="ctr"/>
           <a:p>
-            <a:endParaRPr b="0" lang="de-DE" sz="2200" spc="-1" strike="noStrike">
-              <a:solidFill>
-                <a:srgbClr val="000000"/>
-              </a:solidFill>
-              <a:uFill>
-                <a:solidFill>
-                  <a:srgbClr val="ffffff"/>
-                </a:solidFill>
-              </a:uFill>
-              <a:latin typeface="Arial"/>
-            </a:endParaRPr>
-          </a:p>
-        </p:txBody>
-      </p:sp>
-      <p:sp>
-        <p:nvSpPr>
-          <p:cNvPr id="28" name="PlaceHolder 2"/>
+            <a:pPr algn="ctr"/>
+            <a:endParaRPr b="0" lang="de-DE" sz="4400" spc="-1" strike="noStrike">
+              <a:solidFill>
+                <a:srgbClr val="000000"/>
+              </a:solidFill>
+              <a:uFill>
+                <a:solidFill>
+                  <a:srgbClr val="ffffff"/>
+                </a:solidFill>
+              </a:uFill>
+              <a:latin typeface="Arial"/>
+            </a:endParaRPr>
+          </a:p>
+        </p:txBody>
+      </p:sp>
+      <p:sp>
+        <p:nvSpPr>
+          <p:cNvPr id="26" name="PlaceHolder 2"/>
           <p:cNvSpPr>
             <a:spLocks noGrp="1"/>
           </p:cNvSpPr>
@@ -500,8 +507,8 @@
         </p:nvSpPr>
         <p:spPr>
           <a:xfrm>
-            <a:off x="318960" y="1762200"/>
-            <a:ext cx="8508600" cy="2241360"/>
+            <a:off x="457200" y="1604520"/>
+            <a:ext cx="8229240" cy="1896840"/>
           </a:xfrm>
           <a:prstGeom prst="rect">
             <a:avLst/>
@@ -510,23 +517,23 @@
         <p:txBody>
           <a:bodyPr lIns="0" rIns="0" tIns="0" bIns="0"/>
           <a:p>
-            <a:endParaRPr b="0" lang="de-DE" sz="1600" spc="-1" strike="noStrike">
-              <a:solidFill>
-                <a:srgbClr val="000000"/>
-              </a:solidFill>
-              <a:uFill>
-                <a:solidFill>
-                  <a:srgbClr val="ffffff"/>
-                </a:solidFill>
-              </a:uFill>
-              <a:latin typeface="Arial"/>
-            </a:endParaRPr>
-          </a:p>
-        </p:txBody>
-      </p:sp>
-      <p:sp>
-        <p:nvSpPr>
-          <p:cNvPr id="29" name="PlaceHolder 3"/>
+            <a:endParaRPr b="0" lang="de-DE" sz="3200" spc="-1" strike="noStrike">
+              <a:solidFill>
+                <a:srgbClr val="000000"/>
+              </a:solidFill>
+              <a:uFill>
+                <a:solidFill>
+                  <a:srgbClr val="ffffff"/>
+                </a:solidFill>
+              </a:uFill>
+              <a:latin typeface="Arial"/>
+            </a:endParaRPr>
+          </a:p>
+        </p:txBody>
+      </p:sp>
+      <p:sp>
+        <p:nvSpPr>
+          <p:cNvPr id="27" name="PlaceHolder 3"/>
           <p:cNvSpPr>
             <a:spLocks noGrp="1"/>
           </p:cNvSpPr>
@@ -536,8 +543,8 @@
         </p:nvSpPr>
         <p:spPr>
           <a:xfrm>
-            <a:off x="318960" y="4217040"/>
-            <a:ext cx="8508600" cy="2241360"/>
+            <a:off x="457200" y="3682080"/>
+            <a:ext cx="8229240" cy="1896840"/>
           </a:xfrm>
           <a:prstGeom prst="rect">
             <a:avLst/>
@@ -546,7 +553,7 @@
         <p:txBody>
           <a:bodyPr lIns="0" rIns="0" tIns="0" bIns="0"/>
           <a:p>
-            <a:endParaRPr b="0" lang="de-DE" sz="1600" spc="-1" strike="noStrike">
+            <a:endParaRPr b="0" lang="de-DE" sz="3200" spc="-1" strike="noStrike">
               <a:solidFill>
                 <a:srgbClr val="000000"/>
               </a:solidFill>
@@ -584,7 +591,7 @@
       </p:grpSpPr>
       <p:sp>
         <p:nvSpPr>
-          <p:cNvPr id="30" name="PlaceHolder 1"/>
+          <p:cNvPr id="28" name="PlaceHolder 1"/>
           <p:cNvSpPr>
             <a:spLocks noGrp="1"/>
           </p:cNvSpPr>
@@ -594,8 +601,8 @@
         </p:nvSpPr>
         <p:spPr>
           <a:xfrm>
-            <a:off x="318960" y="994320"/>
-            <a:ext cx="8508600" cy="1145160"/>
+            <a:off x="457200" y="273600"/>
+            <a:ext cx="8229240" cy="1144800"/>
           </a:xfrm>
           <a:prstGeom prst="rect">
             <a:avLst/>
@@ -604,23 +611,24 @@
         <p:txBody>
           <a:bodyPr lIns="0" rIns="0" tIns="0" bIns="0" anchor="ctr"/>
           <a:p>
-            <a:endParaRPr b="0" lang="de-DE" sz="2200" spc="-1" strike="noStrike">
-              <a:solidFill>
-                <a:srgbClr val="000000"/>
-              </a:solidFill>
-              <a:uFill>
-                <a:solidFill>
-                  <a:srgbClr val="ffffff"/>
-                </a:solidFill>
-              </a:uFill>
-              <a:latin typeface="Arial"/>
-            </a:endParaRPr>
-          </a:p>
-        </p:txBody>
-      </p:sp>
-      <p:sp>
-        <p:nvSpPr>
-          <p:cNvPr id="31" name="PlaceHolder 2"/>
+            <a:pPr algn="ctr"/>
+            <a:endParaRPr b="0" lang="de-DE" sz="4400" spc="-1" strike="noStrike">
+              <a:solidFill>
+                <a:srgbClr val="000000"/>
+              </a:solidFill>
+              <a:uFill>
+                <a:solidFill>
+                  <a:srgbClr val="ffffff"/>
+                </a:solidFill>
+              </a:uFill>
+              <a:latin typeface="Arial"/>
+            </a:endParaRPr>
+          </a:p>
+        </p:txBody>
+      </p:sp>
+      <p:sp>
+        <p:nvSpPr>
+          <p:cNvPr id="29" name="PlaceHolder 2"/>
           <p:cNvSpPr>
             <a:spLocks noGrp="1"/>
           </p:cNvSpPr>
@@ -630,8 +638,8 @@
         </p:nvSpPr>
         <p:spPr>
           <a:xfrm>
-            <a:off x="318960" y="1762200"/>
-            <a:ext cx="4151880" cy="2241360"/>
+            <a:off x="457200" y="1604520"/>
+            <a:ext cx="4015800" cy="1896840"/>
           </a:xfrm>
           <a:prstGeom prst="rect">
             <a:avLst/>
@@ -640,23 +648,23 @@
         <p:txBody>
           <a:bodyPr lIns="0" rIns="0" tIns="0" bIns="0"/>
           <a:p>
-            <a:endParaRPr b="0" lang="de-DE" sz="1600" spc="-1" strike="noStrike">
-              <a:solidFill>
-                <a:srgbClr val="000000"/>
-              </a:solidFill>
-              <a:uFill>
-                <a:solidFill>
-                  <a:srgbClr val="ffffff"/>
-                </a:solidFill>
-              </a:uFill>
-              <a:latin typeface="Arial"/>
-            </a:endParaRPr>
-          </a:p>
-        </p:txBody>
-      </p:sp>
-      <p:sp>
-        <p:nvSpPr>
-          <p:cNvPr id="32" name="PlaceHolder 3"/>
+            <a:endParaRPr b="0" lang="de-DE" sz="3200" spc="-1" strike="noStrike">
+              <a:solidFill>
+                <a:srgbClr val="000000"/>
+              </a:solidFill>
+              <a:uFill>
+                <a:solidFill>
+                  <a:srgbClr val="ffffff"/>
+                </a:solidFill>
+              </a:uFill>
+              <a:latin typeface="Arial"/>
+            </a:endParaRPr>
+          </a:p>
+        </p:txBody>
+      </p:sp>
+      <p:sp>
+        <p:nvSpPr>
+          <p:cNvPr id="30" name="PlaceHolder 3"/>
           <p:cNvSpPr>
             <a:spLocks noGrp="1"/>
           </p:cNvSpPr>
@@ -666,8 +674,8 @@
         </p:nvSpPr>
         <p:spPr>
           <a:xfrm>
-            <a:off x="4678920" y="1762200"/>
-            <a:ext cx="4151880" cy="2241360"/>
+            <a:off x="4674240" y="1604520"/>
+            <a:ext cx="4015800" cy="1896840"/>
           </a:xfrm>
           <a:prstGeom prst="rect">
             <a:avLst/>
@@ -676,23 +684,23 @@
         <p:txBody>
           <a:bodyPr lIns="0" rIns="0" tIns="0" bIns="0"/>
           <a:p>
-            <a:endParaRPr b="0" lang="de-DE" sz="1600" spc="-1" strike="noStrike">
-              <a:solidFill>
-                <a:srgbClr val="000000"/>
-              </a:solidFill>
-              <a:uFill>
-                <a:solidFill>
-                  <a:srgbClr val="ffffff"/>
-                </a:solidFill>
-              </a:uFill>
-              <a:latin typeface="Arial"/>
-            </a:endParaRPr>
-          </a:p>
-        </p:txBody>
-      </p:sp>
-      <p:sp>
-        <p:nvSpPr>
-          <p:cNvPr id="33" name="PlaceHolder 4"/>
+            <a:endParaRPr b="0" lang="de-DE" sz="3200" spc="-1" strike="noStrike">
+              <a:solidFill>
+                <a:srgbClr val="000000"/>
+              </a:solidFill>
+              <a:uFill>
+                <a:solidFill>
+                  <a:srgbClr val="ffffff"/>
+                </a:solidFill>
+              </a:uFill>
+              <a:latin typeface="Arial"/>
+            </a:endParaRPr>
+          </a:p>
+        </p:txBody>
+      </p:sp>
+      <p:sp>
+        <p:nvSpPr>
+          <p:cNvPr id="31" name="PlaceHolder 4"/>
           <p:cNvSpPr>
             <a:spLocks noGrp="1"/>
           </p:cNvSpPr>
@@ -702,8 +710,8 @@
         </p:nvSpPr>
         <p:spPr>
           <a:xfrm>
-            <a:off x="4678920" y="4217040"/>
-            <a:ext cx="4151880" cy="2241360"/>
+            <a:off x="4674240" y="3682080"/>
+            <a:ext cx="4015800" cy="1896840"/>
           </a:xfrm>
           <a:prstGeom prst="rect">
             <a:avLst/>
@@ -712,23 +720,23 @@
         <p:txBody>
           <a:bodyPr lIns="0" rIns="0" tIns="0" bIns="0"/>
           <a:p>
-            <a:endParaRPr b="0" lang="de-DE" sz="1600" spc="-1" strike="noStrike">
-              <a:solidFill>
-                <a:srgbClr val="000000"/>
-              </a:solidFill>
-              <a:uFill>
-                <a:solidFill>
-                  <a:srgbClr val="ffffff"/>
-                </a:solidFill>
-              </a:uFill>
-              <a:latin typeface="Arial"/>
-            </a:endParaRPr>
-          </a:p>
-        </p:txBody>
-      </p:sp>
-      <p:sp>
-        <p:nvSpPr>
-          <p:cNvPr id="34" name="PlaceHolder 5"/>
+            <a:endParaRPr b="0" lang="de-DE" sz="3200" spc="-1" strike="noStrike">
+              <a:solidFill>
+                <a:srgbClr val="000000"/>
+              </a:solidFill>
+              <a:uFill>
+                <a:solidFill>
+                  <a:srgbClr val="ffffff"/>
+                </a:solidFill>
+              </a:uFill>
+              <a:latin typeface="Arial"/>
+            </a:endParaRPr>
+          </a:p>
+        </p:txBody>
+      </p:sp>
+      <p:sp>
+        <p:nvSpPr>
+          <p:cNvPr id="32" name="PlaceHolder 5"/>
           <p:cNvSpPr>
             <a:spLocks noGrp="1"/>
           </p:cNvSpPr>
@@ -738,8 +746,8 @@
         </p:nvSpPr>
         <p:spPr>
           <a:xfrm>
-            <a:off x="318960" y="4217040"/>
-            <a:ext cx="4151880" cy="2241360"/>
+            <a:off x="457200" y="3682080"/>
+            <a:ext cx="4015800" cy="1896840"/>
           </a:xfrm>
           <a:prstGeom prst="rect">
             <a:avLst/>
@@ -748,7 +756,7 @@
         <p:txBody>
           <a:bodyPr lIns="0" rIns="0" tIns="0" bIns="0"/>
           <a:p>
-            <a:endParaRPr b="0" lang="de-DE" sz="1600" spc="-1" strike="noStrike">
+            <a:endParaRPr b="0" lang="de-DE" sz="3200" spc="-1" strike="noStrike">
               <a:solidFill>
                 <a:srgbClr val="000000"/>
               </a:solidFill>
@@ -786,7 +794,7 @@
       </p:grpSpPr>
       <p:sp>
         <p:nvSpPr>
-          <p:cNvPr id="35" name="PlaceHolder 1"/>
+          <p:cNvPr id="33" name="PlaceHolder 1"/>
           <p:cNvSpPr>
             <a:spLocks noGrp="1"/>
           </p:cNvSpPr>
@@ -796,8 +804,8 @@
         </p:nvSpPr>
         <p:spPr>
           <a:xfrm>
-            <a:off x="318960" y="994320"/>
-            <a:ext cx="8508600" cy="1145160"/>
+            <a:off x="457200" y="273600"/>
+            <a:ext cx="8229240" cy="1144800"/>
           </a:xfrm>
           <a:prstGeom prst="rect">
             <a:avLst/>
@@ -806,23 +814,24 @@
         <p:txBody>
           <a:bodyPr lIns="0" rIns="0" tIns="0" bIns="0" anchor="ctr"/>
           <a:p>
-            <a:endParaRPr b="0" lang="de-DE" sz="2200" spc="-1" strike="noStrike">
-              <a:solidFill>
-                <a:srgbClr val="000000"/>
-              </a:solidFill>
-              <a:uFill>
-                <a:solidFill>
-                  <a:srgbClr val="ffffff"/>
-                </a:solidFill>
-              </a:uFill>
-              <a:latin typeface="Arial"/>
-            </a:endParaRPr>
-          </a:p>
-        </p:txBody>
-      </p:sp>
-      <p:sp>
-        <p:nvSpPr>
-          <p:cNvPr id="36" name="PlaceHolder 2"/>
+            <a:pPr algn="ctr"/>
+            <a:endParaRPr b="0" lang="de-DE" sz="4400" spc="-1" strike="noStrike">
+              <a:solidFill>
+                <a:srgbClr val="000000"/>
+              </a:solidFill>
+              <a:uFill>
+                <a:solidFill>
+                  <a:srgbClr val="ffffff"/>
+                </a:solidFill>
+              </a:uFill>
+              <a:latin typeface="Arial"/>
+            </a:endParaRPr>
+          </a:p>
+        </p:txBody>
+      </p:sp>
+      <p:sp>
+        <p:nvSpPr>
+          <p:cNvPr id="34" name="PlaceHolder 2"/>
           <p:cNvSpPr>
             <a:spLocks noGrp="1"/>
           </p:cNvSpPr>
@@ -832,8 +841,8 @@
         </p:nvSpPr>
         <p:spPr>
           <a:xfrm>
-            <a:off x="318960" y="1762200"/>
-            <a:ext cx="8508600" cy="4699080"/>
+            <a:off x="457200" y="1604520"/>
+            <a:ext cx="8229240" cy="3977280"/>
           </a:xfrm>
           <a:prstGeom prst="rect">
             <a:avLst/>
@@ -842,23 +851,23 @@
         <p:txBody>
           <a:bodyPr lIns="0" rIns="0" tIns="0" bIns="0"/>
           <a:p>
-            <a:endParaRPr b="0" lang="de-DE" sz="1600" spc="-1" strike="noStrike">
-              <a:solidFill>
-                <a:srgbClr val="000000"/>
-              </a:solidFill>
-              <a:uFill>
-                <a:solidFill>
-                  <a:srgbClr val="ffffff"/>
-                </a:solidFill>
-              </a:uFill>
-              <a:latin typeface="Arial"/>
-            </a:endParaRPr>
-          </a:p>
-        </p:txBody>
-      </p:sp>
-      <p:sp>
-        <p:nvSpPr>
-          <p:cNvPr id="37" name="PlaceHolder 3"/>
+            <a:endParaRPr b="0" lang="de-DE" sz="3200" spc="-1" strike="noStrike">
+              <a:solidFill>
+                <a:srgbClr val="000000"/>
+              </a:solidFill>
+              <a:uFill>
+                <a:solidFill>
+                  <a:srgbClr val="ffffff"/>
+                </a:solidFill>
+              </a:uFill>
+              <a:latin typeface="Arial"/>
+            </a:endParaRPr>
+          </a:p>
+        </p:txBody>
+      </p:sp>
+      <p:sp>
+        <p:nvSpPr>
+          <p:cNvPr id="35" name="PlaceHolder 3"/>
           <p:cNvSpPr>
             <a:spLocks noGrp="1"/>
           </p:cNvSpPr>
@@ -868,8 +877,8 @@
         </p:nvSpPr>
         <p:spPr>
           <a:xfrm>
-            <a:off x="318960" y="1762200"/>
-            <a:ext cx="8508600" cy="4699080"/>
+            <a:off x="457200" y="1604520"/>
+            <a:ext cx="8229240" cy="3977280"/>
           </a:xfrm>
           <a:prstGeom prst="rect">
             <a:avLst/>
@@ -878,7 +887,7 @@
         <p:txBody>
           <a:bodyPr lIns="0" rIns="0" tIns="0" bIns="0"/>
           <a:p>
-            <a:endParaRPr b="0" lang="de-DE" sz="1600" spc="-1" strike="noStrike">
+            <a:endParaRPr b="0" lang="de-DE" sz="3200" spc="-1" strike="noStrike">
               <a:solidFill>
                 <a:srgbClr val="000000"/>
               </a:solidFill>
@@ -894,7 +903,7 @@
       </p:sp>
       <p:pic>
         <p:nvPicPr>
-          <p:cNvPr id="38" name="" descr=""/>
+          <p:cNvPr id="36" name="" descr=""/>
           <p:cNvPicPr/>
           <p:nvPr/>
         </p:nvPicPr>
@@ -904,8 +913,8 @@
         </p:blipFill>
         <p:spPr>
           <a:xfrm>
-            <a:off x="1628280" y="1761840"/>
-            <a:ext cx="5889240" cy="4699080"/>
+            <a:off x="2079000" y="1604520"/>
+            <a:ext cx="4984920" cy="3977280"/>
           </a:xfrm>
           <a:prstGeom prst="rect">
             <a:avLst/>
@@ -917,7 +926,7 @@
       </p:pic>
       <p:pic>
         <p:nvPicPr>
-          <p:cNvPr id="39" name="" descr=""/>
+          <p:cNvPr id="37" name="" descr=""/>
           <p:cNvPicPr/>
           <p:nvPr/>
         </p:nvPicPr>
@@ -927,8 +936,8 @@
         </p:blipFill>
         <p:spPr>
           <a:xfrm>
-            <a:off x="1628280" y="1761840"/>
-            <a:ext cx="5889240" cy="4699080"/>
+            <a:off x="2079000" y="1604520"/>
+            <a:ext cx="4984920" cy="3977280"/>
           </a:xfrm>
           <a:prstGeom prst="rect">
             <a:avLst/>
@@ -984,7 +993,7 @@
       </p:grpSpPr>
       <p:sp>
         <p:nvSpPr>
-          <p:cNvPr id="45" name="PlaceHolder 1"/>
+          <p:cNvPr id="41" name="PlaceHolder 1"/>
           <p:cNvSpPr>
             <a:spLocks noGrp="1"/>
           </p:cNvSpPr>
@@ -994,8 +1003,8 @@
         </p:nvSpPr>
         <p:spPr>
           <a:xfrm>
-            <a:off x="318960" y="994320"/>
-            <a:ext cx="8508600" cy="1145160"/>
+            <a:off x="457200" y="273600"/>
+            <a:ext cx="8229240" cy="1144800"/>
           </a:xfrm>
           <a:prstGeom prst="rect">
             <a:avLst/>
@@ -1004,23 +1013,24 @@
         <p:txBody>
           <a:bodyPr lIns="0" rIns="0" tIns="0" bIns="0" anchor="ctr"/>
           <a:p>
-            <a:endParaRPr b="0" lang="de-DE" sz="2200" spc="-1" strike="noStrike">
-              <a:solidFill>
-                <a:srgbClr val="000000"/>
-              </a:solidFill>
-              <a:uFill>
-                <a:solidFill>
-                  <a:srgbClr val="ffffff"/>
-                </a:solidFill>
-              </a:uFill>
-              <a:latin typeface="Arial"/>
-            </a:endParaRPr>
-          </a:p>
-        </p:txBody>
-      </p:sp>
-      <p:sp>
-        <p:nvSpPr>
-          <p:cNvPr id="46" name="PlaceHolder 2"/>
+            <a:pPr algn="ctr"/>
+            <a:endParaRPr b="0" lang="de-DE" sz="4400" spc="-1" strike="noStrike">
+              <a:solidFill>
+                <a:srgbClr val="000000"/>
+              </a:solidFill>
+              <a:uFill>
+                <a:solidFill>
+                  <a:srgbClr val="ffffff"/>
+                </a:solidFill>
+              </a:uFill>
+              <a:latin typeface="Arial"/>
+            </a:endParaRPr>
+          </a:p>
+        </p:txBody>
+      </p:sp>
+      <p:sp>
+        <p:nvSpPr>
+          <p:cNvPr id="42" name="PlaceHolder 2"/>
           <p:cNvSpPr>
             <a:spLocks noGrp="1"/>
           </p:cNvSpPr>
@@ -1030,8 +1040,8 @@
         </p:nvSpPr>
         <p:spPr>
           <a:xfrm>
-            <a:off x="318960" y="1762200"/>
-            <a:ext cx="8508600" cy="4699080"/>
+            <a:off x="457200" y="1604520"/>
+            <a:ext cx="8229240" cy="3977280"/>
           </a:xfrm>
           <a:prstGeom prst="rect">
             <a:avLst/>
@@ -1079,7 +1089,7 @@
       </p:grpSpPr>
       <p:sp>
         <p:nvSpPr>
-          <p:cNvPr id="47" name="PlaceHolder 1"/>
+          <p:cNvPr id="43" name="PlaceHolder 1"/>
           <p:cNvSpPr>
             <a:spLocks noGrp="1"/>
           </p:cNvSpPr>
@@ -1089,8 +1099,8 @@
         </p:nvSpPr>
         <p:spPr>
           <a:xfrm>
-            <a:off x="318960" y="994320"/>
-            <a:ext cx="8508600" cy="1145160"/>
+            <a:off x="457200" y="273600"/>
+            <a:ext cx="8229240" cy="1144800"/>
           </a:xfrm>
           <a:prstGeom prst="rect">
             <a:avLst/>
@@ -1099,23 +1109,24 @@
         <p:txBody>
           <a:bodyPr lIns="0" rIns="0" tIns="0" bIns="0" anchor="ctr"/>
           <a:p>
-            <a:endParaRPr b="0" lang="de-DE" sz="2200" spc="-1" strike="noStrike">
-              <a:solidFill>
-                <a:srgbClr val="000000"/>
-              </a:solidFill>
-              <a:uFill>
-                <a:solidFill>
-                  <a:srgbClr val="ffffff"/>
-                </a:solidFill>
-              </a:uFill>
-              <a:latin typeface="Arial"/>
-            </a:endParaRPr>
-          </a:p>
-        </p:txBody>
-      </p:sp>
-      <p:sp>
-        <p:nvSpPr>
-          <p:cNvPr id="48" name="PlaceHolder 2"/>
+            <a:pPr algn="ctr"/>
+            <a:endParaRPr b="0" lang="de-DE" sz="4400" spc="-1" strike="noStrike">
+              <a:solidFill>
+                <a:srgbClr val="000000"/>
+              </a:solidFill>
+              <a:uFill>
+                <a:solidFill>
+                  <a:srgbClr val="ffffff"/>
+                </a:solidFill>
+              </a:uFill>
+              <a:latin typeface="Arial"/>
+            </a:endParaRPr>
+          </a:p>
+        </p:txBody>
+      </p:sp>
+      <p:sp>
+        <p:nvSpPr>
+          <p:cNvPr id="44" name="PlaceHolder 2"/>
           <p:cNvSpPr>
             <a:spLocks noGrp="1"/>
           </p:cNvSpPr>
@@ -1125,8 +1136,8 @@
         </p:nvSpPr>
         <p:spPr>
           <a:xfrm>
-            <a:off x="318960" y="1762200"/>
-            <a:ext cx="8508600" cy="4699080"/>
+            <a:off x="457200" y="1604520"/>
+            <a:ext cx="8229240" cy="3977280"/>
           </a:xfrm>
           <a:prstGeom prst="rect">
             <a:avLst/>
@@ -1135,7 +1146,7 @@
         <p:txBody>
           <a:bodyPr lIns="0" rIns="0" tIns="0" bIns="0"/>
           <a:p>
-            <a:endParaRPr b="0" lang="de-DE" sz="1600" spc="-1" strike="noStrike">
+            <a:endParaRPr b="0" lang="de-DE" sz="3200" spc="-1" strike="noStrike">
               <a:solidFill>
                 <a:srgbClr val="000000"/>
               </a:solidFill>
@@ -1173,7 +1184,7 @@
       </p:grpSpPr>
       <p:sp>
         <p:nvSpPr>
-          <p:cNvPr id="49" name="PlaceHolder 1"/>
+          <p:cNvPr id="45" name="PlaceHolder 1"/>
           <p:cNvSpPr>
             <a:spLocks noGrp="1"/>
           </p:cNvSpPr>
@@ -1183,8 +1194,8 @@
         </p:nvSpPr>
         <p:spPr>
           <a:xfrm>
-            <a:off x="318960" y="994320"/>
-            <a:ext cx="8508600" cy="1145160"/>
+            <a:off x="457200" y="273600"/>
+            <a:ext cx="8229240" cy="1144800"/>
           </a:xfrm>
           <a:prstGeom prst="rect">
             <a:avLst/>
@@ -1193,23 +1204,24 @@
         <p:txBody>
           <a:bodyPr lIns="0" rIns="0" tIns="0" bIns="0" anchor="ctr"/>
           <a:p>
-            <a:endParaRPr b="0" lang="de-DE" sz="2200" spc="-1" strike="noStrike">
-              <a:solidFill>
-                <a:srgbClr val="000000"/>
-              </a:solidFill>
-              <a:uFill>
-                <a:solidFill>
-                  <a:srgbClr val="ffffff"/>
-                </a:solidFill>
-              </a:uFill>
-              <a:latin typeface="Arial"/>
-            </a:endParaRPr>
-          </a:p>
-        </p:txBody>
-      </p:sp>
-      <p:sp>
-        <p:nvSpPr>
-          <p:cNvPr id="50" name="PlaceHolder 2"/>
+            <a:pPr algn="ctr"/>
+            <a:endParaRPr b="0" lang="de-DE" sz="4400" spc="-1" strike="noStrike">
+              <a:solidFill>
+                <a:srgbClr val="000000"/>
+              </a:solidFill>
+              <a:uFill>
+                <a:solidFill>
+                  <a:srgbClr val="ffffff"/>
+                </a:solidFill>
+              </a:uFill>
+              <a:latin typeface="Arial"/>
+            </a:endParaRPr>
+          </a:p>
+        </p:txBody>
+      </p:sp>
+      <p:sp>
+        <p:nvSpPr>
+          <p:cNvPr id="46" name="PlaceHolder 2"/>
           <p:cNvSpPr>
             <a:spLocks noGrp="1"/>
           </p:cNvSpPr>
@@ -1219,8 +1231,8 @@
         </p:nvSpPr>
         <p:spPr>
           <a:xfrm>
-            <a:off x="318960" y="1762200"/>
-            <a:ext cx="4151880" cy="4699080"/>
+            <a:off x="457200" y="1604520"/>
+            <a:ext cx="4015800" cy="3977280"/>
           </a:xfrm>
           <a:prstGeom prst="rect">
             <a:avLst/>
@@ -1229,23 +1241,23 @@
         <p:txBody>
           <a:bodyPr lIns="0" rIns="0" tIns="0" bIns="0"/>
           <a:p>
-            <a:endParaRPr b="0" lang="de-DE" sz="1600" spc="-1" strike="noStrike">
-              <a:solidFill>
-                <a:srgbClr val="000000"/>
-              </a:solidFill>
-              <a:uFill>
-                <a:solidFill>
-                  <a:srgbClr val="ffffff"/>
-                </a:solidFill>
-              </a:uFill>
-              <a:latin typeface="Arial"/>
-            </a:endParaRPr>
-          </a:p>
-        </p:txBody>
-      </p:sp>
-      <p:sp>
-        <p:nvSpPr>
-          <p:cNvPr id="51" name="PlaceHolder 3"/>
+            <a:endParaRPr b="0" lang="de-DE" sz="3200" spc="-1" strike="noStrike">
+              <a:solidFill>
+                <a:srgbClr val="000000"/>
+              </a:solidFill>
+              <a:uFill>
+                <a:solidFill>
+                  <a:srgbClr val="ffffff"/>
+                </a:solidFill>
+              </a:uFill>
+              <a:latin typeface="Arial"/>
+            </a:endParaRPr>
+          </a:p>
+        </p:txBody>
+      </p:sp>
+      <p:sp>
+        <p:nvSpPr>
+          <p:cNvPr id="47" name="PlaceHolder 3"/>
           <p:cNvSpPr>
             <a:spLocks noGrp="1"/>
           </p:cNvSpPr>
@@ -1255,8 +1267,8 @@
         </p:nvSpPr>
         <p:spPr>
           <a:xfrm>
-            <a:off x="4678920" y="1762200"/>
-            <a:ext cx="4151880" cy="4699080"/>
+            <a:off x="4674240" y="1604520"/>
+            <a:ext cx="4015800" cy="3977280"/>
           </a:xfrm>
           <a:prstGeom prst="rect">
             <a:avLst/>
@@ -1265,7 +1277,7 @@
         <p:txBody>
           <a:bodyPr lIns="0" rIns="0" tIns="0" bIns="0"/>
           <a:p>
-            <a:endParaRPr b="0" lang="de-DE" sz="1600" spc="-1" strike="noStrike">
+            <a:endParaRPr b="0" lang="de-DE" sz="3200" spc="-1" strike="noStrike">
               <a:solidFill>
                 <a:srgbClr val="000000"/>
               </a:solidFill>
@@ -1303,7 +1315,7 @@
       </p:grpSpPr>
       <p:sp>
         <p:nvSpPr>
-          <p:cNvPr id="52" name="PlaceHolder 1"/>
+          <p:cNvPr id="48" name="PlaceHolder 1"/>
           <p:cNvSpPr>
             <a:spLocks noGrp="1"/>
           </p:cNvSpPr>
@@ -1313,8 +1325,8 @@
         </p:nvSpPr>
         <p:spPr>
           <a:xfrm>
-            <a:off x="318960" y="994320"/>
-            <a:ext cx="8508600" cy="1145160"/>
+            <a:off x="457200" y="273600"/>
+            <a:ext cx="8229240" cy="1144800"/>
           </a:xfrm>
           <a:prstGeom prst="rect">
             <a:avLst/>
@@ -1323,7 +1335,8 @@
         <p:txBody>
           <a:bodyPr lIns="0" rIns="0" tIns="0" bIns="0" anchor="ctr"/>
           <a:p>
-            <a:endParaRPr b="0" lang="de-DE" sz="2200" spc="-1" strike="noStrike">
+            <a:pPr algn="ctr"/>
+            <a:endParaRPr b="0" lang="de-DE" sz="4400" spc="-1" strike="noStrike">
               <a:solidFill>
                 <a:srgbClr val="000000"/>
               </a:solidFill>
@@ -1361,7 +1374,7 @@
       </p:grpSpPr>
       <p:sp>
         <p:nvSpPr>
-          <p:cNvPr id="53" name="PlaceHolder 1"/>
+          <p:cNvPr id="49" name="PlaceHolder 1"/>
           <p:cNvSpPr>
             <a:spLocks noGrp="1"/>
           </p:cNvSpPr>
@@ -1371,8 +1384,8 @@
         </p:nvSpPr>
         <p:spPr>
           <a:xfrm>
-            <a:off x="318960" y="994320"/>
-            <a:ext cx="8508600" cy="5309640"/>
+            <a:off x="457200" y="273600"/>
+            <a:ext cx="8229240" cy="5307840"/>
           </a:xfrm>
           <a:prstGeom prst="rect">
             <a:avLst/>
@@ -1420,7 +1433,7 @@
       </p:grpSpPr>
       <p:sp>
         <p:nvSpPr>
-          <p:cNvPr id="54" name="PlaceHolder 1"/>
+          <p:cNvPr id="50" name="PlaceHolder 1"/>
           <p:cNvSpPr>
             <a:spLocks noGrp="1"/>
           </p:cNvSpPr>
@@ -1430,8 +1443,8 @@
         </p:nvSpPr>
         <p:spPr>
           <a:xfrm>
-            <a:off x="318960" y="994320"/>
-            <a:ext cx="8508600" cy="1145160"/>
+            <a:off x="457200" y="273600"/>
+            <a:ext cx="8229240" cy="1144800"/>
           </a:xfrm>
           <a:prstGeom prst="rect">
             <a:avLst/>
@@ -1440,23 +1453,24 @@
         <p:txBody>
           <a:bodyPr lIns="0" rIns="0" tIns="0" bIns="0" anchor="ctr"/>
           <a:p>
-            <a:endParaRPr b="0" lang="de-DE" sz="2200" spc="-1" strike="noStrike">
-              <a:solidFill>
-                <a:srgbClr val="000000"/>
-              </a:solidFill>
-              <a:uFill>
-                <a:solidFill>
-                  <a:srgbClr val="ffffff"/>
-                </a:solidFill>
-              </a:uFill>
-              <a:latin typeface="Arial"/>
-            </a:endParaRPr>
-          </a:p>
-        </p:txBody>
-      </p:sp>
-      <p:sp>
-        <p:nvSpPr>
-          <p:cNvPr id="55" name="PlaceHolder 2"/>
+            <a:pPr algn="ctr"/>
+            <a:endParaRPr b="0" lang="de-DE" sz="4400" spc="-1" strike="noStrike">
+              <a:solidFill>
+                <a:srgbClr val="000000"/>
+              </a:solidFill>
+              <a:uFill>
+                <a:solidFill>
+                  <a:srgbClr val="ffffff"/>
+                </a:solidFill>
+              </a:uFill>
+              <a:latin typeface="Arial"/>
+            </a:endParaRPr>
+          </a:p>
+        </p:txBody>
+      </p:sp>
+      <p:sp>
+        <p:nvSpPr>
+          <p:cNvPr id="51" name="PlaceHolder 2"/>
           <p:cNvSpPr>
             <a:spLocks noGrp="1"/>
           </p:cNvSpPr>
@@ -1466,8 +1480,8 @@
         </p:nvSpPr>
         <p:spPr>
           <a:xfrm>
-            <a:off x="318960" y="1762200"/>
-            <a:ext cx="4151880" cy="2241360"/>
+            <a:off x="457200" y="1604520"/>
+            <a:ext cx="4015800" cy="1896840"/>
           </a:xfrm>
           <a:prstGeom prst="rect">
             <a:avLst/>
@@ -1476,23 +1490,23 @@
         <p:txBody>
           <a:bodyPr lIns="0" rIns="0" tIns="0" bIns="0"/>
           <a:p>
-            <a:endParaRPr b="0" lang="de-DE" sz="1600" spc="-1" strike="noStrike">
-              <a:solidFill>
-                <a:srgbClr val="000000"/>
-              </a:solidFill>
-              <a:uFill>
-                <a:solidFill>
-                  <a:srgbClr val="ffffff"/>
-                </a:solidFill>
-              </a:uFill>
-              <a:latin typeface="Arial"/>
-            </a:endParaRPr>
-          </a:p>
-        </p:txBody>
-      </p:sp>
-      <p:sp>
-        <p:nvSpPr>
-          <p:cNvPr id="56" name="PlaceHolder 3"/>
+            <a:endParaRPr b="0" lang="de-DE" sz="3200" spc="-1" strike="noStrike">
+              <a:solidFill>
+                <a:srgbClr val="000000"/>
+              </a:solidFill>
+              <a:uFill>
+                <a:solidFill>
+                  <a:srgbClr val="ffffff"/>
+                </a:solidFill>
+              </a:uFill>
+              <a:latin typeface="Arial"/>
+            </a:endParaRPr>
+          </a:p>
+        </p:txBody>
+      </p:sp>
+      <p:sp>
+        <p:nvSpPr>
+          <p:cNvPr id="52" name="PlaceHolder 3"/>
           <p:cNvSpPr>
             <a:spLocks noGrp="1"/>
           </p:cNvSpPr>
@@ -1502,8 +1516,8 @@
         </p:nvSpPr>
         <p:spPr>
           <a:xfrm>
-            <a:off x="318960" y="4217040"/>
-            <a:ext cx="4151880" cy="2241360"/>
+            <a:off x="457200" y="3682080"/>
+            <a:ext cx="4015800" cy="1896840"/>
           </a:xfrm>
           <a:prstGeom prst="rect">
             <a:avLst/>
@@ -1512,23 +1526,23 @@
         <p:txBody>
           <a:bodyPr lIns="0" rIns="0" tIns="0" bIns="0"/>
           <a:p>
-            <a:endParaRPr b="0" lang="de-DE" sz="1600" spc="-1" strike="noStrike">
-              <a:solidFill>
-                <a:srgbClr val="000000"/>
-              </a:solidFill>
-              <a:uFill>
-                <a:solidFill>
-                  <a:srgbClr val="ffffff"/>
-                </a:solidFill>
-              </a:uFill>
-              <a:latin typeface="Arial"/>
-            </a:endParaRPr>
-          </a:p>
-        </p:txBody>
-      </p:sp>
-      <p:sp>
-        <p:nvSpPr>
-          <p:cNvPr id="57" name="PlaceHolder 4"/>
+            <a:endParaRPr b="0" lang="de-DE" sz="3200" spc="-1" strike="noStrike">
+              <a:solidFill>
+                <a:srgbClr val="000000"/>
+              </a:solidFill>
+              <a:uFill>
+                <a:solidFill>
+                  <a:srgbClr val="ffffff"/>
+                </a:solidFill>
+              </a:uFill>
+              <a:latin typeface="Arial"/>
+            </a:endParaRPr>
+          </a:p>
+        </p:txBody>
+      </p:sp>
+      <p:sp>
+        <p:nvSpPr>
+          <p:cNvPr id="53" name="PlaceHolder 4"/>
           <p:cNvSpPr>
             <a:spLocks noGrp="1"/>
           </p:cNvSpPr>
@@ -1538,8 +1552,8 @@
         </p:nvSpPr>
         <p:spPr>
           <a:xfrm>
-            <a:off x="4678920" y="1762200"/>
-            <a:ext cx="4151880" cy="4699080"/>
+            <a:off x="4674240" y="1604520"/>
+            <a:ext cx="4015800" cy="3977280"/>
           </a:xfrm>
           <a:prstGeom prst="rect">
             <a:avLst/>
@@ -1548,7 +1562,7 @@
         <p:txBody>
           <a:bodyPr lIns="0" rIns="0" tIns="0" bIns="0"/>
           <a:p>
-            <a:endParaRPr b="0" lang="de-DE" sz="1600" spc="-1" strike="noStrike">
+            <a:endParaRPr b="0" lang="de-DE" sz="3200" spc="-1" strike="noStrike">
               <a:solidFill>
                 <a:srgbClr val="000000"/>
               </a:solidFill>
@@ -1586,7 +1600,7 @@
       </p:grpSpPr>
       <p:sp>
         <p:nvSpPr>
-          <p:cNvPr id="6" name="PlaceHolder 1"/>
+          <p:cNvPr id="4" name="PlaceHolder 1"/>
           <p:cNvSpPr>
             <a:spLocks noGrp="1"/>
           </p:cNvSpPr>
@@ -1596,8 +1610,8 @@
         </p:nvSpPr>
         <p:spPr>
           <a:xfrm>
-            <a:off x="318960" y="994320"/>
-            <a:ext cx="8508600" cy="1145160"/>
+            <a:off x="457200" y="273600"/>
+            <a:ext cx="8229240" cy="1144800"/>
           </a:xfrm>
           <a:prstGeom prst="rect">
             <a:avLst/>
@@ -1606,23 +1620,24 @@
         <p:txBody>
           <a:bodyPr lIns="0" rIns="0" tIns="0" bIns="0" anchor="ctr"/>
           <a:p>
-            <a:endParaRPr b="0" lang="de-DE" sz="2200" spc="-1" strike="noStrike">
-              <a:solidFill>
-                <a:srgbClr val="000000"/>
-              </a:solidFill>
-              <a:uFill>
-                <a:solidFill>
-                  <a:srgbClr val="ffffff"/>
-                </a:solidFill>
-              </a:uFill>
-              <a:latin typeface="Arial"/>
-            </a:endParaRPr>
-          </a:p>
-        </p:txBody>
-      </p:sp>
-      <p:sp>
-        <p:nvSpPr>
-          <p:cNvPr id="7" name="PlaceHolder 2"/>
+            <a:pPr algn="ctr"/>
+            <a:endParaRPr b="0" lang="de-DE" sz="4400" spc="-1" strike="noStrike">
+              <a:solidFill>
+                <a:srgbClr val="000000"/>
+              </a:solidFill>
+              <a:uFill>
+                <a:solidFill>
+                  <a:srgbClr val="ffffff"/>
+                </a:solidFill>
+              </a:uFill>
+              <a:latin typeface="Arial"/>
+            </a:endParaRPr>
+          </a:p>
+        </p:txBody>
+      </p:sp>
+      <p:sp>
+        <p:nvSpPr>
+          <p:cNvPr id="5" name="PlaceHolder 2"/>
           <p:cNvSpPr>
             <a:spLocks noGrp="1"/>
           </p:cNvSpPr>
@@ -1632,8 +1647,8 @@
         </p:nvSpPr>
         <p:spPr>
           <a:xfrm>
-            <a:off x="318960" y="1762200"/>
-            <a:ext cx="8508600" cy="4699080"/>
+            <a:off x="457200" y="1604520"/>
+            <a:ext cx="8229240" cy="3977280"/>
           </a:xfrm>
           <a:prstGeom prst="rect">
             <a:avLst/>
@@ -1681,7 +1696,7 @@
       </p:grpSpPr>
       <p:sp>
         <p:nvSpPr>
-          <p:cNvPr id="58" name="PlaceHolder 1"/>
+          <p:cNvPr id="54" name="PlaceHolder 1"/>
           <p:cNvSpPr>
             <a:spLocks noGrp="1"/>
           </p:cNvSpPr>
@@ -1691,8 +1706,8 @@
         </p:nvSpPr>
         <p:spPr>
           <a:xfrm>
-            <a:off x="318960" y="994320"/>
-            <a:ext cx="8508600" cy="1145160"/>
+            <a:off x="457200" y="273600"/>
+            <a:ext cx="8229240" cy="1144800"/>
           </a:xfrm>
           <a:prstGeom prst="rect">
             <a:avLst/>
@@ -1701,23 +1716,24 @@
         <p:txBody>
           <a:bodyPr lIns="0" rIns="0" tIns="0" bIns="0" anchor="ctr"/>
           <a:p>
-            <a:endParaRPr b="0" lang="de-DE" sz="2200" spc="-1" strike="noStrike">
-              <a:solidFill>
-                <a:srgbClr val="000000"/>
-              </a:solidFill>
-              <a:uFill>
-                <a:solidFill>
-                  <a:srgbClr val="ffffff"/>
-                </a:solidFill>
-              </a:uFill>
-              <a:latin typeface="Arial"/>
-            </a:endParaRPr>
-          </a:p>
-        </p:txBody>
-      </p:sp>
-      <p:sp>
-        <p:nvSpPr>
-          <p:cNvPr id="59" name="PlaceHolder 2"/>
+            <a:pPr algn="ctr"/>
+            <a:endParaRPr b="0" lang="de-DE" sz="4400" spc="-1" strike="noStrike">
+              <a:solidFill>
+                <a:srgbClr val="000000"/>
+              </a:solidFill>
+              <a:uFill>
+                <a:solidFill>
+                  <a:srgbClr val="ffffff"/>
+                </a:solidFill>
+              </a:uFill>
+              <a:latin typeface="Arial"/>
+            </a:endParaRPr>
+          </a:p>
+        </p:txBody>
+      </p:sp>
+      <p:sp>
+        <p:nvSpPr>
+          <p:cNvPr id="55" name="PlaceHolder 2"/>
           <p:cNvSpPr>
             <a:spLocks noGrp="1"/>
           </p:cNvSpPr>
@@ -1727,8 +1743,8 @@
         </p:nvSpPr>
         <p:spPr>
           <a:xfrm>
-            <a:off x="318960" y="1762200"/>
-            <a:ext cx="4151880" cy="4699080"/>
+            <a:off x="457200" y="1604520"/>
+            <a:ext cx="4015800" cy="3977280"/>
           </a:xfrm>
           <a:prstGeom prst="rect">
             <a:avLst/>
@@ -1737,23 +1753,23 @@
         <p:txBody>
           <a:bodyPr lIns="0" rIns="0" tIns="0" bIns="0"/>
           <a:p>
-            <a:endParaRPr b="0" lang="de-DE" sz="1600" spc="-1" strike="noStrike">
-              <a:solidFill>
-                <a:srgbClr val="000000"/>
-              </a:solidFill>
-              <a:uFill>
-                <a:solidFill>
-                  <a:srgbClr val="ffffff"/>
-                </a:solidFill>
-              </a:uFill>
-              <a:latin typeface="Arial"/>
-            </a:endParaRPr>
-          </a:p>
-        </p:txBody>
-      </p:sp>
-      <p:sp>
-        <p:nvSpPr>
-          <p:cNvPr id="60" name="PlaceHolder 3"/>
+            <a:endParaRPr b="0" lang="de-DE" sz="3200" spc="-1" strike="noStrike">
+              <a:solidFill>
+                <a:srgbClr val="000000"/>
+              </a:solidFill>
+              <a:uFill>
+                <a:solidFill>
+                  <a:srgbClr val="ffffff"/>
+                </a:solidFill>
+              </a:uFill>
+              <a:latin typeface="Arial"/>
+            </a:endParaRPr>
+          </a:p>
+        </p:txBody>
+      </p:sp>
+      <p:sp>
+        <p:nvSpPr>
+          <p:cNvPr id="56" name="PlaceHolder 3"/>
           <p:cNvSpPr>
             <a:spLocks noGrp="1"/>
           </p:cNvSpPr>
@@ -1763,8 +1779,8 @@
         </p:nvSpPr>
         <p:spPr>
           <a:xfrm>
-            <a:off x="4678920" y="1762200"/>
-            <a:ext cx="4151880" cy="2241360"/>
+            <a:off x="4674240" y="1604520"/>
+            <a:ext cx="4015800" cy="1896840"/>
           </a:xfrm>
           <a:prstGeom prst="rect">
             <a:avLst/>
@@ -1773,23 +1789,23 @@
         <p:txBody>
           <a:bodyPr lIns="0" rIns="0" tIns="0" bIns="0"/>
           <a:p>
-            <a:endParaRPr b="0" lang="de-DE" sz="1600" spc="-1" strike="noStrike">
-              <a:solidFill>
-                <a:srgbClr val="000000"/>
-              </a:solidFill>
-              <a:uFill>
-                <a:solidFill>
-                  <a:srgbClr val="ffffff"/>
-                </a:solidFill>
-              </a:uFill>
-              <a:latin typeface="Arial"/>
-            </a:endParaRPr>
-          </a:p>
-        </p:txBody>
-      </p:sp>
-      <p:sp>
-        <p:nvSpPr>
-          <p:cNvPr id="61" name="PlaceHolder 4"/>
+            <a:endParaRPr b="0" lang="de-DE" sz="3200" spc="-1" strike="noStrike">
+              <a:solidFill>
+                <a:srgbClr val="000000"/>
+              </a:solidFill>
+              <a:uFill>
+                <a:solidFill>
+                  <a:srgbClr val="ffffff"/>
+                </a:solidFill>
+              </a:uFill>
+              <a:latin typeface="Arial"/>
+            </a:endParaRPr>
+          </a:p>
+        </p:txBody>
+      </p:sp>
+      <p:sp>
+        <p:nvSpPr>
+          <p:cNvPr id="57" name="PlaceHolder 4"/>
           <p:cNvSpPr>
             <a:spLocks noGrp="1"/>
           </p:cNvSpPr>
@@ -1799,8 +1815,8 @@
         </p:nvSpPr>
         <p:spPr>
           <a:xfrm>
-            <a:off x="4678920" y="4217040"/>
-            <a:ext cx="4151880" cy="2241360"/>
+            <a:off x="4674240" y="3682080"/>
+            <a:ext cx="4015800" cy="1896840"/>
           </a:xfrm>
           <a:prstGeom prst="rect">
             <a:avLst/>
@@ -1809,7 +1825,7 @@
         <p:txBody>
           <a:bodyPr lIns="0" rIns="0" tIns="0" bIns="0"/>
           <a:p>
-            <a:endParaRPr b="0" lang="de-DE" sz="1600" spc="-1" strike="noStrike">
+            <a:endParaRPr b="0" lang="de-DE" sz="3200" spc="-1" strike="noStrike">
               <a:solidFill>
                 <a:srgbClr val="000000"/>
               </a:solidFill>
@@ -1847,7 +1863,7 @@
       </p:grpSpPr>
       <p:sp>
         <p:nvSpPr>
-          <p:cNvPr id="62" name="PlaceHolder 1"/>
+          <p:cNvPr id="58" name="PlaceHolder 1"/>
           <p:cNvSpPr>
             <a:spLocks noGrp="1"/>
           </p:cNvSpPr>
@@ -1857,8 +1873,8 @@
         </p:nvSpPr>
         <p:spPr>
           <a:xfrm>
-            <a:off x="318960" y="994320"/>
-            <a:ext cx="8508600" cy="1145160"/>
+            <a:off x="457200" y="273600"/>
+            <a:ext cx="8229240" cy="1144800"/>
           </a:xfrm>
           <a:prstGeom prst="rect">
             <a:avLst/>
@@ -1867,23 +1883,24 @@
         <p:txBody>
           <a:bodyPr lIns="0" rIns="0" tIns="0" bIns="0" anchor="ctr"/>
           <a:p>
-            <a:endParaRPr b="0" lang="de-DE" sz="2200" spc="-1" strike="noStrike">
-              <a:solidFill>
-                <a:srgbClr val="000000"/>
-              </a:solidFill>
-              <a:uFill>
-                <a:solidFill>
-                  <a:srgbClr val="ffffff"/>
-                </a:solidFill>
-              </a:uFill>
-              <a:latin typeface="Arial"/>
-            </a:endParaRPr>
-          </a:p>
-        </p:txBody>
-      </p:sp>
-      <p:sp>
-        <p:nvSpPr>
-          <p:cNvPr id="63" name="PlaceHolder 2"/>
+            <a:pPr algn="ctr"/>
+            <a:endParaRPr b="0" lang="de-DE" sz="4400" spc="-1" strike="noStrike">
+              <a:solidFill>
+                <a:srgbClr val="000000"/>
+              </a:solidFill>
+              <a:uFill>
+                <a:solidFill>
+                  <a:srgbClr val="ffffff"/>
+                </a:solidFill>
+              </a:uFill>
+              <a:latin typeface="Arial"/>
+            </a:endParaRPr>
+          </a:p>
+        </p:txBody>
+      </p:sp>
+      <p:sp>
+        <p:nvSpPr>
+          <p:cNvPr id="59" name="PlaceHolder 2"/>
           <p:cNvSpPr>
             <a:spLocks noGrp="1"/>
           </p:cNvSpPr>
@@ -1893,8 +1910,8 @@
         </p:nvSpPr>
         <p:spPr>
           <a:xfrm>
-            <a:off x="318960" y="1762200"/>
-            <a:ext cx="4151880" cy="2241360"/>
+            <a:off x="457200" y="1604520"/>
+            <a:ext cx="4015800" cy="1896840"/>
           </a:xfrm>
           <a:prstGeom prst="rect">
             <a:avLst/>
@@ -1903,23 +1920,23 @@
         <p:txBody>
           <a:bodyPr lIns="0" rIns="0" tIns="0" bIns="0"/>
           <a:p>
-            <a:endParaRPr b="0" lang="de-DE" sz="1600" spc="-1" strike="noStrike">
-              <a:solidFill>
-                <a:srgbClr val="000000"/>
-              </a:solidFill>
-              <a:uFill>
-                <a:solidFill>
-                  <a:srgbClr val="ffffff"/>
-                </a:solidFill>
-              </a:uFill>
-              <a:latin typeface="Arial"/>
-            </a:endParaRPr>
-          </a:p>
-        </p:txBody>
-      </p:sp>
-      <p:sp>
-        <p:nvSpPr>
-          <p:cNvPr id="64" name="PlaceHolder 3"/>
+            <a:endParaRPr b="0" lang="de-DE" sz="3200" spc="-1" strike="noStrike">
+              <a:solidFill>
+                <a:srgbClr val="000000"/>
+              </a:solidFill>
+              <a:uFill>
+                <a:solidFill>
+                  <a:srgbClr val="ffffff"/>
+                </a:solidFill>
+              </a:uFill>
+              <a:latin typeface="Arial"/>
+            </a:endParaRPr>
+          </a:p>
+        </p:txBody>
+      </p:sp>
+      <p:sp>
+        <p:nvSpPr>
+          <p:cNvPr id="60" name="PlaceHolder 3"/>
           <p:cNvSpPr>
             <a:spLocks noGrp="1"/>
           </p:cNvSpPr>
@@ -1929,8 +1946,8 @@
         </p:nvSpPr>
         <p:spPr>
           <a:xfrm>
-            <a:off x="4678920" y="1762200"/>
-            <a:ext cx="4151880" cy="2241360"/>
+            <a:off x="4674240" y="1604520"/>
+            <a:ext cx="4015800" cy="1896840"/>
           </a:xfrm>
           <a:prstGeom prst="rect">
             <a:avLst/>
@@ -1939,23 +1956,23 @@
         <p:txBody>
           <a:bodyPr lIns="0" rIns="0" tIns="0" bIns="0"/>
           <a:p>
-            <a:endParaRPr b="0" lang="de-DE" sz="1600" spc="-1" strike="noStrike">
-              <a:solidFill>
-                <a:srgbClr val="000000"/>
-              </a:solidFill>
-              <a:uFill>
-                <a:solidFill>
-                  <a:srgbClr val="ffffff"/>
-                </a:solidFill>
-              </a:uFill>
-              <a:latin typeface="Arial"/>
-            </a:endParaRPr>
-          </a:p>
-        </p:txBody>
-      </p:sp>
-      <p:sp>
-        <p:nvSpPr>
-          <p:cNvPr id="65" name="PlaceHolder 4"/>
+            <a:endParaRPr b="0" lang="de-DE" sz="3200" spc="-1" strike="noStrike">
+              <a:solidFill>
+                <a:srgbClr val="000000"/>
+              </a:solidFill>
+              <a:uFill>
+                <a:solidFill>
+                  <a:srgbClr val="ffffff"/>
+                </a:solidFill>
+              </a:uFill>
+              <a:latin typeface="Arial"/>
+            </a:endParaRPr>
+          </a:p>
+        </p:txBody>
+      </p:sp>
+      <p:sp>
+        <p:nvSpPr>
+          <p:cNvPr id="61" name="PlaceHolder 4"/>
           <p:cNvSpPr>
             <a:spLocks noGrp="1"/>
           </p:cNvSpPr>
@@ -1965,8 +1982,8 @@
         </p:nvSpPr>
         <p:spPr>
           <a:xfrm>
-            <a:off x="318960" y="4217040"/>
-            <a:ext cx="8508600" cy="2241360"/>
+            <a:off x="457200" y="3682080"/>
+            <a:ext cx="8229240" cy="1896840"/>
           </a:xfrm>
           <a:prstGeom prst="rect">
             <a:avLst/>
@@ -1975,7 +1992,7 @@
         <p:txBody>
           <a:bodyPr lIns="0" rIns="0" tIns="0" bIns="0"/>
           <a:p>
-            <a:endParaRPr b="0" lang="de-DE" sz="1600" spc="-1" strike="noStrike">
+            <a:endParaRPr b="0" lang="de-DE" sz="3200" spc="-1" strike="noStrike">
               <a:solidFill>
                 <a:srgbClr val="000000"/>
               </a:solidFill>
@@ -2013,7 +2030,7 @@
       </p:grpSpPr>
       <p:sp>
         <p:nvSpPr>
-          <p:cNvPr id="66" name="PlaceHolder 1"/>
+          <p:cNvPr id="62" name="PlaceHolder 1"/>
           <p:cNvSpPr>
             <a:spLocks noGrp="1"/>
           </p:cNvSpPr>
@@ -2023,8 +2040,8 @@
         </p:nvSpPr>
         <p:spPr>
           <a:xfrm>
-            <a:off x="318960" y="994320"/>
-            <a:ext cx="8508600" cy="1145160"/>
+            <a:off x="457200" y="273600"/>
+            <a:ext cx="8229240" cy="1144800"/>
           </a:xfrm>
           <a:prstGeom prst="rect">
             <a:avLst/>
@@ -2033,23 +2050,24 @@
         <p:txBody>
           <a:bodyPr lIns="0" rIns="0" tIns="0" bIns="0" anchor="ctr"/>
           <a:p>
-            <a:endParaRPr b="0" lang="de-DE" sz="2200" spc="-1" strike="noStrike">
-              <a:solidFill>
-                <a:srgbClr val="000000"/>
-              </a:solidFill>
-              <a:uFill>
-                <a:solidFill>
-                  <a:srgbClr val="ffffff"/>
-                </a:solidFill>
-              </a:uFill>
-              <a:latin typeface="Arial"/>
-            </a:endParaRPr>
-          </a:p>
-        </p:txBody>
-      </p:sp>
-      <p:sp>
-        <p:nvSpPr>
-          <p:cNvPr id="67" name="PlaceHolder 2"/>
+            <a:pPr algn="ctr"/>
+            <a:endParaRPr b="0" lang="de-DE" sz="4400" spc="-1" strike="noStrike">
+              <a:solidFill>
+                <a:srgbClr val="000000"/>
+              </a:solidFill>
+              <a:uFill>
+                <a:solidFill>
+                  <a:srgbClr val="ffffff"/>
+                </a:solidFill>
+              </a:uFill>
+              <a:latin typeface="Arial"/>
+            </a:endParaRPr>
+          </a:p>
+        </p:txBody>
+      </p:sp>
+      <p:sp>
+        <p:nvSpPr>
+          <p:cNvPr id="63" name="PlaceHolder 2"/>
           <p:cNvSpPr>
             <a:spLocks noGrp="1"/>
           </p:cNvSpPr>
@@ -2059,8 +2077,8 @@
         </p:nvSpPr>
         <p:spPr>
           <a:xfrm>
-            <a:off x="318960" y="1762200"/>
-            <a:ext cx="8508600" cy="2241360"/>
+            <a:off x="457200" y="1604520"/>
+            <a:ext cx="8229240" cy="1896840"/>
           </a:xfrm>
           <a:prstGeom prst="rect">
             <a:avLst/>
@@ -2069,23 +2087,23 @@
         <p:txBody>
           <a:bodyPr lIns="0" rIns="0" tIns="0" bIns="0"/>
           <a:p>
-            <a:endParaRPr b="0" lang="de-DE" sz="1600" spc="-1" strike="noStrike">
-              <a:solidFill>
-                <a:srgbClr val="000000"/>
-              </a:solidFill>
-              <a:uFill>
-                <a:solidFill>
-                  <a:srgbClr val="ffffff"/>
-                </a:solidFill>
-              </a:uFill>
-              <a:latin typeface="Arial"/>
-            </a:endParaRPr>
-          </a:p>
-        </p:txBody>
-      </p:sp>
-      <p:sp>
-        <p:nvSpPr>
-          <p:cNvPr id="68" name="PlaceHolder 3"/>
+            <a:endParaRPr b="0" lang="de-DE" sz="3200" spc="-1" strike="noStrike">
+              <a:solidFill>
+                <a:srgbClr val="000000"/>
+              </a:solidFill>
+              <a:uFill>
+                <a:solidFill>
+                  <a:srgbClr val="ffffff"/>
+                </a:solidFill>
+              </a:uFill>
+              <a:latin typeface="Arial"/>
+            </a:endParaRPr>
+          </a:p>
+        </p:txBody>
+      </p:sp>
+      <p:sp>
+        <p:nvSpPr>
+          <p:cNvPr id="64" name="PlaceHolder 3"/>
           <p:cNvSpPr>
             <a:spLocks noGrp="1"/>
           </p:cNvSpPr>
@@ -2095,8 +2113,8 @@
         </p:nvSpPr>
         <p:spPr>
           <a:xfrm>
-            <a:off x="318960" y="4217040"/>
-            <a:ext cx="8508600" cy="2241360"/>
+            <a:off x="457200" y="3682080"/>
+            <a:ext cx="8229240" cy="1896840"/>
           </a:xfrm>
           <a:prstGeom prst="rect">
             <a:avLst/>
@@ -2105,7 +2123,7 @@
         <p:txBody>
           <a:bodyPr lIns="0" rIns="0" tIns="0" bIns="0"/>
           <a:p>
-            <a:endParaRPr b="0" lang="de-DE" sz="1600" spc="-1" strike="noStrike">
+            <a:endParaRPr b="0" lang="de-DE" sz="3200" spc="-1" strike="noStrike">
               <a:solidFill>
                 <a:srgbClr val="000000"/>
               </a:solidFill>
@@ -2143,7 +2161,7 @@
       </p:grpSpPr>
       <p:sp>
         <p:nvSpPr>
-          <p:cNvPr id="69" name="PlaceHolder 1"/>
+          <p:cNvPr id="65" name="PlaceHolder 1"/>
           <p:cNvSpPr>
             <a:spLocks noGrp="1"/>
           </p:cNvSpPr>
@@ -2153,8 +2171,8 @@
         </p:nvSpPr>
         <p:spPr>
           <a:xfrm>
-            <a:off x="318960" y="994320"/>
-            <a:ext cx="8508600" cy="1145160"/>
+            <a:off x="457200" y="273600"/>
+            <a:ext cx="8229240" cy="1144800"/>
           </a:xfrm>
           <a:prstGeom prst="rect">
             <a:avLst/>
@@ -2163,23 +2181,24 @@
         <p:txBody>
           <a:bodyPr lIns="0" rIns="0" tIns="0" bIns="0" anchor="ctr"/>
           <a:p>
-            <a:endParaRPr b="0" lang="de-DE" sz="2200" spc="-1" strike="noStrike">
-              <a:solidFill>
-                <a:srgbClr val="000000"/>
-              </a:solidFill>
-              <a:uFill>
-                <a:solidFill>
-                  <a:srgbClr val="ffffff"/>
-                </a:solidFill>
-              </a:uFill>
-              <a:latin typeface="Arial"/>
-            </a:endParaRPr>
-          </a:p>
-        </p:txBody>
-      </p:sp>
-      <p:sp>
-        <p:nvSpPr>
-          <p:cNvPr id="70" name="PlaceHolder 2"/>
+            <a:pPr algn="ctr"/>
+            <a:endParaRPr b="0" lang="de-DE" sz="4400" spc="-1" strike="noStrike">
+              <a:solidFill>
+                <a:srgbClr val="000000"/>
+              </a:solidFill>
+              <a:uFill>
+                <a:solidFill>
+                  <a:srgbClr val="ffffff"/>
+                </a:solidFill>
+              </a:uFill>
+              <a:latin typeface="Arial"/>
+            </a:endParaRPr>
+          </a:p>
+        </p:txBody>
+      </p:sp>
+      <p:sp>
+        <p:nvSpPr>
+          <p:cNvPr id="66" name="PlaceHolder 2"/>
           <p:cNvSpPr>
             <a:spLocks noGrp="1"/>
           </p:cNvSpPr>
@@ -2189,8 +2208,8 @@
         </p:nvSpPr>
         <p:spPr>
           <a:xfrm>
-            <a:off x="318960" y="1762200"/>
-            <a:ext cx="4151880" cy="2241360"/>
+            <a:off x="457200" y="1604520"/>
+            <a:ext cx="4015800" cy="1896840"/>
           </a:xfrm>
           <a:prstGeom prst="rect">
             <a:avLst/>
@@ -2199,23 +2218,23 @@
         <p:txBody>
           <a:bodyPr lIns="0" rIns="0" tIns="0" bIns="0"/>
           <a:p>
-            <a:endParaRPr b="0" lang="de-DE" sz="1600" spc="-1" strike="noStrike">
-              <a:solidFill>
-                <a:srgbClr val="000000"/>
-              </a:solidFill>
-              <a:uFill>
-                <a:solidFill>
-                  <a:srgbClr val="ffffff"/>
-                </a:solidFill>
-              </a:uFill>
-              <a:latin typeface="Arial"/>
-            </a:endParaRPr>
-          </a:p>
-        </p:txBody>
-      </p:sp>
-      <p:sp>
-        <p:nvSpPr>
-          <p:cNvPr id="71" name="PlaceHolder 3"/>
+            <a:endParaRPr b="0" lang="de-DE" sz="3200" spc="-1" strike="noStrike">
+              <a:solidFill>
+                <a:srgbClr val="000000"/>
+              </a:solidFill>
+              <a:uFill>
+                <a:solidFill>
+                  <a:srgbClr val="ffffff"/>
+                </a:solidFill>
+              </a:uFill>
+              <a:latin typeface="Arial"/>
+            </a:endParaRPr>
+          </a:p>
+        </p:txBody>
+      </p:sp>
+      <p:sp>
+        <p:nvSpPr>
+          <p:cNvPr id="67" name="PlaceHolder 3"/>
           <p:cNvSpPr>
             <a:spLocks noGrp="1"/>
           </p:cNvSpPr>
@@ -2225,8 +2244,8 @@
         </p:nvSpPr>
         <p:spPr>
           <a:xfrm>
-            <a:off x="4678920" y="1762200"/>
-            <a:ext cx="4151880" cy="2241360"/>
+            <a:off x="4674240" y="1604520"/>
+            <a:ext cx="4015800" cy="1896840"/>
           </a:xfrm>
           <a:prstGeom prst="rect">
             <a:avLst/>
@@ -2235,23 +2254,23 @@
         <p:txBody>
           <a:bodyPr lIns="0" rIns="0" tIns="0" bIns="0"/>
           <a:p>
-            <a:endParaRPr b="0" lang="de-DE" sz="1600" spc="-1" strike="noStrike">
-              <a:solidFill>
-                <a:srgbClr val="000000"/>
-              </a:solidFill>
-              <a:uFill>
-                <a:solidFill>
-                  <a:srgbClr val="ffffff"/>
-                </a:solidFill>
-              </a:uFill>
-              <a:latin typeface="Arial"/>
-            </a:endParaRPr>
-          </a:p>
-        </p:txBody>
-      </p:sp>
-      <p:sp>
-        <p:nvSpPr>
-          <p:cNvPr id="72" name="PlaceHolder 4"/>
+            <a:endParaRPr b="0" lang="de-DE" sz="3200" spc="-1" strike="noStrike">
+              <a:solidFill>
+                <a:srgbClr val="000000"/>
+              </a:solidFill>
+              <a:uFill>
+                <a:solidFill>
+                  <a:srgbClr val="ffffff"/>
+                </a:solidFill>
+              </a:uFill>
+              <a:latin typeface="Arial"/>
+            </a:endParaRPr>
+          </a:p>
+        </p:txBody>
+      </p:sp>
+      <p:sp>
+        <p:nvSpPr>
+          <p:cNvPr id="68" name="PlaceHolder 4"/>
           <p:cNvSpPr>
             <a:spLocks noGrp="1"/>
           </p:cNvSpPr>
@@ -2261,8 +2280,8 @@
         </p:nvSpPr>
         <p:spPr>
           <a:xfrm>
-            <a:off x="4678920" y="4217040"/>
-            <a:ext cx="4151880" cy="2241360"/>
+            <a:off x="4674240" y="3682080"/>
+            <a:ext cx="4015800" cy="1896840"/>
           </a:xfrm>
           <a:prstGeom prst="rect">
             <a:avLst/>
@@ -2271,23 +2290,23 @@
         <p:txBody>
           <a:bodyPr lIns="0" rIns="0" tIns="0" bIns="0"/>
           <a:p>
-            <a:endParaRPr b="0" lang="de-DE" sz="1600" spc="-1" strike="noStrike">
-              <a:solidFill>
-                <a:srgbClr val="000000"/>
-              </a:solidFill>
-              <a:uFill>
-                <a:solidFill>
-                  <a:srgbClr val="ffffff"/>
-                </a:solidFill>
-              </a:uFill>
-              <a:latin typeface="Arial"/>
-            </a:endParaRPr>
-          </a:p>
-        </p:txBody>
-      </p:sp>
-      <p:sp>
-        <p:nvSpPr>
-          <p:cNvPr id="73" name="PlaceHolder 5"/>
+            <a:endParaRPr b="0" lang="de-DE" sz="3200" spc="-1" strike="noStrike">
+              <a:solidFill>
+                <a:srgbClr val="000000"/>
+              </a:solidFill>
+              <a:uFill>
+                <a:solidFill>
+                  <a:srgbClr val="ffffff"/>
+                </a:solidFill>
+              </a:uFill>
+              <a:latin typeface="Arial"/>
+            </a:endParaRPr>
+          </a:p>
+        </p:txBody>
+      </p:sp>
+      <p:sp>
+        <p:nvSpPr>
+          <p:cNvPr id="69" name="PlaceHolder 5"/>
           <p:cNvSpPr>
             <a:spLocks noGrp="1"/>
           </p:cNvSpPr>
@@ -2297,8 +2316,8 @@
         </p:nvSpPr>
         <p:spPr>
           <a:xfrm>
-            <a:off x="318960" y="4217040"/>
-            <a:ext cx="4151880" cy="2241360"/>
+            <a:off x="457200" y="3682080"/>
+            <a:ext cx="4015800" cy="1896840"/>
           </a:xfrm>
           <a:prstGeom prst="rect">
             <a:avLst/>
@@ -2307,7 +2326,7 @@
         <p:txBody>
           <a:bodyPr lIns="0" rIns="0" tIns="0" bIns="0"/>
           <a:p>
-            <a:endParaRPr b="0" lang="de-DE" sz="1600" spc="-1" strike="noStrike">
+            <a:endParaRPr b="0" lang="de-DE" sz="3200" spc="-1" strike="noStrike">
               <a:solidFill>
                 <a:srgbClr val="000000"/>
               </a:solidFill>
@@ -2345,7 +2364,7 @@
       </p:grpSpPr>
       <p:sp>
         <p:nvSpPr>
-          <p:cNvPr id="74" name="PlaceHolder 1"/>
+          <p:cNvPr id="70" name="PlaceHolder 1"/>
           <p:cNvSpPr>
             <a:spLocks noGrp="1"/>
           </p:cNvSpPr>
@@ -2355,8 +2374,8 @@
         </p:nvSpPr>
         <p:spPr>
           <a:xfrm>
-            <a:off x="318960" y="994320"/>
-            <a:ext cx="8508600" cy="1145160"/>
+            <a:off x="457200" y="273600"/>
+            <a:ext cx="8229240" cy="1144800"/>
           </a:xfrm>
           <a:prstGeom prst="rect">
             <a:avLst/>
@@ -2365,23 +2384,24 @@
         <p:txBody>
           <a:bodyPr lIns="0" rIns="0" tIns="0" bIns="0" anchor="ctr"/>
           <a:p>
-            <a:endParaRPr b="0" lang="de-DE" sz="2200" spc="-1" strike="noStrike">
-              <a:solidFill>
-                <a:srgbClr val="000000"/>
-              </a:solidFill>
-              <a:uFill>
-                <a:solidFill>
-                  <a:srgbClr val="ffffff"/>
-                </a:solidFill>
-              </a:uFill>
-              <a:latin typeface="Arial"/>
-            </a:endParaRPr>
-          </a:p>
-        </p:txBody>
-      </p:sp>
-      <p:sp>
-        <p:nvSpPr>
-          <p:cNvPr id="75" name="PlaceHolder 2"/>
+            <a:pPr algn="ctr"/>
+            <a:endParaRPr b="0" lang="de-DE" sz="4400" spc="-1" strike="noStrike">
+              <a:solidFill>
+                <a:srgbClr val="000000"/>
+              </a:solidFill>
+              <a:uFill>
+                <a:solidFill>
+                  <a:srgbClr val="ffffff"/>
+                </a:solidFill>
+              </a:uFill>
+              <a:latin typeface="Arial"/>
+            </a:endParaRPr>
+          </a:p>
+        </p:txBody>
+      </p:sp>
+      <p:sp>
+        <p:nvSpPr>
+          <p:cNvPr id="71" name="PlaceHolder 2"/>
           <p:cNvSpPr>
             <a:spLocks noGrp="1"/>
           </p:cNvSpPr>
@@ -2391,8 +2411,8 @@
         </p:nvSpPr>
         <p:spPr>
           <a:xfrm>
-            <a:off x="318960" y="1762200"/>
-            <a:ext cx="8508600" cy="4699080"/>
+            <a:off x="457200" y="1604520"/>
+            <a:ext cx="8229240" cy="3977280"/>
           </a:xfrm>
           <a:prstGeom prst="rect">
             <a:avLst/>
@@ -2401,23 +2421,23 @@
         <p:txBody>
           <a:bodyPr lIns="0" rIns="0" tIns="0" bIns="0"/>
           <a:p>
-            <a:endParaRPr b="0" lang="de-DE" sz="1600" spc="-1" strike="noStrike">
-              <a:solidFill>
-                <a:srgbClr val="000000"/>
-              </a:solidFill>
-              <a:uFill>
-                <a:solidFill>
-                  <a:srgbClr val="ffffff"/>
-                </a:solidFill>
-              </a:uFill>
-              <a:latin typeface="Arial"/>
-            </a:endParaRPr>
-          </a:p>
-        </p:txBody>
-      </p:sp>
-      <p:sp>
-        <p:nvSpPr>
-          <p:cNvPr id="76" name="PlaceHolder 3"/>
+            <a:endParaRPr b="0" lang="de-DE" sz="3200" spc="-1" strike="noStrike">
+              <a:solidFill>
+                <a:srgbClr val="000000"/>
+              </a:solidFill>
+              <a:uFill>
+                <a:solidFill>
+                  <a:srgbClr val="ffffff"/>
+                </a:solidFill>
+              </a:uFill>
+              <a:latin typeface="Arial"/>
+            </a:endParaRPr>
+          </a:p>
+        </p:txBody>
+      </p:sp>
+      <p:sp>
+        <p:nvSpPr>
+          <p:cNvPr id="72" name="PlaceHolder 3"/>
           <p:cNvSpPr>
             <a:spLocks noGrp="1"/>
           </p:cNvSpPr>
@@ -2427,8 +2447,8 @@
         </p:nvSpPr>
         <p:spPr>
           <a:xfrm>
-            <a:off x="318960" y="1762200"/>
-            <a:ext cx="8508600" cy="4699080"/>
+            <a:off x="457200" y="1604520"/>
+            <a:ext cx="8229240" cy="3977280"/>
           </a:xfrm>
           <a:prstGeom prst="rect">
             <a:avLst/>
@@ -2437,7 +2457,7 @@
         <p:txBody>
           <a:bodyPr lIns="0" rIns="0" tIns="0" bIns="0"/>
           <a:p>
-            <a:endParaRPr b="0" lang="de-DE" sz="1600" spc="-1" strike="noStrike">
+            <a:endParaRPr b="0" lang="de-DE" sz="3200" spc="-1" strike="noStrike">
               <a:solidFill>
                 <a:srgbClr val="000000"/>
               </a:solidFill>
@@ -2453,7 +2473,7 @@
       </p:sp>
       <p:pic>
         <p:nvPicPr>
-          <p:cNvPr id="77" name="" descr=""/>
+          <p:cNvPr id="73" name="" descr=""/>
           <p:cNvPicPr/>
           <p:nvPr/>
         </p:nvPicPr>
@@ -2463,8 +2483,8 @@
         </p:blipFill>
         <p:spPr>
           <a:xfrm>
-            <a:off x="1628280" y="1761840"/>
-            <a:ext cx="5889240" cy="4699080"/>
+            <a:off x="2079000" y="1604520"/>
+            <a:ext cx="4984920" cy="3977280"/>
           </a:xfrm>
           <a:prstGeom prst="rect">
             <a:avLst/>
@@ -2476,7 +2496,7 @@
       </p:pic>
       <p:pic>
         <p:nvPicPr>
-          <p:cNvPr id="78" name="" descr=""/>
+          <p:cNvPr id="74" name="" descr=""/>
           <p:cNvPicPr/>
           <p:nvPr/>
         </p:nvPicPr>
@@ -2486,8 +2506,8 @@
         </p:blipFill>
         <p:spPr>
           <a:xfrm>
-            <a:off x="1628280" y="1761840"/>
-            <a:ext cx="5889240" cy="4699080"/>
+            <a:off x="2079000" y="1604520"/>
+            <a:ext cx="4984920" cy="3977280"/>
           </a:xfrm>
           <a:prstGeom prst="rect">
             <a:avLst/>
@@ -2521,7 +2541,7 @@
       </p:grpSpPr>
       <p:sp>
         <p:nvSpPr>
-          <p:cNvPr id="8" name="PlaceHolder 1"/>
+          <p:cNvPr id="6" name="PlaceHolder 1"/>
           <p:cNvSpPr>
             <a:spLocks noGrp="1"/>
           </p:cNvSpPr>
@@ -2531,8 +2551,8 @@
         </p:nvSpPr>
         <p:spPr>
           <a:xfrm>
-            <a:off x="318960" y="994320"/>
-            <a:ext cx="8508600" cy="1145160"/>
+            <a:off x="457200" y="273600"/>
+            <a:ext cx="8229240" cy="1144800"/>
           </a:xfrm>
           <a:prstGeom prst="rect">
             <a:avLst/>
@@ -2541,23 +2561,24 @@
         <p:txBody>
           <a:bodyPr lIns="0" rIns="0" tIns="0" bIns="0" anchor="ctr"/>
           <a:p>
-            <a:endParaRPr b="0" lang="de-DE" sz="2200" spc="-1" strike="noStrike">
-              <a:solidFill>
-                <a:srgbClr val="000000"/>
-              </a:solidFill>
-              <a:uFill>
-                <a:solidFill>
-                  <a:srgbClr val="ffffff"/>
-                </a:solidFill>
-              </a:uFill>
-              <a:latin typeface="Arial"/>
-            </a:endParaRPr>
-          </a:p>
-        </p:txBody>
-      </p:sp>
-      <p:sp>
-        <p:nvSpPr>
-          <p:cNvPr id="9" name="PlaceHolder 2"/>
+            <a:pPr algn="ctr"/>
+            <a:endParaRPr b="0" lang="de-DE" sz="4400" spc="-1" strike="noStrike">
+              <a:solidFill>
+                <a:srgbClr val="000000"/>
+              </a:solidFill>
+              <a:uFill>
+                <a:solidFill>
+                  <a:srgbClr val="ffffff"/>
+                </a:solidFill>
+              </a:uFill>
+              <a:latin typeface="Arial"/>
+            </a:endParaRPr>
+          </a:p>
+        </p:txBody>
+      </p:sp>
+      <p:sp>
+        <p:nvSpPr>
+          <p:cNvPr id="7" name="PlaceHolder 2"/>
           <p:cNvSpPr>
             <a:spLocks noGrp="1"/>
           </p:cNvSpPr>
@@ -2567,8 +2588,8 @@
         </p:nvSpPr>
         <p:spPr>
           <a:xfrm>
-            <a:off x="318960" y="1762200"/>
-            <a:ext cx="8508600" cy="4699080"/>
+            <a:off x="457200" y="1604520"/>
+            <a:ext cx="8229240" cy="3977280"/>
           </a:xfrm>
           <a:prstGeom prst="rect">
             <a:avLst/>
@@ -2577,7 +2598,7 @@
         <p:txBody>
           <a:bodyPr lIns="0" rIns="0" tIns="0" bIns="0"/>
           <a:p>
-            <a:endParaRPr b="0" lang="de-DE" sz="1600" spc="-1" strike="noStrike">
+            <a:endParaRPr b="0" lang="de-DE" sz="3200" spc="-1" strike="noStrike">
               <a:solidFill>
                 <a:srgbClr val="000000"/>
               </a:solidFill>
@@ -2615,7 +2636,7 @@
       </p:grpSpPr>
       <p:sp>
         <p:nvSpPr>
-          <p:cNvPr id="10" name="PlaceHolder 1"/>
+          <p:cNvPr id="8" name="PlaceHolder 1"/>
           <p:cNvSpPr>
             <a:spLocks noGrp="1"/>
           </p:cNvSpPr>
@@ -2625,8 +2646,8 @@
         </p:nvSpPr>
         <p:spPr>
           <a:xfrm>
-            <a:off x="318960" y="994320"/>
-            <a:ext cx="8508600" cy="1145160"/>
+            <a:off x="457200" y="273600"/>
+            <a:ext cx="8229240" cy="1144800"/>
           </a:xfrm>
           <a:prstGeom prst="rect">
             <a:avLst/>
@@ -2635,23 +2656,24 @@
         <p:txBody>
           <a:bodyPr lIns="0" rIns="0" tIns="0" bIns="0" anchor="ctr"/>
           <a:p>
-            <a:endParaRPr b="0" lang="de-DE" sz="2200" spc="-1" strike="noStrike">
-              <a:solidFill>
-                <a:srgbClr val="000000"/>
-              </a:solidFill>
-              <a:uFill>
-                <a:solidFill>
-                  <a:srgbClr val="ffffff"/>
-                </a:solidFill>
-              </a:uFill>
-              <a:latin typeface="Arial"/>
-            </a:endParaRPr>
-          </a:p>
-        </p:txBody>
-      </p:sp>
-      <p:sp>
-        <p:nvSpPr>
-          <p:cNvPr id="11" name="PlaceHolder 2"/>
+            <a:pPr algn="ctr"/>
+            <a:endParaRPr b="0" lang="de-DE" sz="4400" spc="-1" strike="noStrike">
+              <a:solidFill>
+                <a:srgbClr val="000000"/>
+              </a:solidFill>
+              <a:uFill>
+                <a:solidFill>
+                  <a:srgbClr val="ffffff"/>
+                </a:solidFill>
+              </a:uFill>
+              <a:latin typeface="Arial"/>
+            </a:endParaRPr>
+          </a:p>
+        </p:txBody>
+      </p:sp>
+      <p:sp>
+        <p:nvSpPr>
+          <p:cNvPr id="9" name="PlaceHolder 2"/>
           <p:cNvSpPr>
             <a:spLocks noGrp="1"/>
           </p:cNvSpPr>
@@ -2661,8 +2683,8 @@
         </p:nvSpPr>
         <p:spPr>
           <a:xfrm>
-            <a:off x="318960" y="1762200"/>
-            <a:ext cx="4151880" cy="4699080"/>
+            <a:off x="457200" y="1604520"/>
+            <a:ext cx="4015800" cy="3977280"/>
           </a:xfrm>
           <a:prstGeom prst="rect">
             <a:avLst/>
@@ -2671,23 +2693,23 @@
         <p:txBody>
           <a:bodyPr lIns="0" rIns="0" tIns="0" bIns="0"/>
           <a:p>
-            <a:endParaRPr b="0" lang="de-DE" sz="1600" spc="-1" strike="noStrike">
-              <a:solidFill>
-                <a:srgbClr val="000000"/>
-              </a:solidFill>
-              <a:uFill>
-                <a:solidFill>
-                  <a:srgbClr val="ffffff"/>
-                </a:solidFill>
-              </a:uFill>
-              <a:latin typeface="Arial"/>
-            </a:endParaRPr>
-          </a:p>
-        </p:txBody>
-      </p:sp>
-      <p:sp>
-        <p:nvSpPr>
-          <p:cNvPr id="12" name="PlaceHolder 3"/>
+            <a:endParaRPr b="0" lang="de-DE" sz="3200" spc="-1" strike="noStrike">
+              <a:solidFill>
+                <a:srgbClr val="000000"/>
+              </a:solidFill>
+              <a:uFill>
+                <a:solidFill>
+                  <a:srgbClr val="ffffff"/>
+                </a:solidFill>
+              </a:uFill>
+              <a:latin typeface="Arial"/>
+            </a:endParaRPr>
+          </a:p>
+        </p:txBody>
+      </p:sp>
+      <p:sp>
+        <p:nvSpPr>
+          <p:cNvPr id="10" name="PlaceHolder 3"/>
           <p:cNvSpPr>
             <a:spLocks noGrp="1"/>
           </p:cNvSpPr>
@@ -2697,8 +2719,8 @@
         </p:nvSpPr>
         <p:spPr>
           <a:xfrm>
-            <a:off x="4678920" y="1762200"/>
-            <a:ext cx="4151880" cy="4699080"/>
+            <a:off x="4674240" y="1604520"/>
+            <a:ext cx="4015800" cy="3977280"/>
           </a:xfrm>
           <a:prstGeom prst="rect">
             <a:avLst/>
@@ -2707,7 +2729,7 @@
         <p:txBody>
           <a:bodyPr lIns="0" rIns="0" tIns="0" bIns="0"/>
           <a:p>
-            <a:endParaRPr b="0" lang="de-DE" sz="1600" spc="-1" strike="noStrike">
+            <a:endParaRPr b="0" lang="de-DE" sz="3200" spc="-1" strike="noStrike">
               <a:solidFill>
                 <a:srgbClr val="000000"/>
               </a:solidFill>
@@ -2745,7 +2767,7 @@
       </p:grpSpPr>
       <p:sp>
         <p:nvSpPr>
-          <p:cNvPr id="13" name="PlaceHolder 1"/>
+          <p:cNvPr id="11" name="PlaceHolder 1"/>
           <p:cNvSpPr>
             <a:spLocks noGrp="1"/>
           </p:cNvSpPr>
@@ -2755,8 +2777,8 @@
         </p:nvSpPr>
         <p:spPr>
           <a:xfrm>
-            <a:off x="318960" y="994320"/>
-            <a:ext cx="8508600" cy="1145160"/>
+            <a:off x="457200" y="273600"/>
+            <a:ext cx="8229240" cy="1144800"/>
           </a:xfrm>
           <a:prstGeom prst="rect">
             <a:avLst/>
@@ -2765,7 +2787,8 @@
         <p:txBody>
           <a:bodyPr lIns="0" rIns="0" tIns="0" bIns="0" anchor="ctr"/>
           <a:p>
-            <a:endParaRPr b="0" lang="de-DE" sz="2200" spc="-1" strike="noStrike">
+            <a:pPr algn="ctr"/>
+            <a:endParaRPr b="0" lang="de-DE" sz="4400" spc="-1" strike="noStrike">
               <a:solidFill>
                 <a:srgbClr val="000000"/>
               </a:solidFill>
@@ -2803,7 +2826,7 @@
       </p:grpSpPr>
       <p:sp>
         <p:nvSpPr>
-          <p:cNvPr id="14" name="PlaceHolder 1"/>
+          <p:cNvPr id="12" name="PlaceHolder 1"/>
           <p:cNvSpPr>
             <a:spLocks noGrp="1"/>
           </p:cNvSpPr>
@@ -2813,8 +2836,8 @@
         </p:nvSpPr>
         <p:spPr>
           <a:xfrm>
-            <a:off x="318960" y="994320"/>
-            <a:ext cx="8508600" cy="5309640"/>
+            <a:off x="457200" y="273600"/>
+            <a:ext cx="8229240" cy="5307840"/>
           </a:xfrm>
           <a:prstGeom prst="rect">
             <a:avLst/>
@@ -2862,7 +2885,7 @@
       </p:grpSpPr>
       <p:sp>
         <p:nvSpPr>
-          <p:cNvPr id="15" name="PlaceHolder 1"/>
+          <p:cNvPr id="13" name="PlaceHolder 1"/>
           <p:cNvSpPr>
             <a:spLocks noGrp="1"/>
           </p:cNvSpPr>
@@ -2872,8 +2895,8 @@
         </p:nvSpPr>
         <p:spPr>
           <a:xfrm>
-            <a:off x="318960" y="994320"/>
-            <a:ext cx="8508600" cy="1145160"/>
+            <a:off x="457200" y="273600"/>
+            <a:ext cx="8229240" cy="1144800"/>
           </a:xfrm>
           <a:prstGeom prst="rect">
             <a:avLst/>
@@ -2882,23 +2905,24 @@
         <p:txBody>
           <a:bodyPr lIns="0" rIns="0" tIns="0" bIns="0" anchor="ctr"/>
           <a:p>
-            <a:endParaRPr b="0" lang="de-DE" sz="2200" spc="-1" strike="noStrike">
-              <a:solidFill>
-                <a:srgbClr val="000000"/>
-              </a:solidFill>
-              <a:uFill>
-                <a:solidFill>
-                  <a:srgbClr val="ffffff"/>
-                </a:solidFill>
-              </a:uFill>
-              <a:latin typeface="Arial"/>
-            </a:endParaRPr>
-          </a:p>
-        </p:txBody>
-      </p:sp>
-      <p:sp>
-        <p:nvSpPr>
-          <p:cNvPr id="16" name="PlaceHolder 2"/>
+            <a:pPr algn="ctr"/>
+            <a:endParaRPr b="0" lang="de-DE" sz="4400" spc="-1" strike="noStrike">
+              <a:solidFill>
+                <a:srgbClr val="000000"/>
+              </a:solidFill>
+              <a:uFill>
+                <a:solidFill>
+                  <a:srgbClr val="ffffff"/>
+                </a:solidFill>
+              </a:uFill>
+              <a:latin typeface="Arial"/>
+            </a:endParaRPr>
+          </a:p>
+        </p:txBody>
+      </p:sp>
+      <p:sp>
+        <p:nvSpPr>
+          <p:cNvPr id="14" name="PlaceHolder 2"/>
           <p:cNvSpPr>
             <a:spLocks noGrp="1"/>
           </p:cNvSpPr>
@@ -2908,8 +2932,8 @@
         </p:nvSpPr>
         <p:spPr>
           <a:xfrm>
-            <a:off x="318960" y="1762200"/>
-            <a:ext cx="4151880" cy="2241360"/>
+            <a:off x="457200" y="1604520"/>
+            <a:ext cx="4015800" cy="1896840"/>
           </a:xfrm>
           <a:prstGeom prst="rect">
             <a:avLst/>
@@ -2918,23 +2942,23 @@
         <p:txBody>
           <a:bodyPr lIns="0" rIns="0" tIns="0" bIns="0"/>
           <a:p>
-            <a:endParaRPr b="0" lang="de-DE" sz="1600" spc="-1" strike="noStrike">
-              <a:solidFill>
-                <a:srgbClr val="000000"/>
-              </a:solidFill>
-              <a:uFill>
-                <a:solidFill>
-                  <a:srgbClr val="ffffff"/>
-                </a:solidFill>
-              </a:uFill>
-              <a:latin typeface="Arial"/>
-            </a:endParaRPr>
-          </a:p>
-        </p:txBody>
-      </p:sp>
-      <p:sp>
-        <p:nvSpPr>
-          <p:cNvPr id="17" name="PlaceHolder 3"/>
+            <a:endParaRPr b="0" lang="de-DE" sz="3200" spc="-1" strike="noStrike">
+              <a:solidFill>
+                <a:srgbClr val="000000"/>
+              </a:solidFill>
+              <a:uFill>
+                <a:solidFill>
+                  <a:srgbClr val="ffffff"/>
+                </a:solidFill>
+              </a:uFill>
+              <a:latin typeface="Arial"/>
+            </a:endParaRPr>
+          </a:p>
+        </p:txBody>
+      </p:sp>
+      <p:sp>
+        <p:nvSpPr>
+          <p:cNvPr id="15" name="PlaceHolder 3"/>
           <p:cNvSpPr>
             <a:spLocks noGrp="1"/>
           </p:cNvSpPr>
@@ -2944,8 +2968,8 @@
         </p:nvSpPr>
         <p:spPr>
           <a:xfrm>
-            <a:off x="318960" y="4217040"/>
-            <a:ext cx="4151880" cy="2241360"/>
+            <a:off x="457200" y="3682080"/>
+            <a:ext cx="4015800" cy="1896840"/>
           </a:xfrm>
           <a:prstGeom prst="rect">
             <a:avLst/>
@@ -2954,23 +2978,23 @@
         <p:txBody>
           <a:bodyPr lIns="0" rIns="0" tIns="0" bIns="0"/>
           <a:p>
-            <a:endParaRPr b="0" lang="de-DE" sz="1600" spc="-1" strike="noStrike">
-              <a:solidFill>
-                <a:srgbClr val="000000"/>
-              </a:solidFill>
-              <a:uFill>
-                <a:solidFill>
-                  <a:srgbClr val="ffffff"/>
-                </a:solidFill>
-              </a:uFill>
-              <a:latin typeface="Arial"/>
-            </a:endParaRPr>
-          </a:p>
-        </p:txBody>
-      </p:sp>
-      <p:sp>
-        <p:nvSpPr>
-          <p:cNvPr id="18" name="PlaceHolder 4"/>
+            <a:endParaRPr b="0" lang="de-DE" sz="3200" spc="-1" strike="noStrike">
+              <a:solidFill>
+                <a:srgbClr val="000000"/>
+              </a:solidFill>
+              <a:uFill>
+                <a:solidFill>
+                  <a:srgbClr val="ffffff"/>
+                </a:solidFill>
+              </a:uFill>
+              <a:latin typeface="Arial"/>
+            </a:endParaRPr>
+          </a:p>
+        </p:txBody>
+      </p:sp>
+      <p:sp>
+        <p:nvSpPr>
+          <p:cNvPr id="16" name="PlaceHolder 4"/>
           <p:cNvSpPr>
             <a:spLocks noGrp="1"/>
           </p:cNvSpPr>
@@ -2980,8 +3004,8 @@
         </p:nvSpPr>
         <p:spPr>
           <a:xfrm>
-            <a:off x="4678920" y="1762200"/>
-            <a:ext cx="4151880" cy="4699080"/>
+            <a:off x="4674240" y="1604520"/>
+            <a:ext cx="4015800" cy="3977280"/>
           </a:xfrm>
           <a:prstGeom prst="rect">
             <a:avLst/>
@@ -2990,7 +3014,7 @@
         <p:txBody>
           <a:bodyPr lIns="0" rIns="0" tIns="0" bIns="0"/>
           <a:p>
-            <a:endParaRPr b="0" lang="de-DE" sz="1600" spc="-1" strike="noStrike">
+            <a:endParaRPr b="0" lang="de-DE" sz="3200" spc="-1" strike="noStrike">
               <a:solidFill>
                 <a:srgbClr val="000000"/>
               </a:solidFill>
@@ -3028,7 +3052,7 @@
       </p:grpSpPr>
       <p:sp>
         <p:nvSpPr>
-          <p:cNvPr id="19" name="PlaceHolder 1"/>
+          <p:cNvPr id="17" name="PlaceHolder 1"/>
           <p:cNvSpPr>
             <a:spLocks noGrp="1"/>
           </p:cNvSpPr>
@@ -3038,8 +3062,8 @@
         </p:nvSpPr>
         <p:spPr>
           <a:xfrm>
-            <a:off x="318960" y="994320"/>
-            <a:ext cx="8508600" cy="1145160"/>
+            <a:off x="457200" y="273600"/>
+            <a:ext cx="8229240" cy="1144800"/>
           </a:xfrm>
           <a:prstGeom prst="rect">
             <a:avLst/>
@@ -3048,23 +3072,24 @@
         <p:txBody>
           <a:bodyPr lIns="0" rIns="0" tIns="0" bIns="0" anchor="ctr"/>
           <a:p>
-            <a:endParaRPr b="0" lang="de-DE" sz="2200" spc="-1" strike="noStrike">
-              <a:solidFill>
-                <a:srgbClr val="000000"/>
-              </a:solidFill>
-              <a:uFill>
-                <a:solidFill>
-                  <a:srgbClr val="ffffff"/>
-                </a:solidFill>
-              </a:uFill>
-              <a:latin typeface="Arial"/>
-            </a:endParaRPr>
-          </a:p>
-        </p:txBody>
-      </p:sp>
-      <p:sp>
-        <p:nvSpPr>
-          <p:cNvPr id="20" name="PlaceHolder 2"/>
+            <a:pPr algn="ctr"/>
+            <a:endParaRPr b="0" lang="de-DE" sz="4400" spc="-1" strike="noStrike">
+              <a:solidFill>
+                <a:srgbClr val="000000"/>
+              </a:solidFill>
+              <a:uFill>
+                <a:solidFill>
+                  <a:srgbClr val="ffffff"/>
+                </a:solidFill>
+              </a:uFill>
+              <a:latin typeface="Arial"/>
+            </a:endParaRPr>
+          </a:p>
+        </p:txBody>
+      </p:sp>
+      <p:sp>
+        <p:nvSpPr>
+          <p:cNvPr id="18" name="PlaceHolder 2"/>
           <p:cNvSpPr>
             <a:spLocks noGrp="1"/>
           </p:cNvSpPr>
@@ -3074,8 +3099,8 @@
         </p:nvSpPr>
         <p:spPr>
           <a:xfrm>
-            <a:off x="318960" y="1762200"/>
-            <a:ext cx="4151880" cy="4699080"/>
+            <a:off x="457200" y="1604520"/>
+            <a:ext cx="4015800" cy="3977280"/>
           </a:xfrm>
           <a:prstGeom prst="rect">
             <a:avLst/>
@@ -3084,23 +3109,23 @@
         <p:txBody>
           <a:bodyPr lIns="0" rIns="0" tIns="0" bIns="0"/>
           <a:p>
-            <a:endParaRPr b="0" lang="de-DE" sz="1600" spc="-1" strike="noStrike">
-              <a:solidFill>
-                <a:srgbClr val="000000"/>
-              </a:solidFill>
-              <a:uFill>
-                <a:solidFill>
-                  <a:srgbClr val="ffffff"/>
-                </a:solidFill>
-              </a:uFill>
-              <a:latin typeface="Arial"/>
-            </a:endParaRPr>
-          </a:p>
-        </p:txBody>
-      </p:sp>
-      <p:sp>
-        <p:nvSpPr>
-          <p:cNvPr id="21" name="PlaceHolder 3"/>
+            <a:endParaRPr b="0" lang="de-DE" sz="3200" spc="-1" strike="noStrike">
+              <a:solidFill>
+                <a:srgbClr val="000000"/>
+              </a:solidFill>
+              <a:uFill>
+                <a:solidFill>
+                  <a:srgbClr val="ffffff"/>
+                </a:solidFill>
+              </a:uFill>
+              <a:latin typeface="Arial"/>
+            </a:endParaRPr>
+          </a:p>
+        </p:txBody>
+      </p:sp>
+      <p:sp>
+        <p:nvSpPr>
+          <p:cNvPr id="19" name="PlaceHolder 3"/>
           <p:cNvSpPr>
             <a:spLocks noGrp="1"/>
           </p:cNvSpPr>
@@ -3110,8 +3135,8 @@
         </p:nvSpPr>
         <p:spPr>
           <a:xfrm>
-            <a:off x="4678920" y="1762200"/>
-            <a:ext cx="4151880" cy="2241360"/>
+            <a:off x="4674240" y="1604520"/>
+            <a:ext cx="4015800" cy="1896840"/>
           </a:xfrm>
           <a:prstGeom prst="rect">
             <a:avLst/>
@@ -3120,23 +3145,23 @@
         <p:txBody>
           <a:bodyPr lIns="0" rIns="0" tIns="0" bIns="0"/>
           <a:p>
-            <a:endParaRPr b="0" lang="de-DE" sz="1600" spc="-1" strike="noStrike">
-              <a:solidFill>
-                <a:srgbClr val="000000"/>
-              </a:solidFill>
-              <a:uFill>
-                <a:solidFill>
-                  <a:srgbClr val="ffffff"/>
-                </a:solidFill>
-              </a:uFill>
-              <a:latin typeface="Arial"/>
-            </a:endParaRPr>
-          </a:p>
-        </p:txBody>
-      </p:sp>
-      <p:sp>
-        <p:nvSpPr>
-          <p:cNvPr id="22" name="PlaceHolder 4"/>
+            <a:endParaRPr b="0" lang="de-DE" sz="3200" spc="-1" strike="noStrike">
+              <a:solidFill>
+                <a:srgbClr val="000000"/>
+              </a:solidFill>
+              <a:uFill>
+                <a:solidFill>
+                  <a:srgbClr val="ffffff"/>
+                </a:solidFill>
+              </a:uFill>
+              <a:latin typeface="Arial"/>
+            </a:endParaRPr>
+          </a:p>
+        </p:txBody>
+      </p:sp>
+      <p:sp>
+        <p:nvSpPr>
+          <p:cNvPr id="20" name="PlaceHolder 4"/>
           <p:cNvSpPr>
             <a:spLocks noGrp="1"/>
           </p:cNvSpPr>
@@ -3146,8 +3171,8 @@
         </p:nvSpPr>
         <p:spPr>
           <a:xfrm>
-            <a:off x="4678920" y="4217040"/>
-            <a:ext cx="4151880" cy="2241360"/>
+            <a:off x="4674240" y="3682080"/>
+            <a:ext cx="4015800" cy="1896840"/>
           </a:xfrm>
           <a:prstGeom prst="rect">
             <a:avLst/>
@@ -3156,7 +3181,7 @@
         <p:txBody>
           <a:bodyPr lIns="0" rIns="0" tIns="0" bIns="0"/>
           <a:p>
-            <a:endParaRPr b="0" lang="de-DE" sz="1600" spc="-1" strike="noStrike">
+            <a:endParaRPr b="0" lang="de-DE" sz="3200" spc="-1" strike="noStrike">
               <a:solidFill>
                 <a:srgbClr val="000000"/>
               </a:solidFill>
@@ -3194,7 +3219,7 @@
       </p:grpSpPr>
       <p:sp>
         <p:nvSpPr>
-          <p:cNvPr id="23" name="PlaceHolder 1"/>
+          <p:cNvPr id="21" name="PlaceHolder 1"/>
           <p:cNvSpPr>
             <a:spLocks noGrp="1"/>
           </p:cNvSpPr>
@@ -3204,8 +3229,8 @@
         </p:nvSpPr>
         <p:spPr>
           <a:xfrm>
-            <a:off x="318960" y="994320"/>
-            <a:ext cx="8508600" cy="1145160"/>
+            <a:off x="457200" y="273600"/>
+            <a:ext cx="8229240" cy="1144800"/>
           </a:xfrm>
           <a:prstGeom prst="rect">
             <a:avLst/>
@@ -3214,23 +3239,24 @@
         <p:txBody>
           <a:bodyPr lIns="0" rIns="0" tIns="0" bIns="0" anchor="ctr"/>
           <a:p>
-            <a:endParaRPr b="0" lang="de-DE" sz="2200" spc="-1" strike="noStrike">
-              <a:solidFill>
-                <a:srgbClr val="000000"/>
-              </a:solidFill>
-              <a:uFill>
-                <a:solidFill>
-                  <a:srgbClr val="ffffff"/>
-                </a:solidFill>
-              </a:uFill>
-              <a:latin typeface="Arial"/>
-            </a:endParaRPr>
-          </a:p>
-        </p:txBody>
-      </p:sp>
-      <p:sp>
-        <p:nvSpPr>
-          <p:cNvPr id="24" name="PlaceHolder 2"/>
+            <a:pPr algn="ctr"/>
+            <a:endParaRPr b="0" lang="de-DE" sz="4400" spc="-1" strike="noStrike">
+              <a:solidFill>
+                <a:srgbClr val="000000"/>
+              </a:solidFill>
+              <a:uFill>
+                <a:solidFill>
+                  <a:srgbClr val="ffffff"/>
+                </a:solidFill>
+              </a:uFill>
+              <a:latin typeface="Arial"/>
+            </a:endParaRPr>
+          </a:p>
+        </p:txBody>
+      </p:sp>
+      <p:sp>
+        <p:nvSpPr>
+          <p:cNvPr id="22" name="PlaceHolder 2"/>
           <p:cNvSpPr>
             <a:spLocks noGrp="1"/>
           </p:cNvSpPr>
@@ -3240,8 +3266,8 @@
         </p:nvSpPr>
         <p:spPr>
           <a:xfrm>
-            <a:off x="318960" y="1762200"/>
-            <a:ext cx="4151880" cy="2241360"/>
+            <a:off x="457200" y="1604520"/>
+            <a:ext cx="4015800" cy="1896840"/>
           </a:xfrm>
           <a:prstGeom prst="rect">
             <a:avLst/>
@@ -3250,23 +3276,23 @@
         <p:txBody>
           <a:bodyPr lIns="0" rIns="0" tIns="0" bIns="0"/>
           <a:p>
-            <a:endParaRPr b="0" lang="de-DE" sz="1600" spc="-1" strike="noStrike">
-              <a:solidFill>
-                <a:srgbClr val="000000"/>
-              </a:solidFill>
-              <a:uFill>
-                <a:solidFill>
-                  <a:srgbClr val="ffffff"/>
-                </a:solidFill>
-              </a:uFill>
-              <a:latin typeface="Arial"/>
-            </a:endParaRPr>
-          </a:p>
-        </p:txBody>
-      </p:sp>
-      <p:sp>
-        <p:nvSpPr>
-          <p:cNvPr id="25" name="PlaceHolder 3"/>
+            <a:endParaRPr b="0" lang="de-DE" sz="3200" spc="-1" strike="noStrike">
+              <a:solidFill>
+                <a:srgbClr val="000000"/>
+              </a:solidFill>
+              <a:uFill>
+                <a:solidFill>
+                  <a:srgbClr val="ffffff"/>
+                </a:solidFill>
+              </a:uFill>
+              <a:latin typeface="Arial"/>
+            </a:endParaRPr>
+          </a:p>
+        </p:txBody>
+      </p:sp>
+      <p:sp>
+        <p:nvSpPr>
+          <p:cNvPr id="23" name="PlaceHolder 3"/>
           <p:cNvSpPr>
             <a:spLocks noGrp="1"/>
           </p:cNvSpPr>
@@ -3276,8 +3302,8 @@
         </p:nvSpPr>
         <p:spPr>
           <a:xfrm>
-            <a:off x="4678920" y="1762200"/>
-            <a:ext cx="4151880" cy="2241360"/>
+            <a:off x="4674240" y="1604520"/>
+            <a:ext cx="4015800" cy="1896840"/>
           </a:xfrm>
           <a:prstGeom prst="rect">
             <a:avLst/>
@@ -3286,23 +3312,23 @@
         <p:txBody>
           <a:bodyPr lIns="0" rIns="0" tIns="0" bIns="0"/>
           <a:p>
-            <a:endParaRPr b="0" lang="de-DE" sz="1600" spc="-1" strike="noStrike">
-              <a:solidFill>
-                <a:srgbClr val="000000"/>
-              </a:solidFill>
-              <a:uFill>
-                <a:solidFill>
-                  <a:srgbClr val="ffffff"/>
-                </a:solidFill>
-              </a:uFill>
-              <a:latin typeface="Arial"/>
-            </a:endParaRPr>
-          </a:p>
-        </p:txBody>
-      </p:sp>
-      <p:sp>
-        <p:nvSpPr>
-          <p:cNvPr id="26" name="PlaceHolder 4"/>
+            <a:endParaRPr b="0" lang="de-DE" sz="3200" spc="-1" strike="noStrike">
+              <a:solidFill>
+                <a:srgbClr val="000000"/>
+              </a:solidFill>
+              <a:uFill>
+                <a:solidFill>
+                  <a:srgbClr val="ffffff"/>
+                </a:solidFill>
+              </a:uFill>
+              <a:latin typeface="Arial"/>
+            </a:endParaRPr>
+          </a:p>
+        </p:txBody>
+      </p:sp>
+      <p:sp>
+        <p:nvSpPr>
+          <p:cNvPr id="24" name="PlaceHolder 4"/>
           <p:cNvSpPr>
             <a:spLocks noGrp="1"/>
           </p:cNvSpPr>
@@ -3312,8 +3338,8 @@
         </p:nvSpPr>
         <p:spPr>
           <a:xfrm>
-            <a:off x="318960" y="4217040"/>
-            <a:ext cx="8508600" cy="2241360"/>
+            <a:off x="457200" y="3682080"/>
+            <a:ext cx="8229240" cy="1896840"/>
           </a:xfrm>
           <a:prstGeom prst="rect">
             <a:avLst/>
@@ -3322,7 +3348,7 @@
         <p:txBody>
           <a:bodyPr lIns="0" rIns="0" tIns="0" bIns="0"/>
           <a:p>
-            <a:endParaRPr b="0" lang="de-DE" sz="1600" spc="-1" strike="noStrike">
+            <a:endParaRPr b="0" lang="de-DE" sz="3200" spc="-1" strike="noStrike">
               <a:solidFill>
                 <a:srgbClr val="000000"/>
               </a:solidFill>
@@ -3378,7 +3404,7 @@
         <p:spPr>
           <a:xfrm>
             <a:off x="8218440" y="324720"/>
-            <a:ext cx="608040" cy="320040"/>
+            <a:ext cx="607680" cy="319680"/>
           </a:xfrm>
           <a:prstGeom prst="rect">
             <a:avLst/>
@@ -3390,7 +3416,72 @@
       </p:pic>
       <p:sp>
         <p:nvSpPr>
-          <p:cNvPr id="1" name="PlaceHolder 1"/>
+          <p:cNvPr id="1" name="CustomShape 1"/>
+          <p:cNvSpPr/>
+          <p:nvPr/>
+        </p:nvSpPr>
+        <p:spPr>
+          <a:xfrm>
+            <a:off x="8347680" y="6408360"/>
+            <a:ext cx="574560" cy="357840"/>
+          </a:xfrm>
+          <a:prstGeom prst="rect">
+            <a:avLst/>
+          </a:prstGeom>
+          <a:solidFill>
+            <a:srgbClr val="ffffff"/>
+          </a:solidFill>
+          <a:ln w="9360">
+            <a:noFill/>
+          </a:ln>
+        </p:spPr>
+        <p:style>
+          <a:lnRef idx="0"/>
+          <a:fillRef idx="0"/>
+          <a:effectRef idx="0"/>
+          <a:fontRef idx="minor"/>
+        </p:style>
+      </p:sp>
+      <p:sp>
+        <p:nvSpPr>
+          <p:cNvPr id="2" name="PlaceHolder 2"/>
+          <p:cNvSpPr>
+            <a:spLocks noGrp="1"/>
+          </p:cNvSpPr>
+          <p:nvPr>
+            <p:ph type="title"/>
+          </p:nvPr>
+        </p:nvSpPr>
+        <p:spPr>
+          <a:xfrm>
+            <a:off x="318960" y="994320"/>
+            <a:ext cx="8508240" cy="1144800"/>
+          </a:xfrm>
+          <a:prstGeom prst="rect">
+            <a:avLst/>
+          </a:prstGeom>
+        </p:spPr>
+        <p:txBody>
+          <a:bodyPr lIns="0" rIns="0" tIns="0" bIns="0" anchor="ctr"/>
+          <a:p>
+            <a:pPr algn="ctr"/>
+            <a:endParaRPr b="0" lang="de-DE" sz="4400" spc="-1" strike="noStrike">
+              <a:solidFill>
+                <a:srgbClr val="000000"/>
+              </a:solidFill>
+              <a:uFill>
+                <a:solidFill>
+                  <a:srgbClr val="ffffff"/>
+                </a:solidFill>
+              </a:uFill>
+              <a:latin typeface="Arial"/>
+            </a:endParaRPr>
+          </a:p>
+        </p:txBody>
+      </p:sp>
+      <p:sp>
+        <p:nvSpPr>
+          <p:cNvPr id="3" name="PlaceHolder 3"/>
           <p:cNvSpPr>
             <a:spLocks noGrp="1"/>
           </p:cNvSpPr>
@@ -3400,8 +3491,8 @@
         </p:nvSpPr>
         <p:spPr>
           <a:xfrm>
-            <a:off x="318960" y="1978560"/>
-            <a:ext cx="8508600" cy="1273680"/>
+            <a:off x="457200" y="1604520"/>
+            <a:ext cx="8229240" cy="3977280"/>
           </a:xfrm>
           <a:prstGeom prst="rect">
             <a:avLst/>
@@ -3419,7 +3510,7 @@
               <a:buChar char=""/>
             </a:pPr>
             <a:r>
-              <a:rPr b="0" lang="de-DE" sz="1600" spc="-1" strike="noStrike">
+              <a:rPr b="0" lang="de-DE" sz="3200" spc="-1" strike="noStrike">
                 <a:solidFill>
                   <a:srgbClr val="000000"/>
                 </a:solidFill>
@@ -3432,7 +3523,7 @@
               </a:rPr>
               <a:t>Click to edit the outline text format</a:t>
             </a:r>
-            <a:endParaRPr b="0" lang="de-DE" sz="1600" spc="-1" strike="noStrike">
+            <a:endParaRPr b="0" lang="de-DE" sz="3200" spc="-1" strike="noStrike">
               <a:solidFill>
                 <a:srgbClr val="000000"/>
               </a:solidFill>
@@ -3454,7 +3545,7 @@
               <a:buChar char=""/>
             </a:pPr>
             <a:r>
-              <a:rPr b="0" lang="de-DE" sz="1600" spc="-1" strike="noStrike">
+              <a:rPr b="0" lang="de-DE" sz="2800" spc="-1" strike="noStrike">
                 <a:solidFill>
                   <a:srgbClr val="000000"/>
                 </a:solidFill>
@@ -3467,7 +3558,7 @@
               </a:rPr>
               <a:t>Second Outline Level</a:t>
             </a:r>
-            <a:endParaRPr b="0" lang="de-DE" sz="1400" spc="-1" strike="noStrike">
+            <a:endParaRPr b="0" lang="de-DE" sz="2800" spc="-1" strike="noStrike">
               <a:solidFill>
                 <a:srgbClr val="000000"/>
               </a:solidFill>
@@ -3489,7 +3580,7 @@
               <a:buChar char=""/>
             </a:pPr>
             <a:r>
-              <a:rPr b="0" lang="de-DE" sz="1600" spc="-1" strike="noStrike">
+              <a:rPr b="0" lang="de-DE" sz="2400" spc="-1" strike="noStrike">
                 <a:solidFill>
                   <a:srgbClr val="000000"/>
                 </a:solidFill>
@@ -3502,7 +3593,7 @@
               </a:rPr>
               <a:t>Third Outline Level</a:t>
             </a:r>
-            <a:endParaRPr b="0" lang="de-DE" sz="1400" spc="-1" strike="noStrike">
+            <a:endParaRPr b="0" lang="de-DE" sz="2400" spc="-1" strike="noStrike">
               <a:solidFill>
                 <a:srgbClr val="000000"/>
               </a:solidFill>
@@ -3524,7 +3615,7 @@
               <a:buChar char=""/>
             </a:pPr>
             <a:r>
-              <a:rPr b="0" lang="de-DE" sz="1600" spc="-1" strike="noStrike">
+              <a:rPr b="0" lang="de-DE" sz="2000" spc="-1" strike="noStrike">
                 <a:solidFill>
                   <a:srgbClr val="000000"/>
                 </a:solidFill>
@@ -3537,7 +3628,7 @@
               </a:rPr>
               <a:t>Fourth Outline Level</a:t>
             </a:r>
-            <a:endParaRPr b="0" lang="de-DE" sz="1400" spc="-1" strike="noStrike">
+            <a:endParaRPr b="0" lang="de-DE" sz="2000" spc="-1" strike="noStrike">
               <a:solidFill>
                 <a:srgbClr val="000000"/>
               </a:solidFill>
@@ -3559,7 +3650,7 @@
               <a:buChar char=""/>
             </a:pPr>
             <a:r>
-              <a:rPr b="0" lang="de-DE" sz="1600" spc="-1" strike="noStrike">
+              <a:rPr b="0" lang="de-DE" sz="2000" spc="-1" strike="noStrike">
                 <a:solidFill>
                   <a:srgbClr val="000000"/>
                 </a:solidFill>
@@ -3594,7 +3685,7 @@
               <a:buChar char=""/>
             </a:pPr>
             <a:r>
-              <a:rPr b="0" lang="de-DE" sz="1600" spc="-1" strike="noStrike">
+              <a:rPr b="0" lang="de-DE" sz="2000" spc="-1" strike="noStrike">
                 <a:solidFill>
                   <a:srgbClr val="000000"/>
                 </a:solidFill>
@@ -3629,7 +3720,7 @@
               <a:buChar char=""/>
             </a:pPr>
             <a:r>
-              <a:rPr b="0" lang="de-DE" sz="1600" spc="-1" strike="noStrike">
+              <a:rPr b="0" lang="de-DE" sz="2000" spc="-1" strike="noStrike">
                 <a:solidFill>
                   <a:srgbClr val="000000"/>
                 </a:solidFill>
@@ -3640,273 +3731,9 @@
                 </a:uFill>
                 <a:latin typeface="Arial"/>
               </a:rPr>
-              <a:t>Seventh Outline LevelReferent</a:t>
-            </a:r>
-            <a:r>
-              <a:rPr b="0" lang="de-DE" sz="1600" spc="-1" strike="noStrike">
-                <a:solidFill>
-                  <a:srgbClr val="000000"/>
-                </a:solidFill>
-                <a:uFill>
-                  <a:solidFill>
-                    <a:srgbClr val="ffffff"/>
-                  </a:solidFill>
-                </a:uFill>
-                <a:latin typeface="Arial"/>
-              </a:rPr>
-              <a:t>
-</a:t>
-            </a:r>
-            <a:r>
-              <a:rPr b="0" lang="de-DE" sz="1600" spc="-1" strike="noStrike">
-                <a:solidFill>
-                  <a:srgbClr val="000000"/>
-                </a:solidFill>
-                <a:uFill>
-                  <a:solidFill>
-                    <a:srgbClr val="ffffff"/>
-                  </a:solidFill>
-                </a:uFill>
-                <a:latin typeface="Arial"/>
-              </a:rPr>
-              <a:t>Ort, Datum (Schreibweise: 00. Januar 2015)</a:t>
+              <a:t>Seventh Outline Level</a:t>
             </a:r>
             <a:endParaRPr b="0" lang="de-DE" sz="2000" spc="-1" strike="noStrike">
-              <a:solidFill>
-                <a:srgbClr val="000000"/>
-              </a:solidFill>
-              <a:uFill>
-                <a:solidFill>
-                  <a:srgbClr val="ffffff"/>
-                </a:solidFill>
-              </a:uFill>
-              <a:latin typeface="Arial"/>
-            </a:endParaRPr>
-          </a:p>
-        </p:txBody>
-      </p:sp>
-      <p:sp>
-        <p:nvSpPr>
-          <p:cNvPr id="2" name="CustomShape 2"/>
-          <p:cNvSpPr/>
-          <p:nvPr/>
-        </p:nvSpPr>
-        <p:spPr>
-          <a:xfrm>
-            <a:off x="8347680" y="6408360"/>
-            <a:ext cx="574920" cy="358200"/>
-          </a:xfrm>
-          <a:prstGeom prst="rect">
-            <a:avLst/>
-          </a:prstGeom>
-          <a:solidFill>
-            <a:srgbClr val="ffffff"/>
-          </a:solidFill>
-          <a:ln w="9360">
-            <a:noFill/>
-          </a:ln>
-        </p:spPr>
-        <p:style>
-          <a:lnRef idx="0"/>
-          <a:fillRef idx="0"/>
-          <a:effectRef idx="0"/>
-          <a:fontRef idx="minor"/>
-        </p:style>
-      </p:sp>
-      <p:sp>
-        <p:nvSpPr>
-          <p:cNvPr id="3" name="PlaceHolder 3"/>
-          <p:cNvSpPr>
-            <a:spLocks noGrp="1"/>
-          </p:cNvSpPr>
-          <p:nvPr>
-            <p:ph type="sldNum"/>
-          </p:nvPr>
-        </p:nvSpPr>
-        <p:spPr>
-          <a:xfrm>
-            <a:off x="6774840" y="6473160"/>
-            <a:ext cx="2051640" cy="364680"/>
-          </a:xfrm>
-          <a:prstGeom prst="rect">
-            <a:avLst/>
-          </a:prstGeom>
-        </p:spPr>
-        <p:txBody>
-          <a:bodyPr lIns="0" rIns="0" anchor="ctr"/>
-          <a:p>
-            <a:pPr algn="r">
-              <a:lnSpc>
-                <a:spcPct val="100000"/>
-              </a:lnSpc>
-            </a:pPr>
-            <a:fld id="{72A4D8BE-64BC-47BF-8550-F728EAF6A088}" type="slidenum">
-              <a:rPr b="0" lang="de-DE" sz="1200" spc="-1" strike="noStrike">
-                <a:solidFill>
-                  <a:srgbClr val="000000"/>
-                </a:solidFill>
-                <a:uFill>
-                  <a:solidFill>
-                    <a:srgbClr val="ffffff"/>
-                  </a:solidFill>
-                </a:uFill>
-                <a:latin typeface="Arial"/>
-              </a:rPr>
-              <a:t>&lt;number&gt;</a:t>
-            </a:fld>
-            <a:endParaRPr b="0" lang="de-DE" sz="1200" spc="-1" strike="noStrike">
-              <a:solidFill>
-                <a:srgbClr val="000000"/>
-              </a:solidFill>
-              <a:uFill>
-                <a:solidFill>
-                  <a:srgbClr val="ffffff"/>
-                </a:solidFill>
-              </a:uFill>
-              <a:latin typeface="Times New Roman"/>
-            </a:endParaRPr>
-          </a:p>
-        </p:txBody>
-      </p:sp>
-      <p:sp>
-        <p:nvSpPr>
-          <p:cNvPr id="4" name="PlaceHolder 4"/>
-          <p:cNvSpPr>
-            <a:spLocks noGrp="1"/>
-          </p:cNvSpPr>
-          <p:nvPr>
-            <p:ph type="ftr"/>
-          </p:nvPr>
-        </p:nvSpPr>
-        <p:spPr>
-          <a:xfrm>
-            <a:off x="311040" y="6473160"/>
-            <a:ext cx="7829280" cy="384480"/>
-          </a:xfrm>
-          <a:prstGeom prst="rect">
-            <a:avLst/>
-          </a:prstGeom>
-        </p:spPr>
-        <p:txBody>
-          <a:bodyPr lIns="0" rIns="0" anchor="ctr"/>
-          <a:p>
-            <a:pPr>
-              <a:lnSpc>
-                <a:spcPct val="100000"/>
-              </a:lnSpc>
-            </a:pPr>
-            <a:r>
-              <a:rPr b="0" lang="de-DE" sz="1200" spc="-1" strike="noStrike">
-                <a:solidFill>
-                  <a:srgbClr val="000000"/>
-                </a:solidFill>
-                <a:uFill>
-                  <a:solidFill>
-                    <a:srgbClr val="ffffff"/>
-                  </a:solidFill>
-                </a:uFill>
-                <a:latin typeface="Arial"/>
-              </a:rPr>
-              <a:t>Dr. rer. nat. Erika Mustermann </a:t>
-            </a:r>
-            <a:r>
-              <a:rPr b="0" lang="de-DE" sz="1200" spc="-1" strike="noStrike">
-                <a:solidFill>
-                  <a:srgbClr val="000000"/>
-                </a:solidFill>
-                <a:uFill>
-                  <a:solidFill>
-                    <a:srgbClr val="ffffff"/>
-                  </a:solidFill>
-                </a:uFill>
-                <a:latin typeface="Arial"/>
-              </a:rPr>
-              <a:t>(TUM) | kann beliebig </a:t>
-            </a:r>
-            <a:r>
-              <a:rPr b="0" lang="de-DE" sz="1200" spc="-1" strike="noStrike">
-                <a:solidFill>
-                  <a:srgbClr val="000000"/>
-                </a:solidFill>
-                <a:uFill>
-                  <a:solidFill>
-                    <a:srgbClr val="ffffff"/>
-                  </a:solidFill>
-                </a:uFill>
-                <a:latin typeface="Arial"/>
-              </a:rPr>
-              <a:t>erweitert werden | Infos mit </a:t>
-            </a:r>
-            <a:r>
-              <a:rPr b="0" lang="de-DE" sz="1200" spc="-1" strike="noStrike">
-                <a:solidFill>
-                  <a:srgbClr val="000000"/>
-                </a:solidFill>
-                <a:uFill>
-                  <a:solidFill>
-                    <a:srgbClr val="ffffff"/>
-                  </a:solidFill>
-                </a:uFill>
-                <a:latin typeface="Arial"/>
-              </a:rPr>
-              <a:t>Strich trennen</a:t>
-            </a:r>
-            <a:endParaRPr b="0" lang="de-DE" sz="1200" spc="-1" strike="noStrike">
-              <a:solidFill>
-                <a:srgbClr val="000000"/>
-              </a:solidFill>
-              <a:uFill>
-                <a:solidFill>
-                  <a:srgbClr val="ffffff"/>
-                </a:solidFill>
-              </a:uFill>
-              <a:latin typeface="Times New Roman"/>
-            </a:endParaRPr>
-          </a:p>
-        </p:txBody>
-      </p:sp>
-      <p:sp>
-        <p:nvSpPr>
-          <p:cNvPr id="5" name="PlaceHolder 5"/>
-          <p:cNvSpPr>
-            <a:spLocks noGrp="1"/>
-          </p:cNvSpPr>
-          <p:nvPr>
-            <p:ph type="title"/>
-          </p:nvPr>
-        </p:nvSpPr>
-        <p:spPr>
-          <a:xfrm>
-            <a:off x="318960" y="994320"/>
-            <a:ext cx="8508600" cy="1145160"/>
-          </a:xfrm>
-          <a:prstGeom prst="rect">
-            <a:avLst/>
-          </a:prstGeom>
-        </p:spPr>
-        <p:txBody>
-          <a:bodyPr lIns="0" rIns="0" tIns="0" bIns="0"/>
-          <a:p>
-            <a:pPr>
-              <a:lnSpc>
-                <a:spcPct val="100000"/>
-              </a:lnSpc>
-            </a:pPr>
-            <a:r>
-              <a:rPr b="0" lang="de-DE" sz="3000" spc="-1" strike="noStrike">
-                <a:solidFill>
-                  <a:srgbClr val="000000"/>
-                </a:solidFill>
-                <a:uFill>
-                  <a:solidFill>
-                    <a:srgbClr val="ffffff"/>
-                  </a:solidFill>
-                </a:uFill>
-                <a:latin typeface="Arial"/>
-              </a:rPr>
-              <a:t>Titel durch Klicken bearbeiten</a:t>
-            </a:r>
-            <a:endParaRPr b="0" lang="de-DE" sz="2200" spc="-1" strike="noStrike">
               <a:solidFill>
                 <a:srgbClr val="000000"/>
               </a:solidFill>
@@ -3966,7 +3793,7 @@
       </p:grpSpPr>
       <p:pic>
         <p:nvPicPr>
-          <p:cNvPr id="40" name="Bild 2" descr=""/>
+          <p:cNvPr id="38" name="Bild 2" descr=""/>
           <p:cNvPicPr/>
           <p:nvPr/>
         </p:nvPicPr>
@@ -3977,7 +3804,7 @@
         <p:spPr>
           <a:xfrm>
             <a:off x="8218440" y="324720"/>
-            <a:ext cx="608040" cy="320040"/>
+            <a:ext cx="607680" cy="319680"/>
           </a:xfrm>
           <a:prstGeom prst="rect">
             <a:avLst/>
@@ -3989,7 +3816,58 @@
       </p:pic>
       <p:sp>
         <p:nvSpPr>
-          <p:cNvPr id="41" name="PlaceHolder 1"/>
+          <p:cNvPr id="39" name="PlaceHolder 1"/>
+          <p:cNvSpPr>
+            <a:spLocks noGrp="1"/>
+          </p:cNvSpPr>
+          <p:nvPr>
+            <p:ph type="title"/>
+          </p:nvPr>
+        </p:nvSpPr>
+        <p:spPr>
+          <a:xfrm>
+            <a:off x="457200" y="273600"/>
+            <a:ext cx="8229240" cy="1144800"/>
+          </a:xfrm>
+          <a:prstGeom prst="rect">
+            <a:avLst/>
+          </a:prstGeom>
+        </p:spPr>
+        <p:txBody>
+          <a:bodyPr lIns="0" rIns="0" tIns="0" bIns="0" anchor="ctr"/>
+          <a:p>
+            <a:pPr algn="ctr"/>
+            <a:r>
+              <a:rPr b="0" lang="de-DE" sz="4400" spc="-1" strike="noStrike">
+                <a:solidFill>
+                  <a:srgbClr val="000000"/>
+                </a:solidFill>
+                <a:uFill>
+                  <a:solidFill>
+                    <a:srgbClr val="ffffff"/>
+                  </a:solidFill>
+                </a:uFill>
+                <a:latin typeface="Arial"/>
+              </a:rPr>
+              <a:t>Click to edit the title text format</a:t>
+            </a:r>
+            <a:endParaRPr b="0" lang="de-DE" sz="4400" spc="-1" strike="noStrike">
+              <a:solidFill>
+                <a:srgbClr val="000000"/>
+              </a:solidFill>
+              <a:uFill>
+                <a:solidFill>
+                  <a:srgbClr val="ffffff"/>
+                </a:solidFill>
+              </a:uFill>
+              <a:latin typeface="Arial"/>
+            </a:endParaRPr>
+          </a:p>
+        </p:txBody>
+      </p:sp>
+      <p:sp>
+        <p:nvSpPr>
+          <p:cNvPr id="40" name="PlaceHolder 2"/>
           <p:cNvSpPr>
             <a:spLocks noGrp="1"/>
           </p:cNvSpPr>
@@ -3999,8 +3877,8 @@
         </p:nvSpPr>
         <p:spPr>
           <a:xfrm>
-            <a:off x="318960" y="1762200"/>
-            <a:ext cx="8508600" cy="4699080"/>
+            <a:off x="457200" y="1604520"/>
+            <a:ext cx="8229240" cy="3977280"/>
           </a:xfrm>
           <a:prstGeom prst="rect">
             <a:avLst/>
@@ -4018,7 +3896,7 @@
               <a:buChar char=""/>
             </a:pPr>
             <a:r>
-              <a:rPr b="0" lang="de-DE" sz="1600" spc="-1" strike="noStrike">
+              <a:rPr b="0" lang="de-DE" sz="3200" spc="-1" strike="noStrike">
                 <a:solidFill>
                   <a:srgbClr val="000000"/>
                 </a:solidFill>
@@ -4031,7 +3909,7 @@
               </a:rPr>
               <a:t>Click to edit the outline text format</a:t>
             </a:r>
-            <a:endParaRPr b="0" lang="de-DE" sz="1600" spc="-1" strike="noStrike">
+            <a:endParaRPr b="0" lang="de-DE" sz="3200" spc="-1" strike="noStrike">
               <a:solidFill>
                 <a:srgbClr val="000000"/>
               </a:solidFill>
@@ -4053,7 +3931,7 @@
               <a:buChar char=""/>
             </a:pPr>
             <a:r>
-              <a:rPr b="0" lang="de-DE" sz="1600" spc="-1" strike="noStrike">
+              <a:rPr b="0" lang="de-DE" sz="2800" spc="-1" strike="noStrike">
                 <a:solidFill>
                   <a:srgbClr val="000000"/>
                 </a:solidFill>
@@ -4066,7 +3944,7 @@
               </a:rPr>
               <a:t>Second Outline Level</a:t>
             </a:r>
-            <a:endParaRPr b="0" lang="de-DE" sz="1400" spc="-1" strike="noStrike">
+            <a:endParaRPr b="0" lang="de-DE" sz="2800" spc="-1" strike="noStrike">
               <a:solidFill>
                 <a:srgbClr val="000000"/>
               </a:solidFill>
@@ -4088,7 +3966,7 @@
               <a:buChar char=""/>
             </a:pPr>
             <a:r>
-              <a:rPr b="0" lang="de-DE" sz="1600" spc="-1" strike="noStrike">
+              <a:rPr b="0" lang="de-DE" sz="2400" spc="-1" strike="noStrike">
                 <a:solidFill>
                   <a:srgbClr val="000000"/>
                 </a:solidFill>
@@ -4101,7 +3979,7 @@
               </a:rPr>
               <a:t>Third Outline Level</a:t>
             </a:r>
-            <a:endParaRPr b="0" lang="de-DE" sz="1400" spc="-1" strike="noStrike">
+            <a:endParaRPr b="0" lang="de-DE" sz="2400" spc="-1" strike="noStrike">
               <a:solidFill>
                 <a:srgbClr val="000000"/>
               </a:solidFill>
@@ -4123,7 +4001,7 @@
               <a:buChar char=""/>
             </a:pPr>
             <a:r>
-              <a:rPr b="0" lang="de-DE" sz="1600" spc="-1" strike="noStrike">
+              <a:rPr b="0" lang="de-DE" sz="2000" spc="-1" strike="noStrike">
                 <a:solidFill>
                   <a:srgbClr val="000000"/>
                 </a:solidFill>
@@ -4136,7 +4014,7 @@
               </a:rPr>
               <a:t>Fourth Outline Level</a:t>
             </a:r>
-            <a:endParaRPr b="0" lang="de-DE" sz="1400" spc="-1" strike="noStrike">
+            <a:endParaRPr b="0" lang="de-DE" sz="2000" spc="-1" strike="noStrike">
               <a:solidFill>
                 <a:srgbClr val="000000"/>
               </a:solidFill>
@@ -4158,7 +4036,7 @@
               <a:buChar char=""/>
             </a:pPr>
             <a:r>
-              <a:rPr b="0" lang="de-DE" sz="1600" spc="-1" strike="noStrike">
+              <a:rPr b="0" lang="de-DE" sz="2000" spc="-1" strike="noStrike">
                 <a:solidFill>
                   <a:srgbClr val="000000"/>
                 </a:solidFill>
@@ -4193,7 +4071,7 @@
               <a:buChar char=""/>
             </a:pPr>
             <a:r>
-              <a:rPr b="0" lang="de-DE" sz="1600" spc="-1" strike="noStrike">
+              <a:rPr b="0" lang="de-DE" sz="2000" spc="-1" strike="noStrike">
                 <a:solidFill>
                   <a:srgbClr val="000000"/>
                 </a:solidFill>
@@ -4228,7 +4106,7 @@
               <a:buChar char=""/>
             </a:pPr>
             <a:r>
-              <a:rPr b="0" lang="de-DE" sz="1600" spc="-1" strike="noStrike">
+              <a:rPr b="0" lang="de-DE" sz="2000" spc="-1" strike="noStrike">
                 <a:solidFill>
                   <a:srgbClr val="000000"/>
                 </a:solidFill>
@@ -4239,244 +4117,9 @@
                 </a:uFill>
                 <a:latin typeface="Arial"/>
               </a:rPr>
-              <a:t>Seventh Outline LevelInhalt durch Klicken bearbeiten</a:t>
+              <a:t>Seventh Outline Level</a:t>
             </a:r>
             <a:endParaRPr b="0" lang="de-DE" sz="2000" spc="-1" strike="noStrike">
-              <a:solidFill>
-                <a:srgbClr val="000000"/>
-              </a:solidFill>
-              <a:uFill>
-                <a:solidFill>
-                  <a:srgbClr val="ffffff"/>
-                </a:solidFill>
-              </a:uFill>
-              <a:latin typeface="Arial"/>
-            </a:endParaRPr>
-          </a:p>
-          <a:p>
-            <a:pPr lvl="7" marL="3456000" indent="-216000">
-              <a:buClr>
-                <a:srgbClr val="000000"/>
-              </a:buClr>
-              <a:buSzPct val="45000"/>
-              <a:buFont typeface="Wingdings" charset="2"/>
-              <a:buChar char=""/>
-            </a:pPr>
-            <a:r>
-              <a:rPr b="0" lang="de-DE" sz="1600" spc="-1" strike="noStrike">
-                <a:solidFill>
-                  <a:srgbClr val="000000"/>
-                </a:solidFill>
-                <a:uFill>
-                  <a:solidFill>
-                    <a:srgbClr val="ffffff"/>
-                  </a:solidFill>
-                </a:uFill>
-                <a:latin typeface="Arial"/>
-              </a:rPr>
-              <a:t>Zweite Ebene</a:t>
-            </a:r>
-            <a:endParaRPr b="0" lang="de-DE" sz="2000" spc="-1" strike="noStrike">
-              <a:solidFill>
-                <a:srgbClr val="000000"/>
-              </a:solidFill>
-              <a:uFill>
-                <a:solidFill>
-                  <a:srgbClr val="ffffff"/>
-                </a:solidFill>
-              </a:uFill>
-              <a:latin typeface="Arial"/>
-            </a:endParaRPr>
-          </a:p>
-          <a:p>
-            <a:pPr lvl="8" marL="3888000" indent="-216000">
-              <a:buClr>
-                <a:srgbClr val="000000"/>
-              </a:buClr>
-              <a:buSzPct val="45000"/>
-              <a:buFont typeface="Wingdings" charset="2"/>
-              <a:buChar char=""/>
-            </a:pPr>
-            <a:r>
-              <a:rPr b="0" lang="de-DE" sz="1600" spc="-1" strike="noStrike">
-                <a:solidFill>
-                  <a:srgbClr val="000000"/>
-                </a:solidFill>
-                <a:uFill>
-                  <a:solidFill>
-                    <a:srgbClr val="ffffff"/>
-                  </a:solidFill>
-                </a:uFill>
-                <a:latin typeface="Arial"/>
-              </a:rPr>
-              <a:t>Dritte Ebene</a:t>
-            </a:r>
-            <a:endParaRPr b="0" lang="de-DE" sz="2000" spc="-1" strike="noStrike">
-              <a:solidFill>
-                <a:srgbClr val="000000"/>
-              </a:solidFill>
-              <a:uFill>
-                <a:solidFill>
-                  <a:srgbClr val="ffffff"/>
-                </a:solidFill>
-              </a:uFill>
-              <a:latin typeface="Arial"/>
-            </a:endParaRPr>
-          </a:p>
-        </p:txBody>
-      </p:sp>
-      <p:sp>
-        <p:nvSpPr>
-          <p:cNvPr id="42" name="PlaceHolder 2"/>
-          <p:cNvSpPr>
-            <a:spLocks noGrp="1"/>
-          </p:cNvSpPr>
-          <p:nvPr>
-            <p:ph type="sldNum"/>
-          </p:nvPr>
-        </p:nvSpPr>
-        <p:spPr>
-          <a:xfrm>
-            <a:off x="6774840" y="6473160"/>
-            <a:ext cx="2051640" cy="364680"/>
-          </a:xfrm>
-          <a:prstGeom prst="rect">
-            <a:avLst/>
-          </a:prstGeom>
-        </p:spPr>
-        <p:txBody>
-          <a:bodyPr lIns="0" rIns="0" anchor="ctr"/>
-          <a:p>
-            <a:pPr algn="r">
-              <a:lnSpc>
-                <a:spcPct val="100000"/>
-              </a:lnSpc>
-            </a:pPr>
-            <a:fld id="{386FF78D-FAEC-4C5C-AEA8-72A774B5A8BC}" type="slidenum">
-              <a:rPr b="0" lang="de-DE" sz="1200" spc="-1" strike="noStrike">
-                <a:solidFill>
-                  <a:srgbClr val="000000"/>
-                </a:solidFill>
-                <a:uFill>
-                  <a:solidFill>
-                    <a:srgbClr val="ffffff"/>
-                  </a:solidFill>
-                </a:uFill>
-                <a:latin typeface="Arial"/>
-              </a:rPr>
-              <a:t>1</a:t>
-            </a:fld>
-            <a:endParaRPr b="0" lang="de-DE" sz="1200" spc="-1" strike="noStrike">
-              <a:solidFill>
-                <a:srgbClr val="000000"/>
-              </a:solidFill>
-              <a:uFill>
-                <a:solidFill>
-                  <a:srgbClr val="ffffff"/>
-                </a:solidFill>
-              </a:uFill>
-              <a:latin typeface="Times New Roman"/>
-            </a:endParaRPr>
-          </a:p>
-        </p:txBody>
-      </p:sp>
-      <p:sp>
-        <p:nvSpPr>
-          <p:cNvPr id="43" name="PlaceHolder 3"/>
-          <p:cNvSpPr>
-            <a:spLocks noGrp="1"/>
-          </p:cNvSpPr>
-          <p:nvPr>
-            <p:ph type="ftr"/>
-          </p:nvPr>
-        </p:nvSpPr>
-        <p:spPr>
-          <a:xfrm>
-            <a:off x="311040" y="6473160"/>
-            <a:ext cx="6463800" cy="364680"/>
-          </a:xfrm>
-          <a:prstGeom prst="rect">
-            <a:avLst/>
-          </a:prstGeom>
-        </p:spPr>
-        <p:txBody>
-          <a:bodyPr lIns="0" rIns="0" anchor="ctr"/>
-          <a:p>
-            <a:pPr>
-              <a:lnSpc>
-                <a:spcPct val="100000"/>
-              </a:lnSpc>
-            </a:pPr>
-            <a:r>
-              <a:rPr b="0" lang="de-DE" sz="1200" spc="-1" strike="noStrike">
-                <a:solidFill>
-                  <a:srgbClr val="000000"/>
-                </a:solidFill>
-                <a:uFill>
-                  <a:solidFill>
-                    <a:srgbClr val="ffffff"/>
-                  </a:solidFill>
-                </a:uFill>
-                <a:latin typeface="Arial"/>
-              </a:rPr>
-              <a:t>Dr. rer. nat. Erika Mustermann (TUM) | kann beliebig erweitert werden | Infos mit Strich trennen</a:t>
-            </a:r>
-            <a:endParaRPr b="0" lang="de-DE" sz="1200" spc="-1" strike="noStrike">
-              <a:solidFill>
-                <a:srgbClr val="000000"/>
-              </a:solidFill>
-              <a:uFill>
-                <a:solidFill>
-                  <a:srgbClr val="ffffff"/>
-                </a:solidFill>
-              </a:uFill>
-              <a:latin typeface="Times New Roman"/>
-            </a:endParaRPr>
-          </a:p>
-        </p:txBody>
-      </p:sp>
-      <p:sp>
-        <p:nvSpPr>
-          <p:cNvPr id="44" name="PlaceHolder 4"/>
-          <p:cNvSpPr>
-            <a:spLocks noGrp="1"/>
-          </p:cNvSpPr>
-          <p:nvPr>
-            <p:ph type="title"/>
-          </p:nvPr>
-        </p:nvSpPr>
-        <p:spPr>
-          <a:xfrm>
-            <a:off x="318960" y="994320"/>
-            <a:ext cx="8508600" cy="1145160"/>
-          </a:xfrm>
-          <a:prstGeom prst="rect">
-            <a:avLst/>
-          </a:prstGeom>
-        </p:spPr>
-        <p:txBody>
-          <a:bodyPr lIns="0" rIns="0" tIns="0" bIns="0"/>
-          <a:p>
-            <a:pPr>
-              <a:lnSpc>
-                <a:spcPct val="100000"/>
-              </a:lnSpc>
-            </a:pPr>
-            <a:r>
-              <a:rPr b="0" lang="de-DE" sz="3000" spc="-1" strike="noStrike">
-                <a:solidFill>
-                  <a:srgbClr val="000000"/>
-                </a:solidFill>
-                <a:uFill>
-                  <a:solidFill>
-                    <a:srgbClr val="ffffff"/>
-                  </a:solidFill>
-                </a:uFill>
-                <a:latin typeface="Arial"/>
-              </a:rPr>
-              <a:t>Titel durch Klicken bearbeiten</a:t>
-            </a:r>
-            <a:endParaRPr b="0" lang="de-DE" sz="2200" spc="-1" strike="noStrike">
               <a:solidFill>
                 <a:srgbClr val="000000"/>
               </a:solidFill>
@@ -4529,7 +4172,7 @@
       </p:grpSpPr>
       <p:pic>
         <p:nvPicPr>
-          <p:cNvPr id="84" name="Grafik 5" descr=""/>
+          <p:cNvPr id="80" name="Grafik 5" descr=""/>
           <p:cNvPicPr/>
           <p:nvPr/>
         </p:nvPicPr>
@@ -4540,7 +4183,7 @@
         <p:spPr>
           <a:xfrm>
             <a:off x="2439000" y="5057640"/>
-            <a:ext cx="2542680" cy="1800000"/>
+            <a:ext cx="2542320" cy="1799640"/>
           </a:xfrm>
           <a:prstGeom prst="rect">
             <a:avLst/>
@@ -4552,14 +4195,14 @@
       </p:pic>
       <p:sp>
         <p:nvSpPr>
-          <p:cNvPr id="85" name="TextShape 1"/>
-          <p:cNvSpPr txBox="1"/>
+          <p:cNvPr id="81" name="CustomShape 1"/>
+          <p:cNvSpPr/>
           <p:nvPr/>
         </p:nvSpPr>
         <p:spPr>
           <a:xfrm>
             <a:off x="318960" y="1978560"/>
-            <a:ext cx="8508600" cy="1273680"/>
+            <a:ext cx="8508240" cy="1273320"/>
           </a:xfrm>
           <a:prstGeom prst="rect">
             <a:avLst/>
@@ -4569,6 +4212,12 @@
             <a:noFill/>
           </a:ln>
         </p:spPr>
+        <p:style>
+          <a:lnRef idx="0"/>
+          <a:fillRef idx="0"/>
+          <a:effectRef idx="0"/>
+          <a:fontRef idx="minor"/>
+        </p:style>
         <p:txBody>
           <a:bodyPr lIns="0" rIns="0" tIns="0" bIns="0"/>
           <a:p>
@@ -4591,7 +4240,7 @@
               </a:rPr>
               <a:t>Oztoprak, Oguz</a:t>
             </a:r>
-            <a:endParaRPr b="0" lang="de-DE" sz="1600" spc="-1" strike="noStrike">
+            <a:endParaRPr b="0" lang="de-DE" sz="1800" spc="-1" strike="noStrike">
               <a:solidFill>
                 <a:srgbClr val="000000"/>
               </a:solidFill>
@@ -4623,7 +4272,7 @@
               </a:rPr>
               <a:t>Droll, Darwin</a:t>
             </a:r>
-            <a:endParaRPr b="0" lang="de-DE" sz="1600" spc="-1" strike="noStrike">
+            <a:endParaRPr b="0" lang="de-DE" sz="1800" spc="-1" strike="noStrike">
               <a:solidFill>
                 <a:srgbClr val="000000"/>
               </a:solidFill>
@@ -4655,7 +4304,7 @@
               </a:rPr>
               <a:t>Technische Universität München</a:t>
             </a:r>
-            <a:endParaRPr b="0" lang="de-DE" sz="1600" spc="-1" strike="noStrike">
+            <a:endParaRPr b="0" lang="de-DE" sz="1800" spc="-1" strike="noStrike">
               <a:solidFill>
                 <a:srgbClr val="000000"/>
               </a:solidFill>
@@ -4687,7 +4336,7 @@
               </a:rPr>
               <a:t>Faculty of Bau, Geo und Umwelt</a:t>
             </a:r>
-            <a:endParaRPr b="0" lang="de-DE" sz="1600" spc="-1" strike="noStrike">
+            <a:endParaRPr b="0" lang="de-DE" sz="1800" spc="-1" strike="noStrike">
               <a:solidFill>
                 <a:srgbClr val="000000"/>
               </a:solidFill>
@@ -4719,7 +4368,7 @@
               </a:rPr>
               <a:t>Chair of Computation in Engineering</a:t>
             </a:r>
-            <a:endParaRPr b="0" lang="de-DE" sz="1600" spc="-1" strike="noStrike">
+            <a:endParaRPr b="0" lang="de-DE" sz="1800" spc="-1" strike="noStrike">
               <a:solidFill>
                 <a:srgbClr val="000000"/>
               </a:solidFill>
@@ -4751,30 +4400,30 @@
               </a:rPr>
               <a:t>Munich, 25. May 2018</a:t>
             </a:r>
-            <a:endParaRPr b="0" lang="de-DE" sz="1600" spc="-1" strike="noStrike">
-              <a:solidFill>
-                <a:srgbClr val="000000"/>
-              </a:solidFill>
-              <a:uFill>
-                <a:solidFill>
-                  <a:srgbClr val="ffffff"/>
-                </a:solidFill>
-              </a:uFill>
-              <a:latin typeface="Arial"/>
-            </a:endParaRPr>
-          </a:p>
-        </p:txBody>
-      </p:sp>
-      <p:sp>
-        <p:nvSpPr>
-          <p:cNvPr id="86" name="TextShape 2"/>
-          <p:cNvSpPr txBox="1"/>
+            <a:endParaRPr b="0" lang="de-DE" sz="1800" spc="-1" strike="noStrike">
+              <a:solidFill>
+                <a:srgbClr val="000000"/>
+              </a:solidFill>
+              <a:uFill>
+                <a:solidFill>
+                  <a:srgbClr val="ffffff"/>
+                </a:solidFill>
+              </a:uFill>
+              <a:latin typeface="Arial"/>
+            </a:endParaRPr>
+          </a:p>
+        </p:txBody>
+      </p:sp>
+      <p:sp>
+        <p:nvSpPr>
+          <p:cNvPr id="82" name="CustomShape 2"/>
+          <p:cNvSpPr/>
           <p:nvPr/>
         </p:nvSpPr>
         <p:spPr>
           <a:xfrm>
             <a:off x="318960" y="994320"/>
-            <a:ext cx="8508600" cy="410040"/>
+            <a:ext cx="8508240" cy="409680"/>
           </a:xfrm>
           <a:prstGeom prst="rect">
             <a:avLst/>
@@ -4784,12 +4433,18 @@
             <a:noFill/>
           </a:ln>
         </p:spPr>
+        <p:style>
+          <a:lnRef idx="0"/>
+          <a:fillRef idx="0"/>
+          <a:effectRef idx="0"/>
+          <a:fontRef idx="minor"/>
+        </p:style>
         <p:txBody>
           <a:bodyPr lIns="0" rIns="0" tIns="0" bIns="0"/>
           <a:p>
             <a:pPr>
               <a:lnSpc>
-                <a:spcPts val="1129"/>
+                <a:spcPts val="398"/>
               </a:lnSpc>
             </a:pPr>
             <a:r>
@@ -4804,9 +4459,9 @@
                 </a:uFill>
                 <a:latin typeface="Arial"/>
               </a:rPr>
-              <a:t>Python-based Paraview postprocessing</a:t>
+              <a:t>Python-based Paraview Postprocessing</a:t>
             </a:r>
-            <a:endParaRPr b="0" lang="de-DE" sz="2200" spc="-1" strike="noStrike">
+            <a:endParaRPr b="0" lang="de-DE" sz="1800" spc="-1" strike="noStrike">
               <a:solidFill>
                 <a:srgbClr val="000000"/>
               </a:solidFill>
@@ -4822,7 +4477,7 @@
       </p:sp>
       <p:pic>
         <p:nvPicPr>
-          <p:cNvPr id="87" name="Grafik 1" descr=""/>
+          <p:cNvPr id="83" name="Grafik 1" descr=""/>
           <p:cNvPicPr/>
           <p:nvPr/>
         </p:nvPicPr>
@@ -4833,7 +4488,7 @@
         <p:spPr>
           <a:xfrm>
             <a:off x="3825720" y="4059360"/>
-            <a:ext cx="4171680" cy="1095120"/>
+            <a:ext cx="4171320" cy="1094760"/>
           </a:xfrm>
           <a:prstGeom prst="rect">
             <a:avLst/>
@@ -4845,7 +4500,7 @@
       </p:pic>
       <p:pic>
         <p:nvPicPr>
-          <p:cNvPr id="88" name="Grafik 3" descr=""/>
+          <p:cNvPr id="84" name="Grafik 3" descr=""/>
           <p:cNvPicPr/>
           <p:nvPr/>
         </p:nvPicPr>
@@ -4856,7 +4511,7 @@
         <p:spPr>
           <a:xfrm>
             <a:off x="4474800" y="5251680"/>
-            <a:ext cx="4181760" cy="1412280"/>
+            <a:ext cx="4181400" cy="1411920"/>
           </a:xfrm>
           <a:prstGeom prst="rect">
             <a:avLst/>
@@ -4917,14 +4572,14 @@
       </p:grpSpPr>
       <p:sp>
         <p:nvSpPr>
-          <p:cNvPr id="89" name="TextShape 1"/>
-          <p:cNvSpPr txBox="1"/>
+          <p:cNvPr id="85" name="CustomShape 1"/>
+          <p:cNvSpPr/>
           <p:nvPr/>
         </p:nvSpPr>
         <p:spPr>
           <a:xfrm>
             <a:off x="318960" y="1762200"/>
-            <a:ext cx="8508600" cy="4699080"/>
+            <a:ext cx="8508240" cy="4698720"/>
           </a:xfrm>
           <a:prstGeom prst="rect">
             <a:avLst/>
@@ -4934,10 +4589,16 @@
             <a:noFill/>
           </a:ln>
         </p:spPr>
+        <p:style>
+          <a:lnRef idx="0"/>
+          <a:fillRef idx="0"/>
+          <a:effectRef idx="0"/>
+          <a:fontRef idx="minor"/>
+        </p:style>
         <p:txBody>
           <a:bodyPr lIns="0" rIns="0" tIns="0" bIns="0"/>
           <a:p>
-            <a:pPr marL="285840" indent="-285480">
+            <a:pPr marL="285840" indent="-285120">
               <a:lnSpc>
                 <a:spcPct val="100000"/>
               </a:lnSpc>
@@ -4961,20 +4622,20 @@
               </a:rPr>
               <a:t>Introduction</a:t>
             </a:r>
-            <a:endParaRPr b="0" lang="de-DE" sz="1600" spc="-1" strike="noStrike">
-              <a:solidFill>
-                <a:srgbClr val="000000"/>
-              </a:solidFill>
-              <a:uFill>
-                <a:solidFill>
-                  <a:srgbClr val="ffffff"/>
-                </a:solidFill>
-              </a:uFill>
-              <a:latin typeface="Arial"/>
-            </a:endParaRPr>
-          </a:p>
-          <a:p>
-            <a:pPr marL="285840" indent="-285480">
+            <a:endParaRPr b="0" lang="de-DE" sz="1800" spc="-1" strike="noStrike">
+              <a:solidFill>
+                <a:srgbClr val="000000"/>
+              </a:solidFill>
+              <a:uFill>
+                <a:solidFill>
+                  <a:srgbClr val="ffffff"/>
+                </a:solidFill>
+              </a:uFill>
+              <a:latin typeface="Arial"/>
+            </a:endParaRPr>
+          </a:p>
+          <a:p>
+            <a:pPr marL="285840" indent="-285120">
               <a:lnSpc>
                 <a:spcPct val="100000"/>
               </a:lnSpc>
@@ -4998,20 +4659,20 @@
               </a:rPr>
               <a:t>Postprocessing</a:t>
             </a:r>
-            <a:endParaRPr b="0" lang="de-DE" sz="1600" spc="-1" strike="noStrike">
-              <a:solidFill>
-                <a:srgbClr val="000000"/>
-              </a:solidFill>
-              <a:uFill>
-                <a:solidFill>
-                  <a:srgbClr val="ffffff"/>
-                </a:solidFill>
-              </a:uFill>
-              <a:latin typeface="Arial"/>
-            </a:endParaRPr>
-          </a:p>
-          <a:p>
-            <a:pPr marL="285840" indent="-285480">
+            <a:endParaRPr b="0" lang="de-DE" sz="1800" spc="-1" strike="noStrike">
+              <a:solidFill>
+                <a:srgbClr val="000000"/>
+              </a:solidFill>
+              <a:uFill>
+                <a:solidFill>
+                  <a:srgbClr val="ffffff"/>
+                </a:solidFill>
+              </a:uFill>
+              <a:latin typeface="Arial"/>
+            </a:endParaRPr>
+          </a:p>
+          <a:p>
+            <a:pPr marL="285840" indent="-285120">
               <a:lnSpc>
                 <a:spcPct val="100000"/>
               </a:lnSpc>
@@ -5035,20 +4696,20 @@
               </a:rPr>
               <a:t>Features</a:t>
             </a:r>
-            <a:endParaRPr b="0" lang="de-DE" sz="1600" spc="-1" strike="noStrike">
-              <a:solidFill>
-                <a:srgbClr val="000000"/>
-              </a:solidFill>
-              <a:uFill>
-                <a:solidFill>
-                  <a:srgbClr val="ffffff"/>
-                </a:solidFill>
-              </a:uFill>
-              <a:latin typeface="Arial"/>
-            </a:endParaRPr>
-          </a:p>
-          <a:p>
-            <a:pPr marL="285840" indent="-285480">
+            <a:endParaRPr b="0" lang="de-DE" sz="1800" spc="-1" strike="noStrike">
+              <a:solidFill>
+                <a:srgbClr val="000000"/>
+              </a:solidFill>
+              <a:uFill>
+                <a:solidFill>
+                  <a:srgbClr val="ffffff"/>
+                </a:solidFill>
+              </a:uFill>
+              <a:latin typeface="Arial"/>
+            </a:endParaRPr>
+          </a:p>
+          <a:p>
+            <a:pPr marL="285840" indent="-285120">
               <a:lnSpc>
                 <a:spcPct val="100000"/>
               </a:lnSpc>
@@ -5072,20 +4733,20 @@
               </a:rPr>
               <a:t>Timeline</a:t>
             </a:r>
-            <a:endParaRPr b="0" lang="de-DE" sz="1600" spc="-1" strike="noStrike">
-              <a:solidFill>
-                <a:srgbClr val="000000"/>
-              </a:solidFill>
-              <a:uFill>
-                <a:solidFill>
-                  <a:srgbClr val="ffffff"/>
-                </a:solidFill>
-              </a:uFill>
-              <a:latin typeface="Arial"/>
-            </a:endParaRPr>
-          </a:p>
-          <a:p>
-            <a:pPr marL="285840" indent="-285480">
+            <a:endParaRPr b="0" lang="de-DE" sz="1800" spc="-1" strike="noStrike">
+              <a:solidFill>
+                <a:srgbClr val="000000"/>
+              </a:solidFill>
+              <a:uFill>
+                <a:solidFill>
+                  <a:srgbClr val="ffffff"/>
+                </a:solidFill>
+              </a:uFill>
+              <a:latin typeface="Arial"/>
+            </a:endParaRPr>
+          </a:p>
+          <a:p>
+            <a:pPr marL="285840" indent="-285120">
               <a:lnSpc>
                 <a:spcPct val="100000"/>
               </a:lnSpc>
@@ -5109,20 +4770,20 @@
               </a:rPr>
               <a:t>Strategy</a:t>
             </a:r>
-            <a:endParaRPr b="0" lang="de-DE" sz="1600" spc="-1" strike="noStrike">
-              <a:solidFill>
-                <a:srgbClr val="000000"/>
-              </a:solidFill>
-              <a:uFill>
-                <a:solidFill>
-                  <a:srgbClr val="ffffff"/>
-                </a:solidFill>
-              </a:uFill>
-              <a:latin typeface="Arial"/>
-            </a:endParaRPr>
-          </a:p>
-          <a:p>
-            <a:pPr marL="285840" indent="-285480">
+            <a:endParaRPr b="0" lang="de-DE" sz="1800" spc="-1" strike="noStrike">
+              <a:solidFill>
+                <a:srgbClr val="000000"/>
+              </a:solidFill>
+              <a:uFill>
+                <a:solidFill>
+                  <a:srgbClr val="ffffff"/>
+                </a:solidFill>
+              </a:uFill>
+              <a:latin typeface="Arial"/>
+            </a:endParaRPr>
+          </a:p>
+          <a:p>
+            <a:pPr marL="285840" indent="-285120">
               <a:lnSpc>
                 <a:spcPct val="100000"/>
               </a:lnSpc>
@@ -5146,20 +4807,20 @@
               </a:rPr>
               <a:t>Present state</a:t>
             </a:r>
-            <a:endParaRPr b="0" lang="de-DE" sz="1600" spc="-1" strike="noStrike">
-              <a:solidFill>
-                <a:srgbClr val="000000"/>
-              </a:solidFill>
-              <a:uFill>
-                <a:solidFill>
-                  <a:srgbClr val="ffffff"/>
-                </a:solidFill>
-              </a:uFill>
-              <a:latin typeface="Arial"/>
-            </a:endParaRPr>
-          </a:p>
-          <a:p>
-            <a:pPr marL="285840" indent="-285480">
+            <a:endParaRPr b="0" lang="de-DE" sz="1800" spc="-1" strike="noStrike">
+              <a:solidFill>
+                <a:srgbClr val="000000"/>
+              </a:solidFill>
+              <a:uFill>
+                <a:solidFill>
+                  <a:srgbClr val="ffffff"/>
+                </a:solidFill>
+              </a:uFill>
+              <a:latin typeface="Arial"/>
+            </a:endParaRPr>
+          </a:p>
+          <a:p>
+            <a:pPr marL="285840" indent="-285120">
               <a:lnSpc>
                 <a:spcPct val="100000"/>
               </a:lnSpc>
@@ -5183,7 +4844,7 @@
               </a:rPr>
               <a:t>Conclusion</a:t>
             </a:r>
-            <a:endParaRPr b="0" lang="de-DE" sz="1600" spc="-1" strike="noStrike">
+            <a:endParaRPr b="0" lang="de-DE" sz="1800" spc="-1" strike="noStrike">
               <a:solidFill>
                 <a:srgbClr val="000000"/>
               </a:solidFill>
@@ -5201,7 +4862,7 @@
                 <a:spcPct val="100000"/>
               </a:lnSpc>
             </a:pPr>
-            <a:endParaRPr b="0" lang="de-DE" sz="1600" spc="-1" strike="noStrike">
+            <a:endParaRPr b="0" lang="de-DE" sz="1800" spc="-1" strike="noStrike">
               <a:solidFill>
                 <a:srgbClr val="000000"/>
               </a:solidFill>
@@ -5219,30 +4880,30 @@
                 <a:spcPct val="114000"/>
               </a:lnSpc>
             </a:pPr>
-            <a:endParaRPr b="0" lang="de-DE" sz="1600" spc="-1" strike="noStrike">
-              <a:solidFill>
-                <a:srgbClr val="000000"/>
-              </a:solidFill>
-              <a:uFill>
-                <a:solidFill>
-                  <a:srgbClr val="ffffff"/>
-                </a:solidFill>
-              </a:uFill>
-              <a:latin typeface="Arial"/>
-            </a:endParaRPr>
-          </a:p>
-        </p:txBody>
-      </p:sp>
-      <p:sp>
-        <p:nvSpPr>
-          <p:cNvPr id="90" name="TextShape 2"/>
-          <p:cNvSpPr txBox="1"/>
+            <a:endParaRPr b="0" lang="de-DE" sz="1800" spc="-1" strike="noStrike">
+              <a:solidFill>
+                <a:srgbClr val="000000"/>
+              </a:solidFill>
+              <a:uFill>
+                <a:solidFill>
+                  <a:srgbClr val="ffffff"/>
+                </a:solidFill>
+              </a:uFill>
+              <a:latin typeface="Arial"/>
+            </a:endParaRPr>
+          </a:p>
+        </p:txBody>
+      </p:sp>
+      <p:sp>
+        <p:nvSpPr>
+          <p:cNvPr id="86" name="CustomShape 2"/>
+          <p:cNvSpPr/>
           <p:nvPr/>
         </p:nvSpPr>
         <p:spPr>
           <a:xfrm>
             <a:off x="6774840" y="6473160"/>
-            <a:ext cx="2051640" cy="364680"/>
+            <a:ext cx="2051280" cy="364320"/>
           </a:xfrm>
           <a:prstGeom prst="rect">
             <a:avLst/>
@@ -5252,15 +4913,21 @@
             <a:noFill/>
           </a:ln>
         </p:spPr>
-        <p:txBody>
-          <a:bodyPr lIns="0" rIns="0" anchor="ctr"/>
+        <p:style>
+          <a:lnRef idx="0"/>
+          <a:fillRef idx="0"/>
+          <a:effectRef idx="0"/>
+          <a:fontRef idx="minor"/>
+        </p:style>
+        <p:txBody>
+          <a:bodyPr lIns="0" rIns="0" tIns="45000" bIns="45000" anchor="ctr"/>
           <a:p>
             <a:pPr algn="r">
               <a:lnSpc>
                 <a:spcPct val="100000"/>
               </a:lnSpc>
             </a:pPr>
-            <a:fld id="{4F831EE4-46AE-4713-AD1F-E57479484FF3}" type="slidenum">
+            <a:fld id="{E93BEBAE-3151-4D2A-9B2B-36E8BC0A20BF}" type="slidenum">
               <a:rPr b="0" lang="de-DE" sz="1200" spc="-1" strike="noStrike">
                 <a:solidFill>
                   <a:srgbClr val="000000"/>
@@ -5274,30 +4941,30 @@
               </a:rPr>
               <a:t>1</a:t>
             </a:fld>
-            <a:endParaRPr b="0" lang="de-DE" sz="1200" spc="-1" strike="noStrike">
-              <a:solidFill>
-                <a:srgbClr val="000000"/>
-              </a:solidFill>
-              <a:uFill>
-                <a:solidFill>
-                  <a:srgbClr val="ffffff"/>
-                </a:solidFill>
-              </a:uFill>
-              <a:latin typeface="Times New Roman"/>
-            </a:endParaRPr>
-          </a:p>
-        </p:txBody>
-      </p:sp>
-      <p:sp>
-        <p:nvSpPr>
-          <p:cNvPr id="91" name="TextShape 3"/>
-          <p:cNvSpPr txBox="1"/>
+            <a:endParaRPr b="0" lang="de-DE" sz="1800" spc="-1" strike="noStrike">
+              <a:solidFill>
+                <a:srgbClr val="000000"/>
+              </a:solidFill>
+              <a:uFill>
+                <a:solidFill>
+                  <a:srgbClr val="ffffff"/>
+                </a:solidFill>
+              </a:uFill>
+              <a:latin typeface="Arial"/>
+            </a:endParaRPr>
+          </a:p>
+        </p:txBody>
+      </p:sp>
+      <p:sp>
+        <p:nvSpPr>
+          <p:cNvPr id="87" name="CustomShape 3"/>
+          <p:cNvSpPr/>
           <p:nvPr/>
         </p:nvSpPr>
         <p:spPr>
           <a:xfrm>
             <a:off x="311040" y="6473160"/>
-            <a:ext cx="6463800" cy="364680"/>
+            <a:ext cx="6463440" cy="364320"/>
           </a:xfrm>
           <a:prstGeom prst="rect">
             <a:avLst/>
@@ -5307,8 +4974,14 @@
             <a:noFill/>
           </a:ln>
         </p:spPr>
-        <p:txBody>
-          <a:bodyPr lIns="0" rIns="0" anchor="ctr"/>
+        <p:style>
+          <a:lnRef idx="0"/>
+          <a:fillRef idx="0"/>
+          <a:effectRef idx="0"/>
+          <a:fontRef idx="minor"/>
+        </p:style>
+        <p:txBody>
+          <a:bodyPr lIns="0" rIns="0" tIns="45000" bIns="45000" anchor="ctr"/>
           <a:p>
             <a:pPr>
               <a:lnSpc>
@@ -5329,30 +5002,30 @@
               </a:rPr>
               <a:t>Oztoprak, Oguz (TUM) | Droll, Darwin (TUM) | Python-based Paraview postprocessing</a:t>
             </a:r>
-            <a:endParaRPr b="0" lang="de-DE" sz="1200" spc="-1" strike="noStrike">
-              <a:solidFill>
-                <a:srgbClr val="000000"/>
-              </a:solidFill>
-              <a:uFill>
-                <a:solidFill>
-                  <a:srgbClr val="ffffff"/>
-                </a:solidFill>
-              </a:uFill>
-              <a:latin typeface="Times New Roman"/>
-            </a:endParaRPr>
-          </a:p>
-        </p:txBody>
-      </p:sp>
-      <p:sp>
-        <p:nvSpPr>
-          <p:cNvPr id="92" name="TextShape 4"/>
-          <p:cNvSpPr txBox="1"/>
+            <a:endParaRPr b="0" lang="de-DE" sz="1800" spc="-1" strike="noStrike">
+              <a:solidFill>
+                <a:srgbClr val="000000"/>
+              </a:solidFill>
+              <a:uFill>
+                <a:solidFill>
+                  <a:srgbClr val="ffffff"/>
+                </a:solidFill>
+              </a:uFill>
+              <a:latin typeface="Arial"/>
+            </a:endParaRPr>
+          </a:p>
+        </p:txBody>
+      </p:sp>
+      <p:sp>
+        <p:nvSpPr>
+          <p:cNvPr id="88" name="CustomShape 4"/>
+          <p:cNvSpPr/>
           <p:nvPr/>
         </p:nvSpPr>
         <p:spPr>
           <a:xfrm>
             <a:off x="318960" y="994320"/>
-            <a:ext cx="8508600" cy="410040"/>
+            <a:ext cx="8508240" cy="409680"/>
           </a:xfrm>
           <a:prstGeom prst="rect">
             <a:avLst/>
@@ -5362,12 +5035,18 @@
             <a:noFill/>
           </a:ln>
         </p:spPr>
+        <p:style>
+          <a:lnRef idx="0"/>
+          <a:fillRef idx="0"/>
+          <a:effectRef idx="0"/>
+          <a:fontRef idx="minor"/>
+        </p:style>
         <p:txBody>
           <a:bodyPr lIns="0" rIns="0" tIns="0" bIns="0"/>
           <a:p>
             <a:pPr>
               <a:lnSpc>
-                <a:spcPts val="1129"/>
+                <a:spcPts val="398"/>
               </a:lnSpc>
             </a:pPr>
             <a:r>
@@ -5384,7 +5063,7 @@
               </a:rPr>
               <a:t>Outline</a:t>
             </a:r>
-            <a:endParaRPr b="0" lang="de-DE" sz="2200" spc="-1" strike="noStrike">
+            <a:endParaRPr b="0" lang="de-DE" sz="1800" spc="-1" strike="noStrike">
               <a:solidFill>
                 <a:srgbClr val="000000"/>
               </a:solidFill>
@@ -5449,14 +5128,14 @@
       </p:grpSpPr>
       <p:sp>
         <p:nvSpPr>
-          <p:cNvPr id="93" name="TextShape 1"/>
-          <p:cNvSpPr txBox="1"/>
+          <p:cNvPr id="89" name="CustomShape 1"/>
+          <p:cNvSpPr/>
           <p:nvPr/>
         </p:nvSpPr>
         <p:spPr>
           <a:xfrm>
-            <a:off x="318960" y="1762200"/>
-            <a:ext cx="8508600" cy="4699080"/>
+            <a:off x="182880" y="1554480"/>
+            <a:ext cx="8508240" cy="4698720"/>
           </a:xfrm>
           <a:prstGeom prst="rect">
             <a:avLst/>
@@ -5466,34 +5145,28 @@
             <a:noFill/>
           </a:ln>
         </p:spPr>
+        <p:style>
+          <a:lnRef idx="0"/>
+          <a:fillRef idx="0"/>
+          <a:effectRef idx="0"/>
+          <a:fontRef idx="minor"/>
+        </p:style>
         <p:txBody>
           <a:bodyPr lIns="0" rIns="0" tIns="0" bIns="0"/>
           <a:p>
-            <a:pPr>
-              <a:lnSpc>
-                <a:spcPct val="114000"/>
-              </a:lnSpc>
-            </a:pPr>
-            <a:endParaRPr b="0" lang="de-DE" sz="1600" spc="-1" strike="noStrike">
-              <a:solidFill>
-                <a:srgbClr val="000000"/>
-              </a:solidFill>
-              <a:uFill>
-                <a:solidFill>
-                  <a:srgbClr val="ffffff"/>
-                </a:solidFill>
-              </a:uFill>
-              <a:latin typeface="Arial"/>
-            </a:endParaRPr>
-          </a:p>
-          <a:p>
-            <a:pPr>
-              <a:lnSpc>
-                <a:spcPct val="114000"/>
-              </a:lnSpc>
+            <a:pPr lvl="1" marL="432000" indent="-216000">
+              <a:lnSpc>
+                <a:spcPct val="100000"/>
+              </a:lnSpc>
+              <a:buClr>
+                <a:srgbClr val="000000"/>
+              </a:buClr>
+              <a:buSzPct val="45000"/>
+              <a:buFont typeface="Wingdings" charset="2"/>
+              <a:buChar char=""/>
             </a:pPr>
             <a:r>
-              <a:rPr b="0" lang="de-DE" sz="2200" spc="-1" strike="noStrike">
+              <a:rPr b="0" lang="de-DE" sz="2400" spc="-1" strike="noStrike">
                 <a:solidFill>
                   <a:srgbClr val="000000"/>
                 </a:solidFill>
@@ -5504,46 +5177,34 @@
                 </a:uFill>
                 <a:latin typeface="Arial"/>
               </a:rPr>
-              <a:t>What is postprocessing?</a:t>
+              <a:t>Postprocessing</a:t>
             </a:r>
-            <a:endParaRPr b="0" lang="de-DE" sz="1600" spc="-1" strike="noStrike">
-              <a:solidFill>
-                <a:srgbClr val="000000"/>
-              </a:solidFill>
-              <a:uFill>
-                <a:solidFill>
-                  <a:srgbClr val="ffffff"/>
-                </a:solidFill>
-              </a:uFill>
-              <a:latin typeface="Arial"/>
-            </a:endParaRPr>
-          </a:p>
-          <a:p>
-            <a:pPr>
-              <a:lnSpc>
-                <a:spcPct val="114000"/>
-              </a:lnSpc>
-            </a:pPr>
-            <a:endParaRPr b="0" lang="de-DE" sz="1600" spc="-1" strike="noStrike">
-              <a:solidFill>
-                <a:srgbClr val="000000"/>
-              </a:solidFill>
-              <a:uFill>
-                <a:solidFill>
-                  <a:srgbClr val="ffffff"/>
-                </a:solidFill>
-              </a:uFill>
-              <a:latin typeface="Arial"/>
-            </a:endParaRPr>
-          </a:p>
-          <a:p>
-            <a:pPr>
-              <a:lnSpc>
-                <a:spcPct val="114000"/>
-              </a:lnSpc>
+            <a:endParaRPr b="0" lang="de-DE" sz="1800" spc="-1" strike="noStrike">
+              <a:solidFill>
+                <a:srgbClr val="000000"/>
+              </a:solidFill>
+              <a:uFill>
+                <a:solidFill>
+                  <a:srgbClr val="ffffff"/>
+                </a:solidFill>
+              </a:uFill>
+              <a:latin typeface="Arial"/>
+            </a:endParaRPr>
+          </a:p>
+          <a:p>
+            <a:pPr lvl="1" marL="432000" indent="-216000">
+              <a:lnSpc>
+                <a:spcPct val="100000"/>
+              </a:lnSpc>
+              <a:buClr>
+                <a:srgbClr val="000000"/>
+              </a:buClr>
+              <a:buSzPct val="45000"/>
+              <a:buFont typeface="Wingdings" charset="2"/>
+              <a:buChar char=""/>
             </a:pPr>
             <a:r>
-              <a:rPr b="0" lang="de-DE" sz="2200" spc="-1" strike="noStrike">
+              <a:rPr b="0" lang="de-DE" sz="2400" spc="-1" strike="noStrike">
                 <a:solidFill>
                   <a:srgbClr val="000000"/>
                 </a:solidFill>
@@ -5554,46 +5215,34 @@
                 </a:uFill>
                 <a:latin typeface="Arial"/>
               </a:rPr>
-              <a:t>Efficiency</a:t>
+              <a:t> </a:t>
             </a:r>
-            <a:endParaRPr b="0" lang="de-DE" sz="1600" spc="-1" strike="noStrike">
-              <a:solidFill>
-                <a:srgbClr val="000000"/>
-              </a:solidFill>
-              <a:uFill>
-                <a:solidFill>
-                  <a:srgbClr val="ffffff"/>
-                </a:solidFill>
-              </a:uFill>
-              <a:latin typeface="Arial"/>
-            </a:endParaRPr>
-          </a:p>
-          <a:p>
-            <a:pPr>
-              <a:lnSpc>
-                <a:spcPct val="114000"/>
-              </a:lnSpc>
-            </a:pPr>
-            <a:endParaRPr b="0" lang="de-DE" sz="1600" spc="-1" strike="noStrike">
-              <a:solidFill>
-                <a:srgbClr val="000000"/>
-              </a:solidFill>
-              <a:uFill>
-                <a:solidFill>
-                  <a:srgbClr val="ffffff"/>
-                </a:solidFill>
-              </a:uFill>
-              <a:latin typeface="Arial"/>
-            </a:endParaRPr>
-          </a:p>
-          <a:p>
-            <a:pPr>
-              <a:lnSpc>
-                <a:spcPct val="114000"/>
-              </a:lnSpc>
+            <a:endParaRPr b="0" lang="de-DE" sz="1800" spc="-1" strike="noStrike">
+              <a:solidFill>
+                <a:srgbClr val="000000"/>
+              </a:solidFill>
+              <a:uFill>
+                <a:solidFill>
+                  <a:srgbClr val="ffffff"/>
+                </a:solidFill>
+              </a:uFill>
+              <a:latin typeface="Arial"/>
+            </a:endParaRPr>
+          </a:p>
+          <a:p>
+            <a:pPr lvl="1" marL="432000" indent="-216000">
+              <a:lnSpc>
+                <a:spcPct val="100000"/>
+              </a:lnSpc>
+              <a:buClr>
+                <a:srgbClr val="000000"/>
+              </a:buClr>
+              <a:buSzPct val="45000"/>
+              <a:buFont typeface="Wingdings" charset="2"/>
+              <a:buChar char=""/>
             </a:pPr>
             <a:r>
-              <a:rPr b="0" lang="de-DE" sz="2200" spc="-1" strike="noStrike">
+              <a:rPr b="0" lang="de-DE" sz="2400" spc="-1" strike="noStrike">
                 <a:solidFill>
                   <a:srgbClr val="000000"/>
                 </a:solidFill>
@@ -5604,9 +5253,313 @@
                 </a:uFill>
                 <a:latin typeface="Arial"/>
               </a:rPr>
-              <a:t>Explain through example</a:t>
+              <a:t> </a:t>
             </a:r>
-            <a:endParaRPr b="0" lang="de-DE" sz="1600" spc="-1" strike="noStrike">
+            <a:endParaRPr b="0" lang="de-DE" sz="1800" spc="-1" strike="noStrike">
+              <a:solidFill>
+                <a:srgbClr val="000000"/>
+              </a:solidFill>
+              <a:uFill>
+                <a:solidFill>
+                  <a:srgbClr val="ffffff"/>
+                </a:solidFill>
+              </a:uFill>
+              <a:latin typeface="Arial"/>
+            </a:endParaRPr>
+          </a:p>
+          <a:p>
+            <a:pPr lvl="1" marL="432000" indent="-216000">
+              <a:lnSpc>
+                <a:spcPct val="100000"/>
+              </a:lnSpc>
+              <a:buClr>
+                <a:srgbClr val="000000"/>
+              </a:buClr>
+              <a:buSzPct val="45000"/>
+              <a:buFont typeface="Wingdings" charset="2"/>
+              <a:buChar char=""/>
+            </a:pPr>
+            <a:r>
+              <a:rPr b="0" lang="de-DE" sz="2400" spc="-1" strike="noStrike">
+                <a:solidFill>
+                  <a:srgbClr val="000000"/>
+                </a:solidFill>
+                <a:uFill>
+                  <a:solidFill>
+                    <a:srgbClr val="ffffff"/>
+                  </a:solidFill>
+                </a:uFill>
+                <a:latin typeface="Arial"/>
+              </a:rPr>
+              <a:t> </a:t>
+            </a:r>
+            <a:endParaRPr b="0" lang="de-DE" sz="1800" spc="-1" strike="noStrike">
+              <a:solidFill>
+                <a:srgbClr val="000000"/>
+              </a:solidFill>
+              <a:uFill>
+                <a:solidFill>
+                  <a:srgbClr val="ffffff"/>
+                </a:solidFill>
+              </a:uFill>
+              <a:latin typeface="Arial"/>
+            </a:endParaRPr>
+          </a:p>
+          <a:p>
+            <a:pPr lvl="1" marL="432000" indent="-216000">
+              <a:lnSpc>
+                <a:spcPct val="100000"/>
+              </a:lnSpc>
+              <a:buClr>
+                <a:srgbClr val="000000"/>
+              </a:buClr>
+              <a:buSzPct val="45000"/>
+              <a:buFont typeface="Wingdings" charset="2"/>
+              <a:buChar char=""/>
+            </a:pPr>
+            <a:r>
+              <a:rPr b="0" lang="de-DE" sz="2400" spc="-1" strike="noStrike">
+                <a:solidFill>
+                  <a:srgbClr val="000000"/>
+                </a:solidFill>
+                <a:uFill>
+                  <a:solidFill>
+                    <a:srgbClr val="ffffff"/>
+                  </a:solidFill>
+                </a:uFill>
+                <a:latin typeface="Arial"/>
+              </a:rPr>
+              <a:t>Not all output data is useful</a:t>
+            </a:r>
+            <a:endParaRPr b="0" lang="de-DE" sz="1800" spc="-1" strike="noStrike">
+              <a:solidFill>
+                <a:srgbClr val="000000"/>
+              </a:solidFill>
+              <a:uFill>
+                <a:solidFill>
+                  <a:srgbClr val="ffffff"/>
+                </a:solidFill>
+              </a:uFill>
+              <a:latin typeface="Arial"/>
+            </a:endParaRPr>
+          </a:p>
+          <a:p>
+            <a:pPr lvl="1" marL="432000" indent="-216000">
+              <a:lnSpc>
+                <a:spcPct val="100000"/>
+              </a:lnSpc>
+              <a:buClr>
+                <a:srgbClr val="000000"/>
+              </a:buClr>
+              <a:buSzPct val="45000"/>
+              <a:buFont typeface="Wingdings" charset="2"/>
+              <a:buChar char=""/>
+            </a:pPr>
+            <a:r>
+              <a:rPr b="0" lang="de-DE" sz="2400" spc="-1" strike="noStrike">
+                <a:solidFill>
+                  <a:srgbClr val="000000"/>
+                </a:solidFill>
+                <a:uFill>
+                  <a:solidFill>
+                    <a:srgbClr val="ffffff"/>
+                  </a:solidFill>
+                </a:uFill>
+                <a:latin typeface="Arial"/>
+              </a:rPr>
+              <a:t> </a:t>
+            </a:r>
+            <a:endParaRPr b="0" lang="de-DE" sz="1800" spc="-1" strike="noStrike">
+              <a:solidFill>
+                <a:srgbClr val="000000"/>
+              </a:solidFill>
+              <a:uFill>
+                <a:solidFill>
+                  <a:srgbClr val="ffffff"/>
+                </a:solidFill>
+              </a:uFill>
+              <a:latin typeface="Arial"/>
+            </a:endParaRPr>
+          </a:p>
+          <a:p>
+            <a:pPr lvl="1" marL="432000" indent="-216000">
+              <a:lnSpc>
+                <a:spcPct val="100000"/>
+              </a:lnSpc>
+              <a:buClr>
+                <a:srgbClr val="000000"/>
+              </a:buClr>
+              <a:buSzPct val="45000"/>
+              <a:buFont typeface="Wingdings" charset="2"/>
+              <a:buChar char=""/>
+            </a:pPr>
+            <a:r>
+              <a:rPr b="0" lang="de-DE" sz="2400" spc="-1" strike="noStrike">
+                <a:solidFill>
+                  <a:srgbClr val="000000"/>
+                </a:solidFill>
+                <a:uFill>
+                  <a:solidFill>
+                    <a:srgbClr val="ffffff"/>
+                  </a:solidFill>
+                </a:uFill>
+                <a:latin typeface="Arial"/>
+              </a:rPr>
+              <a:t> </a:t>
+            </a:r>
+            <a:endParaRPr b="0" lang="de-DE" sz="1800" spc="-1" strike="noStrike">
+              <a:solidFill>
+                <a:srgbClr val="000000"/>
+              </a:solidFill>
+              <a:uFill>
+                <a:solidFill>
+                  <a:srgbClr val="ffffff"/>
+                </a:solidFill>
+              </a:uFill>
+              <a:latin typeface="Arial"/>
+            </a:endParaRPr>
+          </a:p>
+          <a:p>
+            <a:pPr lvl="1" marL="432000" indent="-216000">
+              <a:lnSpc>
+                <a:spcPct val="100000"/>
+              </a:lnSpc>
+              <a:buClr>
+                <a:srgbClr val="000000"/>
+              </a:buClr>
+              <a:buSzPct val="45000"/>
+              <a:buFont typeface="Wingdings" charset="2"/>
+              <a:buChar char=""/>
+            </a:pPr>
+            <a:r>
+              <a:rPr b="0" lang="de-DE" sz="2400" spc="-1" strike="noStrike">
+                <a:solidFill>
+                  <a:srgbClr val="000000"/>
+                </a:solidFill>
+                <a:uFill>
+                  <a:solidFill>
+                    <a:srgbClr val="ffffff"/>
+                  </a:solidFill>
+                </a:uFill>
+                <a:latin typeface="Arial"/>
+              </a:rPr>
+              <a:t> </a:t>
+            </a:r>
+            <a:endParaRPr b="0" lang="de-DE" sz="1800" spc="-1" strike="noStrike">
+              <a:solidFill>
+                <a:srgbClr val="000000"/>
+              </a:solidFill>
+              <a:uFill>
+                <a:solidFill>
+                  <a:srgbClr val="ffffff"/>
+                </a:solidFill>
+              </a:uFill>
+              <a:latin typeface="Arial"/>
+            </a:endParaRPr>
+          </a:p>
+          <a:p>
+            <a:pPr lvl="1" marL="432000" indent="-216000">
+              <a:lnSpc>
+                <a:spcPct val="100000"/>
+              </a:lnSpc>
+              <a:buClr>
+                <a:srgbClr val="000000"/>
+              </a:buClr>
+              <a:buSzPct val="45000"/>
+              <a:buFont typeface="Wingdings" charset="2"/>
+              <a:buChar char=""/>
+            </a:pPr>
+            <a:r>
+              <a:rPr b="0" lang="de-DE" sz="2400" spc="-1" strike="noStrike">
+                <a:solidFill>
+                  <a:srgbClr val="000000"/>
+                </a:solidFill>
+                <a:uFill>
+                  <a:solidFill>
+                    <a:srgbClr val="ffffff"/>
+                  </a:solidFill>
+                </a:uFill>
+                <a:latin typeface="Arial"/>
+              </a:rPr>
+              <a:t>How to effectively extract the useful parts?</a:t>
+            </a:r>
+            <a:endParaRPr b="0" lang="de-DE" sz="1800" spc="-1" strike="noStrike">
+              <a:solidFill>
+                <a:srgbClr val="000000"/>
+              </a:solidFill>
+              <a:uFill>
+                <a:solidFill>
+                  <a:srgbClr val="ffffff"/>
+                </a:solidFill>
+              </a:uFill>
+              <a:latin typeface="Arial"/>
+            </a:endParaRPr>
+          </a:p>
+          <a:p>
+            <a:pPr lvl="1" marL="432000" indent="-216000">
+              <a:lnSpc>
+                <a:spcPct val="100000"/>
+              </a:lnSpc>
+              <a:buClr>
+                <a:srgbClr val="000000"/>
+              </a:buClr>
+              <a:buSzPct val="45000"/>
+              <a:buFont typeface="Wingdings" charset="2"/>
+              <a:buChar char=""/>
+            </a:pPr>
+            <a:r>
+              <a:rPr b="0" lang="de-DE" sz="2400" spc="-1" strike="noStrike">
+                <a:solidFill>
+                  <a:srgbClr val="000000"/>
+                </a:solidFill>
+                <a:uFill>
+                  <a:solidFill>
+                    <a:srgbClr val="ffffff"/>
+                  </a:solidFill>
+                </a:uFill>
+                <a:latin typeface="Arial"/>
+              </a:rPr>
+              <a:t> </a:t>
+            </a:r>
+            <a:endParaRPr b="0" lang="de-DE" sz="1800" spc="-1" strike="noStrike">
+              <a:solidFill>
+                <a:srgbClr val="000000"/>
+              </a:solidFill>
+              <a:uFill>
+                <a:solidFill>
+                  <a:srgbClr val="ffffff"/>
+                </a:solidFill>
+              </a:uFill>
+              <a:latin typeface="Arial"/>
+            </a:endParaRPr>
+          </a:p>
+          <a:p>
+            <a:pPr lvl="1" marL="432000" indent="-216000">
+              <a:lnSpc>
+                <a:spcPct val="100000"/>
+              </a:lnSpc>
+              <a:buClr>
+                <a:srgbClr val="000000"/>
+              </a:buClr>
+              <a:buSzPct val="45000"/>
+              <a:buFont typeface="Wingdings" charset="2"/>
+              <a:buChar char=""/>
+            </a:pPr>
+            <a:r>
+              <a:rPr b="0" lang="de-DE" sz="2400" spc="-1" strike="noStrike">
+                <a:solidFill>
+                  <a:srgbClr val="000000"/>
+                </a:solidFill>
+                <a:uFill>
+                  <a:solidFill>
+                    <a:srgbClr val="ffffff"/>
+                  </a:solidFill>
+                </a:uFill>
+                <a:latin typeface="Arial"/>
+              </a:rPr>
+              <a:t> </a:t>
+            </a:r>
+            <a:endParaRPr b="0" lang="de-DE" sz="1800" spc="-1" strike="noStrike">
               <a:solidFill>
                 <a:srgbClr val="000000"/>
               </a:solidFill>
@@ -5621,51 +5574,365 @@
           <a:p>
             <a:pPr>
               <a:lnSpc>
+                <a:spcPct val="100000"/>
+              </a:lnSpc>
+            </a:pPr>
+            <a:endParaRPr b="0" lang="de-DE" sz="1800" spc="-1" strike="noStrike">
+              <a:solidFill>
+                <a:srgbClr val="000000"/>
+              </a:solidFill>
+              <a:uFill>
+                <a:solidFill>
+                  <a:srgbClr val="ffffff"/>
+                </a:solidFill>
+              </a:uFill>
+              <a:latin typeface="Arial"/>
+            </a:endParaRPr>
+          </a:p>
+          <a:p>
+            <a:pPr lvl="1" marL="432000" indent="-216000">
+              <a:lnSpc>
+                <a:spcPct val="100000"/>
+              </a:lnSpc>
+              <a:buClr>
+                <a:srgbClr val="000000"/>
+              </a:buClr>
+              <a:buSzPct val="45000"/>
+              <a:buFont typeface="Wingdings" charset="2"/>
+              <a:buChar char=""/>
+            </a:pPr>
+            <a:r>
+              <a:rPr b="0" lang="de-DE" sz="2400" spc="-1" strike="noStrike">
+                <a:solidFill>
+                  <a:srgbClr val="000000"/>
+                </a:solidFill>
+                <a:uFill>
+                  <a:solidFill>
+                    <a:srgbClr val="ffffff"/>
+                  </a:solidFill>
+                </a:uFill>
+                <a:latin typeface="Arial"/>
+              </a:rPr>
+              <a:t> </a:t>
+            </a:r>
+            <a:endParaRPr b="0" lang="de-DE" sz="1800" spc="-1" strike="noStrike">
+              <a:solidFill>
+                <a:srgbClr val="000000"/>
+              </a:solidFill>
+              <a:uFill>
+                <a:solidFill>
+                  <a:srgbClr val="ffffff"/>
+                </a:solidFill>
+              </a:uFill>
+              <a:latin typeface="Arial"/>
+            </a:endParaRPr>
+          </a:p>
+          <a:p>
+            <a:pPr lvl="1" marL="432000" indent="-216000">
+              <a:lnSpc>
+                <a:spcPct val="100000"/>
+              </a:lnSpc>
+              <a:buClr>
+                <a:srgbClr val="000000"/>
+              </a:buClr>
+              <a:buSzPct val="45000"/>
+              <a:buFont typeface="Wingdings" charset="2"/>
+              <a:buChar char=""/>
+            </a:pPr>
+            <a:r>
+              <a:rPr b="0" lang="de-DE" sz="2400" spc="-1" strike="noStrike">
+                <a:solidFill>
+                  <a:srgbClr val="000000"/>
+                </a:solidFill>
+                <a:uFill>
+                  <a:solidFill>
+                    <a:srgbClr val="ffffff"/>
+                  </a:solidFill>
+                </a:uFill>
+                <a:latin typeface="Arial"/>
+              </a:rPr>
+              <a:t> </a:t>
+            </a:r>
+            <a:endParaRPr b="0" lang="de-DE" sz="1800" spc="-1" strike="noStrike">
+              <a:solidFill>
+                <a:srgbClr val="000000"/>
+              </a:solidFill>
+              <a:uFill>
+                <a:solidFill>
+                  <a:srgbClr val="ffffff"/>
+                </a:solidFill>
+              </a:uFill>
+              <a:latin typeface="Arial"/>
+            </a:endParaRPr>
+          </a:p>
+          <a:p>
+            <a:pPr>
+              <a:lnSpc>
+                <a:spcPct val="100000"/>
+              </a:lnSpc>
+            </a:pPr>
+            <a:endParaRPr b="0" lang="de-DE" sz="1800" spc="-1" strike="noStrike">
+              <a:solidFill>
+                <a:srgbClr val="000000"/>
+              </a:solidFill>
+              <a:uFill>
+                <a:solidFill>
+                  <a:srgbClr val="ffffff"/>
+                </a:solidFill>
+              </a:uFill>
+              <a:latin typeface="Arial"/>
+            </a:endParaRPr>
+          </a:p>
+          <a:p>
+            <a:pPr lvl="1" marL="432000" indent="-216000">
+              <a:lnSpc>
+                <a:spcPct val="100000"/>
+              </a:lnSpc>
+              <a:buClr>
+                <a:srgbClr val="000000"/>
+              </a:buClr>
+              <a:buSzPct val="45000"/>
+              <a:buFont typeface="Wingdings" charset="2"/>
+              <a:buChar char=""/>
+            </a:pPr>
+            <a:r>
+              <a:rPr b="0" lang="de-DE" sz="2400" spc="-1" strike="noStrike">
+                <a:solidFill>
+                  <a:srgbClr val="000000"/>
+                </a:solidFill>
+                <a:uFill>
+                  <a:solidFill>
+                    <a:srgbClr val="ffffff"/>
+                  </a:solidFill>
+                </a:uFill>
+                <a:latin typeface="Arial"/>
+              </a:rPr>
+              <a:t> </a:t>
+            </a:r>
+            <a:endParaRPr b="0" lang="de-DE" sz="1800" spc="-1" strike="noStrike">
+              <a:solidFill>
+                <a:srgbClr val="000000"/>
+              </a:solidFill>
+              <a:uFill>
+                <a:solidFill>
+                  <a:srgbClr val="ffffff"/>
+                </a:solidFill>
+              </a:uFill>
+              <a:latin typeface="Arial"/>
+            </a:endParaRPr>
+          </a:p>
+          <a:p>
+            <a:pPr lvl="1" marL="432000" indent="-216000">
+              <a:lnSpc>
+                <a:spcPct val="100000"/>
+              </a:lnSpc>
+              <a:buClr>
+                <a:srgbClr val="000000"/>
+              </a:buClr>
+              <a:buSzPct val="45000"/>
+              <a:buFont typeface="Wingdings" charset="2"/>
+              <a:buChar char=""/>
+            </a:pPr>
+            <a:r>
+              <a:rPr b="0" lang="de-DE" sz="2400" spc="-1" strike="noStrike">
+                <a:solidFill>
+                  <a:srgbClr val="000000"/>
+                </a:solidFill>
+                <a:uFill>
+                  <a:solidFill>
+                    <a:srgbClr val="ffffff"/>
+                  </a:solidFill>
+                </a:uFill>
+                <a:latin typeface="Arial"/>
+              </a:rPr>
+              <a:t> </a:t>
+            </a:r>
+            <a:endParaRPr b="0" lang="de-DE" sz="1800" spc="-1" strike="noStrike">
+              <a:solidFill>
+                <a:srgbClr val="000000"/>
+              </a:solidFill>
+              <a:uFill>
+                <a:solidFill>
+                  <a:srgbClr val="ffffff"/>
+                </a:solidFill>
+              </a:uFill>
+              <a:latin typeface="Arial"/>
+            </a:endParaRPr>
+          </a:p>
+          <a:p>
+            <a:pPr>
+              <a:lnSpc>
+                <a:spcPct val="100000"/>
+              </a:lnSpc>
+            </a:pPr>
+            <a:endParaRPr b="0" lang="de-DE" sz="1800" spc="-1" strike="noStrike">
+              <a:solidFill>
+                <a:srgbClr val="000000"/>
+              </a:solidFill>
+              <a:uFill>
+                <a:solidFill>
+                  <a:srgbClr val="ffffff"/>
+                </a:solidFill>
+              </a:uFill>
+              <a:latin typeface="Arial"/>
+            </a:endParaRPr>
+          </a:p>
+          <a:p>
+            <a:pPr>
+              <a:lnSpc>
+                <a:spcPct val="100000"/>
+              </a:lnSpc>
+            </a:pPr>
+            <a:endParaRPr b="0" lang="de-DE" sz="1800" spc="-1" strike="noStrike">
+              <a:solidFill>
+                <a:srgbClr val="000000"/>
+              </a:solidFill>
+              <a:uFill>
+                <a:solidFill>
+                  <a:srgbClr val="ffffff"/>
+                </a:solidFill>
+              </a:uFill>
+              <a:latin typeface="Arial"/>
+            </a:endParaRPr>
+          </a:p>
+          <a:p>
+            <a:pPr lvl="1" marL="432000" indent="-216000">
+              <a:lnSpc>
+                <a:spcPct val="100000"/>
+              </a:lnSpc>
+              <a:buClr>
+                <a:srgbClr val="000000"/>
+              </a:buClr>
+              <a:buSzPct val="45000"/>
+              <a:buFont typeface="Wingdings" charset="2"/>
+              <a:buChar char=""/>
+            </a:pPr>
+            <a:r>
+              <a:rPr b="0" lang="de-DE" sz="2400" spc="-1" strike="noStrike">
+                <a:solidFill>
+                  <a:srgbClr val="000000"/>
+                </a:solidFill>
+                <a:uFill>
+                  <a:solidFill>
+                    <a:srgbClr val="ffffff"/>
+                  </a:solidFill>
+                </a:uFill>
+                <a:latin typeface="Arial"/>
+              </a:rPr>
+              <a:t> </a:t>
+            </a:r>
+            <a:endParaRPr b="0" lang="de-DE" sz="1800" spc="-1" strike="noStrike">
+              <a:solidFill>
+                <a:srgbClr val="000000"/>
+              </a:solidFill>
+              <a:uFill>
+                <a:solidFill>
+                  <a:srgbClr val="ffffff"/>
+                </a:solidFill>
+              </a:uFill>
+              <a:latin typeface="Arial"/>
+            </a:endParaRPr>
+          </a:p>
+          <a:p>
+            <a:pPr lvl="1" marL="432000" indent="-216000">
+              <a:lnSpc>
+                <a:spcPct val="100000"/>
+              </a:lnSpc>
+              <a:buClr>
+                <a:srgbClr val="000000"/>
+              </a:buClr>
+              <a:buSzPct val="45000"/>
+              <a:buFont typeface="Wingdings" charset="2"/>
+              <a:buChar char=""/>
+            </a:pPr>
+            <a:r>
+              <a:rPr b="0" lang="de-DE" sz="2400" spc="-1" strike="noStrike">
+                <a:solidFill>
+                  <a:srgbClr val="000000"/>
+                </a:solidFill>
+                <a:uFill>
+                  <a:solidFill>
+                    <a:srgbClr val="ffffff"/>
+                  </a:solidFill>
+                </a:uFill>
+                <a:latin typeface="Arial"/>
+              </a:rPr>
+              <a:t> </a:t>
+            </a:r>
+            <a:endParaRPr b="0" lang="de-DE" sz="1800" spc="-1" strike="noStrike">
+              <a:solidFill>
+                <a:srgbClr val="000000"/>
+              </a:solidFill>
+              <a:uFill>
+                <a:solidFill>
+                  <a:srgbClr val="ffffff"/>
+                </a:solidFill>
+              </a:uFill>
+              <a:latin typeface="Arial"/>
+            </a:endParaRPr>
+          </a:p>
+          <a:p>
+            <a:pPr>
+              <a:lnSpc>
+                <a:spcPct val="100000"/>
+              </a:lnSpc>
+            </a:pPr>
+            <a:r>
+              <a:rPr b="0" lang="de-DE" sz="2400" spc="-1" strike="noStrike">
+                <a:solidFill>
+                  <a:srgbClr val="000000"/>
+                </a:solidFill>
+                <a:uFill>
+                  <a:solidFill>
+                    <a:srgbClr val="ffffff"/>
+                  </a:solidFill>
+                </a:uFill>
+                <a:latin typeface="Arial"/>
+              </a:rPr>
+              <a:t> </a:t>
+            </a:r>
+            <a:endParaRPr b="0" lang="de-DE" sz="1800" spc="-1" strike="noStrike">
+              <a:solidFill>
+                <a:srgbClr val="000000"/>
+              </a:solidFill>
+              <a:uFill>
+                <a:solidFill>
+                  <a:srgbClr val="ffffff"/>
+                </a:solidFill>
+              </a:uFill>
+              <a:latin typeface="Arial"/>
+            </a:endParaRPr>
+          </a:p>
+          <a:p>
+            <a:pPr>
+              <a:lnSpc>
                 <a:spcPct val="114000"/>
               </a:lnSpc>
             </a:pPr>
-            <a:endParaRPr b="0" lang="de-DE" sz="1600" spc="-1" strike="noStrike">
-              <a:solidFill>
-                <a:srgbClr val="000000"/>
-              </a:solidFill>
-              <a:uFill>
-                <a:solidFill>
-                  <a:srgbClr val="ffffff"/>
-                </a:solidFill>
-              </a:uFill>
-              <a:latin typeface="Arial"/>
-            </a:endParaRPr>
-          </a:p>
-          <a:p>
-            <a:pPr>
-              <a:lnSpc>
-                <a:spcPct val="114000"/>
-              </a:lnSpc>
-            </a:pPr>
-            <a:endParaRPr b="0" lang="de-DE" sz="1600" spc="-1" strike="noStrike">
-              <a:solidFill>
-                <a:srgbClr val="000000"/>
-              </a:solidFill>
-              <a:uFill>
-                <a:solidFill>
-                  <a:srgbClr val="ffffff"/>
-                </a:solidFill>
-              </a:uFill>
-              <a:latin typeface="Arial"/>
-            </a:endParaRPr>
-          </a:p>
-        </p:txBody>
-      </p:sp>
-      <p:sp>
-        <p:nvSpPr>
-          <p:cNvPr id="94" name="TextShape 2"/>
-          <p:cNvSpPr txBox="1"/>
+            <a:endParaRPr b="0" lang="de-DE" sz="1800" spc="-1" strike="noStrike">
+              <a:solidFill>
+                <a:srgbClr val="000000"/>
+              </a:solidFill>
+              <a:uFill>
+                <a:solidFill>
+                  <a:srgbClr val="ffffff"/>
+                </a:solidFill>
+              </a:uFill>
+              <a:latin typeface="Arial"/>
+            </a:endParaRPr>
+          </a:p>
+        </p:txBody>
+      </p:sp>
+      <p:sp>
+        <p:nvSpPr>
+          <p:cNvPr id="90" name="CustomShape 2"/>
+          <p:cNvSpPr/>
           <p:nvPr/>
         </p:nvSpPr>
         <p:spPr>
           <a:xfrm>
             <a:off x="6774840" y="6473160"/>
-            <a:ext cx="2051640" cy="364680"/>
+            <a:ext cx="2051280" cy="364320"/>
           </a:xfrm>
           <a:prstGeom prst="rect">
             <a:avLst/>
@@ -5675,15 +5942,21 @@
             <a:noFill/>
           </a:ln>
         </p:spPr>
-        <p:txBody>
-          <a:bodyPr lIns="0" rIns="0" anchor="ctr"/>
+        <p:style>
+          <a:lnRef idx="0"/>
+          <a:fillRef idx="0"/>
+          <a:effectRef idx="0"/>
+          <a:fontRef idx="minor"/>
+        </p:style>
+        <p:txBody>
+          <a:bodyPr lIns="0" rIns="0" tIns="45000" bIns="45000" anchor="ctr"/>
           <a:p>
             <a:pPr algn="r">
               <a:lnSpc>
                 <a:spcPct val="100000"/>
               </a:lnSpc>
             </a:pPr>
-            <a:fld id="{ABC9E17F-0E7D-436C-8320-8A552E5784EE}" type="slidenum">
+            <a:fld id="{7B95C4CC-1667-4D6A-97BB-945814090231}" type="slidenum">
               <a:rPr b="0" lang="de-DE" sz="1200" spc="-1" strike="noStrike">
                 <a:solidFill>
                   <a:srgbClr val="000000"/>
@@ -5697,30 +5970,30 @@
               </a:rPr>
               <a:t>1</a:t>
             </a:fld>
-            <a:endParaRPr b="0" lang="de-DE" sz="1200" spc="-1" strike="noStrike">
-              <a:solidFill>
-                <a:srgbClr val="000000"/>
-              </a:solidFill>
-              <a:uFill>
-                <a:solidFill>
-                  <a:srgbClr val="ffffff"/>
-                </a:solidFill>
-              </a:uFill>
-              <a:latin typeface="Times New Roman"/>
-            </a:endParaRPr>
-          </a:p>
-        </p:txBody>
-      </p:sp>
-      <p:sp>
-        <p:nvSpPr>
-          <p:cNvPr id="95" name="TextShape 3"/>
-          <p:cNvSpPr txBox="1"/>
+            <a:endParaRPr b="0" lang="de-DE" sz="1800" spc="-1" strike="noStrike">
+              <a:solidFill>
+                <a:srgbClr val="000000"/>
+              </a:solidFill>
+              <a:uFill>
+                <a:solidFill>
+                  <a:srgbClr val="ffffff"/>
+                </a:solidFill>
+              </a:uFill>
+              <a:latin typeface="Arial"/>
+            </a:endParaRPr>
+          </a:p>
+        </p:txBody>
+      </p:sp>
+      <p:sp>
+        <p:nvSpPr>
+          <p:cNvPr id="91" name="CustomShape 3"/>
+          <p:cNvSpPr/>
           <p:nvPr/>
         </p:nvSpPr>
         <p:spPr>
           <a:xfrm>
             <a:off x="311040" y="6473160"/>
-            <a:ext cx="6463800" cy="364680"/>
+            <a:ext cx="6463440" cy="364320"/>
           </a:xfrm>
           <a:prstGeom prst="rect">
             <a:avLst/>
@@ -5730,8 +6003,14 @@
             <a:noFill/>
           </a:ln>
         </p:spPr>
-        <p:txBody>
-          <a:bodyPr lIns="0" rIns="0" anchor="ctr"/>
+        <p:style>
+          <a:lnRef idx="0"/>
+          <a:fillRef idx="0"/>
+          <a:effectRef idx="0"/>
+          <a:fontRef idx="minor"/>
+        </p:style>
+        <p:txBody>
+          <a:bodyPr lIns="0" rIns="0" tIns="45000" bIns="45000" anchor="ctr"/>
           <a:p>
             <a:pPr>
               <a:lnSpc>
@@ -5752,30 +6031,30 @@
               </a:rPr>
               <a:t>Oztoprak, Oguz (TUM) | Droll, Darwin (TUM) | Python-based Paraview postprocessing</a:t>
             </a:r>
-            <a:endParaRPr b="0" lang="de-DE" sz="1200" spc="-1" strike="noStrike">
-              <a:solidFill>
-                <a:srgbClr val="000000"/>
-              </a:solidFill>
-              <a:uFill>
-                <a:solidFill>
-                  <a:srgbClr val="ffffff"/>
-                </a:solidFill>
-              </a:uFill>
-              <a:latin typeface="Times New Roman"/>
-            </a:endParaRPr>
-          </a:p>
-        </p:txBody>
-      </p:sp>
-      <p:sp>
-        <p:nvSpPr>
-          <p:cNvPr id="96" name="TextShape 4"/>
-          <p:cNvSpPr txBox="1"/>
+            <a:endParaRPr b="0" lang="de-DE" sz="1800" spc="-1" strike="noStrike">
+              <a:solidFill>
+                <a:srgbClr val="000000"/>
+              </a:solidFill>
+              <a:uFill>
+                <a:solidFill>
+                  <a:srgbClr val="ffffff"/>
+                </a:solidFill>
+              </a:uFill>
+              <a:latin typeface="Arial"/>
+            </a:endParaRPr>
+          </a:p>
+        </p:txBody>
+      </p:sp>
+      <p:sp>
+        <p:nvSpPr>
+          <p:cNvPr id="92" name="CustomShape 4"/>
+          <p:cNvSpPr/>
           <p:nvPr/>
         </p:nvSpPr>
         <p:spPr>
           <a:xfrm>
-            <a:off x="318960" y="994320"/>
-            <a:ext cx="8508600" cy="410040"/>
+            <a:off x="544320" y="584640"/>
+            <a:ext cx="8508240" cy="409680"/>
           </a:xfrm>
           <a:prstGeom prst="rect">
             <a:avLst/>
@@ -5785,12 +6064,18 @@
             <a:noFill/>
           </a:ln>
         </p:spPr>
+        <p:style>
+          <a:lnRef idx="0"/>
+          <a:fillRef idx="0"/>
+          <a:effectRef idx="0"/>
+          <a:fontRef idx="minor"/>
+        </p:style>
         <p:txBody>
           <a:bodyPr lIns="0" rIns="0" tIns="0" bIns="0"/>
           <a:p>
             <a:pPr>
               <a:lnSpc>
-                <a:spcPts val="1129"/>
+                <a:spcPts val="398"/>
               </a:lnSpc>
             </a:pPr>
             <a:r>
@@ -5805,9 +6090,9 @@
                 </a:uFill>
                 <a:latin typeface="Arial"/>
               </a:rPr>
-              <a:t>Postprocessing</a:t>
+              <a:t>Introduction</a:t>
             </a:r>
-            <a:endParaRPr b="0" lang="de-DE" sz="2200" spc="-1" strike="noStrike">
+            <a:endParaRPr b="0" lang="de-DE" sz="1800" spc="-1" strike="noStrike">
               <a:solidFill>
                 <a:srgbClr val="000000"/>
               </a:solidFill>
@@ -5872,14 +6157,14 @@
       </p:grpSpPr>
       <p:sp>
         <p:nvSpPr>
-          <p:cNvPr id="97" name="TextShape 1"/>
-          <p:cNvSpPr txBox="1"/>
+          <p:cNvPr id="93" name="CustomShape 1"/>
+          <p:cNvSpPr/>
           <p:nvPr/>
         </p:nvSpPr>
         <p:spPr>
           <a:xfrm>
             <a:off x="318960" y="1762200"/>
-            <a:ext cx="8508600" cy="4699080"/>
+            <a:ext cx="8508240" cy="4698720"/>
           </a:xfrm>
           <a:prstGeom prst="rect">
             <a:avLst/>
@@ -5889,6 +6174,12 @@
             <a:noFill/>
           </a:ln>
         </p:spPr>
+        <p:style>
+          <a:lnRef idx="0"/>
+          <a:fillRef idx="0"/>
+          <a:effectRef idx="0"/>
+          <a:fontRef idx="minor"/>
+        </p:style>
         <p:txBody>
           <a:bodyPr lIns="0" rIns="0" tIns="0" bIns="0"/>
           <a:p>
@@ -5897,7 +6188,7 @@
                 <a:spcPct val="114000"/>
               </a:lnSpc>
             </a:pPr>
-            <a:endParaRPr b="0" lang="de-DE" sz="1600" spc="-1" strike="noStrike">
+            <a:endParaRPr b="0" lang="de-DE" sz="1800" spc="-1" strike="noStrike">
               <a:solidFill>
                 <a:srgbClr val="000000"/>
               </a:solidFill>
@@ -5929,7 +6220,7 @@
               </a:rPr>
               <a:t>What is paraview?</a:t>
             </a:r>
-            <a:endParaRPr b="0" lang="de-DE" sz="1600" spc="-1" strike="noStrike">
+            <a:endParaRPr b="0" lang="de-DE" sz="1800" spc="-1" strike="noStrike">
               <a:solidFill>
                 <a:srgbClr val="000000"/>
               </a:solidFill>
@@ -5947,7 +6238,7 @@
                 <a:spcPct val="114000"/>
               </a:lnSpc>
             </a:pPr>
-            <a:endParaRPr b="0" lang="de-DE" sz="1600" spc="-1" strike="noStrike">
+            <a:endParaRPr b="0" lang="de-DE" sz="1800" spc="-1" strike="noStrike">
               <a:solidFill>
                 <a:srgbClr val="000000"/>
               </a:solidFill>
@@ -5979,7 +6270,7 @@
               </a:rPr>
               <a:t>How does it work?</a:t>
             </a:r>
-            <a:endParaRPr b="0" lang="de-DE" sz="1600" spc="-1" strike="noStrike">
+            <a:endParaRPr b="0" lang="de-DE" sz="1800" spc="-1" strike="noStrike">
               <a:solidFill>
                 <a:srgbClr val="000000"/>
               </a:solidFill>
@@ -5997,7 +6288,7 @@
                 <a:spcPct val="114000"/>
               </a:lnSpc>
             </a:pPr>
-            <a:endParaRPr b="0" lang="de-DE" sz="1600" spc="-1" strike="noStrike">
+            <a:endParaRPr b="0" lang="de-DE" sz="1800" spc="-1" strike="noStrike">
               <a:solidFill>
                 <a:srgbClr val="000000"/>
               </a:solidFill>
@@ -6029,7 +6320,7 @@
               </a:rPr>
               <a:t>How it can help us</a:t>
             </a:r>
-            <a:endParaRPr b="0" lang="de-DE" sz="1600" spc="-1" strike="noStrike">
+            <a:endParaRPr b="0" lang="de-DE" sz="1800" spc="-1" strike="noStrike">
               <a:solidFill>
                 <a:srgbClr val="000000"/>
               </a:solidFill>
@@ -6047,7 +6338,7 @@
                 <a:spcPct val="114000"/>
               </a:lnSpc>
             </a:pPr>
-            <a:endParaRPr b="0" lang="de-DE" sz="1600" spc="-1" strike="noStrike">
+            <a:endParaRPr b="0" lang="de-DE" sz="1800" spc="-1" strike="noStrike">
               <a:solidFill>
                 <a:srgbClr val="000000"/>
               </a:solidFill>
@@ -6065,7 +6356,7 @@
                 <a:spcPct val="114000"/>
               </a:lnSpc>
             </a:pPr>
-            <a:endParaRPr b="0" lang="de-DE" sz="1600" spc="-1" strike="noStrike">
+            <a:endParaRPr b="0" lang="de-DE" sz="1800" spc="-1" strike="noStrike">
               <a:solidFill>
                 <a:srgbClr val="000000"/>
               </a:solidFill>
@@ -6083,30 +6374,30 @@
                 <a:spcPct val="114000"/>
               </a:lnSpc>
             </a:pPr>
-            <a:endParaRPr b="0" lang="de-DE" sz="1600" spc="-1" strike="noStrike">
-              <a:solidFill>
-                <a:srgbClr val="000000"/>
-              </a:solidFill>
-              <a:uFill>
-                <a:solidFill>
-                  <a:srgbClr val="ffffff"/>
-                </a:solidFill>
-              </a:uFill>
-              <a:latin typeface="Arial"/>
-            </a:endParaRPr>
-          </a:p>
-        </p:txBody>
-      </p:sp>
-      <p:sp>
-        <p:nvSpPr>
-          <p:cNvPr id="98" name="TextShape 2"/>
-          <p:cNvSpPr txBox="1"/>
+            <a:endParaRPr b="0" lang="de-DE" sz="1800" spc="-1" strike="noStrike">
+              <a:solidFill>
+                <a:srgbClr val="000000"/>
+              </a:solidFill>
+              <a:uFill>
+                <a:solidFill>
+                  <a:srgbClr val="ffffff"/>
+                </a:solidFill>
+              </a:uFill>
+              <a:latin typeface="Arial"/>
+            </a:endParaRPr>
+          </a:p>
+        </p:txBody>
+      </p:sp>
+      <p:sp>
+        <p:nvSpPr>
+          <p:cNvPr id="94" name="CustomShape 2"/>
+          <p:cNvSpPr/>
           <p:nvPr/>
         </p:nvSpPr>
         <p:spPr>
           <a:xfrm>
             <a:off x="6774840" y="6473160"/>
-            <a:ext cx="2051640" cy="364680"/>
+            <a:ext cx="2051280" cy="364320"/>
           </a:xfrm>
           <a:prstGeom prst="rect">
             <a:avLst/>
@@ -6116,15 +6407,21 @@
             <a:noFill/>
           </a:ln>
         </p:spPr>
-        <p:txBody>
-          <a:bodyPr lIns="0" rIns="0" anchor="ctr"/>
+        <p:style>
+          <a:lnRef idx="0"/>
+          <a:fillRef idx="0"/>
+          <a:effectRef idx="0"/>
+          <a:fontRef idx="minor"/>
+        </p:style>
+        <p:txBody>
+          <a:bodyPr lIns="0" rIns="0" tIns="45000" bIns="45000" anchor="ctr"/>
           <a:p>
             <a:pPr algn="r">
               <a:lnSpc>
                 <a:spcPct val="100000"/>
               </a:lnSpc>
             </a:pPr>
-            <a:fld id="{6C6E63D9-56E4-4498-8999-7626C6F08C51}" type="slidenum">
+            <a:fld id="{D99D0176-910E-447D-B67C-79D22DCA8BC8}" type="slidenum">
               <a:rPr b="0" lang="de-DE" sz="1200" spc="-1" strike="noStrike">
                 <a:solidFill>
                   <a:srgbClr val="000000"/>
@@ -6138,30 +6435,30 @@
               </a:rPr>
               <a:t>1</a:t>
             </a:fld>
-            <a:endParaRPr b="0" lang="de-DE" sz="1200" spc="-1" strike="noStrike">
-              <a:solidFill>
-                <a:srgbClr val="000000"/>
-              </a:solidFill>
-              <a:uFill>
-                <a:solidFill>
-                  <a:srgbClr val="ffffff"/>
-                </a:solidFill>
-              </a:uFill>
-              <a:latin typeface="Times New Roman"/>
-            </a:endParaRPr>
-          </a:p>
-        </p:txBody>
-      </p:sp>
-      <p:sp>
-        <p:nvSpPr>
-          <p:cNvPr id="99" name="TextShape 3"/>
-          <p:cNvSpPr txBox="1"/>
+            <a:endParaRPr b="0" lang="de-DE" sz="1800" spc="-1" strike="noStrike">
+              <a:solidFill>
+                <a:srgbClr val="000000"/>
+              </a:solidFill>
+              <a:uFill>
+                <a:solidFill>
+                  <a:srgbClr val="ffffff"/>
+                </a:solidFill>
+              </a:uFill>
+              <a:latin typeface="Arial"/>
+            </a:endParaRPr>
+          </a:p>
+        </p:txBody>
+      </p:sp>
+      <p:sp>
+        <p:nvSpPr>
+          <p:cNvPr id="95" name="CustomShape 3"/>
+          <p:cNvSpPr/>
           <p:nvPr/>
         </p:nvSpPr>
         <p:spPr>
           <a:xfrm>
             <a:off x="311040" y="6473160"/>
-            <a:ext cx="6463800" cy="364680"/>
+            <a:ext cx="6463440" cy="364320"/>
           </a:xfrm>
           <a:prstGeom prst="rect">
             <a:avLst/>
@@ -6171,8 +6468,14 @@
             <a:noFill/>
           </a:ln>
         </p:spPr>
-        <p:txBody>
-          <a:bodyPr lIns="0" rIns="0" anchor="ctr"/>
+        <p:style>
+          <a:lnRef idx="0"/>
+          <a:fillRef idx="0"/>
+          <a:effectRef idx="0"/>
+          <a:fontRef idx="minor"/>
+        </p:style>
+        <p:txBody>
+          <a:bodyPr lIns="0" rIns="0" tIns="45000" bIns="45000" anchor="ctr"/>
           <a:p>
             <a:pPr>
               <a:lnSpc>
@@ -6193,30 +6496,30 @@
               </a:rPr>
               <a:t>Oztoprak, Oguz (TUM) | Droll, Darwin (TUM) | Python-based Paraview postprocessing</a:t>
             </a:r>
-            <a:endParaRPr b="0" lang="de-DE" sz="1200" spc="-1" strike="noStrike">
-              <a:solidFill>
-                <a:srgbClr val="000000"/>
-              </a:solidFill>
-              <a:uFill>
-                <a:solidFill>
-                  <a:srgbClr val="ffffff"/>
-                </a:solidFill>
-              </a:uFill>
-              <a:latin typeface="Times New Roman"/>
-            </a:endParaRPr>
-          </a:p>
-        </p:txBody>
-      </p:sp>
-      <p:sp>
-        <p:nvSpPr>
-          <p:cNvPr id="100" name="TextShape 4"/>
-          <p:cNvSpPr txBox="1"/>
+            <a:endParaRPr b="0" lang="de-DE" sz="1800" spc="-1" strike="noStrike">
+              <a:solidFill>
+                <a:srgbClr val="000000"/>
+              </a:solidFill>
+              <a:uFill>
+                <a:solidFill>
+                  <a:srgbClr val="ffffff"/>
+                </a:solidFill>
+              </a:uFill>
+              <a:latin typeface="Arial"/>
+            </a:endParaRPr>
+          </a:p>
+        </p:txBody>
+      </p:sp>
+      <p:sp>
+        <p:nvSpPr>
+          <p:cNvPr id="96" name="CustomShape 4"/>
+          <p:cNvSpPr/>
           <p:nvPr/>
         </p:nvSpPr>
         <p:spPr>
           <a:xfrm>
             <a:off x="318960" y="994320"/>
-            <a:ext cx="8508600" cy="410040"/>
+            <a:ext cx="8508240" cy="409680"/>
           </a:xfrm>
           <a:prstGeom prst="rect">
             <a:avLst/>
@@ -6226,12 +6529,18 @@
             <a:noFill/>
           </a:ln>
         </p:spPr>
+        <p:style>
+          <a:lnRef idx="0"/>
+          <a:fillRef idx="0"/>
+          <a:effectRef idx="0"/>
+          <a:fontRef idx="minor"/>
+        </p:style>
         <p:txBody>
           <a:bodyPr lIns="0" rIns="0" tIns="0" bIns="0"/>
           <a:p>
             <a:pPr>
               <a:lnSpc>
-                <a:spcPts val="1129"/>
+                <a:spcPts val="398"/>
               </a:lnSpc>
             </a:pPr>
             <a:r>
@@ -6248,7 +6557,7 @@
               </a:rPr>
               <a:t>Paraview</a:t>
             </a:r>
-            <a:endParaRPr b="0" lang="de-DE" sz="2200" spc="-1" strike="noStrike">
+            <a:endParaRPr b="0" lang="de-DE" sz="1800" spc="-1" strike="noStrike">
               <a:solidFill>
                 <a:srgbClr val="000000"/>
               </a:solidFill>
@@ -6313,14 +6622,14 @@
       </p:grpSpPr>
       <p:sp>
         <p:nvSpPr>
-          <p:cNvPr id="101" name="TextShape 1"/>
-          <p:cNvSpPr txBox="1"/>
+          <p:cNvPr id="97" name="CustomShape 1"/>
+          <p:cNvSpPr/>
           <p:nvPr/>
         </p:nvSpPr>
         <p:spPr>
           <a:xfrm>
             <a:off x="318960" y="1762200"/>
-            <a:ext cx="8508600" cy="4699080"/>
+            <a:ext cx="8508240" cy="4698720"/>
           </a:xfrm>
           <a:prstGeom prst="rect">
             <a:avLst/>
@@ -6330,6 +6639,12 @@
             <a:noFill/>
           </a:ln>
         </p:spPr>
+        <p:style>
+          <a:lnRef idx="0"/>
+          <a:fillRef idx="0"/>
+          <a:effectRef idx="0"/>
+          <a:fontRef idx="minor"/>
+        </p:style>
         <p:txBody>
           <a:bodyPr lIns="0" rIns="0" tIns="0" bIns="0"/>
           <a:p>
@@ -6338,7 +6653,7 @@
                 <a:spcPct val="114000"/>
               </a:lnSpc>
             </a:pPr>
-            <a:endParaRPr b="0" lang="de-DE" sz="1600" spc="-1" strike="noStrike">
+            <a:endParaRPr b="0" lang="de-DE" sz="1800" spc="-1" strike="noStrike">
               <a:solidFill>
                 <a:srgbClr val="000000"/>
               </a:solidFill>
@@ -6370,7 +6685,7 @@
               </a:rPr>
               <a:t>Selecting of cells</a:t>
             </a:r>
-            <a:endParaRPr b="0" lang="de-DE" sz="1600" spc="-1" strike="noStrike">
+            <a:endParaRPr b="0" lang="de-DE" sz="1800" spc="-1" strike="noStrike">
               <a:solidFill>
                 <a:srgbClr val="000000"/>
               </a:solidFill>
@@ -6388,21 +6703,43 @@
                 <a:spcPct val="114000"/>
               </a:lnSpc>
             </a:pPr>
-            <a:r>
-              <a:rPr b="0" lang="de-DE" sz="2200" spc="-1" strike="noStrike">
-                <a:solidFill>
-                  <a:srgbClr val="000000"/>
-                </a:solidFill>
-                <a:uFill>
-                  <a:solidFill>
-                    <a:srgbClr val="ffffff"/>
-                  </a:solidFill>
-                </a:uFill>
-                <a:latin typeface="Arial"/>
-              </a:rPr>
-              <a:t>Distribution to Adhoc</a:t>
-            </a:r>
-            <a:endParaRPr b="0" lang="de-DE" sz="1600" spc="-1" strike="noStrike">
+            <a:endParaRPr b="0" lang="de-DE" sz="1800" spc="-1" strike="noStrike">
+              <a:solidFill>
+                <a:srgbClr val="000000"/>
+              </a:solidFill>
+              <a:uFill>
+                <a:solidFill>
+                  <a:srgbClr val="ffffff"/>
+                </a:solidFill>
+              </a:uFill>
+              <a:latin typeface="Arial"/>
+            </a:endParaRPr>
+          </a:p>
+          <a:p>
+            <a:pPr>
+              <a:lnSpc>
+                <a:spcPct val="114000"/>
+              </a:lnSpc>
+            </a:pPr>
+            <a:endParaRPr b="0" lang="de-DE" sz="1800" spc="-1" strike="noStrike">
+              <a:solidFill>
+                <a:srgbClr val="000000"/>
+              </a:solidFill>
+              <a:uFill>
+                <a:solidFill>
+                  <a:srgbClr val="ffffff"/>
+                </a:solidFill>
+              </a:uFill>
+              <a:latin typeface="Arial"/>
+            </a:endParaRPr>
+          </a:p>
+          <a:p>
+            <a:pPr>
+              <a:lnSpc>
+                <a:spcPct val="114000"/>
+              </a:lnSpc>
+            </a:pPr>
+            <a:endParaRPr b="0" lang="de-DE" sz="1800" spc="-1" strike="noStrike">
               <a:solidFill>
                 <a:srgbClr val="000000"/>
               </a:solidFill>
@@ -6434,30 +6771,30 @@
               </a:rPr>
               <a:t>Creating a new display in paraview out of the selected cells</a:t>
             </a:r>
-            <a:endParaRPr b="0" lang="de-DE" sz="1600" spc="-1" strike="noStrike">
-              <a:solidFill>
-                <a:srgbClr val="000000"/>
-              </a:solidFill>
-              <a:uFill>
-                <a:solidFill>
-                  <a:srgbClr val="ffffff"/>
-                </a:solidFill>
-              </a:uFill>
-              <a:latin typeface="Arial"/>
-            </a:endParaRPr>
-          </a:p>
-        </p:txBody>
-      </p:sp>
-      <p:sp>
-        <p:nvSpPr>
-          <p:cNvPr id="102" name="TextShape 2"/>
-          <p:cNvSpPr txBox="1"/>
+            <a:endParaRPr b="0" lang="de-DE" sz="1800" spc="-1" strike="noStrike">
+              <a:solidFill>
+                <a:srgbClr val="000000"/>
+              </a:solidFill>
+              <a:uFill>
+                <a:solidFill>
+                  <a:srgbClr val="ffffff"/>
+                </a:solidFill>
+              </a:uFill>
+              <a:latin typeface="Arial"/>
+            </a:endParaRPr>
+          </a:p>
+        </p:txBody>
+      </p:sp>
+      <p:sp>
+        <p:nvSpPr>
+          <p:cNvPr id="98" name="CustomShape 2"/>
+          <p:cNvSpPr/>
           <p:nvPr/>
         </p:nvSpPr>
         <p:spPr>
           <a:xfrm>
             <a:off x="6774840" y="6473160"/>
-            <a:ext cx="2051640" cy="364680"/>
+            <a:ext cx="2051280" cy="364320"/>
           </a:xfrm>
           <a:prstGeom prst="rect">
             <a:avLst/>
@@ -6467,15 +6804,21 @@
             <a:noFill/>
           </a:ln>
         </p:spPr>
-        <p:txBody>
-          <a:bodyPr lIns="0" rIns="0" anchor="ctr"/>
+        <p:style>
+          <a:lnRef idx="0"/>
+          <a:fillRef idx="0"/>
+          <a:effectRef idx="0"/>
+          <a:fontRef idx="minor"/>
+        </p:style>
+        <p:txBody>
+          <a:bodyPr lIns="0" rIns="0" tIns="45000" bIns="45000" anchor="ctr"/>
           <a:p>
             <a:pPr algn="r">
               <a:lnSpc>
                 <a:spcPct val="100000"/>
               </a:lnSpc>
             </a:pPr>
-            <a:fld id="{F10E84C2-3D4A-4B54-B745-F6C41176937F}" type="slidenum">
+            <a:fld id="{86B6BFA1-13F7-4856-A9DD-5896AFEB71A3}" type="slidenum">
               <a:rPr b="0" lang="de-DE" sz="1200" spc="-1" strike="noStrike">
                 <a:solidFill>
                   <a:srgbClr val="000000"/>
@@ -6489,30 +6832,30 @@
               </a:rPr>
               <a:t>1</a:t>
             </a:fld>
-            <a:endParaRPr b="0" lang="de-DE" sz="1200" spc="-1" strike="noStrike">
-              <a:solidFill>
-                <a:srgbClr val="000000"/>
-              </a:solidFill>
-              <a:uFill>
-                <a:solidFill>
-                  <a:srgbClr val="ffffff"/>
-                </a:solidFill>
-              </a:uFill>
-              <a:latin typeface="Times New Roman"/>
-            </a:endParaRPr>
-          </a:p>
-        </p:txBody>
-      </p:sp>
-      <p:sp>
-        <p:nvSpPr>
-          <p:cNvPr id="103" name="TextShape 3"/>
-          <p:cNvSpPr txBox="1"/>
+            <a:endParaRPr b="0" lang="de-DE" sz="1800" spc="-1" strike="noStrike">
+              <a:solidFill>
+                <a:srgbClr val="000000"/>
+              </a:solidFill>
+              <a:uFill>
+                <a:solidFill>
+                  <a:srgbClr val="ffffff"/>
+                </a:solidFill>
+              </a:uFill>
+              <a:latin typeface="Arial"/>
+            </a:endParaRPr>
+          </a:p>
+        </p:txBody>
+      </p:sp>
+      <p:sp>
+        <p:nvSpPr>
+          <p:cNvPr id="99" name="CustomShape 3"/>
+          <p:cNvSpPr/>
           <p:nvPr/>
         </p:nvSpPr>
         <p:spPr>
           <a:xfrm>
             <a:off x="311040" y="6473160"/>
-            <a:ext cx="6463800" cy="364680"/>
+            <a:ext cx="6463440" cy="364320"/>
           </a:xfrm>
           <a:prstGeom prst="rect">
             <a:avLst/>
@@ -6522,8 +6865,14 @@
             <a:noFill/>
           </a:ln>
         </p:spPr>
-        <p:txBody>
-          <a:bodyPr lIns="0" rIns="0" anchor="ctr"/>
+        <p:style>
+          <a:lnRef idx="0"/>
+          <a:fillRef idx="0"/>
+          <a:effectRef idx="0"/>
+          <a:fontRef idx="minor"/>
+        </p:style>
+        <p:txBody>
+          <a:bodyPr lIns="0" rIns="0" tIns="45000" bIns="45000" anchor="ctr"/>
           <a:p>
             <a:pPr>
               <a:lnSpc>
@@ -6544,30 +6893,30 @@
               </a:rPr>
               <a:t>Oztoprak, Oguz (TUM) | Droll, Darwin (TUM) | Python-based Paraview postprocessing</a:t>
             </a:r>
-            <a:endParaRPr b="0" lang="de-DE" sz="1200" spc="-1" strike="noStrike">
-              <a:solidFill>
-                <a:srgbClr val="000000"/>
-              </a:solidFill>
-              <a:uFill>
-                <a:solidFill>
-                  <a:srgbClr val="ffffff"/>
-                </a:solidFill>
-              </a:uFill>
-              <a:latin typeface="Times New Roman"/>
-            </a:endParaRPr>
-          </a:p>
-        </p:txBody>
-      </p:sp>
-      <p:sp>
-        <p:nvSpPr>
-          <p:cNvPr id="104" name="TextShape 4"/>
-          <p:cNvSpPr txBox="1"/>
+            <a:endParaRPr b="0" lang="de-DE" sz="1800" spc="-1" strike="noStrike">
+              <a:solidFill>
+                <a:srgbClr val="000000"/>
+              </a:solidFill>
+              <a:uFill>
+                <a:solidFill>
+                  <a:srgbClr val="ffffff"/>
+                </a:solidFill>
+              </a:uFill>
+              <a:latin typeface="Arial"/>
+            </a:endParaRPr>
+          </a:p>
+        </p:txBody>
+      </p:sp>
+      <p:sp>
+        <p:nvSpPr>
+          <p:cNvPr id="100" name="CustomShape 4"/>
+          <p:cNvSpPr/>
           <p:nvPr/>
         </p:nvSpPr>
         <p:spPr>
           <a:xfrm>
             <a:off x="318960" y="994320"/>
-            <a:ext cx="8508600" cy="410040"/>
+            <a:ext cx="8508240" cy="409680"/>
           </a:xfrm>
           <a:prstGeom prst="rect">
             <a:avLst/>
@@ -6577,12 +6926,18 @@
             <a:noFill/>
           </a:ln>
         </p:spPr>
+        <p:style>
+          <a:lnRef idx="0"/>
+          <a:fillRef idx="0"/>
+          <a:effectRef idx="0"/>
+          <a:fontRef idx="minor"/>
+        </p:style>
         <p:txBody>
           <a:bodyPr lIns="0" rIns="0" tIns="0" bIns="0"/>
           <a:p>
             <a:pPr>
               <a:lnSpc>
-                <a:spcPts val="1129"/>
+                <a:spcPts val="398"/>
               </a:lnSpc>
             </a:pPr>
             <a:r>
@@ -6599,7 +6954,7 @@
               </a:rPr>
               <a:t>Features</a:t>
             </a:r>
-            <a:endParaRPr b="0" lang="de-DE" sz="2200" spc="-1" strike="noStrike">
+            <a:endParaRPr b="0" lang="de-DE" sz="1800" spc="-1" strike="noStrike">
               <a:solidFill>
                 <a:srgbClr val="000000"/>
               </a:solidFill>
@@ -6664,14 +7019,14 @@
       </p:grpSpPr>
       <p:sp>
         <p:nvSpPr>
-          <p:cNvPr id="105" name="TextShape 1"/>
-          <p:cNvSpPr txBox="1"/>
+          <p:cNvPr id="101" name="CustomShape 1"/>
+          <p:cNvSpPr/>
           <p:nvPr/>
         </p:nvSpPr>
         <p:spPr>
           <a:xfrm>
             <a:off x="318960" y="1762200"/>
-            <a:ext cx="8508600" cy="4699080"/>
+            <a:ext cx="8508240" cy="4698720"/>
           </a:xfrm>
           <a:prstGeom prst="rect">
             <a:avLst/>
@@ -6681,6 +7036,12 @@
             <a:noFill/>
           </a:ln>
         </p:spPr>
+        <p:style>
+          <a:lnRef idx="0"/>
+          <a:fillRef idx="0"/>
+          <a:effectRef idx="0"/>
+          <a:fontRef idx="minor"/>
+        </p:style>
         <p:txBody>
           <a:bodyPr lIns="0" rIns="0" tIns="0" bIns="0"/>
           <a:p>
@@ -6689,7 +7050,7 @@
                 <a:spcPct val="114000"/>
               </a:lnSpc>
             </a:pPr>
-            <a:endParaRPr b="0" lang="de-DE" sz="1600" spc="-1" strike="noStrike">
+            <a:endParaRPr b="0" lang="de-DE" sz="1800" spc="-1" strike="noStrike">
               <a:solidFill>
                 <a:srgbClr val="000000"/>
               </a:solidFill>
@@ -6721,7 +7082,7 @@
               </a:rPr>
               <a:t>What we have done till now</a:t>
             </a:r>
-            <a:endParaRPr b="0" lang="de-DE" sz="1600" spc="-1" strike="noStrike">
+            <a:endParaRPr b="0" lang="de-DE" sz="1800" spc="-1" strike="noStrike">
               <a:solidFill>
                 <a:srgbClr val="000000"/>
               </a:solidFill>
@@ -6739,7 +7100,7 @@
                 <a:spcPct val="114000"/>
               </a:lnSpc>
             </a:pPr>
-            <a:endParaRPr b="0" lang="de-DE" sz="1600" spc="-1" strike="noStrike">
+            <a:endParaRPr b="0" lang="de-DE" sz="1800" spc="-1" strike="noStrike">
               <a:solidFill>
                 <a:srgbClr val="000000"/>
               </a:solidFill>
@@ -6771,7 +7132,7 @@
               </a:rPr>
               <a:t>Next steps &amp; tasks</a:t>
             </a:r>
-            <a:endParaRPr b="0" lang="de-DE" sz="1600" spc="-1" strike="noStrike">
+            <a:endParaRPr b="0" lang="de-DE" sz="1800" spc="-1" strike="noStrike">
               <a:solidFill>
                 <a:srgbClr val="000000"/>
               </a:solidFill>
@@ -6789,7 +7150,7 @@
                 <a:spcPct val="114000"/>
               </a:lnSpc>
             </a:pPr>
-            <a:endParaRPr b="0" lang="de-DE" sz="1600" spc="-1" strike="noStrike">
+            <a:endParaRPr b="0" lang="de-DE" sz="1800" spc="-1" strike="noStrike">
               <a:solidFill>
                 <a:srgbClr val="000000"/>
               </a:solidFill>
@@ -6807,7 +7168,7 @@
                 <a:spcPct val="114000"/>
               </a:lnSpc>
             </a:pPr>
-            <a:endParaRPr b="0" lang="de-DE" sz="1600" spc="-1" strike="noStrike">
+            <a:endParaRPr b="0" lang="de-DE" sz="1800" spc="-1" strike="noStrike">
               <a:solidFill>
                 <a:srgbClr val="000000"/>
               </a:solidFill>
@@ -6839,30 +7200,30 @@
               </a:rPr>
               <a:t>Creating a new display in paraview out of the selected cells</a:t>
             </a:r>
-            <a:endParaRPr b="0" lang="de-DE" sz="1600" spc="-1" strike="noStrike">
-              <a:solidFill>
-                <a:srgbClr val="000000"/>
-              </a:solidFill>
-              <a:uFill>
-                <a:solidFill>
-                  <a:srgbClr val="ffffff"/>
-                </a:solidFill>
-              </a:uFill>
-              <a:latin typeface="Arial"/>
-            </a:endParaRPr>
-          </a:p>
-        </p:txBody>
-      </p:sp>
-      <p:sp>
-        <p:nvSpPr>
-          <p:cNvPr id="106" name="TextShape 2"/>
-          <p:cNvSpPr txBox="1"/>
+            <a:endParaRPr b="0" lang="de-DE" sz="1800" spc="-1" strike="noStrike">
+              <a:solidFill>
+                <a:srgbClr val="000000"/>
+              </a:solidFill>
+              <a:uFill>
+                <a:solidFill>
+                  <a:srgbClr val="ffffff"/>
+                </a:solidFill>
+              </a:uFill>
+              <a:latin typeface="Arial"/>
+            </a:endParaRPr>
+          </a:p>
+        </p:txBody>
+      </p:sp>
+      <p:sp>
+        <p:nvSpPr>
+          <p:cNvPr id="102" name="CustomShape 2"/>
+          <p:cNvSpPr/>
           <p:nvPr/>
         </p:nvSpPr>
         <p:spPr>
           <a:xfrm>
             <a:off x="6774840" y="6473160"/>
-            <a:ext cx="2051640" cy="364680"/>
+            <a:ext cx="2051280" cy="364320"/>
           </a:xfrm>
           <a:prstGeom prst="rect">
             <a:avLst/>
@@ -6872,15 +7233,21 @@
             <a:noFill/>
           </a:ln>
         </p:spPr>
-        <p:txBody>
-          <a:bodyPr lIns="0" rIns="0" anchor="ctr"/>
+        <p:style>
+          <a:lnRef idx="0"/>
+          <a:fillRef idx="0"/>
+          <a:effectRef idx="0"/>
+          <a:fontRef idx="minor"/>
+        </p:style>
+        <p:txBody>
+          <a:bodyPr lIns="0" rIns="0" tIns="45000" bIns="45000" anchor="ctr"/>
           <a:p>
             <a:pPr algn="r">
               <a:lnSpc>
                 <a:spcPct val="100000"/>
               </a:lnSpc>
             </a:pPr>
-            <a:fld id="{4B44C603-F75B-4368-8B11-8EC5E8B93C11}" type="slidenum">
+            <a:fld id="{D5C89E9D-1904-495F-BFD0-39B731BEC321}" type="slidenum">
               <a:rPr b="0" lang="de-DE" sz="1200" spc="-1" strike="noStrike">
                 <a:solidFill>
                   <a:srgbClr val="000000"/>
@@ -6894,30 +7261,30 @@
               </a:rPr>
               <a:t>1</a:t>
             </a:fld>
-            <a:endParaRPr b="0" lang="de-DE" sz="1200" spc="-1" strike="noStrike">
-              <a:solidFill>
-                <a:srgbClr val="000000"/>
-              </a:solidFill>
-              <a:uFill>
-                <a:solidFill>
-                  <a:srgbClr val="ffffff"/>
-                </a:solidFill>
-              </a:uFill>
-              <a:latin typeface="Times New Roman"/>
-            </a:endParaRPr>
-          </a:p>
-        </p:txBody>
-      </p:sp>
-      <p:sp>
-        <p:nvSpPr>
-          <p:cNvPr id="107" name="TextShape 3"/>
-          <p:cNvSpPr txBox="1"/>
+            <a:endParaRPr b="0" lang="de-DE" sz="1800" spc="-1" strike="noStrike">
+              <a:solidFill>
+                <a:srgbClr val="000000"/>
+              </a:solidFill>
+              <a:uFill>
+                <a:solidFill>
+                  <a:srgbClr val="ffffff"/>
+                </a:solidFill>
+              </a:uFill>
+              <a:latin typeface="Arial"/>
+            </a:endParaRPr>
+          </a:p>
+        </p:txBody>
+      </p:sp>
+      <p:sp>
+        <p:nvSpPr>
+          <p:cNvPr id="103" name="CustomShape 3"/>
+          <p:cNvSpPr/>
           <p:nvPr/>
         </p:nvSpPr>
         <p:spPr>
           <a:xfrm>
             <a:off x="311040" y="6473160"/>
-            <a:ext cx="6463800" cy="364680"/>
+            <a:ext cx="6463440" cy="364320"/>
           </a:xfrm>
           <a:prstGeom prst="rect">
             <a:avLst/>
@@ -6927,8 +7294,14 @@
             <a:noFill/>
           </a:ln>
         </p:spPr>
-        <p:txBody>
-          <a:bodyPr lIns="0" rIns="0" anchor="ctr"/>
+        <p:style>
+          <a:lnRef idx="0"/>
+          <a:fillRef idx="0"/>
+          <a:effectRef idx="0"/>
+          <a:fontRef idx="minor"/>
+        </p:style>
+        <p:txBody>
+          <a:bodyPr lIns="0" rIns="0" tIns="45000" bIns="45000" anchor="ctr"/>
           <a:p>
             <a:pPr>
               <a:lnSpc>
@@ -6949,30 +7322,30 @@
               </a:rPr>
               <a:t>Oztoprak, Oguz (TUM) | Droll, Darwin (TUM) | Python-based Paraview postprocessing</a:t>
             </a:r>
-            <a:endParaRPr b="0" lang="de-DE" sz="1200" spc="-1" strike="noStrike">
-              <a:solidFill>
-                <a:srgbClr val="000000"/>
-              </a:solidFill>
-              <a:uFill>
-                <a:solidFill>
-                  <a:srgbClr val="ffffff"/>
-                </a:solidFill>
-              </a:uFill>
-              <a:latin typeface="Times New Roman"/>
-            </a:endParaRPr>
-          </a:p>
-        </p:txBody>
-      </p:sp>
-      <p:sp>
-        <p:nvSpPr>
-          <p:cNvPr id="108" name="TextShape 4"/>
-          <p:cNvSpPr txBox="1"/>
+            <a:endParaRPr b="0" lang="de-DE" sz="1800" spc="-1" strike="noStrike">
+              <a:solidFill>
+                <a:srgbClr val="000000"/>
+              </a:solidFill>
+              <a:uFill>
+                <a:solidFill>
+                  <a:srgbClr val="ffffff"/>
+                </a:solidFill>
+              </a:uFill>
+              <a:latin typeface="Arial"/>
+            </a:endParaRPr>
+          </a:p>
+        </p:txBody>
+      </p:sp>
+      <p:sp>
+        <p:nvSpPr>
+          <p:cNvPr id="104" name="CustomShape 4"/>
+          <p:cNvSpPr/>
           <p:nvPr/>
         </p:nvSpPr>
         <p:spPr>
           <a:xfrm>
             <a:off x="318960" y="994320"/>
-            <a:ext cx="8508600" cy="410040"/>
+            <a:ext cx="8508240" cy="409680"/>
           </a:xfrm>
           <a:prstGeom prst="rect">
             <a:avLst/>
@@ -6982,12 +7355,18 @@
             <a:noFill/>
           </a:ln>
         </p:spPr>
+        <p:style>
+          <a:lnRef idx="0"/>
+          <a:fillRef idx="0"/>
+          <a:effectRef idx="0"/>
+          <a:fontRef idx="minor"/>
+        </p:style>
         <p:txBody>
           <a:bodyPr lIns="0" rIns="0" tIns="0" bIns="0"/>
           <a:p>
             <a:pPr>
               <a:lnSpc>
-                <a:spcPts val="1129"/>
+                <a:spcPts val="398"/>
               </a:lnSpc>
             </a:pPr>
             <a:r>
@@ -7004,7 +7383,7 @@
               </a:rPr>
               <a:t>Timeline</a:t>
             </a:r>
-            <a:endParaRPr b="0" lang="de-DE" sz="2200" spc="-1" strike="noStrike">
+            <a:endParaRPr b="0" lang="de-DE" sz="1800" spc="-1" strike="noStrike">
               <a:solidFill>
                 <a:srgbClr val="000000"/>
               </a:solidFill>
@@ -7069,14 +7448,14 @@
       </p:grpSpPr>
       <p:sp>
         <p:nvSpPr>
-          <p:cNvPr id="109" name="TextShape 1"/>
-          <p:cNvSpPr txBox="1"/>
+          <p:cNvPr id="105" name="CustomShape 1"/>
+          <p:cNvSpPr/>
           <p:nvPr/>
         </p:nvSpPr>
         <p:spPr>
           <a:xfrm>
             <a:off x="318960" y="1762200"/>
-            <a:ext cx="8508600" cy="4699080"/>
+            <a:ext cx="8508240" cy="4698720"/>
           </a:xfrm>
           <a:prstGeom prst="rect">
             <a:avLst/>
@@ -7086,6 +7465,12 @@
             <a:noFill/>
           </a:ln>
         </p:spPr>
+        <p:style>
+          <a:lnRef idx="0"/>
+          <a:fillRef idx="0"/>
+          <a:effectRef idx="0"/>
+          <a:fontRef idx="minor"/>
+        </p:style>
         <p:txBody>
           <a:bodyPr lIns="0" rIns="0" tIns="0" bIns="0"/>
           <a:p>
@@ -7094,7 +7479,7 @@
                 <a:spcPct val="114000"/>
               </a:lnSpc>
             </a:pPr>
-            <a:endParaRPr b="0" lang="de-DE" sz="1600" spc="-1" strike="noStrike">
+            <a:endParaRPr b="0" lang="de-DE" sz="1800" spc="-1" strike="noStrike">
               <a:solidFill>
                 <a:srgbClr val="000000"/>
               </a:solidFill>
@@ -7126,7 +7511,25 @@
               </a:rPr>
               <a:t>Pvpython</a:t>
             </a:r>
-            <a:endParaRPr b="0" lang="de-DE" sz="1600" spc="-1" strike="noStrike">
+            <a:endParaRPr b="0" lang="de-DE" sz="1800" spc="-1" strike="noStrike">
+              <a:solidFill>
+                <a:srgbClr val="000000"/>
+              </a:solidFill>
+              <a:uFill>
+                <a:solidFill>
+                  <a:srgbClr val="ffffff"/>
+                </a:solidFill>
+              </a:uFill>
+              <a:latin typeface="Arial"/>
+            </a:endParaRPr>
+          </a:p>
+          <a:p>
+            <a:pPr>
+              <a:lnSpc>
+                <a:spcPct val="114000"/>
+              </a:lnSpc>
+            </a:pPr>
+            <a:endParaRPr b="0" lang="de-DE" sz="1800" spc="-1" strike="noStrike">
               <a:solidFill>
                 <a:srgbClr val="000000"/>
               </a:solidFill>
@@ -7156,9 +7559,27 @@
                 </a:uFill>
                 <a:latin typeface="Arial"/>
               </a:rPr>
-              <a:t>Parview</a:t>
+              <a:t>Paraview</a:t>
             </a:r>
-            <a:endParaRPr b="0" lang="de-DE" sz="1600" spc="-1" strike="noStrike">
+            <a:endParaRPr b="0" lang="de-DE" sz="1800" spc="-1" strike="noStrike">
+              <a:solidFill>
+                <a:srgbClr val="000000"/>
+              </a:solidFill>
+              <a:uFill>
+                <a:solidFill>
+                  <a:srgbClr val="ffffff"/>
+                </a:solidFill>
+              </a:uFill>
+              <a:latin typeface="Arial"/>
+            </a:endParaRPr>
+          </a:p>
+          <a:p>
+            <a:pPr>
+              <a:lnSpc>
+                <a:spcPct val="114000"/>
+              </a:lnSpc>
+            </a:pPr>
+            <a:endParaRPr b="0" lang="de-DE" sz="1800" spc="-1" strike="noStrike">
               <a:solidFill>
                 <a:srgbClr val="000000"/>
               </a:solidFill>
@@ -7190,7 +7611,7 @@
               </a:rPr>
               <a:t>Git server (Ubuntu)</a:t>
             </a:r>
-            <a:endParaRPr b="0" lang="de-DE" sz="1600" spc="-1" strike="noStrike">
+            <a:endParaRPr b="0" lang="de-DE" sz="1800" spc="-1" strike="noStrike">
               <a:solidFill>
                 <a:srgbClr val="000000"/>
               </a:solidFill>
@@ -7208,30 +7629,30 @@
                 <a:spcPct val="114000"/>
               </a:lnSpc>
             </a:pPr>
-            <a:endParaRPr b="0" lang="de-DE" sz="1600" spc="-1" strike="noStrike">
-              <a:solidFill>
-                <a:srgbClr val="000000"/>
-              </a:solidFill>
-              <a:uFill>
-                <a:solidFill>
-                  <a:srgbClr val="ffffff"/>
-                </a:solidFill>
-              </a:uFill>
-              <a:latin typeface="Arial"/>
-            </a:endParaRPr>
-          </a:p>
-        </p:txBody>
-      </p:sp>
-      <p:sp>
-        <p:nvSpPr>
-          <p:cNvPr id="110" name="TextShape 2"/>
-          <p:cNvSpPr txBox="1"/>
+            <a:endParaRPr b="0" lang="de-DE" sz="1800" spc="-1" strike="noStrike">
+              <a:solidFill>
+                <a:srgbClr val="000000"/>
+              </a:solidFill>
+              <a:uFill>
+                <a:solidFill>
+                  <a:srgbClr val="ffffff"/>
+                </a:solidFill>
+              </a:uFill>
+              <a:latin typeface="Arial"/>
+            </a:endParaRPr>
+          </a:p>
+        </p:txBody>
+      </p:sp>
+      <p:sp>
+        <p:nvSpPr>
+          <p:cNvPr id="106" name="CustomShape 2"/>
+          <p:cNvSpPr/>
           <p:nvPr/>
         </p:nvSpPr>
         <p:spPr>
           <a:xfrm>
             <a:off x="6774840" y="6473160"/>
-            <a:ext cx="2051640" cy="364680"/>
+            <a:ext cx="2051280" cy="364320"/>
           </a:xfrm>
           <a:prstGeom prst="rect">
             <a:avLst/>
@@ -7241,15 +7662,21 @@
             <a:noFill/>
           </a:ln>
         </p:spPr>
-        <p:txBody>
-          <a:bodyPr lIns="0" rIns="0" anchor="ctr"/>
+        <p:style>
+          <a:lnRef idx="0"/>
+          <a:fillRef idx="0"/>
+          <a:effectRef idx="0"/>
+          <a:fontRef idx="minor"/>
+        </p:style>
+        <p:txBody>
+          <a:bodyPr lIns="0" rIns="0" tIns="45000" bIns="45000" anchor="ctr"/>
           <a:p>
             <a:pPr algn="r">
               <a:lnSpc>
                 <a:spcPct val="100000"/>
               </a:lnSpc>
             </a:pPr>
-            <a:fld id="{2F517143-2A28-479A-B4F8-D7AAA1A0FCDF}" type="slidenum">
+            <a:fld id="{DFE694D8-1D9D-4AFC-B4F3-848450BFC723}" type="slidenum">
               <a:rPr b="0" lang="de-DE" sz="1200" spc="-1" strike="noStrike">
                 <a:solidFill>
                   <a:srgbClr val="000000"/>
@@ -7263,30 +7690,30 @@
               </a:rPr>
               <a:t>1</a:t>
             </a:fld>
-            <a:endParaRPr b="0" lang="de-DE" sz="1200" spc="-1" strike="noStrike">
-              <a:solidFill>
-                <a:srgbClr val="000000"/>
-              </a:solidFill>
-              <a:uFill>
-                <a:solidFill>
-                  <a:srgbClr val="ffffff"/>
-                </a:solidFill>
-              </a:uFill>
-              <a:latin typeface="Times New Roman"/>
-            </a:endParaRPr>
-          </a:p>
-        </p:txBody>
-      </p:sp>
-      <p:sp>
-        <p:nvSpPr>
-          <p:cNvPr id="111" name="TextShape 3"/>
-          <p:cNvSpPr txBox="1"/>
+            <a:endParaRPr b="0" lang="de-DE" sz="1800" spc="-1" strike="noStrike">
+              <a:solidFill>
+                <a:srgbClr val="000000"/>
+              </a:solidFill>
+              <a:uFill>
+                <a:solidFill>
+                  <a:srgbClr val="ffffff"/>
+                </a:solidFill>
+              </a:uFill>
+              <a:latin typeface="Arial"/>
+            </a:endParaRPr>
+          </a:p>
+        </p:txBody>
+      </p:sp>
+      <p:sp>
+        <p:nvSpPr>
+          <p:cNvPr id="107" name="CustomShape 3"/>
+          <p:cNvSpPr/>
           <p:nvPr/>
         </p:nvSpPr>
         <p:spPr>
           <a:xfrm>
             <a:off x="311040" y="6473160"/>
-            <a:ext cx="6463800" cy="364680"/>
+            <a:ext cx="6463440" cy="364320"/>
           </a:xfrm>
           <a:prstGeom prst="rect">
             <a:avLst/>
@@ -7296,8 +7723,14 @@
             <a:noFill/>
           </a:ln>
         </p:spPr>
-        <p:txBody>
-          <a:bodyPr lIns="0" rIns="0" anchor="ctr"/>
+        <p:style>
+          <a:lnRef idx="0"/>
+          <a:fillRef idx="0"/>
+          <a:effectRef idx="0"/>
+          <a:fontRef idx="minor"/>
+        </p:style>
+        <p:txBody>
+          <a:bodyPr lIns="0" rIns="0" tIns="45000" bIns="45000" anchor="ctr"/>
           <a:p>
             <a:pPr>
               <a:lnSpc>
@@ -7318,30 +7751,30 @@
               </a:rPr>
               <a:t>Oztoprak, Oguz (TUM) | Droll, Darwin (TUM) | Python-based Paraview postprocessing</a:t>
             </a:r>
-            <a:endParaRPr b="0" lang="de-DE" sz="1200" spc="-1" strike="noStrike">
-              <a:solidFill>
-                <a:srgbClr val="000000"/>
-              </a:solidFill>
-              <a:uFill>
-                <a:solidFill>
-                  <a:srgbClr val="ffffff"/>
-                </a:solidFill>
-              </a:uFill>
-              <a:latin typeface="Times New Roman"/>
-            </a:endParaRPr>
-          </a:p>
-        </p:txBody>
-      </p:sp>
-      <p:sp>
-        <p:nvSpPr>
-          <p:cNvPr id="112" name="TextShape 4"/>
-          <p:cNvSpPr txBox="1"/>
+            <a:endParaRPr b="0" lang="de-DE" sz="1800" spc="-1" strike="noStrike">
+              <a:solidFill>
+                <a:srgbClr val="000000"/>
+              </a:solidFill>
+              <a:uFill>
+                <a:solidFill>
+                  <a:srgbClr val="ffffff"/>
+                </a:solidFill>
+              </a:uFill>
+              <a:latin typeface="Arial"/>
+            </a:endParaRPr>
+          </a:p>
+        </p:txBody>
+      </p:sp>
+      <p:sp>
+        <p:nvSpPr>
+          <p:cNvPr id="108" name="CustomShape 4"/>
+          <p:cNvSpPr/>
           <p:nvPr/>
         </p:nvSpPr>
         <p:spPr>
           <a:xfrm>
             <a:off x="318960" y="994320"/>
-            <a:ext cx="8508600" cy="410040"/>
+            <a:ext cx="8508240" cy="409680"/>
           </a:xfrm>
           <a:prstGeom prst="rect">
             <a:avLst/>
@@ -7351,12 +7784,18 @@
             <a:noFill/>
           </a:ln>
         </p:spPr>
+        <p:style>
+          <a:lnRef idx="0"/>
+          <a:fillRef idx="0"/>
+          <a:effectRef idx="0"/>
+          <a:fontRef idx="minor"/>
+        </p:style>
         <p:txBody>
           <a:bodyPr lIns="0" rIns="0" tIns="0" bIns="0"/>
           <a:p>
             <a:pPr>
               <a:lnSpc>
-                <a:spcPts val="1129"/>
+                <a:spcPts val="398"/>
               </a:lnSpc>
             </a:pPr>
             <a:r>
@@ -7373,7 +7812,7 @@
               </a:rPr>
               <a:t>Strategy</a:t>
             </a:r>
-            <a:endParaRPr b="0" lang="de-DE" sz="2200" spc="-1" strike="noStrike">
+            <a:endParaRPr b="0" lang="de-DE" sz="1800" spc="-1" strike="noStrike">
               <a:solidFill>
                 <a:srgbClr val="000000"/>
               </a:solidFill>
@@ -7438,14 +7877,14 @@
       </p:grpSpPr>
       <p:sp>
         <p:nvSpPr>
-          <p:cNvPr id="113" name="TextShape 1"/>
-          <p:cNvSpPr txBox="1"/>
+          <p:cNvPr id="109" name="CustomShape 1"/>
+          <p:cNvSpPr/>
           <p:nvPr/>
         </p:nvSpPr>
         <p:spPr>
           <a:xfrm>
             <a:off x="318960" y="1762200"/>
-            <a:ext cx="8508600" cy="4699080"/>
+            <a:ext cx="8508240" cy="4698720"/>
           </a:xfrm>
           <a:prstGeom prst="rect">
             <a:avLst/>
@@ -7455,6 +7894,12 @@
             <a:noFill/>
           </a:ln>
         </p:spPr>
+        <p:style>
+          <a:lnRef idx="0"/>
+          <a:fillRef idx="0"/>
+          <a:effectRef idx="0"/>
+          <a:fontRef idx="minor"/>
+        </p:style>
         <p:txBody>
           <a:bodyPr lIns="0" rIns="0" tIns="0" bIns="0"/>
           <a:p>
@@ -7463,7 +7908,7 @@
                 <a:spcPct val="114000"/>
               </a:lnSpc>
             </a:pPr>
-            <a:endParaRPr b="0" lang="de-DE" sz="1600" spc="-1" strike="noStrike">
+            <a:endParaRPr b="0" lang="de-DE" sz="1800" spc="-1" strike="noStrike">
               <a:solidFill>
                 <a:srgbClr val="000000"/>
               </a:solidFill>
@@ -7481,30 +7926,30 @@
                 <a:spcPct val="114000"/>
               </a:lnSpc>
             </a:pPr>
-            <a:endParaRPr b="0" lang="de-DE" sz="1600" spc="-1" strike="noStrike">
-              <a:solidFill>
-                <a:srgbClr val="000000"/>
-              </a:solidFill>
-              <a:uFill>
-                <a:solidFill>
-                  <a:srgbClr val="ffffff"/>
-                </a:solidFill>
-              </a:uFill>
-              <a:latin typeface="Arial"/>
-            </a:endParaRPr>
-          </a:p>
-        </p:txBody>
-      </p:sp>
-      <p:sp>
-        <p:nvSpPr>
-          <p:cNvPr id="114" name="TextShape 2"/>
-          <p:cNvSpPr txBox="1"/>
+            <a:endParaRPr b="0" lang="de-DE" sz="1800" spc="-1" strike="noStrike">
+              <a:solidFill>
+                <a:srgbClr val="000000"/>
+              </a:solidFill>
+              <a:uFill>
+                <a:solidFill>
+                  <a:srgbClr val="ffffff"/>
+                </a:solidFill>
+              </a:uFill>
+              <a:latin typeface="Arial"/>
+            </a:endParaRPr>
+          </a:p>
+        </p:txBody>
+      </p:sp>
+      <p:sp>
+        <p:nvSpPr>
+          <p:cNvPr id="110" name="CustomShape 2"/>
+          <p:cNvSpPr/>
           <p:nvPr/>
         </p:nvSpPr>
         <p:spPr>
           <a:xfrm>
             <a:off x="6774840" y="6473160"/>
-            <a:ext cx="2051640" cy="364680"/>
+            <a:ext cx="2051280" cy="364320"/>
           </a:xfrm>
           <a:prstGeom prst="rect">
             <a:avLst/>
@@ -7514,15 +7959,21 @@
             <a:noFill/>
           </a:ln>
         </p:spPr>
-        <p:txBody>
-          <a:bodyPr lIns="0" rIns="0" anchor="ctr"/>
+        <p:style>
+          <a:lnRef idx="0"/>
+          <a:fillRef idx="0"/>
+          <a:effectRef idx="0"/>
+          <a:fontRef idx="minor"/>
+        </p:style>
+        <p:txBody>
+          <a:bodyPr lIns="0" rIns="0" tIns="45000" bIns="45000" anchor="ctr"/>
           <a:p>
             <a:pPr algn="r">
               <a:lnSpc>
                 <a:spcPct val="100000"/>
               </a:lnSpc>
             </a:pPr>
-            <a:fld id="{617C80FE-B084-4C17-BE99-684032B7421D}" type="slidenum">
+            <a:fld id="{C1EE2F19-6B08-42F1-BE02-16784D36ABE5}" type="slidenum">
               <a:rPr b="0" lang="de-DE" sz="1200" spc="-1" strike="noStrike">
                 <a:solidFill>
                   <a:srgbClr val="000000"/>
@@ -7536,30 +7987,30 @@
               </a:rPr>
               <a:t>1</a:t>
             </a:fld>
-            <a:endParaRPr b="0" lang="de-DE" sz="1200" spc="-1" strike="noStrike">
-              <a:solidFill>
-                <a:srgbClr val="000000"/>
-              </a:solidFill>
-              <a:uFill>
-                <a:solidFill>
-                  <a:srgbClr val="ffffff"/>
-                </a:solidFill>
-              </a:uFill>
-              <a:latin typeface="Times New Roman"/>
-            </a:endParaRPr>
-          </a:p>
-        </p:txBody>
-      </p:sp>
-      <p:sp>
-        <p:nvSpPr>
-          <p:cNvPr id="115" name="TextShape 3"/>
-          <p:cNvSpPr txBox="1"/>
+            <a:endParaRPr b="0" lang="de-DE" sz="1800" spc="-1" strike="noStrike">
+              <a:solidFill>
+                <a:srgbClr val="000000"/>
+              </a:solidFill>
+              <a:uFill>
+                <a:solidFill>
+                  <a:srgbClr val="ffffff"/>
+                </a:solidFill>
+              </a:uFill>
+              <a:latin typeface="Arial"/>
+            </a:endParaRPr>
+          </a:p>
+        </p:txBody>
+      </p:sp>
+      <p:sp>
+        <p:nvSpPr>
+          <p:cNvPr id="111" name="CustomShape 3"/>
+          <p:cNvSpPr/>
           <p:nvPr/>
         </p:nvSpPr>
         <p:spPr>
           <a:xfrm>
             <a:off x="311040" y="6473160"/>
-            <a:ext cx="6463800" cy="364680"/>
+            <a:ext cx="6463440" cy="364320"/>
           </a:xfrm>
           <a:prstGeom prst="rect">
             <a:avLst/>
@@ -7569,8 +8020,14 @@
             <a:noFill/>
           </a:ln>
         </p:spPr>
-        <p:txBody>
-          <a:bodyPr lIns="0" rIns="0" anchor="ctr"/>
+        <p:style>
+          <a:lnRef idx="0"/>
+          <a:fillRef idx="0"/>
+          <a:effectRef idx="0"/>
+          <a:fontRef idx="minor"/>
+        </p:style>
+        <p:txBody>
+          <a:bodyPr lIns="0" rIns="0" tIns="45000" bIns="45000" anchor="ctr"/>
           <a:p>
             <a:pPr>
               <a:lnSpc>
@@ -7591,30 +8048,30 @@
               </a:rPr>
               <a:t>Oztoprak, Oguz (TUM) | Droll, Darwin (TUM) | Python-based Paraview postprocessing</a:t>
             </a:r>
-            <a:endParaRPr b="0" lang="de-DE" sz="1200" spc="-1" strike="noStrike">
-              <a:solidFill>
-                <a:srgbClr val="000000"/>
-              </a:solidFill>
-              <a:uFill>
-                <a:solidFill>
-                  <a:srgbClr val="ffffff"/>
-                </a:solidFill>
-              </a:uFill>
-              <a:latin typeface="Times New Roman"/>
-            </a:endParaRPr>
-          </a:p>
-        </p:txBody>
-      </p:sp>
-      <p:sp>
-        <p:nvSpPr>
-          <p:cNvPr id="116" name="TextShape 4"/>
-          <p:cNvSpPr txBox="1"/>
+            <a:endParaRPr b="0" lang="de-DE" sz="1800" spc="-1" strike="noStrike">
+              <a:solidFill>
+                <a:srgbClr val="000000"/>
+              </a:solidFill>
+              <a:uFill>
+                <a:solidFill>
+                  <a:srgbClr val="ffffff"/>
+                </a:solidFill>
+              </a:uFill>
+              <a:latin typeface="Arial"/>
+            </a:endParaRPr>
+          </a:p>
+        </p:txBody>
+      </p:sp>
+      <p:sp>
+        <p:nvSpPr>
+          <p:cNvPr id="112" name="CustomShape 4"/>
+          <p:cNvSpPr/>
           <p:nvPr/>
         </p:nvSpPr>
         <p:spPr>
           <a:xfrm>
             <a:off x="318960" y="994320"/>
-            <a:ext cx="8508600" cy="410040"/>
+            <a:ext cx="8508240" cy="409680"/>
           </a:xfrm>
           <a:prstGeom prst="rect">
             <a:avLst/>
@@ -7624,12 +8081,18 @@
             <a:noFill/>
           </a:ln>
         </p:spPr>
+        <p:style>
+          <a:lnRef idx="0"/>
+          <a:fillRef idx="0"/>
+          <a:effectRef idx="0"/>
+          <a:fontRef idx="minor"/>
+        </p:style>
         <p:txBody>
           <a:bodyPr lIns="0" rIns="0" tIns="0" bIns="0"/>
           <a:p>
             <a:pPr>
               <a:lnSpc>
-                <a:spcPts val="1129"/>
+                <a:spcPts val="398"/>
               </a:lnSpc>
             </a:pPr>
             <a:r>
@@ -7646,7 +8109,7 @@
               </a:rPr>
               <a:t>Thank you for your attention.</a:t>
             </a:r>
-            <a:endParaRPr b="0" lang="de-DE" sz="2200" spc="-1" strike="noStrike">
+            <a:endParaRPr b="0" lang="de-DE" sz="1800" spc="-1" strike="noStrike">
               <a:solidFill>
                 <a:srgbClr val="000000"/>
               </a:solidFill>
@@ -7711,14 +8174,14 @@
       </p:grpSpPr>
       <p:sp>
         <p:nvSpPr>
-          <p:cNvPr id="117" name="TextShape 1"/>
-          <p:cNvSpPr txBox="1"/>
+          <p:cNvPr id="113" name="CustomShape 1"/>
+          <p:cNvSpPr/>
           <p:nvPr/>
         </p:nvSpPr>
         <p:spPr>
           <a:xfrm>
             <a:off x="318960" y="1762200"/>
-            <a:ext cx="8508600" cy="4699080"/>
+            <a:ext cx="8508240" cy="4698720"/>
           </a:xfrm>
           <a:prstGeom prst="rect">
             <a:avLst/>
@@ -7728,6 +8191,12 @@
             <a:noFill/>
           </a:ln>
         </p:spPr>
+        <p:style>
+          <a:lnRef idx="0"/>
+          <a:fillRef idx="0"/>
+          <a:effectRef idx="0"/>
+          <a:fontRef idx="minor"/>
+        </p:style>
         <p:txBody>
           <a:bodyPr lIns="0" rIns="0" tIns="0" bIns="0"/>
           <a:p>
@@ -7736,7 +8205,7 @@
                 <a:spcPct val="114000"/>
               </a:lnSpc>
             </a:pPr>
-            <a:endParaRPr b="0" lang="de-DE" sz="1600" spc="-1" strike="noStrike">
+            <a:endParaRPr b="0" lang="de-DE" sz="1800" spc="-1" strike="noStrike">
               <a:solidFill>
                 <a:srgbClr val="000000"/>
               </a:solidFill>
@@ -7754,30 +8223,30 @@
                 <a:spcPct val="114000"/>
               </a:lnSpc>
             </a:pPr>
-            <a:endParaRPr b="0" lang="de-DE" sz="1600" spc="-1" strike="noStrike">
-              <a:solidFill>
-                <a:srgbClr val="000000"/>
-              </a:solidFill>
-              <a:uFill>
-                <a:solidFill>
-                  <a:srgbClr val="ffffff"/>
-                </a:solidFill>
-              </a:uFill>
-              <a:latin typeface="Arial"/>
-            </a:endParaRPr>
-          </a:p>
-        </p:txBody>
-      </p:sp>
-      <p:sp>
-        <p:nvSpPr>
-          <p:cNvPr id="118" name="TextShape 2"/>
-          <p:cNvSpPr txBox="1"/>
+            <a:endParaRPr b="0" lang="de-DE" sz="1800" spc="-1" strike="noStrike">
+              <a:solidFill>
+                <a:srgbClr val="000000"/>
+              </a:solidFill>
+              <a:uFill>
+                <a:solidFill>
+                  <a:srgbClr val="ffffff"/>
+                </a:solidFill>
+              </a:uFill>
+              <a:latin typeface="Arial"/>
+            </a:endParaRPr>
+          </a:p>
+        </p:txBody>
+      </p:sp>
+      <p:sp>
+        <p:nvSpPr>
+          <p:cNvPr id="114" name="CustomShape 2"/>
+          <p:cNvSpPr/>
           <p:nvPr/>
         </p:nvSpPr>
         <p:spPr>
           <a:xfrm>
             <a:off x="6774840" y="6473160"/>
-            <a:ext cx="2051640" cy="364680"/>
+            <a:ext cx="2051280" cy="364320"/>
           </a:xfrm>
           <a:prstGeom prst="rect">
             <a:avLst/>
@@ -7787,15 +8256,21 @@
             <a:noFill/>
           </a:ln>
         </p:spPr>
-        <p:txBody>
-          <a:bodyPr lIns="0" rIns="0" anchor="ctr"/>
+        <p:style>
+          <a:lnRef idx="0"/>
+          <a:fillRef idx="0"/>
+          <a:effectRef idx="0"/>
+          <a:fontRef idx="minor"/>
+        </p:style>
+        <p:txBody>
+          <a:bodyPr lIns="0" rIns="0" tIns="45000" bIns="45000" anchor="ctr"/>
           <a:p>
             <a:pPr algn="r">
               <a:lnSpc>
                 <a:spcPct val="100000"/>
               </a:lnSpc>
             </a:pPr>
-            <a:fld id="{5DEAF5EF-0EA5-455B-856F-0590C327C8DE}" type="slidenum">
+            <a:fld id="{02AC6D09-7C76-4078-9354-A5CA030677A7}" type="slidenum">
               <a:rPr b="0" lang="de-DE" sz="1200" spc="-1" strike="noStrike">
                 <a:solidFill>
                   <a:srgbClr val="000000"/>
@@ -7809,30 +8284,30 @@
               </a:rPr>
               <a:t>1</a:t>
             </a:fld>
-            <a:endParaRPr b="0" lang="de-DE" sz="1200" spc="-1" strike="noStrike">
-              <a:solidFill>
-                <a:srgbClr val="000000"/>
-              </a:solidFill>
-              <a:uFill>
-                <a:solidFill>
-                  <a:srgbClr val="ffffff"/>
-                </a:solidFill>
-              </a:uFill>
-              <a:latin typeface="Times New Roman"/>
-            </a:endParaRPr>
-          </a:p>
-        </p:txBody>
-      </p:sp>
-      <p:sp>
-        <p:nvSpPr>
-          <p:cNvPr id="119" name="TextShape 3"/>
-          <p:cNvSpPr txBox="1"/>
+            <a:endParaRPr b="0" lang="de-DE" sz="1800" spc="-1" strike="noStrike">
+              <a:solidFill>
+                <a:srgbClr val="000000"/>
+              </a:solidFill>
+              <a:uFill>
+                <a:solidFill>
+                  <a:srgbClr val="ffffff"/>
+                </a:solidFill>
+              </a:uFill>
+              <a:latin typeface="Arial"/>
+            </a:endParaRPr>
+          </a:p>
+        </p:txBody>
+      </p:sp>
+      <p:sp>
+        <p:nvSpPr>
+          <p:cNvPr id="115" name="CustomShape 3"/>
+          <p:cNvSpPr/>
           <p:nvPr/>
         </p:nvSpPr>
         <p:spPr>
           <a:xfrm>
             <a:off x="311040" y="6473160"/>
-            <a:ext cx="6463800" cy="364680"/>
+            <a:ext cx="6463440" cy="364320"/>
           </a:xfrm>
           <a:prstGeom prst="rect">
             <a:avLst/>
@@ -7842,8 +8317,14 @@
             <a:noFill/>
           </a:ln>
         </p:spPr>
-        <p:txBody>
-          <a:bodyPr lIns="0" rIns="0" anchor="ctr"/>
+        <p:style>
+          <a:lnRef idx="0"/>
+          <a:fillRef idx="0"/>
+          <a:effectRef idx="0"/>
+          <a:fontRef idx="minor"/>
+        </p:style>
+        <p:txBody>
+          <a:bodyPr lIns="0" rIns="0" tIns="45000" bIns="45000" anchor="ctr"/>
           <a:p>
             <a:pPr>
               <a:lnSpc>
@@ -7864,30 +8345,30 @@
               </a:rPr>
               <a:t>Oztoprak, Oguz (TUM) | Droll, Darwin (TUM) | Python-based Paraview postprocessing</a:t>
             </a:r>
-            <a:endParaRPr b="0" lang="de-DE" sz="1200" spc="-1" strike="noStrike">
-              <a:solidFill>
-                <a:srgbClr val="000000"/>
-              </a:solidFill>
-              <a:uFill>
-                <a:solidFill>
-                  <a:srgbClr val="ffffff"/>
-                </a:solidFill>
-              </a:uFill>
-              <a:latin typeface="Times New Roman"/>
-            </a:endParaRPr>
-          </a:p>
-        </p:txBody>
-      </p:sp>
-      <p:sp>
-        <p:nvSpPr>
-          <p:cNvPr id="120" name="TextShape 4"/>
-          <p:cNvSpPr txBox="1"/>
+            <a:endParaRPr b="0" lang="de-DE" sz="1800" spc="-1" strike="noStrike">
+              <a:solidFill>
+                <a:srgbClr val="000000"/>
+              </a:solidFill>
+              <a:uFill>
+                <a:solidFill>
+                  <a:srgbClr val="ffffff"/>
+                </a:solidFill>
+              </a:uFill>
+              <a:latin typeface="Arial"/>
+            </a:endParaRPr>
+          </a:p>
+        </p:txBody>
+      </p:sp>
+      <p:sp>
+        <p:nvSpPr>
+          <p:cNvPr id="116" name="CustomShape 4"/>
+          <p:cNvSpPr/>
           <p:nvPr/>
         </p:nvSpPr>
         <p:spPr>
           <a:xfrm>
             <a:off x="318960" y="994320"/>
-            <a:ext cx="8508600" cy="410040"/>
+            <a:ext cx="8508240" cy="409680"/>
           </a:xfrm>
           <a:prstGeom prst="rect">
             <a:avLst/>
@@ -7897,12 +8378,18 @@
             <a:noFill/>
           </a:ln>
         </p:spPr>
+        <p:style>
+          <a:lnRef idx="0"/>
+          <a:fillRef idx="0"/>
+          <a:effectRef idx="0"/>
+          <a:fontRef idx="minor"/>
+        </p:style>
         <p:txBody>
           <a:bodyPr lIns="0" rIns="0" tIns="0" bIns="0"/>
           <a:p>
             <a:pPr>
               <a:lnSpc>
-                <a:spcPts val="1129"/>
+                <a:spcPts val="398"/>
               </a:lnSpc>
             </a:pPr>
             <a:r>
@@ -7919,7 +8406,7 @@
               </a:rPr>
               <a:t>Sources</a:t>
             </a:r>
-            <a:endParaRPr b="0" lang="de-DE" sz="2200" spc="-1" strike="noStrike">
+            <a:endParaRPr b="0" lang="de-DE" sz="1800" spc="-1" strike="noStrike">
               <a:solidFill>
                 <a:srgbClr val="000000"/>
               </a:solidFill>

--- a/Paraview-postprocessor.pptx
+++ b/Paraview-postprocessor.pptx
@@ -11,8 +11,8 @@
   <p:sldIdLst>
     <p:sldId id="256" r:id="rId3"/>
     <p:sldId id="257" r:id="rId4"/>
-    <p:sldId id="265" r:id="rId5"/>
-    <p:sldId id="258" r:id="rId6"/>
+    <p:sldId id="258" r:id="rId5"/>
+    <p:sldId id="265" r:id="rId6"/>
     <p:sldId id="259" r:id="rId7"/>
     <p:sldId id="260" r:id="rId8"/>
     <p:sldId id="261" r:id="rId9"/>
@@ -6150,19 +6150,8 @@
                 </a:uFill>
                 <a:latin typeface="Arial"/>
               </a:rPr>
-              <a:t>Introduction</a:t>
+              <a:t>Postprocessing</a:t>
             </a:r>
-            <a:endParaRPr lang="en-US" sz="1600" b="0" strike="noStrike" spc="-1" dirty="0">
-              <a:solidFill>
-                <a:srgbClr val="000000"/>
-              </a:solidFill>
-              <a:uFill>
-                <a:solidFill>
-                  <a:srgbClr val="FFFFFF"/>
-                </a:solidFill>
-              </a:uFill>
-              <a:latin typeface="Arial"/>
-            </a:endParaRPr>
           </a:p>
           <a:p>
             <a:pPr marL="343260" indent="-342900">
@@ -6187,7 +6176,7 @@
                 </a:uFill>
                 <a:latin typeface="Arial"/>
               </a:rPr>
-              <a:t>Postprocessing</a:t>
+              <a:t>Task</a:t>
             </a:r>
           </a:p>
           <a:p>
@@ -6543,7 +6532,7 @@
       </p:grpSpPr>
       <p:sp>
         <p:nvSpPr>
-          <p:cNvPr id="89" name="TextShape 1"/>
+          <p:cNvPr id="93" name="TextShape 1"/>
           <p:cNvSpPr txBox="1"/>
           <p:nvPr/>
         </p:nvSpPr>
@@ -6564,39 +6553,33 @@
           <a:bodyPr lIns="0" tIns="0" rIns="0" bIns="0"/>
           <a:lstStyle/>
           <a:p>
-            <a:pPr marL="286110" indent="-285750">
+            <a:pPr marL="342900" indent="-342900">
               <a:lnSpc>
-                <a:spcPct val="100000"/>
+                <a:spcPct val="114000"/>
               </a:lnSpc>
-              <a:buClr>
-                <a:srgbClr val="000000"/>
-              </a:buClr>
               <a:buFont typeface="Arial" panose="020B0604020202020204" pitchFamily="34" charset="0"/>
               <a:buChar char="•"/>
             </a:pPr>
             <a:r>
-              <a:rPr lang="en-US" sz="2200" spc="-1" dirty="0">
-                <a:solidFill>
-                  <a:srgbClr val="000000"/>
-                </a:solidFill>
-                <a:uFill>
-                  <a:solidFill>
-                    <a:srgbClr val="FFFFFF"/>
-                  </a:solidFill>
-                </a:uFill>
-                <a:latin typeface="Arial"/>
-              </a:rPr>
-              <a:t>Postprocessing for Paraview</a:t>
+              <a:rPr lang="en-US" sz="2200" b="0" strike="noStrike" spc="-1" dirty="0">
+                <a:solidFill>
+                  <a:srgbClr val="000000"/>
+                </a:solidFill>
+                <a:uFill>
+                  <a:solidFill>
+                    <a:srgbClr val="FFFFFF"/>
+                  </a:solidFill>
+                </a:uFill>
+                <a:latin typeface="Arial"/>
+              </a:rPr>
+              <a:t>Post (lat.) – after</a:t>
             </a:r>
           </a:p>
           <a:p>
-            <a:pPr marL="286110" indent="-285750">
+            <a:pPr marL="342900" indent="-342900">
               <a:lnSpc>
-                <a:spcPct val="100000"/>
+                <a:spcPct val="114000"/>
               </a:lnSpc>
-              <a:buClr>
-                <a:srgbClr val="000000"/>
-              </a:buClr>
               <a:buFont typeface="Arial" panose="020B0604020202020204" pitchFamily="34" charset="0"/>
               <a:buChar char="•"/>
             </a:pPr>
@@ -6612,17 +6595,25 @@
                 </a:uFill>
                 <a:latin typeface="Arial"/>
               </a:rPr>
-              <a:t>Distribution to an existing Program, called Adhoc</a:t>
+              <a:t>Further calculating may be necessary</a:t>
             </a:r>
-          </a:p>
-          <a:p>
-            <a:pPr marL="286110" indent="-285750">
+            <a:endParaRPr lang="en-US" sz="2200" b="0" strike="noStrike" spc="-1" dirty="0">
+              <a:solidFill>
+                <a:srgbClr val="000000"/>
+              </a:solidFill>
+              <a:uFill>
+                <a:solidFill>
+                  <a:srgbClr val="FFFFFF"/>
+                </a:solidFill>
+              </a:uFill>
+              <a:latin typeface="Arial"/>
+            </a:endParaRPr>
+          </a:p>
+          <a:p>
+            <a:pPr marL="342900" indent="-342900">
               <a:lnSpc>
-                <a:spcPct val="100000"/>
+                <a:spcPct val="114000"/>
               </a:lnSpc>
-              <a:buClr>
-                <a:srgbClr val="000000"/>
-              </a:buClr>
               <a:buFont typeface="Arial" panose="020B0604020202020204" pitchFamily="34" charset="0"/>
               <a:buChar char="•"/>
             </a:pPr>
@@ -6638,43 +6629,48 @@
                 </a:uFill>
                 <a:latin typeface="Arial"/>
               </a:rPr>
-              <a:t>Plugin written in python</a:t>
+              <a:t>Processing takes too long to do all calculations every time</a:t>
             </a:r>
-          </a:p>
-          <a:p>
-            <a:pPr marL="286110" indent="-285750">
+            <a:endParaRPr lang="en-US" sz="2200" spc="-1" dirty="0">
+              <a:solidFill>
+                <a:srgbClr val="000000"/>
+              </a:solidFill>
+              <a:uFill>
+                <a:solidFill>
+                  <a:srgbClr val="FFFFFF"/>
+                </a:solidFill>
+              </a:uFill>
+              <a:latin typeface="Arial"/>
+            </a:endParaRPr>
+          </a:p>
+          <a:p>
+            <a:pPr marL="800100" lvl="1" indent="-342900">
               <a:lnSpc>
-                <a:spcPct val="100000"/>
+                <a:spcPct val="114000"/>
               </a:lnSpc>
-              <a:buClr>
-                <a:srgbClr val="000000"/>
-              </a:buClr>
               <a:buFont typeface="Arial" panose="020B0604020202020204" pitchFamily="34" charset="0"/>
               <a:buChar char="•"/>
             </a:pPr>
             <a:r>
-              <a:rPr lang="en-US" sz="2200" spc="-1" dirty="0">
-                <a:solidFill>
-                  <a:srgbClr val="000000"/>
-                </a:solidFill>
-                <a:uFill>
-                  <a:solidFill>
-                    <a:srgbClr val="FFFFFF"/>
-                  </a:solidFill>
-                </a:uFill>
-                <a:latin typeface="Arial"/>
-              </a:rPr>
-              <a:t>Working OS Ubuntu (Linux)</a:t>
+              <a:rPr lang="en-US" sz="2200" b="0" strike="noStrike" spc="-1" dirty="0">
+                <a:solidFill>
+                  <a:srgbClr val="000000"/>
+                </a:solidFill>
+                <a:uFill>
+                  <a:solidFill>
+                    <a:srgbClr val="FFFFFF"/>
+                  </a:solidFill>
+                </a:uFill>
+                <a:latin typeface="Arial"/>
+              </a:rPr>
+              <a:t>Selecting a specific part for postprocessing</a:t>
             </a:r>
           </a:p>
           <a:p>
-            <a:pPr marL="286110" indent="-285750">
+            <a:pPr marL="342900" indent="-342900">
               <a:lnSpc>
-                <a:spcPct val="100000"/>
+                <a:spcPct val="114000"/>
               </a:lnSpc>
-              <a:buClr>
-                <a:srgbClr val="000000"/>
-              </a:buClr>
               <a:buFont typeface="Arial" panose="020B0604020202020204" pitchFamily="34" charset="0"/>
               <a:buChar char="•"/>
             </a:pPr>
@@ -6690,8 +6686,28 @@
                 </a:uFill>
                 <a:latin typeface="Arial"/>
               </a:rPr>
-              <a:t>Usage of GIT</a:t>
+              <a:t>Example: Building</a:t>
             </a:r>
+          </a:p>
+          <a:p>
+            <a:pPr marL="342900" indent="-342900">
+              <a:lnSpc>
+                <a:spcPct val="114000"/>
+              </a:lnSpc>
+              <a:buFont typeface="Arial" panose="020B0604020202020204" pitchFamily="34" charset="0"/>
+              <a:buChar char="•"/>
+            </a:pPr>
+            <a:endParaRPr lang="en-US" sz="1600" b="0" strike="noStrike" spc="-1" dirty="0">
+              <a:solidFill>
+                <a:srgbClr val="000000"/>
+              </a:solidFill>
+              <a:uFill>
+                <a:solidFill>
+                  <a:srgbClr val="FFFFFF"/>
+                </a:solidFill>
+              </a:uFill>
+              <a:latin typeface="Arial"/>
+            </a:endParaRPr>
           </a:p>
           <a:p>
             <a:pPr>
@@ -6699,6 +6715,42 @@
                 <a:spcPct val="114000"/>
               </a:lnSpc>
             </a:pPr>
+            <a:endParaRPr lang="en-US" sz="1600" b="0" strike="noStrike" spc="-1" dirty="0">
+              <a:solidFill>
+                <a:srgbClr val="000000"/>
+              </a:solidFill>
+              <a:uFill>
+                <a:solidFill>
+                  <a:srgbClr val="FFFFFF"/>
+                </a:solidFill>
+              </a:uFill>
+              <a:latin typeface="Arial"/>
+            </a:endParaRPr>
+          </a:p>
+          <a:p>
+            <a:pPr>
+              <a:lnSpc>
+                <a:spcPct val="114000"/>
+              </a:lnSpc>
+            </a:pPr>
+            <a:endParaRPr lang="en-US" sz="1600" b="0" strike="noStrike" spc="-1" dirty="0">
+              <a:solidFill>
+                <a:srgbClr val="000000"/>
+              </a:solidFill>
+              <a:uFill>
+                <a:solidFill>
+                  <a:srgbClr val="FFFFFF"/>
+                </a:solidFill>
+              </a:uFill>
+              <a:latin typeface="Arial"/>
+            </a:endParaRPr>
+          </a:p>
+          <a:p>
+            <a:pPr>
+              <a:lnSpc>
+                <a:spcPct val="114000"/>
+              </a:lnSpc>
+            </a:pPr>
             <a:endParaRPr lang="de-DE" sz="1600" b="0" strike="noStrike" spc="-1" dirty="0">
               <a:solidFill>
                 <a:srgbClr val="000000"/>
@@ -6715,7 +6767,7 @@
       </p:sp>
       <p:sp>
         <p:nvSpPr>
-          <p:cNvPr id="90" name="TextShape 2"/>
+          <p:cNvPr id="94" name="TextShape 2"/>
           <p:cNvSpPr txBox="1"/>
           <p:nvPr/>
         </p:nvSpPr>
@@ -6741,7 +6793,7 @@
                 <a:spcPct val="100000"/>
               </a:lnSpc>
             </a:pPr>
-            <a:fld id="{4F831EE4-46AE-4713-AD1F-E57479484FF3}" type="slidenum">
+            <a:fld id="{ABC9E17F-0E7D-436C-8320-8A552E5784EE}" type="slidenum">
               <a:rPr lang="de-DE" sz="1200" b="0" strike="noStrike" spc="-1">
                 <a:solidFill>
                   <a:srgbClr val="000000"/>
@@ -6771,7 +6823,7 @@
       </p:sp>
       <p:sp>
         <p:nvSpPr>
-          <p:cNvPr id="91" name="TextShape 3"/>
+          <p:cNvPr id="95" name="TextShape 3"/>
           <p:cNvSpPr txBox="1"/>
           <p:nvPr/>
         </p:nvSpPr>
@@ -6827,7 +6879,7 @@
       </p:sp>
       <p:sp>
         <p:nvSpPr>
-          <p:cNvPr id="92" name="TextShape 4"/>
+          <p:cNvPr id="96" name="TextShape 4"/>
           <p:cNvSpPr txBox="1"/>
           <p:nvPr/>
         </p:nvSpPr>
@@ -6865,7 +6917,7 @@
                 </a:uFill>
                 <a:latin typeface="Arial"/>
               </a:rPr>
-              <a:t>Introduction</a:t>
+              <a:t>Postprocessing</a:t>
             </a:r>
             <a:endParaRPr lang="en-US" sz="2200" b="0" strike="noStrike" spc="-1" dirty="0">
               <a:solidFill>
@@ -6882,11 +6934,6 @@
         </p:txBody>
       </p:sp>
     </p:spTree>
-    <p:extLst>
-      <p:ext uri="{BB962C8B-B14F-4D97-AF65-F5344CB8AC3E}">
-        <p14:creationId xmlns:p14="http://schemas.microsoft.com/office/powerpoint/2010/main" val="853532261"/>
-      </p:ext>
-    </p:extLst>
   </p:cSld>
   <p:clrMapOvr>
     <a:masterClrMapping/>
@@ -6940,7 +6987,7 @@
       </p:grpSpPr>
       <p:sp>
         <p:nvSpPr>
-          <p:cNvPr id="93" name="TextShape 1"/>
+          <p:cNvPr id="89" name="TextShape 1"/>
           <p:cNvSpPr txBox="1"/>
           <p:nvPr/>
         </p:nvSpPr>
@@ -6961,33 +7008,39 @@
           <a:bodyPr lIns="0" tIns="0" rIns="0" bIns="0"/>
           <a:lstStyle/>
           <a:p>
-            <a:pPr marL="342900" indent="-342900">
+            <a:pPr marL="286110" indent="-285750">
               <a:lnSpc>
-                <a:spcPct val="114000"/>
+                <a:spcPct val="100000"/>
               </a:lnSpc>
+              <a:buClr>
+                <a:srgbClr val="000000"/>
+              </a:buClr>
               <a:buFont typeface="Arial" panose="020B0604020202020204" pitchFamily="34" charset="0"/>
               <a:buChar char="•"/>
             </a:pPr>
             <a:r>
-              <a:rPr lang="en-US" sz="2200" b="0" strike="noStrike" spc="-1" dirty="0">
-                <a:solidFill>
-                  <a:srgbClr val="000000"/>
-                </a:solidFill>
-                <a:uFill>
-                  <a:solidFill>
-                    <a:srgbClr val="FFFFFF"/>
-                  </a:solidFill>
-                </a:uFill>
-                <a:latin typeface="Arial"/>
-              </a:rPr>
-              <a:t>Post (lat.) – after</a:t>
+              <a:rPr lang="en-US" sz="2200" spc="-1" dirty="0">
+                <a:solidFill>
+                  <a:srgbClr val="000000"/>
+                </a:solidFill>
+                <a:uFill>
+                  <a:solidFill>
+                    <a:srgbClr val="FFFFFF"/>
+                  </a:solidFill>
+                </a:uFill>
+                <a:latin typeface="Arial"/>
+              </a:rPr>
+              <a:t>Postprocessing for Paraview</a:t>
             </a:r>
           </a:p>
           <a:p>
-            <a:pPr marL="342900" indent="-342900">
+            <a:pPr marL="286110" indent="-285750">
               <a:lnSpc>
-                <a:spcPct val="114000"/>
+                <a:spcPct val="100000"/>
               </a:lnSpc>
+              <a:buClr>
+                <a:srgbClr val="000000"/>
+              </a:buClr>
               <a:buFont typeface="Arial" panose="020B0604020202020204" pitchFamily="34" charset="0"/>
               <a:buChar char="•"/>
             </a:pPr>
@@ -7003,25 +7056,17 @@
                 </a:uFill>
                 <a:latin typeface="Arial"/>
               </a:rPr>
-              <a:t>Further calculating may be necessary</a:t>
+              <a:t>Distribution to an existing Program, called Adhoc</a:t>
             </a:r>
-            <a:endParaRPr lang="en-US" sz="2200" b="0" strike="noStrike" spc="-1" dirty="0">
-              <a:solidFill>
-                <a:srgbClr val="000000"/>
-              </a:solidFill>
-              <a:uFill>
-                <a:solidFill>
-                  <a:srgbClr val="FFFFFF"/>
-                </a:solidFill>
-              </a:uFill>
-              <a:latin typeface="Arial"/>
-            </a:endParaRPr>
-          </a:p>
-          <a:p>
-            <a:pPr marL="342900" indent="-342900">
+          </a:p>
+          <a:p>
+            <a:pPr marL="286110" indent="-285750">
               <a:lnSpc>
-                <a:spcPct val="114000"/>
+                <a:spcPct val="100000"/>
               </a:lnSpc>
+              <a:buClr>
+                <a:srgbClr val="000000"/>
+              </a:buClr>
               <a:buFont typeface="Arial" panose="020B0604020202020204" pitchFamily="34" charset="0"/>
               <a:buChar char="•"/>
             </a:pPr>
@@ -7037,48 +7082,43 @@
                 </a:uFill>
                 <a:latin typeface="Arial"/>
               </a:rPr>
-              <a:t>Processing takes too long to do all calculations every time</a:t>
+              <a:t>Plugin written in python</a:t>
             </a:r>
-            <a:endParaRPr lang="en-US" sz="2200" spc="-1" dirty="0">
-              <a:solidFill>
-                <a:srgbClr val="000000"/>
-              </a:solidFill>
-              <a:uFill>
-                <a:solidFill>
-                  <a:srgbClr val="FFFFFF"/>
-                </a:solidFill>
-              </a:uFill>
-              <a:latin typeface="Arial"/>
-            </a:endParaRPr>
-          </a:p>
-          <a:p>
-            <a:pPr marL="800100" lvl="1" indent="-342900">
+          </a:p>
+          <a:p>
+            <a:pPr marL="286110" indent="-285750">
               <a:lnSpc>
-                <a:spcPct val="114000"/>
+                <a:spcPct val="100000"/>
               </a:lnSpc>
+              <a:buClr>
+                <a:srgbClr val="000000"/>
+              </a:buClr>
               <a:buFont typeface="Arial" panose="020B0604020202020204" pitchFamily="34" charset="0"/>
               <a:buChar char="•"/>
             </a:pPr>
             <a:r>
-              <a:rPr lang="en-US" sz="2200" b="0" strike="noStrike" spc="-1" dirty="0">
-                <a:solidFill>
-                  <a:srgbClr val="000000"/>
-                </a:solidFill>
-                <a:uFill>
-                  <a:solidFill>
-                    <a:srgbClr val="FFFFFF"/>
-                  </a:solidFill>
-                </a:uFill>
-                <a:latin typeface="Arial"/>
-              </a:rPr>
-              <a:t>Selecting a specific part for postprocessing</a:t>
+              <a:rPr lang="en-US" sz="2200" spc="-1" dirty="0">
+                <a:solidFill>
+                  <a:srgbClr val="000000"/>
+                </a:solidFill>
+                <a:uFill>
+                  <a:solidFill>
+                    <a:srgbClr val="FFFFFF"/>
+                  </a:solidFill>
+                </a:uFill>
+                <a:latin typeface="Arial"/>
+              </a:rPr>
+              <a:t>Working OS Ubuntu (Linux)</a:t>
             </a:r>
           </a:p>
           <a:p>
-            <a:pPr marL="342900" indent="-342900">
+            <a:pPr marL="286110" indent="-285750">
               <a:lnSpc>
-                <a:spcPct val="114000"/>
+                <a:spcPct val="100000"/>
               </a:lnSpc>
+              <a:buClr>
+                <a:srgbClr val="000000"/>
+              </a:buClr>
               <a:buFont typeface="Arial" panose="020B0604020202020204" pitchFamily="34" charset="0"/>
               <a:buChar char="•"/>
             </a:pPr>
@@ -7094,28 +7134,8 @@
                 </a:uFill>
                 <a:latin typeface="Arial"/>
               </a:rPr>
-              <a:t>Example: Building</a:t>
+              <a:t>Usage of GIT</a:t>
             </a:r>
-          </a:p>
-          <a:p>
-            <a:pPr marL="342900" indent="-342900">
-              <a:lnSpc>
-                <a:spcPct val="114000"/>
-              </a:lnSpc>
-              <a:buFont typeface="Arial" panose="020B0604020202020204" pitchFamily="34" charset="0"/>
-              <a:buChar char="•"/>
-            </a:pPr>
-            <a:endParaRPr lang="en-US" sz="1600" b="0" strike="noStrike" spc="-1" dirty="0">
-              <a:solidFill>
-                <a:srgbClr val="000000"/>
-              </a:solidFill>
-              <a:uFill>
-                <a:solidFill>
-                  <a:srgbClr val="FFFFFF"/>
-                </a:solidFill>
-              </a:uFill>
-              <a:latin typeface="Arial"/>
-            </a:endParaRPr>
           </a:p>
           <a:p>
             <a:pPr>
@@ -7123,42 +7143,6 @@
                 <a:spcPct val="114000"/>
               </a:lnSpc>
             </a:pPr>
-            <a:endParaRPr lang="en-US" sz="1600" b="0" strike="noStrike" spc="-1" dirty="0">
-              <a:solidFill>
-                <a:srgbClr val="000000"/>
-              </a:solidFill>
-              <a:uFill>
-                <a:solidFill>
-                  <a:srgbClr val="FFFFFF"/>
-                </a:solidFill>
-              </a:uFill>
-              <a:latin typeface="Arial"/>
-            </a:endParaRPr>
-          </a:p>
-          <a:p>
-            <a:pPr>
-              <a:lnSpc>
-                <a:spcPct val="114000"/>
-              </a:lnSpc>
-            </a:pPr>
-            <a:endParaRPr lang="en-US" sz="1600" b="0" strike="noStrike" spc="-1" dirty="0">
-              <a:solidFill>
-                <a:srgbClr val="000000"/>
-              </a:solidFill>
-              <a:uFill>
-                <a:solidFill>
-                  <a:srgbClr val="FFFFFF"/>
-                </a:solidFill>
-              </a:uFill>
-              <a:latin typeface="Arial"/>
-            </a:endParaRPr>
-          </a:p>
-          <a:p>
-            <a:pPr>
-              <a:lnSpc>
-                <a:spcPct val="114000"/>
-              </a:lnSpc>
-            </a:pPr>
             <a:endParaRPr lang="de-DE" sz="1600" b="0" strike="noStrike" spc="-1" dirty="0">
               <a:solidFill>
                 <a:srgbClr val="000000"/>
@@ -7175,7 +7159,7 @@
       </p:sp>
       <p:sp>
         <p:nvSpPr>
-          <p:cNvPr id="94" name="TextShape 2"/>
+          <p:cNvPr id="90" name="TextShape 2"/>
           <p:cNvSpPr txBox="1"/>
           <p:nvPr/>
         </p:nvSpPr>
@@ -7201,7 +7185,7 @@
                 <a:spcPct val="100000"/>
               </a:lnSpc>
             </a:pPr>
-            <a:fld id="{ABC9E17F-0E7D-436C-8320-8A552E5784EE}" type="slidenum">
+            <a:fld id="{4F831EE4-46AE-4713-AD1F-E57479484FF3}" type="slidenum">
               <a:rPr lang="de-DE" sz="1200" b="0" strike="noStrike" spc="-1">
                 <a:solidFill>
                   <a:srgbClr val="000000"/>
@@ -7231,7 +7215,7 @@
       </p:sp>
       <p:sp>
         <p:nvSpPr>
-          <p:cNvPr id="95" name="TextShape 3"/>
+          <p:cNvPr id="91" name="TextShape 3"/>
           <p:cNvSpPr txBox="1"/>
           <p:nvPr/>
         </p:nvSpPr>
@@ -7287,7 +7271,7 @@
       </p:sp>
       <p:sp>
         <p:nvSpPr>
-          <p:cNvPr id="96" name="TextShape 4"/>
+          <p:cNvPr id="92" name="TextShape 4"/>
           <p:cNvSpPr txBox="1"/>
           <p:nvPr/>
         </p:nvSpPr>
@@ -7325,7 +7309,7 @@
                 </a:uFill>
                 <a:latin typeface="Arial"/>
               </a:rPr>
-              <a:t>Postprocessing</a:t>
+              <a:t>Task</a:t>
             </a:r>
             <a:endParaRPr lang="en-US" sz="2200" b="0" strike="noStrike" spc="-1" dirty="0">
               <a:solidFill>
@@ -7342,6 +7326,11 @@
         </p:txBody>
       </p:sp>
     </p:spTree>
+    <p:extLst>
+      <p:ext uri="{BB962C8B-B14F-4D97-AF65-F5344CB8AC3E}">
+        <p14:creationId xmlns:p14="http://schemas.microsoft.com/office/powerpoint/2010/main" val="853532261"/>
+      </p:ext>
+    </p:extLst>
   </p:cSld>
   <p:clrMapOvr>
     <a:masterClrMapping/>

--- a/Paraview-postprocessor.pptx
+++ b/Paraview-postprocessor.pptx
@@ -6595,19 +6595,8 @@
                 </a:uFill>
                 <a:latin typeface="Arial"/>
               </a:rPr>
-              <a:t>Further calculating may be necessary</a:t>
-            </a:r>
-            <a:endParaRPr lang="en-US" sz="2200" b="0" strike="noStrike" spc="-1" dirty="0">
-              <a:solidFill>
-                <a:srgbClr val="000000"/>
-              </a:solidFill>
-              <a:uFill>
-                <a:solidFill>
-                  <a:srgbClr val="FFFFFF"/>
-                </a:solidFill>
-              </a:uFill>
-              <a:latin typeface="Arial"/>
-            </a:endParaRPr>
+              <a:t>Further calculation</a:t>
+            </a:r>
           </a:p>
           <a:p>
             <a:pPr marL="342900" indent="-342900">
@@ -6629,85 +6618,8 @@
                 </a:uFill>
                 <a:latin typeface="Arial"/>
               </a:rPr>
-              <a:t>Processing takes too long to do all calculations every time</a:t>
-            </a:r>
-            <a:endParaRPr lang="en-US" sz="2200" spc="-1" dirty="0">
-              <a:solidFill>
-                <a:srgbClr val="000000"/>
-              </a:solidFill>
-              <a:uFill>
-                <a:solidFill>
-                  <a:srgbClr val="FFFFFF"/>
-                </a:solidFill>
-              </a:uFill>
-              <a:latin typeface="Arial"/>
-            </a:endParaRPr>
-          </a:p>
-          <a:p>
-            <a:pPr marL="800100" lvl="1" indent="-342900">
-              <a:lnSpc>
-                <a:spcPct val="114000"/>
-              </a:lnSpc>
-              <a:buFont typeface="Arial" panose="020B0604020202020204" pitchFamily="34" charset="0"/>
-              <a:buChar char="•"/>
-            </a:pPr>
-            <a:r>
-              <a:rPr lang="en-US" sz="2200" b="0" strike="noStrike" spc="-1" dirty="0">
-                <a:solidFill>
-                  <a:srgbClr val="000000"/>
-                </a:solidFill>
-                <a:uFill>
-                  <a:solidFill>
-                    <a:srgbClr val="FFFFFF"/>
-                  </a:solidFill>
-                </a:uFill>
-                <a:latin typeface="Arial"/>
-              </a:rPr>
-              <a:t>Selecting a specific part for postprocessing</a:t>
-            </a:r>
-          </a:p>
-          <a:p>
-            <a:pPr marL="342900" indent="-342900">
-              <a:lnSpc>
-                <a:spcPct val="114000"/>
-              </a:lnSpc>
-              <a:buFont typeface="Arial" panose="020B0604020202020204" pitchFamily="34" charset="0"/>
-              <a:buChar char="•"/>
-            </a:pPr>
-            <a:r>
-              <a:rPr lang="en-US" sz="2200" b="0" strike="noStrike" spc="-1" dirty="0">
-                <a:solidFill>
-                  <a:srgbClr val="000000"/>
-                </a:solidFill>
-                <a:uFill>
-                  <a:solidFill>
-                    <a:srgbClr val="FFFFFF"/>
-                  </a:solidFill>
-                </a:uFill>
-                <a:latin typeface="Arial"/>
-              </a:rPr>
-              <a:t>Example: Building</a:t>
-            </a:r>
-          </a:p>
-          <a:p>
-            <a:pPr marL="342900" indent="-342900">
-              <a:lnSpc>
-                <a:spcPct val="114000"/>
-              </a:lnSpc>
-              <a:buFont typeface="Arial" panose="020B0604020202020204" pitchFamily="34" charset="0"/>
-              <a:buChar char="•"/>
-            </a:pPr>
-            <a:endParaRPr lang="en-US" sz="1600" b="0" strike="noStrike" spc="-1" dirty="0">
-              <a:solidFill>
-                <a:srgbClr val="000000"/>
-              </a:solidFill>
-              <a:uFill>
-                <a:solidFill>
-                  <a:srgbClr val="FFFFFF"/>
-                </a:solidFill>
-              </a:uFill>
-              <a:latin typeface="Arial"/>
-            </a:endParaRPr>
+              <a:t>May be “expensive”</a:t>
+            </a:r>
           </a:p>
           <a:p>
             <a:pPr>
@@ -6751,6 +6663,24 @@
                 <a:spcPct val="114000"/>
               </a:lnSpc>
             </a:pPr>
+            <a:endParaRPr lang="en-US" sz="1600" b="0" strike="noStrike" spc="-1" dirty="0">
+              <a:solidFill>
+                <a:srgbClr val="000000"/>
+              </a:solidFill>
+              <a:uFill>
+                <a:solidFill>
+                  <a:srgbClr val="FFFFFF"/>
+                </a:solidFill>
+              </a:uFill>
+              <a:latin typeface="Arial"/>
+            </a:endParaRPr>
+          </a:p>
+          <a:p>
+            <a:pPr>
+              <a:lnSpc>
+                <a:spcPct val="114000"/>
+              </a:lnSpc>
+            </a:pPr>
             <a:endParaRPr lang="de-DE" sz="1600" b="0" strike="noStrike" spc="-1" dirty="0">
               <a:solidFill>
                 <a:srgbClr val="000000"/>
@@ -6930,6 +6860,148 @@
               </a:uFill>
               <a:latin typeface="Arial"/>
             </a:endParaRPr>
+          </a:p>
+        </p:txBody>
+      </p:sp>
+      <p:pic>
+        <p:nvPicPr>
+          <p:cNvPr id="3" name="Grafik 2">
+            <a:extLst>
+              <a:ext uri="{FF2B5EF4-FFF2-40B4-BE49-F238E27FC236}">
+                <a16:creationId xmlns:a16="http://schemas.microsoft.com/office/drawing/2014/main" id="{F6887AF4-FB00-4D7C-9E54-71F3A729597E}"/>
+              </a:ext>
+            </a:extLst>
+          </p:cNvPr>
+          <p:cNvPicPr>
+            <a:picLocks noChangeAspect="1"/>
+          </p:cNvPicPr>
+          <p:nvPr/>
+        </p:nvPicPr>
+        <p:blipFill>
+          <a:blip r:embed="rId2">
+            <a:extLst>
+              <a:ext uri="{28A0092B-C50C-407E-A947-70E740481C1C}">
+                <a14:useLocalDpi xmlns:a14="http://schemas.microsoft.com/office/drawing/2010/main" val="0"/>
+              </a:ext>
+            </a:extLst>
+          </a:blip>
+          <a:stretch>
+            <a:fillRect/>
+          </a:stretch>
+        </p:blipFill>
+        <p:spPr>
+          <a:xfrm>
+            <a:off x="5055251" y="1762200"/>
+            <a:ext cx="3771229" cy="3047458"/>
+          </a:xfrm>
+          <a:prstGeom prst="rect">
+            <a:avLst/>
+          </a:prstGeom>
+        </p:spPr>
+      </p:pic>
+      <p:sp>
+        <p:nvSpPr>
+          <p:cNvPr id="4" name="Textfeld 3">
+            <a:extLst>
+              <a:ext uri="{FF2B5EF4-FFF2-40B4-BE49-F238E27FC236}">
+                <a16:creationId xmlns:a16="http://schemas.microsoft.com/office/drawing/2014/main" id="{D588BAEC-283A-4FEA-85AF-74902F901198}"/>
+              </a:ext>
+            </a:extLst>
+          </p:cNvPr>
+          <p:cNvSpPr txBox="1"/>
+          <p:nvPr/>
+        </p:nvSpPr>
+        <p:spPr>
+          <a:xfrm>
+            <a:off x="4999891" y="4982832"/>
+            <a:ext cx="3881947" cy="369332"/>
+          </a:xfrm>
+          <a:prstGeom prst="rect">
+            <a:avLst/>
+          </a:prstGeom>
+          <a:noFill/>
+        </p:spPr>
+        <p:txBody>
+          <a:bodyPr wrap="square" rtlCol="0">
+            <a:spAutoFit/>
+          </a:bodyPr>
+          <a:lstStyle/>
+          <a:p>
+            <a:r>
+              <a:rPr lang="en-GB" sz="900" dirty="0"/>
+              <a:t>Source: https://www.joshuacripps.com/category/photography-tutorials/post-processing-photoshop-lightroom/page/3/</a:t>
+            </a:r>
+          </a:p>
+        </p:txBody>
+      </p:sp>
+      <p:pic>
+        <p:nvPicPr>
+          <p:cNvPr id="7" name="Grafik 6">
+            <a:extLst>
+              <a:ext uri="{FF2B5EF4-FFF2-40B4-BE49-F238E27FC236}">
+                <a16:creationId xmlns:a16="http://schemas.microsoft.com/office/drawing/2014/main" id="{8C43598A-BDA9-4F92-86B3-C1A91C9A01BE}"/>
+              </a:ext>
+            </a:extLst>
+          </p:cNvPr>
+          <p:cNvPicPr>
+            <a:picLocks noChangeAspect="1"/>
+          </p:cNvPicPr>
+          <p:nvPr/>
+        </p:nvPicPr>
+        <p:blipFill>
+          <a:blip r:embed="rId3">
+            <a:extLst>
+              <a:ext uri="{28A0092B-C50C-407E-A947-70E740481C1C}">
+                <a14:useLocalDpi xmlns:a14="http://schemas.microsoft.com/office/drawing/2010/main" val="0"/>
+              </a:ext>
+            </a:extLst>
+          </a:blip>
+          <a:stretch>
+            <a:fillRect/>
+          </a:stretch>
+        </p:blipFill>
+        <p:spPr>
+          <a:xfrm>
+            <a:off x="533450" y="3484033"/>
+            <a:ext cx="3620862" cy="2263039"/>
+          </a:xfrm>
+          <a:prstGeom prst="rect">
+            <a:avLst/>
+          </a:prstGeom>
+        </p:spPr>
+      </p:pic>
+      <p:sp>
+        <p:nvSpPr>
+          <p:cNvPr id="12" name="Textfeld 11">
+            <a:extLst>
+              <a:ext uri="{FF2B5EF4-FFF2-40B4-BE49-F238E27FC236}">
+                <a16:creationId xmlns:a16="http://schemas.microsoft.com/office/drawing/2014/main" id="{EDDBF678-A72B-4C77-893F-98BCA80F1AB9}"/>
+              </a:ext>
+            </a:extLst>
+          </p:cNvPr>
+          <p:cNvSpPr txBox="1"/>
+          <p:nvPr/>
+        </p:nvSpPr>
+        <p:spPr>
+          <a:xfrm>
+            <a:off x="533450" y="5913222"/>
+            <a:ext cx="3881947" cy="369332"/>
+          </a:xfrm>
+          <a:prstGeom prst="rect">
+            <a:avLst/>
+          </a:prstGeom>
+          <a:noFill/>
+        </p:spPr>
+        <p:txBody>
+          <a:bodyPr wrap="square" rtlCol="0">
+            <a:spAutoFit/>
+          </a:bodyPr>
+          <a:lstStyle/>
+          <a:p>
+            <a:r>
+              <a:rPr lang="en-GB" sz="900" dirty="0"/>
+              <a:t>Source: https://www.aproplan.com/layout/uploads/2017/09/resource-bim-the-importance-of-bim-in-the-lighting-industry.jpg</a:t>
+            </a:r>
           </a:p>
         </p:txBody>
       </p:sp>
@@ -7035,9 +7107,6 @@
           </a:p>
           <a:p>
             <a:pPr marL="286110" indent="-285750">
-              <a:lnSpc>
-                <a:spcPct val="100000"/>
-              </a:lnSpc>
               <a:buClr>
                 <a:srgbClr val="000000"/>
               </a:buClr>
@@ -7054,10 +7123,42 @@
                     <a:srgbClr val="FFFFFF"/>
                   </a:solidFill>
                 </a:uFill>
-                <a:latin typeface="Arial"/>
-              </a:rPr>
-              <a:t>Distribution to an existing Program, called Adhoc</a:t>
-            </a:r>
+              </a:rPr>
+              <a:t>Ubuntu (Linux)</a:t>
+            </a:r>
+          </a:p>
+          <a:p>
+            <a:pPr marL="743310" lvl="1" indent="-285750">
+              <a:buClr>
+                <a:srgbClr val="000000"/>
+              </a:buClr>
+              <a:buFont typeface="Arial" panose="020B0604020202020204" pitchFamily="34" charset="0"/>
+              <a:buChar char="•"/>
+            </a:pPr>
+            <a:r>
+              <a:rPr lang="en-US" sz="2200" spc="-1" dirty="0">
+                <a:solidFill>
+                  <a:srgbClr val="000000"/>
+                </a:solidFill>
+                <a:uFill>
+                  <a:solidFill>
+                    <a:srgbClr val="FFFFFF"/>
+                  </a:solidFill>
+                </a:uFill>
+              </a:rPr>
+              <a:t>GIT</a:t>
+            </a:r>
+            <a:endParaRPr lang="en-US" sz="2200" spc="-1" dirty="0">
+              <a:solidFill>
+                <a:srgbClr val="000000"/>
+              </a:solidFill>
+              <a:uFill>
+                <a:solidFill>
+                  <a:srgbClr val="FFFFFF"/>
+                </a:solidFill>
+              </a:uFill>
+              <a:latin typeface="Arial"/>
+            </a:endParaRPr>
           </a:p>
           <a:p>
             <a:pPr marL="286110" indent="-285750">
@@ -7071,18 +7172,41 @@
               <a:buChar char="•"/>
             </a:pPr>
             <a:r>
-              <a:rPr lang="en-US" sz="2200" b="0" strike="noStrike" spc="-1" dirty="0">
-                <a:solidFill>
-                  <a:srgbClr val="000000"/>
-                </a:solidFill>
-                <a:uFill>
-                  <a:solidFill>
-                    <a:srgbClr val="FFFFFF"/>
-                  </a:solidFill>
-                </a:uFill>
-                <a:latin typeface="Arial"/>
-              </a:rPr>
-              <a:t>Plugin written in python</a:t>
+              <a:rPr lang="en-US" sz="2200" spc="-1" dirty="0">
+                <a:solidFill>
+                  <a:srgbClr val="000000"/>
+                </a:solidFill>
+                <a:uFill>
+                  <a:solidFill>
+                    <a:srgbClr val="FFFFFF"/>
+                  </a:solidFill>
+                </a:uFill>
+                <a:latin typeface="Arial"/>
+              </a:rPr>
+              <a:t>Python plugin</a:t>
+            </a:r>
+          </a:p>
+          <a:p>
+            <a:pPr marL="743310" lvl="1" indent="-285750">
+              <a:buClr>
+                <a:srgbClr val="000000"/>
+              </a:buClr>
+              <a:buFont typeface="Arial" panose="020B0604020202020204" pitchFamily="34" charset="0"/>
+              <a:buChar char="•"/>
+            </a:pPr>
+            <a:r>
+              <a:rPr lang="en-US" sz="2200" spc="-1" dirty="0">
+                <a:solidFill>
+                  <a:srgbClr val="000000"/>
+                </a:solidFill>
+                <a:uFill>
+                  <a:solidFill>
+                    <a:srgbClr val="FFFFFF"/>
+                  </a:solidFill>
+                </a:uFill>
+                <a:latin typeface="Arial"/>
+              </a:rPr>
+              <a:t>Selection of cells/ areas</a:t>
             </a:r>
           </a:p>
           <a:p>
@@ -7108,33 +7232,7 @@
                 </a:uFill>
                 <a:latin typeface="Arial"/>
               </a:rPr>
-              <a:t>Working OS Ubuntu (Linux)</a:t>
-            </a:r>
-          </a:p>
-          <a:p>
-            <a:pPr marL="286110" indent="-285750">
-              <a:lnSpc>
-                <a:spcPct val="100000"/>
-              </a:lnSpc>
-              <a:buClr>
-                <a:srgbClr val="000000"/>
-              </a:buClr>
-              <a:buFont typeface="Arial" panose="020B0604020202020204" pitchFamily="34" charset="0"/>
-              <a:buChar char="•"/>
-            </a:pPr>
-            <a:r>
-              <a:rPr lang="en-US" sz="2200" b="0" strike="noStrike" spc="-1" dirty="0">
-                <a:solidFill>
-                  <a:srgbClr val="000000"/>
-                </a:solidFill>
-                <a:uFill>
-                  <a:solidFill>
-                    <a:srgbClr val="FFFFFF"/>
-                  </a:solidFill>
-                </a:uFill>
-                <a:latin typeface="Arial"/>
-              </a:rPr>
-              <a:t>Usage of GIT</a:t>
+              <a:t>Distribution to an existing Program (AdhoC++)</a:t>
             </a:r>
           </a:p>
           <a:p>
@@ -7424,9 +7522,55 @@
                 </a:uFill>
                 <a:latin typeface="Arial"/>
               </a:rPr>
-              <a:t>What is paraview?</a:t>
-            </a:r>
-            <a:endParaRPr lang="en-US" sz="1600" b="0" strike="noStrike" spc="-1" dirty="0">
+              <a:t>Kitware</a:t>
+            </a:r>
+          </a:p>
+          <a:p>
+            <a:pPr marL="800100" lvl="1" indent="-342900">
+              <a:lnSpc>
+                <a:spcPct val="114000"/>
+              </a:lnSpc>
+              <a:buFont typeface="Arial" panose="020B0604020202020204" pitchFamily="34" charset="0"/>
+              <a:buChar char="•"/>
+            </a:pPr>
+            <a:r>
+              <a:rPr lang="en-US" sz="2200" b="0" strike="noStrike" spc="-1" dirty="0">
+                <a:solidFill>
+                  <a:srgbClr val="000000"/>
+                </a:solidFill>
+                <a:uFill>
+                  <a:solidFill>
+                    <a:srgbClr val="FFFFFF"/>
+                  </a:solidFill>
+                </a:uFill>
+                <a:latin typeface="Arial"/>
+              </a:rPr>
+              <a:t>Open Source</a:t>
+            </a:r>
+          </a:p>
+          <a:p>
+            <a:pPr marL="800100" lvl="1" indent="-342900">
+              <a:lnSpc>
+                <a:spcPct val="114000"/>
+              </a:lnSpc>
+              <a:buFont typeface="Arial" panose="020B0604020202020204" pitchFamily="34" charset="0"/>
+              <a:buChar char="•"/>
+            </a:pPr>
+            <a:r>
+              <a:rPr lang="en-US" sz="2200" spc="-1" dirty="0">
+                <a:solidFill>
+                  <a:srgbClr val="000000"/>
+                </a:solidFill>
+                <a:uFill>
+                  <a:solidFill>
+                    <a:srgbClr val="FFFFFF"/>
+                  </a:solidFill>
+                </a:uFill>
+                <a:latin typeface="Arial"/>
+              </a:rPr>
+              <a:t>Visualization</a:t>
+            </a:r>
+            <a:endParaRPr lang="en-US" sz="2200" b="0" strike="noStrike" spc="-1" dirty="0">
               <a:solidFill>
                 <a:srgbClr val="000000"/>
               </a:solidFill>
@@ -7447,30 +7591,42 @@
               <a:buChar char="•"/>
             </a:pPr>
             <a:r>
-              <a:rPr lang="en-US" sz="2200" b="0" strike="noStrike" spc="-1" dirty="0">
-                <a:solidFill>
-                  <a:srgbClr val="000000"/>
-                </a:solidFill>
-                <a:uFill>
-                  <a:solidFill>
-                    <a:srgbClr val="FFFFFF"/>
-                  </a:solidFill>
-                </a:uFill>
-                <a:latin typeface="Arial"/>
-              </a:rPr>
-              <a:t>How does it work?</a:t>
-            </a:r>
-            <a:endParaRPr lang="en-US" sz="1600" b="0" strike="noStrike" spc="-1" dirty="0">
-              <a:solidFill>
-                <a:srgbClr val="000000"/>
-              </a:solidFill>
-              <a:uFill>
-                <a:solidFill>
-                  <a:srgbClr val="FFFFFF"/>
-                </a:solidFill>
-              </a:uFill>
-              <a:latin typeface="Arial"/>
-            </a:endParaRPr>
+              <a:rPr lang="en-US" sz="2200" spc="-1" dirty="0">
+                <a:solidFill>
+                  <a:srgbClr val="000000"/>
+                </a:solidFill>
+                <a:uFill>
+                  <a:solidFill>
+                    <a:srgbClr val="FFFFFF"/>
+                  </a:solidFill>
+                </a:uFill>
+                <a:latin typeface="Arial"/>
+              </a:rPr>
+              <a:t>Python Shell</a:t>
+            </a:r>
+          </a:p>
+          <a:p>
+            <a:pPr marL="800100" lvl="1" indent="-342900">
+              <a:lnSpc>
+                <a:spcPct val="114000"/>
+              </a:lnSpc>
+              <a:buFont typeface="Arial" panose="020B0604020202020204" pitchFamily="34" charset="0"/>
+              <a:buChar char="•"/>
+            </a:pPr>
+            <a:r>
+              <a:rPr lang="en-US" sz="2200" spc="-1" dirty="0">
+                <a:solidFill>
+                  <a:srgbClr val="000000"/>
+                </a:solidFill>
+                <a:uFill>
+                  <a:solidFill>
+                    <a:srgbClr val="FFFFFF"/>
+                  </a:solidFill>
+                </a:uFill>
+                <a:latin typeface="Arial"/>
+              </a:rPr>
+              <a:t>Paraview simple module</a:t>
+            </a:r>
           </a:p>
           <a:p>
             <a:pPr marL="342900" indent="-342900">
@@ -7481,19 +7637,189 @@
               <a:buChar char="•"/>
             </a:pPr>
             <a:r>
-              <a:rPr lang="en-US" sz="2200" b="0" strike="noStrike" spc="-1" dirty="0">
-                <a:solidFill>
-                  <a:srgbClr val="000000"/>
-                </a:solidFill>
-                <a:uFill>
-                  <a:solidFill>
-                    <a:srgbClr val="FFFFFF"/>
-                  </a:solidFill>
-                </a:uFill>
-                <a:latin typeface="Arial"/>
-              </a:rPr>
-              <a:t>How it can help us</a:t>
-            </a:r>
+              <a:rPr lang="en-US" sz="2200" spc="-1" dirty="0">
+                <a:solidFill>
+                  <a:srgbClr val="000000"/>
+                </a:solidFill>
+                <a:uFill>
+                  <a:solidFill>
+                    <a:srgbClr val="FFFFFF"/>
+                  </a:solidFill>
+                </a:uFill>
+              </a:rPr>
+              <a:t>VTK-Files </a:t>
+            </a:r>
+          </a:p>
+          <a:p>
+            <a:pPr marL="800100" lvl="1" indent="-342900">
+              <a:lnSpc>
+                <a:spcPct val="114000"/>
+              </a:lnSpc>
+              <a:buFont typeface="Arial" panose="020B0604020202020204" pitchFamily="34" charset="0"/>
+              <a:buChar char="•"/>
+            </a:pPr>
+            <a:r>
+              <a:rPr lang="en-US" sz="2200" spc="-1" dirty="0">
+                <a:solidFill>
+                  <a:srgbClr val="000000"/>
+                </a:solidFill>
+                <a:uFill>
+                  <a:solidFill>
+                    <a:srgbClr val="FFFFFF"/>
+                  </a:solidFill>
+                </a:uFill>
+              </a:rPr>
+              <a:t>(</a:t>
+            </a:r>
+            <a:r>
+              <a:rPr lang="en-US" sz="2200" b="1" spc="-1" dirty="0">
+                <a:solidFill>
+                  <a:srgbClr val="000000"/>
+                </a:solidFill>
+                <a:uFill>
+                  <a:solidFill>
+                    <a:srgbClr val="FFFFFF"/>
+                  </a:solidFill>
+                </a:uFill>
+              </a:rPr>
+              <a:t>V</a:t>
+            </a:r>
+            <a:r>
+              <a:rPr lang="en-US" sz="2200" spc="-1" dirty="0">
+                <a:solidFill>
+                  <a:srgbClr val="000000"/>
+                </a:solidFill>
+                <a:uFill>
+                  <a:solidFill>
+                    <a:srgbClr val="FFFFFF"/>
+                  </a:solidFill>
+                </a:uFill>
+              </a:rPr>
+              <a:t>isualization </a:t>
+            </a:r>
+            <a:r>
+              <a:rPr lang="en-US" sz="2200" b="1" spc="-1" dirty="0">
+                <a:solidFill>
+                  <a:srgbClr val="000000"/>
+                </a:solidFill>
+                <a:uFill>
+                  <a:solidFill>
+                    <a:srgbClr val="FFFFFF"/>
+                  </a:solidFill>
+                </a:uFill>
+              </a:rPr>
+              <a:t>T</a:t>
+            </a:r>
+            <a:r>
+              <a:rPr lang="en-US" sz="2200" spc="-1" dirty="0">
+                <a:solidFill>
+                  <a:srgbClr val="000000"/>
+                </a:solidFill>
+                <a:uFill>
+                  <a:solidFill>
+                    <a:srgbClr val="FFFFFF"/>
+                  </a:solidFill>
+                </a:uFill>
+              </a:rPr>
+              <a:t>ool</a:t>
+            </a:r>
+            <a:r>
+              <a:rPr lang="en-US" sz="2200" b="1" spc="-1" dirty="0">
+                <a:solidFill>
+                  <a:srgbClr val="000000"/>
+                </a:solidFill>
+                <a:uFill>
+                  <a:solidFill>
+                    <a:srgbClr val="FFFFFF"/>
+                  </a:solidFill>
+                </a:uFill>
+              </a:rPr>
+              <a:t>k</a:t>
+            </a:r>
+            <a:r>
+              <a:rPr lang="en-US" sz="2200" spc="-1" dirty="0">
+                <a:solidFill>
+                  <a:srgbClr val="000000"/>
+                </a:solidFill>
+                <a:uFill>
+                  <a:solidFill>
+                    <a:srgbClr val="FFFFFF"/>
+                  </a:solidFill>
+                </a:uFill>
+              </a:rPr>
+              <a:t>it)</a:t>
+            </a:r>
+          </a:p>
+          <a:p>
+            <a:pPr marL="800100" lvl="1" indent="-342900">
+              <a:lnSpc>
+                <a:spcPct val="114000"/>
+              </a:lnSpc>
+              <a:buFont typeface="Arial" panose="020B0604020202020204" pitchFamily="34" charset="0"/>
+              <a:buChar char="•"/>
+            </a:pPr>
+            <a:r>
+              <a:rPr lang="en-US" sz="2200" spc="-1" dirty="0">
+                <a:solidFill>
+                  <a:srgbClr val="000000"/>
+                </a:solidFill>
+                <a:uFill>
+                  <a:solidFill>
+                    <a:srgbClr val="FFFFFF"/>
+                  </a:solidFill>
+                </a:uFill>
+              </a:rPr>
+              <a:t>XML-structure</a:t>
+            </a:r>
+          </a:p>
+          <a:p>
+            <a:pPr marL="800100" lvl="1" indent="-342900">
+              <a:lnSpc>
+                <a:spcPct val="114000"/>
+              </a:lnSpc>
+              <a:buFont typeface="Arial" panose="020B0604020202020204" pitchFamily="34" charset="0"/>
+              <a:buChar char="•"/>
+            </a:pPr>
+            <a:endParaRPr lang="en-US" sz="2200" spc="-1" dirty="0">
+              <a:solidFill>
+                <a:srgbClr val="000000"/>
+              </a:solidFill>
+              <a:uFill>
+                <a:solidFill>
+                  <a:srgbClr val="FFFFFF"/>
+                </a:solidFill>
+              </a:uFill>
+              <a:latin typeface="Arial"/>
+            </a:endParaRPr>
+          </a:p>
+          <a:p>
+            <a:pPr marL="800100" lvl="1" indent="-342900">
+              <a:lnSpc>
+                <a:spcPct val="114000"/>
+              </a:lnSpc>
+              <a:buFont typeface="Arial" panose="020B0604020202020204" pitchFamily="34" charset="0"/>
+              <a:buChar char="•"/>
+            </a:pPr>
+            <a:endParaRPr lang="en-US" sz="2200" b="0" strike="noStrike" spc="-1" dirty="0">
+              <a:solidFill>
+                <a:srgbClr val="000000"/>
+              </a:solidFill>
+              <a:uFill>
+                <a:solidFill>
+                  <a:srgbClr val="FFFFFF"/>
+                </a:solidFill>
+              </a:uFill>
+              <a:latin typeface="Arial"/>
+            </a:endParaRPr>
+          </a:p>
+          <a:p>
+            <a:pPr marL="342900" indent="-342900">
+              <a:lnSpc>
+                <a:spcPct val="114000"/>
+              </a:lnSpc>
+              <a:buFont typeface="Arial" panose="020B0604020202020204" pitchFamily="34" charset="0"/>
+              <a:buChar char="•"/>
+            </a:pPr>
             <a:endParaRPr lang="en-US" sz="1600" b="0" strike="noStrike" spc="-1" dirty="0">
               <a:solidFill>
                 <a:srgbClr val="000000"/>
@@ -7727,6 +8053,82 @@
               </a:uFill>
               <a:latin typeface="Arial"/>
             </a:endParaRPr>
+          </a:p>
+        </p:txBody>
+      </p:sp>
+      <p:pic>
+        <p:nvPicPr>
+          <p:cNvPr id="3" name="Grafik 2">
+            <a:extLst>
+              <a:ext uri="{FF2B5EF4-FFF2-40B4-BE49-F238E27FC236}">
+                <a16:creationId xmlns:a16="http://schemas.microsoft.com/office/drawing/2014/main" id="{01B43783-FD1B-4DC2-83EB-1B89E56BD126}"/>
+              </a:ext>
+            </a:extLst>
+          </p:cNvPr>
+          <p:cNvPicPr>
+            <a:picLocks noChangeAspect="1"/>
+          </p:cNvPicPr>
+          <p:nvPr/>
+        </p:nvPicPr>
+        <p:blipFill>
+          <a:blip r:embed="rId2">
+            <a:extLst>
+              <a:ext uri="{28A0092B-C50C-407E-A947-70E740481C1C}">
+                <a14:useLocalDpi xmlns:a14="http://schemas.microsoft.com/office/drawing/2010/main" val="0"/>
+              </a:ext>
+            </a:extLst>
+          </a:blip>
+          <a:stretch>
+            <a:fillRect/>
+          </a:stretch>
+        </p:blipFill>
+        <p:spPr>
+          <a:xfrm>
+            <a:off x="4570837" y="1762200"/>
+            <a:ext cx="4255643" cy="2541461"/>
+          </a:xfrm>
+          <a:prstGeom prst="rect">
+            <a:avLst/>
+          </a:prstGeom>
+        </p:spPr>
+      </p:pic>
+      <p:sp>
+        <p:nvSpPr>
+          <p:cNvPr id="8" name="Textfeld 7">
+            <a:extLst>
+              <a:ext uri="{FF2B5EF4-FFF2-40B4-BE49-F238E27FC236}">
+                <a16:creationId xmlns:a16="http://schemas.microsoft.com/office/drawing/2014/main" id="{82FE7971-4F54-43AF-8936-D5B70AA7EEE1}"/>
+              </a:ext>
+            </a:extLst>
+          </p:cNvPr>
+          <p:cNvSpPr txBox="1"/>
+          <p:nvPr/>
+        </p:nvSpPr>
+        <p:spPr>
+          <a:xfrm>
+            <a:off x="4570837" y="4430669"/>
+            <a:ext cx="3881947" cy="230832"/>
+          </a:xfrm>
+          <a:prstGeom prst="rect">
+            <a:avLst/>
+          </a:prstGeom>
+          <a:noFill/>
+        </p:spPr>
+        <p:txBody>
+          <a:bodyPr wrap="square" rtlCol="0">
+            <a:spAutoFit/>
+          </a:bodyPr>
+          <a:lstStyle/>
+          <a:p>
+            <a:r>
+              <a:rPr lang="en-GB" sz="900" dirty="0"/>
+              <a:t>Source: Screenshot from </a:t>
+            </a:r>
+            <a:r>
+              <a:rPr lang="en-GB" sz="900" dirty="0" err="1"/>
+              <a:t>Paraview</a:t>
+            </a:r>
+            <a:endParaRPr lang="en-GB" sz="900" dirty="0"/>
           </a:p>
         </p:txBody>
       </p:sp>
@@ -7847,7 +8249,7 @@
                 </a:uFill>
                 <a:latin typeface="Arial"/>
               </a:rPr>
-              <a:t>Distribution to Adhoc of the selection</a:t>
+              <a:t>Distribution to AdhoC++ of the selection</a:t>
             </a:r>
           </a:p>
           <a:p>
@@ -7870,7 +8272,35 @@
                 </a:uFill>
                 <a:latin typeface="Arial"/>
               </a:rPr>
-              <a:t>Creating a new display in paraview out of the selected cells</a:t>
+              <a:t>Creating a new display in </a:t>
+            </a:r>
+            <a:r>
+              <a:rPr lang="en-US" sz="2200" spc="-1" dirty="0">
+                <a:solidFill>
+                  <a:srgbClr val="000000"/>
+                </a:solidFill>
+                <a:uFill>
+                  <a:solidFill>
+                    <a:srgbClr val="FFFFFF"/>
+                  </a:solidFill>
+                </a:uFill>
+                <a:latin typeface="Arial"/>
+              </a:rPr>
+              <a:t>P</a:t>
+            </a:r>
+            <a:r>
+              <a:rPr lang="en-US" sz="2200" b="0" strike="noStrike" spc="-1" dirty="0">
+                <a:solidFill>
+                  <a:srgbClr val="000000"/>
+                </a:solidFill>
+                <a:uFill>
+                  <a:solidFill>
+                    <a:srgbClr val="FFFFFF"/>
+                  </a:solidFill>
+                </a:uFill>
+                <a:latin typeface="Arial"/>
+              </a:rPr>
+              <a:t>araview out of the selected cells</a:t>
             </a:r>
           </a:p>
           <a:p>
@@ -8610,7 +9040,35 @@
                 </a:uFill>
                 <a:latin typeface="Arial"/>
               </a:rPr>
-              <a:t>Creating a new display in paraview out of the selected cells</a:t>
+              <a:t>Creating a new display in </a:t>
+            </a:r>
+            <a:r>
+              <a:rPr lang="en-US" sz="2200" b="0" strike="noStrike" spc="-1" dirty="0" err="1">
+                <a:solidFill>
+                  <a:srgbClr val="000000"/>
+                </a:solidFill>
+                <a:uFill>
+                  <a:solidFill>
+                    <a:srgbClr val="FFFFFF"/>
+                  </a:solidFill>
+                </a:uFill>
+                <a:latin typeface="Arial"/>
+              </a:rPr>
+              <a:t>paraview</a:t>
+            </a:r>
+            <a:r>
+              <a:rPr lang="en-US" sz="2200" b="0" strike="noStrike" spc="-1" dirty="0">
+                <a:solidFill>
+                  <a:srgbClr val="000000"/>
+                </a:solidFill>
+                <a:uFill>
+                  <a:solidFill>
+                    <a:srgbClr val="FFFFFF"/>
+                  </a:solidFill>
+                </a:uFill>
+                <a:latin typeface="Arial"/>
+              </a:rPr>
+              <a:t> out of the selected cells</a:t>
             </a:r>
           </a:p>
           <a:p>
@@ -8633,8 +9091,33 @@
                 </a:uFill>
                 <a:latin typeface="Arial"/>
               </a:rPr>
-              <a:t>Make it work by pressing a button in the GUI of paraview</a:t>
-            </a:r>
+              <a:t>Make it work by pressing a button in the GUI of </a:t>
+            </a:r>
+            <a:r>
+              <a:rPr lang="en-US" sz="2200" spc="-1" dirty="0" err="1">
+                <a:solidFill>
+                  <a:srgbClr val="000000"/>
+                </a:solidFill>
+                <a:uFill>
+                  <a:solidFill>
+                    <a:srgbClr val="FFFFFF"/>
+                  </a:solidFill>
+                </a:uFill>
+                <a:latin typeface="Arial"/>
+              </a:rPr>
+              <a:t>paraview</a:t>
+            </a:r>
+            <a:endParaRPr lang="en-US" sz="2200" spc="-1" dirty="0">
+              <a:solidFill>
+                <a:srgbClr val="000000"/>
+              </a:solidFill>
+              <a:uFill>
+                <a:solidFill>
+                  <a:srgbClr val="FFFFFF"/>
+                </a:solidFill>
+              </a:uFill>
+              <a:latin typeface="Arial"/>
+            </a:endParaRPr>
           </a:p>
           <a:p>
             <a:pPr marL="800100" lvl="1" indent="-342900">
@@ -8656,7 +9139,7 @@
                 </a:uFill>
                 <a:latin typeface="Arial"/>
               </a:rPr>
-              <a:t>Distribution to Adhoc</a:t>
+              <a:t>Distribution to AdhoC++</a:t>
             </a:r>
           </a:p>
           <a:p>
@@ -8679,7 +9162,7 @@
                 </a:uFill>
                 <a:latin typeface="Arial"/>
               </a:rPr>
-              <a:t>Importing the data from Adhoc</a:t>
+              <a:t>Importing the data from AdhoC++</a:t>
             </a:r>
           </a:p>
           <a:p>

--- a/Paraview-postprocessor.pptx
+++ b/Paraview-postprocessor.pptx
@@ -12,8 +12,8 @@
     <p:sldId id="256" r:id="rId3"/>
     <p:sldId id="257" r:id="rId4"/>
     <p:sldId id="258" r:id="rId5"/>
-    <p:sldId id="265" r:id="rId6"/>
-    <p:sldId id="259" r:id="rId7"/>
+    <p:sldId id="259" r:id="rId6"/>
+    <p:sldId id="267" r:id="rId7"/>
     <p:sldId id="260" r:id="rId8"/>
     <p:sldId id="261" r:id="rId9"/>
     <p:sldId id="266" r:id="rId10"/>
@@ -5367,20 +5367,6 @@
               </a:lnSpc>
             </a:pPr>
             <a:r>
-              <a:rPr lang="de-DE" sz="1600" b="0" strike="noStrike" spc="-1" dirty="0" err="1">
-                <a:solidFill>
-                  <a:srgbClr val="000000"/>
-                </a:solidFill>
-                <a:uFill>
-                  <a:solidFill>
-                    <a:srgbClr val="FFFFFF"/>
-                  </a:solidFill>
-                </a:uFill>
-                <a:latin typeface="Arial"/>
-              </a:rPr>
-              <a:t>Oztoprak</a:t>
-            </a:r>
-            <a:r>
               <a:rPr lang="de-DE" sz="1600" b="0" strike="noStrike" spc="-1" dirty="0">
                 <a:solidFill>
                   <a:srgbClr val="000000"/>
@@ -5392,7 +5378,7 @@
                 </a:uFill>
                 <a:latin typeface="Arial"/>
               </a:rPr>
-              <a:t>, Oguz</a:t>
+              <a:t>Oztoprak, Oguz</a:t>
             </a:r>
           </a:p>
           <a:p>
@@ -5970,20 +5956,90 @@
               </a:lnSpc>
             </a:pPr>
             <a:r>
-              <a:rPr lang="de-DE" sz="1200" b="0" strike="noStrike" spc="-1">
-                <a:solidFill>
-                  <a:srgbClr val="000000"/>
-                </a:solidFill>
-                <a:uFill>
-                  <a:solidFill>
-                    <a:srgbClr val="FFFFFF"/>
-                  </a:solidFill>
-                </a:uFill>
-                <a:latin typeface="Arial"/>
-              </a:rPr>
-              <a:t>Oztoprak, Oguz (TUM) | Droll, Darwin (TUM) | Python-based Paraview postprocessing</a:t>
-            </a:r>
-            <a:endParaRPr lang="de-DE" sz="1200" b="0" strike="noStrike" spc="-1">
+              <a:rPr lang="de-DE" sz="1200" b="0" strike="noStrike" spc="-1" dirty="0">
+                <a:solidFill>
+                  <a:srgbClr val="000000"/>
+                </a:solidFill>
+                <a:uFill>
+                  <a:solidFill>
+                    <a:srgbClr val="FFFFFF"/>
+                  </a:solidFill>
+                </a:uFill>
+                <a:latin typeface="Arial"/>
+              </a:rPr>
+              <a:t>Oztoprak, Oguz (TUM) | Droll, Darwin (TUM) | Python-</a:t>
+            </a:r>
+            <a:r>
+              <a:rPr lang="de-DE" sz="1200" b="0" strike="noStrike" spc="-1" dirty="0" err="1">
+                <a:solidFill>
+                  <a:srgbClr val="000000"/>
+                </a:solidFill>
+                <a:uFill>
+                  <a:solidFill>
+                    <a:srgbClr val="FFFFFF"/>
+                  </a:solidFill>
+                </a:uFill>
+                <a:latin typeface="Arial"/>
+              </a:rPr>
+              <a:t>based</a:t>
+            </a:r>
+            <a:r>
+              <a:rPr lang="de-DE" sz="1200" b="0" strike="noStrike" spc="-1" dirty="0">
+                <a:solidFill>
+                  <a:srgbClr val="000000"/>
+                </a:solidFill>
+                <a:uFill>
+                  <a:solidFill>
+                    <a:srgbClr val="FFFFFF"/>
+                  </a:solidFill>
+                </a:uFill>
+                <a:latin typeface="Arial"/>
+              </a:rPr>
+              <a:t> </a:t>
+            </a:r>
+            <a:r>
+              <a:rPr lang="de-DE" sz="1200" b="0" strike="noStrike" spc="-1" dirty="0" err="1">
+                <a:solidFill>
+                  <a:srgbClr val="000000"/>
+                </a:solidFill>
+                <a:uFill>
+                  <a:solidFill>
+                    <a:srgbClr val="FFFFFF"/>
+                  </a:solidFill>
+                </a:uFill>
+                <a:latin typeface="Arial"/>
+              </a:rPr>
+              <a:t>Paraview</a:t>
+            </a:r>
+            <a:r>
+              <a:rPr lang="de-DE" sz="1200" b="0" strike="noStrike" spc="-1" dirty="0">
+                <a:solidFill>
+                  <a:srgbClr val="000000"/>
+                </a:solidFill>
+                <a:uFill>
+                  <a:solidFill>
+                    <a:srgbClr val="FFFFFF"/>
+                  </a:solidFill>
+                </a:uFill>
+                <a:latin typeface="Arial"/>
+              </a:rPr>
+              <a:t> </a:t>
+            </a:r>
+            <a:r>
+              <a:rPr lang="de-DE" sz="1200" b="0" strike="noStrike" spc="-1" dirty="0" err="1">
+                <a:solidFill>
+                  <a:srgbClr val="000000"/>
+                </a:solidFill>
+                <a:uFill>
+                  <a:solidFill>
+                    <a:srgbClr val="FFFFFF"/>
+                  </a:solidFill>
+                </a:uFill>
+                <a:latin typeface="Arial"/>
+              </a:rPr>
+              <a:t>postprocessing</a:t>
+            </a:r>
+            <a:endParaRPr lang="de-DE" sz="1200" b="0" strike="noStrike" spc="-1" dirty="0">
               <a:solidFill>
                 <a:srgbClr val="000000"/>
               </a:solidFill>
@@ -6165,19 +6221,30 @@
               <a:buChar char="•"/>
             </a:pPr>
             <a:r>
-              <a:rPr lang="en-US" sz="2400" b="0" strike="noStrike" spc="-1" dirty="0">
-                <a:solidFill>
-                  <a:srgbClr val="000000"/>
-                </a:solidFill>
-                <a:uFill>
-                  <a:solidFill>
-                    <a:srgbClr val="FFFFFF"/>
-                  </a:solidFill>
-                </a:uFill>
-                <a:latin typeface="Arial"/>
-              </a:rPr>
-              <a:t>Task</a:t>
-            </a:r>
+              <a:rPr lang="en-US" sz="2400" spc="-1" dirty="0">
+                <a:solidFill>
+                  <a:srgbClr val="000000"/>
+                </a:solidFill>
+                <a:uFill>
+                  <a:solidFill>
+                    <a:srgbClr val="FFFFFF"/>
+                  </a:solidFill>
+                </a:uFill>
+                <a:latin typeface="Arial"/>
+              </a:rPr>
+              <a:t>Paraview</a:t>
+            </a:r>
+            <a:endParaRPr lang="en-US" sz="2400" b="0" strike="noStrike" spc="-1" dirty="0">
+              <a:solidFill>
+                <a:srgbClr val="000000"/>
+              </a:solidFill>
+              <a:uFill>
+                <a:solidFill>
+                  <a:srgbClr val="FFFFFF"/>
+                </a:solidFill>
+              </a:uFill>
+              <a:latin typeface="Arial"/>
+            </a:endParaRPr>
           </a:p>
           <a:p>
             <a:pPr marL="343260" indent="-342900">
@@ -6191,30 +6258,19 @@
               <a:buChar char="•"/>
             </a:pPr>
             <a:r>
-              <a:rPr lang="en-US" sz="2400" spc="-1" dirty="0">
-                <a:solidFill>
-                  <a:srgbClr val="000000"/>
-                </a:solidFill>
-                <a:uFill>
-                  <a:solidFill>
-                    <a:srgbClr val="FFFFFF"/>
-                  </a:solidFill>
-                </a:uFill>
-                <a:latin typeface="Arial"/>
-              </a:rPr>
-              <a:t>Paraview</a:t>
-            </a:r>
-            <a:endParaRPr lang="en-US" sz="1600" b="0" strike="noStrike" spc="-1" dirty="0">
-              <a:solidFill>
-                <a:srgbClr val="000000"/>
-              </a:solidFill>
-              <a:uFill>
-                <a:solidFill>
-                  <a:srgbClr val="FFFFFF"/>
-                </a:solidFill>
-              </a:uFill>
-              <a:latin typeface="Arial"/>
-            </a:endParaRPr>
+              <a:rPr lang="en-US" sz="2400" b="0" strike="noStrike" spc="-1" dirty="0">
+                <a:solidFill>
+                  <a:srgbClr val="000000"/>
+                </a:solidFill>
+                <a:uFill>
+                  <a:solidFill>
+                    <a:srgbClr val="FFFFFF"/>
+                  </a:solidFill>
+                </a:uFill>
+                <a:latin typeface="Arial"/>
+              </a:rPr>
+              <a:t>Task</a:t>
+            </a:r>
           </a:p>
           <a:p>
             <a:pPr marL="343260" indent="-342900">
@@ -6395,20 +6451,90 @@
               </a:lnSpc>
             </a:pPr>
             <a:r>
-              <a:rPr lang="de-DE" sz="1200" b="0" strike="noStrike" spc="-1">
-                <a:solidFill>
-                  <a:srgbClr val="000000"/>
-                </a:solidFill>
-                <a:uFill>
-                  <a:solidFill>
-                    <a:srgbClr val="FFFFFF"/>
-                  </a:solidFill>
-                </a:uFill>
-                <a:latin typeface="Arial"/>
-              </a:rPr>
-              <a:t>Oztoprak, Oguz (TUM) | Droll, Darwin (TUM) | Python-based Paraview postprocessing</a:t>
-            </a:r>
-            <a:endParaRPr lang="de-DE" sz="1200" b="0" strike="noStrike" spc="-1">
+              <a:rPr lang="de-DE" sz="1200" b="0" strike="noStrike" spc="-1" dirty="0">
+                <a:solidFill>
+                  <a:srgbClr val="000000"/>
+                </a:solidFill>
+                <a:uFill>
+                  <a:solidFill>
+                    <a:srgbClr val="FFFFFF"/>
+                  </a:solidFill>
+                </a:uFill>
+                <a:latin typeface="Arial"/>
+              </a:rPr>
+              <a:t>Oztoprak, Oguz (TUM) | Droll, Darwin (TUM) | Python-</a:t>
+            </a:r>
+            <a:r>
+              <a:rPr lang="de-DE" sz="1200" b="0" strike="noStrike" spc="-1" dirty="0" err="1">
+                <a:solidFill>
+                  <a:srgbClr val="000000"/>
+                </a:solidFill>
+                <a:uFill>
+                  <a:solidFill>
+                    <a:srgbClr val="FFFFFF"/>
+                  </a:solidFill>
+                </a:uFill>
+                <a:latin typeface="Arial"/>
+              </a:rPr>
+              <a:t>based</a:t>
+            </a:r>
+            <a:r>
+              <a:rPr lang="de-DE" sz="1200" b="0" strike="noStrike" spc="-1" dirty="0">
+                <a:solidFill>
+                  <a:srgbClr val="000000"/>
+                </a:solidFill>
+                <a:uFill>
+                  <a:solidFill>
+                    <a:srgbClr val="FFFFFF"/>
+                  </a:solidFill>
+                </a:uFill>
+                <a:latin typeface="Arial"/>
+              </a:rPr>
+              <a:t> </a:t>
+            </a:r>
+            <a:r>
+              <a:rPr lang="de-DE" sz="1200" b="0" strike="noStrike" spc="-1" dirty="0" err="1">
+                <a:solidFill>
+                  <a:srgbClr val="000000"/>
+                </a:solidFill>
+                <a:uFill>
+                  <a:solidFill>
+                    <a:srgbClr val="FFFFFF"/>
+                  </a:solidFill>
+                </a:uFill>
+                <a:latin typeface="Arial"/>
+              </a:rPr>
+              <a:t>Paraview</a:t>
+            </a:r>
+            <a:r>
+              <a:rPr lang="de-DE" sz="1200" b="0" strike="noStrike" spc="-1" dirty="0">
+                <a:solidFill>
+                  <a:srgbClr val="000000"/>
+                </a:solidFill>
+                <a:uFill>
+                  <a:solidFill>
+                    <a:srgbClr val="FFFFFF"/>
+                  </a:solidFill>
+                </a:uFill>
+                <a:latin typeface="Arial"/>
+              </a:rPr>
+              <a:t> </a:t>
+            </a:r>
+            <a:r>
+              <a:rPr lang="de-DE" sz="1200" b="0" strike="noStrike" spc="-1" dirty="0" err="1">
+                <a:solidFill>
+                  <a:srgbClr val="000000"/>
+                </a:solidFill>
+                <a:uFill>
+                  <a:solidFill>
+                    <a:srgbClr val="FFFFFF"/>
+                  </a:solidFill>
+                </a:uFill>
+                <a:latin typeface="Arial"/>
+              </a:rPr>
+              <a:t>postprocessing</a:t>
+            </a:r>
+            <a:endParaRPr lang="de-DE" sz="1200" b="0" strike="noStrike" spc="-1" dirty="0">
               <a:solidFill>
                 <a:srgbClr val="000000"/>
               </a:solidFill>
@@ -6780,20 +6906,90 @@
               </a:lnSpc>
             </a:pPr>
             <a:r>
-              <a:rPr lang="de-DE" sz="1200" b="0" strike="noStrike" spc="-1">
-                <a:solidFill>
-                  <a:srgbClr val="000000"/>
-                </a:solidFill>
-                <a:uFill>
-                  <a:solidFill>
-                    <a:srgbClr val="FFFFFF"/>
-                  </a:solidFill>
-                </a:uFill>
-                <a:latin typeface="Arial"/>
-              </a:rPr>
-              <a:t>Oztoprak, Oguz (TUM) | Droll, Darwin (TUM) | Python-based Paraview postprocessing</a:t>
-            </a:r>
-            <a:endParaRPr lang="de-DE" sz="1200" b="0" strike="noStrike" spc="-1">
+              <a:rPr lang="de-DE" sz="1200" b="0" strike="noStrike" spc="-1" dirty="0">
+                <a:solidFill>
+                  <a:srgbClr val="000000"/>
+                </a:solidFill>
+                <a:uFill>
+                  <a:solidFill>
+                    <a:srgbClr val="FFFFFF"/>
+                  </a:solidFill>
+                </a:uFill>
+                <a:latin typeface="Arial"/>
+              </a:rPr>
+              <a:t>Oztoprak, Oguz (TUM) | Droll, Darwin (TUM) | Python-</a:t>
+            </a:r>
+            <a:r>
+              <a:rPr lang="de-DE" sz="1200" b="0" strike="noStrike" spc="-1" dirty="0" err="1">
+                <a:solidFill>
+                  <a:srgbClr val="000000"/>
+                </a:solidFill>
+                <a:uFill>
+                  <a:solidFill>
+                    <a:srgbClr val="FFFFFF"/>
+                  </a:solidFill>
+                </a:uFill>
+                <a:latin typeface="Arial"/>
+              </a:rPr>
+              <a:t>based</a:t>
+            </a:r>
+            <a:r>
+              <a:rPr lang="de-DE" sz="1200" b="0" strike="noStrike" spc="-1" dirty="0">
+                <a:solidFill>
+                  <a:srgbClr val="000000"/>
+                </a:solidFill>
+                <a:uFill>
+                  <a:solidFill>
+                    <a:srgbClr val="FFFFFF"/>
+                  </a:solidFill>
+                </a:uFill>
+                <a:latin typeface="Arial"/>
+              </a:rPr>
+              <a:t> </a:t>
+            </a:r>
+            <a:r>
+              <a:rPr lang="de-DE" sz="1200" b="0" strike="noStrike" spc="-1" dirty="0" err="1">
+                <a:solidFill>
+                  <a:srgbClr val="000000"/>
+                </a:solidFill>
+                <a:uFill>
+                  <a:solidFill>
+                    <a:srgbClr val="FFFFFF"/>
+                  </a:solidFill>
+                </a:uFill>
+                <a:latin typeface="Arial"/>
+              </a:rPr>
+              <a:t>Paraview</a:t>
+            </a:r>
+            <a:r>
+              <a:rPr lang="de-DE" sz="1200" b="0" strike="noStrike" spc="-1" dirty="0">
+                <a:solidFill>
+                  <a:srgbClr val="000000"/>
+                </a:solidFill>
+                <a:uFill>
+                  <a:solidFill>
+                    <a:srgbClr val="FFFFFF"/>
+                  </a:solidFill>
+                </a:uFill>
+                <a:latin typeface="Arial"/>
+              </a:rPr>
+              <a:t> </a:t>
+            </a:r>
+            <a:r>
+              <a:rPr lang="de-DE" sz="1200" b="0" strike="noStrike" spc="-1" dirty="0" err="1">
+                <a:solidFill>
+                  <a:srgbClr val="000000"/>
+                </a:solidFill>
+                <a:uFill>
+                  <a:solidFill>
+                    <a:srgbClr val="FFFFFF"/>
+                  </a:solidFill>
+                </a:uFill>
+                <a:latin typeface="Arial"/>
+              </a:rPr>
+              <a:t>postprocessing</a:t>
+            </a:r>
+            <a:endParaRPr lang="de-DE" sz="1200" b="0" strike="noStrike" spc="-1" dirty="0">
               <a:solidFill>
                 <a:srgbClr val="000000"/>
               </a:solidFill>
@@ -7059,7 +7255,7 @@
       </p:grpSpPr>
       <p:sp>
         <p:nvSpPr>
-          <p:cNvPr id="89" name="TextShape 1"/>
+          <p:cNvPr id="97" name="TextShape 1"/>
           <p:cNvSpPr txBox="1"/>
           <p:nvPr/>
         </p:nvSpPr>
@@ -7080,58 +7276,56 @@
           <a:bodyPr lIns="0" tIns="0" rIns="0" bIns="0"/>
           <a:lstStyle/>
           <a:p>
-            <a:pPr marL="286110" indent="-285750">
+            <a:pPr marL="342900" indent="-342900">
               <a:lnSpc>
-                <a:spcPct val="100000"/>
+                <a:spcPct val="114000"/>
               </a:lnSpc>
-              <a:buClr>
-                <a:srgbClr val="000000"/>
-              </a:buClr>
               <a:buFont typeface="Arial" panose="020B0604020202020204" pitchFamily="34" charset="0"/>
               <a:buChar char="•"/>
             </a:pPr>
             <a:r>
-              <a:rPr lang="en-US" sz="2200" spc="-1" dirty="0">
-                <a:solidFill>
-                  <a:srgbClr val="000000"/>
-                </a:solidFill>
-                <a:uFill>
-                  <a:solidFill>
-                    <a:srgbClr val="FFFFFF"/>
-                  </a:solidFill>
-                </a:uFill>
-                <a:latin typeface="Arial"/>
-              </a:rPr>
-              <a:t>Postprocessing for Paraview</a:t>
-            </a:r>
-          </a:p>
-          <a:p>
-            <a:pPr marL="286110" indent="-285750">
-              <a:buClr>
-                <a:srgbClr val="000000"/>
-              </a:buClr>
+              <a:rPr lang="en-US" sz="2200" b="0" strike="noStrike" spc="-1" dirty="0">
+                <a:solidFill>
+                  <a:srgbClr val="000000"/>
+                </a:solidFill>
+                <a:uFill>
+                  <a:solidFill>
+                    <a:srgbClr val="FFFFFF"/>
+                  </a:solidFill>
+                </a:uFill>
+                <a:latin typeface="Arial"/>
+              </a:rPr>
+              <a:t>Kitware</a:t>
+            </a:r>
+          </a:p>
+          <a:p>
+            <a:pPr marL="800100" lvl="1" indent="-342900">
+              <a:lnSpc>
+                <a:spcPct val="114000"/>
+              </a:lnSpc>
               <a:buFont typeface="Arial" panose="020B0604020202020204" pitchFamily="34" charset="0"/>
               <a:buChar char="•"/>
             </a:pPr>
             <a:r>
-              <a:rPr lang="en-US" sz="2200" spc="-1" dirty="0">
-                <a:solidFill>
-                  <a:srgbClr val="000000"/>
-                </a:solidFill>
-                <a:uFill>
-                  <a:solidFill>
-                    <a:srgbClr val="FFFFFF"/>
-                  </a:solidFill>
-                </a:uFill>
-              </a:rPr>
-              <a:t>Ubuntu (Linux)</a:t>
-            </a:r>
-          </a:p>
-          <a:p>
-            <a:pPr marL="743310" lvl="1" indent="-285750">
-              <a:buClr>
-                <a:srgbClr val="000000"/>
-              </a:buClr>
+              <a:rPr lang="en-US" sz="2200" b="0" strike="noStrike" spc="-1" dirty="0">
+                <a:solidFill>
+                  <a:srgbClr val="000000"/>
+                </a:solidFill>
+                <a:uFill>
+                  <a:solidFill>
+                    <a:srgbClr val="FFFFFF"/>
+                  </a:solidFill>
+                </a:uFill>
+                <a:latin typeface="Arial"/>
+              </a:rPr>
+              <a:t>Open Source</a:t>
+            </a:r>
+          </a:p>
+          <a:p>
+            <a:pPr marL="800100" lvl="1" indent="-342900">
+              <a:lnSpc>
+                <a:spcPct val="114000"/>
+              </a:lnSpc>
               <a:buFont typeface="Arial" panose="020B0604020202020204" pitchFamily="34" charset="0"/>
               <a:buChar char="•"/>
             </a:pPr>
@@ -7145,10 +7339,11 @@
                     <a:srgbClr val="FFFFFF"/>
                   </a:solidFill>
                 </a:uFill>
-              </a:rPr>
-              <a:t>GIT</a:t>
-            </a:r>
-            <a:endParaRPr lang="en-US" sz="2200" spc="-1" dirty="0">
+                <a:latin typeface="Arial"/>
+              </a:rPr>
+              <a:t>Visualization</a:t>
+            </a:r>
+            <a:endParaRPr lang="en-US" sz="2200" b="0" strike="noStrike" spc="-1" dirty="0">
               <a:solidFill>
                 <a:srgbClr val="000000"/>
               </a:solidFill>
@@ -7161,13 +7356,10 @@
             </a:endParaRPr>
           </a:p>
           <a:p>
-            <a:pPr marL="286110" indent="-285750">
+            <a:pPr marL="342900" indent="-342900">
               <a:lnSpc>
-                <a:spcPct val="100000"/>
+                <a:spcPct val="114000"/>
               </a:lnSpc>
-              <a:buClr>
-                <a:srgbClr val="000000"/>
-              </a:buClr>
               <a:buFont typeface="Arial" panose="020B0604020202020204" pitchFamily="34" charset="0"/>
               <a:buChar char="•"/>
             </a:pPr>
@@ -7183,14 +7375,14 @@
                 </a:uFill>
                 <a:latin typeface="Arial"/>
               </a:rPr>
-              <a:t>Python plugin</a:t>
-            </a:r>
-          </a:p>
-          <a:p>
-            <a:pPr marL="743310" lvl="1" indent="-285750">
-              <a:buClr>
-                <a:srgbClr val="000000"/>
-              </a:buClr>
+              <a:t>Python Shell</a:t>
+            </a:r>
+          </a:p>
+          <a:p>
+            <a:pPr marL="800100" lvl="1" indent="-342900">
+              <a:lnSpc>
+                <a:spcPct val="114000"/>
+              </a:lnSpc>
               <a:buFont typeface="Arial" panose="020B0604020202020204" pitchFamily="34" charset="0"/>
               <a:buChar char="•"/>
             </a:pPr>
@@ -7206,17 +7398,14 @@
                 </a:uFill>
                 <a:latin typeface="Arial"/>
               </a:rPr>
-              <a:t>Selection of cells/ areas</a:t>
-            </a:r>
-          </a:p>
-          <a:p>
-            <a:pPr marL="286110" indent="-285750">
+              <a:t>Paraview simple module</a:t>
+            </a:r>
+          </a:p>
+          <a:p>
+            <a:pPr marL="342900" indent="-342900">
               <a:lnSpc>
-                <a:spcPct val="100000"/>
+                <a:spcPct val="114000"/>
               </a:lnSpc>
-              <a:buClr>
-                <a:srgbClr val="000000"/>
-              </a:buClr>
               <a:buFont typeface="Arial" panose="020B0604020202020204" pitchFamily="34" charset="0"/>
               <a:buChar char="•"/>
             </a:pPr>
@@ -7230,10 +7419,191 @@
                     <a:srgbClr val="FFFFFF"/>
                   </a:solidFill>
                 </a:uFill>
-                <a:latin typeface="Arial"/>
-              </a:rPr>
-              <a:t>Distribution to an existing Program (AdhoC++)</a:t>
-            </a:r>
+              </a:rPr>
+              <a:t>VTK-Files </a:t>
+            </a:r>
+          </a:p>
+          <a:p>
+            <a:pPr marL="800100" lvl="1" indent="-342900">
+              <a:lnSpc>
+                <a:spcPct val="114000"/>
+              </a:lnSpc>
+              <a:buFont typeface="Arial" panose="020B0604020202020204" pitchFamily="34" charset="0"/>
+              <a:buChar char="•"/>
+            </a:pPr>
+            <a:r>
+              <a:rPr lang="en-US" sz="2200" spc="-1" dirty="0">
+                <a:solidFill>
+                  <a:srgbClr val="000000"/>
+                </a:solidFill>
+                <a:uFill>
+                  <a:solidFill>
+                    <a:srgbClr val="FFFFFF"/>
+                  </a:solidFill>
+                </a:uFill>
+              </a:rPr>
+              <a:t>(</a:t>
+            </a:r>
+            <a:r>
+              <a:rPr lang="en-US" sz="2200" b="1" spc="-1" dirty="0">
+                <a:solidFill>
+                  <a:srgbClr val="000000"/>
+                </a:solidFill>
+                <a:uFill>
+                  <a:solidFill>
+                    <a:srgbClr val="FFFFFF"/>
+                  </a:solidFill>
+                </a:uFill>
+              </a:rPr>
+              <a:t>V</a:t>
+            </a:r>
+            <a:r>
+              <a:rPr lang="en-US" sz="2200" spc="-1" dirty="0">
+                <a:solidFill>
+                  <a:srgbClr val="000000"/>
+                </a:solidFill>
+                <a:uFill>
+                  <a:solidFill>
+                    <a:srgbClr val="FFFFFF"/>
+                  </a:solidFill>
+                </a:uFill>
+              </a:rPr>
+              <a:t>isualization </a:t>
+            </a:r>
+            <a:r>
+              <a:rPr lang="en-US" sz="2200" b="1" spc="-1" dirty="0">
+                <a:solidFill>
+                  <a:srgbClr val="000000"/>
+                </a:solidFill>
+                <a:uFill>
+                  <a:solidFill>
+                    <a:srgbClr val="FFFFFF"/>
+                  </a:solidFill>
+                </a:uFill>
+              </a:rPr>
+              <a:t>T</a:t>
+            </a:r>
+            <a:r>
+              <a:rPr lang="en-US" sz="2200" spc="-1" dirty="0">
+                <a:solidFill>
+                  <a:srgbClr val="000000"/>
+                </a:solidFill>
+                <a:uFill>
+                  <a:solidFill>
+                    <a:srgbClr val="FFFFFF"/>
+                  </a:solidFill>
+                </a:uFill>
+              </a:rPr>
+              <a:t>ool</a:t>
+            </a:r>
+            <a:r>
+              <a:rPr lang="en-US" sz="2200" b="1" spc="-1" dirty="0">
+                <a:solidFill>
+                  <a:srgbClr val="000000"/>
+                </a:solidFill>
+                <a:uFill>
+                  <a:solidFill>
+                    <a:srgbClr val="FFFFFF"/>
+                  </a:solidFill>
+                </a:uFill>
+              </a:rPr>
+              <a:t>k</a:t>
+            </a:r>
+            <a:r>
+              <a:rPr lang="en-US" sz="2200" spc="-1" dirty="0">
+                <a:solidFill>
+                  <a:srgbClr val="000000"/>
+                </a:solidFill>
+                <a:uFill>
+                  <a:solidFill>
+                    <a:srgbClr val="FFFFFF"/>
+                  </a:solidFill>
+                </a:uFill>
+              </a:rPr>
+              <a:t>it)</a:t>
+            </a:r>
+          </a:p>
+          <a:p>
+            <a:pPr marL="800100" lvl="1" indent="-342900">
+              <a:lnSpc>
+                <a:spcPct val="114000"/>
+              </a:lnSpc>
+              <a:buFont typeface="Arial" panose="020B0604020202020204" pitchFamily="34" charset="0"/>
+              <a:buChar char="•"/>
+            </a:pPr>
+            <a:r>
+              <a:rPr lang="en-US" sz="2200" spc="-1" dirty="0">
+                <a:solidFill>
+                  <a:srgbClr val="000000"/>
+                </a:solidFill>
+                <a:uFill>
+                  <a:solidFill>
+                    <a:srgbClr val="FFFFFF"/>
+                  </a:solidFill>
+                </a:uFill>
+              </a:rPr>
+              <a:t>XML-structure</a:t>
+            </a:r>
+          </a:p>
+          <a:p>
+            <a:pPr marL="800100" lvl="1" indent="-342900">
+              <a:lnSpc>
+                <a:spcPct val="114000"/>
+              </a:lnSpc>
+              <a:buFont typeface="Arial" panose="020B0604020202020204" pitchFamily="34" charset="0"/>
+              <a:buChar char="•"/>
+            </a:pPr>
+            <a:endParaRPr lang="en-US" sz="2200" spc="-1" dirty="0">
+              <a:solidFill>
+                <a:srgbClr val="000000"/>
+              </a:solidFill>
+              <a:uFill>
+                <a:solidFill>
+                  <a:srgbClr val="FFFFFF"/>
+                </a:solidFill>
+              </a:uFill>
+              <a:latin typeface="Arial"/>
+            </a:endParaRPr>
+          </a:p>
+          <a:p>
+            <a:pPr marL="800100" lvl="1" indent="-342900">
+              <a:lnSpc>
+                <a:spcPct val="114000"/>
+              </a:lnSpc>
+              <a:buFont typeface="Arial" panose="020B0604020202020204" pitchFamily="34" charset="0"/>
+              <a:buChar char="•"/>
+            </a:pPr>
+            <a:endParaRPr lang="en-US" sz="2200" b="0" strike="noStrike" spc="-1" dirty="0">
+              <a:solidFill>
+                <a:srgbClr val="000000"/>
+              </a:solidFill>
+              <a:uFill>
+                <a:solidFill>
+                  <a:srgbClr val="FFFFFF"/>
+                </a:solidFill>
+              </a:uFill>
+              <a:latin typeface="Arial"/>
+            </a:endParaRPr>
+          </a:p>
+          <a:p>
+            <a:pPr marL="342900" indent="-342900">
+              <a:lnSpc>
+                <a:spcPct val="114000"/>
+              </a:lnSpc>
+              <a:buFont typeface="Arial" panose="020B0604020202020204" pitchFamily="34" charset="0"/>
+              <a:buChar char="•"/>
+            </a:pPr>
+            <a:endParaRPr lang="en-US" sz="1600" b="0" strike="noStrike" spc="-1" dirty="0">
+              <a:solidFill>
+                <a:srgbClr val="000000"/>
+              </a:solidFill>
+              <a:uFill>
+                <a:solidFill>
+                  <a:srgbClr val="FFFFFF"/>
+                </a:solidFill>
+              </a:uFill>
+              <a:latin typeface="Arial"/>
+            </a:endParaRPr>
           </a:p>
           <a:p>
             <a:pPr>
@@ -7253,11 +7623,47 @@
               <a:latin typeface="Arial"/>
             </a:endParaRPr>
           </a:p>
-        </p:txBody>
-      </p:sp>
-      <p:sp>
-        <p:nvSpPr>
-          <p:cNvPr id="90" name="TextShape 2"/>
+          <a:p>
+            <a:pPr>
+              <a:lnSpc>
+                <a:spcPct val="114000"/>
+              </a:lnSpc>
+            </a:pPr>
+            <a:endParaRPr lang="de-DE" sz="1600" b="0" strike="noStrike" spc="-1" dirty="0">
+              <a:solidFill>
+                <a:srgbClr val="000000"/>
+              </a:solidFill>
+              <a:uFill>
+                <a:solidFill>
+                  <a:srgbClr val="FFFFFF"/>
+                </a:solidFill>
+              </a:uFill>
+              <a:latin typeface="Arial"/>
+            </a:endParaRPr>
+          </a:p>
+          <a:p>
+            <a:pPr>
+              <a:lnSpc>
+                <a:spcPct val="114000"/>
+              </a:lnSpc>
+            </a:pPr>
+            <a:endParaRPr lang="de-DE" sz="1600" b="0" strike="noStrike" spc="-1" dirty="0">
+              <a:solidFill>
+                <a:srgbClr val="000000"/>
+              </a:solidFill>
+              <a:uFill>
+                <a:solidFill>
+                  <a:srgbClr val="FFFFFF"/>
+                </a:solidFill>
+              </a:uFill>
+              <a:latin typeface="Arial"/>
+            </a:endParaRPr>
+          </a:p>
+        </p:txBody>
+      </p:sp>
+      <p:sp>
+        <p:nvSpPr>
+          <p:cNvPr id="98" name="TextShape 2"/>
           <p:cNvSpPr txBox="1"/>
           <p:nvPr/>
         </p:nvSpPr>
@@ -7283,7 +7689,7 @@
                 <a:spcPct val="100000"/>
               </a:lnSpc>
             </a:pPr>
-            <a:fld id="{4F831EE4-46AE-4713-AD1F-E57479484FF3}" type="slidenum">
+            <a:fld id="{6C6E63D9-56E4-4498-8999-7626C6F08C51}" type="slidenum">
               <a:rPr lang="de-DE" sz="1200" b="0" strike="noStrike" spc="-1">
                 <a:solidFill>
                   <a:srgbClr val="000000"/>
@@ -7313,7 +7719,7 @@
       </p:sp>
       <p:sp>
         <p:nvSpPr>
-          <p:cNvPr id="91" name="TextShape 3"/>
+          <p:cNvPr id="99" name="TextShape 3"/>
           <p:cNvSpPr txBox="1"/>
           <p:nvPr/>
         </p:nvSpPr>
@@ -7340,20 +7746,90 @@
               </a:lnSpc>
             </a:pPr>
             <a:r>
-              <a:rPr lang="de-DE" sz="1200" b="0" strike="noStrike" spc="-1">
-                <a:solidFill>
-                  <a:srgbClr val="000000"/>
-                </a:solidFill>
-                <a:uFill>
-                  <a:solidFill>
-                    <a:srgbClr val="FFFFFF"/>
-                  </a:solidFill>
-                </a:uFill>
-                <a:latin typeface="Arial"/>
-              </a:rPr>
-              <a:t>Oztoprak, Oguz (TUM) | Droll, Darwin (TUM) | Python-based Paraview postprocessing</a:t>
-            </a:r>
-            <a:endParaRPr lang="de-DE" sz="1200" b="0" strike="noStrike" spc="-1">
+              <a:rPr lang="de-DE" sz="1200" b="0" strike="noStrike" spc="-1" dirty="0">
+                <a:solidFill>
+                  <a:srgbClr val="000000"/>
+                </a:solidFill>
+                <a:uFill>
+                  <a:solidFill>
+                    <a:srgbClr val="FFFFFF"/>
+                  </a:solidFill>
+                </a:uFill>
+                <a:latin typeface="Arial"/>
+              </a:rPr>
+              <a:t>Oztoprak, Oguz (TUM) | Droll, Darwin (TUM) | Python-</a:t>
+            </a:r>
+            <a:r>
+              <a:rPr lang="de-DE" sz="1200" b="0" strike="noStrike" spc="-1" dirty="0" err="1">
+                <a:solidFill>
+                  <a:srgbClr val="000000"/>
+                </a:solidFill>
+                <a:uFill>
+                  <a:solidFill>
+                    <a:srgbClr val="FFFFFF"/>
+                  </a:solidFill>
+                </a:uFill>
+                <a:latin typeface="Arial"/>
+              </a:rPr>
+              <a:t>based</a:t>
+            </a:r>
+            <a:r>
+              <a:rPr lang="de-DE" sz="1200" b="0" strike="noStrike" spc="-1" dirty="0">
+                <a:solidFill>
+                  <a:srgbClr val="000000"/>
+                </a:solidFill>
+                <a:uFill>
+                  <a:solidFill>
+                    <a:srgbClr val="FFFFFF"/>
+                  </a:solidFill>
+                </a:uFill>
+                <a:latin typeface="Arial"/>
+              </a:rPr>
+              <a:t> </a:t>
+            </a:r>
+            <a:r>
+              <a:rPr lang="de-DE" sz="1200" b="0" strike="noStrike" spc="-1" dirty="0" err="1">
+                <a:solidFill>
+                  <a:srgbClr val="000000"/>
+                </a:solidFill>
+                <a:uFill>
+                  <a:solidFill>
+                    <a:srgbClr val="FFFFFF"/>
+                  </a:solidFill>
+                </a:uFill>
+                <a:latin typeface="Arial"/>
+              </a:rPr>
+              <a:t>Paraview</a:t>
+            </a:r>
+            <a:r>
+              <a:rPr lang="de-DE" sz="1200" b="0" strike="noStrike" spc="-1" dirty="0">
+                <a:solidFill>
+                  <a:srgbClr val="000000"/>
+                </a:solidFill>
+                <a:uFill>
+                  <a:solidFill>
+                    <a:srgbClr val="FFFFFF"/>
+                  </a:solidFill>
+                </a:uFill>
+                <a:latin typeface="Arial"/>
+              </a:rPr>
+              <a:t> </a:t>
+            </a:r>
+            <a:r>
+              <a:rPr lang="de-DE" sz="1200" b="0" strike="noStrike" spc="-1" dirty="0" err="1">
+                <a:solidFill>
+                  <a:srgbClr val="000000"/>
+                </a:solidFill>
+                <a:uFill>
+                  <a:solidFill>
+                    <a:srgbClr val="FFFFFF"/>
+                  </a:solidFill>
+                </a:uFill>
+                <a:latin typeface="Arial"/>
+              </a:rPr>
+              <a:t>postprocessing</a:t>
+            </a:r>
+            <a:endParaRPr lang="de-DE" sz="1200" b="0" strike="noStrike" spc="-1" dirty="0">
               <a:solidFill>
                 <a:srgbClr val="000000"/>
               </a:solidFill>
@@ -7369,7 +7845,7 @@
       </p:sp>
       <p:sp>
         <p:nvSpPr>
-          <p:cNvPr id="92" name="TextShape 4"/>
+          <p:cNvPr id="100" name="TextShape 4"/>
           <p:cNvSpPr txBox="1"/>
           <p:nvPr/>
         </p:nvSpPr>
@@ -7407,7 +7883,7 @@
                 </a:uFill>
                 <a:latin typeface="Arial"/>
               </a:rPr>
-              <a:t>Task</a:t>
+              <a:t>Paraview</a:t>
             </a:r>
             <a:endParaRPr lang="en-US" sz="2200" b="0" strike="noStrike" spc="-1" dirty="0">
               <a:solidFill>
@@ -7423,12 +7899,78 @@
           </a:p>
         </p:txBody>
       </p:sp>
+      <p:pic>
+        <p:nvPicPr>
+          <p:cNvPr id="3" name="Grafik 2">
+            <a:extLst>
+              <a:ext uri="{FF2B5EF4-FFF2-40B4-BE49-F238E27FC236}">
+                <a16:creationId xmlns:a16="http://schemas.microsoft.com/office/drawing/2014/main" id="{01B43783-FD1B-4DC2-83EB-1B89E56BD126}"/>
+              </a:ext>
+            </a:extLst>
+          </p:cNvPr>
+          <p:cNvPicPr>
+            <a:picLocks noChangeAspect="1"/>
+          </p:cNvPicPr>
+          <p:nvPr/>
+        </p:nvPicPr>
+        <p:blipFill>
+          <a:blip r:embed="rId2">
+            <a:extLst>
+              <a:ext uri="{28A0092B-C50C-407E-A947-70E740481C1C}">
+                <a14:useLocalDpi xmlns:a14="http://schemas.microsoft.com/office/drawing/2010/main" val="0"/>
+              </a:ext>
+            </a:extLst>
+          </a:blip>
+          <a:stretch>
+            <a:fillRect/>
+          </a:stretch>
+        </p:blipFill>
+        <p:spPr>
+          <a:xfrm>
+            <a:off x="4570837" y="1762200"/>
+            <a:ext cx="4255643" cy="2541461"/>
+          </a:xfrm>
+          <a:prstGeom prst="rect">
+            <a:avLst/>
+          </a:prstGeom>
+        </p:spPr>
+      </p:pic>
+      <p:sp>
+        <p:nvSpPr>
+          <p:cNvPr id="8" name="Textfeld 7">
+            <a:extLst>
+              <a:ext uri="{FF2B5EF4-FFF2-40B4-BE49-F238E27FC236}">
+                <a16:creationId xmlns:a16="http://schemas.microsoft.com/office/drawing/2014/main" id="{82FE7971-4F54-43AF-8936-D5B70AA7EEE1}"/>
+              </a:ext>
+            </a:extLst>
+          </p:cNvPr>
+          <p:cNvSpPr txBox="1"/>
+          <p:nvPr/>
+        </p:nvSpPr>
+        <p:spPr>
+          <a:xfrm>
+            <a:off x="4570837" y="4430669"/>
+            <a:ext cx="3881947" cy="230832"/>
+          </a:xfrm>
+          <a:prstGeom prst="rect">
+            <a:avLst/>
+          </a:prstGeom>
+          <a:noFill/>
+        </p:spPr>
+        <p:txBody>
+          <a:bodyPr wrap="square" rtlCol="0">
+            <a:spAutoFit/>
+          </a:bodyPr>
+          <a:lstStyle/>
+          <a:p>
+            <a:r>
+              <a:rPr lang="en-GB" sz="900" dirty="0"/>
+              <a:t>Source: Screenshot from Paraview</a:t>
+            </a:r>
+          </a:p>
+        </p:txBody>
+      </p:sp>
     </p:spTree>
-    <p:extLst>
-      <p:ext uri="{BB962C8B-B14F-4D97-AF65-F5344CB8AC3E}">
-        <p14:creationId xmlns:p14="http://schemas.microsoft.com/office/powerpoint/2010/main" val="853532261"/>
-      </p:ext>
-    </p:extLst>
   </p:cSld>
   <p:clrMapOvr>
     <a:masterClrMapping/>
@@ -7482,415 +8024,7 @@
       </p:grpSpPr>
       <p:sp>
         <p:nvSpPr>
-          <p:cNvPr id="97" name="TextShape 1"/>
-          <p:cNvSpPr txBox="1"/>
-          <p:nvPr/>
-        </p:nvSpPr>
-        <p:spPr>
-          <a:xfrm>
-            <a:off x="318960" y="1762200"/>
-            <a:ext cx="8508600" cy="4699080"/>
-          </a:xfrm>
-          <a:prstGeom prst="rect">
-            <a:avLst/>
-          </a:prstGeom>
-          <a:noFill/>
-          <a:ln w="9360">
-            <a:noFill/>
-          </a:ln>
-        </p:spPr>
-        <p:txBody>
-          <a:bodyPr lIns="0" tIns="0" rIns="0" bIns="0"/>
-          <a:lstStyle/>
-          <a:p>
-            <a:pPr marL="342900" indent="-342900">
-              <a:lnSpc>
-                <a:spcPct val="114000"/>
-              </a:lnSpc>
-              <a:buFont typeface="Arial" panose="020B0604020202020204" pitchFamily="34" charset="0"/>
-              <a:buChar char="•"/>
-            </a:pPr>
-            <a:r>
-              <a:rPr lang="en-US" sz="2200" b="0" strike="noStrike" spc="-1" dirty="0">
-                <a:solidFill>
-                  <a:srgbClr val="000000"/>
-                </a:solidFill>
-                <a:uFill>
-                  <a:solidFill>
-                    <a:srgbClr val="FFFFFF"/>
-                  </a:solidFill>
-                </a:uFill>
-                <a:latin typeface="Arial"/>
-              </a:rPr>
-              <a:t>Kitware</a:t>
-            </a:r>
-          </a:p>
-          <a:p>
-            <a:pPr marL="800100" lvl="1" indent="-342900">
-              <a:lnSpc>
-                <a:spcPct val="114000"/>
-              </a:lnSpc>
-              <a:buFont typeface="Arial" panose="020B0604020202020204" pitchFamily="34" charset="0"/>
-              <a:buChar char="•"/>
-            </a:pPr>
-            <a:r>
-              <a:rPr lang="en-US" sz="2200" b="0" strike="noStrike" spc="-1" dirty="0">
-                <a:solidFill>
-                  <a:srgbClr val="000000"/>
-                </a:solidFill>
-                <a:uFill>
-                  <a:solidFill>
-                    <a:srgbClr val="FFFFFF"/>
-                  </a:solidFill>
-                </a:uFill>
-                <a:latin typeface="Arial"/>
-              </a:rPr>
-              <a:t>Open Source</a:t>
-            </a:r>
-          </a:p>
-          <a:p>
-            <a:pPr marL="800100" lvl="1" indent="-342900">
-              <a:lnSpc>
-                <a:spcPct val="114000"/>
-              </a:lnSpc>
-              <a:buFont typeface="Arial" panose="020B0604020202020204" pitchFamily="34" charset="0"/>
-              <a:buChar char="•"/>
-            </a:pPr>
-            <a:r>
-              <a:rPr lang="en-US" sz="2200" spc="-1" dirty="0">
-                <a:solidFill>
-                  <a:srgbClr val="000000"/>
-                </a:solidFill>
-                <a:uFill>
-                  <a:solidFill>
-                    <a:srgbClr val="FFFFFF"/>
-                  </a:solidFill>
-                </a:uFill>
-                <a:latin typeface="Arial"/>
-              </a:rPr>
-              <a:t>Visualization</a:t>
-            </a:r>
-            <a:endParaRPr lang="en-US" sz="2200" b="0" strike="noStrike" spc="-1" dirty="0">
-              <a:solidFill>
-                <a:srgbClr val="000000"/>
-              </a:solidFill>
-              <a:uFill>
-                <a:solidFill>
-                  <a:srgbClr val="FFFFFF"/>
-                </a:solidFill>
-              </a:uFill>
-              <a:latin typeface="Arial"/>
-            </a:endParaRPr>
-          </a:p>
-          <a:p>
-            <a:pPr marL="342900" indent="-342900">
-              <a:lnSpc>
-                <a:spcPct val="114000"/>
-              </a:lnSpc>
-              <a:buFont typeface="Arial" panose="020B0604020202020204" pitchFamily="34" charset="0"/>
-              <a:buChar char="•"/>
-            </a:pPr>
-            <a:r>
-              <a:rPr lang="en-US" sz="2200" spc="-1" dirty="0">
-                <a:solidFill>
-                  <a:srgbClr val="000000"/>
-                </a:solidFill>
-                <a:uFill>
-                  <a:solidFill>
-                    <a:srgbClr val="FFFFFF"/>
-                  </a:solidFill>
-                </a:uFill>
-                <a:latin typeface="Arial"/>
-              </a:rPr>
-              <a:t>Python Shell</a:t>
-            </a:r>
-          </a:p>
-          <a:p>
-            <a:pPr marL="800100" lvl="1" indent="-342900">
-              <a:lnSpc>
-                <a:spcPct val="114000"/>
-              </a:lnSpc>
-              <a:buFont typeface="Arial" panose="020B0604020202020204" pitchFamily="34" charset="0"/>
-              <a:buChar char="•"/>
-            </a:pPr>
-            <a:r>
-              <a:rPr lang="en-US" sz="2200" spc="-1" dirty="0">
-                <a:solidFill>
-                  <a:srgbClr val="000000"/>
-                </a:solidFill>
-                <a:uFill>
-                  <a:solidFill>
-                    <a:srgbClr val="FFFFFF"/>
-                  </a:solidFill>
-                </a:uFill>
-                <a:latin typeface="Arial"/>
-              </a:rPr>
-              <a:t>Paraview simple module</a:t>
-            </a:r>
-          </a:p>
-          <a:p>
-            <a:pPr marL="342900" indent="-342900">
-              <a:lnSpc>
-                <a:spcPct val="114000"/>
-              </a:lnSpc>
-              <a:buFont typeface="Arial" panose="020B0604020202020204" pitchFamily="34" charset="0"/>
-              <a:buChar char="•"/>
-            </a:pPr>
-            <a:r>
-              <a:rPr lang="en-US" sz="2200" spc="-1" dirty="0">
-                <a:solidFill>
-                  <a:srgbClr val="000000"/>
-                </a:solidFill>
-                <a:uFill>
-                  <a:solidFill>
-                    <a:srgbClr val="FFFFFF"/>
-                  </a:solidFill>
-                </a:uFill>
-              </a:rPr>
-              <a:t>VTK-Files </a:t>
-            </a:r>
-          </a:p>
-          <a:p>
-            <a:pPr marL="800100" lvl="1" indent="-342900">
-              <a:lnSpc>
-                <a:spcPct val="114000"/>
-              </a:lnSpc>
-              <a:buFont typeface="Arial" panose="020B0604020202020204" pitchFamily="34" charset="0"/>
-              <a:buChar char="•"/>
-            </a:pPr>
-            <a:r>
-              <a:rPr lang="en-US" sz="2200" spc="-1" dirty="0">
-                <a:solidFill>
-                  <a:srgbClr val="000000"/>
-                </a:solidFill>
-                <a:uFill>
-                  <a:solidFill>
-                    <a:srgbClr val="FFFFFF"/>
-                  </a:solidFill>
-                </a:uFill>
-              </a:rPr>
-              <a:t>(</a:t>
-            </a:r>
-            <a:r>
-              <a:rPr lang="en-US" sz="2200" b="1" spc="-1" dirty="0">
-                <a:solidFill>
-                  <a:srgbClr val="000000"/>
-                </a:solidFill>
-                <a:uFill>
-                  <a:solidFill>
-                    <a:srgbClr val="FFFFFF"/>
-                  </a:solidFill>
-                </a:uFill>
-              </a:rPr>
-              <a:t>V</a:t>
-            </a:r>
-            <a:r>
-              <a:rPr lang="en-US" sz="2200" spc="-1" dirty="0">
-                <a:solidFill>
-                  <a:srgbClr val="000000"/>
-                </a:solidFill>
-                <a:uFill>
-                  <a:solidFill>
-                    <a:srgbClr val="FFFFFF"/>
-                  </a:solidFill>
-                </a:uFill>
-              </a:rPr>
-              <a:t>isualization </a:t>
-            </a:r>
-            <a:r>
-              <a:rPr lang="en-US" sz="2200" b="1" spc="-1" dirty="0">
-                <a:solidFill>
-                  <a:srgbClr val="000000"/>
-                </a:solidFill>
-                <a:uFill>
-                  <a:solidFill>
-                    <a:srgbClr val="FFFFFF"/>
-                  </a:solidFill>
-                </a:uFill>
-              </a:rPr>
-              <a:t>T</a:t>
-            </a:r>
-            <a:r>
-              <a:rPr lang="en-US" sz="2200" spc="-1" dirty="0">
-                <a:solidFill>
-                  <a:srgbClr val="000000"/>
-                </a:solidFill>
-                <a:uFill>
-                  <a:solidFill>
-                    <a:srgbClr val="FFFFFF"/>
-                  </a:solidFill>
-                </a:uFill>
-              </a:rPr>
-              <a:t>ool</a:t>
-            </a:r>
-            <a:r>
-              <a:rPr lang="en-US" sz="2200" b="1" spc="-1" dirty="0">
-                <a:solidFill>
-                  <a:srgbClr val="000000"/>
-                </a:solidFill>
-                <a:uFill>
-                  <a:solidFill>
-                    <a:srgbClr val="FFFFFF"/>
-                  </a:solidFill>
-                </a:uFill>
-              </a:rPr>
-              <a:t>k</a:t>
-            </a:r>
-            <a:r>
-              <a:rPr lang="en-US" sz="2200" spc="-1" dirty="0">
-                <a:solidFill>
-                  <a:srgbClr val="000000"/>
-                </a:solidFill>
-                <a:uFill>
-                  <a:solidFill>
-                    <a:srgbClr val="FFFFFF"/>
-                  </a:solidFill>
-                </a:uFill>
-              </a:rPr>
-              <a:t>it)</a:t>
-            </a:r>
-          </a:p>
-          <a:p>
-            <a:pPr marL="800100" lvl="1" indent="-342900">
-              <a:lnSpc>
-                <a:spcPct val="114000"/>
-              </a:lnSpc>
-              <a:buFont typeface="Arial" panose="020B0604020202020204" pitchFamily="34" charset="0"/>
-              <a:buChar char="•"/>
-            </a:pPr>
-            <a:r>
-              <a:rPr lang="en-US" sz="2200" spc="-1" dirty="0">
-                <a:solidFill>
-                  <a:srgbClr val="000000"/>
-                </a:solidFill>
-                <a:uFill>
-                  <a:solidFill>
-                    <a:srgbClr val="FFFFFF"/>
-                  </a:solidFill>
-                </a:uFill>
-              </a:rPr>
-              <a:t>XML-structure</a:t>
-            </a:r>
-          </a:p>
-          <a:p>
-            <a:pPr marL="800100" lvl="1" indent="-342900">
-              <a:lnSpc>
-                <a:spcPct val="114000"/>
-              </a:lnSpc>
-              <a:buFont typeface="Arial" panose="020B0604020202020204" pitchFamily="34" charset="0"/>
-              <a:buChar char="•"/>
-            </a:pPr>
-            <a:endParaRPr lang="en-US" sz="2200" spc="-1" dirty="0">
-              <a:solidFill>
-                <a:srgbClr val="000000"/>
-              </a:solidFill>
-              <a:uFill>
-                <a:solidFill>
-                  <a:srgbClr val="FFFFFF"/>
-                </a:solidFill>
-              </a:uFill>
-              <a:latin typeface="Arial"/>
-            </a:endParaRPr>
-          </a:p>
-          <a:p>
-            <a:pPr marL="800100" lvl="1" indent="-342900">
-              <a:lnSpc>
-                <a:spcPct val="114000"/>
-              </a:lnSpc>
-              <a:buFont typeface="Arial" panose="020B0604020202020204" pitchFamily="34" charset="0"/>
-              <a:buChar char="•"/>
-            </a:pPr>
-            <a:endParaRPr lang="en-US" sz="2200" b="0" strike="noStrike" spc="-1" dirty="0">
-              <a:solidFill>
-                <a:srgbClr val="000000"/>
-              </a:solidFill>
-              <a:uFill>
-                <a:solidFill>
-                  <a:srgbClr val="FFFFFF"/>
-                </a:solidFill>
-              </a:uFill>
-              <a:latin typeface="Arial"/>
-            </a:endParaRPr>
-          </a:p>
-          <a:p>
-            <a:pPr marL="342900" indent="-342900">
-              <a:lnSpc>
-                <a:spcPct val="114000"/>
-              </a:lnSpc>
-              <a:buFont typeface="Arial" panose="020B0604020202020204" pitchFamily="34" charset="0"/>
-              <a:buChar char="•"/>
-            </a:pPr>
-            <a:endParaRPr lang="en-US" sz="1600" b="0" strike="noStrike" spc="-1" dirty="0">
-              <a:solidFill>
-                <a:srgbClr val="000000"/>
-              </a:solidFill>
-              <a:uFill>
-                <a:solidFill>
-                  <a:srgbClr val="FFFFFF"/>
-                </a:solidFill>
-              </a:uFill>
-              <a:latin typeface="Arial"/>
-            </a:endParaRPr>
-          </a:p>
-          <a:p>
-            <a:pPr>
-              <a:lnSpc>
-                <a:spcPct val="114000"/>
-              </a:lnSpc>
-            </a:pPr>
-            <a:endParaRPr lang="de-DE" sz="1600" b="0" strike="noStrike" spc="-1" dirty="0">
-              <a:solidFill>
-                <a:srgbClr val="000000"/>
-              </a:solidFill>
-              <a:uFill>
-                <a:solidFill>
-                  <a:srgbClr val="FFFFFF"/>
-                </a:solidFill>
-              </a:uFill>
-              <a:latin typeface="Arial"/>
-            </a:endParaRPr>
-          </a:p>
-          <a:p>
-            <a:pPr>
-              <a:lnSpc>
-                <a:spcPct val="114000"/>
-              </a:lnSpc>
-            </a:pPr>
-            <a:endParaRPr lang="de-DE" sz="1600" b="0" strike="noStrike" spc="-1" dirty="0">
-              <a:solidFill>
-                <a:srgbClr val="000000"/>
-              </a:solidFill>
-              <a:uFill>
-                <a:solidFill>
-                  <a:srgbClr val="FFFFFF"/>
-                </a:solidFill>
-              </a:uFill>
-              <a:latin typeface="Arial"/>
-            </a:endParaRPr>
-          </a:p>
-          <a:p>
-            <a:pPr>
-              <a:lnSpc>
-                <a:spcPct val="114000"/>
-              </a:lnSpc>
-            </a:pPr>
-            <a:endParaRPr lang="de-DE" sz="1600" b="0" strike="noStrike" spc="-1" dirty="0">
-              <a:solidFill>
-                <a:srgbClr val="000000"/>
-              </a:solidFill>
-              <a:uFill>
-                <a:solidFill>
-                  <a:srgbClr val="FFFFFF"/>
-                </a:solidFill>
-              </a:uFill>
-              <a:latin typeface="Arial"/>
-            </a:endParaRPr>
-          </a:p>
-        </p:txBody>
-      </p:sp>
-      <p:sp>
-        <p:nvSpPr>
-          <p:cNvPr id="98" name="TextShape 2"/>
+          <p:cNvPr id="90" name="TextShape 2"/>
           <p:cNvSpPr txBox="1"/>
           <p:nvPr/>
         </p:nvSpPr>
@@ -7916,7 +8050,7 @@
                 <a:spcPct val="100000"/>
               </a:lnSpc>
             </a:pPr>
-            <a:fld id="{6C6E63D9-56E4-4498-8999-7626C6F08C51}" type="slidenum">
+            <a:fld id="{4F831EE4-46AE-4713-AD1F-E57479484FF3}" type="slidenum">
               <a:rPr lang="de-DE" sz="1200" b="0" strike="noStrike" spc="-1">
                 <a:solidFill>
                   <a:srgbClr val="000000"/>
@@ -7946,7 +8080,7 @@
       </p:sp>
       <p:sp>
         <p:nvSpPr>
-          <p:cNvPr id="99" name="TextShape 3"/>
+          <p:cNvPr id="91" name="TextShape 3"/>
           <p:cNvSpPr txBox="1"/>
           <p:nvPr/>
         </p:nvSpPr>
@@ -7973,20 +8107,90 @@
               </a:lnSpc>
             </a:pPr>
             <a:r>
-              <a:rPr lang="de-DE" sz="1200" b="0" strike="noStrike" spc="-1">
-                <a:solidFill>
-                  <a:srgbClr val="000000"/>
-                </a:solidFill>
-                <a:uFill>
-                  <a:solidFill>
-                    <a:srgbClr val="FFFFFF"/>
-                  </a:solidFill>
-                </a:uFill>
-                <a:latin typeface="Arial"/>
-              </a:rPr>
-              <a:t>Oztoprak, Oguz (TUM) | Droll, Darwin (TUM) | Python-based Paraview postprocessing</a:t>
-            </a:r>
-            <a:endParaRPr lang="de-DE" sz="1200" b="0" strike="noStrike" spc="-1">
+              <a:rPr lang="de-DE" sz="1200" b="0" strike="noStrike" spc="-1" dirty="0">
+                <a:solidFill>
+                  <a:srgbClr val="000000"/>
+                </a:solidFill>
+                <a:uFill>
+                  <a:solidFill>
+                    <a:srgbClr val="FFFFFF"/>
+                  </a:solidFill>
+                </a:uFill>
+                <a:latin typeface="Arial"/>
+              </a:rPr>
+              <a:t>Oztoprak, Oguz (TUM) | Droll, Darwin (TUM) | Python-</a:t>
+            </a:r>
+            <a:r>
+              <a:rPr lang="de-DE" sz="1200" b="0" strike="noStrike" spc="-1" dirty="0" err="1">
+                <a:solidFill>
+                  <a:srgbClr val="000000"/>
+                </a:solidFill>
+                <a:uFill>
+                  <a:solidFill>
+                    <a:srgbClr val="FFFFFF"/>
+                  </a:solidFill>
+                </a:uFill>
+                <a:latin typeface="Arial"/>
+              </a:rPr>
+              <a:t>based</a:t>
+            </a:r>
+            <a:r>
+              <a:rPr lang="de-DE" sz="1200" b="0" strike="noStrike" spc="-1" dirty="0">
+                <a:solidFill>
+                  <a:srgbClr val="000000"/>
+                </a:solidFill>
+                <a:uFill>
+                  <a:solidFill>
+                    <a:srgbClr val="FFFFFF"/>
+                  </a:solidFill>
+                </a:uFill>
+                <a:latin typeface="Arial"/>
+              </a:rPr>
+              <a:t> </a:t>
+            </a:r>
+            <a:r>
+              <a:rPr lang="de-DE" sz="1200" b="0" strike="noStrike" spc="-1" dirty="0" err="1">
+                <a:solidFill>
+                  <a:srgbClr val="000000"/>
+                </a:solidFill>
+                <a:uFill>
+                  <a:solidFill>
+                    <a:srgbClr val="FFFFFF"/>
+                  </a:solidFill>
+                </a:uFill>
+                <a:latin typeface="Arial"/>
+              </a:rPr>
+              <a:t>Paraview</a:t>
+            </a:r>
+            <a:r>
+              <a:rPr lang="de-DE" sz="1200" b="0" strike="noStrike" spc="-1" dirty="0">
+                <a:solidFill>
+                  <a:srgbClr val="000000"/>
+                </a:solidFill>
+                <a:uFill>
+                  <a:solidFill>
+                    <a:srgbClr val="FFFFFF"/>
+                  </a:solidFill>
+                </a:uFill>
+                <a:latin typeface="Arial"/>
+              </a:rPr>
+              <a:t> </a:t>
+            </a:r>
+            <a:r>
+              <a:rPr lang="de-DE" sz="1200" b="0" strike="noStrike" spc="-1" dirty="0" err="1">
+                <a:solidFill>
+                  <a:srgbClr val="000000"/>
+                </a:solidFill>
+                <a:uFill>
+                  <a:solidFill>
+                    <a:srgbClr val="FFFFFF"/>
+                  </a:solidFill>
+                </a:uFill>
+                <a:latin typeface="Arial"/>
+              </a:rPr>
+              <a:t>postprocessing</a:t>
+            </a:r>
+            <a:endParaRPr lang="de-DE" sz="1200" b="0" strike="noStrike" spc="-1" dirty="0">
               <a:solidFill>
                 <a:srgbClr val="000000"/>
               </a:solidFill>
@@ -8002,7 +8206,7 @@
       </p:sp>
       <p:sp>
         <p:nvSpPr>
-          <p:cNvPr id="100" name="TextShape 4"/>
+          <p:cNvPr id="92" name="TextShape 4"/>
           <p:cNvSpPr txBox="1"/>
           <p:nvPr/>
         </p:nvSpPr>
@@ -8040,7 +8244,7 @@
                 </a:uFill>
                 <a:latin typeface="Arial"/>
               </a:rPr>
-              <a:t>Paraview</a:t>
+              <a:t>Task</a:t>
             </a:r>
             <a:endParaRPr lang="en-US" sz="2200" b="0" strike="noStrike" spc="-1" dirty="0">
               <a:solidFill>
@@ -8056,48 +8260,333 @@
           </a:p>
         </p:txBody>
       </p:sp>
-      <p:pic>
-        <p:nvPicPr>
-          <p:cNvPr id="3" name="Grafik 2">
+      <p:sp>
+        <p:nvSpPr>
+          <p:cNvPr id="2" name="Rechteck 1">
             <a:extLst>
               <a:ext uri="{FF2B5EF4-FFF2-40B4-BE49-F238E27FC236}">
-                <a16:creationId xmlns:a16="http://schemas.microsoft.com/office/drawing/2014/main" id="{01B43783-FD1B-4DC2-83EB-1B89E56BD126}"/>
+                <a16:creationId xmlns:a16="http://schemas.microsoft.com/office/drawing/2014/main" id="{522BB1ED-9F09-406C-92D8-6D0AB07C420E}"/>
               </a:ext>
             </a:extLst>
           </p:cNvPr>
-          <p:cNvPicPr>
-            <a:picLocks noChangeAspect="1"/>
-          </p:cNvPicPr>
+          <p:cNvSpPr/>
           <p:nvPr/>
-        </p:nvPicPr>
-        <p:blipFill>
-          <a:blip r:embed="rId2">
+        </p:nvSpPr>
+        <p:spPr>
+          <a:xfrm>
+            <a:off x="1377245" y="3400765"/>
+            <a:ext cx="1941689" cy="903111"/>
+          </a:xfrm>
+          <a:prstGeom prst="rect">
+            <a:avLst/>
+          </a:prstGeom>
+          <a:solidFill>
+            <a:schemeClr val="accent1">
+              <a:lumMod val="75000"/>
+            </a:schemeClr>
+          </a:solidFill>
+        </p:spPr>
+        <p:style>
+          <a:lnRef idx="2">
+            <a:schemeClr val="accent1">
+              <a:shade val="50000"/>
+            </a:schemeClr>
+          </a:lnRef>
+          <a:fillRef idx="1">
+            <a:schemeClr val="accent1"/>
+          </a:fillRef>
+          <a:effectRef idx="0">
+            <a:schemeClr val="accent1"/>
+          </a:effectRef>
+          <a:fontRef idx="minor">
+            <a:schemeClr val="lt1"/>
+          </a:fontRef>
+        </p:style>
+        <p:txBody>
+          <a:bodyPr rtlCol="0" anchor="ctr"/>
+          <a:lstStyle/>
+          <a:p>
+            <a:pPr algn="ctr"/>
+            <a:r>
+              <a:rPr lang="en-GB" dirty="0">
+                <a:solidFill>
+                  <a:schemeClr val="bg1"/>
+                </a:solidFill>
+              </a:rPr>
+              <a:t>Paraview</a:t>
+            </a:r>
+          </a:p>
+        </p:txBody>
+      </p:sp>
+      <p:sp>
+        <p:nvSpPr>
+          <p:cNvPr id="8" name="Rechteck 7">
             <a:extLst>
-              <a:ext uri="{28A0092B-C50C-407E-A947-70E740481C1C}">
-                <a14:useLocalDpi xmlns:a14="http://schemas.microsoft.com/office/drawing/2010/main" val="0"/>
+              <a:ext uri="{FF2B5EF4-FFF2-40B4-BE49-F238E27FC236}">
+                <a16:creationId xmlns:a16="http://schemas.microsoft.com/office/drawing/2014/main" id="{FD36AD89-6636-433B-9543-EC8EB9D24E3E}"/>
               </a:ext>
             </a:extLst>
-          </a:blip>
-          <a:stretch>
-            <a:fillRect/>
-          </a:stretch>
-        </p:blipFill>
-        <p:spPr>
-          <a:xfrm>
-            <a:off x="4570837" y="1762200"/>
-            <a:ext cx="4255643" cy="2541461"/>
-          </a:xfrm>
-          <a:prstGeom prst="rect">
-            <a:avLst/>
-          </a:prstGeom>
-        </p:spPr>
-      </p:pic>
-      <p:sp>
-        <p:nvSpPr>
-          <p:cNvPr id="8" name="Textfeld 7">
+          </p:cNvPr>
+          <p:cNvSpPr/>
+          <p:nvPr/>
+        </p:nvSpPr>
+        <p:spPr>
+          <a:xfrm>
+            <a:off x="4024489" y="3400765"/>
+            <a:ext cx="1941689" cy="903111"/>
+          </a:xfrm>
+          <a:prstGeom prst="rect">
+            <a:avLst/>
+          </a:prstGeom>
+          <a:solidFill>
+            <a:schemeClr val="accent2">
+              <a:lumMod val="75000"/>
+            </a:schemeClr>
+          </a:solidFill>
+        </p:spPr>
+        <p:style>
+          <a:lnRef idx="2">
+            <a:schemeClr val="accent1">
+              <a:shade val="50000"/>
+            </a:schemeClr>
+          </a:lnRef>
+          <a:fillRef idx="1">
+            <a:schemeClr val="accent1"/>
+          </a:fillRef>
+          <a:effectRef idx="0">
+            <a:schemeClr val="accent1"/>
+          </a:effectRef>
+          <a:fontRef idx="minor">
+            <a:schemeClr val="lt1"/>
+          </a:fontRef>
+        </p:style>
+        <p:txBody>
+          <a:bodyPr rtlCol="0" anchor="ctr"/>
+          <a:lstStyle/>
+          <a:p>
+            <a:pPr algn="ctr"/>
+            <a:r>
+              <a:rPr lang="en-GB" dirty="0">
+                <a:solidFill>
+                  <a:schemeClr val="bg1"/>
+                </a:solidFill>
+              </a:rPr>
+              <a:t>Python plugin</a:t>
+            </a:r>
+          </a:p>
+        </p:txBody>
+      </p:sp>
+      <p:sp>
+        <p:nvSpPr>
+          <p:cNvPr id="9" name="Rechteck 8">
             <a:extLst>
               <a:ext uri="{FF2B5EF4-FFF2-40B4-BE49-F238E27FC236}">
-                <a16:creationId xmlns:a16="http://schemas.microsoft.com/office/drawing/2014/main" id="{82FE7971-4F54-43AF-8936-D5B70AA7EEE1}"/>
+                <a16:creationId xmlns:a16="http://schemas.microsoft.com/office/drawing/2014/main" id="{5C6900FC-FE6A-44B2-8BAB-3BA4BCD06046}"/>
+              </a:ext>
+            </a:extLst>
+          </p:cNvPr>
+          <p:cNvSpPr/>
+          <p:nvPr/>
+        </p:nvSpPr>
+        <p:spPr>
+          <a:xfrm>
+            <a:off x="6671733" y="3400765"/>
+            <a:ext cx="1941689" cy="903111"/>
+          </a:xfrm>
+          <a:prstGeom prst="rect">
+            <a:avLst/>
+          </a:prstGeom>
+          <a:solidFill>
+            <a:schemeClr val="accent1">
+              <a:lumMod val="75000"/>
+            </a:schemeClr>
+          </a:solidFill>
+        </p:spPr>
+        <p:style>
+          <a:lnRef idx="2">
+            <a:schemeClr val="accent1">
+              <a:shade val="50000"/>
+            </a:schemeClr>
+          </a:lnRef>
+          <a:fillRef idx="1">
+            <a:schemeClr val="accent1"/>
+          </a:fillRef>
+          <a:effectRef idx="0">
+            <a:schemeClr val="accent1"/>
+          </a:effectRef>
+          <a:fontRef idx="minor">
+            <a:schemeClr val="lt1"/>
+          </a:fontRef>
+        </p:style>
+        <p:txBody>
+          <a:bodyPr rtlCol="0" anchor="ctr"/>
+          <a:lstStyle/>
+          <a:p>
+            <a:pPr algn="ctr"/>
+            <a:r>
+              <a:rPr lang="en-GB" dirty="0">
+                <a:solidFill>
+                  <a:schemeClr val="bg1"/>
+                </a:solidFill>
+              </a:rPr>
+              <a:t>AdhoC++</a:t>
+            </a:r>
+          </a:p>
+        </p:txBody>
+      </p:sp>
+      <p:sp>
+        <p:nvSpPr>
+          <p:cNvPr id="4" name="Ellipse 3">
+            <a:extLst>
+              <a:ext uri="{FF2B5EF4-FFF2-40B4-BE49-F238E27FC236}">
+                <a16:creationId xmlns:a16="http://schemas.microsoft.com/office/drawing/2014/main" id="{A2A58F7B-329A-4EC5-A54D-3B224080F14A}"/>
+              </a:ext>
+            </a:extLst>
+          </p:cNvPr>
+          <p:cNvSpPr/>
+          <p:nvPr/>
+        </p:nvSpPr>
+        <p:spPr>
+          <a:xfrm>
+            <a:off x="1512711" y="1799445"/>
+            <a:ext cx="1670756" cy="948267"/>
+          </a:xfrm>
+          <a:prstGeom prst="ellipse">
+            <a:avLst/>
+          </a:prstGeom>
+          <a:solidFill>
+            <a:schemeClr val="bg1">
+              <a:lumMod val="95000"/>
+            </a:schemeClr>
+          </a:solidFill>
+        </p:spPr>
+        <p:style>
+          <a:lnRef idx="2">
+            <a:schemeClr val="accent1">
+              <a:shade val="50000"/>
+            </a:schemeClr>
+          </a:lnRef>
+          <a:fillRef idx="1">
+            <a:schemeClr val="accent1"/>
+          </a:fillRef>
+          <a:effectRef idx="0">
+            <a:schemeClr val="accent1"/>
+          </a:effectRef>
+          <a:fontRef idx="minor">
+            <a:schemeClr val="lt1"/>
+          </a:fontRef>
+        </p:style>
+        <p:txBody>
+          <a:bodyPr rtlCol="0" anchor="ctr"/>
+          <a:lstStyle/>
+          <a:p>
+            <a:pPr algn="ctr"/>
+            <a:r>
+              <a:rPr lang="en-GB" sz="1600" dirty="0">
+                <a:solidFill>
+                  <a:schemeClr val="accent1">
+                    <a:lumMod val="75000"/>
+                  </a:schemeClr>
+                </a:solidFill>
+              </a:rPr>
+              <a:t>3D Object</a:t>
+            </a:r>
+            <a:br>
+              <a:rPr lang="en-GB" sz="1600" dirty="0">
+                <a:solidFill>
+                  <a:schemeClr val="accent1">
+                    <a:lumMod val="75000"/>
+                  </a:schemeClr>
+                </a:solidFill>
+              </a:rPr>
+            </a:br>
+            <a:r>
+              <a:rPr lang="en-GB" sz="1600" dirty="0">
+                <a:solidFill>
+                  <a:schemeClr val="accent1">
+                    <a:lumMod val="75000"/>
+                  </a:schemeClr>
+                </a:solidFill>
+              </a:rPr>
+              <a:t>(</a:t>
+            </a:r>
+            <a:r>
+              <a:rPr lang="en-GB" sz="1600" dirty="0" err="1">
+                <a:solidFill>
+                  <a:schemeClr val="accent1">
+                    <a:lumMod val="75000"/>
+                  </a:schemeClr>
+                </a:solidFill>
+              </a:rPr>
+              <a:t>vtk</a:t>
+            </a:r>
+            <a:r>
+              <a:rPr lang="en-GB" sz="1600" dirty="0">
+                <a:solidFill>
+                  <a:schemeClr val="accent1">
+                    <a:lumMod val="75000"/>
+                  </a:schemeClr>
+                </a:solidFill>
+              </a:rPr>
+              <a:t>-File)</a:t>
+            </a:r>
+          </a:p>
+        </p:txBody>
+      </p:sp>
+      <p:cxnSp>
+        <p:nvCxnSpPr>
+          <p:cNvPr id="6" name="Verbinder: gewinkelt 5">
+            <a:extLst>
+              <a:ext uri="{FF2B5EF4-FFF2-40B4-BE49-F238E27FC236}">
+                <a16:creationId xmlns:a16="http://schemas.microsoft.com/office/drawing/2014/main" id="{8191C85F-50B2-4E4F-9B89-D565539DD913}"/>
+              </a:ext>
+            </a:extLst>
+          </p:cNvPr>
+          <p:cNvCxnSpPr>
+            <a:cxnSpLocks/>
+            <a:stCxn id="2" idx="2"/>
+            <a:endCxn id="8" idx="2"/>
+          </p:cNvCxnSpPr>
+          <p:nvPr/>
+        </p:nvCxnSpPr>
+        <p:spPr>
+          <a:xfrm rot="16200000" flipH="1">
+            <a:off x="3671712" y="2980254"/>
+            <a:ext cx="12700" cy="2647244"/>
+          </a:xfrm>
+          <a:prstGeom prst="bentConnector3">
+            <a:avLst>
+              <a:gd name="adj1" fmla="val 7222228"/>
+            </a:avLst>
+          </a:prstGeom>
+          <a:ln w="28575">
+            <a:solidFill>
+              <a:schemeClr val="tx1"/>
+            </a:solidFill>
+            <a:tailEnd type="triangle"/>
+          </a:ln>
+        </p:spPr>
+        <p:style>
+          <a:lnRef idx="1">
+            <a:schemeClr val="accent1"/>
+          </a:lnRef>
+          <a:fillRef idx="0">
+            <a:schemeClr val="accent1"/>
+          </a:fillRef>
+          <a:effectRef idx="0">
+            <a:schemeClr val="accent1"/>
+          </a:effectRef>
+          <a:fontRef idx="minor">
+            <a:schemeClr val="tx1"/>
+          </a:fontRef>
+        </p:style>
+      </p:cxnSp>
+      <p:sp>
+        <p:nvSpPr>
+          <p:cNvPr id="11" name="Textfeld 10">
+            <a:extLst>
+              <a:ext uri="{FF2B5EF4-FFF2-40B4-BE49-F238E27FC236}">
+                <a16:creationId xmlns:a16="http://schemas.microsoft.com/office/drawing/2014/main" id="{6891B315-6FCC-427F-AF82-B43C337853CC}"/>
               </a:ext>
             </a:extLst>
           </p:cNvPr>
@@ -8106,8 +8595,8 @@
         </p:nvSpPr>
         <p:spPr>
           <a:xfrm>
-            <a:off x="4570837" y="4430669"/>
-            <a:ext cx="3881947" cy="230832"/>
+            <a:off x="2701573" y="4892860"/>
+            <a:ext cx="1952978" cy="307777"/>
           </a:xfrm>
           <a:prstGeom prst="rect">
             <a:avLst/>
@@ -8121,18 +8610,720 @@
           <a:lstStyle/>
           <a:p>
             <a:r>
-              <a:rPr lang="en-GB" sz="900" dirty="0"/>
-              <a:t>Source: Screenshot from </a:t>
-            </a:r>
-            <a:r>
-              <a:rPr lang="en-GB" sz="900" dirty="0" err="1"/>
-              <a:t>Paraview</a:t>
-            </a:r>
-            <a:endParaRPr lang="en-GB" sz="900" dirty="0"/>
+              <a:rPr lang="en-GB" sz="1400" dirty="0"/>
+              <a:t>User selection of cells</a:t>
+            </a:r>
+          </a:p>
+        </p:txBody>
+      </p:sp>
+      <p:cxnSp>
+        <p:nvCxnSpPr>
+          <p:cNvPr id="13" name="Verbinder: gewinkelt 12">
+            <a:extLst>
+              <a:ext uri="{FF2B5EF4-FFF2-40B4-BE49-F238E27FC236}">
+                <a16:creationId xmlns:a16="http://schemas.microsoft.com/office/drawing/2014/main" id="{1BA08519-03FA-42BC-8B04-4166F1728A65}"/>
+              </a:ext>
+            </a:extLst>
+          </p:cNvPr>
+          <p:cNvCxnSpPr>
+            <a:cxnSpLocks/>
+            <a:stCxn id="4" idx="4"/>
+            <a:endCxn id="2" idx="0"/>
+          </p:cNvCxnSpPr>
+          <p:nvPr/>
+        </p:nvCxnSpPr>
+        <p:spPr>
+          <a:xfrm rot="16200000" flipH="1">
+            <a:off x="2021563" y="3074237"/>
+            <a:ext cx="653053" cy="1"/>
+          </a:xfrm>
+          <a:prstGeom prst="bentConnector3">
+            <a:avLst/>
+          </a:prstGeom>
+          <a:ln w="28575">
+            <a:solidFill>
+              <a:schemeClr val="tx1"/>
+            </a:solidFill>
+            <a:tailEnd type="triangle"/>
+          </a:ln>
+        </p:spPr>
+        <p:style>
+          <a:lnRef idx="1">
+            <a:schemeClr val="accent1"/>
+          </a:lnRef>
+          <a:fillRef idx="0">
+            <a:schemeClr val="accent1"/>
+          </a:fillRef>
+          <a:effectRef idx="0">
+            <a:schemeClr val="accent1"/>
+          </a:effectRef>
+          <a:fontRef idx="minor">
+            <a:schemeClr val="tx1"/>
+          </a:fontRef>
+        </p:style>
+      </p:cxnSp>
+      <p:sp>
+        <p:nvSpPr>
+          <p:cNvPr id="20" name="Ellipse 19">
+            <a:extLst>
+              <a:ext uri="{FF2B5EF4-FFF2-40B4-BE49-F238E27FC236}">
+                <a16:creationId xmlns:a16="http://schemas.microsoft.com/office/drawing/2014/main" id="{0D0A2865-ABC3-4FF4-BCD8-9ED2ACB00BB8}"/>
+              </a:ext>
+            </a:extLst>
+          </p:cNvPr>
+          <p:cNvSpPr/>
+          <p:nvPr/>
+        </p:nvSpPr>
+        <p:spPr>
+          <a:xfrm>
+            <a:off x="4159955" y="1793505"/>
+            <a:ext cx="1670756" cy="948267"/>
+          </a:xfrm>
+          <a:prstGeom prst="ellipse">
+            <a:avLst/>
+          </a:prstGeom>
+          <a:solidFill>
+            <a:schemeClr val="bg1">
+              <a:lumMod val="95000"/>
+            </a:schemeClr>
+          </a:solidFill>
+        </p:spPr>
+        <p:style>
+          <a:lnRef idx="2">
+            <a:schemeClr val="accent1">
+              <a:shade val="50000"/>
+            </a:schemeClr>
+          </a:lnRef>
+          <a:fillRef idx="1">
+            <a:schemeClr val="accent1"/>
+          </a:fillRef>
+          <a:effectRef idx="0">
+            <a:schemeClr val="accent1"/>
+          </a:effectRef>
+          <a:fontRef idx="minor">
+            <a:schemeClr val="lt1"/>
+          </a:fontRef>
+        </p:style>
+        <p:txBody>
+          <a:bodyPr rtlCol="0" anchor="ctr"/>
+          <a:lstStyle/>
+          <a:p>
+            <a:pPr algn="ctr"/>
+            <a:r>
+              <a:rPr lang="en-GB" sz="1600" dirty="0">
+                <a:solidFill>
+                  <a:schemeClr val="accent1">
+                    <a:lumMod val="75000"/>
+                  </a:schemeClr>
+                </a:solidFill>
+              </a:rPr>
+              <a:t>Selection</a:t>
+            </a:r>
+          </a:p>
+        </p:txBody>
+      </p:sp>
+      <p:cxnSp>
+        <p:nvCxnSpPr>
+          <p:cNvPr id="17" name="Verbinder: gewinkelt 16">
+            <a:extLst>
+              <a:ext uri="{FF2B5EF4-FFF2-40B4-BE49-F238E27FC236}">
+                <a16:creationId xmlns:a16="http://schemas.microsoft.com/office/drawing/2014/main" id="{33CEA154-1967-4DA6-B989-28AB433E4369}"/>
+              </a:ext>
+            </a:extLst>
+          </p:cNvPr>
+          <p:cNvCxnSpPr>
+            <a:cxnSpLocks/>
+            <a:stCxn id="8" idx="0"/>
+            <a:endCxn id="20" idx="4"/>
+          </p:cNvCxnSpPr>
+          <p:nvPr/>
+        </p:nvCxnSpPr>
+        <p:spPr>
+          <a:xfrm rot="16200000" flipV="1">
+            <a:off x="4665838" y="3071268"/>
+            <a:ext cx="658993" cy="1"/>
+          </a:xfrm>
+          <a:prstGeom prst="bentConnector3">
+            <a:avLst/>
+          </a:prstGeom>
+          <a:ln w="28575">
+            <a:solidFill>
+              <a:schemeClr val="tx1"/>
+            </a:solidFill>
+            <a:tailEnd type="triangle"/>
+          </a:ln>
+        </p:spPr>
+        <p:style>
+          <a:lnRef idx="1">
+            <a:schemeClr val="accent1"/>
+          </a:lnRef>
+          <a:fillRef idx="0">
+            <a:schemeClr val="accent1"/>
+          </a:fillRef>
+          <a:effectRef idx="0">
+            <a:schemeClr val="accent1"/>
+          </a:effectRef>
+          <a:fontRef idx="minor">
+            <a:schemeClr val="tx1"/>
+          </a:fontRef>
+        </p:style>
+      </p:cxnSp>
+      <p:cxnSp>
+        <p:nvCxnSpPr>
+          <p:cNvPr id="21" name="Verbinder: gewinkelt 20">
+            <a:extLst>
+              <a:ext uri="{FF2B5EF4-FFF2-40B4-BE49-F238E27FC236}">
+                <a16:creationId xmlns:a16="http://schemas.microsoft.com/office/drawing/2014/main" id="{78D65A8C-76DB-4D99-B2DD-382DEFB0CFBC}"/>
+              </a:ext>
+            </a:extLst>
+          </p:cNvPr>
+          <p:cNvCxnSpPr>
+            <a:cxnSpLocks/>
+            <a:stCxn id="20" idx="6"/>
+            <a:endCxn id="9" idx="0"/>
+          </p:cNvCxnSpPr>
+          <p:nvPr/>
+        </p:nvCxnSpPr>
+        <p:spPr>
+          <a:xfrm>
+            <a:off x="5830711" y="2267639"/>
+            <a:ext cx="1811867" cy="1133126"/>
+          </a:xfrm>
+          <a:prstGeom prst="bentConnector2">
+            <a:avLst/>
+          </a:prstGeom>
+          <a:ln w="28575">
+            <a:solidFill>
+              <a:schemeClr val="tx1"/>
+            </a:solidFill>
+            <a:tailEnd type="triangle"/>
+          </a:ln>
+        </p:spPr>
+        <p:style>
+          <a:lnRef idx="1">
+            <a:schemeClr val="accent1"/>
+          </a:lnRef>
+          <a:fillRef idx="0">
+            <a:schemeClr val="accent1"/>
+          </a:fillRef>
+          <a:effectRef idx="0">
+            <a:schemeClr val="accent1"/>
+          </a:effectRef>
+          <a:fontRef idx="minor">
+            <a:schemeClr val="tx1"/>
+          </a:fontRef>
+        </p:style>
+      </p:cxnSp>
+      <p:cxnSp>
+        <p:nvCxnSpPr>
+          <p:cNvPr id="24" name="Verbinder: gewinkelt 23">
+            <a:extLst>
+              <a:ext uri="{FF2B5EF4-FFF2-40B4-BE49-F238E27FC236}">
+                <a16:creationId xmlns:a16="http://schemas.microsoft.com/office/drawing/2014/main" id="{AE273641-90DB-4879-865F-1E645B28492D}"/>
+              </a:ext>
+            </a:extLst>
+          </p:cNvPr>
+          <p:cNvCxnSpPr>
+            <a:cxnSpLocks/>
+            <a:stCxn id="9" idx="2"/>
+            <a:endCxn id="40" idx="6"/>
+          </p:cNvCxnSpPr>
+          <p:nvPr/>
+        </p:nvCxnSpPr>
+        <p:spPr>
+          <a:xfrm rot="5400000">
+            <a:off x="5742608" y="3969906"/>
+            <a:ext cx="1566000" cy="2233940"/>
+          </a:xfrm>
+          <a:prstGeom prst="bentConnector2">
+            <a:avLst/>
+          </a:prstGeom>
+          <a:ln w="28575">
+            <a:solidFill>
+              <a:schemeClr val="tx1"/>
+            </a:solidFill>
+            <a:tailEnd type="triangle"/>
+          </a:ln>
+        </p:spPr>
+        <p:style>
+          <a:lnRef idx="1">
+            <a:schemeClr val="accent1"/>
+          </a:lnRef>
+          <a:fillRef idx="0">
+            <a:schemeClr val="accent1"/>
+          </a:fillRef>
+          <a:effectRef idx="0">
+            <a:schemeClr val="accent1"/>
+          </a:effectRef>
+          <a:fontRef idx="minor">
+            <a:schemeClr val="tx1"/>
+          </a:fontRef>
+        </p:style>
+      </p:cxnSp>
+      <p:sp>
+        <p:nvSpPr>
+          <p:cNvPr id="27" name="Textfeld 26">
+            <a:extLst>
+              <a:ext uri="{FF2B5EF4-FFF2-40B4-BE49-F238E27FC236}">
+                <a16:creationId xmlns:a16="http://schemas.microsoft.com/office/drawing/2014/main" id="{A899B9FF-5C84-4B32-B37F-7F9240E81392}"/>
+              </a:ext>
+            </a:extLst>
+          </p:cNvPr>
+          <p:cNvSpPr txBox="1"/>
+          <p:nvPr/>
+        </p:nvSpPr>
+        <p:spPr>
+          <a:xfrm>
+            <a:off x="2357969" y="3041913"/>
+            <a:ext cx="298426" cy="369332"/>
+          </a:xfrm>
+          <a:prstGeom prst="rect">
+            <a:avLst/>
+          </a:prstGeom>
+          <a:noFill/>
+        </p:spPr>
+        <p:txBody>
+          <a:bodyPr wrap="square" rtlCol="0">
+            <a:spAutoFit/>
+          </a:bodyPr>
+          <a:lstStyle/>
+          <a:p>
+            <a:r>
+              <a:rPr lang="en-GB" dirty="0"/>
+              <a:t>1</a:t>
+            </a:r>
+          </a:p>
+        </p:txBody>
+      </p:sp>
+      <p:sp>
+        <p:nvSpPr>
+          <p:cNvPr id="33" name="Textfeld 32">
+            <a:extLst>
+              <a:ext uri="{FF2B5EF4-FFF2-40B4-BE49-F238E27FC236}">
+                <a16:creationId xmlns:a16="http://schemas.microsoft.com/office/drawing/2014/main" id="{FBFADEE6-D0E2-4D82-94B4-AE14353B59FC}"/>
+              </a:ext>
+            </a:extLst>
+          </p:cNvPr>
+          <p:cNvSpPr txBox="1"/>
+          <p:nvPr/>
+        </p:nvSpPr>
+        <p:spPr>
+          <a:xfrm>
+            <a:off x="5012679" y="2739446"/>
+            <a:ext cx="298426" cy="369332"/>
+          </a:xfrm>
+          <a:prstGeom prst="rect">
+            <a:avLst/>
+          </a:prstGeom>
+          <a:noFill/>
+        </p:spPr>
+        <p:txBody>
+          <a:bodyPr wrap="square" rtlCol="0">
+            <a:spAutoFit/>
+          </a:bodyPr>
+          <a:lstStyle/>
+          <a:p>
+            <a:r>
+              <a:rPr lang="en-GB" dirty="0"/>
+              <a:t>3</a:t>
+            </a:r>
+          </a:p>
+        </p:txBody>
+      </p:sp>
+      <p:sp>
+        <p:nvSpPr>
+          <p:cNvPr id="34" name="Textfeld 33">
+            <a:extLst>
+              <a:ext uri="{FF2B5EF4-FFF2-40B4-BE49-F238E27FC236}">
+                <a16:creationId xmlns:a16="http://schemas.microsoft.com/office/drawing/2014/main" id="{A74F01BF-8620-4CAA-B3C3-43021EC16323}"/>
+              </a:ext>
+            </a:extLst>
+          </p:cNvPr>
+          <p:cNvSpPr txBox="1"/>
+          <p:nvPr/>
+        </p:nvSpPr>
+        <p:spPr>
+          <a:xfrm>
+            <a:off x="5022359" y="4371425"/>
+            <a:ext cx="298426" cy="369332"/>
+          </a:xfrm>
+          <a:prstGeom prst="rect">
+            <a:avLst/>
+          </a:prstGeom>
+          <a:noFill/>
+        </p:spPr>
+        <p:txBody>
+          <a:bodyPr wrap="square" rtlCol="0">
+            <a:spAutoFit/>
+          </a:bodyPr>
+          <a:lstStyle/>
+          <a:p>
+            <a:r>
+              <a:rPr lang="en-GB" dirty="0"/>
+              <a:t>2</a:t>
+            </a:r>
+          </a:p>
+        </p:txBody>
+      </p:sp>
+      <p:sp>
+        <p:nvSpPr>
+          <p:cNvPr id="35" name="Textfeld 34">
+            <a:extLst>
+              <a:ext uri="{FF2B5EF4-FFF2-40B4-BE49-F238E27FC236}">
+                <a16:creationId xmlns:a16="http://schemas.microsoft.com/office/drawing/2014/main" id="{9C68A2EA-12F8-4355-8C07-EC0CA0F0413C}"/>
+              </a:ext>
+            </a:extLst>
+          </p:cNvPr>
+          <p:cNvSpPr txBox="1"/>
+          <p:nvPr/>
+        </p:nvSpPr>
+        <p:spPr>
+          <a:xfrm>
+            <a:off x="7750377" y="3029934"/>
+            <a:ext cx="298426" cy="369332"/>
+          </a:xfrm>
+          <a:prstGeom prst="rect">
+            <a:avLst/>
+          </a:prstGeom>
+          <a:noFill/>
+        </p:spPr>
+        <p:txBody>
+          <a:bodyPr wrap="square" rtlCol="0">
+            <a:spAutoFit/>
+          </a:bodyPr>
+          <a:lstStyle/>
+          <a:p>
+            <a:r>
+              <a:rPr lang="en-GB" dirty="0"/>
+              <a:t>4</a:t>
+            </a:r>
+          </a:p>
+        </p:txBody>
+      </p:sp>
+      <p:sp>
+        <p:nvSpPr>
+          <p:cNvPr id="36" name="Textfeld 35">
+            <a:extLst>
+              <a:ext uri="{FF2B5EF4-FFF2-40B4-BE49-F238E27FC236}">
+                <a16:creationId xmlns:a16="http://schemas.microsoft.com/office/drawing/2014/main" id="{8377C8D4-3519-47D2-B9FA-9780CF3A4787}"/>
+              </a:ext>
+            </a:extLst>
+          </p:cNvPr>
+          <p:cNvSpPr txBox="1"/>
+          <p:nvPr/>
+        </p:nvSpPr>
+        <p:spPr>
+          <a:xfrm>
+            <a:off x="782833" y="3852320"/>
+            <a:ext cx="298426" cy="369332"/>
+          </a:xfrm>
+          <a:prstGeom prst="rect">
+            <a:avLst/>
+          </a:prstGeom>
+          <a:noFill/>
+        </p:spPr>
+        <p:txBody>
+          <a:bodyPr wrap="square" rtlCol="0">
+            <a:spAutoFit/>
+          </a:bodyPr>
+          <a:lstStyle/>
+          <a:p>
+            <a:r>
+              <a:rPr lang="en-GB" dirty="0"/>
+              <a:t>6</a:t>
+            </a:r>
+          </a:p>
+        </p:txBody>
+      </p:sp>
+      <p:sp>
+        <p:nvSpPr>
+          <p:cNvPr id="37" name="Textfeld 36">
+            <a:extLst>
+              <a:ext uri="{FF2B5EF4-FFF2-40B4-BE49-F238E27FC236}">
+                <a16:creationId xmlns:a16="http://schemas.microsoft.com/office/drawing/2014/main" id="{B2C7B7B2-A3BE-4BBC-9C0C-9DEEF3E469C1}"/>
+              </a:ext>
+            </a:extLst>
+          </p:cNvPr>
+          <p:cNvSpPr txBox="1"/>
+          <p:nvPr/>
+        </p:nvSpPr>
+        <p:spPr>
+          <a:xfrm>
+            <a:off x="4989689" y="3000179"/>
+            <a:ext cx="1952978" cy="307777"/>
+          </a:xfrm>
+          <a:prstGeom prst="rect">
+            <a:avLst/>
+          </a:prstGeom>
+          <a:noFill/>
+        </p:spPr>
+        <p:txBody>
+          <a:bodyPr wrap="square" rtlCol="0">
+            <a:spAutoFit/>
+          </a:bodyPr>
+          <a:lstStyle/>
+          <a:p>
+            <a:r>
+              <a:rPr lang="en-GB" sz="1400" dirty="0"/>
+              <a:t>Creating 3D Object</a:t>
+            </a:r>
+          </a:p>
+        </p:txBody>
+      </p:sp>
+      <p:sp>
+        <p:nvSpPr>
+          <p:cNvPr id="38" name="Textfeld 37">
+            <a:extLst>
+              <a:ext uri="{FF2B5EF4-FFF2-40B4-BE49-F238E27FC236}">
+                <a16:creationId xmlns:a16="http://schemas.microsoft.com/office/drawing/2014/main" id="{81AE6F04-13D6-4410-9A6C-8AA98834BF9D}"/>
+              </a:ext>
+            </a:extLst>
+          </p:cNvPr>
+          <p:cNvSpPr txBox="1"/>
+          <p:nvPr/>
+        </p:nvSpPr>
+        <p:spPr>
+          <a:xfrm>
+            <a:off x="5966178" y="1851526"/>
+            <a:ext cx="2539103" cy="307777"/>
+          </a:xfrm>
+          <a:prstGeom prst="rect">
+            <a:avLst/>
+          </a:prstGeom>
+          <a:noFill/>
+        </p:spPr>
+        <p:txBody>
+          <a:bodyPr wrap="square" rtlCol="0">
+            <a:spAutoFit/>
+          </a:bodyPr>
+          <a:lstStyle/>
+          <a:p>
+            <a:r>
+              <a:rPr lang="en-GB" sz="1400" dirty="0"/>
+              <a:t>Distribution to postprocessing</a:t>
+            </a:r>
+          </a:p>
+        </p:txBody>
+      </p:sp>
+      <p:sp>
+        <p:nvSpPr>
+          <p:cNvPr id="39" name="Textfeld 38">
+            <a:extLst>
+              <a:ext uri="{FF2B5EF4-FFF2-40B4-BE49-F238E27FC236}">
+                <a16:creationId xmlns:a16="http://schemas.microsoft.com/office/drawing/2014/main" id="{4FD3B85C-76A1-47AE-8142-2E0A52442B7F}"/>
+              </a:ext>
+            </a:extLst>
+          </p:cNvPr>
+          <p:cNvSpPr txBox="1"/>
+          <p:nvPr/>
+        </p:nvSpPr>
+        <p:spPr>
+          <a:xfrm>
+            <a:off x="1073476" y="5953054"/>
+            <a:ext cx="2182799" cy="307777"/>
+          </a:xfrm>
+          <a:prstGeom prst="rect">
+            <a:avLst/>
+          </a:prstGeom>
+          <a:noFill/>
+        </p:spPr>
+        <p:txBody>
+          <a:bodyPr wrap="square" rtlCol="0">
+            <a:spAutoFit/>
+          </a:bodyPr>
+          <a:lstStyle/>
+          <a:p>
+            <a:r>
+              <a:rPr lang="en-GB" sz="1400" dirty="0"/>
+              <a:t>display</a:t>
+            </a:r>
+          </a:p>
+        </p:txBody>
+      </p:sp>
+      <p:sp>
+        <p:nvSpPr>
+          <p:cNvPr id="40" name="Ellipse 39">
+            <a:extLst>
+              <a:ext uri="{FF2B5EF4-FFF2-40B4-BE49-F238E27FC236}">
+                <a16:creationId xmlns:a16="http://schemas.microsoft.com/office/drawing/2014/main" id="{7B3A3B5B-F7CA-4AB3-BE6E-639E79D9168B}"/>
+              </a:ext>
+            </a:extLst>
+          </p:cNvPr>
+          <p:cNvSpPr/>
+          <p:nvPr/>
+        </p:nvSpPr>
+        <p:spPr>
+          <a:xfrm>
+            <a:off x="3737882" y="5395742"/>
+            <a:ext cx="1670756" cy="948267"/>
+          </a:xfrm>
+          <a:prstGeom prst="ellipse">
+            <a:avLst/>
+          </a:prstGeom>
+          <a:solidFill>
+            <a:schemeClr val="bg1">
+              <a:lumMod val="95000"/>
+            </a:schemeClr>
+          </a:solidFill>
+        </p:spPr>
+        <p:style>
+          <a:lnRef idx="2">
+            <a:schemeClr val="accent1">
+              <a:shade val="50000"/>
+            </a:schemeClr>
+          </a:lnRef>
+          <a:fillRef idx="1">
+            <a:schemeClr val="accent1"/>
+          </a:fillRef>
+          <a:effectRef idx="0">
+            <a:schemeClr val="accent1"/>
+          </a:effectRef>
+          <a:fontRef idx="minor">
+            <a:schemeClr val="lt1"/>
+          </a:fontRef>
+        </p:style>
+        <p:txBody>
+          <a:bodyPr rtlCol="0" anchor="ctr"/>
+          <a:lstStyle/>
+          <a:p>
+            <a:pPr algn="ctr"/>
+            <a:r>
+              <a:rPr lang="en-GB" sz="1600" dirty="0">
+                <a:solidFill>
+                  <a:schemeClr val="accent1">
+                    <a:lumMod val="75000"/>
+                  </a:schemeClr>
+                </a:solidFill>
+              </a:rPr>
+              <a:t>Result</a:t>
+            </a:r>
+          </a:p>
+        </p:txBody>
+      </p:sp>
+      <p:sp>
+        <p:nvSpPr>
+          <p:cNvPr id="41" name="Textfeld 40">
+            <a:extLst>
+              <a:ext uri="{FF2B5EF4-FFF2-40B4-BE49-F238E27FC236}">
+                <a16:creationId xmlns:a16="http://schemas.microsoft.com/office/drawing/2014/main" id="{507F49E2-685D-4489-8862-9118AB66D2DE}"/>
+              </a:ext>
+            </a:extLst>
+          </p:cNvPr>
+          <p:cNvSpPr txBox="1"/>
+          <p:nvPr/>
+        </p:nvSpPr>
+        <p:spPr>
+          <a:xfrm>
+            <a:off x="5529160" y="5933759"/>
+            <a:ext cx="298426" cy="369332"/>
+          </a:xfrm>
+          <a:prstGeom prst="rect">
+            <a:avLst/>
+          </a:prstGeom>
+          <a:noFill/>
+        </p:spPr>
+        <p:txBody>
+          <a:bodyPr wrap="square" rtlCol="0">
+            <a:spAutoFit/>
+          </a:bodyPr>
+          <a:lstStyle/>
+          <a:p>
+            <a:r>
+              <a:rPr lang="en-GB" dirty="0"/>
+              <a:t>5</a:t>
+            </a:r>
+          </a:p>
+        </p:txBody>
+      </p:sp>
+      <p:cxnSp>
+        <p:nvCxnSpPr>
+          <p:cNvPr id="30" name="Verbinder: gewinkelt 29">
+            <a:extLst>
+              <a:ext uri="{FF2B5EF4-FFF2-40B4-BE49-F238E27FC236}">
+                <a16:creationId xmlns:a16="http://schemas.microsoft.com/office/drawing/2014/main" id="{B40DD2DB-BDEA-4C8E-9789-84934DD699F5}"/>
+              </a:ext>
+            </a:extLst>
+          </p:cNvPr>
+          <p:cNvCxnSpPr>
+            <a:cxnSpLocks/>
+            <a:stCxn id="40" idx="2"/>
+            <a:endCxn id="2" idx="1"/>
+          </p:cNvCxnSpPr>
+          <p:nvPr/>
+        </p:nvCxnSpPr>
+        <p:spPr>
+          <a:xfrm rot="10800000">
+            <a:off x="1377246" y="3852322"/>
+            <a:ext cx="2360637" cy="2017555"/>
+          </a:xfrm>
+          <a:prstGeom prst="bentConnector3">
+            <a:avLst>
+              <a:gd name="adj1" fmla="val 109684"/>
+            </a:avLst>
+          </a:prstGeom>
+          <a:ln w="28575">
+            <a:solidFill>
+              <a:schemeClr val="tx1"/>
+            </a:solidFill>
+            <a:tailEnd type="triangle"/>
+          </a:ln>
+        </p:spPr>
+        <p:style>
+          <a:lnRef idx="1">
+            <a:schemeClr val="accent1"/>
+          </a:lnRef>
+          <a:fillRef idx="0">
+            <a:schemeClr val="accent1"/>
+          </a:fillRef>
+          <a:effectRef idx="0">
+            <a:schemeClr val="accent1"/>
+          </a:effectRef>
+          <a:fontRef idx="minor">
+            <a:schemeClr val="tx1"/>
+          </a:fontRef>
+        </p:style>
+      </p:cxnSp>
+      <p:sp>
+        <p:nvSpPr>
+          <p:cNvPr id="49" name="Textfeld 48">
+            <a:extLst>
+              <a:ext uri="{FF2B5EF4-FFF2-40B4-BE49-F238E27FC236}">
+                <a16:creationId xmlns:a16="http://schemas.microsoft.com/office/drawing/2014/main" id="{B98537E0-9918-4DD9-B5E0-66C0368B2F9D}"/>
+              </a:ext>
+            </a:extLst>
+          </p:cNvPr>
+          <p:cNvSpPr txBox="1"/>
+          <p:nvPr/>
+        </p:nvSpPr>
+        <p:spPr>
+          <a:xfrm>
+            <a:off x="6671733" y="5953054"/>
+            <a:ext cx="2182799" cy="307777"/>
+          </a:xfrm>
+          <a:prstGeom prst="rect">
+            <a:avLst/>
+          </a:prstGeom>
+          <a:noFill/>
+        </p:spPr>
+        <p:txBody>
+          <a:bodyPr wrap="square" rtlCol="0">
+            <a:spAutoFit/>
+          </a:bodyPr>
+          <a:lstStyle/>
+          <a:p>
+            <a:r>
+              <a:rPr lang="en-GB" sz="1400" dirty="0"/>
+              <a:t>processing</a:t>
+            </a:r>
           </a:p>
         </p:txBody>
       </p:sp>
     </p:spTree>
+    <p:extLst>
+      <p:ext uri="{BB962C8B-B14F-4D97-AF65-F5344CB8AC3E}">
+        <p14:creationId xmlns:p14="http://schemas.microsoft.com/office/powerpoint/2010/main" val="2556788027"/>
+      </p:ext>
+    </p:extLst>
   </p:cSld>
   <p:clrMapOvr>
     <a:masterClrMapping/>
@@ -8424,20 +9615,90 @@
               </a:lnSpc>
             </a:pPr>
             <a:r>
-              <a:rPr lang="de-DE" sz="1200" b="0" strike="noStrike" spc="-1">
-                <a:solidFill>
-                  <a:srgbClr val="000000"/>
-                </a:solidFill>
-                <a:uFill>
-                  <a:solidFill>
-                    <a:srgbClr val="FFFFFF"/>
-                  </a:solidFill>
-                </a:uFill>
-                <a:latin typeface="Arial"/>
-              </a:rPr>
-              <a:t>Oztoprak, Oguz (TUM) | Droll, Darwin (TUM) | Python-based Paraview postprocessing</a:t>
-            </a:r>
-            <a:endParaRPr lang="de-DE" sz="1200" b="0" strike="noStrike" spc="-1">
+              <a:rPr lang="de-DE" sz="1200" b="0" strike="noStrike" spc="-1" dirty="0">
+                <a:solidFill>
+                  <a:srgbClr val="000000"/>
+                </a:solidFill>
+                <a:uFill>
+                  <a:solidFill>
+                    <a:srgbClr val="FFFFFF"/>
+                  </a:solidFill>
+                </a:uFill>
+                <a:latin typeface="Arial"/>
+              </a:rPr>
+              <a:t>Oztoprak, Oguz (TUM) | Droll, Darwin (TUM) | Python-</a:t>
+            </a:r>
+            <a:r>
+              <a:rPr lang="de-DE" sz="1200" b="0" strike="noStrike" spc="-1" dirty="0" err="1">
+                <a:solidFill>
+                  <a:srgbClr val="000000"/>
+                </a:solidFill>
+                <a:uFill>
+                  <a:solidFill>
+                    <a:srgbClr val="FFFFFF"/>
+                  </a:solidFill>
+                </a:uFill>
+                <a:latin typeface="Arial"/>
+              </a:rPr>
+              <a:t>based</a:t>
+            </a:r>
+            <a:r>
+              <a:rPr lang="de-DE" sz="1200" b="0" strike="noStrike" spc="-1" dirty="0">
+                <a:solidFill>
+                  <a:srgbClr val="000000"/>
+                </a:solidFill>
+                <a:uFill>
+                  <a:solidFill>
+                    <a:srgbClr val="FFFFFF"/>
+                  </a:solidFill>
+                </a:uFill>
+                <a:latin typeface="Arial"/>
+              </a:rPr>
+              <a:t> </a:t>
+            </a:r>
+            <a:r>
+              <a:rPr lang="de-DE" sz="1200" b="0" strike="noStrike" spc="-1" dirty="0" err="1">
+                <a:solidFill>
+                  <a:srgbClr val="000000"/>
+                </a:solidFill>
+                <a:uFill>
+                  <a:solidFill>
+                    <a:srgbClr val="FFFFFF"/>
+                  </a:solidFill>
+                </a:uFill>
+                <a:latin typeface="Arial"/>
+              </a:rPr>
+              <a:t>Paraview</a:t>
+            </a:r>
+            <a:r>
+              <a:rPr lang="de-DE" sz="1200" b="0" strike="noStrike" spc="-1" dirty="0">
+                <a:solidFill>
+                  <a:srgbClr val="000000"/>
+                </a:solidFill>
+                <a:uFill>
+                  <a:solidFill>
+                    <a:srgbClr val="FFFFFF"/>
+                  </a:solidFill>
+                </a:uFill>
+                <a:latin typeface="Arial"/>
+              </a:rPr>
+              <a:t> </a:t>
+            </a:r>
+            <a:r>
+              <a:rPr lang="de-DE" sz="1200" b="0" strike="noStrike" spc="-1" dirty="0" err="1">
+                <a:solidFill>
+                  <a:srgbClr val="000000"/>
+                </a:solidFill>
+                <a:uFill>
+                  <a:solidFill>
+                    <a:srgbClr val="FFFFFF"/>
+                  </a:solidFill>
+                </a:uFill>
+                <a:latin typeface="Arial"/>
+              </a:rPr>
+              <a:t>postprocessing</a:t>
+            </a:r>
+            <a:endParaRPr lang="de-DE" sz="1200" b="0" strike="noStrike" spc="-1" dirty="0">
               <a:solidFill>
                 <a:srgbClr val="000000"/>
               </a:solidFill>
@@ -8840,20 +10101,90 @@
               </a:lnSpc>
             </a:pPr>
             <a:r>
-              <a:rPr lang="de-DE" sz="1200" b="0" strike="noStrike" spc="-1">
-                <a:solidFill>
-                  <a:srgbClr val="000000"/>
-                </a:solidFill>
-                <a:uFill>
-                  <a:solidFill>
-                    <a:srgbClr val="FFFFFF"/>
-                  </a:solidFill>
-                </a:uFill>
-                <a:latin typeface="Arial"/>
-              </a:rPr>
-              <a:t>Oztoprak, Oguz (TUM) | Droll, Darwin (TUM) | Python-based Paraview postprocessing</a:t>
-            </a:r>
-            <a:endParaRPr lang="de-DE" sz="1200" b="0" strike="noStrike" spc="-1">
+              <a:rPr lang="de-DE" sz="1200" b="0" strike="noStrike" spc="-1" dirty="0">
+                <a:solidFill>
+                  <a:srgbClr val="000000"/>
+                </a:solidFill>
+                <a:uFill>
+                  <a:solidFill>
+                    <a:srgbClr val="FFFFFF"/>
+                  </a:solidFill>
+                </a:uFill>
+                <a:latin typeface="Arial"/>
+              </a:rPr>
+              <a:t>Oztoprak, Oguz (TUM) | Droll, Darwin (TUM) | Python-</a:t>
+            </a:r>
+            <a:r>
+              <a:rPr lang="de-DE" sz="1200" b="0" strike="noStrike" spc="-1" dirty="0" err="1">
+                <a:solidFill>
+                  <a:srgbClr val="000000"/>
+                </a:solidFill>
+                <a:uFill>
+                  <a:solidFill>
+                    <a:srgbClr val="FFFFFF"/>
+                  </a:solidFill>
+                </a:uFill>
+                <a:latin typeface="Arial"/>
+              </a:rPr>
+              <a:t>based</a:t>
+            </a:r>
+            <a:r>
+              <a:rPr lang="de-DE" sz="1200" b="0" strike="noStrike" spc="-1" dirty="0">
+                <a:solidFill>
+                  <a:srgbClr val="000000"/>
+                </a:solidFill>
+                <a:uFill>
+                  <a:solidFill>
+                    <a:srgbClr val="FFFFFF"/>
+                  </a:solidFill>
+                </a:uFill>
+                <a:latin typeface="Arial"/>
+              </a:rPr>
+              <a:t> </a:t>
+            </a:r>
+            <a:r>
+              <a:rPr lang="de-DE" sz="1200" b="0" strike="noStrike" spc="-1" dirty="0" err="1">
+                <a:solidFill>
+                  <a:srgbClr val="000000"/>
+                </a:solidFill>
+                <a:uFill>
+                  <a:solidFill>
+                    <a:srgbClr val="FFFFFF"/>
+                  </a:solidFill>
+                </a:uFill>
+                <a:latin typeface="Arial"/>
+              </a:rPr>
+              <a:t>Paraview</a:t>
+            </a:r>
+            <a:r>
+              <a:rPr lang="de-DE" sz="1200" b="0" strike="noStrike" spc="-1" dirty="0">
+                <a:solidFill>
+                  <a:srgbClr val="000000"/>
+                </a:solidFill>
+                <a:uFill>
+                  <a:solidFill>
+                    <a:srgbClr val="FFFFFF"/>
+                  </a:solidFill>
+                </a:uFill>
+                <a:latin typeface="Arial"/>
+              </a:rPr>
+              <a:t> </a:t>
+            </a:r>
+            <a:r>
+              <a:rPr lang="de-DE" sz="1200" b="0" strike="noStrike" spc="-1" dirty="0" err="1">
+                <a:solidFill>
+                  <a:srgbClr val="000000"/>
+                </a:solidFill>
+                <a:uFill>
+                  <a:solidFill>
+                    <a:srgbClr val="FFFFFF"/>
+                  </a:solidFill>
+                </a:uFill>
+                <a:latin typeface="Arial"/>
+              </a:rPr>
+              <a:t>postprocessing</a:t>
+            </a:r>
+            <a:endParaRPr lang="de-DE" sz="1200" b="0" strike="noStrike" spc="-1" dirty="0">
               <a:solidFill>
                 <a:srgbClr val="000000"/>
               </a:solidFill>
@@ -9275,20 +10606,90 @@
               </a:lnSpc>
             </a:pPr>
             <a:r>
-              <a:rPr lang="de-DE" sz="1200" b="0" strike="noStrike" spc="-1">
-                <a:solidFill>
-                  <a:srgbClr val="000000"/>
-                </a:solidFill>
-                <a:uFill>
-                  <a:solidFill>
-                    <a:srgbClr val="FFFFFF"/>
-                  </a:solidFill>
-                </a:uFill>
-                <a:latin typeface="Arial"/>
-              </a:rPr>
-              <a:t>Oztoprak, Oguz (TUM) | Droll, Darwin (TUM) | Python-based Paraview postprocessing</a:t>
-            </a:r>
-            <a:endParaRPr lang="de-DE" sz="1200" b="0" strike="noStrike" spc="-1">
+              <a:rPr lang="de-DE" sz="1200" b="0" strike="noStrike" spc="-1" dirty="0">
+                <a:solidFill>
+                  <a:srgbClr val="000000"/>
+                </a:solidFill>
+                <a:uFill>
+                  <a:solidFill>
+                    <a:srgbClr val="FFFFFF"/>
+                  </a:solidFill>
+                </a:uFill>
+                <a:latin typeface="Arial"/>
+              </a:rPr>
+              <a:t>Oztoprak, Oguz (TUM) | Droll, Darwin (TUM) | Python-</a:t>
+            </a:r>
+            <a:r>
+              <a:rPr lang="de-DE" sz="1200" b="0" strike="noStrike" spc="-1" dirty="0" err="1">
+                <a:solidFill>
+                  <a:srgbClr val="000000"/>
+                </a:solidFill>
+                <a:uFill>
+                  <a:solidFill>
+                    <a:srgbClr val="FFFFFF"/>
+                  </a:solidFill>
+                </a:uFill>
+                <a:latin typeface="Arial"/>
+              </a:rPr>
+              <a:t>based</a:t>
+            </a:r>
+            <a:r>
+              <a:rPr lang="de-DE" sz="1200" b="0" strike="noStrike" spc="-1" dirty="0">
+                <a:solidFill>
+                  <a:srgbClr val="000000"/>
+                </a:solidFill>
+                <a:uFill>
+                  <a:solidFill>
+                    <a:srgbClr val="FFFFFF"/>
+                  </a:solidFill>
+                </a:uFill>
+                <a:latin typeface="Arial"/>
+              </a:rPr>
+              <a:t> </a:t>
+            </a:r>
+            <a:r>
+              <a:rPr lang="de-DE" sz="1200" b="0" strike="noStrike" spc="-1" dirty="0" err="1">
+                <a:solidFill>
+                  <a:srgbClr val="000000"/>
+                </a:solidFill>
+                <a:uFill>
+                  <a:solidFill>
+                    <a:srgbClr val="FFFFFF"/>
+                  </a:solidFill>
+                </a:uFill>
+                <a:latin typeface="Arial"/>
+              </a:rPr>
+              <a:t>Paraview</a:t>
+            </a:r>
+            <a:r>
+              <a:rPr lang="de-DE" sz="1200" b="0" strike="noStrike" spc="-1" dirty="0">
+                <a:solidFill>
+                  <a:srgbClr val="000000"/>
+                </a:solidFill>
+                <a:uFill>
+                  <a:solidFill>
+                    <a:srgbClr val="FFFFFF"/>
+                  </a:solidFill>
+                </a:uFill>
+                <a:latin typeface="Arial"/>
+              </a:rPr>
+              <a:t> </a:t>
+            </a:r>
+            <a:r>
+              <a:rPr lang="de-DE" sz="1200" b="0" strike="noStrike" spc="-1" dirty="0" err="1">
+                <a:solidFill>
+                  <a:srgbClr val="000000"/>
+                </a:solidFill>
+                <a:uFill>
+                  <a:solidFill>
+                    <a:srgbClr val="FFFFFF"/>
+                  </a:solidFill>
+                </a:uFill>
+                <a:latin typeface="Arial"/>
+              </a:rPr>
+              <a:t>postprocessing</a:t>
+            </a:r>
+            <a:endParaRPr lang="de-DE" sz="1200" b="0" strike="noStrike" spc="-1" dirty="0">
               <a:solidFill>
                 <a:srgbClr val="000000"/>
               </a:solidFill>
@@ -9560,20 +10961,90 @@
               </a:lnSpc>
             </a:pPr>
             <a:r>
-              <a:rPr lang="de-DE" sz="1200" b="0" strike="noStrike" spc="-1">
-                <a:solidFill>
-                  <a:srgbClr val="000000"/>
-                </a:solidFill>
-                <a:uFill>
-                  <a:solidFill>
-                    <a:srgbClr val="FFFFFF"/>
-                  </a:solidFill>
-                </a:uFill>
-                <a:latin typeface="Arial"/>
-              </a:rPr>
-              <a:t>Oztoprak, Oguz (TUM) | Droll, Darwin (TUM) | Python-based Paraview postprocessing</a:t>
-            </a:r>
-            <a:endParaRPr lang="de-DE" sz="1200" b="0" strike="noStrike" spc="-1">
+              <a:rPr lang="de-DE" sz="1200" b="0" strike="noStrike" spc="-1" dirty="0">
+                <a:solidFill>
+                  <a:srgbClr val="000000"/>
+                </a:solidFill>
+                <a:uFill>
+                  <a:solidFill>
+                    <a:srgbClr val="FFFFFF"/>
+                  </a:solidFill>
+                </a:uFill>
+                <a:latin typeface="Arial"/>
+              </a:rPr>
+              <a:t>Oztoprak, Oguz (TUM) | Droll, Darwin (TUM) | Python-</a:t>
+            </a:r>
+            <a:r>
+              <a:rPr lang="de-DE" sz="1200" b="0" strike="noStrike" spc="-1" dirty="0" err="1">
+                <a:solidFill>
+                  <a:srgbClr val="000000"/>
+                </a:solidFill>
+                <a:uFill>
+                  <a:solidFill>
+                    <a:srgbClr val="FFFFFF"/>
+                  </a:solidFill>
+                </a:uFill>
+                <a:latin typeface="Arial"/>
+              </a:rPr>
+              <a:t>based</a:t>
+            </a:r>
+            <a:r>
+              <a:rPr lang="de-DE" sz="1200" b="0" strike="noStrike" spc="-1" dirty="0">
+                <a:solidFill>
+                  <a:srgbClr val="000000"/>
+                </a:solidFill>
+                <a:uFill>
+                  <a:solidFill>
+                    <a:srgbClr val="FFFFFF"/>
+                  </a:solidFill>
+                </a:uFill>
+                <a:latin typeface="Arial"/>
+              </a:rPr>
+              <a:t> </a:t>
+            </a:r>
+            <a:r>
+              <a:rPr lang="de-DE" sz="1200" b="0" strike="noStrike" spc="-1" dirty="0" err="1">
+                <a:solidFill>
+                  <a:srgbClr val="000000"/>
+                </a:solidFill>
+                <a:uFill>
+                  <a:solidFill>
+                    <a:srgbClr val="FFFFFF"/>
+                  </a:solidFill>
+                </a:uFill>
+                <a:latin typeface="Arial"/>
+              </a:rPr>
+              <a:t>Paraview</a:t>
+            </a:r>
+            <a:r>
+              <a:rPr lang="de-DE" sz="1200" b="0" strike="noStrike" spc="-1" dirty="0">
+                <a:solidFill>
+                  <a:srgbClr val="000000"/>
+                </a:solidFill>
+                <a:uFill>
+                  <a:solidFill>
+                    <a:srgbClr val="FFFFFF"/>
+                  </a:solidFill>
+                </a:uFill>
+                <a:latin typeface="Arial"/>
+              </a:rPr>
+              <a:t> </a:t>
+            </a:r>
+            <a:r>
+              <a:rPr lang="de-DE" sz="1200" b="0" strike="noStrike" spc="-1" dirty="0" err="1">
+                <a:solidFill>
+                  <a:srgbClr val="000000"/>
+                </a:solidFill>
+                <a:uFill>
+                  <a:solidFill>
+                    <a:srgbClr val="FFFFFF"/>
+                  </a:solidFill>
+                </a:uFill>
+                <a:latin typeface="Arial"/>
+              </a:rPr>
+              <a:t>postprocessing</a:t>
+            </a:r>
+            <a:endParaRPr lang="de-DE" sz="1200" b="0" strike="noStrike" spc="-1" dirty="0">
               <a:solidFill>
                 <a:srgbClr val="000000"/>
               </a:solidFill>

--- a/Paraview-postprocessor.pptx
+++ b/Paraview-postprocessor.pptx
@@ -6,7 +6,7 @@
     <p:sldMasterId id="2147483661" r:id="rId2"/>
   </p:sldMasterIdLst>
   <p:notesMasterIdLst>
-    <p:notesMasterId r:id="rId19"/>
+    <p:notesMasterId r:id="rId20"/>
   </p:notesMasterIdLst>
   <p:sldIdLst>
     <p:sldId id="256" r:id="rId3"/>
@@ -19,12 +19,13 @@
     <p:sldId id="269" r:id="rId10"/>
     <p:sldId id="272" r:id="rId11"/>
     <p:sldId id="273" r:id="rId12"/>
-    <p:sldId id="275" r:id="rId13"/>
-    <p:sldId id="277" r:id="rId14"/>
-    <p:sldId id="261" r:id="rId15"/>
-    <p:sldId id="276" r:id="rId16"/>
-    <p:sldId id="263" r:id="rId17"/>
-    <p:sldId id="264" r:id="rId18"/>
+    <p:sldId id="278" r:id="rId13"/>
+    <p:sldId id="275" r:id="rId14"/>
+    <p:sldId id="277" r:id="rId15"/>
+    <p:sldId id="261" r:id="rId16"/>
+    <p:sldId id="276" r:id="rId17"/>
+    <p:sldId id="263" r:id="rId18"/>
+    <p:sldId id="264" r:id="rId19"/>
   </p:sldIdLst>
   <p:sldSz cx="9144000" cy="6858000" type="screen4x3"/>
   <p:notesSz cx="9925050" cy="6665913"/>
@@ -6293,7 +6294,7 @@
         </p:nvSpPr>
         <p:spPr>
           <a:xfrm>
-            <a:off x="318960" y="1774080"/>
+            <a:off x="324360" y="1774080"/>
             <a:ext cx="8508600" cy="4699080"/>
           </a:xfrm>
           <a:prstGeom prst="rect">
@@ -6620,10 +6621,10 @@
       </p:sp>
       <p:pic>
         <p:nvPicPr>
-          <p:cNvPr id="5" name="Picture 4">
+          <p:cNvPr id="3" name="Picture 2">
             <a:extLst>
               <a:ext uri="{FF2B5EF4-FFF2-40B4-BE49-F238E27FC236}">
-                <a16:creationId xmlns:a16="http://schemas.microsoft.com/office/drawing/2014/main" id="{34571C0B-433C-48D6-A110-0262FF52A8C8}"/>
+                <a16:creationId xmlns:a16="http://schemas.microsoft.com/office/drawing/2014/main" id="{237352DB-C12A-4E04-9828-970DFBBF71E6}"/>
               </a:ext>
             </a:extLst>
           </p:cNvPr>
@@ -6646,8 +6647,8 @@
         </p:blipFill>
         <p:spPr>
           <a:xfrm>
-            <a:off x="2645595" y="2167847"/>
-            <a:ext cx="4407053" cy="4305313"/>
+            <a:off x="2651908" y="2167847"/>
+            <a:ext cx="4396659" cy="4305313"/>
           </a:xfrm>
           <a:prstGeom prst="rect">
             <a:avLst/>
@@ -6657,7 +6658,7 @@
     </p:spTree>
     <p:extLst>
       <p:ext uri="{BB962C8B-B14F-4D97-AF65-F5344CB8AC3E}">
-        <p14:creationId xmlns:p14="http://schemas.microsoft.com/office/powerpoint/2010/main" val="3733729701"/>
+        <p14:creationId xmlns:p14="http://schemas.microsoft.com/office/powerpoint/2010/main" val="3841136379"/>
       </p:ext>
     </p:extLst>
   </p:cSld>
@@ -7080,46 +7081,10 @@
           </a:prstGeom>
         </p:spPr>
       </p:pic>
-      <p:pic>
-        <p:nvPicPr>
-          <p:cNvPr id="3" name="Picture 2">
-            <a:extLst>
-              <a:ext uri="{FF2B5EF4-FFF2-40B4-BE49-F238E27FC236}">
-                <a16:creationId xmlns:a16="http://schemas.microsoft.com/office/drawing/2014/main" id="{825D0797-F206-4041-A4C7-37B404C2004D}"/>
-              </a:ext>
-            </a:extLst>
-          </p:cNvPr>
-          <p:cNvPicPr>
-            <a:picLocks noChangeAspect="1"/>
-          </p:cNvPicPr>
-          <p:nvPr/>
-        </p:nvPicPr>
-        <p:blipFill>
-          <a:blip r:embed="rId3">
-            <a:extLst>
-              <a:ext uri="{28A0092B-C50C-407E-A947-70E740481C1C}">
-                <a14:useLocalDpi xmlns:a14="http://schemas.microsoft.com/office/drawing/2010/main" val="0"/>
-              </a:ext>
-            </a:extLst>
-          </a:blip>
-          <a:stretch>
-            <a:fillRect/>
-          </a:stretch>
-        </p:blipFill>
-        <p:spPr>
-          <a:xfrm>
-            <a:off x="2645595" y="2167846"/>
-            <a:ext cx="4384701" cy="4305313"/>
-          </a:xfrm>
-          <a:prstGeom prst="rect">
-            <a:avLst/>
-          </a:prstGeom>
-        </p:spPr>
-      </p:pic>
     </p:spTree>
     <p:extLst>
       <p:ext uri="{BB962C8B-B14F-4D97-AF65-F5344CB8AC3E}">
-        <p14:creationId xmlns:p14="http://schemas.microsoft.com/office/powerpoint/2010/main" val="1797382101"/>
+        <p14:creationId xmlns:p14="http://schemas.microsoft.com/office/powerpoint/2010/main" val="3733729701"/>
       </p:ext>
     </p:extLst>
   </p:cSld>
@@ -7175,13 +7140,13 @@
       </p:grpSpPr>
       <p:sp>
         <p:nvSpPr>
-          <p:cNvPr id="105" name="TextShape 1"/>
+          <p:cNvPr id="101" name="TextShape 1"/>
           <p:cNvSpPr txBox="1"/>
           <p:nvPr/>
         </p:nvSpPr>
         <p:spPr>
           <a:xfrm>
-            <a:off x="318960" y="1762200"/>
+            <a:off x="318960" y="1774080"/>
             <a:ext cx="8508600" cy="4699080"/>
           </a:xfrm>
           <a:prstGeom prst="rect">
@@ -7204,193 +7169,55 @@
               <a:buChar char="•"/>
             </a:pPr>
             <a:r>
-              <a:rPr lang="en-US" sz="2200" b="0" strike="noStrike" spc="-1" dirty="0">
-                <a:solidFill>
-                  <a:srgbClr val="000000"/>
-                </a:solidFill>
-                <a:uFill>
-                  <a:solidFill>
-                    <a:srgbClr val="FFFFFF"/>
-                  </a:solidFill>
-                </a:uFill>
-                <a:latin typeface="Arial"/>
-              </a:rPr>
-              <a:t>What we have done till now</a:t>
-            </a:r>
-          </a:p>
-          <a:p>
-            <a:pPr marL="800100" lvl="1" indent="-342900">
+              <a:rPr lang="en-US" sz="2200" spc="-1" dirty="0">
+                <a:solidFill>
+                  <a:srgbClr val="000000"/>
+                </a:solidFill>
+                <a:uFill>
+                  <a:solidFill>
+                    <a:srgbClr val="FFFFFF"/>
+                  </a:solidFill>
+                </a:uFill>
+              </a:rPr>
+              <a:t>Select and Extract Cells around the Hole</a:t>
+            </a:r>
+            <a:endParaRPr lang="en-US" sz="2200" b="0" strike="noStrike" spc="-1" dirty="0">
+              <a:solidFill>
+                <a:srgbClr val="000000"/>
+              </a:solidFill>
+              <a:uFill>
+                <a:solidFill>
+                  <a:srgbClr val="FFFFFF"/>
+                </a:solidFill>
+              </a:uFill>
+              <a:latin typeface="Arial"/>
+            </a:endParaRPr>
+          </a:p>
+          <a:p>
+            <a:pPr marL="342900" indent="-342900">
               <a:lnSpc>
                 <a:spcPct val="114000"/>
               </a:lnSpc>
               <a:buFont typeface="Arial" panose="020B0604020202020204" pitchFamily="34" charset="0"/>
               <a:buChar char="•"/>
             </a:pPr>
-            <a:r>
-              <a:rPr lang="en-US" sz="2200" spc="-1" dirty="0">
-                <a:solidFill>
-                  <a:srgbClr val="000000"/>
-                </a:solidFill>
-                <a:uFill>
-                  <a:solidFill>
-                    <a:srgbClr val="FFFFFF"/>
-                  </a:solidFill>
-                </a:uFill>
-                <a:latin typeface="Arial"/>
-              </a:rPr>
-              <a:t>Getting to know the tools</a:t>
-            </a:r>
-          </a:p>
-          <a:p>
-            <a:pPr marL="1257300" lvl="2" indent="-342900">
+            <a:endParaRPr lang="en-US" sz="2200" spc="-1" dirty="0">
+              <a:solidFill>
+                <a:srgbClr val="000000"/>
+              </a:solidFill>
+              <a:uFill>
+                <a:solidFill>
+                  <a:srgbClr val="FFFFFF"/>
+                </a:solidFill>
+              </a:uFill>
+              <a:latin typeface="Arial"/>
+            </a:endParaRPr>
+          </a:p>
+          <a:p>
+            <a:pPr>
               <a:lnSpc>
                 <a:spcPct val="114000"/>
               </a:lnSpc>
-              <a:buFont typeface="Arial" panose="020B0604020202020204" pitchFamily="34" charset="0"/>
-              <a:buChar char="•"/>
-            </a:pPr>
-            <a:r>
-              <a:rPr lang="en-US" sz="2200" b="0" strike="noStrike" spc="-1" dirty="0">
-                <a:solidFill>
-                  <a:srgbClr val="000000"/>
-                </a:solidFill>
-                <a:uFill>
-                  <a:solidFill>
-                    <a:srgbClr val="FFFFFF"/>
-                  </a:solidFill>
-                </a:uFill>
-                <a:latin typeface="Arial"/>
-              </a:rPr>
-              <a:t>Ubuntu</a:t>
-            </a:r>
-          </a:p>
-          <a:p>
-            <a:pPr marL="1257300" lvl="2" indent="-342900">
-              <a:lnSpc>
-                <a:spcPct val="114000"/>
-              </a:lnSpc>
-              <a:buFont typeface="Arial" panose="020B0604020202020204" pitchFamily="34" charset="0"/>
-              <a:buChar char="•"/>
-            </a:pPr>
-            <a:r>
-              <a:rPr lang="en-US" sz="2200" spc="-1" dirty="0">
-                <a:solidFill>
-                  <a:srgbClr val="000000"/>
-                </a:solidFill>
-                <a:uFill>
-                  <a:solidFill>
-                    <a:srgbClr val="FFFFFF"/>
-                  </a:solidFill>
-                </a:uFill>
-                <a:latin typeface="Arial"/>
-              </a:rPr>
-              <a:t>Paraview</a:t>
-            </a:r>
-          </a:p>
-          <a:p>
-            <a:pPr marL="1257300" lvl="2" indent="-342900">
-              <a:lnSpc>
-                <a:spcPct val="114000"/>
-              </a:lnSpc>
-              <a:buFont typeface="Arial" panose="020B0604020202020204" pitchFamily="34" charset="0"/>
-              <a:buChar char="•"/>
-            </a:pPr>
-            <a:r>
-              <a:rPr lang="en-US" sz="2200" b="0" strike="noStrike" spc="-1" dirty="0">
-                <a:solidFill>
-                  <a:srgbClr val="000000"/>
-                </a:solidFill>
-                <a:uFill>
-                  <a:solidFill>
-                    <a:srgbClr val="FFFFFF"/>
-                  </a:solidFill>
-                </a:uFill>
-                <a:latin typeface="Arial"/>
-              </a:rPr>
-              <a:t>Python</a:t>
-            </a:r>
-          </a:p>
-          <a:p>
-            <a:pPr marL="1257300" lvl="2" indent="-342900">
-              <a:lnSpc>
-                <a:spcPct val="114000"/>
-              </a:lnSpc>
-              <a:buFont typeface="Arial" panose="020B0604020202020204" pitchFamily="34" charset="0"/>
-              <a:buChar char="•"/>
-            </a:pPr>
-            <a:r>
-              <a:rPr lang="en-US" sz="2200" spc="-1" dirty="0">
-                <a:solidFill>
-                  <a:srgbClr val="000000"/>
-                </a:solidFill>
-                <a:uFill>
-                  <a:solidFill>
-                    <a:srgbClr val="FFFFFF"/>
-                  </a:solidFill>
-                </a:uFill>
-                <a:latin typeface="Arial"/>
-              </a:rPr>
-              <a:t>GIT</a:t>
-            </a:r>
-          </a:p>
-          <a:p>
-            <a:pPr marL="800100" lvl="1" indent="-342900">
-              <a:lnSpc>
-                <a:spcPct val="114000"/>
-              </a:lnSpc>
-              <a:buFont typeface="Arial" panose="020B0604020202020204" pitchFamily="34" charset="0"/>
-              <a:buChar char="•"/>
-            </a:pPr>
-            <a:r>
-              <a:rPr lang="en-US" sz="2200" spc="-1" dirty="0">
-                <a:solidFill>
-                  <a:srgbClr val="000000"/>
-                </a:solidFill>
-                <a:uFill>
-                  <a:solidFill>
-                    <a:srgbClr val="FFFFFF"/>
-                  </a:solidFill>
-                </a:uFill>
-                <a:latin typeface="Arial"/>
-              </a:rPr>
-              <a:t>Introduction to .</a:t>
-            </a:r>
-            <a:r>
-              <a:rPr lang="en-US" sz="2200" spc="-1" dirty="0" err="1">
-                <a:solidFill>
-                  <a:srgbClr val="000000"/>
-                </a:solidFill>
-                <a:uFill>
-                  <a:solidFill>
-                    <a:srgbClr val="FFFFFF"/>
-                  </a:solidFill>
-                </a:uFill>
-                <a:latin typeface="Arial"/>
-              </a:rPr>
-              <a:t>vtu</a:t>
-            </a:r>
-            <a:r>
-              <a:rPr lang="en-US" sz="2200" spc="-1" dirty="0">
-                <a:solidFill>
-                  <a:srgbClr val="000000"/>
-                </a:solidFill>
-                <a:uFill>
-                  <a:solidFill>
-                    <a:srgbClr val="FFFFFF"/>
-                  </a:solidFill>
-                </a:uFill>
-                <a:latin typeface="Arial"/>
-              </a:rPr>
-              <a:t> format</a:t>
-            </a:r>
-          </a:p>
-          <a:p>
-            <a:pPr marL="800100" lvl="1" indent="-342900">
-              <a:lnSpc>
-                <a:spcPct val="114000"/>
-              </a:lnSpc>
-              <a:buFont typeface="Arial" panose="020B0604020202020204" pitchFamily="34" charset="0"/>
-              <a:buChar char="•"/>
             </a:pPr>
             <a:endParaRPr lang="en-US" sz="2200" spc="-1" dirty="0">
               <a:solidFill>
@@ -7404,192 +7231,11 @@
               <a:latin typeface="Arial"/>
             </a:endParaRPr>
           </a:p>
-          <a:p>
-            <a:pPr marL="800100" lvl="1" indent="-342900">
-              <a:lnSpc>
-                <a:spcPct val="114000"/>
-              </a:lnSpc>
-              <a:buFont typeface="Arial" panose="020B0604020202020204" pitchFamily="34" charset="0"/>
-              <a:buChar char="•"/>
-            </a:pPr>
-            <a:endParaRPr lang="en-US" sz="2200" spc="-1" dirty="0">
-              <a:solidFill>
-                <a:srgbClr val="000000"/>
-              </a:solidFill>
-              <a:uFill>
-                <a:solidFill>
-                  <a:srgbClr val="FFFFFF"/>
-                </a:solidFill>
-              </a:uFill>
-              <a:latin typeface="Arial"/>
-            </a:endParaRPr>
-          </a:p>
-          <a:p>
-            <a:pPr marL="800100" lvl="1" indent="-342900">
-              <a:lnSpc>
-                <a:spcPct val="114000"/>
-              </a:lnSpc>
-              <a:buFont typeface="Arial" panose="020B0604020202020204" pitchFamily="34" charset="0"/>
-              <a:buChar char="•"/>
-            </a:pPr>
-            <a:endParaRPr lang="en-US" sz="2200" spc="-1" dirty="0">
-              <a:solidFill>
-                <a:srgbClr val="000000"/>
-              </a:solidFill>
-              <a:uFill>
-                <a:solidFill>
-                  <a:srgbClr val="FFFFFF"/>
-                </a:solidFill>
-              </a:uFill>
-              <a:latin typeface="Arial"/>
-            </a:endParaRPr>
-          </a:p>
-          <a:p>
-            <a:pPr marL="800100" lvl="1" indent="-342900">
-              <a:lnSpc>
-                <a:spcPct val="114000"/>
-              </a:lnSpc>
-              <a:buFont typeface="Arial" panose="020B0604020202020204" pitchFamily="34" charset="0"/>
-              <a:buChar char="•"/>
-            </a:pPr>
-            <a:r>
-              <a:rPr lang="en-US" sz="2200" spc="-1" dirty="0">
-                <a:solidFill>
-                  <a:srgbClr val="000000"/>
-                </a:solidFill>
-                <a:uFill>
-                  <a:solidFill>
-                    <a:srgbClr val="FFFFFF"/>
-                  </a:solidFill>
-                </a:uFill>
-                <a:latin typeface="Arial"/>
-              </a:rPr>
-              <a:t>Scripting in </a:t>
-            </a:r>
-            <a:r>
-              <a:rPr lang="en-US" sz="2200" spc="-1" dirty="0" err="1">
-                <a:solidFill>
-                  <a:srgbClr val="000000"/>
-                </a:solidFill>
-                <a:uFill>
-                  <a:solidFill>
-                    <a:srgbClr val="FFFFFF"/>
-                  </a:solidFill>
-                </a:uFill>
-                <a:latin typeface="Arial"/>
-              </a:rPr>
-              <a:t>Pvpython</a:t>
-            </a:r>
-            <a:endParaRPr lang="en-US" sz="2200" spc="-1" dirty="0">
-              <a:solidFill>
-                <a:srgbClr val="000000"/>
-              </a:solidFill>
-              <a:uFill>
-                <a:solidFill>
-                  <a:srgbClr val="FFFFFF"/>
-                </a:solidFill>
-              </a:uFill>
-              <a:latin typeface="Arial"/>
-            </a:endParaRPr>
-          </a:p>
-          <a:p>
-            <a:pPr marL="800100" lvl="1" indent="-342900">
-              <a:lnSpc>
-                <a:spcPct val="114000"/>
-              </a:lnSpc>
-              <a:buFont typeface="Arial" panose="020B0604020202020204" pitchFamily="34" charset="0"/>
-              <a:buChar char="•"/>
-            </a:pPr>
-            <a:endParaRPr lang="en-US" sz="2200" spc="-1" dirty="0">
-              <a:solidFill>
-                <a:srgbClr val="000000"/>
-              </a:solidFill>
-              <a:uFill>
-                <a:solidFill>
-                  <a:srgbClr val="FFFFFF"/>
-                </a:solidFill>
-              </a:uFill>
-              <a:latin typeface="Arial"/>
-            </a:endParaRPr>
-          </a:p>
-          <a:p>
-            <a:pPr marL="800100" lvl="1" indent="-342900">
-              <a:lnSpc>
-                <a:spcPct val="114000"/>
-              </a:lnSpc>
-              <a:buFont typeface="Arial" panose="020B0604020202020204" pitchFamily="34" charset="0"/>
-              <a:buChar char="•"/>
-            </a:pPr>
-            <a:endParaRPr lang="en-US" sz="2200" spc="-1" dirty="0">
-              <a:solidFill>
-                <a:srgbClr val="000000"/>
-              </a:solidFill>
-              <a:uFill>
-                <a:solidFill>
-                  <a:srgbClr val="FFFFFF"/>
-                </a:solidFill>
-              </a:uFill>
-              <a:latin typeface="Arial"/>
-            </a:endParaRPr>
-          </a:p>
-          <a:p>
-            <a:pPr lvl="2">
-              <a:lnSpc>
-                <a:spcPct val="114000"/>
-              </a:lnSpc>
-            </a:pPr>
-            <a:endParaRPr lang="en-US" sz="2200" spc="-1" dirty="0">
-              <a:solidFill>
-                <a:srgbClr val="000000"/>
-              </a:solidFill>
-              <a:uFill>
-                <a:solidFill>
-                  <a:srgbClr val="FFFFFF"/>
-                </a:solidFill>
-              </a:uFill>
-              <a:latin typeface="Arial"/>
-            </a:endParaRPr>
-          </a:p>
-          <a:p>
-            <a:pPr lvl="2">
-              <a:lnSpc>
-                <a:spcPct val="114000"/>
-              </a:lnSpc>
-            </a:pPr>
-            <a:endParaRPr lang="en-US" sz="2200" spc="-1" dirty="0">
-              <a:solidFill>
-                <a:srgbClr val="000000"/>
-              </a:solidFill>
-              <a:uFill>
-                <a:solidFill>
-                  <a:srgbClr val="FFFFFF"/>
-                </a:solidFill>
-              </a:uFill>
-            </a:endParaRPr>
-          </a:p>
-          <a:p>
-            <a:pPr lvl="2">
-              <a:lnSpc>
-                <a:spcPct val="114000"/>
-              </a:lnSpc>
-            </a:pPr>
-            <a:endParaRPr lang="en-US" sz="2200" spc="-1" dirty="0">
-              <a:solidFill>
-                <a:srgbClr val="000000"/>
-              </a:solidFill>
-              <a:uFill>
-                <a:solidFill>
-                  <a:srgbClr val="FFFFFF"/>
-                </a:solidFill>
-              </a:uFill>
-              <a:latin typeface="Arial"/>
-            </a:endParaRPr>
-          </a:p>
-        </p:txBody>
-      </p:sp>
-      <p:sp>
-        <p:nvSpPr>
-          <p:cNvPr id="106" name="TextShape 2"/>
+        </p:txBody>
+      </p:sp>
+      <p:sp>
+        <p:nvSpPr>
+          <p:cNvPr id="102" name="TextShape 2"/>
           <p:cNvSpPr txBox="1"/>
           <p:nvPr/>
         </p:nvSpPr>
@@ -7615,7 +7261,7 @@
                 <a:spcPct val="100000"/>
               </a:lnSpc>
             </a:pPr>
-            <a:fld id="{4B44C603-F75B-4368-8B11-8EC5E8B93C11}" type="slidenum">
+            <a:fld id="{F10E84C2-3D4A-4B54-B745-F6C41176937F}" type="slidenum">
               <a:rPr lang="de-DE" sz="1200" b="0" strike="noStrike" spc="-1">
                 <a:solidFill>
                   <a:srgbClr val="000000"/>
@@ -7645,7 +7291,7 @@
       </p:sp>
       <p:sp>
         <p:nvSpPr>
-          <p:cNvPr id="107" name="TextShape 3"/>
+          <p:cNvPr id="103" name="TextShape 3"/>
           <p:cNvSpPr txBox="1"/>
           <p:nvPr/>
         </p:nvSpPr>
@@ -7771,13 +7417,13 @@
       </p:sp>
       <p:sp>
         <p:nvSpPr>
-          <p:cNvPr id="108" name="TextShape 4"/>
+          <p:cNvPr id="104" name="TextShape 4"/>
           <p:cNvSpPr txBox="1"/>
           <p:nvPr/>
         </p:nvSpPr>
         <p:spPr>
           <a:xfrm>
-            <a:off x="318960" y="994320"/>
+            <a:off x="318960" y="984046"/>
             <a:ext cx="8508600" cy="410040"/>
           </a:xfrm>
           <a:prstGeom prst="rect">
@@ -7809,7 +7455,7 @@
                 </a:uFill>
                 <a:latin typeface="Arial"/>
               </a:rPr>
-              <a:t>Timeline</a:t>
+              <a:t>Features</a:t>
             </a:r>
             <a:endParaRPr lang="en-US" sz="2200" b="0" strike="noStrike" spc="-1" dirty="0">
               <a:solidFill>
@@ -7825,7 +7471,84 @@
           </a:p>
         </p:txBody>
       </p:sp>
+      <p:pic>
+        <p:nvPicPr>
+          <p:cNvPr id="5" name="Picture 4">
+            <a:extLst>
+              <a:ext uri="{FF2B5EF4-FFF2-40B4-BE49-F238E27FC236}">
+                <a16:creationId xmlns:a16="http://schemas.microsoft.com/office/drawing/2014/main" id="{34571C0B-433C-48D6-A110-0262FF52A8C8}"/>
+              </a:ext>
+            </a:extLst>
+          </p:cNvPr>
+          <p:cNvPicPr>
+            <a:picLocks noChangeAspect="1"/>
+          </p:cNvPicPr>
+          <p:nvPr/>
+        </p:nvPicPr>
+        <p:blipFill>
+          <a:blip r:embed="rId2">
+            <a:extLst>
+              <a:ext uri="{28A0092B-C50C-407E-A947-70E740481C1C}">
+                <a14:useLocalDpi xmlns:a14="http://schemas.microsoft.com/office/drawing/2010/main" val="0"/>
+              </a:ext>
+            </a:extLst>
+          </a:blip>
+          <a:stretch>
+            <a:fillRect/>
+          </a:stretch>
+        </p:blipFill>
+        <p:spPr>
+          <a:xfrm>
+            <a:off x="2645595" y="2167847"/>
+            <a:ext cx="4407053" cy="4305313"/>
+          </a:xfrm>
+          <a:prstGeom prst="rect">
+            <a:avLst/>
+          </a:prstGeom>
+        </p:spPr>
+      </p:pic>
+      <p:pic>
+        <p:nvPicPr>
+          <p:cNvPr id="3" name="Picture 2">
+            <a:extLst>
+              <a:ext uri="{FF2B5EF4-FFF2-40B4-BE49-F238E27FC236}">
+                <a16:creationId xmlns:a16="http://schemas.microsoft.com/office/drawing/2014/main" id="{825D0797-F206-4041-A4C7-37B404C2004D}"/>
+              </a:ext>
+            </a:extLst>
+          </p:cNvPr>
+          <p:cNvPicPr>
+            <a:picLocks noChangeAspect="1"/>
+          </p:cNvPicPr>
+          <p:nvPr/>
+        </p:nvPicPr>
+        <p:blipFill>
+          <a:blip r:embed="rId3">
+            <a:extLst>
+              <a:ext uri="{28A0092B-C50C-407E-A947-70E740481C1C}">
+                <a14:useLocalDpi xmlns:a14="http://schemas.microsoft.com/office/drawing/2010/main" val="0"/>
+              </a:ext>
+            </a:extLst>
+          </a:blip>
+          <a:stretch>
+            <a:fillRect/>
+          </a:stretch>
+        </p:blipFill>
+        <p:spPr>
+          <a:xfrm>
+            <a:off x="2645595" y="2167846"/>
+            <a:ext cx="4384701" cy="4305313"/>
+          </a:xfrm>
+          <a:prstGeom prst="rect">
+            <a:avLst/>
+          </a:prstGeom>
+        </p:spPr>
+      </p:pic>
     </p:spTree>
+    <p:extLst>
+      <p:ext uri="{BB962C8B-B14F-4D97-AF65-F5344CB8AC3E}">
+        <p14:creationId xmlns:p14="http://schemas.microsoft.com/office/powerpoint/2010/main" val="1797382101"/>
+      </p:ext>
+    </p:extLst>
   </p:cSld>
   <p:clrMapOvr>
     <a:masterClrMapping/>
@@ -7908,18 +7631,18 @@
               <a:buChar char="•"/>
             </a:pPr>
             <a:r>
-              <a:rPr lang="en-US" sz="2200" spc="-1" dirty="0">
-                <a:solidFill>
-                  <a:srgbClr val="000000"/>
-                </a:solidFill>
-                <a:uFill>
-                  <a:solidFill>
-                    <a:srgbClr val="FFFFFF"/>
-                  </a:solidFill>
-                </a:uFill>
-                <a:latin typeface="Arial"/>
-              </a:rPr>
-              <a:t>Next Steps:</a:t>
+              <a:rPr lang="en-US" sz="2200" b="0" strike="noStrike" spc="-1" dirty="0">
+                <a:solidFill>
+                  <a:srgbClr val="000000"/>
+                </a:solidFill>
+                <a:uFill>
+                  <a:solidFill>
+                    <a:srgbClr val="FFFFFF"/>
+                  </a:solidFill>
+                </a:uFill>
+                <a:latin typeface="Arial"/>
+              </a:rPr>
+              <a:t>What we have done till now</a:t>
             </a:r>
           </a:p>
           <a:p>
@@ -7942,71 +7665,80 @@
                 </a:uFill>
                 <a:latin typeface="Arial"/>
               </a:rPr>
-              <a:t>Standardizing existing scripts</a:t>
-            </a:r>
-          </a:p>
-          <a:p>
-            <a:pPr marL="800100" lvl="1" indent="-342900">
+              <a:t>Getting to know the tools</a:t>
+            </a:r>
+          </a:p>
+          <a:p>
+            <a:pPr marL="1257300" lvl="2" indent="-342900">
               <a:lnSpc>
                 <a:spcPct val="114000"/>
               </a:lnSpc>
               <a:buFont typeface="Arial" panose="020B0604020202020204" pitchFamily="34" charset="0"/>
               <a:buChar char="•"/>
             </a:pPr>
-            <a:endParaRPr lang="en-US" sz="2200" spc="-1" dirty="0">
-              <a:solidFill>
-                <a:srgbClr val="000000"/>
-              </a:solidFill>
-              <a:uFill>
-                <a:solidFill>
-                  <a:srgbClr val="FFFFFF"/>
-                </a:solidFill>
-              </a:uFill>
-              <a:latin typeface="Arial"/>
-            </a:endParaRPr>
-          </a:p>
-          <a:p>
-            <a:pPr marL="800100" lvl="1" indent="-342900">
+            <a:r>
+              <a:rPr lang="en-US" sz="2200" b="0" strike="noStrike" spc="-1" dirty="0">
+                <a:solidFill>
+                  <a:srgbClr val="000000"/>
+                </a:solidFill>
+                <a:uFill>
+                  <a:solidFill>
+                    <a:srgbClr val="FFFFFF"/>
+                  </a:solidFill>
+                </a:uFill>
+                <a:latin typeface="Arial"/>
+              </a:rPr>
+              <a:t>Ubuntu</a:t>
+            </a:r>
+          </a:p>
+          <a:p>
+            <a:pPr marL="1257300" lvl="2" indent="-342900">
               <a:lnSpc>
                 <a:spcPct val="114000"/>
               </a:lnSpc>
               <a:buFont typeface="Arial" panose="020B0604020202020204" pitchFamily="34" charset="0"/>
               <a:buChar char="•"/>
             </a:pPr>
-            <a:endParaRPr lang="en-US" sz="2200" spc="-1" dirty="0">
-              <a:solidFill>
-                <a:srgbClr val="000000"/>
-              </a:solidFill>
-              <a:uFill>
-                <a:solidFill>
-                  <a:srgbClr val="FFFFFF"/>
-                </a:solidFill>
-              </a:uFill>
-              <a:latin typeface="Arial"/>
-            </a:endParaRPr>
-          </a:p>
-          <a:p>
-            <a:pPr marL="800100" lvl="1" indent="-342900">
+            <a:r>
+              <a:rPr lang="en-US" sz="2200" spc="-1" dirty="0">
+                <a:solidFill>
+                  <a:srgbClr val="000000"/>
+                </a:solidFill>
+                <a:uFill>
+                  <a:solidFill>
+                    <a:srgbClr val="FFFFFF"/>
+                  </a:solidFill>
+                </a:uFill>
+                <a:latin typeface="Arial"/>
+              </a:rPr>
+              <a:t>Paraview</a:t>
+            </a:r>
+          </a:p>
+          <a:p>
+            <a:pPr marL="1257300" lvl="2" indent="-342900">
               <a:lnSpc>
                 <a:spcPct val="114000"/>
               </a:lnSpc>
               <a:buFont typeface="Arial" panose="020B0604020202020204" pitchFamily="34" charset="0"/>
               <a:buChar char="•"/>
             </a:pPr>
-            <a:endParaRPr lang="en-US" sz="2200" spc="-1" dirty="0">
-              <a:solidFill>
-                <a:srgbClr val="000000"/>
-              </a:solidFill>
-              <a:uFill>
-                <a:solidFill>
-                  <a:srgbClr val="FFFFFF"/>
-                </a:solidFill>
-              </a:uFill>
-              <a:latin typeface="Arial"/>
-            </a:endParaRPr>
-          </a:p>
-          <a:p>
-            <a:pPr marL="800100" lvl="1" indent="-342900">
+            <a:r>
+              <a:rPr lang="en-US" sz="2200" b="0" strike="noStrike" spc="-1" dirty="0">
+                <a:solidFill>
+                  <a:srgbClr val="000000"/>
+                </a:solidFill>
+                <a:uFill>
+                  <a:solidFill>
+                    <a:srgbClr val="FFFFFF"/>
+                  </a:solidFill>
+                </a:uFill>
+                <a:latin typeface="Arial"/>
+              </a:rPr>
+              <a:t>Python</a:t>
+            </a:r>
+          </a:p>
+          <a:p>
+            <a:pPr marL="1257300" lvl="2" indent="-342900">
               <a:lnSpc>
                 <a:spcPct val="114000"/>
               </a:lnSpc>
@@ -8025,11 +7757,11 @@
                 </a:uFill>
                 <a:latin typeface="Arial"/>
               </a:rPr>
-              <a:t>Further Experiments with Extraction methods</a:t>
-            </a:r>
-          </a:p>
-          <a:p>
-            <a:pPr marL="1257300" lvl="2" indent="-342900">
+              <a:t>GIT</a:t>
+            </a:r>
+          </a:p>
+          <a:p>
+            <a:pPr marL="800100" lvl="1" indent="-342900">
               <a:lnSpc>
                 <a:spcPct val="114000"/>
               </a:lnSpc>
@@ -8048,7 +7780,35 @@
                 </a:uFill>
                 <a:latin typeface="Arial"/>
               </a:rPr>
-              <a:t>Is there a better way? </a:t>
+              <a:t>Introduction to .</a:t>
+            </a:r>
+            <a:r>
+              <a:rPr lang="en-US" sz="2200" spc="-1" dirty="0" err="1">
+                <a:solidFill>
+                  <a:srgbClr val="000000"/>
+                </a:solidFill>
+                <a:uFill>
+                  <a:solidFill>
+                    <a:srgbClr val="FFFFFF"/>
+                  </a:solidFill>
+                </a:uFill>
+                <a:latin typeface="Arial"/>
+              </a:rPr>
+              <a:t>vtu</a:t>
+            </a:r>
+            <a:r>
+              <a:rPr lang="en-US" sz="2200" spc="-1" dirty="0">
+                <a:solidFill>
+                  <a:srgbClr val="000000"/>
+                </a:solidFill>
+                <a:uFill>
+                  <a:solidFill>
+                    <a:srgbClr val="FFFFFF"/>
+                  </a:solidFill>
+                </a:uFill>
+                <a:latin typeface="Arial"/>
+              </a:rPr>
+              <a:t> format</a:t>
             </a:r>
           </a:p>
           <a:p>
@@ -8092,24 +7852,6 @@
             </a:endParaRPr>
           </a:p>
           <a:p>
-            <a:pPr lvl="1">
-              <a:lnSpc>
-                <a:spcPct val="114000"/>
-              </a:lnSpc>
-            </a:pPr>
-            <a:endParaRPr lang="en-US" sz="2200" spc="-1" dirty="0">
-              <a:solidFill>
-                <a:srgbClr val="000000"/>
-              </a:solidFill>
-              <a:uFill>
-                <a:solidFill>
-                  <a:srgbClr val="FFFFFF"/>
-                </a:solidFill>
-              </a:uFill>
-              <a:latin typeface="Arial"/>
-            </a:endParaRPr>
-          </a:p>
-          <a:p>
             <a:pPr marL="800100" lvl="1" indent="-342900">
               <a:lnSpc>
                 <a:spcPct val="114000"/>
@@ -8117,29 +7859,54 @@
               <a:buFont typeface="Arial" panose="020B0604020202020204" pitchFamily="34" charset="0"/>
               <a:buChar char="•"/>
             </a:pPr>
-            <a:r>
-              <a:rPr lang="en-US" sz="2200" spc="-1" dirty="0">
-                <a:solidFill>
-                  <a:srgbClr val="000000"/>
-                </a:solidFill>
-                <a:uFill>
-                  <a:solidFill>
-                    <a:srgbClr val="FFFFFF"/>
-                  </a:solidFill>
-                </a:uFill>
-                <a:latin typeface="Arial"/>
-              </a:rPr>
-              <a:t>Adding New Functionalities</a:t>
-            </a:r>
-          </a:p>
-          <a:p>
-            <a:pPr marL="1257300" lvl="2" indent="-342900">
+            <a:endParaRPr lang="en-US" sz="2200" spc="-1" dirty="0">
+              <a:solidFill>
+                <a:srgbClr val="000000"/>
+              </a:solidFill>
+              <a:uFill>
+                <a:solidFill>
+                  <a:srgbClr val="FFFFFF"/>
+                </a:solidFill>
+              </a:uFill>
+              <a:latin typeface="Arial"/>
+            </a:endParaRPr>
+          </a:p>
+          <a:p>
+            <a:pPr marL="800100" lvl="1" indent="-342900">
               <a:lnSpc>
                 <a:spcPct val="114000"/>
               </a:lnSpc>
               <a:buFont typeface="Arial" panose="020B0604020202020204" pitchFamily="34" charset="0"/>
               <a:buChar char="•"/>
             </a:pPr>
+            <a:r>
+              <a:rPr lang="en-US" sz="2200" spc="-1" dirty="0">
+                <a:solidFill>
+                  <a:srgbClr val="000000"/>
+                </a:solidFill>
+                <a:uFill>
+                  <a:solidFill>
+                    <a:srgbClr val="FFFFFF"/>
+                  </a:solidFill>
+                </a:uFill>
+                <a:latin typeface="Arial"/>
+              </a:rPr>
+              <a:t>Scripting in </a:t>
+            </a:r>
+            <a:r>
+              <a:rPr lang="en-US" sz="2200" spc="-1" dirty="0" err="1">
+                <a:solidFill>
+                  <a:srgbClr val="000000"/>
+                </a:solidFill>
+                <a:uFill>
+                  <a:solidFill>
+                    <a:srgbClr val="FFFFFF"/>
+                  </a:solidFill>
+                </a:uFill>
+                <a:latin typeface="Arial"/>
+              </a:rPr>
+              <a:t>PVPython</a:t>
+            </a:r>
             <a:endParaRPr lang="en-US" sz="2200" spc="-1" dirty="0">
               <a:solidFill>
                 <a:srgbClr val="000000"/>
@@ -8153,64 +7920,12 @@
             </a:endParaRPr>
           </a:p>
           <a:p>
-            <a:pPr lvl="1">
+            <a:pPr marL="800100" lvl="1" indent="-342900">
               <a:lnSpc>
                 <a:spcPct val="114000"/>
               </a:lnSpc>
-            </a:pPr>
-            <a:endParaRPr lang="en-US" sz="2200" spc="-1" dirty="0">
-              <a:solidFill>
-                <a:srgbClr val="000000"/>
-              </a:solidFill>
-              <a:uFill>
-                <a:solidFill>
-                  <a:srgbClr val="FFFFFF"/>
-                </a:solidFill>
-              </a:uFill>
-              <a:latin typeface="Arial"/>
-            </a:endParaRPr>
-          </a:p>
-          <a:p>
-            <a:pPr lvl="1">
-              <a:lnSpc>
-                <a:spcPct val="114000"/>
-              </a:lnSpc>
-            </a:pPr>
-            <a:endParaRPr lang="en-US" sz="2200" spc="-1" dirty="0">
-              <a:solidFill>
-                <a:srgbClr val="000000"/>
-              </a:solidFill>
-              <a:uFill>
-                <a:solidFill>
-                  <a:srgbClr val="FFFFFF"/>
-                </a:solidFill>
-              </a:uFill>
-              <a:latin typeface="Arial"/>
-            </a:endParaRPr>
-          </a:p>
-          <a:p>
-            <a:pPr lvl="1">
-              <a:lnSpc>
-                <a:spcPct val="114000"/>
-              </a:lnSpc>
-            </a:pPr>
-            <a:endParaRPr lang="en-US" sz="2200" spc="-1" dirty="0">
-              <a:solidFill>
-                <a:srgbClr val="000000"/>
-              </a:solidFill>
-              <a:uFill>
-                <a:solidFill>
-                  <a:srgbClr val="FFFFFF"/>
-                </a:solidFill>
-              </a:uFill>
-              <a:latin typeface="Arial"/>
-            </a:endParaRPr>
-          </a:p>
-          <a:p>
-            <a:pPr lvl="1">
-              <a:lnSpc>
-                <a:spcPct val="114000"/>
-              </a:lnSpc>
+              <a:buFont typeface="Arial" panose="020B0604020202020204" pitchFamily="34" charset="0"/>
+              <a:buChar char="•"/>
             </a:pPr>
             <a:endParaRPr lang="en-US" sz="2200" spc="-1" dirty="0">
               <a:solidFill>
@@ -8538,11 +8253,6 @@
         </p:txBody>
       </p:sp>
     </p:spTree>
-    <p:extLst>
-      <p:ext uri="{BB962C8B-B14F-4D97-AF65-F5344CB8AC3E}">
-        <p14:creationId xmlns:p14="http://schemas.microsoft.com/office/powerpoint/2010/main" val="3006752749"/>
-      </p:ext>
-    </p:extLst>
   </p:cSld>
   <p:clrMapOvr>
     <a:masterClrMapping/>
@@ -8596,7 +8306,7 @@
       </p:grpSpPr>
       <p:sp>
         <p:nvSpPr>
-          <p:cNvPr id="113" name="TextShape 1"/>
+          <p:cNvPr id="105" name="TextShape 1"/>
           <p:cNvSpPr txBox="1"/>
           <p:nvPr/>
         </p:nvSpPr>
@@ -8617,46 +8327,408 @@
           <a:bodyPr lIns="0" tIns="0" rIns="0" bIns="0"/>
           <a:lstStyle/>
           <a:p>
-            <a:pPr>
+            <a:pPr marL="342900" indent="-342900">
               <a:lnSpc>
                 <a:spcPct val="114000"/>
               </a:lnSpc>
-            </a:pPr>
-            <a:endParaRPr lang="de-DE" sz="1600" b="0" strike="noStrike" spc="-1">
-              <a:solidFill>
-                <a:srgbClr val="000000"/>
-              </a:solidFill>
-              <a:uFill>
-                <a:solidFill>
-                  <a:srgbClr val="FFFFFF"/>
-                </a:solidFill>
-              </a:uFill>
-              <a:latin typeface="Arial"/>
-            </a:endParaRPr>
-          </a:p>
-          <a:p>
-            <a:pPr>
+              <a:buFont typeface="Arial" panose="020B0604020202020204" pitchFamily="34" charset="0"/>
+              <a:buChar char="•"/>
+            </a:pPr>
+            <a:r>
+              <a:rPr lang="en-US" sz="2200" spc="-1" dirty="0">
+                <a:solidFill>
+                  <a:srgbClr val="000000"/>
+                </a:solidFill>
+                <a:uFill>
+                  <a:solidFill>
+                    <a:srgbClr val="FFFFFF"/>
+                  </a:solidFill>
+                </a:uFill>
+                <a:latin typeface="Arial"/>
+              </a:rPr>
+              <a:t>Next Steps:</a:t>
+            </a:r>
+          </a:p>
+          <a:p>
+            <a:pPr marL="800100" lvl="1" indent="-342900">
               <a:lnSpc>
                 <a:spcPct val="114000"/>
               </a:lnSpc>
-            </a:pPr>
-            <a:endParaRPr lang="de-DE" sz="1600" b="0" strike="noStrike" spc="-1">
-              <a:solidFill>
-                <a:srgbClr val="000000"/>
-              </a:solidFill>
-              <a:uFill>
-                <a:solidFill>
-                  <a:srgbClr val="FFFFFF"/>
-                </a:solidFill>
-              </a:uFill>
-              <a:latin typeface="Arial"/>
-            </a:endParaRPr>
-          </a:p>
-        </p:txBody>
-      </p:sp>
-      <p:sp>
-        <p:nvSpPr>
-          <p:cNvPr id="114" name="TextShape 2"/>
+              <a:buFont typeface="Arial" panose="020B0604020202020204" pitchFamily="34" charset="0"/>
+              <a:buChar char="•"/>
+            </a:pPr>
+            <a:r>
+              <a:rPr lang="en-US" sz="2200" spc="-1" dirty="0">
+                <a:solidFill>
+                  <a:srgbClr val="000000"/>
+                </a:solidFill>
+                <a:uFill>
+                  <a:solidFill>
+                    <a:srgbClr val="FFFFFF"/>
+                  </a:solidFill>
+                </a:uFill>
+                <a:latin typeface="Arial"/>
+              </a:rPr>
+              <a:t>Standardizing existing scripts</a:t>
+            </a:r>
+          </a:p>
+          <a:p>
+            <a:pPr marL="800100" lvl="1" indent="-342900">
+              <a:lnSpc>
+                <a:spcPct val="114000"/>
+              </a:lnSpc>
+              <a:buFont typeface="Arial" panose="020B0604020202020204" pitchFamily="34" charset="0"/>
+              <a:buChar char="•"/>
+            </a:pPr>
+            <a:endParaRPr lang="en-US" sz="2200" spc="-1" dirty="0">
+              <a:solidFill>
+                <a:srgbClr val="000000"/>
+              </a:solidFill>
+              <a:uFill>
+                <a:solidFill>
+                  <a:srgbClr val="FFFFFF"/>
+                </a:solidFill>
+              </a:uFill>
+              <a:latin typeface="Arial"/>
+            </a:endParaRPr>
+          </a:p>
+          <a:p>
+            <a:pPr marL="800100" lvl="1" indent="-342900">
+              <a:lnSpc>
+                <a:spcPct val="114000"/>
+              </a:lnSpc>
+              <a:buFont typeface="Arial" panose="020B0604020202020204" pitchFamily="34" charset="0"/>
+              <a:buChar char="•"/>
+            </a:pPr>
+            <a:endParaRPr lang="en-US" sz="2200" spc="-1" dirty="0">
+              <a:solidFill>
+                <a:srgbClr val="000000"/>
+              </a:solidFill>
+              <a:uFill>
+                <a:solidFill>
+                  <a:srgbClr val="FFFFFF"/>
+                </a:solidFill>
+              </a:uFill>
+              <a:latin typeface="Arial"/>
+            </a:endParaRPr>
+          </a:p>
+          <a:p>
+            <a:pPr marL="800100" lvl="1" indent="-342900">
+              <a:lnSpc>
+                <a:spcPct val="114000"/>
+              </a:lnSpc>
+              <a:buFont typeface="Arial" panose="020B0604020202020204" pitchFamily="34" charset="0"/>
+              <a:buChar char="•"/>
+            </a:pPr>
+            <a:endParaRPr lang="en-US" sz="2200" spc="-1" dirty="0">
+              <a:solidFill>
+                <a:srgbClr val="000000"/>
+              </a:solidFill>
+              <a:uFill>
+                <a:solidFill>
+                  <a:srgbClr val="FFFFFF"/>
+                </a:solidFill>
+              </a:uFill>
+              <a:latin typeface="Arial"/>
+            </a:endParaRPr>
+          </a:p>
+          <a:p>
+            <a:pPr marL="800100" lvl="1" indent="-342900">
+              <a:lnSpc>
+                <a:spcPct val="114000"/>
+              </a:lnSpc>
+              <a:buFont typeface="Arial" panose="020B0604020202020204" pitchFamily="34" charset="0"/>
+              <a:buChar char="•"/>
+            </a:pPr>
+            <a:r>
+              <a:rPr lang="en-US" sz="2200" spc="-1" dirty="0">
+                <a:solidFill>
+                  <a:srgbClr val="000000"/>
+                </a:solidFill>
+                <a:uFill>
+                  <a:solidFill>
+                    <a:srgbClr val="FFFFFF"/>
+                  </a:solidFill>
+                </a:uFill>
+                <a:latin typeface="Arial"/>
+              </a:rPr>
+              <a:t>Further Experiments with Extraction methods</a:t>
+            </a:r>
+          </a:p>
+          <a:p>
+            <a:pPr marL="1257300" lvl="2" indent="-342900">
+              <a:lnSpc>
+                <a:spcPct val="114000"/>
+              </a:lnSpc>
+              <a:buFont typeface="Arial" panose="020B0604020202020204" pitchFamily="34" charset="0"/>
+              <a:buChar char="•"/>
+            </a:pPr>
+            <a:r>
+              <a:rPr lang="en-US" sz="2200" spc="-1" dirty="0">
+                <a:solidFill>
+                  <a:srgbClr val="000000"/>
+                </a:solidFill>
+                <a:uFill>
+                  <a:solidFill>
+                    <a:srgbClr val="FFFFFF"/>
+                  </a:solidFill>
+                </a:uFill>
+                <a:latin typeface="Arial"/>
+              </a:rPr>
+              <a:t>Is there a better way? </a:t>
+            </a:r>
+          </a:p>
+          <a:p>
+            <a:pPr marL="800100" lvl="1" indent="-342900">
+              <a:lnSpc>
+                <a:spcPct val="114000"/>
+              </a:lnSpc>
+              <a:buFont typeface="Arial" panose="020B0604020202020204" pitchFamily="34" charset="0"/>
+              <a:buChar char="•"/>
+            </a:pPr>
+            <a:endParaRPr lang="en-US" sz="2200" spc="-1" dirty="0">
+              <a:solidFill>
+                <a:srgbClr val="000000"/>
+              </a:solidFill>
+              <a:uFill>
+                <a:solidFill>
+                  <a:srgbClr val="FFFFFF"/>
+                </a:solidFill>
+              </a:uFill>
+              <a:latin typeface="Arial"/>
+            </a:endParaRPr>
+          </a:p>
+          <a:p>
+            <a:pPr marL="800100" lvl="1" indent="-342900">
+              <a:lnSpc>
+                <a:spcPct val="114000"/>
+              </a:lnSpc>
+              <a:buFont typeface="Arial" panose="020B0604020202020204" pitchFamily="34" charset="0"/>
+              <a:buChar char="•"/>
+            </a:pPr>
+            <a:endParaRPr lang="en-US" sz="2200" spc="-1" dirty="0">
+              <a:solidFill>
+                <a:srgbClr val="000000"/>
+              </a:solidFill>
+              <a:uFill>
+                <a:solidFill>
+                  <a:srgbClr val="FFFFFF"/>
+                </a:solidFill>
+              </a:uFill>
+              <a:latin typeface="Arial"/>
+            </a:endParaRPr>
+          </a:p>
+          <a:p>
+            <a:pPr lvl="1">
+              <a:lnSpc>
+                <a:spcPct val="114000"/>
+              </a:lnSpc>
+            </a:pPr>
+            <a:endParaRPr lang="en-US" sz="2200" spc="-1" dirty="0">
+              <a:solidFill>
+                <a:srgbClr val="000000"/>
+              </a:solidFill>
+              <a:uFill>
+                <a:solidFill>
+                  <a:srgbClr val="FFFFFF"/>
+                </a:solidFill>
+              </a:uFill>
+              <a:latin typeface="Arial"/>
+            </a:endParaRPr>
+          </a:p>
+          <a:p>
+            <a:pPr marL="800100" lvl="1" indent="-342900">
+              <a:lnSpc>
+                <a:spcPct val="114000"/>
+              </a:lnSpc>
+              <a:buFont typeface="Arial" panose="020B0604020202020204" pitchFamily="34" charset="0"/>
+              <a:buChar char="•"/>
+            </a:pPr>
+            <a:r>
+              <a:rPr lang="en-US" sz="2200" spc="-1" dirty="0">
+                <a:solidFill>
+                  <a:srgbClr val="000000"/>
+                </a:solidFill>
+                <a:uFill>
+                  <a:solidFill>
+                    <a:srgbClr val="FFFFFF"/>
+                  </a:solidFill>
+                </a:uFill>
+                <a:latin typeface="Arial"/>
+              </a:rPr>
+              <a:t>Adding New Functionalities</a:t>
+            </a:r>
+          </a:p>
+          <a:p>
+            <a:pPr marL="1257300" lvl="2" indent="-342900">
+              <a:lnSpc>
+                <a:spcPct val="114000"/>
+              </a:lnSpc>
+              <a:buFont typeface="Arial" panose="020B0604020202020204" pitchFamily="34" charset="0"/>
+              <a:buChar char="•"/>
+            </a:pPr>
+            <a:endParaRPr lang="en-US" sz="2200" spc="-1" dirty="0">
+              <a:solidFill>
+                <a:srgbClr val="000000"/>
+              </a:solidFill>
+              <a:uFill>
+                <a:solidFill>
+                  <a:srgbClr val="FFFFFF"/>
+                </a:solidFill>
+              </a:uFill>
+              <a:latin typeface="Arial"/>
+            </a:endParaRPr>
+          </a:p>
+          <a:p>
+            <a:pPr lvl="1">
+              <a:lnSpc>
+                <a:spcPct val="114000"/>
+              </a:lnSpc>
+            </a:pPr>
+            <a:endParaRPr lang="en-US" sz="2200" spc="-1" dirty="0">
+              <a:solidFill>
+                <a:srgbClr val="000000"/>
+              </a:solidFill>
+              <a:uFill>
+                <a:solidFill>
+                  <a:srgbClr val="FFFFFF"/>
+                </a:solidFill>
+              </a:uFill>
+              <a:latin typeface="Arial"/>
+            </a:endParaRPr>
+          </a:p>
+          <a:p>
+            <a:pPr lvl="1">
+              <a:lnSpc>
+                <a:spcPct val="114000"/>
+              </a:lnSpc>
+            </a:pPr>
+            <a:endParaRPr lang="en-US" sz="2200" spc="-1" dirty="0">
+              <a:solidFill>
+                <a:srgbClr val="000000"/>
+              </a:solidFill>
+              <a:uFill>
+                <a:solidFill>
+                  <a:srgbClr val="FFFFFF"/>
+                </a:solidFill>
+              </a:uFill>
+              <a:latin typeface="Arial"/>
+            </a:endParaRPr>
+          </a:p>
+          <a:p>
+            <a:pPr lvl="1">
+              <a:lnSpc>
+                <a:spcPct val="114000"/>
+              </a:lnSpc>
+            </a:pPr>
+            <a:endParaRPr lang="en-US" sz="2200" spc="-1" dirty="0">
+              <a:solidFill>
+                <a:srgbClr val="000000"/>
+              </a:solidFill>
+              <a:uFill>
+                <a:solidFill>
+                  <a:srgbClr val="FFFFFF"/>
+                </a:solidFill>
+              </a:uFill>
+              <a:latin typeface="Arial"/>
+            </a:endParaRPr>
+          </a:p>
+          <a:p>
+            <a:pPr lvl="1">
+              <a:lnSpc>
+                <a:spcPct val="114000"/>
+              </a:lnSpc>
+            </a:pPr>
+            <a:endParaRPr lang="en-US" sz="2200" spc="-1" dirty="0">
+              <a:solidFill>
+                <a:srgbClr val="000000"/>
+              </a:solidFill>
+              <a:uFill>
+                <a:solidFill>
+                  <a:srgbClr val="FFFFFF"/>
+                </a:solidFill>
+              </a:uFill>
+              <a:latin typeface="Arial"/>
+            </a:endParaRPr>
+          </a:p>
+          <a:p>
+            <a:pPr marL="800100" lvl="1" indent="-342900">
+              <a:lnSpc>
+                <a:spcPct val="114000"/>
+              </a:lnSpc>
+              <a:buFont typeface="Arial" panose="020B0604020202020204" pitchFamily="34" charset="0"/>
+              <a:buChar char="•"/>
+            </a:pPr>
+            <a:endParaRPr lang="en-US" sz="2200" spc="-1" dirty="0">
+              <a:solidFill>
+                <a:srgbClr val="000000"/>
+              </a:solidFill>
+              <a:uFill>
+                <a:solidFill>
+                  <a:srgbClr val="FFFFFF"/>
+                </a:solidFill>
+              </a:uFill>
+              <a:latin typeface="Arial"/>
+            </a:endParaRPr>
+          </a:p>
+          <a:p>
+            <a:pPr lvl="2">
+              <a:lnSpc>
+                <a:spcPct val="114000"/>
+              </a:lnSpc>
+            </a:pPr>
+            <a:endParaRPr lang="en-US" sz="2200" spc="-1" dirty="0">
+              <a:solidFill>
+                <a:srgbClr val="000000"/>
+              </a:solidFill>
+              <a:uFill>
+                <a:solidFill>
+                  <a:srgbClr val="FFFFFF"/>
+                </a:solidFill>
+              </a:uFill>
+              <a:latin typeface="Arial"/>
+            </a:endParaRPr>
+          </a:p>
+          <a:p>
+            <a:pPr lvl="2">
+              <a:lnSpc>
+                <a:spcPct val="114000"/>
+              </a:lnSpc>
+            </a:pPr>
+            <a:endParaRPr lang="en-US" sz="2200" spc="-1" dirty="0">
+              <a:solidFill>
+                <a:srgbClr val="000000"/>
+              </a:solidFill>
+              <a:uFill>
+                <a:solidFill>
+                  <a:srgbClr val="FFFFFF"/>
+                </a:solidFill>
+              </a:uFill>
+            </a:endParaRPr>
+          </a:p>
+          <a:p>
+            <a:pPr lvl="2">
+              <a:lnSpc>
+                <a:spcPct val="114000"/>
+              </a:lnSpc>
+            </a:pPr>
+            <a:endParaRPr lang="en-US" sz="2200" spc="-1" dirty="0">
+              <a:solidFill>
+                <a:srgbClr val="000000"/>
+              </a:solidFill>
+              <a:uFill>
+                <a:solidFill>
+                  <a:srgbClr val="FFFFFF"/>
+                </a:solidFill>
+              </a:uFill>
+              <a:latin typeface="Arial"/>
+            </a:endParaRPr>
+          </a:p>
+        </p:txBody>
+      </p:sp>
+      <p:sp>
+        <p:nvSpPr>
+          <p:cNvPr id="106" name="TextShape 2"/>
           <p:cNvSpPr txBox="1"/>
           <p:nvPr/>
         </p:nvSpPr>
@@ -8682,7 +8754,7 @@
                 <a:spcPct val="100000"/>
               </a:lnSpc>
             </a:pPr>
-            <a:fld id="{617C80FE-B084-4C17-BE99-684032B7421D}" type="slidenum">
+            <a:fld id="{4B44C603-F75B-4368-8B11-8EC5E8B93C11}" type="slidenum">
               <a:rPr lang="de-DE" sz="1200" b="0" strike="noStrike" spc="-1">
                 <a:solidFill>
                   <a:srgbClr val="000000"/>
@@ -8712,7 +8784,7 @@
       </p:sp>
       <p:sp>
         <p:nvSpPr>
-          <p:cNvPr id="115" name="TextShape 3"/>
+          <p:cNvPr id="107" name="TextShape 3"/>
           <p:cNvSpPr txBox="1"/>
           <p:nvPr/>
         </p:nvSpPr>
@@ -8838,7 +8910,7 @@
       </p:sp>
       <p:sp>
         <p:nvSpPr>
-          <p:cNvPr id="116" name="TextShape 4"/>
+          <p:cNvPr id="108" name="TextShape 4"/>
           <p:cNvSpPr txBox="1"/>
           <p:nvPr/>
         </p:nvSpPr>
@@ -8876,7 +8948,7 @@
                 </a:uFill>
                 <a:latin typeface="Arial"/>
               </a:rPr>
-              <a:t>Thank you for your attention.</a:t>
+              <a:t>Timeline</a:t>
             </a:r>
             <a:endParaRPr lang="en-US" sz="2200" b="0" strike="noStrike" spc="-1" dirty="0">
               <a:solidFill>
@@ -8893,6 +8965,11 @@
         </p:txBody>
       </p:sp>
     </p:spTree>
+    <p:extLst>
+      <p:ext uri="{BB962C8B-B14F-4D97-AF65-F5344CB8AC3E}">
+        <p14:creationId xmlns:p14="http://schemas.microsoft.com/office/powerpoint/2010/main" val="3006752749"/>
+      </p:ext>
+    </p:extLst>
   </p:cSld>
   <p:clrMapOvr>
     <a:masterClrMapping/>
@@ -8946,7 +9023,7 @@
       </p:grpSpPr>
       <p:sp>
         <p:nvSpPr>
-          <p:cNvPr id="117" name="TextShape 1"/>
+          <p:cNvPr id="113" name="TextShape 1"/>
           <p:cNvSpPr txBox="1"/>
           <p:nvPr/>
         </p:nvSpPr>
@@ -8972,7 +9049,7 @@
                 <a:spcPct val="114000"/>
               </a:lnSpc>
             </a:pPr>
-            <a:endParaRPr lang="de-DE" sz="1600" b="0" strike="noStrike" spc="-1" dirty="0">
+            <a:endParaRPr lang="de-DE" sz="1600" b="0" strike="noStrike" spc="-1">
               <a:solidFill>
                 <a:srgbClr val="000000"/>
               </a:solidFill>
@@ -8990,23 +9067,23 @@
                 <a:spcPct val="114000"/>
               </a:lnSpc>
             </a:pPr>
-            <a:endParaRPr lang="de-DE" sz="1600" b="0" strike="noStrike" spc="-1" dirty="0">
-              <a:solidFill>
-                <a:srgbClr val="000000"/>
-              </a:solidFill>
-              <a:uFill>
-                <a:solidFill>
-                  <a:srgbClr val="FFFFFF"/>
-                </a:solidFill>
-              </a:uFill>
-              <a:latin typeface="Arial"/>
-            </a:endParaRPr>
-          </a:p>
-        </p:txBody>
-      </p:sp>
-      <p:sp>
-        <p:nvSpPr>
-          <p:cNvPr id="118" name="TextShape 2"/>
+            <a:endParaRPr lang="de-DE" sz="1600" b="0" strike="noStrike" spc="-1">
+              <a:solidFill>
+                <a:srgbClr val="000000"/>
+              </a:solidFill>
+              <a:uFill>
+                <a:solidFill>
+                  <a:srgbClr val="FFFFFF"/>
+                </a:solidFill>
+              </a:uFill>
+              <a:latin typeface="Arial"/>
+            </a:endParaRPr>
+          </a:p>
+        </p:txBody>
+      </p:sp>
+      <p:sp>
+        <p:nvSpPr>
+          <p:cNvPr id="114" name="TextShape 2"/>
           <p:cNvSpPr txBox="1"/>
           <p:nvPr/>
         </p:nvSpPr>
@@ -9032,6 +9109,356 @@
                 <a:spcPct val="100000"/>
               </a:lnSpc>
             </a:pPr>
+            <a:fld id="{617C80FE-B084-4C17-BE99-684032B7421D}" type="slidenum">
+              <a:rPr lang="de-DE" sz="1200" b="0" strike="noStrike" spc="-1">
+                <a:solidFill>
+                  <a:srgbClr val="000000"/>
+                </a:solidFill>
+                <a:uFill>
+                  <a:solidFill>
+                    <a:srgbClr val="FFFFFF"/>
+                  </a:solidFill>
+                </a:uFill>
+                <a:latin typeface="Arial"/>
+              </a:rPr>
+              <a:t>16</a:t>
+            </a:fld>
+            <a:endParaRPr lang="de-DE" sz="1200" b="0" strike="noStrike" spc="-1">
+              <a:solidFill>
+                <a:srgbClr val="000000"/>
+              </a:solidFill>
+              <a:uFill>
+                <a:solidFill>
+                  <a:srgbClr val="FFFFFF"/>
+                </a:solidFill>
+              </a:uFill>
+              <a:latin typeface="Times New Roman"/>
+            </a:endParaRPr>
+          </a:p>
+        </p:txBody>
+      </p:sp>
+      <p:sp>
+        <p:nvSpPr>
+          <p:cNvPr id="115" name="TextShape 3"/>
+          <p:cNvSpPr txBox="1"/>
+          <p:nvPr/>
+        </p:nvSpPr>
+        <p:spPr>
+          <a:xfrm>
+            <a:off x="311040" y="6473160"/>
+            <a:ext cx="6463800" cy="364680"/>
+          </a:xfrm>
+          <a:prstGeom prst="rect">
+            <a:avLst/>
+          </a:prstGeom>
+          <a:noFill/>
+          <a:ln>
+            <a:noFill/>
+          </a:ln>
+        </p:spPr>
+        <p:txBody>
+          <a:bodyPr lIns="0" rIns="0" anchor="ctr"/>
+          <a:lstStyle/>
+          <a:p>
+            <a:pPr>
+              <a:lnSpc>
+                <a:spcPct val="100000"/>
+              </a:lnSpc>
+            </a:pPr>
+            <a:r>
+              <a:rPr lang="de-DE" sz="1200" b="0" strike="noStrike" spc="-1" dirty="0">
+                <a:solidFill>
+                  <a:srgbClr val="000000"/>
+                </a:solidFill>
+                <a:uFill>
+                  <a:solidFill>
+                    <a:srgbClr val="FFFFFF"/>
+                  </a:solidFill>
+                </a:uFill>
+                <a:latin typeface="Arial"/>
+              </a:rPr>
+              <a:t>Oztoprak, Oguz (TUM) | Droll, Darwin (TUM) | Python-</a:t>
+            </a:r>
+            <a:r>
+              <a:rPr lang="de-DE" sz="1200" b="0" strike="noStrike" spc="-1" dirty="0" err="1">
+                <a:solidFill>
+                  <a:srgbClr val="000000"/>
+                </a:solidFill>
+                <a:uFill>
+                  <a:solidFill>
+                    <a:srgbClr val="FFFFFF"/>
+                  </a:solidFill>
+                </a:uFill>
+                <a:latin typeface="Arial"/>
+              </a:rPr>
+              <a:t>based</a:t>
+            </a:r>
+            <a:r>
+              <a:rPr lang="de-DE" sz="1200" b="0" strike="noStrike" spc="-1" dirty="0">
+                <a:solidFill>
+                  <a:srgbClr val="000000"/>
+                </a:solidFill>
+                <a:uFill>
+                  <a:solidFill>
+                    <a:srgbClr val="FFFFFF"/>
+                  </a:solidFill>
+                </a:uFill>
+                <a:latin typeface="Arial"/>
+              </a:rPr>
+              <a:t> </a:t>
+            </a:r>
+            <a:r>
+              <a:rPr lang="de-DE" sz="1200" b="0" strike="noStrike" spc="-1" dirty="0" err="1">
+                <a:solidFill>
+                  <a:srgbClr val="000000"/>
+                </a:solidFill>
+                <a:uFill>
+                  <a:solidFill>
+                    <a:srgbClr val="FFFFFF"/>
+                  </a:solidFill>
+                </a:uFill>
+                <a:latin typeface="Arial"/>
+              </a:rPr>
+              <a:t>Paraview</a:t>
+            </a:r>
+            <a:r>
+              <a:rPr lang="de-DE" sz="1200" b="0" strike="noStrike" spc="-1" dirty="0">
+                <a:solidFill>
+                  <a:srgbClr val="000000"/>
+                </a:solidFill>
+                <a:uFill>
+                  <a:solidFill>
+                    <a:srgbClr val="FFFFFF"/>
+                  </a:solidFill>
+                </a:uFill>
+                <a:latin typeface="Arial"/>
+              </a:rPr>
+              <a:t> </a:t>
+            </a:r>
+            <a:r>
+              <a:rPr lang="de-DE" sz="1200" b="0" strike="noStrike" spc="-1" dirty="0" err="1">
+                <a:solidFill>
+                  <a:srgbClr val="000000"/>
+                </a:solidFill>
+                <a:uFill>
+                  <a:solidFill>
+                    <a:srgbClr val="FFFFFF"/>
+                  </a:solidFill>
+                </a:uFill>
+                <a:latin typeface="Arial"/>
+              </a:rPr>
+              <a:t>postprocessing</a:t>
+            </a:r>
+            <a:endParaRPr lang="de-DE" sz="1200" b="0" strike="noStrike" spc="-1" dirty="0">
+              <a:solidFill>
+                <a:srgbClr val="000000"/>
+              </a:solidFill>
+              <a:uFill>
+                <a:solidFill>
+                  <a:srgbClr val="FFFFFF"/>
+                </a:solidFill>
+              </a:uFill>
+              <a:latin typeface="Times New Roman"/>
+            </a:endParaRPr>
+          </a:p>
+        </p:txBody>
+      </p:sp>
+      <p:sp>
+        <p:nvSpPr>
+          <p:cNvPr id="116" name="TextShape 4"/>
+          <p:cNvSpPr txBox="1"/>
+          <p:nvPr/>
+        </p:nvSpPr>
+        <p:spPr>
+          <a:xfrm>
+            <a:off x="318960" y="994320"/>
+            <a:ext cx="8508600" cy="410040"/>
+          </a:xfrm>
+          <a:prstGeom prst="rect">
+            <a:avLst/>
+          </a:prstGeom>
+          <a:noFill/>
+          <a:ln w="9360">
+            <a:noFill/>
+          </a:ln>
+        </p:spPr>
+        <p:txBody>
+          <a:bodyPr lIns="0" tIns="0" rIns="0" bIns="0"/>
+          <a:lstStyle/>
+          <a:p>
+            <a:pPr>
+              <a:lnSpc>
+                <a:spcPts val="1129"/>
+              </a:lnSpc>
+            </a:pPr>
+            <a:r>
+              <a:rPr lang="en-US" sz="3000" b="0" strike="noStrike" spc="-1" dirty="0">
+                <a:solidFill>
+                  <a:srgbClr val="000000"/>
+                </a:solidFill>
+                <a:uFill>
+                  <a:solidFill>
+                    <a:srgbClr val="FFFFFF"/>
+                  </a:solidFill>
+                </a:uFill>
+                <a:latin typeface="Arial"/>
+              </a:rPr>
+              <a:t>Thank you for your attention.</a:t>
+            </a:r>
+            <a:endParaRPr lang="en-US" sz="2200" b="0" strike="noStrike" spc="-1" dirty="0">
+              <a:solidFill>
+                <a:srgbClr val="000000"/>
+              </a:solidFill>
+              <a:uFill>
+                <a:solidFill>
+                  <a:srgbClr val="FFFFFF"/>
+                </a:solidFill>
+              </a:uFill>
+              <a:latin typeface="Arial"/>
+            </a:endParaRPr>
+          </a:p>
+        </p:txBody>
+      </p:sp>
+    </p:spTree>
+  </p:cSld>
+  <p:clrMapOvr>
+    <a:masterClrMapping/>
+  </p:clrMapOvr>
+  <p:timing>
+    <p:tnLst>
+      <p:par>
+        <p:cTn id="1" dur="indefinite" restart="never" nodeType="tmRoot">
+          <p:childTnLst>
+            <p:seq>
+              <p:cTn id="2" nodeType="mainSeq"/>
+              <p:prevCondLst>
+                <p:cond evt="onPrev" delay="0">
+                  <p:tgtEl>
+                    <p:sldTgt/>
+                  </p:tgtEl>
+                </p:cond>
+              </p:prevCondLst>
+              <p:nextCondLst>
+                <p:cond evt="onNext" delay="0">
+                  <p:tgtEl>
+                    <p:sldTgt/>
+                  </p:tgtEl>
+                </p:cond>
+              </p:nextCondLst>
+            </p:seq>
+          </p:childTnLst>
+        </p:cTn>
+      </p:par>
+    </p:tnLst>
+  </p:timing>
+</p:sld>
+</file>
+
+<file path=ppt/slides/slide17.xml><?xml version="1.0" encoding="utf-8"?>
+<p:sld xmlns:a="http://schemas.openxmlformats.org/drawingml/2006/main" xmlns:r="http://schemas.openxmlformats.org/officeDocument/2006/relationships" xmlns:p="http://schemas.openxmlformats.org/presentationml/2006/main">
+  <p:cSld>
+    <p:spTree>
+      <p:nvGrpSpPr>
+        <p:cNvPr id="1" name=""/>
+        <p:cNvGrpSpPr/>
+        <p:nvPr/>
+      </p:nvGrpSpPr>
+      <p:grpSpPr>
+        <a:xfrm>
+          <a:off x="0" y="0"/>
+          <a:ext cx="0" cy="0"/>
+          <a:chOff x="0" y="0"/>
+          <a:chExt cx="0" cy="0"/>
+        </a:xfrm>
+      </p:grpSpPr>
+      <p:sp>
+        <p:nvSpPr>
+          <p:cNvPr id="117" name="TextShape 1"/>
+          <p:cNvSpPr txBox="1"/>
+          <p:nvPr/>
+        </p:nvSpPr>
+        <p:spPr>
+          <a:xfrm>
+            <a:off x="318960" y="1762200"/>
+            <a:ext cx="8508600" cy="4699080"/>
+          </a:xfrm>
+          <a:prstGeom prst="rect">
+            <a:avLst/>
+          </a:prstGeom>
+          <a:noFill/>
+          <a:ln w="9360">
+            <a:noFill/>
+          </a:ln>
+        </p:spPr>
+        <p:txBody>
+          <a:bodyPr lIns="0" tIns="0" rIns="0" bIns="0"/>
+          <a:lstStyle/>
+          <a:p>
+            <a:pPr>
+              <a:lnSpc>
+                <a:spcPct val="114000"/>
+              </a:lnSpc>
+            </a:pPr>
+            <a:endParaRPr lang="de-DE" sz="1600" b="0" strike="noStrike" spc="-1" dirty="0">
+              <a:solidFill>
+                <a:srgbClr val="000000"/>
+              </a:solidFill>
+              <a:uFill>
+                <a:solidFill>
+                  <a:srgbClr val="FFFFFF"/>
+                </a:solidFill>
+              </a:uFill>
+              <a:latin typeface="Arial"/>
+            </a:endParaRPr>
+          </a:p>
+          <a:p>
+            <a:pPr>
+              <a:lnSpc>
+                <a:spcPct val="114000"/>
+              </a:lnSpc>
+            </a:pPr>
+            <a:endParaRPr lang="de-DE" sz="1600" b="0" strike="noStrike" spc="-1" dirty="0">
+              <a:solidFill>
+                <a:srgbClr val="000000"/>
+              </a:solidFill>
+              <a:uFill>
+                <a:solidFill>
+                  <a:srgbClr val="FFFFFF"/>
+                </a:solidFill>
+              </a:uFill>
+              <a:latin typeface="Arial"/>
+            </a:endParaRPr>
+          </a:p>
+        </p:txBody>
+      </p:sp>
+      <p:sp>
+        <p:nvSpPr>
+          <p:cNvPr id="118" name="TextShape 2"/>
+          <p:cNvSpPr txBox="1"/>
+          <p:nvPr/>
+        </p:nvSpPr>
+        <p:spPr>
+          <a:xfrm>
+            <a:off x="6774840" y="6473160"/>
+            <a:ext cx="2051640" cy="364680"/>
+          </a:xfrm>
+          <a:prstGeom prst="rect">
+            <a:avLst/>
+          </a:prstGeom>
+          <a:noFill/>
+          <a:ln>
+            <a:noFill/>
+          </a:ln>
+        </p:spPr>
+        <p:txBody>
+          <a:bodyPr lIns="0" rIns="0" anchor="ctr"/>
+          <a:lstStyle/>
+          <a:p>
+            <a:pPr algn="r">
+              <a:lnSpc>
+                <a:spcPct val="100000"/>
+              </a:lnSpc>
+            </a:pPr>
             <a:fld id="{5DEAF5EF-0EA5-455B-856F-0590C327C8DE}" type="slidenum">
               <a:rPr lang="de-DE" sz="1200" b="0" strike="noStrike" spc="-1">
                 <a:solidFill>
@@ -9044,7 +9471,7 @@
                 </a:uFill>
                 <a:latin typeface="Arial"/>
               </a:rPr>
-              <a:t>16</a:t>
+              <a:t>17</a:t>
             </a:fld>
             <a:endParaRPr lang="de-DE" sz="1200" b="0" strike="noStrike" spc="-1">
               <a:solidFill>

--- a/Paraview-postprocessor.pptx
+++ b/Paraview-postprocessor.pptx
@@ -5370,7 +5370,7 @@
               </a:lnSpc>
             </a:pPr>
             <a:r>
-              <a:rPr lang="de-DE" sz="1600" b="0" strike="noStrike" spc="-1" dirty="0">
+              <a:rPr lang="de-DE" b="0" strike="noStrike" spc="-1" dirty="0">
                 <a:solidFill>
                   <a:srgbClr val="000000"/>
                 </a:solidFill>
@@ -5391,7 +5391,7 @@
               </a:lnSpc>
             </a:pPr>
             <a:r>
-              <a:rPr lang="de-DE" sz="1600" b="0" strike="noStrike" spc="-1" dirty="0">
+              <a:rPr lang="de-DE" b="0" strike="noStrike" spc="-1" dirty="0">
                 <a:solidFill>
                   <a:srgbClr val="000000"/>
                 </a:solidFill>
@@ -5411,7 +5411,7 @@
                 <a:spcPct val="150000"/>
               </a:lnSpc>
             </a:pPr>
-            <a:endParaRPr lang="de-DE" sz="1600" b="0" strike="noStrike" spc="-1" dirty="0">
+            <a:endParaRPr lang="de-DE" b="0" strike="noStrike" spc="-1" dirty="0">
               <a:solidFill>
                 <a:srgbClr val="000000"/>
               </a:solidFill>
@@ -5430,7 +5430,7 @@
               </a:lnSpc>
             </a:pPr>
             <a:r>
-              <a:rPr lang="de-DE" sz="1600" b="0" strike="noStrike" spc="-1" dirty="0">
+              <a:rPr lang="de-DE" b="0" strike="noStrike" spc="-1" dirty="0">
                 <a:solidFill>
                   <a:srgbClr val="000000"/>
                 </a:solidFill>
@@ -5451,7 +5451,7 @@
               </a:lnSpc>
             </a:pPr>
             <a:r>
-              <a:rPr lang="de-DE" sz="1600" b="0" strike="noStrike" spc="-1" dirty="0">
+              <a:rPr lang="de-DE" b="0" strike="noStrike" spc="-1" dirty="0">
                 <a:solidFill>
                   <a:srgbClr val="000000"/>
                 </a:solidFill>
@@ -5465,7 +5465,7 @@
               <a:t>Department </a:t>
             </a:r>
             <a:r>
-              <a:rPr lang="de-DE" sz="1600" b="0" strike="noStrike" spc="-1" dirty="0" err="1">
+              <a:rPr lang="de-DE" b="0" strike="noStrike" spc="-1" dirty="0" err="1">
                 <a:solidFill>
                   <a:srgbClr val="000000"/>
                 </a:solidFill>
@@ -5479,7 +5479,7 @@
               <a:t>of</a:t>
             </a:r>
             <a:r>
-              <a:rPr lang="de-DE" sz="1600" b="0" strike="noStrike" spc="-1" dirty="0">
+              <a:rPr lang="de-DE" b="0" strike="noStrike" spc="-1" dirty="0">
                 <a:solidFill>
                   <a:srgbClr val="000000"/>
                 </a:solidFill>
@@ -5493,7 +5493,7 @@
               <a:t> </a:t>
             </a:r>
             <a:r>
-              <a:rPr lang="de-DE" sz="1600" b="0" strike="noStrike" spc="-1" dirty="0" err="1">
+              <a:rPr lang="de-DE" b="0" strike="noStrike" spc="-1" dirty="0" err="1">
                 <a:solidFill>
                   <a:srgbClr val="000000"/>
                 </a:solidFill>
@@ -5507,7 +5507,7 @@
               <a:t>Civil</a:t>
             </a:r>
             <a:r>
-              <a:rPr lang="de-DE" sz="1600" spc="-1" dirty="0">
+              <a:rPr lang="de-DE" spc="-1" dirty="0">
                 <a:solidFill>
                   <a:srgbClr val="000000"/>
                 </a:solidFill>
@@ -5521,7 +5521,7 @@
               <a:t>, </a:t>
             </a:r>
             <a:r>
-              <a:rPr lang="de-DE" sz="1600" spc="-1" dirty="0" err="1">
+              <a:rPr lang="de-DE" spc="-1" dirty="0" err="1">
                 <a:solidFill>
                   <a:srgbClr val="000000"/>
                 </a:solidFill>
@@ -5535,7 +5535,7 @@
               <a:t>Geo</a:t>
             </a:r>
             <a:r>
-              <a:rPr lang="de-DE" sz="1600" spc="-1" dirty="0">
+              <a:rPr lang="de-DE" spc="-1" dirty="0">
                 <a:solidFill>
                   <a:srgbClr val="000000"/>
                 </a:solidFill>
@@ -5548,7 +5548,7 @@
               </a:rPr>
               <a:t> and Environmental Engineering</a:t>
             </a:r>
-            <a:endParaRPr lang="de-DE" sz="1600" b="0" strike="noStrike" spc="-1" dirty="0">
+            <a:endParaRPr lang="de-DE" b="0" strike="noStrike" spc="-1" dirty="0">
               <a:solidFill>
                 <a:srgbClr val="000000"/>
               </a:solidFill>
@@ -5567,7 +5567,7 @@
               </a:lnSpc>
             </a:pPr>
             <a:r>
-              <a:rPr lang="de-DE" sz="1600" b="0" strike="noStrike" spc="-1" dirty="0">
+              <a:rPr lang="de-DE" b="0" strike="noStrike" spc="-1" dirty="0">
                 <a:solidFill>
                   <a:srgbClr val="000000"/>
                 </a:solidFill>
@@ -5581,7 +5581,7 @@
               <a:t>Chair </a:t>
             </a:r>
             <a:r>
-              <a:rPr lang="de-DE" sz="1600" b="0" strike="noStrike" spc="-1" dirty="0" err="1">
+              <a:rPr lang="de-DE" b="0" strike="noStrike" spc="-1" dirty="0" err="1">
                 <a:solidFill>
                   <a:srgbClr val="000000"/>
                 </a:solidFill>
@@ -5595,7 +5595,7 @@
               <a:t>of</a:t>
             </a:r>
             <a:r>
-              <a:rPr lang="de-DE" sz="1600" b="0" strike="noStrike" spc="-1" dirty="0">
+              <a:rPr lang="de-DE" b="0" strike="noStrike" spc="-1" dirty="0">
                 <a:solidFill>
                   <a:srgbClr val="000000"/>
                 </a:solidFill>
@@ -5609,7 +5609,7 @@
               <a:t> </a:t>
             </a:r>
             <a:r>
-              <a:rPr lang="de-DE" sz="1600" b="0" strike="noStrike" spc="-1" dirty="0" err="1">
+              <a:rPr lang="de-DE" b="0" strike="noStrike" spc="-1" dirty="0" err="1">
                 <a:solidFill>
                   <a:srgbClr val="000000"/>
                 </a:solidFill>
@@ -5623,7 +5623,7 @@
               <a:t>Computation</a:t>
             </a:r>
             <a:r>
-              <a:rPr lang="de-DE" sz="1600" b="0" strike="noStrike" spc="-1" dirty="0">
+              <a:rPr lang="de-DE" b="0" strike="noStrike" spc="-1" dirty="0">
                 <a:solidFill>
                   <a:srgbClr val="000000"/>
                 </a:solidFill>
@@ -5644,7 +5644,7 @@
               </a:lnSpc>
             </a:pPr>
             <a:r>
-              <a:rPr lang="de-DE" sz="1600" b="0" strike="noStrike" spc="-1" dirty="0">
+              <a:rPr lang="de-DE" b="0" strike="noStrike" spc="-1" dirty="0">
                 <a:solidFill>
                   <a:srgbClr val="000000"/>
                 </a:solidFill>
@@ -5689,20 +5689,104 @@
               </a:lnSpc>
             </a:pPr>
             <a:r>
-              <a:rPr lang="de-DE" sz="3000" b="0" strike="noStrike" spc="-1">
-                <a:solidFill>
-                  <a:srgbClr val="000000"/>
-                </a:solidFill>
-                <a:uFill>
-                  <a:solidFill>
-                    <a:srgbClr val="FFFFFF"/>
-                  </a:solidFill>
-                </a:uFill>
-                <a:latin typeface="Arial"/>
-              </a:rPr>
-              <a:t>Python-based Paraview postprocessing</a:t>
-            </a:r>
-            <a:endParaRPr lang="de-DE" sz="2200" b="0" strike="noStrike" spc="-1">
+              <a:rPr lang="de-DE" sz="3000" b="0" strike="noStrike" spc="-1" dirty="0">
+                <a:solidFill>
+                  <a:srgbClr val="000000"/>
+                </a:solidFill>
+                <a:uFill>
+                  <a:solidFill>
+                    <a:srgbClr val="FFFFFF"/>
+                  </a:solidFill>
+                </a:uFill>
+                <a:latin typeface="Arial"/>
+              </a:rPr>
+              <a:t>Python-</a:t>
+            </a:r>
+            <a:r>
+              <a:rPr lang="de-DE" sz="3000" b="0" strike="noStrike" spc="-1" dirty="0" err="1">
+                <a:solidFill>
+                  <a:srgbClr val="000000"/>
+                </a:solidFill>
+                <a:uFill>
+                  <a:solidFill>
+                    <a:srgbClr val="FFFFFF"/>
+                  </a:solidFill>
+                </a:uFill>
+                <a:latin typeface="Arial"/>
+              </a:rPr>
+              <a:t>based</a:t>
+            </a:r>
+            <a:r>
+              <a:rPr lang="de-DE" sz="3000" b="0" strike="noStrike" spc="-1" dirty="0">
+                <a:solidFill>
+                  <a:srgbClr val="000000"/>
+                </a:solidFill>
+                <a:uFill>
+                  <a:solidFill>
+                    <a:srgbClr val="FFFFFF"/>
+                  </a:solidFill>
+                </a:uFill>
+                <a:latin typeface="Arial"/>
+              </a:rPr>
+              <a:t> </a:t>
+            </a:r>
+            <a:r>
+              <a:rPr lang="de-DE" sz="3000" b="0" strike="noStrike" spc="-1" dirty="0" err="1">
+                <a:solidFill>
+                  <a:srgbClr val="000000"/>
+                </a:solidFill>
+                <a:uFill>
+                  <a:solidFill>
+                    <a:srgbClr val="FFFFFF"/>
+                  </a:solidFill>
+                </a:uFill>
+                <a:latin typeface="Arial"/>
+              </a:rPr>
+              <a:t>Paraview</a:t>
+            </a:r>
+            <a:r>
+              <a:rPr lang="de-DE" sz="3000" b="0" strike="noStrike" spc="-1" dirty="0">
+                <a:solidFill>
+                  <a:srgbClr val="000000"/>
+                </a:solidFill>
+                <a:uFill>
+                  <a:solidFill>
+                    <a:srgbClr val="FFFFFF"/>
+                  </a:solidFill>
+                </a:uFill>
+                <a:latin typeface="Arial"/>
+              </a:rPr>
+              <a:t> </a:t>
+            </a:r>
+            <a:r>
+              <a:rPr lang="de-DE" sz="3000" spc="-1" dirty="0" err="1">
+                <a:solidFill>
+                  <a:srgbClr val="000000"/>
+                </a:solidFill>
+                <a:uFill>
+                  <a:solidFill>
+                    <a:srgbClr val="FFFFFF"/>
+                  </a:solidFill>
+                </a:uFill>
+                <a:latin typeface="Arial"/>
+              </a:rPr>
+              <a:t>P</a:t>
+            </a:r>
+            <a:r>
+              <a:rPr lang="de-DE" sz="3000" b="0" strike="noStrike" spc="-1" dirty="0" err="1">
+                <a:solidFill>
+                  <a:srgbClr val="000000"/>
+                </a:solidFill>
+                <a:uFill>
+                  <a:solidFill>
+                    <a:srgbClr val="FFFFFF"/>
+                  </a:solidFill>
+                </a:uFill>
+                <a:latin typeface="Arial"/>
+              </a:rPr>
+              <a:t>ostprocessing</a:t>
+            </a:r>
+            <a:endParaRPr lang="de-DE" sz="2200" b="0" strike="noStrike" spc="-1" dirty="0">
               <a:solidFill>
                 <a:srgbClr val="000000"/>
               </a:solidFill>
@@ -5728,7 +5812,7 @@
         </p:blipFill>
         <p:spPr>
           <a:xfrm>
-            <a:off x="3825720" y="4059360"/>
+            <a:off x="4303469" y="4059540"/>
             <a:ext cx="4171680" cy="1095120"/>
           </a:xfrm>
           <a:prstGeom prst="rect">
@@ -5822,7 +5906,7 @@
         </p:nvSpPr>
         <p:spPr>
           <a:xfrm>
-            <a:off x="318960" y="1774080"/>
+            <a:off x="318960" y="1779217"/>
             <a:ext cx="8508600" cy="4699080"/>
           </a:xfrm>
           <a:prstGeom prst="rect">
@@ -5845,7 +5929,7 @@
               <a:buChar char="•"/>
             </a:pPr>
             <a:r>
-              <a:rPr lang="en-US" sz="2200" b="0" strike="noStrike" spc="-1" dirty="0">
+              <a:rPr lang="en-US" sz="2400" b="0" strike="noStrike" spc="-1" dirty="0">
                 <a:solidFill>
                   <a:srgbClr val="000000"/>
                 </a:solidFill>
@@ -6109,7 +6193,7 @@
         </p:nvSpPr>
         <p:spPr>
           <a:xfrm>
-            <a:off x="318960" y="984046"/>
+            <a:off x="318960" y="989183"/>
             <a:ext cx="8508600" cy="410040"/>
           </a:xfrm>
           <a:prstGeom prst="rect">
@@ -6294,7 +6378,7 @@
         </p:nvSpPr>
         <p:spPr>
           <a:xfrm>
-            <a:off x="324360" y="1774080"/>
+            <a:off x="319223" y="1774080"/>
             <a:ext cx="8508600" cy="4699080"/>
           </a:xfrm>
           <a:prstGeom prst="rect">
@@ -6317,28 +6401,31 @@
               <a:buChar char="•"/>
             </a:pPr>
             <a:r>
-              <a:rPr lang="en-US" sz="2200" spc="-1" dirty="0">
-                <a:solidFill>
-                  <a:srgbClr val="000000"/>
-                </a:solidFill>
-                <a:uFill>
-                  <a:solidFill>
-                    <a:srgbClr val="FFFFFF"/>
-                  </a:solidFill>
-                </a:uFill>
+              <a:rPr lang="en-US" sz="2400" spc="-1" dirty="0">
+                <a:solidFill>
+                  <a:srgbClr val="000000"/>
+                </a:solidFill>
+                <a:uFill>
+                  <a:solidFill>
+                    <a:srgbClr val="FFFFFF"/>
+                  </a:solidFill>
+                </a:uFill>
+                <a:latin typeface="Arial" panose="020B0604020202020204" pitchFamily="34" charset="0"/>
+                <a:cs typeface="Arial" panose="020B0604020202020204" pitchFamily="34" charset="0"/>
               </a:rPr>
               <a:t>Select and Extract Cells around the Hole</a:t>
             </a:r>
-            <a:endParaRPr lang="en-US" sz="2200" b="0" strike="noStrike" spc="-1" dirty="0">
-              <a:solidFill>
-                <a:srgbClr val="000000"/>
-              </a:solidFill>
-              <a:uFill>
-                <a:solidFill>
-                  <a:srgbClr val="FFFFFF"/>
-                </a:solidFill>
-              </a:uFill>
-              <a:latin typeface="Arial"/>
+            <a:endParaRPr lang="en-US" sz="2400" b="0" strike="noStrike" spc="-1" dirty="0">
+              <a:solidFill>
+                <a:srgbClr val="000000"/>
+              </a:solidFill>
+              <a:uFill>
+                <a:solidFill>
+                  <a:srgbClr val="FFFFFF"/>
+                </a:solidFill>
+              </a:uFill>
+              <a:latin typeface="Arial" panose="020B0604020202020204" pitchFamily="34" charset="0"/>
+              <a:cs typeface="Arial" panose="020B0604020202020204" pitchFamily="34" charset="0"/>
             </a:endParaRPr>
           </a:p>
           <a:p>
@@ -6349,6 +6436,25 @@
               <a:buFont typeface="Arial" panose="020B0604020202020204" pitchFamily="34" charset="0"/>
               <a:buChar char="•"/>
             </a:pPr>
+            <a:endParaRPr lang="en-US" sz="2400" spc="-1" dirty="0">
+              <a:solidFill>
+                <a:srgbClr val="000000"/>
+              </a:solidFill>
+              <a:uFill>
+                <a:solidFill>
+                  <a:srgbClr val="FFFFFF"/>
+                </a:solidFill>
+              </a:uFill>
+              <a:latin typeface="Arial" panose="020B0604020202020204" pitchFamily="34" charset="0"/>
+              <a:cs typeface="Arial" panose="020B0604020202020204" pitchFamily="34" charset="0"/>
+            </a:endParaRPr>
+          </a:p>
+          <a:p>
+            <a:pPr>
+              <a:lnSpc>
+                <a:spcPct val="114000"/>
+              </a:lnSpc>
+            </a:pPr>
             <a:endParaRPr lang="en-US" sz="2200" spc="-1" dirty="0">
               <a:solidFill>
                 <a:srgbClr val="000000"/>
@@ -6358,25 +6464,8 @@
                   <a:srgbClr val="FFFFFF"/>
                 </a:solidFill>
               </a:uFill>
-              <a:latin typeface="Arial"/>
-            </a:endParaRPr>
-          </a:p>
-          <a:p>
-            <a:pPr>
-              <a:lnSpc>
-                <a:spcPct val="114000"/>
-              </a:lnSpc>
-            </a:pPr>
-            <a:endParaRPr lang="en-US" sz="2200" spc="-1" dirty="0">
-              <a:solidFill>
-                <a:srgbClr val="000000"/>
-              </a:solidFill>
-              <a:uFill>
-                <a:solidFill>
-                  <a:srgbClr val="FFFFFF"/>
-                </a:solidFill>
-              </a:uFill>
-              <a:latin typeface="Arial"/>
+              <a:latin typeface="Arial" panose="020B0604020202020204" pitchFamily="34" charset="0"/>
+              <a:cs typeface="Arial" panose="020B0604020202020204" pitchFamily="34" charset="0"/>
             </a:endParaRPr>
           </a:p>
         </p:txBody>
@@ -6571,7 +6660,7 @@
         </p:nvSpPr>
         <p:spPr>
           <a:xfrm>
-            <a:off x="318960" y="984046"/>
+            <a:off x="318960" y="989183"/>
             <a:ext cx="8508600" cy="410040"/>
           </a:xfrm>
           <a:prstGeom prst="rect">
@@ -6743,28 +6832,31 @@
               <a:buChar char="•"/>
             </a:pPr>
             <a:r>
-              <a:rPr lang="en-US" sz="2200" spc="-1" dirty="0">
-                <a:solidFill>
-                  <a:srgbClr val="000000"/>
-                </a:solidFill>
-                <a:uFill>
-                  <a:solidFill>
-                    <a:srgbClr val="FFFFFF"/>
-                  </a:solidFill>
-                </a:uFill>
+              <a:rPr lang="en-US" sz="2400" spc="-1" dirty="0">
+                <a:solidFill>
+                  <a:srgbClr val="000000"/>
+                </a:solidFill>
+                <a:uFill>
+                  <a:solidFill>
+                    <a:srgbClr val="FFFFFF"/>
+                  </a:solidFill>
+                </a:uFill>
+                <a:latin typeface="Arial" panose="020B0604020202020204" pitchFamily="34" charset="0"/>
+                <a:cs typeface="Arial" panose="020B0604020202020204" pitchFamily="34" charset="0"/>
               </a:rPr>
               <a:t>Select and Extract Cells around the Hole</a:t>
             </a:r>
-            <a:endParaRPr lang="en-US" sz="2200" b="0" strike="noStrike" spc="-1" dirty="0">
-              <a:solidFill>
-                <a:srgbClr val="000000"/>
-              </a:solidFill>
-              <a:uFill>
-                <a:solidFill>
-                  <a:srgbClr val="FFFFFF"/>
-                </a:solidFill>
-              </a:uFill>
-              <a:latin typeface="Arial"/>
+            <a:endParaRPr lang="en-US" sz="2400" b="0" strike="noStrike" spc="-1" dirty="0">
+              <a:solidFill>
+                <a:srgbClr val="000000"/>
+              </a:solidFill>
+              <a:uFill>
+                <a:solidFill>
+                  <a:srgbClr val="FFFFFF"/>
+                </a:solidFill>
+              </a:uFill>
+              <a:latin typeface="Arial" panose="020B0604020202020204" pitchFamily="34" charset="0"/>
+              <a:cs typeface="Arial" panose="020B0604020202020204" pitchFamily="34" charset="0"/>
             </a:endParaRPr>
           </a:p>
           <a:p>
@@ -6775,16 +6867,17 @@
               <a:buFont typeface="Arial" panose="020B0604020202020204" pitchFamily="34" charset="0"/>
               <a:buChar char="•"/>
             </a:pPr>
-            <a:endParaRPr lang="en-US" sz="2200" spc="-1" dirty="0">
-              <a:solidFill>
-                <a:srgbClr val="000000"/>
-              </a:solidFill>
-              <a:uFill>
-                <a:solidFill>
-                  <a:srgbClr val="FFFFFF"/>
-                </a:solidFill>
-              </a:uFill>
-              <a:latin typeface="Arial"/>
+            <a:endParaRPr lang="en-US" sz="2400" spc="-1" dirty="0">
+              <a:solidFill>
+                <a:srgbClr val="000000"/>
+              </a:solidFill>
+              <a:uFill>
+                <a:solidFill>
+                  <a:srgbClr val="FFFFFF"/>
+                </a:solidFill>
+              </a:uFill>
+              <a:latin typeface="Arial" panose="020B0604020202020204" pitchFamily="34" charset="0"/>
+              <a:cs typeface="Arial" panose="020B0604020202020204" pitchFamily="34" charset="0"/>
             </a:endParaRPr>
           </a:p>
           <a:p>
@@ -6793,16 +6886,17 @@
                 <a:spcPct val="114000"/>
               </a:lnSpc>
             </a:pPr>
-            <a:endParaRPr lang="en-US" sz="2200" spc="-1" dirty="0">
-              <a:solidFill>
-                <a:srgbClr val="000000"/>
-              </a:solidFill>
-              <a:uFill>
-                <a:solidFill>
-                  <a:srgbClr val="FFFFFF"/>
-                </a:solidFill>
-              </a:uFill>
-              <a:latin typeface="Arial"/>
+            <a:endParaRPr lang="en-US" sz="2400" spc="-1" dirty="0">
+              <a:solidFill>
+                <a:srgbClr val="000000"/>
+              </a:solidFill>
+              <a:uFill>
+                <a:solidFill>
+                  <a:srgbClr val="FFFFFF"/>
+                </a:solidFill>
+              </a:uFill>
+              <a:latin typeface="Arial" panose="020B0604020202020204" pitchFamily="34" charset="0"/>
+              <a:cs typeface="Arial" panose="020B0604020202020204" pitchFamily="34" charset="0"/>
             </a:endParaRPr>
           </a:p>
         </p:txBody>
@@ -6997,7 +7091,7 @@
         </p:nvSpPr>
         <p:spPr>
           <a:xfrm>
-            <a:off x="318960" y="984046"/>
+            <a:off x="318960" y="989183"/>
             <a:ext cx="8508600" cy="410040"/>
           </a:xfrm>
           <a:prstGeom prst="rect">
@@ -7169,28 +7263,31 @@
               <a:buChar char="•"/>
             </a:pPr>
             <a:r>
-              <a:rPr lang="en-US" sz="2200" spc="-1" dirty="0">
-                <a:solidFill>
-                  <a:srgbClr val="000000"/>
-                </a:solidFill>
-                <a:uFill>
-                  <a:solidFill>
-                    <a:srgbClr val="FFFFFF"/>
-                  </a:solidFill>
-                </a:uFill>
+              <a:rPr lang="en-US" sz="2400" spc="-1" dirty="0">
+                <a:solidFill>
+                  <a:srgbClr val="000000"/>
+                </a:solidFill>
+                <a:uFill>
+                  <a:solidFill>
+                    <a:srgbClr val="FFFFFF"/>
+                  </a:solidFill>
+                </a:uFill>
+                <a:latin typeface="Arial" panose="020B0604020202020204" pitchFamily="34" charset="0"/>
+                <a:cs typeface="Arial" panose="020B0604020202020204" pitchFamily="34" charset="0"/>
               </a:rPr>
               <a:t>Select and Extract Cells around the Hole</a:t>
             </a:r>
-            <a:endParaRPr lang="en-US" sz="2200" b="0" strike="noStrike" spc="-1" dirty="0">
-              <a:solidFill>
-                <a:srgbClr val="000000"/>
-              </a:solidFill>
-              <a:uFill>
-                <a:solidFill>
-                  <a:srgbClr val="FFFFFF"/>
-                </a:solidFill>
-              </a:uFill>
-              <a:latin typeface="Arial"/>
+            <a:endParaRPr lang="en-US" sz="2400" b="0" strike="noStrike" spc="-1" dirty="0">
+              <a:solidFill>
+                <a:srgbClr val="000000"/>
+              </a:solidFill>
+              <a:uFill>
+                <a:solidFill>
+                  <a:srgbClr val="FFFFFF"/>
+                </a:solidFill>
+              </a:uFill>
+              <a:latin typeface="Arial" panose="020B0604020202020204" pitchFamily="34" charset="0"/>
+              <a:cs typeface="Arial" panose="020B0604020202020204" pitchFamily="34" charset="0"/>
             </a:endParaRPr>
           </a:p>
           <a:p>
@@ -7201,16 +7298,17 @@
               <a:buFont typeface="Arial" panose="020B0604020202020204" pitchFamily="34" charset="0"/>
               <a:buChar char="•"/>
             </a:pPr>
-            <a:endParaRPr lang="en-US" sz="2200" spc="-1" dirty="0">
-              <a:solidFill>
-                <a:srgbClr val="000000"/>
-              </a:solidFill>
-              <a:uFill>
-                <a:solidFill>
-                  <a:srgbClr val="FFFFFF"/>
-                </a:solidFill>
-              </a:uFill>
-              <a:latin typeface="Arial"/>
+            <a:endParaRPr lang="en-US" sz="2400" spc="-1" dirty="0">
+              <a:solidFill>
+                <a:srgbClr val="000000"/>
+              </a:solidFill>
+              <a:uFill>
+                <a:solidFill>
+                  <a:srgbClr val="FFFFFF"/>
+                </a:solidFill>
+              </a:uFill>
+              <a:latin typeface="Arial" panose="020B0604020202020204" pitchFamily="34" charset="0"/>
+              <a:cs typeface="Arial" panose="020B0604020202020204" pitchFamily="34" charset="0"/>
             </a:endParaRPr>
           </a:p>
           <a:p>
@@ -7219,16 +7317,17 @@
                 <a:spcPct val="114000"/>
               </a:lnSpc>
             </a:pPr>
-            <a:endParaRPr lang="en-US" sz="2200" spc="-1" dirty="0">
-              <a:solidFill>
-                <a:srgbClr val="000000"/>
-              </a:solidFill>
-              <a:uFill>
-                <a:solidFill>
-                  <a:srgbClr val="FFFFFF"/>
-                </a:solidFill>
-              </a:uFill>
-              <a:latin typeface="Arial"/>
+            <a:endParaRPr lang="en-US" sz="2400" spc="-1" dirty="0">
+              <a:solidFill>
+                <a:srgbClr val="000000"/>
+              </a:solidFill>
+              <a:uFill>
+                <a:solidFill>
+                  <a:srgbClr val="FFFFFF"/>
+                </a:solidFill>
+              </a:uFill>
+              <a:latin typeface="Arial" panose="020B0604020202020204" pitchFamily="34" charset="0"/>
+              <a:cs typeface="Arial" panose="020B0604020202020204" pitchFamily="34" charset="0"/>
             </a:endParaRPr>
           </a:p>
         </p:txBody>
@@ -7423,7 +7522,7 @@
         </p:nvSpPr>
         <p:spPr>
           <a:xfrm>
-            <a:off x="318960" y="984046"/>
+            <a:off x="318960" y="989183"/>
             <a:ext cx="8508600" cy="410040"/>
           </a:xfrm>
           <a:prstGeom prst="rect">
@@ -7608,7 +7707,7 @@
         </p:nvSpPr>
         <p:spPr>
           <a:xfrm>
-            <a:off x="318960" y="1762200"/>
+            <a:off x="318960" y="1772474"/>
             <a:ext cx="8508600" cy="4699080"/>
           </a:xfrm>
           <a:prstGeom prst="rect">
@@ -7631,7 +7730,7 @@
               <a:buChar char="•"/>
             </a:pPr>
             <a:r>
-              <a:rPr lang="en-US" sz="2200" b="0" strike="noStrike" spc="-1" dirty="0">
+              <a:rPr lang="en-US" sz="2400" b="0" strike="noStrike" spc="-1" dirty="0">
                 <a:solidFill>
                   <a:srgbClr val="000000"/>
                 </a:solidFill>
@@ -7654,7 +7753,7 @@
               <a:buChar char="•"/>
             </a:pPr>
             <a:r>
-              <a:rPr lang="en-US" sz="2200" spc="-1" dirty="0">
+              <a:rPr lang="en-US" sz="2400" spc="-1" dirty="0">
                 <a:solidFill>
                   <a:srgbClr val="000000"/>
                 </a:solidFill>
@@ -7677,7 +7776,7 @@
               <a:buChar char="•"/>
             </a:pPr>
             <a:r>
-              <a:rPr lang="en-US" sz="2200" b="0" strike="noStrike" spc="-1" dirty="0">
+              <a:rPr lang="en-US" sz="2400" b="0" strike="noStrike" spc="-1" dirty="0">
                 <a:solidFill>
                   <a:srgbClr val="000000"/>
                 </a:solidFill>
@@ -7700,7 +7799,7 @@
               <a:buChar char="•"/>
             </a:pPr>
             <a:r>
-              <a:rPr lang="en-US" sz="2200" spc="-1" dirty="0">
+              <a:rPr lang="en-US" sz="2400" spc="-1" dirty="0">
                 <a:solidFill>
                   <a:srgbClr val="000000"/>
                 </a:solidFill>
@@ -7723,7 +7822,7 @@
               <a:buChar char="•"/>
             </a:pPr>
             <a:r>
-              <a:rPr lang="en-US" sz="2200" b="0" strike="noStrike" spc="-1" dirty="0">
+              <a:rPr lang="en-US" sz="2400" b="0" strike="noStrike" spc="-1" dirty="0">
                 <a:solidFill>
                   <a:srgbClr val="000000"/>
                 </a:solidFill>
@@ -7746,7 +7845,7 @@
               <a:buChar char="•"/>
             </a:pPr>
             <a:r>
-              <a:rPr lang="en-US" sz="2200" spc="-1" dirty="0">
+              <a:rPr lang="en-US" sz="2400" spc="-1" dirty="0">
                 <a:solidFill>
                   <a:srgbClr val="000000"/>
                 </a:solidFill>
@@ -7769,7 +7868,7 @@
               <a:buChar char="•"/>
             </a:pPr>
             <a:r>
-              <a:rPr lang="en-US" sz="2200" spc="-1" dirty="0">
+              <a:rPr lang="en-US" sz="2400" spc="-1" dirty="0">
                 <a:solidFill>
                   <a:srgbClr val="000000"/>
                 </a:solidFill>
@@ -7783,7 +7882,7 @@
               <a:t>Introduction to .</a:t>
             </a:r>
             <a:r>
-              <a:rPr lang="en-US" sz="2200" spc="-1" dirty="0" err="1">
+              <a:rPr lang="en-US" sz="2400" spc="-1" dirty="0" err="1">
                 <a:solidFill>
                   <a:srgbClr val="000000"/>
                 </a:solidFill>
@@ -7797,7 +7896,7 @@
               <a:t>vtu</a:t>
             </a:r>
             <a:r>
-              <a:rPr lang="en-US" sz="2200" spc="-1" dirty="0">
+              <a:rPr lang="en-US" sz="2400" spc="-1" dirty="0">
                 <a:solidFill>
                   <a:srgbClr val="000000"/>
                 </a:solidFill>
@@ -7819,7 +7918,7 @@
               <a:buFont typeface="Arial" panose="020B0604020202020204" pitchFamily="34" charset="0"/>
               <a:buChar char="•"/>
             </a:pPr>
-            <a:endParaRPr lang="en-US" sz="2200" spc="-1" dirty="0">
+            <a:endParaRPr lang="en-US" sz="2400" spc="-1" dirty="0">
               <a:solidFill>
                 <a:srgbClr val="000000"/>
               </a:solidFill>
@@ -7839,7 +7938,7 @@
               <a:buFont typeface="Arial" panose="020B0604020202020204" pitchFamily="34" charset="0"/>
               <a:buChar char="•"/>
             </a:pPr>
-            <a:endParaRPr lang="en-US" sz="2200" spc="-1" dirty="0">
+            <a:endParaRPr lang="en-US" sz="2400" spc="-1" dirty="0">
               <a:solidFill>
                 <a:srgbClr val="000000"/>
               </a:solidFill>
@@ -7859,7 +7958,7 @@
               <a:buFont typeface="Arial" panose="020B0604020202020204" pitchFamily="34" charset="0"/>
               <a:buChar char="•"/>
             </a:pPr>
-            <a:endParaRPr lang="en-US" sz="2200" spc="-1" dirty="0">
+            <a:endParaRPr lang="en-US" sz="2400" spc="-1" dirty="0">
               <a:solidFill>
                 <a:srgbClr val="000000"/>
               </a:solidFill>
@@ -7880,7 +7979,7 @@
               <a:buChar char="•"/>
             </a:pPr>
             <a:r>
-              <a:rPr lang="en-US" sz="2200" spc="-1" dirty="0">
+              <a:rPr lang="en-US" sz="2400" spc="-1" dirty="0">
                 <a:solidFill>
                   <a:srgbClr val="000000"/>
                 </a:solidFill>
@@ -7894,7 +7993,7 @@
               <a:t>Scripting in </a:t>
             </a:r>
             <a:r>
-              <a:rPr lang="en-US" sz="2200" spc="-1" dirty="0" err="1">
+              <a:rPr lang="en-US" sz="2400" spc="-1" dirty="0" err="1">
                 <a:solidFill>
                   <a:srgbClr val="000000"/>
                 </a:solidFill>
@@ -7907,7 +8006,7 @@
               </a:rPr>
               <a:t>PVPython</a:t>
             </a:r>
-            <a:endParaRPr lang="en-US" sz="2200" spc="-1" dirty="0">
+            <a:endParaRPr lang="en-US" sz="2400" spc="-1" dirty="0">
               <a:solidFill>
                 <a:srgbClr val="000000"/>
               </a:solidFill>
@@ -8312,7 +8411,7 @@
         </p:nvSpPr>
         <p:spPr>
           <a:xfrm>
-            <a:off x="318960" y="1762200"/>
+            <a:off x="318960" y="1772474"/>
             <a:ext cx="8508600" cy="4699080"/>
           </a:xfrm>
           <a:prstGeom prst="rect">
@@ -8335,7 +8434,7 @@
               <a:buChar char="•"/>
             </a:pPr>
             <a:r>
-              <a:rPr lang="en-US" sz="2200" spc="-1" dirty="0">
+              <a:rPr lang="en-US" sz="2400" spc="-1" dirty="0">
                 <a:solidFill>
                   <a:srgbClr val="000000"/>
                 </a:solidFill>
@@ -8358,7 +8457,7 @@
               <a:buChar char="•"/>
             </a:pPr>
             <a:r>
-              <a:rPr lang="en-US" sz="2200" spc="-1" dirty="0">
+              <a:rPr lang="en-US" sz="2400" spc="-1" dirty="0">
                 <a:solidFill>
                   <a:srgbClr val="000000"/>
                 </a:solidFill>
@@ -8380,7 +8479,25 @@
               <a:buFont typeface="Arial" panose="020B0604020202020204" pitchFamily="34" charset="0"/>
               <a:buChar char="•"/>
             </a:pPr>
-            <a:endParaRPr lang="en-US" sz="2200" spc="-1" dirty="0">
+            <a:endParaRPr lang="en-US" sz="2400" spc="-1" dirty="0">
+              <a:solidFill>
+                <a:srgbClr val="000000"/>
+              </a:solidFill>
+              <a:uFill>
+                <a:solidFill>
+                  <a:srgbClr val="FFFFFF"/>
+                </a:solidFill>
+              </a:uFill>
+              <a:latin typeface="Arial"/>
+            </a:endParaRPr>
+          </a:p>
+          <a:p>
+            <a:pPr lvl="1">
+              <a:lnSpc>
+                <a:spcPct val="114000"/>
+              </a:lnSpc>
+            </a:pPr>
+            <a:endParaRPr lang="de-DE" sz="2400" spc="-1" dirty="0">
               <a:solidFill>
                 <a:srgbClr val="000000"/>
               </a:solidFill>
@@ -8400,7 +8517,7 @@
               <a:buFont typeface="Arial" panose="020B0604020202020204" pitchFamily="34" charset="0"/>
               <a:buChar char="•"/>
             </a:pPr>
-            <a:endParaRPr lang="en-US" sz="2200" spc="-1" dirty="0">
+            <a:endParaRPr lang="en-US" sz="2400" spc="-1" dirty="0">
               <a:solidFill>
                 <a:srgbClr val="000000"/>
               </a:solidFill>
@@ -8420,20 +8537,23 @@
               <a:buFont typeface="Arial" panose="020B0604020202020204" pitchFamily="34" charset="0"/>
               <a:buChar char="•"/>
             </a:pPr>
-            <a:endParaRPr lang="en-US" sz="2200" spc="-1" dirty="0">
-              <a:solidFill>
-                <a:srgbClr val="000000"/>
-              </a:solidFill>
-              <a:uFill>
-                <a:solidFill>
-                  <a:srgbClr val="FFFFFF"/>
-                </a:solidFill>
-              </a:uFill>
-              <a:latin typeface="Arial"/>
-            </a:endParaRPr>
-          </a:p>
-          <a:p>
-            <a:pPr marL="800100" lvl="1" indent="-342900">
+            <a:r>
+              <a:rPr lang="en-US" sz="2400" spc="-1" dirty="0">
+                <a:solidFill>
+                  <a:srgbClr val="000000"/>
+                </a:solidFill>
+                <a:uFill>
+                  <a:solidFill>
+                    <a:srgbClr val="FFFFFF"/>
+                  </a:solidFill>
+                </a:uFill>
+                <a:latin typeface="Arial"/>
+              </a:rPr>
+              <a:t>Further Experiments with Extraction methods</a:t>
+            </a:r>
+          </a:p>
+          <a:p>
+            <a:pPr marL="1257300" lvl="2" indent="-342900">
               <a:lnSpc>
                 <a:spcPct val="114000"/>
               </a:lnSpc>
@@ -8441,42 +8561,39 @@
               <a:buChar char="•"/>
             </a:pPr>
             <a:r>
-              <a:rPr lang="en-US" sz="2200" spc="-1" dirty="0">
-                <a:solidFill>
-                  <a:srgbClr val="000000"/>
-                </a:solidFill>
-                <a:uFill>
-                  <a:solidFill>
-                    <a:srgbClr val="FFFFFF"/>
-                  </a:solidFill>
-                </a:uFill>
-                <a:latin typeface="Arial"/>
-              </a:rPr>
-              <a:t>Further Experiments with Extraction methods</a:t>
-            </a:r>
-          </a:p>
-          <a:p>
-            <a:pPr marL="1257300" lvl="2" indent="-342900">
+              <a:rPr lang="en-US" sz="2400" spc="-1" dirty="0">
+                <a:solidFill>
+                  <a:srgbClr val="000000"/>
+                </a:solidFill>
+                <a:uFill>
+                  <a:solidFill>
+                    <a:srgbClr val="FFFFFF"/>
+                  </a:solidFill>
+                </a:uFill>
+                <a:latin typeface="Arial"/>
+              </a:rPr>
+              <a:t>Is there a better way? </a:t>
+            </a:r>
+          </a:p>
+          <a:p>
+            <a:pPr marL="800100" lvl="1" indent="-342900">
               <a:lnSpc>
                 <a:spcPct val="114000"/>
               </a:lnSpc>
               <a:buFont typeface="Arial" panose="020B0604020202020204" pitchFamily="34" charset="0"/>
               <a:buChar char="•"/>
             </a:pPr>
-            <a:r>
-              <a:rPr lang="en-US" sz="2200" spc="-1" dirty="0">
-                <a:solidFill>
-                  <a:srgbClr val="000000"/>
-                </a:solidFill>
-                <a:uFill>
-                  <a:solidFill>
-                    <a:srgbClr val="FFFFFF"/>
-                  </a:solidFill>
-                </a:uFill>
-                <a:latin typeface="Arial"/>
-              </a:rPr>
-              <a:t>Is there a better way? </a:t>
-            </a:r>
+            <a:endParaRPr lang="en-US" sz="2400" spc="-1" dirty="0">
+              <a:solidFill>
+                <a:srgbClr val="000000"/>
+              </a:solidFill>
+              <a:uFill>
+                <a:solidFill>
+                  <a:srgbClr val="FFFFFF"/>
+                </a:solidFill>
+              </a:uFill>
+              <a:latin typeface="Arial"/>
+            </a:endParaRPr>
           </a:p>
           <a:p>
             <a:pPr marL="800100" lvl="1" indent="-342900">
@@ -8486,7 +8603,25 @@
               <a:buFont typeface="Arial" panose="020B0604020202020204" pitchFamily="34" charset="0"/>
               <a:buChar char="•"/>
             </a:pPr>
-            <a:endParaRPr lang="en-US" sz="2200" spc="-1" dirty="0">
+            <a:endParaRPr lang="en-US" sz="2400" spc="-1" dirty="0">
+              <a:solidFill>
+                <a:srgbClr val="000000"/>
+              </a:solidFill>
+              <a:uFill>
+                <a:solidFill>
+                  <a:srgbClr val="FFFFFF"/>
+                </a:solidFill>
+              </a:uFill>
+              <a:latin typeface="Arial"/>
+            </a:endParaRPr>
+          </a:p>
+          <a:p>
+            <a:pPr lvl="1">
+              <a:lnSpc>
+                <a:spcPct val="114000"/>
+              </a:lnSpc>
+            </a:pPr>
+            <a:endParaRPr lang="en-US" sz="2400" spc="-1" dirty="0">
               <a:solidFill>
                 <a:srgbClr val="000000"/>
               </a:solidFill>
@@ -8506,46 +8641,8 @@
               <a:buFont typeface="Arial" panose="020B0604020202020204" pitchFamily="34" charset="0"/>
               <a:buChar char="•"/>
             </a:pPr>
-            <a:endParaRPr lang="en-US" sz="2200" spc="-1" dirty="0">
-              <a:solidFill>
-                <a:srgbClr val="000000"/>
-              </a:solidFill>
-              <a:uFill>
-                <a:solidFill>
-                  <a:srgbClr val="FFFFFF"/>
-                </a:solidFill>
-              </a:uFill>
-              <a:latin typeface="Arial"/>
-            </a:endParaRPr>
-          </a:p>
-          <a:p>
-            <a:pPr lvl="1">
-              <a:lnSpc>
-                <a:spcPct val="114000"/>
-              </a:lnSpc>
-            </a:pPr>
-            <a:endParaRPr lang="en-US" sz="2200" spc="-1" dirty="0">
-              <a:solidFill>
-                <a:srgbClr val="000000"/>
-              </a:solidFill>
-              <a:uFill>
-                <a:solidFill>
-                  <a:srgbClr val="FFFFFF"/>
-                </a:solidFill>
-              </a:uFill>
-              <a:latin typeface="Arial"/>
-            </a:endParaRPr>
-          </a:p>
-          <a:p>
-            <a:pPr marL="800100" lvl="1" indent="-342900">
-              <a:lnSpc>
-                <a:spcPct val="114000"/>
-              </a:lnSpc>
-              <a:buFont typeface="Arial" panose="020B0604020202020204" pitchFamily="34" charset="0"/>
-              <a:buChar char="•"/>
-            </a:pPr>
-            <a:r>
-              <a:rPr lang="en-US" sz="2200" spc="-1" dirty="0">
+            <a:r>
+              <a:rPr lang="en-US" sz="2400" spc="-1" dirty="0">
                 <a:solidFill>
                   <a:srgbClr val="000000"/>
                 </a:solidFill>
@@ -9394,21 +9491,151 @@
           <a:bodyPr lIns="0" tIns="0" rIns="0" bIns="0"/>
           <a:lstStyle/>
           <a:p>
+            <a:pPr marL="285750" indent="-285750">
+              <a:lnSpc>
+                <a:spcPct val="114000"/>
+              </a:lnSpc>
+              <a:buFont typeface="Arial" panose="020B0604020202020204" pitchFamily="34" charset="0"/>
+              <a:buChar char="•"/>
+            </a:pPr>
+            <a:r>
+              <a:rPr lang="en-US" sz="2400" i="1" dirty="0" err="1">
+                <a:latin typeface="Arial" panose="020B0604020202020204" pitchFamily="34" charset="0"/>
+                <a:cs typeface="Arial" panose="020B0604020202020204" pitchFamily="34" charset="0"/>
+              </a:rPr>
+              <a:t>ParaView</a:t>
+            </a:r>
+            <a:r>
+              <a:rPr lang="en-US" sz="2400" dirty="0">
+                <a:latin typeface="Arial" panose="020B0604020202020204" pitchFamily="34" charset="0"/>
+                <a:cs typeface="Arial" panose="020B0604020202020204" pitchFamily="34" charset="0"/>
+              </a:rPr>
+              <a:t>, </a:t>
+            </a:r>
+            <a:r>
+              <a:rPr lang="en-US" sz="2400" dirty="0" err="1">
+                <a:latin typeface="Arial" panose="020B0604020202020204" pitchFamily="34" charset="0"/>
+                <a:cs typeface="Arial" panose="020B0604020202020204" pitchFamily="34" charset="0"/>
+              </a:rPr>
+              <a:t>Kitware</a:t>
+            </a:r>
+            <a:r>
+              <a:rPr lang="en-US" sz="2400" dirty="0">
+                <a:latin typeface="Arial" panose="020B0604020202020204" pitchFamily="34" charset="0"/>
+                <a:cs typeface="Arial" panose="020B0604020202020204" pitchFamily="34" charset="0"/>
+              </a:rPr>
+              <a:t>, </a:t>
+            </a:r>
+            <a:r>
+              <a:rPr lang="en-US" sz="2400" dirty="0">
+                <a:latin typeface="Arial" panose="020B0604020202020204" pitchFamily="34" charset="0"/>
+                <a:cs typeface="Arial" panose="020B0604020202020204" pitchFamily="34" charset="0"/>
+                <a:hlinkClick r:id="rId2"/>
+              </a:rPr>
+              <a:t>www.paraview.org/Wiki/ParaView</a:t>
+            </a:r>
+            <a:endParaRPr lang="en-US" sz="2400" dirty="0">
+              <a:latin typeface="Arial" panose="020B0604020202020204" pitchFamily="34" charset="0"/>
+              <a:cs typeface="Arial" panose="020B0604020202020204" pitchFamily="34" charset="0"/>
+            </a:endParaRPr>
+          </a:p>
+          <a:p>
+            <a:pPr marL="285750" indent="-285750">
+              <a:lnSpc>
+                <a:spcPct val="114000"/>
+              </a:lnSpc>
+              <a:buFont typeface="Arial" panose="020B0604020202020204" pitchFamily="34" charset="0"/>
+              <a:buChar char="•"/>
+            </a:pPr>
+            <a:endParaRPr lang="en-US" sz="2400" dirty="0"/>
+          </a:p>
+          <a:p>
+            <a:pPr marL="285750" indent="-285750">
+              <a:lnSpc>
+                <a:spcPct val="114000"/>
+              </a:lnSpc>
+              <a:buFont typeface="Arial" panose="020B0604020202020204" pitchFamily="34" charset="0"/>
+              <a:buChar char="•"/>
+            </a:pPr>
+            <a:r>
+              <a:rPr lang="en-US" sz="2400" dirty="0"/>
+              <a:t>“</a:t>
+            </a:r>
+            <a:r>
+              <a:rPr lang="en-US" sz="2400" dirty="0" err="1"/>
+              <a:t>Paraview</a:t>
+            </a:r>
+            <a:r>
+              <a:rPr lang="en-US" sz="2400" dirty="0"/>
+              <a:t> Home - </a:t>
+            </a:r>
+            <a:r>
+              <a:rPr lang="en-US" sz="2400" dirty="0" err="1"/>
+              <a:t>MarkMail</a:t>
+            </a:r>
+            <a:r>
+              <a:rPr lang="en-US" sz="2400" dirty="0"/>
+              <a:t> - Community Libraries.” </a:t>
+            </a:r>
+            <a:r>
+              <a:rPr lang="en-US" sz="2400" i="1" dirty="0" err="1"/>
+              <a:t>Paraview</a:t>
+            </a:r>
+            <a:r>
+              <a:rPr lang="en-US" sz="2400" i="1" dirty="0"/>
+              <a:t> Home - </a:t>
+            </a:r>
+            <a:r>
+              <a:rPr lang="en-US" sz="2400" i="1" dirty="0" err="1"/>
+              <a:t>MarkMail</a:t>
+            </a:r>
+            <a:r>
+              <a:rPr lang="en-US" sz="2400" i="1" dirty="0"/>
+              <a:t> - Community Libraries</a:t>
+            </a:r>
+            <a:r>
+              <a:rPr lang="en-US" sz="2400" dirty="0"/>
+              <a:t>, paraview.markmail.org/</a:t>
+            </a:r>
+          </a:p>
+          <a:p>
+            <a:pPr marL="285750" indent="-285750">
+              <a:lnSpc>
+                <a:spcPct val="114000"/>
+              </a:lnSpc>
+              <a:buFont typeface="Arial" panose="020B0604020202020204" pitchFamily="34" charset="0"/>
+              <a:buChar char="•"/>
+            </a:pPr>
+            <a:endParaRPr lang="de-DE" sz="2400" b="0" strike="noStrike" spc="-1" dirty="0">
+              <a:solidFill>
+                <a:srgbClr val="000000"/>
+              </a:solidFill>
+              <a:uFill>
+                <a:solidFill>
+                  <a:srgbClr val="FFFFFF"/>
+                </a:solidFill>
+              </a:uFill>
+              <a:latin typeface="Arial" panose="020B0604020202020204" pitchFamily="34" charset="0"/>
+              <a:cs typeface="Arial" panose="020B0604020202020204" pitchFamily="34" charset="0"/>
+            </a:endParaRPr>
+          </a:p>
+          <a:p>
             <a:pPr>
               <a:lnSpc>
                 <a:spcPct val="114000"/>
               </a:lnSpc>
             </a:pPr>
-            <a:endParaRPr lang="de-DE" sz="1600" b="0" strike="noStrike" spc="-1" dirty="0">
-              <a:solidFill>
-                <a:srgbClr val="000000"/>
-              </a:solidFill>
-              <a:uFill>
-                <a:solidFill>
-                  <a:srgbClr val="FFFFFF"/>
-                </a:solidFill>
-              </a:uFill>
-              <a:latin typeface="Arial"/>
+            <a:endParaRPr lang="de-DE" sz="2400" b="0" strike="noStrike" spc="-1" dirty="0">
+              <a:solidFill>
+                <a:srgbClr val="000000"/>
+              </a:solidFill>
+              <a:uFill>
+                <a:solidFill>
+                  <a:srgbClr val="FFFFFF"/>
+                </a:solidFill>
+              </a:uFill>
+              <a:latin typeface="Arial" panose="020B0604020202020204" pitchFamily="34" charset="0"/>
+              <a:cs typeface="Arial" panose="020B0604020202020204" pitchFamily="34" charset="0"/>
             </a:endParaRPr>
           </a:p>
           <a:p>
@@ -9417,16 +9644,17 @@
                 <a:spcPct val="114000"/>
               </a:lnSpc>
             </a:pPr>
-            <a:endParaRPr lang="de-DE" sz="1600" b="0" strike="noStrike" spc="-1" dirty="0">
-              <a:solidFill>
-                <a:srgbClr val="000000"/>
-              </a:solidFill>
-              <a:uFill>
-                <a:solidFill>
-                  <a:srgbClr val="FFFFFF"/>
-                </a:solidFill>
-              </a:uFill>
-              <a:latin typeface="Arial"/>
+            <a:endParaRPr lang="de-DE" sz="2400" b="0" strike="noStrike" spc="-1" dirty="0">
+              <a:solidFill>
+                <a:srgbClr val="000000"/>
+              </a:solidFill>
+              <a:uFill>
+                <a:solidFill>
+                  <a:srgbClr val="FFFFFF"/>
+                </a:solidFill>
+              </a:uFill>
+              <a:latin typeface="Arial" panose="020B0604020202020204" pitchFamily="34" charset="0"/>
+              <a:cs typeface="Arial" panose="020B0604020202020204" pitchFamily="34" charset="0"/>
             </a:endParaRPr>
           </a:p>
         </p:txBody>
@@ -9729,7 +9957,7 @@
         </p:nvSpPr>
         <p:spPr>
           <a:xfrm>
-            <a:off x="318960" y="1762200"/>
+            <a:off x="313823" y="1762200"/>
             <a:ext cx="8508600" cy="4699080"/>
           </a:xfrm>
           <a:prstGeom prst="rect">
@@ -9744,9 +9972,9 @@
           <a:bodyPr lIns="0" tIns="0" rIns="0" bIns="0"/>
           <a:lstStyle/>
           <a:p>
-            <a:pPr marL="343260" indent="-342900">
-              <a:lnSpc>
-                <a:spcPct val="100000"/>
+            <a:pPr marL="347472" indent="-342900">
+              <a:lnSpc>
+                <a:spcPct val="113000"/>
               </a:lnSpc>
               <a:buClr>
                 <a:srgbClr val="000000"/>
@@ -9755,7 +9983,7 @@
               <a:buChar char="•"/>
             </a:pPr>
             <a:r>
-              <a:rPr lang="en-US" sz="2400" b="0" strike="noStrike" spc="-1" dirty="0">
+              <a:rPr lang="en-US" sz="2400" spc="-1" dirty="0">
                 <a:solidFill>
                   <a:srgbClr val="000000"/>
                 </a:solidFill>
@@ -9770,9 +9998,9 @@
             </a:r>
           </a:p>
           <a:p>
-            <a:pPr marL="343260" indent="-342900">
-              <a:lnSpc>
-                <a:spcPct val="100000"/>
+            <a:pPr marL="347472" indent="-342900">
+              <a:lnSpc>
+                <a:spcPct val="113000"/>
               </a:lnSpc>
               <a:buClr>
                 <a:srgbClr val="000000"/>
@@ -9794,22 +10022,11 @@
               </a:rPr>
               <a:t>Paraview</a:t>
             </a:r>
-            <a:endParaRPr lang="en-US" sz="2400" b="0" strike="noStrike" spc="-1" dirty="0">
-              <a:solidFill>
-                <a:srgbClr val="000000"/>
-              </a:solidFill>
-              <a:uFill>
-                <a:solidFill>
-                  <a:srgbClr val="FFFFFF"/>
-                </a:solidFill>
-              </a:uFill>
-              <a:latin typeface="Arial"/>
-            </a:endParaRPr>
-          </a:p>
-          <a:p>
-            <a:pPr marL="343260" indent="-342900">
-              <a:lnSpc>
-                <a:spcPct val="100000"/>
+          </a:p>
+          <a:p>
+            <a:pPr marL="347472" indent="-342900">
+              <a:lnSpc>
+                <a:spcPct val="113000"/>
               </a:lnSpc>
               <a:buClr>
                 <a:srgbClr val="000000"/>
@@ -9818,7 +10035,7 @@
               <a:buChar char="•"/>
             </a:pPr>
             <a:r>
-              <a:rPr lang="en-US" sz="2400" b="0" strike="noStrike" spc="-1" dirty="0">
+              <a:rPr lang="en-US" sz="2400" spc="-1" dirty="0">
                 <a:solidFill>
                   <a:srgbClr val="000000"/>
                 </a:solidFill>
@@ -9833,9 +10050,9 @@
             </a:r>
           </a:p>
           <a:p>
-            <a:pPr marL="343260" indent="-342900">
-              <a:lnSpc>
-                <a:spcPct val="100000"/>
+            <a:pPr marL="347472" indent="-342900">
+              <a:lnSpc>
+                <a:spcPct val="113000"/>
               </a:lnSpc>
               <a:buClr>
                 <a:srgbClr val="000000"/>
@@ -9844,7 +10061,7 @@
               <a:buChar char="•"/>
             </a:pPr>
             <a:r>
-              <a:rPr lang="en-US" sz="2400" b="0" strike="noStrike" spc="-1" dirty="0">
+              <a:rPr lang="en-US" sz="2400" spc="-1" dirty="0">
                 <a:solidFill>
                   <a:srgbClr val="000000"/>
                 </a:solidFill>
@@ -9857,22 +10074,11 @@
               </a:rPr>
               <a:t>Features</a:t>
             </a:r>
-            <a:endParaRPr lang="en-US" sz="1600" b="0" strike="noStrike" spc="-1" dirty="0">
-              <a:solidFill>
-                <a:srgbClr val="000000"/>
-              </a:solidFill>
-              <a:uFill>
-                <a:solidFill>
-                  <a:srgbClr val="FFFFFF"/>
-                </a:solidFill>
-              </a:uFill>
-              <a:latin typeface="Arial"/>
-            </a:endParaRPr>
-          </a:p>
-          <a:p>
-            <a:pPr marL="343260" indent="-342900">
-              <a:lnSpc>
-                <a:spcPct val="100000"/>
+          </a:p>
+          <a:p>
+            <a:pPr marL="347472" indent="-342900">
+              <a:lnSpc>
+                <a:spcPct val="113000"/>
               </a:lnSpc>
               <a:buClr>
                 <a:srgbClr val="000000"/>
@@ -9881,7 +10087,7 @@
               <a:buChar char="•"/>
             </a:pPr>
             <a:r>
-              <a:rPr lang="en-US" sz="2400" b="0" strike="noStrike" spc="-1" dirty="0">
+              <a:rPr lang="en-US" sz="2400" spc="-1" dirty="0">
                 <a:solidFill>
                   <a:srgbClr val="000000"/>
                 </a:solidFill>
@@ -9894,22 +10100,11 @@
               </a:rPr>
               <a:t>Timeline</a:t>
             </a:r>
-            <a:endParaRPr lang="en-US" sz="1600" b="0" strike="noStrike" spc="-1" dirty="0">
-              <a:solidFill>
-                <a:srgbClr val="000000"/>
-              </a:solidFill>
-              <a:uFill>
-                <a:solidFill>
-                  <a:srgbClr val="FFFFFF"/>
-                </a:solidFill>
-              </a:uFill>
-              <a:latin typeface="Arial"/>
-            </a:endParaRPr>
           </a:p>
           <a:p>
             <a:pPr>
               <a:lnSpc>
-                <a:spcPct val="114000"/>
+                <a:spcPct val="113000"/>
               </a:lnSpc>
             </a:pPr>
             <a:endParaRPr lang="de-DE" sz="1600" b="0" strike="noStrike" spc="-1" dirty="0">
@@ -10247,7 +10442,7 @@
               <a:buChar char="•"/>
             </a:pPr>
             <a:r>
-              <a:rPr lang="en-US" sz="2200" b="0" strike="noStrike" spc="-1" dirty="0">
+              <a:rPr lang="en-US" sz="2400" b="0" strike="noStrike" spc="-1" dirty="0">
                 <a:solidFill>
                   <a:srgbClr val="000000"/>
                 </a:solidFill>
@@ -10270,7 +10465,7 @@
               <a:buChar char="•"/>
             </a:pPr>
             <a:r>
-              <a:rPr lang="en-US" sz="2200" spc="-1" dirty="0">
+              <a:rPr lang="en-US" sz="2400" spc="-1" dirty="0">
                 <a:solidFill>
                   <a:srgbClr val="000000"/>
                 </a:solidFill>
@@ -10293,7 +10488,7 @@
               <a:buChar char="•"/>
             </a:pPr>
             <a:r>
-              <a:rPr lang="en-US" sz="2200" b="0" strike="noStrike" spc="-1" dirty="0">
+              <a:rPr lang="en-US" sz="2400" b="0" strike="noStrike" spc="-1" dirty="0">
                 <a:solidFill>
                   <a:srgbClr val="000000"/>
                 </a:solidFill>
@@ -10306,6 +10501,80 @@
               </a:rPr>
               <a:t>May be “expensive”</a:t>
             </a:r>
+          </a:p>
+          <a:p>
+            <a:pPr marL="342900" indent="-342900">
+              <a:lnSpc>
+                <a:spcPct val="114000"/>
+              </a:lnSpc>
+              <a:buFont typeface="Arial" panose="020B0604020202020204" pitchFamily="34" charset="0"/>
+              <a:buChar char="•"/>
+            </a:pPr>
+            <a:r>
+              <a:rPr lang="de-DE" sz="2400" spc="-1" dirty="0" err="1">
+                <a:solidFill>
+                  <a:srgbClr val="000000"/>
+                </a:solidFill>
+                <a:uFill>
+                  <a:solidFill>
+                    <a:srgbClr val="FFFFFF"/>
+                  </a:solidFill>
+                </a:uFill>
+              </a:rPr>
+              <a:t>Visualization</a:t>
+            </a:r>
+            <a:r>
+              <a:rPr lang="de-DE" sz="2400" spc="-1" dirty="0">
+                <a:solidFill>
+                  <a:srgbClr val="000000"/>
+                </a:solidFill>
+                <a:uFill>
+                  <a:solidFill>
+                    <a:srgbClr val="FFFFFF"/>
+                  </a:solidFill>
+                </a:uFill>
+              </a:rPr>
+              <a:t> and </a:t>
+            </a:r>
+            <a:r>
+              <a:rPr lang="de-DE" sz="2400" spc="-1" dirty="0">
+                <a:solidFill>
+                  <a:srgbClr val="000000"/>
+                </a:solidFill>
+                <a:uFill>
+                  <a:solidFill>
+                    <a:srgbClr val="FFFFFF"/>
+                  </a:solidFill>
+                </a:uFill>
+                <a:latin typeface="Arial"/>
+              </a:rPr>
+              <a:t>I</a:t>
+            </a:r>
+            <a:r>
+              <a:rPr lang="de-DE" sz="2400" b="0" strike="noStrike" spc="-1" dirty="0">
+                <a:solidFill>
+                  <a:srgbClr val="000000"/>
+                </a:solidFill>
+                <a:uFill>
+                  <a:solidFill>
+                    <a:srgbClr val="FFFFFF"/>
+                  </a:solidFill>
+                </a:uFill>
+                <a:latin typeface="Arial"/>
+              </a:rPr>
+              <a:t>nterpretation</a:t>
+            </a:r>
+            <a:endParaRPr lang="en-US" sz="2400" b="0" strike="noStrike" spc="-1" dirty="0">
+              <a:solidFill>
+                <a:srgbClr val="000000"/>
+              </a:solidFill>
+              <a:uFill>
+                <a:solidFill>
+                  <a:srgbClr val="FFFFFF"/>
+                </a:solidFill>
+              </a:uFill>
+              <a:latin typeface="Arial"/>
+            </a:endParaRPr>
           </a:p>
           <a:p>
             <a:pPr>
@@ -10757,6 +11026,95 @@
             <a:r>
               <a:rPr lang="en-GB" sz="900" dirty="0"/>
               <a:t>Source: https://www.aproplan.com/layout/uploads/2017/09/resource-bim-the-importance-of-bim-in-the-lighting-industry.jpg</a:t>
+            </a:r>
+          </a:p>
+        </p:txBody>
+      </p:sp>
+      <p:sp>
+        <p:nvSpPr>
+          <p:cNvPr id="10" name="Rechteck: gefaltete Ecke 9">
+            <a:extLst>
+              <a:ext uri="{FF2B5EF4-FFF2-40B4-BE49-F238E27FC236}">
+                <a16:creationId xmlns:a16="http://schemas.microsoft.com/office/drawing/2014/main" id="{614005DA-132A-4EDF-B4B0-52E109C4B1B5}"/>
+              </a:ext>
+            </a:extLst>
+          </p:cNvPr>
+          <p:cNvSpPr/>
+          <p:nvPr/>
+        </p:nvSpPr>
+        <p:spPr>
+          <a:xfrm>
+            <a:off x="4308754" y="815424"/>
+            <a:ext cx="2550498" cy="946776"/>
+          </a:xfrm>
+          <a:prstGeom prst="foldedCorner">
+            <a:avLst/>
+          </a:prstGeom>
+          <a:solidFill>
+            <a:srgbClr val="FFFF00"/>
+          </a:solidFill>
+          <a:ln>
+            <a:noFill/>
+          </a:ln>
+        </p:spPr>
+        <p:style>
+          <a:lnRef idx="2">
+            <a:schemeClr val="accent1">
+              <a:shade val="50000"/>
+            </a:schemeClr>
+          </a:lnRef>
+          <a:fillRef idx="1">
+            <a:schemeClr val="accent1"/>
+          </a:fillRef>
+          <a:effectRef idx="0">
+            <a:schemeClr val="accent1"/>
+          </a:effectRef>
+          <a:fontRef idx="minor">
+            <a:schemeClr val="lt1"/>
+          </a:fontRef>
+        </p:style>
+        <p:txBody>
+          <a:bodyPr rtlCol="0" anchor="ctr"/>
+          <a:lstStyle/>
+          <a:p>
+            <a:pPr algn="ctr"/>
+            <a:r>
+              <a:rPr lang="en-GB" sz="1200" dirty="0">
+                <a:solidFill>
+                  <a:schemeClr val="tx1"/>
+                </a:solidFill>
+              </a:rPr>
+              <a:t>Maybe </a:t>
+            </a:r>
+            <a:r>
+              <a:rPr lang="en-GB" sz="1200" dirty="0" err="1">
+                <a:solidFill>
+                  <a:schemeClr val="tx1"/>
+                </a:solidFill>
+              </a:rPr>
+              <a:t>sth</a:t>
+            </a:r>
+            <a:r>
+              <a:rPr lang="en-GB" sz="1200" dirty="0">
+                <a:solidFill>
+                  <a:schemeClr val="tx1"/>
+                </a:solidFill>
+              </a:rPr>
+              <a:t>. like:</a:t>
+            </a:r>
+          </a:p>
+          <a:p>
+            <a:pPr marL="171450" indent="-171450" algn="ctr">
+              <a:buFont typeface="Arial" panose="020B0604020202020204" pitchFamily="34" charset="0"/>
+              <a:buChar char="•"/>
+            </a:pPr>
+            <a:r>
+              <a:rPr lang="en-GB" sz="1200" dirty="0">
+                <a:solidFill>
+                  <a:schemeClr val="tx1"/>
+                </a:solidFill>
+              </a:rPr>
+              <a:t>Visualization and interpretation of the results</a:t>
             </a:r>
           </a:p>
         </p:txBody>
@@ -10844,7 +11202,7 @@
               <a:buChar char="•"/>
             </a:pPr>
             <a:r>
-              <a:rPr lang="en-US" sz="2200" b="0" strike="noStrike" spc="-1" dirty="0">
+              <a:rPr lang="en-US" sz="2400" spc="-1" dirty="0">
                 <a:solidFill>
                   <a:srgbClr val="000000"/>
                 </a:solidFill>
@@ -10867,7 +11225,7 @@
               <a:buChar char="•"/>
             </a:pPr>
             <a:r>
-              <a:rPr lang="en-US" sz="2200" b="0" strike="noStrike" spc="-1" dirty="0">
+              <a:rPr lang="en-US" sz="2400" spc="-1" dirty="0">
                 <a:solidFill>
                   <a:srgbClr val="000000"/>
                 </a:solidFill>
@@ -10890,7 +11248,7 @@
               <a:buChar char="•"/>
             </a:pPr>
             <a:r>
-              <a:rPr lang="en-US" sz="2200" spc="-1" dirty="0">
+              <a:rPr lang="en-US" sz="2400" spc="-1" dirty="0">
                 <a:solidFill>
                   <a:srgbClr val="000000"/>
                 </a:solidFill>
@@ -10903,17 +11261,6 @@
               </a:rPr>
               <a:t>Visualization</a:t>
             </a:r>
-            <a:endParaRPr lang="en-US" sz="2200" b="0" strike="noStrike" spc="-1" dirty="0">
-              <a:solidFill>
-                <a:srgbClr val="000000"/>
-              </a:solidFill>
-              <a:uFill>
-                <a:solidFill>
-                  <a:srgbClr val="FFFFFF"/>
-                </a:solidFill>
-              </a:uFill>
-              <a:latin typeface="Arial"/>
-            </a:endParaRPr>
           </a:p>
           <a:p>
             <a:pPr marL="342900" indent="-342900">
@@ -10924,7 +11271,7 @@
               <a:buChar char="•"/>
             </a:pPr>
             <a:r>
-              <a:rPr lang="en-US" sz="2200" spc="-1" dirty="0">
+              <a:rPr lang="en-US" sz="2400" spc="-1" dirty="0">
                 <a:solidFill>
                   <a:srgbClr val="000000"/>
                 </a:solidFill>
@@ -10947,7 +11294,7 @@
               <a:buChar char="•"/>
             </a:pPr>
             <a:r>
-              <a:rPr lang="en-US" sz="2200" spc="-1" dirty="0">
+              <a:rPr lang="en-US" sz="2400" spc="-1" dirty="0">
                 <a:solidFill>
                   <a:srgbClr val="000000"/>
                 </a:solidFill>
@@ -10970,15 +11317,16 @@
               <a:buChar char="•"/>
             </a:pPr>
             <a:r>
-              <a:rPr lang="en-US" sz="2200" spc="-1" dirty="0">
-                <a:solidFill>
-                  <a:srgbClr val="000000"/>
-                </a:solidFill>
-                <a:uFill>
-                  <a:solidFill>
-                    <a:srgbClr val="FFFFFF"/>
-                  </a:solidFill>
-                </a:uFill>
+              <a:rPr lang="en-US" sz="2400" spc="-1" dirty="0">
+                <a:solidFill>
+                  <a:srgbClr val="000000"/>
+                </a:solidFill>
+                <a:uFill>
+                  <a:solidFill>
+                    <a:srgbClr val="FFFFFF"/>
+                  </a:solidFill>
+                </a:uFill>
+                <a:latin typeface="Arial"/>
               </a:rPr>
               <a:t>VTK-Files </a:t>
             </a:r>
@@ -10992,93 +11340,100 @@
               <a:buChar char="•"/>
             </a:pPr>
             <a:r>
-              <a:rPr lang="en-US" sz="2200" spc="-1" dirty="0">
-                <a:solidFill>
-                  <a:srgbClr val="000000"/>
-                </a:solidFill>
-                <a:uFill>
-                  <a:solidFill>
-                    <a:srgbClr val="FFFFFF"/>
-                  </a:solidFill>
-                </a:uFill>
+              <a:rPr lang="en-US" sz="2400" spc="-1" dirty="0">
+                <a:solidFill>
+                  <a:srgbClr val="000000"/>
+                </a:solidFill>
+                <a:uFill>
+                  <a:solidFill>
+                    <a:srgbClr val="FFFFFF"/>
+                  </a:solidFill>
+                </a:uFill>
+                <a:latin typeface="Arial"/>
               </a:rPr>
               <a:t>(</a:t>
             </a:r>
             <a:r>
-              <a:rPr lang="en-US" sz="2200" b="1" spc="-1" dirty="0">
-                <a:solidFill>
-                  <a:srgbClr val="000000"/>
-                </a:solidFill>
-                <a:uFill>
-                  <a:solidFill>
-                    <a:srgbClr val="FFFFFF"/>
-                  </a:solidFill>
-                </a:uFill>
+              <a:rPr lang="en-US" sz="2400" b="1" spc="-1" dirty="0">
+                <a:solidFill>
+                  <a:srgbClr val="000000"/>
+                </a:solidFill>
+                <a:uFill>
+                  <a:solidFill>
+                    <a:srgbClr val="FFFFFF"/>
+                  </a:solidFill>
+                </a:uFill>
+                <a:latin typeface="Arial"/>
               </a:rPr>
               <a:t>V</a:t>
             </a:r>
             <a:r>
-              <a:rPr lang="en-US" sz="2200" spc="-1" dirty="0">
-                <a:solidFill>
-                  <a:srgbClr val="000000"/>
-                </a:solidFill>
-                <a:uFill>
-                  <a:solidFill>
-                    <a:srgbClr val="FFFFFF"/>
-                  </a:solidFill>
-                </a:uFill>
+              <a:rPr lang="en-US" sz="2400" spc="-1" dirty="0">
+                <a:solidFill>
+                  <a:srgbClr val="000000"/>
+                </a:solidFill>
+                <a:uFill>
+                  <a:solidFill>
+                    <a:srgbClr val="FFFFFF"/>
+                  </a:solidFill>
+                </a:uFill>
+                <a:latin typeface="Arial"/>
               </a:rPr>
               <a:t>isualization </a:t>
             </a:r>
             <a:r>
-              <a:rPr lang="en-US" sz="2200" b="1" spc="-1" dirty="0">
-                <a:solidFill>
-                  <a:srgbClr val="000000"/>
-                </a:solidFill>
-                <a:uFill>
-                  <a:solidFill>
-                    <a:srgbClr val="FFFFFF"/>
-                  </a:solidFill>
-                </a:uFill>
+              <a:rPr lang="en-US" sz="2400" b="1" spc="-1" dirty="0">
+                <a:solidFill>
+                  <a:srgbClr val="000000"/>
+                </a:solidFill>
+                <a:uFill>
+                  <a:solidFill>
+                    <a:srgbClr val="FFFFFF"/>
+                  </a:solidFill>
+                </a:uFill>
+                <a:latin typeface="Arial"/>
               </a:rPr>
               <a:t>T</a:t>
             </a:r>
             <a:r>
-              <a:rPr lang="en-US" sz="2200" spc="-1" dirty="0">
-                <a:solidFill>
-                  <a:srgbClr val="000000"/>
-                </a:solidFill>
-                <a:uFill>
-                  <a:solidFill>
-                    <a:srgbClr val="FFFFFF"/>
-                  </a:solidFill>
-                </a:uFill>
+              <a:rPr lang="en-US" sz="2400" spc="-1" dirty="0">
+                <a:solidFill>
+                  <a:srgbClr val="000000"/>
+                </a:solidFill>
+                <a:uFill>
+                  <a:solidFill>
+                    <a:srgbClr val="FFFFFF"/>
+                  </a:solidFill>
+                </a:uFill>
+                <a:latin typeface="Arial"/>
               </a:rPr>
               <a:t>ool</a:t>
             </a:r>
             <a:r>
-              <a:rPr lang="en-US" sz="2200" b="1" spc="-1" dirty="0">
-                <a:solidFill>
-                  <a:srgbClr val="000000"/>
-                </a:solidFill>
-                <a:uFill>
-                  <a:solidFill>
-                    <a:srgbClr val="FFFFFF"/>
-                  </a:solidFill>
-                </a:uFill>
+              <a:rPr lang="en-US" sz="2400" b="1" spc="-1" dirty="0">
+                <a:solidFill>
+                  <a:srgbClr val="000000"/>
+                </a:solidFill>
+                <a:uFill>
+                  <a:solidFill>
+                    <a:srgbClr val="FFFFFF"/>
+                  </a:solidFill>
+                </a:uFill>
+                <a:latin typeface="Arial"/>
               </a:rPr>
               <a:t>k</a:t>
             </a:r>
             <a:r>
-              <a:rPr lang="en-US" sz="2200" spc="-1" dirty="0">
-                <a:solidFill>
-                  <a:srgbClr val="000000"/>
-                </a:solidFill>
-                <a:uFill>
-                  <a:solidFill>
-                    <a:srgbClr val="FFFFFF"/>
-                  </a:solidFill>
-                </a:uFill>
+              <a:rPr lang="en-US" sz="2400" spc="-1" dirty="0">
+                <a:solidFill>
+                  <a:srgbClr val="000000"/>
+                </a:solidFill>
+                <a:uFill>
+                  <a:solidFill>
+                    <a:srgbClr val="FFFFFF"/>
+                  </a:solidFill>
+                </a:uFill>
+                <a:latin typeface="Arial"/>
               </a:rPr>
               <a:t>it)</a:t>
             </a:r>
@@ -11092,15 +11447,16 @@
               <a:buChar char="•"/>
             </a:pPr>
             <a:r>
-              <a:rPr lang="en-US" sz="2200" spc="-1" dirty="0">
-                <a:solidFill>
-                  <a:srgbClr val="000000"/>
-                </a:solidFill>
-                <a:uFill>
-                  <a:solidFill>
-                    <a:srgbClr val="FFFFFF"/>
-                  </a:solidFill>
-                </a:uFill>
+              <a:rPr lang="en-US" sz="2400" spc="-1" dirty="0">
+                <a:solidFill>
+                  <a:srgbClr val="000000"/>
+                </a:solidFill>
+                <a:uFill>
+                  <a:solidFill>
+                    <a:srgbClr val="FFFFFF"/>
+                  </a:solidFill>
+                </a:uFill>
+                <a:latin typeface="Arial"/>
               </a:rPr>
               <a:t>XML-structure</a:t>
             </a:r>
@@ -12966,7 +13322,7 @@
               <a:buChar char="•"/>
             </a:pPr>
             <a:r>
-              <a:rPr lang="en-US" sz="2200" spc="-1" dirty="0">
+              <a:rPr lang="en-US" sz="2400" spc="-1" dirty="0">
                 <a:solidFill>
                   <a:srgbClr val="000000"/>
                 </a:solidFill>
@@ -12988,7 +13344,7 @@
               <a:buFont typeface="Arial" panose="020B0604020202020204" pitchFamily="34" charset="0"/>
               <a:buChar char="•"/>
             </a:pPr>
-            <a:endParaRPr lang="en-US" sz="2200" b="0" strike="noStrike" spc="-1" dirty="0">
+            <a:endParaRPr lang="en-US" sz="2400" spc="-1" dirty="0">
               <a:solidFill>
                 <a:srgbClr val="000000"/>
               </a:solidFill>
@@ -13008,7 +13364,7 @@
               <a:buFont typeface="Arial" panose="020B0604020202020204" pitchFamily="34" charset="0"/>
               <a:buChar char="•"/>
             </a:pPr>
-            <a:endParaRPr lang="en-US" sz="2200" spc="-1" dirty="0">
+            <a:endParaRPr lang="en-US" sz="2400" spc="-1" dirty="0">
               <a:solidFill>
                 <a:srgbClr val="000000"/>
               </a:solidFill>
@@ -13028,7 +13384,7 @@
               <a:buFont typeface="Arial" panose="020B0604020202020204" pitchFamily="34" charset="0"/>
               <a:buChar char="•"/>
             </a:pPr>
-            <a:endParaRPr lang="en-US" sz="2200" spc="-1" dirty="0">
+            <a:endParaRPr lang="en-US" sz="2400" spc="-1" dirty="0">
               <a:solidFill>
                 <a:srgbClr val="000000"/>
               </a:solidFill>
@@ -13048,7 +13404,7 @@
               <a:buFont typeface="Arial" panose="020B0604020202020204" pitchFamily="34" charset="0"/>
               <a:buChar char="•"/>
             </a:pPr>
-            <a:endParaRPr lang="en-US" sz="2200" spc="-1" dirty="0">
+            <a:endParaRPr lang="en-US" sz="2400" spc="-1" dirty="0">
               <a:solidFill>
                 <a:srgbClr val="000000"/>
               </a:solidFill>
@@ -13068,7 +13424,7 @@
               <a:buFont typeface="Arial" panose="020B0604020202020204" pitchFamily="34" charset="0"/>
               <a:buChar char="•"/>
             </a:pPr>
-            <a:endParaRPr lang="en-US" sz="2200" b="0" strike="noStrike" spc="-1" dirty="0">
+            <a:endParaRPr lang="en-US" sz="2400" spc="-1" dirty="0">
               <a:solidFill>
                 <a:srgbClr val="000000"/>
               </a:solidFill>
@@ -13089,7 +13445,7 @@
               <a:buChar char="•"/>
             </a:pPr>
             <a:r>
-              <a:rPr lang="en-US" sz="2200" spc="-1" dirty="0">
+              <a:rPr lang="en-US" sz="2400" spc="-1" dirty="0">
                 <a:solidFill>
                   <a:srgbClr val="000000"/>
                 </a:solidFill>
@@ -13102,17 +13458,6 @@
               </a:rPr>
               <a:t>Cube with a Hole</a:t>
             </a:r>
-            <a:endParaRPr lang="en-US" sz="2200" b="0" strike="noStrike" spc="-1" dirty="0">
-              <a:solidFill>
-                <a:srgbClr val="000000"/>
-              </a:solidFill>
-              <a:uFill>
-                <a:solidFill>
-                  <a:srgbClr val="FFFFFF"/>
-                </a:solidFill>
-              </a:uFill>
-              <a:latin typeface="Arial"/>
-            </a:endParaRPr>
           </a:p>
           <a:p>
             <a:pPr marL="342900" indent="-342900">
@@ -13364,7 +13709,7 @@
         </p:nvSpPr>
         <p:spPr>
           <a:xfrm>
-            <a:off x="311040" y="999360"/>
+            <a:off x="316177" y="989086"/>
             <a:ext cx="8508600" cy="410040"/>
           </a:xfrm>
           <a:prstGeom prst="rect">
@@ -13536,7 +13881,7 @@
               <a:buChar char="•"/>
             </a:pPr>
             <a:r>
-              <a:rPr lang="en-US" sz="2200" spc="-1" dirty="0">
+              <a:rPr lang="en-US" sz="2400" spc="-1" dirty="0">
                 <a:solidFill>
                   <a:srgbClr val="000000"/>
                 </a:solidFill>
@@ -13549,7 +13894,7 @@
               </a:rPr>
               <a:t>Starting Point: Cell Selection and Extraction</a:t>
             </a:r>
-            <a:endParaRPr lang="en-US" sz="2200" b="0" strike="noStrike" spc="-1" dirty="0">
+            <a:endParaRPr lang="en-US" sz="2400" b="0" strike="noStrike" spc="-1" dirty="0">
               <a:solidFill>
                 <a:srgbClr val="000000"/>
               </a:solidFill>
@@ -13811,7 +14156,7 @@
         </p:nvSpPr>
         <p:spPr>
           <a:xfrm>
-            <a:off x="318960" y="994320"/>
+            <a:off x="318960" y="989183"/>
             <a:ext cx="8508600" cy="410040"/>
           </a:xfrm>
           <a:prstGeom prst="rect">
@@ -13955,7 +14300,7 @@
         </p:nvSpPr>
         <p:spPr>
           <a:xfrm>
-            <a:off x="318960" y="1774080"/>
+            <a:off x="318960" y="1779217"/>
             <a:ext cx="8508600" cy="4699080"/>
           </a:xfrm>
           <a:prstGeom prst="rect">
@@ -13978,7 +14323,7 @@
               <a:buChar char="•"/>
             </a:pPr>
             <a:r>
-              <a:rPr lang="en-US" sz="2200" b="0" strike="noStrike" spc="-1" dirty="0">
+              <a:rPr lang="en-US" sz="2400" b="0" strike="noStrike" spc="-1" dirty="0">
                 <a:solidFill>
                   <a:srgbClr val="000000"/>
                 </a:solidFill>
@@ -14230,62 +14575,6 @@
                 </a:solidFill>
               </a:uFill>
               <a:latin typeface="Times New Roman"/>
-            </a:endParaRPr>
-          </a:p>
-        </p:txBody>
-      </p:sp>
-      <p:sp>
-        <p:nvSpPr>
-          <p:cNvPr id="104" name="TextShape 4"/>
-          <p:cNvSpPr txBox="1"/>
-          <p:nvPr/>
-        </p:nvSpPr>
-        <p:spPr>
-          <a:xfrm>
-            <a:off x="318960" y="994320"/>
-            <a:ext cx="8508600" cy="410040"/>
-          </a:xfrm>
-          <a:prstGeom prst="rect">
-            <a:avLst/>
-          </a:prstGeom>
-          <a:noFill/>
-          <a:ln w="9360">
-            <a:noFill/>
-          </a:ln>
-        </p:spPr>
-        <p:txBody>
-          <a:bodyPr lIns="0" tIns="0" rIns="0" bIns="0"/>
-          <a:lstStyle/>
-          <a:p>
-            <a:pPr>
-              <a:lnSpc>
-                <a:spcPts val="1129"/>
-              </a:lnSpc>
-            </a:pPr>
-            <a:r>
-              <a:rPr lang="en-US" sz="3000" b="0" strike="noStrike" spc="-1" dirty="0">
-                <a:solidFill>
-                  <a:srgbClr val="000000"/>
-                </a:solidFill>
-                <a:uFill>
-                  <a:solidFill>
-                    <a:srgbClr val="FFFFFF"/>
-                  </a:solidFill>
-                </a:uFill>
-                <a:latin typeface="Arial"/>
-              </a:rPr>
-              <a:t>Features</a:t>
-            </a:r>
-            <a:endParaRPr lang="en-US" sz="2200" b="0" strike="noStrike" spc="-1" dirty="0">
-              <a:solidFill>
-                <a:srgbClr val="000000"/>
-              </a:solidFill>
-              <a:uFill>
-                <a:solidFill>
-                  <a:srgbClr val="FFFFFF"/>
-                </a:solidFill>
-              </a:uFill>
-              <a:latin typeface="Arial"/>
             </a:endParaRPr>
           </a:p>
         </p:txBody>
@@ -14326,6 +14615,68 @@
           </a:prstGeom>
         </p:spPr>
       </p:pic>
+      <p:sp>
+        <p:nvSpPr>
+          <p:cNvPr id="7" name="TextShape 4">
+            <a:extLst>
+              <a:ext uri="{FF2B5EF4-FFF2-40B4-BE49-F238E27FC236}">
+                <a16:creationId xmlns:a16="http://schemas.microsoft.com/office/drawing/2014/main" id="{99F5CBF9-74C0-4023-BDF1-FA85D7CC9426}"/>
+              </a:ext>
+            </a:extLst>
+          </p:cNvPr>
+          <p:cNvSpPr txBox="1"/>
+          <p:nvPr/>
+        </p:nvSpPr>
+        <p:spPr>
+          <a:xfrm>
+            <a:off x="318960" y="989183"/>
+            <a:ext cx="8508600" cy="410040"/>
+          </a:xfrm>
+          <a:prstGeom prst="rect">
+            <a:avLst/>
+          </a:prstGeom>
+          <a:noFill/>
+          <a:ln w="9360">
+            <a:noFill/>
+          </a:ln>
+        </p:spPr>
+        <p:txBody>
+          <a:bodyPr lIns="0" tIns="0" rIns="0" bIns="0"/>
+          <a:lstStyle/>
+          <a:p>
+            <a:pPr>
+              <a:lnSpc>
+                <a:spcPts val="1129"/>
+              </a:lnSpc>
+            </a:pPr>
+            <a:r>
+              <a:rPr lang="en-US" sz="3000" b="0" strike="noStrike" spc="-1" dirty="0">
+                <a:solidFill>
+                  <a:srgbClr val="000000"/>
+                </a:solidFill>
+                <a:uFill>
+                  <a:solidFill>
+                    <a:srgbClr val="FFFFFF"/>
+                  </a:solidFill>
+                </a:uFill>
+                <a:latin typeface="Arial"/>
+              </a:rPr>
+              <a:t>Features</a:t>
+            </a:r>
+            <a:endParaRPr lang="en-US" sz="2200" b="0" strike="noStrike" spc="-1" dirty="0">
+              <a:solidFill>
+                <a:srgbClr val="000000"/>
+              </a:solidFill>
+              <a:uFill>
+                <a:solidFill>
+                  <a:srgbClr val="FFFFFF"/>
+                </a:solidFill>
+              </a:uFill>
+              <a:latin typeface="Arial"/>
+            </a:endParaRPr>
+          </a:p>
+        </p:txBody>
+      </p:sp>
     </p:spTree>
     <p:extLst>
       <p:ext uri="{BB962C8B-B14F-4D97-AF65-F5344CB8AC3E}">
@@ -14391,7 +14742,7 @@
         </p:nvSpPr>
         <p:spPr>
           <a:xfrm>
-            <a:off x="318960" y="1774080"/>
+            <a:off x="318960" y="1779217"/>
             <a:ext cx="8508600" cy="4699080"/>
           </a:xfrm>
           <a:prstGeom prst="rect">
@@ -14414,7 +14765,7 @@
               <a:buChar char="•"/>
             </a:pPr>
             <a:r>
-              <a:rPr lang="en-US" sz="2200" b="0" strike="noStrike" spc="-1" dirty="0">
+              <a:rPr lang="en-US" sz="2400" b="0" strike="noStrike" spc="-1" dirty="0">
                 <a:solidFill>
                   <a:srgbClr val="000000"/>
                 </a:solidFill>
@@ -14436,7 +14787,7 @@
               <a:buFont typeface="Arial" panose="020B0604020202020204" pitchFamily="34" charset="0"/>
               <a:buChar char="•"/>
             </a:pPr>
-            <a:endParaRPr lang="en-US" sz="2200" b="0" strike="noStrike" spc="-1" dirty="0">
+            <a:endParaRPr lang="en-US" sz="2400" b="0" strike="noStrike" spc="-1" dirty="0">
               <a:solidFill>
                 <a:srgbClr val="000000"/>
               </a:solidFill>
@@ -14456,7 +14807,7 @@
               <a:buFont typeface="Arial" panose="020B0604020202020204" pitchFamily="34" charset="0"/>
               <a:buChar char="•"/>
             </a:pPr>
-            <a:endParaRPr lang="en-US" sz="2200" spc="-1" dirty="0">
+            <a:endParaRPr lang="en-US" sz="2400" spc="-1" dirty="0">
               <a:solidFill>
                 <a:srgbClr val="000000"/>
               </a:solidFill>
@@ -14474,7 +14825,7 @@
                 <a:spcPct val="114000"/>
               </a:lnSpc>
             </a:pPr>
-            <a:endParaRPr lang="en-US" sz="2200" spc="-1" dirty="0">
+            <a:endParaRPr lang="en-US" sz="2400" spc="-1" dirty="0">
               <a:solidFill>
                 <a:srgbClr val="000000"/>
               </a:solidFill>
@@ -14678,7 +15029,7 @@
         </p:nvSpPr>
         <p:spPr>
           <a:xfrm>
-            <a:off x="318960" y="994320"/>
+            <a:off x="318960" y="989183"/>
             <a:ext cx="8508600" cy="410040"/>
           </a:xfrm>
           <a:prstGeom prst="rect">
